--- a/slides/Monodroid101.pptx
+++ b/slides/Monodroid101.pptx
@@ -1,11 +1,11 @@
 
 <file path=ppt/presentation.xml><?xml version="1.0" encoding="utf-8"?>
-<p:presentation xmlns:a="http://schemas.openxmlformats.org/drawingml/2006/main" xmlns:r="http://schemas.openxmlformats.org/officeDocument/2006/relationships" xmlns:p="http://schemas.openxmlformats.org/presentationml/2006/main" saveSubsetFonts="1">
+<p:presentation xmlns:a="http://schemas.openxmlformats.org/drawingml/2006/main" xmlns:r="http://schemas.openxmlformats.org/officeDocument/2006/relationships" xmlns:mc="http://schemas.openxmlformats.org/markup-compatibility/2006" xmlns:mv="urn:schemas-microsoft-com:mac:vml" xmlns:p="http://schemas.openxmlformats.org/presentationml/2006/main" mc:Ignorable="mv" mc:PreserveAttributes="mv:*" saveSubsetFonts="1">
   <p:sldMasterIdLst>
     <p:sldMasterId id="2147483672" r:id="rId1"/>
   </p:sldMasterIdLst>
   <p:notesMasterIdLst>
-    <p:notesMasterId r:id="rId29"/>
+    <p:notesMasterId r:id="rId27"/>
   </p:notesMasterIdLst>
   <p:sldIdLst>
     <p:sldId id="256" r:id="rId2"/>
@@ -16,25 +16,23 @@
     <p:sldId id="284" r:id="rId7"/>
     <p:sldId id="282" r:id="rId8"/>
     <p:sldId id="285" r:id="rId9"/>
-    <p:sldId id="275" r:id="rId10"/>
-    <p:sldId id="276" r:id="rId11"/>
-    <p:sldId id="277" r:id="rId12"/>
-    <p:sldId id="267" r:id="rId13"/>
-    <p:sldId id="268" r:id="rId14"/>
-    <p:sldId id="266" r:id="rId15"/>
-    <p:sldId id="271" r:id="rId16"/>
-    <p:sldId id="262" r:id="rId17"/>
-    <p:sldId id="272" r:id="rId18"/>
-    <p:sldId id="260" r:id="rId19"/>
-    <p:sldId id="263" r:id="rId20"/>
-    <p:sldId id="269" r:id="rId21"/>
-    <p:sldId id="270" r:id="rId22"/>
-    <p:sldId id="273" r:id="rId23"/>
-    <p:sldId id="274" r:id="rId24"/>
-    <p:sldId id="278" r:id="rId25"/>
-    <p:sldId id="279" r:id="rId26"/>
-    <p:sldId id="280" r:id="rId27"/>
-    <p:sldId id="259" r:id="rId28"/>
+    <p:sldId id="277" r:id="rId10"/>
+    <p:sldId id="267" r:id="rId11"/>
+    <p:sldId id="268" r:id="rId12"/>
+    <p:sldId id="266" r:id="rId13"/>
+    <p:sldId id="271" r:id="rId14"/>
+    <p:sldId id="262" r:id="rId15"/>
+    <p:sldId id="272" r:id="rId16"/>
+    <p:sldId id="260" r:id="rId17"/>
+    <p:sldId id="263" r:id="rId18"/>
+    <p:sldId id="269" r:id="rId19"/>
+    <p:sldId id="270" r:id="rId20"/>
+    <p:sldId id="273" r:id="rId21"/>
+    <p:sldId id="274" r:id="rId22"/>
+    <p:sldId id="278" r:id="rId23"/>
+    <p:sldId id="279" r:id="rId24"/>
+    <p:sldId id="280" r:id="rId25"/>
+    <p:sldId id="259" r:id="rId26"/>
   </p:sldIdLst>
   <p:sldSz cx="9144000" cy="6858000" type="screen4x3"/>
   <p:notesSz cx="6858000" cy="9144000"/>
@@ -137,7 +135,7 @@
 </file>
 
 <file path=ppt/notesMasters/notesMaster1.xml><?xml version="1.0" encoding="utf-8"?>
-<p:notesMaster xmlns:a="http://schemas.openxmlformats.org/drawingml/2006/main" xmlns:r="http://schemas.openxmlformats.org/officeDocument/2006/relationships" xmlns:p="http://schemas.openxmlformats.org/presentationml/2006/main">
+<p:notesMaster xmlns:a="http://schemas.openxmlformats.org/drawingml/2006/main" xmlns:r="http://schemas.openxmlformats.org/officeDocument/2006/relationships" xmlns:mc="http://schemas.openxmlformats.org/markup-compatibility/2006" xmlns:mv="urn:schemas-microsoft-com:mac:vml" xmlns:p="http://schemas.openxmlformats.org/presentationml/2006/main" mc:Ignorable="mv" mc:PreserveAttributes="mv:*">
   <p:cSld>
     <p:bg>
       <p:bgRef idx="1001">
@@ -223,7 +221,7 @@
             <a:fld id="{122FED64-F4A4-1445-90DE-B431FA7DF8D3}" type="datetimeFigureOut">
               <a:rPr lang="en-US" smtClean="0"/>
               <a:pPr/>
-              <a:t>11/9/2010</a:t>
+              <a:t>11/9/10</a:t>
             </a:fld>
             <a:endParaRPr lang="en-US" dirty="0"/>
           </a:p>
@@ -494,7 +492,7 @@
 </file>
 
 <file path=ppt/notesSlides/notesSlide1.xml><?xml version="1.0" encoding="utf-8"?>
-<p:notes xmlns:a="http://schemas.openxmlformats.org/drawingml/2006/main" xmlns:r="http://schemas.openxmlformats.org/officeDocument/2006/relationships" xmlns:p="http://schemas.openxmlformats.org/presentationml/2006/main">
+<p:notes xmlns:a="http://schemas.openxmlformats.org/drawingml/2006/main" xmlns:r="http://schemas.openxmlformats.org/officeDocument/2006/relationships" xmlns:mc="http://schemas.openxmlformats.org/markup-compatibility/2006" xmlns:mv="urn:schemas-microsoft-com:mac:vml" xmlns:p="http://schemas.openxmlformats.org/presentationml/2006/main" mc:Ignorable="mv" mc:PreserveAttributes="mv:*">
   <p:cSld>
     <p:spTree>
       <p:nvGrpSpPr>
@@ -539,6 +537,285 @@
           </a:bodyPr>
           <a:lstStyle/>
           <a:p>
+            <a:pPr>
+              <a:lnSpc>
+                <a:spcPct val="160000"/>
+              </a:lnSpc>
+            </a:pPr>
+            <a:r>
+              <a:rPr lang="en-US" dirty="0" err="1" smtClean="0"/>
+              <a:t>libc</a:t>
+            </a:r>
+            <a:endParaRPr lang="en-US" dirty="0" smtClean="0"/>
+          </a:p>
+          <a:p>
+            <a:pPr>
+              <a:lnSpc>
+                <a:spcPct val="160000"/>
+              </a:lnSpc>
+            </a:pPr>
+            <a:r>
+              <a:rPr lang="en-US" dirty="0" smtClean="0"/>
+              <a:t>Media libraries based on </a:t>
+            </a:r>
+            <a:r>
+              <a:rPr lang="en-US" dirty="0" err="1" smtClean="0"/>
+              <a:t>OpenCORE</a:t>
+            </a:r>
+            <a:endParaRPr lang="en-US" dirty="0" smtClean="0"/>
+          </a:p>
+          <a:p>
+            <a:pPr>
+              <a:lnSpc>
+                <a:spcPct val="160000"/>
+              </a:lnSpc>
+            </a:pPr>
+            <a:r>
+              <a:rPr lang="en-US" dirty="0" err="1" smtClean="0"/>
+              <a:t>LibWebCore</a:t>
+            </a:r>
+            <a:endParaRPr lang="en-US" dirty="0" smtClean="0"/>
+          </a:p>
+          <a:p>
+            <a:pPr>
+              <a:lnSpc>
+                <a:spcPct val="160000"/>
+              </a:lnSpc>
+            </a:pPr>
+            <a:r>
+              <a:rPr lang="en-US" dirty="0" smtClean="0"/>
+              <a:t>SGL for 2D and OpenGL ES for 3D Graphics</a:t>
+            </a:r>
+          </a:p>
+          <a:p>
+            <a:pPr>
+              <a:lnSpc>
+                <a:spcPct val="160000"/>
+              </a:lnSpc>
+            </a:pPr>
+            <a:r>
+              <a:rPr lang="en-US" dirty="0" err="1" smtClean="0"/>
+              <a:t>SQLite</a:t>
+            </a:r>
+            <a:endParaRPr lang="en-US" dirty="0" smtClean="0"/>
+          </a:p>
+          <a:p>
+            <a:endParaRPr lang="en-US" dirty="0"/>
+          </a:p>
+        </p:txBody>
+      </p:sp>
+      <p:sp>
+        <p:nvSpPr>
+          <p:cNvPr id="4" name="Slide Number Placeholder 3"/>
+          <p:cNvSpPr>
+            <a:spLocks noGrp="1"/>
+          </p:cNvSpPr>
+          <p:nvPr>
+            <p:ph type="sldNum" sz="quarter" idx="10"/>
+          </p:nvPr>
+        </p:nvSpPr>
+        <p:spPr/>
+        <p:txBody>
+          <a:bodyPr/>
+          <a:lstStyle/>
+          <a:p>
+            <a:fld id="{DA2E8BC1-B6F3-3D4E-8CDE-8AF731476279}" type="slidenum">
+              <a:rPr lang="en-US" smtClean="0"/>
+              <a:pPr/>
+              <a:t>5</a:t>
+            </a:fld>
+            <a:endParaRPr lang="en-US" dirty="0"/>
+          </a:p>
+        </p:txBody>
+      </p:sp>
+    </p:spTree>
+  </p:cSld>
+  <p:clrMapOvr>
+    <a:masterClrMapping/>
+  </p:clrMapOvr>
+</p:notes>
+</file>
+
+<file path=ppt/notesSlides/notesSlide2.xml><?xml version="1.0" encoding="utf-8"?>
+<p:notes xmlns:a="http://schemas.openxmlformats.org/drawingml/2006/main" xmlns:r="http://schemas.openxmlformats.org/officeDocument/2006/relationships" xmlns:mc="http://schemas.openxmlformats.org/markup-compatibility/2006" xmlns:mv="urn:schemas-microsoft-com:mac:vml" xmlns:p="http://schemas.openxmlformats.org/presentationml/2006/main" mc:Ignorable="mv" mc:PreserveAttributes="mv:*">
+  <p:cSld>
+    <p:spTree>
+      <p:nvGrpSpPr>
+        <p:cNvPr id="1" name=""/>
+        <p:cNvGrpSpPr/>
+        <p:nvPr/>
+      </p:nvGrpSpPr>
+      <p:grpSpPr>
+        <a:xfrm>
+          <a:off x="0" y="0"/>
+          <a:ext cx="0" cy="0"/>
+          <a:chOff x="0" y="0"/>
+          <a:chExt cx="0" cy="0"/>
+        </a:xfrm>
+      </p:grpSpPr>
+      <p:sp>
+        <p:nvSpPr>
+          <p:cNvPr id="2" name="Slide Image Placeholder 1"/>
+          <p:cNvSpPr>
+            <a:spLocks noGrp="1" noRot="1" noChangeAspect="1"/>
+          </p:cNvSpPr>
+          <p:nvPr>
+            <p:ph type="sldImg"/>
+          </p:nvPr>
+        </p:nvSpPr>
+        <p:spPr/>
+      </p:sp>
+      <p:sp>
+        <p:nvSpPr>
+          <p:cNvPr id="3" name="Notes Placeholder 2"/>
+          <p:cNvSpPr>
+            <a:spLocks noGrp="1"/>
+          </p:cNvSpPr>
+          <p:nvPr>
+            <p:ph type="body" idx="1"/>
+          </p:nvPr>
+        </p:nvSpPr>
+        <p:spPr/>
+        <p:txBody>
+          <a:bodyPr>
+            <a:normAutofit/>
+          </a:bodyPr>
+          <a:lstStyle/>
+          <a:p>
+            <a:pPr>
+              <a:lnSpc>
+                <a:spcPct val="160000"/>
+              </a:lnSpc>
+            </a:pPr>
+            <a:r>
+              <a:rPr lang="en-US" dirty="0" smtClean="0"/>
+              <a:t>Views</a:t>
+            </a:r>
+          </a:p>
+          <a:p>
+            <a:pPr>
+              <a:lnSpc>
+                <a:spcPct val="160000"/>
+              </a:lnSpc>
+            </a:pPr>
+            <a:r>
+              <a:rPr lang="en-US" dirty="0" smtClean="0"/>
+              <a:t>Content Providers</a:t>
+            </a:r>
+          </a:p>
+          <a:p>
+            <a:pPr>
+              <a:lnSpc>
+                <a:spcPct val="160000"/>
+              </a:lnSpc>
+            </a:pPr>
+            <a:r>
+              <a:rPr lang="en-US" dirty="0" smtClean="0"/>
+              <a:t>Resource Manager</a:t>
+            </a:r>
+          </a:p>
+          <a:p>
+            <a:pPr>
+              <a:lnSpc>
+                <a:spcPct val="160000"/>
+              </a:lnSpc>
+            </a:pPr>
+            <a:r>
+              <a:rPr lang="en-US" dirty="0" smtClean="0"/>
+              <a:t>Notification Manager</a:t>
+            </a:r>
+          </a:p>
+          <a:p>
+            <a:pPr>
+              <a:lnSpc>
+                <a:spcPct val="160000"/>
+              </a:lnSpc>
+            </a:pPr>
+            <a:r>
+              <a:rPr lang="en-US" dirty="0" smtClean="0"/>
+              <a:t>Activity Manager</a:t>
+            </a:r>
+          </a:p>
+        </p:txBody>
+      </p:sp>
+      <p:sp>
+        <p:nvSpPr>
+          <p:cNvPr id="4" name="Slide Number Placeholder 3"/>
+          <p:cNvSpPr>
+            <a:spLocks noGrp="1"/>
+          </p:cNvSpPr>
+          <p:nvPr>
+            <p:ph type="sldNum" sz="quarter" idx="10"/>
+          </p:nvPr>
+        </p:nvSpPr>
+        <p:spPr/>
+        <p:txBody>
+          <a:bodyPr/>
+          <a:lstStyle/>
+          <a:p>
+            <a:fld id="{DA2E8BC1-B6F3-3D4E-8CDE-8AF731476279}" type="slidenum">
+              <a:rPr lang="en-US" smtClean="0"/>
+              <a:pPr/>
+              <a:t>7</a:t>
+            </a:fld>
+            <a:endParaRPr lang="en-US" dirty="0"/>
+          </a:p>
+        </p:txBody>
+      </p:sp>
+    </p:spTree>
+  </p:cSld>
+  <p:clrMapOvr>
+    <a:masterClrMapping/>
+  </p:clrMapOvr>
+</p:notes>
+</file>
+
+<file path=ppt/notesSlides/notesSlide3.xml><?xml version="1.0" encoding="utf-8"?>
+<p:notes xmlns:a="http://schemas.openxmlformats.org/drawingml/2006/main" xmlns:r="http://schemas.openxmlformats.org/officeDocument/2006/relationships" xmlns:mc="http://schemas.openxmlformats.org/markup-compatibility/2006" xmlns:mv="urn:schemas-microsoft-com:mac:vml" xmlns:p="http://schemas.openxmlformats.org/presentationml/2006/main" mc:Ignorable="mv" mc:PreserveAttributes="mv:*">
+  <p:cSld>
+    <p:spTree>
+      <p:nvGrpSpPr>
+        <p:cNvPr id="1" name=""/>
+        <p:cNvGrpSpPr/>
+        <p:nvPr/>
+      </p:nvGrpSpPr>
+      <p:grpSpPr>
+        <a:xfrm>
+          <a:off x="0" y="0"/>
+          <a:ext cx="0" cy="0"/>
+          <a:chOff x="0" y="0"/>
+          <a:chExt cx="0" cy="0"/>
+        </a:xfrm>
+      </p:grpSpPr>
+      <p:sp>
+        <p:nvSpPr>
+          <p:cNvPr id="2" name="Slide Image Placeholder 1"/>
+          <p:cNvSpPr>
+            <a:spLocks noGrp="1" noRot="1" noChangeAspect="1"/>
+          </p:cNvSpPr>
+          <p:nvPr>
+            <p:ph type="sldImg"/>
+          </p:nvPr>
+        </p:nvSpPr>
+        <p:spPr/>
+      </p:sp>
+      <p:sp>
+        <p:nvSpPr>
+          <p:cNvPr id="3" name="Notes Placeholder 2"/>
+          <p:cNvSpPr>
+            <a:spLocks noGrp="1"/>
+          </p:cNvSpPr>
+          <p:nvPr>
+            <p:ph type="body" idx="1"/>
+          </p:nvPr>
+        </p:nvSpPr>
+        <p:spPr/>
+        <p:txBody>
+          <a:bodyPr>
+            <a:normAutofit/>
+          </a:bodyPr>
+          <a:lstStyle/>
+          <a:p>
             <a:r>
               <a:rPr lang="en-US" dirty="0" smtClean="0"/>
               <a:t>System.*, System.IO.*, </a:t>
@@ -592,9 +869,99 @@
             <a:fld id="{DA2E8BC1-B6F3-3D4E-8CDE-8AF731476279}" type="slidenum">
               <a:rPr lang="en-US" smtClean="0"/>
               <a:pPr/>
-              <a:t>14</a:t>
+              <a:t>12</a:t>
             </a:fld>
             <a:endParaRPr lang="en-US"/>
+          </a:p>
+        </p:txBody>
+      </p:sp>
+    </p:spTree>
+  </p:cSld>
+  <p:clrMapOvr>
+    <a:masterClrMapping/>
+  </p:clrMapOvr>
+</p:notes>
+</file>
+
+<file path=ppt/notesSlides/notesSlide4.xml><?xml version="1.0" encoding="utf-8"?>
+<p:notes xmlns:a="http://schemas.openxmlformats.org/drawingml/2006/main" xmlns:r="http://schemas.openxmlformats.org/officeDocument/2006/relationships" xmlns:mc="http://schemas.openxmlformats.org/markup-compatibility/2006" xmlns:mv="urn:schemas-microsoft-com:mac:vml" xmlns:p="http://schemas.openxmlformats.org/presentationml/2006/main" mc:Ignorable="mv" mc:PreserveAttributes="mv:*">
+  <p:cSld>
+    <p:spTree>
+      <p:nvGrpSpPr>
+        <p:cNvPr id="1" name=""/>
+        <p:cNvGrpSpPr/>
+        <p:nvPr/>
+      </p:nvGrpSpPr>
+      <p:grpSpPr>
+        <a:xfrm>
+          <a:off x="0" y="0"/>
+          <a:ext cx="0" cy="0"/>
+          <a:chOff x="0" y="0"/>
+          <a:chExt cx="0" cy="0"/>
+        </a:xfrm>
+      </p:grpSpPr>
+      <p:sp>
+        <p:nvSpPr>
+          <p:cNvPr id="2" name="Slide Image Placeholder 1"/>
+          <p:cNvSpPr>
+            <a:spLocks noGrp="1" noRot="1" noChangeAspect="1"/>
+          </p:cNvSpPr>
+          <p:nvPr>
+            <p:ph type="sldImg"/>
+          </p:nvPr>
+        </p:nvSpPr>
+        <p:spPr/>
+      </p:sp>
+      <p:sp>
+        <p:nvSpPr>
+          <p:cNvPr id="3" name="Notes Placeholder 2"/>
+          <p:cNvSpPr>
+            <a:spLocks noGrp="1"/>
+          </p:cNvSpPr>
+          <p:nvPr>
+            <p:ph type="body" idx="1"/>
+          </p:nvPr>
+        </p:nvSpPr>
+        <p:spPr/>
+        <p:txBody>
+          <a:bodyPr>
+            <a:normAutofit/>
+          </a:bodyPr>
+          <a:lstStyle/>
+          <a:p>
+            <a:r>
+              <a:rPr lang="en-US" dirty="0" smtClean="0"/>
+              <a:t>“The native Android APIs do not operate directly with filenames, but instead operate on resource IDs.  When you compile an Android application that uses resources, the build system will package the resources for distribution and generate a class called "R" (this is an Android convention) that contains the tokens for each one of the resources included.” – http://http://</a:t>
+            </a:r>
+            <a:r>
+              <a:rPr lang="en-US" dirty="0" err="1" smtClean="0"/>
+              <a:t>monodroid.net/Documentation/API_Design</a:t>
+            </a:r>
+            <a:endParaRPr lang="en-US" dirty="0"/>
+          </a:p>
+        </p:txBody>
+      </p:sp>
+      <p:sp>
+        <p:nvSpPr>
+          <p:cNvPr id="4" name="Slide Number Placeholder 3"/>
+          <p:cNvSpPr>
+            <a:spLocks noGrp="1"/>
+          </p:cNvSpPr>
+          <p:nvPr>
+            <p:ph type="sldNum" sz="quarter" idx="10"/>
+          </p:nvPr>
+        </p:nvSpPr>
+        <p:spPr/>
+        <p:txBody>
+          <a:bodyPr/>
+          <a:lstStyle/>
+          <a:p>
+            <a:fld id="{DA2E8BC1-B6F3-3D4E-8CDE-8AF731476279}" type="slidenum">
+              <a:rPr lang="en-US" smtClean="0"/>
+              <a:pPr/>
+              <a:t>23</a:t>
+            </a:fld>
+            <a:endParaRPr lang="en-US" dirty="0"/>
           </a:p>
         </p:txBody>
       </p:sp>
@@ -607,7 +974,7 @@
 </file>
 
 <file path=ppt/slideLayouts/slideLayout1.xml><?xml version="1.0" encoding="utf-8"?>
-<p:sldLayout xmlns:a="http://schemas.openxmlformats.org/drawingml/2006/main" xmlns:r="http://schemas.openxmlformats.org/officeDocument/2006/relationships" xmlns:p="http://schemas.openxmlformats.org/presentationml/2006/main" type="title" preserve="1">
+<p:sldLayout xmlns:a="http://schemas.openxmlformats.org/drawingml/2006/main" xmlns:r="http://schemas.openxmlformats.org/officeDocument/2006/relationships" xmlns:mc="http://schemas.openxmlformats.org/markup-compatibility/2006" xmlns:mv="urn:schemas-microsoft-com:mac:vml" xmlns:p="http://schemas.openxmlformats.org/presentationml/2006/main" mc:Ignorable="mv" mc:PreserveAttributes="mv:*" type="title" preserve="1">
   <p:cSld name="Title Slide">
     <p:spTree>
       <p:nvGrpSpPr>
@@ -788,7 +1155,7 @@
             <a:fld id="{DC14A1DA-BDB1-4693-9FC0-65DE61D7C2F9}" type="datetimeFigureOut">
               <a:rPr lang="en-US" smtClean="0"/>
               <a:pPr/>
-              <a:t>11/9/2010</a:t>
+              <a:t>11/9/10</a:t>
             </a:fld>
             <a:endParaRPr lang="en-US"/>
           </a:p>
@@ -846,7 +1213,7 @@
 </file>
 
 <file path=ppt/slideLayouts/slideLayout10.xml><?xml version="1.0" encoding="utf-8"?>
-<p:sldLayout xmlns:a="http://schemas.openxmlformats.org/drawingml/2006/main" xmlns:r="http://schemas.openxmlformats.org/officeDocument/2006/relationships" xmlns:p="http://schemas.openxmlformats.org/presentationml/2006/main" type="vertTx" preserve="1">
+<p:sldLayout xmlns:a="http://schemas.openxmlformats.org/drawingml/2006/main" xmlns:r="http://schemas.openxmlformats.org/officeDocument/2006/relationships" xmlns:mc="http://schemas.openxmlformats.org/markup-compatibility/2006" xmlns:mv="urn:schemas-microsoft-com:mac:vml" xmlns:p="http://schemas.openxmlformats.org/presentationml/2006/main" mc:Ignorable="mv" mc:PreserveAttributes="mv:*" type="vertTx" preserve="1">
   <p:cSld name="Title and Vertical Text">
     <p:spTree>
       <p:nvGrpSpPr>
@@ -955,7 +1322,7 @@
             <a:fld id="{DC14A1DA-BDB1-4693-9FC0-65DE61D7C2F9}" type="datetimeFigureOut">
               <a:rPr lang="en-US" smtClean="0"/>
               <a:pPr/>
-              <a:t>11/9/2010</a:t>
+              <a:t>11/9/10</a:t>
             </a:fld>
             <a:endParaRPr lang="en-US"/>
           </a:p>
@@ -1013,7 +1380,7 @@
 </file>
 
 <file path=ppt/slideLayouts/slideLayout11.xml><?xml version="1.0" encoding="utf-8"?>
-<p:sldLayout xmlns:a="http://schemas.openxmlformats.org/drawingml/2006/main" xmlns:r="http://schemas.openxmlformats.org/officeDocument/2006/relationships" xmlns:p="http://schemas.openxmlformats.org/presentationml/2006/main" type="vertTitleAndTx" preserve="1">
+<p:sldLayout xmlns:a="http://schemas.openxmlformats.org/drawingml/2006/main" xmlns:r="http://schemas.openxmlformats.org/officeDocument/2006/relationships" xmlns:mc="http://schemas.openxmlformats.org/markup-compatibility/2006" xmlns:mv="urn:schemas-microsoft-com:mac:vml" xmlns:p="http://schemas.openxmlformats.org/presentationml/2006/main" mc:Ignorable="mv" mc:PreserveAttributes="mv:*" type="vertTitleAndTx" preserve="1">
   <p:cSld name="Vertical Title and Text">
     <p:spTree>
       <p:nvGrpSpPr>
@@ -1132,7 +1499,7 @@
             <a:fld id="{DC14A1DA-BDB1-4693-9FC0-65DE61D7C2F9}" type="datetimeFigureOut">
               <a:rPr lang="en-US" smtClean="0"/>
               <a:pPr/>
-              <a:t>11/9/2010</a:t>
+              <a:t>11/9/10</a:t>
             </a:fld>
             <a:endParaRPr lang="en-US"/>
           </a:p>
@@ -1190,7 +1557,7 @@
 </file>
 
 <file path=ppt/slideLayouts/slideLayout2.xml><?xml version="1.0" encoding="utf-8"?>
-<p:sldLayout xmlns:a="http://schemas.openxmlformats.org/drawingml/2006/main" xmlns:r="http://schemas.openxmlformats.org/officeDocument/2006/relationships" xmlns:p="http://schemas.openxmlformats.org/presentationml/2006/main" type="obj" preserve="1">
+<p:sldLayout xmlns:a="http://schemas.openxmlformats.org/drawingml/2006/main" xmlns:r="http://schemas.openxmlformats.org/officeDocument/2006/relationships" xmlns:mc="http://schemas.openxmlformats.org/markup-compatibility/2006" xmlns:mv="urn:schemas-microsoft-com:mac:vml" xmlns:p="http://schemas.openxmlformats.org/presentationml/2006/main" mc:Ignorable="mv" mc:PreserveAttributes="mv:*" type="obj" preserve="1">
   <p:cSld name="Title and Content">
     <p:spTree>
       <p:nvGrpSpPr>
@@ -1299,7 +1666,7 @@
             <a:fld id="{DC14A1DA-BDB1-4693-9FC0-65DE61D7C2F9}" type="datetimeFigureOut">
               <a:rPr lang="en-US" smtClean="0"/>
               <a:pPr/>
-              <a:t>11/9/2010</a:t>
+              <a:t>11/9/10</a:t>
             </a:fld>
             <a:endParaRPr lang="en-US"/>
           </a:p>
@@ -1357,7 +1724,7 @@
 </file>
 
 <file path=ppt/slideLayouts/slideLayout3.xml><?xml version="1.0" encoding="utf-8"?>
-<p:sldLayout xmlns:a="http://schemas.openxmlformats.org/drawingml/2006/main" xmlns:r="http://schemas.openxmlformats.org/officeDocument/2006/relationships" xmlns:p="http://schemas.openxmlformats.org/presentationml/2006/main" type="secHead" preserve="1">
+<p:sldLayout xmlns:a="http://schemas.openxmlformats.org/drawingml/2006/main" xmlns:r="http://schemas.openxmlformats.org/officeDocument/2006/relationships" xmlns:mc="http://schemas.openxmlformats.org/markup-compatibility/2006" xmlns:mv="urn:schemas-microsoft-com:mac:vml" xmlns:p="http://schemas.openxmlformats.org/presentationml/2006/main" mc:Ignorable="mv" mc:PreserveAttributes="mv:*" type="secHead" preserve="1">
   <p:cSld name="Section Header">
     <p:spTree>
       <p:nvGrpSpPr>
@@ -1542,7 +1909,7 @@
             <a:fld id="{DC14A1DA-BDB1-4693-9FC0-65DE61D7C2F9}" type="datetimeFigureOut">
               <a:rPr lang="en-US" smtClean="0"/>
               <a:pPr/>
-              <a:t>11/9/2010</a:t>
+              <a:t>11/9/10</a:t>
             </a:fld>
             <a:endParaRPr lang="en-US"/>
           </a:p>
@@ -1600,7 +1967,7 @@
 </file>
 
 <file path=ppt/slideLayouts/slideLayout4.xml><?xml version="1.0" encoding="utf-8"?>
-<p:sldLayout xmlns:a="http://schemas.openxmlformats.org/drawingml/2006/main" xmlns:r="http://schemas.openxmlformats.org/officeDocument/2006/relationships" xmlns:p="http://schemas.openxmlformats.org/presentationml/2006/main" type="twoObj" preserve="1">
+<p:sldLayout xmlns:a="http://schemas.openxmlformats.org/drawingml/2006/main" xmlns:r="http://schemas.openxmlformats.org/officeDocument/2006/relationships" xmlns:mc="http://schemas.openxmlformats.org/markup-compatibility/2006" xmlns:mv="urn:schemas-microsoft-com:mac:vml" xmlns:p="http://schemas.openxmlformats.org/presentationml/2006/main" mc:Ignorable="mv" mc:PreserveAttributes="mv:*" type="twoObj" preserve="1">
   <p:cSld name="Two Content">
     <p:spTree>
       <p:nvGrpSpPr>
@@ -1827,7 +2194,7 @@
             <a:fld id="{DC14A1DA-BDB1-4693-9FC0-65DE61D7C2F9}" type="datetimeFigureOut">
               <a:rPr lang="en-US" smtClean="0"/>
               <a:pPr/>
-              <a:t>11/9/2010</a:t>
+              <a:t>11/9/10</a:t>
             </a:fld>
             <a:endParaRPr lang="en-US"/>
           </a:p>
@@ -1885,7 +2252,7 @@
 </file>
 
 <file path=ppt/slideLayouts/slideLayout5.xml><?xml version="1.0" encoding="utf-8"?>
-<p:sldLayout xmlns:a="http://schemas.openxmlformats.org/drawingml/2006/main" xmlns:r="http://schemas.openxmlformats.org/officeDocument/2006/relationships" xmlns:p="http://schemas.openxmlformats.org/presentationml/2006/main" type="twoTxTwoObj" preserve="1">
+<p:sldLayout xmlns:a="http://schemas.openxmlformats.org/drawingml/2006/main" xmlns:r="http://schemas.openxmlformats.org/officeDocument/2006/relationships" xmlns:mc="http://schemas.openxmlformats.org/markup-compatibility/2006" xmlns:mv="urn:schemas-microsoft-com:mac:vml" xmlns:p="http://schemas.openxmlformats.org/presentationml/2006/main" mc:Ignorable="mv" mc:PreserveAttributes="mv:*" type="twoTxTwoObj" preserve="1">
   <p:cSld name="Comparison">
     <p:spTree>
       <p:nvGrpSpPr>
@@ -2246,7 +2613,7 @@
             <a:fld id="{DC14A1DA-BDB1-4693-9FC0-65DE61D7C2F9}" type="datetimeFigureOut">
               <a:rPr lang="en-US" smtClean="0"/>
               <a:pPr/>
-              <a:t>11/9/2010</a:t>
+              <a:t>11/9/10</a:t>
             </a:fld>
             <a:endParaRPr lang="en-US"/>
           </a:p>
@@ -2304,7 +2671,7 @@
 </file>
 
 <file path=ppt/slideLayouts/slideLayout6.xml><?xml version="1.0" encoding="utf-8"?>
-<p:sldLayout xmlns:a="http://schemas.openxmlformats.org/drawingml/2006/main" xmlns:r="http://schemas.openxmlformats.org/officeDocument/2006/relationships" xmlns:p="http://schemas.openxmlformats.org/presentationml/2006/main" type="titleOnly" preserve="1">
+<p:sldLayout xmlns:a="http://schemas.openxmlformats.org/drawingml/2006/main" xmlns:r="http://schemas.openxmlformats.org/officeDocument/2006/relationships" xmlns:mc="http://schemas.openxmlformats.org/markup-compatibility/2006" xmlns:mv="urn:schemas-microsoft-com:mac:vml" xmlns:p="http://schemas.openxmlformats.org/presentationml/2006/main" mc:Ignorable="mv" mc:PreserveAttributes="mv:*" type="titleOnly" preserve="1">
   <p:cSld name="Title Only">
     <p:spTree>
       <p:nvGrpSpPr>
@@ -2361,7 +2728,7 @@
             <a:fld id="{DC14A1DA-BDB1-4693-9FC0-65DE61D7C2F9}" type="datetimeFigureOut">
               <a:rPr lang="en-US" smtClean="0"/>
               <a:pPr/>
-              <a:t>11/9/2010</a:t>
+              <a:t>11/9/10</a:t>
             </a:fld>
             <a:endParaRPr lang="en-US"/>
           </a:p>
@@ -2419,7 +2786,7 @@
 </file>
 
 <file path=ppt/slideLayouts/slideLayout7.xml><?xml version="1.0" encoding="utf-8"?>
-<p:sldLayout xmlns:a="http://schemas.openxmlformats.org/drawingml/2006/main" xmlns:r="http://schemas.openxmlformats.org/officeDocument/2006/relationships" xmlns:p="http://schemas.openxmlformats.org/presentationml/2006/main" type="blank" preserve="1">
+<p:sldLayout xmlns:a="http://schemas.openxmlformats.org/drawingml/2006/main" xmlns:r="http://schemas.openxmlformats.org/officeDocument/2006/relationships" xmlns:mc="http://schemas.openxmlformats.org/markup-compatibility/2006" xmlns:mv="urn:schemas-microsoft-com:mac:vml" xmlns:p="http://schemas.openxmlformats.org/presentationml/2006/main" mc:Ignorable="mv" mc:PreserveAttributes="mv:*" type="blank" preserve="1">
   <p:cSld name="Blank">
     <p:spTree>
       <p:nvGrpSpPr>
@@ -2453,7 +2820,7 @@
             <a:fld id="{DC14A1DA-BDB1-4693-9FC0-65DE61D7C2F9}" type="datetimeFigureOut">
               <a:rPr lang="en-US" smtClean="0"/>
               <a:pPr/>
-              <a:t>11/9/2010</a:t>
+              <a:t>11/9/10</a:t>
             </a:fld>
             <a:endParaRPr lang="en-US"/>
           </a:p>
@@ -2511,7 +2878,7 @@
 </file>
 
 <file path=ppt/slideLayouts/slideLayout8.xml><?xml version="1.0" encoding="utf-8"?>
-<p:sldLayout xmlns:a="http://schemas.openxmlformats.org/drawingml/2006/main" xmlns:r="http://schemas.openxmlformats.org/officeDocument/2006/relationships" xmlns:p="http://schemas.openxmlformats.org/presentationml/2006/main" type="objTx" preserve="1">
+<p:sldLayout xmlns:a="http://schemas.openxmlformats.org/drawingml/2006/main" xmlns:r="http://schemas.openxmlformats.org/officeDocument/2006/relationships" xmlns:mc="http://schemas.openxmlformats.org/markup-compatibility/2006" xmlns:mv="urn:schemas-microsoft-com:mac:vml" xmlns:p="http://schemas.openxmlformats.org/presentationml/2006/main" mc:Ignorable="mv" mc:PreserveAttributes="mv:*" type="objTx" preserve="1">
   <p:cSld name="Content with Caption">
     <p:spTree>
       <p:nvGrpSpPr>
@@ -2727,7 +3094,7 @@
             <a:fld id="{DC14A1DA-BDB1-4693-9FC0-65DE61D7C2F9}" type="datetimeFigureOut">
               <a:rPr lang="en-US" smtClean="0"/>
               <a:pPr/>
-              <a:t>11/9/2010</a:t>
+              <a:t>11/9/10</a:t>
             </a:fld>
             <a:endParaRPr lang="en-US"/>
           </a:p>
@@ -2785,7 +3152,7 @@
 </file>
 
 <file path=ppt/slideLayouts/slideLayout9.xml><?xml version="1.0" encoding="utf-8"?>
-<p:sldLayout xmlns:a="http://schemas.openxmlformats.org/drawingml/2006/main" xmlns:r="http://schemas.openxmlformats.org/officeDocument/2006/relationships" xmlns:p="http://schemas.openxmlformats.org/presentationml/2006/main" type="picTx" preserve="1">
+<p:sldLayout xmlns:a="http://schemas.openxmlformats.org/drawingml/2006/main" xmlns:r="http://schemas.openxmlformats.org/officeDocument/2006/relationships" xmlns:mc="http://schemas.openxmlformats.org/markup-compatibility/2006" xmlns:mv="urn:schemas-microsoft-com:mac:vml" xmlns:p="http://schemas.openxmlformats.org/presentationml/2006/main" mc:Ignorable="mv" mc:PreserveAttributes="mv:*" type="picTx" preserve="1">
   <p:cSld name="Picture with Caption">
     <p:spTree>
       <p:nvGrpSpPr>
@@ -2977,7 +3344,7 @@
             <a:fld id="{DC14A1DA-BDB1-4693-9FC0-65DE61D7C2F9}" type="datetimeFigureOut">
               <a:rPr lang="en-US" smtClean="0"/>
               <a:pPr/>
-              <a:t>11/9/2010</a:t>
+              <a:t>11/9/10</a:t>
             </a:fld>
             <a:endParaRPr lang="en-US"/>
           </a:p>
@@ -3035,12 +3402,21 @@
 </file>
 
 <file path=ppt/slideMasters/slideMaster1.xml><?xml version="1.0" encoding="utf-8"?>
-<p:sldMaster xmlns:a="http://schemas.openxmlformats.org/drawingml/2006/main" xmlns:r="http://schemas.openxmlformats.org/officeDocument/2006/relationships" xmlns:p="http://schemas.openxmlformats.org/presentationml/2006/main">
+<p:sldMaster xmlns:a="http://schemas.openxmlformats.org/drawingml/2006/main" xmlns:r="http://schemas.openxmlformats.org/officeDocument/2006/relationships" xmlns:mc="http://schemas.openxmlformats.org/markup-compatibility/2006" xmlns:mv="urn:schemas-microsoft-com:mac:vml" xmlns:p="http://schemas.openxmlformats.org/presentationml/2006/main" mc:Ignorable="mv" mc:PreserveAttributes="mv:*">
   <p:cSld>
     <p:bg>
-      <p:bgRef idx="1001">
-        <a:schemeClr val="bg1"/>
-      </p:bgRef>
+      <p:bgPr>
+        <a:blipFill dpi="0" rotWithShape="1">
+          <a:blip r:embed="rId13">
+            <a:alphaModFix amt="80000"/>
+          </a:blip>
+          <a:srcRect/>
+          <a:stretch>
+            <a:fillRect/>
+          </a:stretch>
+        </a:blipFill>
+        <a:effectLst/>
+      </p:bgPr>
     </p:bg>
     <p:spTree>
       <p:nvGrpSpPr>
@@ -3188,7 +3564,7 @@
             <a:fld id="{DC14A1DA-BDB1-4693-9FC0-65DE61D7C2F9}" type="datetimeFigureOut">
               <a:rPr lang="en-US" smtClean="0"/>
               <a:pPr/>
-              <a:t>11/9/2010</a:t>
+              <a:t>11/9/10</a:t>
             </a:fld>
             <a:endParaRPr lang="en-US" dirty="0"/>
           </a:p>
@@ -3545,7 +3921,7 @@
 </file>
 
 <file path=ppt/slides/slide1.xml><?xml version="1.0" encoding="utf-8"?>
-<p:sld xmlns:a="http://schemas.openxmlformats.org/drawingml/2006/main" xmlns:r="http://schemas.openxmlformats.org/officeDocument/2006/relationships" xmlns:p="http://schemas.openxmlformats.org/presentationml/2006/main">
+<p:sld xmlns:a="http://schemas.openxmlformats.org/drawingml/2006/main" xmlns:r="http://schemas.openxmlformats.org/officeDocument/2006/relationships" xmlns:mc="http://schemas.openxmlformats.org/markup-compatibility/2006" xmlns:mv="urn:schemas-microsoft-com:mac:vml" xmlns:p="http://schemas.openxmlformats.org/presentationml/2006/main" mc:Ignorable="mv" mc:PreserveAttributes="mv:*">
   <p:cSld>
     <p:spTree>
       <p:nvGrpSpPr>
@@ -3563,6 +3939,36 @@
       </p:grpSpPr>
       <p:sp>
         <p:nvSpPr>
+          <p:cNvPr id="7" name="Title 6"/>
+          <p:cNvSpPr>
+            <a:spLocks noGrp="1"/>
+          </p:cNvSpPr>
+          <p:nvPr>
+            <p:ph type="ctrTitle"/>
+          </p:nvPr>
+        </p:nvSpPr>
+        <p:spPr/>
+        <p:txBody>
+          <a:bodyPr/>
+          <a:lstStyle/>
+          <a:p>
+            <a:r>
+              <a:rPr lang="en-US" dirty="0" smtClean="0"/>
+              <a:t/>
+            </a:r>
+            <a:r>
+              <a:rPr lang="en-US" dirty="0" smtClean="0">
+                <a:latin typeface="Franklin Gothic Medium"/>
+                <a:cs typeface="Franklin Gothic Medium"/>
+              </a:rPr>
+              <a:t>.NET? MonoDroid Does</a:t>
+            </a:r>
+            <a:endParaRPr lang="en-US" dirty="0"/>
+          </a:p>
+        </p:txBody>
+      </p:sp>
+      <p:sp>
+        <p:nvSpPr>
           <p:cNvPr id="3" name="Subtitle 2"/>
           <p:cNvSpPr>
             <a:spLocks noGrp="1"/>
@@ -3571,12 +3977,117 @@
             <p:ph type="subTitle" idx="1"/>
           </p:nvPr>
         </p:nvSpPr>
-        <p:spPr>
-          <a:xfrm>
-            <a:off x="1905000" y="4419600"/>
-            <a:ext cx="5334000" cy="1828800"/>
-          </a:xfrm>
-        </p:spPr>
+        <p:spPr/>
+        <p:txBody>
+          <a:bodyPr/>
+          <a:lstStyle/>
+          <a:p>
+            <a:r>
+              <a:rPr lang="en-US" smtClean="0"/>
+              <a:t>Kevin McMahon</a:t>
+            </a:r>
+          </a:p>
+          <a:p>
+            <a:r>
+              <a:rPr lang="en-US" smtClean="0"/>
+              <a:t>@klmcmahon</a:t>
+            </a:r>
+          </a:p>
+          <a:p>
+            <a:r>
+              <a:rPr lang="en-US" smtClean="0"/>
+              <a:t>http://blog.kevfoo.com</a:t>
+            </a:r>
+            <a:endParaRPr lang="en-US" dirty="0"/>
+          </a:p>
+        </p:txBody>
+      </p:sp>
+    </p:spTree>
+  </p:cSld>
+  <p:clrMapOvr>
+    <a:masterClrMapping/>
+  </p:clrMapOvr>
+  <p:timing>
+    <p:tnLst>
+      <p:par>
+        <p:cTn id="1" dur="indefinite" restart="never" nodeType="tmRoot"/>
+      </p:par>
+    </p:tnLst>
+  </p:timing>
+</p:sld>
+</file>
+
+<file path=ppt/slides/slide10.xml><?xml version="1.0" encoding="utf-8"?>
+<p:sld xmlns:a="http://schemas.openxmlformats.org/drawingml/2006/main" xmlns:r="http://schemas.openxmlformats.org/officeDocument/2006/relationships" xmlns:mc="http://schemas.openxmlformats.org/markup-compatibility/2006" xmlns:mv="urn:schemas-microsoft-com:mac:vml" xmlns:p="http://schemas.openxmlformats.org/presentationml/2006/main" mc:Ignorable="mv" mc:PreserveAttributes="mv:*">
+  <p:cSld>
+    <p:spTree>
+      <p:nvGrpSpPr>
+        <p:cNvPr id="1" name=""/>
+        <p:cNvGrpSpPr/>
+        <p:nvPr/>
+      </p:nvGrpSpPr>
+      <p:grpSpPr>
+        <a:xfrm>
+          <a:off x="0" y="0"/>
+          <a:ext cx="0" cy="0"/>
+          <a:chOff x="0" y="0"/>
+          <a:chExt cx="0" cy="0"/>
+        </a:xfrm>
+      </p:grpSpPr>
+      <p:sp>
+        <p:nvSpPr>
+          <p:cNvPr id="2" name="Title 1"/>
+          <p:cNvSpPr>
+            <a:spLocks noGrp="1"/>
+          </p:cNvSpPr>
+          <p:nvPr>
+            <p:ph type="title"/>
+          </p:nvPr>
+        </p:nvSpPr>
+        <p:spPr/>
+        <p:txBody>
+          <a:bodyPr/>
+          <a:lstStyle/>
+          <a:p>
+            <a:r>
+              <a:rPr lang="en-US" dirty="0" smtClean="0">
+                <a:latin typeface="Franklin Gothic Medium"/>
+                <a:cs typeface="Franklin Gothic Medium"/>
+              </a:rPr>
+              <a:t>What is </a:t>
+            </a:r>
+            <a:r>
+              <a:rPr lang="en-US" dirty="0" err="1" smtClean="0">
+                <a:latin typeface="Franklin Gothic Medium"/>
+                <a:cs typeface="Franklin Gothic Medium"/>
+              </a:rPr>
+              <a:t>MonoDroid</a:t>
+            </a:r>
+            <a:r>
+              <a:rPr lang="en-US" dirty="0" smtClean="0">
+                <a:latin typeface="Franklin Gothic Medium"/>
+                <a:cs typeface="Franklin Gothic Medium"/>
+              </a:rPr>
+              <a:t>?</a:t>
+            </a:r>
+            <a:endParaRPr lang="en-US" dirty="0">
+              <a:latin typeface="Franklin Gothic Medium"/>
+              <a:cs typeface="Franklin Gothic Medium"/>
+            </a:endParaRPr>
+          </a:p>
+        </p:txBody>
+      </p:sp>
+      <p:sp>
+        <p:nvSpPr>
+          <p:cNvPr id="3" name="Content Placeholder 2"/>
+          <p:cNvSpPr>
+            <a:spLocks noGrp="1"/>
+          </p:cNvSpPr>
+          <p:nvPr>
+            <p:ph idx="1"/>
+          </p:nvPr>
+        </p:nvSpPr>
+        <p:spPr/>
         <p:txBody>
           <a:bodyPr>
             <a:normAutofit/>
@@ -3585,56 +4096,284 @@
           <a:p>
             <a:r>
               <a:rPr lang="en-US" dirty="0" smtClean="0"/>
-              <a:t>Kevin McMahon</a:t>
-            </a:r>
-          </a:p>
-          <a:p>
-            <a:r>
-              <a:rPr lang="en-US" dirty="0" smtClean="0"/>
-              <a:t>@</a:t>
-            </a:r>
-            <a:r>
-              <a:rPr lang="en-US" dirty="0" err="1" smtClean="0"/>
-              <a:t>klmcmahon</a:t>
+              <a:t>Commercial Product from Novell</a:t>
+            </a:r>
+          </a:p>
+          <a:p>
+            <a:pPr lvl="1"/>
+            <a:r>
+              <a:rPr lang="en-US" dirty="0" smtClean="0"/>
+              <a:t>~$400 individual / ~$1000 enterprise</a:t>
             </a:r>
             <a:endParaRPr lang="en-US" dirty="0" smtClean="0"/>
           </a:p>
           <a:p>
             <a:r>
               <a:rPr lang="en-US" dirty="0" smtClean="0"/>
-              <a:t>http://</a:t>
-            </a:r>
-            <a:r>
-              <a:rPr lang="en-US" dirty="0" err="1" smtClean="0"/>
-              <a:t>blog.kevfoo.com</a:t>
-            </a:r>
-            <a:endParaRPr lang="en-US" dirty="0"/>
+              <a:t>Closed preview</a:t>
+            </a:r>
+            <a:endParaRPr lang="en-US" dirty="0" smtClean="0"/>
+          </a:p>
+          <a:p>
+            <a:pPr lvl="1"/>
+            <a:r>
+              <a:rPr lang="en-US" b="1" dirty="0" smtClean="0"/>
+              <a:t>SIGN UP!</a:t>
+            </a:r>
+          </a:p>
+          <a:p>
+            <a:pPr lvl="1"/>
+            <a:r>
+              <a:rPr lang="en-US" dirty="0" smtClean="0"/>
+              <a:t>People added each preview release.</a:t>
+            </a:r>
+            <a:endParaRPr lang="en-US" dirty="0" smtClean="0"/>
+          </a:p>
+          <a:p>
+            <a:r>
+              <a:rPr lang="en-US" dirty="0" smtClean="0"/>
+              <a:t>Project is still raw</a:t>
+            </a:r>
+          </a:p>
+          <a:p>
+            <a:pPr lvl="1"/>
+            <a:r>
+              <a:rPr lang="en-US" dirty="0" smtClean="0"/>
+              <a:t>GC isn’t turned on</a:t>
+            </a:r>
+          </a:p>
+          <a:p>
+            <a:pPr lvl="1"/>
+            <a:r>
+              <a:rPr lang="en-US" dirty="0" smtClean="0"/>
+              <a:t>Not fully optimized for speed or size</a:t>
+            </a:r>
+          </a:p>
+          <a:p>
+            <a:endParaRPr lang="en-US" dirty="0" smtClean="0"/>
+          </a:p>
+        </p:txBody>
+      </p:sp>
+    </p:spTree>
+  </p:cSld>
+  <p:clrMapOvr>
+    <a:masterClrMapping/>
+  </p:clrMapOvr>
+  <p:timing>
+    <p:tnLst>
+      <p:par>
+        <p:cTn id="1" dur="indefinite" restart="never" nodeType="tmRoot"/>
+      </p:par>
+    </p:tnLst>
+  </p:timing>
+</p:sld>
+</file>
+
+<file path=ppt/slides/slide11.xml><?xml version="1.0" encoding="utf-8"?>
+<p:sld xmlns:a="http://schemas.openxmlformats.org/drawingml/2006/main" xmlns:r="http://schemas.openxmlformats.org/officeDocument/2006/relationships" xmlns:mc="http://schemas.openxmlformats.org/markup-compatibility/2006" xmlns:mv="urn:schemas-microsoft-com:mac:vml" xmlns:p="http://schemas.openxmlformats.org/presentationml/2006/main" mc:Ignorable="mv" mc:PreserveAttributes="mv:*">
+  <p:cSld>
+    <p:spTree>
+      <p:nvGrpSpPr>
+        <p:cNvPr id="1" name=""/>
+        <p:cNvGrpSpPr/>
+        <p:nvPr/>
+      </p:nvGrpSpPr>
+      <p:grpSpPr>
+        <a:xfrm>
+          <a:off x="0" y="0"/>
+          <a:ext cx="0" cy="0"/>
+          <a:chOff x="0" y="0"/>
+          <a:chExt cx="0" cy="0"/>
+        </a:xfrm>
+      </p:grpSpPr>
+      <p:sp>
+        <p:nvSpPr>
+          <p:cNvPr id="2" name="Title 1"/>
+          <p:cNvSpPr>
+            <a:spLocks noGrp="1"/>
+          </p:cNvSpPr>
+          <p:nvPr>
+            <p:ph type="title"/>
+          </p:nvPr>
+        </p:nvSpPr>
+        <p:spPr/>
+        <p:txBody>
+          <a:bodyPr/>
+          <a:lstStyle/>
+          <a:p>
+            <a:r>
+              <a:rPr lang="en-US" dirty="0" smtClean="0">
+                <a:latin typeface="Franklin Gothic Medium"/>
+                <a:cs typeface="Franklin Gothic Medium"/>
+              </a:rPr>
+              <a:t>How Does it Work?</a:t>
+            </a:r>
+            <a:endParaRPr lang="en-US" dirty="0">
+              <a:latin typeface="Franklin Gothic Medium"/>
+              <a:cs typeface="Franklin Gothic Medium"/>
+            </a:endParaRPr>
+          </a:p>
+        </p:txBody>
+      </p:sp>
+      <p:sp>
+        <p:nvSpPr>
+          <p:cNvPr id="3" name="Content Placeholder 2"/>
+          <p:cNvSpPr>
+            <a:spLocks noGrp="1"/>
+          </p:cNvSpPr>
+          <p:nvPr>
+            <p:ph idx="1"/>
+          </p:nvPr>
+        </p:nvSpPr>
+        <p:spPr/>
+        <p:txBody>
+          <a:bodyPr/>
+          <a:lstStyle/>
+          <a:p>
+            <a:r>
+              <a:rPr lang="en-US" dirty="0" smtClean="0"/>
+              <a:t>Mono Runtime</a:t>
+            </a:r>
+          </a:p>
+          <a:p>
+            <a:pPr lvl="1"/>
+            <a:r>
+              <a:rPr lang="en-US" dirty="0" smtClean="0"/>
+              <a:t>Native to the device</a:t>
+            </a:r>
+          </a:p>
+          <a:p>
+            <a:pPr lvl="1"/>
+            <a:r>
+              <a:rPr lang="en-US" dirty="0" smtClean="0"/>
+              <a:t>Executes .Net code</a:t>
+            </a:r>
+          </a:p>
+          <a:p>
+            <a:pPr lvl="1"/>
+            <a:r>
+              <a:rPr lang="en-US" dirty="0" smtClean="0"/>
+              <a:t>Runs </a:t>
+            </a:r>
+            <a:r>
+              <a:rPr lang="en-US" b="1" dirty="0" smtClean="0"/>
+              <a:t>side-by-side</a:t>
+            </a:r>
+            <a:r>
+              <a:rPr lang="en-US" dirty="0" smtClean="0"/>
+              <a:t> with Dalvik</a:t>
+            </a:r>
+          </a:p>
+          <a:p>
+            <a:r>
+              <a:rPr lang="en-US" dirty="0" smtClean="0"/>
+              <a:t>Mono to Android Communication</a:t>
+            </a:r>
+          </a:p>
+          <a:p>
+            <a:pPr lvl="1"/>
+            <a:r>
+              <a:rPr lang="en-US" dirty="0" smtClean="0"/>
+              <a:t>Java proxies</a:t>
+            </a:r>
+          </a:p>
+          <a:p>
+            <a:pPr lvl="2"/>
+            <a:r>
+              <a:rPr lang="en-US" dirty="0" smtClean="0"/>
+              <a:t>Android Callable Wrappers </a:t>
+            </a:r>
+          </a:p>
+          <a:p>
+            <a:pPr lvl="2"/>
+            <a:r>
+              <a:rPr lang="en-US" dirty="0" smtClean="0"/>
+              <a:t>Managed Callable Wrappers</a:t>
+            </a:r>
+          </a:p>
+          <a:p>
+            <a:pPr>
+              <a:buNone/>
+            </a:pPr>
+            <a:endParaRPr lang="en-US" dirty="0" smtClean="0"/>
+          </a:p>
+          <a:p>
+            <a:endParaRPr lang="en-US" dirty="0" smtClean="0"/>
+          </a:p>
+        </p:txBody>
+      </p:sp>
+    </p:spTree>
+  </p:cSld>
+  <p:clrMapOvr>
+    <a:masterClrMapping/>
+  </p:clrMapOvr>
+</p:sld>
+</file>
+
+<file path=ppt/slides/slide12.xml><?xml version="1.0" encoding="utf-8"?>
+<p:sld xmlns:a="http://schemas.openxmlformats.org/drawingml/2006/main" xmlns:r="http://schemas.openxmlformats.org/officeDocument/2006/relationships" xmlns:mc="http://schemas.openxmlformats.org/markup-compatibility/2006" xmlns:mv="urn:schemas-microsoft-com:mac:vml" xmlns:p="http://schemas.openxmlformats.org/presentationml/2006/main" mc:Ignorable="mv" mc:PreserveAttributes="mv:*">
+  <p:cSld>
+    <p:spTree>
+      <p:nvGrpSpPr>
+        <p:cNvPr id="1" name=""/>
+        <p:cNvGrpSpPr/>
+        <p:nvPr/>
+      </p:nvGrpSpPr>
+      <p:grpSpPr>
+        <a:xfrm>
+          <a:off x="0" y="0"/>
+          <a:ext cx="0" cy="0"/>
+          <a:chOff x="0" y="0"/>
+          <a:chExt cx="0" cy="0"/>
+        </a:xfrm>
+      </p:grpSpPr>
+      <p:sp>
+        <p:nvSpPr>
+          <p:cNvPr id="2" name="Title 1"/>
+          <p:cNvSpPr>
+            <a:spLocks noGrp="1"/>
+          </p:cNvSpPr>
+          <p:nvPr>
+            <p:ph type="title"/>
+          </p:nvPr>
+        </p:nvSpPr>
+        <p:spPr/>
+        <p:txBody>
+          <a:bodyPr/>
+          <a:lstStyle/>
+          <a:p>
+            <a:r>
+              <a:rPr lang="en-US" dirty="0" smtClean="0">
+                <a:latin typeface="Franklin Gothic Medium"/>
+                <a:cs typeface="Franklin Gothic Medium"/>
+              </a:rPr>
+              <a:t>MonoDroid Architecture</a:t>
+            </a:r>
+            <a:endParaRPr lang="en-US" dirty="0">
+              <a:latin typeface="Franklin Gothic Medium"/>
+              <a:cs typeface="Franklin Gothic Medium"/>
+            </a:endParaRPr>
           </a:p>
         </p:txBody>
       </p:sp>
       <p:pic>
         <p:nvPicPr>
-          <p:cNvPr id="4" name="Picture 3" descr="monodroid_logo.png"/>
+          <p:cNvPr id="4" name="Content Placeholder 3" descr="architecture2.PNG"/>
           <p:cNvPicPr>
-            <a:picLocks noChangeAspect="1"/>
+            <a:picLocks noGrp="1" noChangeAspect="1"/>
           </p:cNvPicPr>
-          <p:nvPr/>
+          <p:nvPr>
+            <p:ph idx="1"/>
+          </p:nvPr>
         </p:nvPicPr>
         <p:blipFill>
-          <a:blip r:embed="rId2" cstate="print"/>
+          <a:blip r:embed="rId3" cstate="print"/>
+          <a:srcRect t="-10074" b="-10074"/>
           <a:stretch>
             <a:fillRect/>
           </a:stretch>
         </p:blipFill>
-        <p:spPr>
-          <a:xfrm>
-            <a:off x="2693318" y="228600"/>
-            <a:ext cx="3757364" cy="4419599"/>
-          </a:xfrm>
-          <a:prstGeom prst="rect">
-            <a:avLst/>
-          </a:prstGeom>
-        </p:spPr>
+        <p:spPr/>
       </p:pic>
     </p:spTree>
   </p:cSld>
@@ -3651,8 +4390,8 @@
 </p:sld>
 </file>
 
-<file path=ppt/slides/slide10.xml><?xml version="1.0" encoding="utf-8"?>
-<p:sld xmlns:a="http://schemas.openxmlformats.org/drawingml/2006/main" xmlns:r="http://schemas.openxmlformats.org/officeDocument/2006/relationships" xmlns:p="http://schemas.openxmlformats.org/presentationml/2006/main" show="0">
+<file path=ppt/slides/slide13.xml><?xml version="1.0" encoding="utf-8"?>
+<p:sld xmlns:a="http://schemas.openxmlformats.org/drawingml/2006/main" xmlns:r="http://schemas.openxmlformats.org/officeDocument/2006/relationships" xmlns:mc="http://schemas.openxmlformats.org/markup-compatibility/2006" xmlns:mv="urn:schemas-microsoft-com:mac:vml" xmlns:p="http://schemas.openxmlformats.org/presentationml/2006/main" mc:Ignorable="mv" mc:PreserveAttributes="mv:*">
   <p:cSld>
     <p:spTree>
       <p:nvGrpSpPr>
@@ -3680,17 +4419,28 @@
         </p:nvSpPr>
         <p:spPr/>
         <p:txBody>
-          <a:bodyPr/>
+          <a:bodyPr>
+            <a:normAutofit/>
+          </a:bodyPr>
           <a:lstStyle/>
           <a:p>
             <a:r>
               <a:rPr lang="en-US" dirty="0" smtClean="0">
-                <a:latin typeface="Franklin Gothic Medium" pitchFamily="34" charset="0"/>
+                <a:latin typeface="Franklin Gothic Medium"/>
+                <a:cs typeface="Franklin Gothic Medium"/>
               </a:rPr>
-              <a:t>Android Libraries</a:t>
+              <a:t>MonoDroid Design</a:t>
+            </a:r>
+            <a:r>
+              <a:rPr lang="en-US" dirty="0" smtClean="0">
+                <a:latin typeface="Franklin Gothic Medium"/>
+                <a:cs typeface="Franklin Gothic Medium"/>
+              </a:rPr>
+              <a:t> Principles</a:t>
             </a:r>
             <a:endParaRPr lang="en-US" dirty="0">
-              <a:latin typeface="Franklin Gothic Medium" pitchFamily="34" charset="0"/>
+              <a:latin typeface="Franklin Gothic Medium"/>
+              <a:cs typeface="Franklin Gothic Medium"/>
             </a:endParaRPr>
           </a:p>
         </p:txBody>
@@ -3719,7 +4469,7 @@
             </a:pPr>
             <a:r>
               <a:rPr lang="en-US" dirty="0" smtClean="0"/>
-              <a:t>System C</a:t>
+              <a:t>Follow the Framework Design Guidelines</a:t>
             </a:r>
           </a:p>
           <a:p>
@@ -3730,11 +4480,7 @@
             </a:pPr>
             <a:r>
               <a:rPr lang="en-US" dirty="0" smtClean="0"/>
-              <a:t>Media libraries based on </a:t>
-            </a:r>
-            <a:r>
-              <a:rPr lang="en-US" dirty="0" err="1" smtClean="0"/>
-              <a:t>OpenCORE</a:t>
+              <a:t>Allow developers to subclass any Java class</a:t>
             </a:r>
             <a:endParaRPr lang="en-US" dirty="0" smtClean="0"/>
           </a:p>
@@ -3745,10 +4491,9 @@
               </a:lnSpc>
             </a:pPr>
             <a:r>
-              <a:rPr lang="en-US" dirty="0" err="1" smtClean="0"/>
-              <a:t>LibWebCore</a:t>
-            </a:r>
-            <a:endParaRPr lang="en-US" dirty="0" smtClean="0"/>
+              <a:rPr lang="en-US" dirty="0" smtClean="0"/>
+              <a:t>C# delegates (lambdas, anonymous methods)</a:t>
+            </a:r>
           </a:p>
           <a:p>
             <a:pPr>
@@ -3758,8 +4503,13 @@
             </a:pPr>
             <a:r>
               <a:rPr lang="en-US" dirty="0" smtClean="0"/>
-              <a:t>SGL for 2D and OpenGL ES for 3D Graphics</a:t>
-            </a:r>
+              <a:t>Java </a:t>
+            </a:r>
+            <a:r>
+              <a:rPr lang="en-US" dirty="0" smtClean="0"/>
+              <a:t>properties as C# properties</a:t>
+            </a:r>
+            <a:endParaRPr lang="en-US" dirty="0" smtClean="0"/>
           </a:p>
           <a:p>
             <a:pPr>
@@ -3768,10 +4518,22 @@
               </a:lnSpc>
             </a:pPr>
             <a:r>
-              <a:rPr lang="en-US" dirty="0" err="1" smtClean="0"/>
-              <a:t>SQLite</a:t>
+              <a:rPr lang="en-US" dirty="0" smtClean="0"/>
+              <a:t>Strongly </a:t>
+            </a:r>
+            <a:r>
+              <a:rPr lang="en-US" dirty="0" smtClean="0"/>
+              <a:t>typed API</a:t>
             </a:r>
             <a:endParaRPr lang="en-US" dirty="0" smtClean="0"/>
+          </a:p>
+          <a:p>
+            <a:pPr>
+              <a:lnSpc>
+                <a:spcPct val="160000"/>
+              </a:lnSpc>
+            </a:pPr>
+            <a:endParaRPr lang="en-US" dirty="0"/>
           </a:p>
         </p:txBody>
       </p:sp>
@@ -3780,12 +4542,11 @@
   <p:clrMapOvr>
     <a:masterClrMapping/>
   </p:clrMapOvr>
-  <p:transition/>
 </p:sld>
 </file>
 
-<file path=ppt/slides/slide11.xml><?xml version="1.0" encoding="utf-8"?>
-<p:sld xmlns:a="http://schemas.openxmlformats.org/drawingml/2006/main" xmlns:r="http://schemas.openxmlformats.org/officeDocument/2006/relationships" xmlns:p="http://schemas.openxmlformats.org/presentationml/2006/main">
+<file path=ppt/slides/slide14.xml><?xml version="1.0" encoding="utf-8"?>
+<p:sld xmlns:a="http://schemas.openxmlformats.org/drawingml/2006/main" xmlns:r="http://schemas.openxmlformats.org/officeDocument/2006/relationships" xmlns:mc="http://schemas.openxmlformats.org/markup-compatibility/2006" xmlns:mv="urn:schemas-microsoft-com:mac:vml" xmlns:p="http://schemas.openxmlformats.org/presentationml/2006/main" mc:Ignorable="mv" mc:PreserveAttributes="mv:*">
   <p:cSld>
     <p:spTree>
       <p:nvGrpSpPr>
@@ -3820,12 +4581,207 @@
           <a:p>
             <a:r>
               <a:rPr lang="en-US" dirty="0" smtClean="0">
-                <a:latin typeface="Franklin Gothic Medium" pitchFamily="34" charset="0"/>
+                <a:latin typeface="Franklin Gothic Medium"/>
+                <a:cs typeface="Franklin Gothic Medium"/>
               </a:rPr>
-              <a:t>Dalvik Virtual Machine</a:t>
+              <a:t>Why would you use </a:t>
+            </a:r>
+            <a:r>
+              <a:rPr lang="en-US" dirty="0" err="1" smtClean="0">
+                <a:latin typeface="Franklin Gothic Medium"/>
+                <a:cs typeface="Franklin Gothic Medium"/>
+              </a:rPr>
+              <a:t>MonoDroid</a:t>
+            </a:r>
+            <a:r>
+              <a:rPr lang="en-US" dirty="0" smtClean="0">
+                <a:latin typeface="Franklin Gothic Medium"/>
+                <a:cs typeface="Franklin Gothic Medium"/>
+              </a:rPr>
+              <a:t>?</a:t>
             </a:r>
             <a:endParaRPr lang="en-US" dirty="0">
-              <a:latin typeface="Franklin Gothic Medium" pitchFamily="34" charset="0"/>
+              <a:latin typeface="Franklin Gothic Medium"/>
+              <a:cs typeface="Franklin Gothic Medium"/>
+            </a:endParaRPr>
+          </a:p>
+        </p:txBody>
+      </p:sp>
+      <p:sp>
+        <p:nvSpPr>
+          <p:cNvPr id="3" name="Content Placeholder 2"/>
+          <p:cNvSpPr>
+            <a:spLocks noGrp="1"/>
+          </p:cNvSpPr>
+          <p:nvPr>
+            <p:ph idx="1"/>
+          </p:nvPr>
+        </p:nvSpPr>
+        <p:spPr/>
+        <p:txBody>
+          <a:bodyPr>
+            <a:normAutofit fontScale="85000" lnSpcReduction="10000"/>
+          </a:bodyPr>
+          <a:lstStyle/>
+          <a:p>
+            <a:r>
+              <a:rPr lang="en-US" dirty="0" err="1" smtClean="0"/>
+              <a:t>Monodroid</a:t>
+            </a:r>
+            <a:r>
+              <a:rPr lang="en-US" dirty="0" smtClean="0"/>
+              <a:t> story not as compelling as </a:t>
+            </a:r>
+            <a:r>
+              <a:rPr lang="en-US" dirty="0" err="1" smtClean="0"/>
+              <a:t>MonoTouch</a:t>
+            </a:r>
+            <a:r>
+              <a:rPr lang="en-US" dirty="0" smtClean="0"/>
+              <a:t>.</a:t>
+            </a:r>
+          </a:p>
+          <a:p>
+            <a:pPr lvl="1"/>
+            <a:r>
+              <a:rPr lang="en-US" dirty="0" smtClean="0"/>
+              <a:t>GC, decent IDE, not Objective-C</a:t>
+            </a:r>
+          </a:p>
+          <a:p>
+            <a:r>
+              <a:rPr lang="en-US" dirty="0" smtClean="0"/>
+              <a:t>Opportunities for re-use across platforms</a:t>
+            </a:r>
+          </a:p>
+          <a:p>
+            <a:pPr lvl="1"/>
+            <a:r>
+              <a:rPr lang="en-US" dirty="0" smtClean="0"/>
+              <a:t>XNA for games</a:t>
+            </a:r>
+          </a:p>
+          <a:p>
+            <a:pPr lvl="1"/>
+            <a:r>
+              <a:rPr lang="en-US" dirty="0" err="1" smtClean="0"/>
+              <a:t>iOS</a:t>
+            </a:r>
+            <a:r>
+              <a:rPr lang="en-US" dirty="0" smtClean="0"/>
+              <a:t>, Android, Windows Phone 7 non-UI components</a:t>
+            </a:r>
+          </a:p>
+          <a:p>
+            <a:r>
+              <a:rPr lang="en-US" dirty="0" smtClean="0"/>
+              <a:t>Development tooling and environment</a:t>
+            </a:r>
+          </a:p>
+          <a:p>
+            <a:pPr lvl="1"/>
+            <a:r>
+              <a:rPr lang="en-US" dirty="0" smtClean="0"/>
+              <a:t>Visual Studio</a:t>
+            </a:r>
+          </a:p>
+          <a:p>
+            <a:pPr lvl="1"/>
+            <a:r>
+              <a:rPr lang="en-US" dirty="0" err="1" smtClean="0"/>
+              <a:t>MonoDevelop</a:t>
+            </a:r>
+            <a:r>
+              <a:rPr lang="en-US" dirty="0" smtClean="0"/>
+              <a:t> (support targeted for v1.0)</a:t>
+            </a:r>
+          </a:p>
+          <a:p>
+            <a:r>
+              <a:rPr lang="en-US" dirty="0" smtClean="0"/>
+              <a:t>C# &gt; </a:t>
+            </a:r>
+            <a:r>
+              <a:rPr lang="en-US" dirty="0" smtClean="0"/>
+              <a:t>Java</a:t>
+            </a:r>
+          </a:p>
+          <a:p>
+            <a:pPr lvl="1"/>
+            <a:r>
+              <a:rPr lang="en-US" dirty="0" smtClean="0"/>
+              <a:t>Friction still exists due to</a:t>
+            </a:r>
+            <a:r>
+              <a:rPr lang="en-US" dirty="0" smtClean="0"/>
+              <a:t> </a:t>
+            </a:r>
+            <a:r>
+              <a:rPr lang="en-US" dirty="0" smtClean="0"/>
+              <a:t>Java idioms and </a:t>
+            </a:r>
+            <a:r>
+              <a:rPr lang="en-US" dirty="0" smtClean="0"/>
+              <a:t>architecture</a:t>
+            </a:r>
+            <a:r>
+              <a:rPr lang="en-US" dirty="0" smtClean="0"/>
+              <a:t>.</a:t>
+            </a:r>
+            <a:endParaRPr lang="en-US" dirty="0" smtClean="0"/>
+          </a:p>
+        </p:txBody>
+      </p:sp>
+    </p:spTree>
+  </p:cSld>
+  <p:clrMapOvr>
+    <a:masterClrMapping/>
+  </p:clrMapOvr>
+</p:sld>
+</file>
+
+<file path=ppt/slides/slide15.xml><?xml version="1.0" encoding="utf-8"?>
+<p:sld xmlns:a="http://schemas.openxmlformats.org/drawingml/2006/main" xmlns:r="http://schemas.openxmlformats.org/officeDocument/2006/relationships" xmlns:mc="http://schemas.openxmlformats.org/markup-compatibility/2006" xmlns:mv="urn:schemas-microsoft-com:mac:vml" xmlns:p="http://schemas.openxmlformats.org/presentationml/2006/main" mc:Ignorable="mv" mc:PreserveAttributes="mv:*">
+  <p:cSld>
+    <p:spTree>
+      <p:nvGrpSpPr>
+        <p:cNvPr id="1" name=""/>
+        <p:cNvGrpSpPr/>
+        <p:nvPr/>
+      </p:nvGrpSpPr>
+      <p:grpSpPr>
+        <a:xfrm>
+          <a:off x="0" y="0"/>
+          <a:ext cx="0" cy="0"/>
+          <a:chOff x="0" y="0"/>
+          <a:chExt cx="0" cy="0"/>
+        </a:xfrm>
+      </p:grpSpPr>
+      <p:sp>
+        <p:nvSpPr>
+          <p:cNvPr id="2" name="Title 1"/>
+          <p:cNvSpPr>
+            <a:spLocks noGrp="1"/>
+          </p:cNvSpPr>
+          <p:nvPr>
+            <p:ph type="title"/>
+          </p:nvPr>
+        </p:nvSpPr>
+        <p:spPr/>
+        <p:txBody>
+          <a:bodyPr/>
+          <a:lstStyle/>
+          <a:p>
+            <a:r>
+              <a:rPr lang="en-US" dirty="0" smtClean="0">
+                <a:latin typeface="Franklin Gothic Medium"/>
+                <a:cs typeface="Franklin Gothic Medium"/>
+              </a:rPr>
+              <a:t>Deployment Options</a:t>
+            </a:r>
+            <a:endParaRPr lang="en-US" dirty="0">
+              <a:latin typeface="Franklin Gothic Medium"/>
+              <a:cs typeface="Franklin Gothic Medium"/>
             </a:endParaRPr>
           </a:p>
         </p:txBody>
@@ -3847,57 +4803,288 @@
           </a:bodyPr>
           <a:lstStyle/>
           <a:p>
-            <a:r>
-              <a:rPr lang="en-US" dirty="0" smtClean="0"/>
-              <a:t>Dalvik Virtual Machine</a:t>
-            </a:r>
-          </a:p>
-          <a:p>
-            <a:pPr lvl="1"/>
-            <a:r>
-              <a:rPr lang="en-US" dirty="0" smtClean="0"/>
-              <a:t>Register-based</a:t>
-            </a:r>
-          </a:p>
-          <a:p>
-            <a:pPr lvl="1"/>
-            <a:r>
-              <a:rPr lang="en-US" dirty="0" smtClean="0"/>
-              <a:t>Efficient when running multiple VMs</a:t>
-            </a:r>
-          </a:p>
-          <a:p>
-            <a:pPr lvl="1"/>
-            <a:r>
-              <a:rPr lang="en-US" dirty="0" smtClean="0"/>
-              <a:t>Java classes turned into Dalvik Executable</a:t>
-            </a:r>
-          </a:p>
-          <a:p>
-            <a:pPr lvl="1"/>
-            <a:r>
-              <a:rPr lang="en-US" dirty="0" smtClean="0"/>
-              <a:t>JIT (as of Android 2.2)</a:t>
-            </a:r>
-          </a:p>
-          <a:p>
-            <a:r>
-              <a:rPr lang="en-US" dirty="0" smtClean="0"/>
-              <a:t>Android Applications</a:t>
-            </a:r>
-          </a:p>
-          <a:p>
-            <a:pPr lvl="1"/>
-            <a:r>
-              <a:rPr lang="en-US" dirty="0" smtClean="0"/>
-              <a:t>Run in own process</a:t>
-            </a:r>
-          </a:p>
-          <a:p>
-            <a:pPr lvl="1"/>
-            <a:r>
-              <a:rPr lang="en-US" dirty="0" smtClean="0"/>
-              <a:t>Run on own instance of Dalvik VM</a:t>
+            <a:pPr>
+              <a:spcAft>
+                <a:spcPts val="1200"/>
+              </a:spcAft>
+            </a:pPr>
+            <a:r>
+              <a:rPr lang="en-US" sz="2800" dirty="0" smtClean="0"/>
+              <a:t>Deploy to Android Virtual Device</a:t>
+            </a:r>
+          </a:p>
+          <a:p>
+            <a:pPr>
+              <a:spcAft>
+                <a:spcPts val="1200"/>
+              </a:spcAft>
+            </a:pPr>
+            <a:r>
+              <a:rPr lang="en-US" sz="2800" dirty="0" smtClean="0"/>
+              <a:t>Deploy to Device</a:t>
+            </a:r>
+          </a:p>
+          <a:p>
+            <a:pPr>
+              <a:spcAft>
+                <a:spcPts val="1200"/>
+              </a:spcAft>
+            </a:pPr>
+            <a:r>
+              <a:rPr lang="en-US" sz="2800" dirty="0" smtClean="0"/>
+              <a:t>Debug capabilities on both</a:t>
+            </a:r>
+          </a:p>
+          <a:p>
+            <a:pPr>
+              <a:spcAft>
+                <a:spcPts val="1200"/>
+              </a:spcAft>
+            </a:pPr>
+            <a:r>
+              <a:rPr lang="en-US" sz="2800" dirty="0" smtClean="0"/>
+              <a:t>Sell (eventually) via Android Marketplace</a:t>
+            </a:r>
+          </a:p>
+          <a:p>
+            <a:pPr lvl="1">
+              <a:spcAft>
+                <a:spcPts val="1200"/>
+              </a:spcAft>
+            </a:pPr>
+            <a:r>
+              <a:rPr lang="en-US" dirty="0" smtClean="0"/>
+              <a:t>No “Go Live” license yet</a:t>
+            </a:r>
+          </a:p>
+          <a:p>
+            <a:pPr lvl="1">
+              <a:spcAft>
+                <a:spcPts val="1200"/>
+              </a:spcAft>
+            </a:pPr>
+            <a:r>
+              <a:rPr lang="en-US" dirty="0" smtClean="0"/>
+              <a:t>$25 Google developer account</a:t>
+            </a:r>
+          </a:p>
+        </p:txBody>
+      </p:sp>
+    </p:spTree>
+  </p:cSld>
+  <p:clrMapOvr>
+    <a:masterClrMapping/>
+  </p:clrMapOvr>
+</p:sld>
+</file>
+
+<file path=ppt/slides/slide16.xml><?xml version="1.0" encoding="utf-8"?>
+<p:sld xmlns:a="http://schemas.openxmlformats.org/drawingml/2006/main" xmlns:r="http://schemas.openxmlformats.org/officeDocument/2006/relationships" xmlns:mc="http://schemas.openxmlformats.org/markup-compatibility/2006" xmlns:mv="urn:schemas-microsoft-com:mac:vml" xmlns:p="http://schemas.openxmlformats.org/presentationml/2006/main" mc:Ignorable="mv" mc:PreserveAttributes="mv:*">
+  <p:cSld>
+    <p:spTree>
+      <p:nvGrpSpPr>
+        <p:cNvPr id="1" name=""/>
+        <p:cNvGrpSpPr/>
+        <p:nvPr/>
+      </p:nvGrpSpPr>
+      <p:grpSpPr>
+        <a:xfrm>
+          <a:off x="0" y="0"/>
+          <a:ext cx="0" cy="0"/>
+          <a:chOff x="0" y="0"/>
+          <a:chExt cx="0" cy="0"/>
+        </a:xfrm>
+      </p:grpSpPr>
+      <p:sp>
+        <p:nvSpPr>
+          <p:cNvPr id="2" name="Title 1"/>
+          <p:cNvSpPr>
+            <a:spLocks noGrp="1"/>
+          </p:cNvSpPr>
+          <p:nvPr>
+            <p:ph type="title"/>
+          </p:nvPr>
+        </p:nvSpPr>
+        <p:spPr/>
+        <p:txBody>
+          <a:bodyPr>
+            <a:normAutofit/>
+          </a:bodyPr>
+          <a:lstStyle/>
+          <a:p>
+            <a:r>
+              <a:rPr lang="en-US" dirty="0" smtClean="0">
+                <a:latin typeface="Franklin Gothic Medium"/>
+                <a:cs typeface="Franklin Gothic Medium"/>
+              </a:rPr>
+              <a:t>Android Application Concepts</a:t>
+            </a:r>
+          </a:p>
+        </p:txBody>
+      </p:sp>
+      <p:sp>
+        <p:nvSpPr>
+          <p:cNvPr id="3" name="Content Placeholder 2"/>
+          <p:cNvSpPr>
+            <a:spLocks noGrp="1"/>
+          </p:cNvSpPr>
+          <p:nvPr>
+            <p:ph idx="1"/>
+          </p:nvPr>
+        </p:nvSpPr>
+        <p:spPr/>
+        <p:txBody>
+          <a:bodyPr/>
+          <a:lstStyle/>
+          <a:p>
+            <a:pPr>
+              <a:spcAft>
+                <a:spcPts val="3000"/>
+              </a:spcAft>
+            </a:pPr>
+            <a:r>
+              <a:rPr lang="en-US" dirty="0" smtClean="0"/>
+              <a:t>Activities</a:t>
+            </a:r>
+          </a:p>
+          <a:p>
+            <a:pPr>
+              <a:spcAft>
+                <a:spcPts val="3000"/>
+              </a:spcAft>
+            </a:pPr>
+            <a:r>
+              <a:rPr lang="en-US" dirty="0" smtClean="0"/>
+              <a:t>Services</a:t>
+            </a:r>
+          </a:p>
+          <a:p>
+            <a:pPr>
+              <a:spcAft>
+                <a:spcPts val="3000"/>
+              </a:spcAft>
+            </a:pPr>
+            <a:r>
+              <a:rPr lang="en-US" dirty="0" smtClean="0"/>
+              <a:t>Content Providers</a:t>
+            </a:r>
+          </a:p>
+          <a:p>
+            <a:pPr>
+              <a:spcAft>
+                <a:spcPts val="3000"/>
+              </a:spcAft>
+            </a:pPr>
+            <a:r>
+              <a:rPr lang="en-US" dirty="0" smtClean="0"/>
+              <a:t>Intents</a:t>
+            </a:r>
+          </a:p>
+          <a:p>
+            <a:pPr>
+              <a:spcAft>
+                <a:spcPts val="3000"/>
+              </a:spcAft>
+            </a:pPr>
+            <a:r>
+              <a:rPr lang="en-US" dirty="0" smtClean="0"/>
+              <a:t>Resources</a:t>
+            </a:r>
+            <a:endParaRPr lang="en-US" dirty="0"/>
+          </a:p>
+        </p:txBody>
+      </p:sp>
+    </p:spTree>
+  </p:cSld>
+  <p:clrMapOvr>
+    <a:masterClrMapping/>
+  </p:clrMapOvr>
+</p:sld>
+</file>
+
+<file path=ppt/slides/slide17.xml><?xml version="1.0" encoding="utf-8"?>
+<p:sld xmlns:a="http://schemas.openxmlformats.org/drawingml/2006/main" xmlns:r="http://schemas.openxmlformats.org/officeDocument/2006/relationships" xmlns:mc="http://schemas.openxmlformats.org/markup-compatibility/2006" xmlns:mv="urn:schemas-microsoft-com:mac:vml" xmlns:p="http://schemas.openxmlformats.org/presentationml/2006/main" mc:Ignorable="mv" mc:PreserveAttributes="mv:*">
+  <p:cSld>
+    <p:spTree>
+      <p:nvGrpSpPr>
+        <p:cNvPr id="1" name=""/>
+        <p:cNvGrpSpPr/>
+        <p:nvPr/>
+      </p:nvGrpSpPr>
+      <p:grpSpPr>
+        <a:xfrm>
+          <a:off x="0" y="0"/>
+          <a:ext cx="0" cy="0"/>
+          <a:chOff x="0" y="0"/>
+          <a:chExt cx="0" cy="0"/>
+        </a:xfrm>
+      </p:grpSpPr>
+      <p:sp>
+        <p:nvSpPr>
+          <p:cNvPr id="2" name="Title 1"/>
+          <p:cNvSpPr>
+            <a:spLocks noGrp="1"/>
+          </p:cNvSpPr>
+          <p:nvPr>
+            <p:ph type="title"/>
+          </p:nvPr>
+        </p:nvSpPr>
+        <p:spPr/>
+        <p:txBody>
+          <a:bodyPr/>
+          <a:lstStyle/>
+          <a:p>
+            <a:r>
+              <a:rPr lang="en-US" dirty="0" smtClean="0">
+                <a:latin typeface="Franklin Gothic Medium"/>
+                <a:cs typeface="Franklin Gothic Medium"/>
+              </a:rPr>
+              <a:t>Activities</a:t>
+            </a:r>
+            <a:endParaRPr lang="en-US" dirty="0">
+              <a:latin typeface="Franklin Gothic Medium"/>
+              <a:cs typeface="Franklin Gothic Medium"/>
+            </a:endParaRPr>
+          </a:p>
+        </p:txBody>
+      </p:sp>
+      <p:sp>
+        <p:nvSpPr>
+          <p:cNvPr id="3" name="Content Placeholder 2"/>
+          <p:cNvSpPr>
+            <a:spLocks noGrp="1"/>
+          </p:cNvSpPr>
+          <p:nvPr>
+            <p:ph idx="1"/>
+          </p:nvPr>
+        </p:nvSpPr>
+        <p:spPr/>
+        <p:txBody>
+          <a:bodyPr>
+            <a:normAutofit/>
+          </a:bodyPr>
+          <a:lstStyle/>
+          <a:p>
+            <a:r>
+              <a:rPr lang="en-US" dirty="0" smtClean="0"/>
+              <a:t>Orchestrates a UI view</a:t>
+            </a:r>
+          </a:p>
+          <a:p>
+            <a:pPr>
+              <a:spcAft>
+                <a:spcPts val="600"/>
+              </a:spcAft>
+            </a:pPr>
+            <a:r>
+              <a:rPr lang="en-US" dirty="0" smtClean="0"/>
+              <a:t>Applications are composed of 1-to-Many activities</a:t>
+            </a:r>
+          </a:p>
+          <a:p>
+            <a:r>
+              <a:rPr lang="en-US" dirty="0" smtClean="0"/>
+              <a:t>One activity marked as main and shown first upon launch</a:t>
             </a:r>
           </a:p>
         </p:txBody>
@@ -3917,8 +5104,8 @@
 </p:sld>
 </file>
 
-<file path=ppt/slides/slide12.xml><?xml version="1.0" encoding="utf-8"?>
-<p:sld xmlns:a="http://schemas.openxmlformats.org/drawingml/2006/main" xmlns:r="http://schemas.openxmlformats.org/officeDocument/2006/relationships" xmlns:p="http://schemas.openxmlformats.org/presentationml/2006/main">
+<file path=ppt/slides/slide18.xml><?xml version="1.0" encoding="utf-8"?>
+<p:sld xmlns:a="http://schemas.openxmlformats.org/drawingml/2006/main" xmlns:r="http://schemas.openxmlformats.org/officeDocument/2006/relationships" xmlns:mc="http://schemas.openxmlformats.org/markup-compatibility/2006" xmlns:mv="urn:schemas-microsoft-com:mac:vml" xmlns:p="http://schemas.openxmlformats.org/presentationml/2006/main" mc:Ignorable="mv" mc:PreserveAttributes="mv:*">
   <p:cSld>
     <p:spTree>
       <p:nvGrpSpPr>
@@ -3954,21 +5141,7 @@
                 <a:latin typeface="Franklin Gothic Medium"/>
                 <a:cs typeface="Franklin Gothic Medium"/>
               </a:rPr>
-              <a:t>What is </a:t>
-            </a:r>
-            <a:r>
-              <a:rPr lang="en-US" dirty="0" err="1" smtClean="0">
-                <a:latin typeface="Franklin Gothic Medium"/>
-                <a:cs typeface="Franklin Gothic Medium"/>
-              </a:rPr>
-              <a:t>MonoDroid</a:t>
-            </a:r>
-            <a:r>
-              <a:rPr lang="en-US" dirty="0" smtClean="0">
-                <a:latin typeface="Franklin Gothic Medium"/>
-                <a:cs typeface="Franklin Gothic Medium"/>
-              </a:rPr>
-              <a:t>?</a:t>
+              <a:t>Activities - Views</a:t>
             </a:r>
             <a:endParaRPr lang="en-US" dirty="0">
               <a:latin typeface="Franklin Gothic Medium"/>
@@ -3989,880 +5162,37 @@
         </p:nvSpPr>
         <p:spPr/>
         <p:txBody>
-          <a:bodyPr/>
-          <a:lstStyle/>
-          <a:p>
-            <a:r>
-              <a:rPr lang="en-US" dirty="0" smtClean="0"/>
-              <a:t>Commercial Product from Novell</a:t>
-            </a:r>
-          </a:p>
-          <a:p>
-            <a:pPr lvl="1"/>
-            <a:r>
-              <a:rPr lang="en-US" dirty="0" smtClean="0"/>
-              <a:t>~$400 individual / ~$1000 enterprise</a:t>
-            </a:r>
-          </a:p>
-          <a:p>
-            <a:r>
-              <a:rPr lang="en-US" dirty="0" smtClean="0"/>
-              <a:t>Project is in Preview state</a:t>
-            </a:r>
-          </a:p>
-          <a:p>
-            <a:pPr lvl="1"/>
-            <a:r>
-              <a:rPr lang="en-US" dirty="0" smtClean="0"/>
-              <a:t>Not Beta, not even alpha.</a:t>
-            </a:r>
-          </a:p>
-          <a:p>
-            <a:r>
-              <a:rPr lang="en-US" dirty="0" smtClean="0"/>
-              <a:t>Closed preview</a:t>
-            </a:r>
-          </a:p>
-          <a:p>
-            <a:pPr lvl="1"/>
-            <a:r>
-              <a:rPr lang="en-US" dirty="0" smtClean="0"/>
-              <a:t>SIGN UP!  Each preview brings more people into the mix.</a:t>
-            </a:r>
-          </a:p>
-          <a:p>
-            <a:endParaRPr lang="en-US" dirty="0" smtClean="0"/>
-          </a:p>
-        </p:txBody>
-      </p:sp>
-    </p:spTree>
-  </p:cSld>
-  <p:clrMapOvr>
-    <a:masterClrMapping/>
-  </p:clrMapOvr>
-  <p:timing>
-    <p:tnLst>
-      <p:par>
-        <p:cTn id="1" dur="indefinite" restart="never" nodeType="tmRoot"/>
-      </p:par>
-    </p:tnLst>
-  </p:timing>
-</p:sld>
-</file>
-
-<file path=ppt/slides/slide13.xml><?xml version="1.0" encoding="utf-8"?>
-<p:sld xmlns:a="http://schemas.openxmlformats.org/drawingml/2006/main" xmlns:r="http://schemas.openxmlformats.org/officeDocument/2006/relationships" xmlns:p="http://schemas.openxmlformats.org/presentationml/2006/main">
-  <p:cSld>
-    <p:spTree>
-      <p:nvGrpSpPr>
-        <p:cNvPr id="1" name=""/>
-        <p:cNvGrpSpPr/>
-        <p:nvPr/>
-      </p:nvGrpSpPr>
-      <p:grpSpPr>
-        <a:xfrm>
-          <a:off x="0" y="0"/>
-          <a:ext cx="0" cy="0"/>
-          <a:chOff x="0" y="0"/>
-          <a:chExt cx="0" cy="0"/>
-        </a:xfrm>
-      </p:grpSpPr>
-      <p:sp>
-        <p:nvSpPr>
-          <p:cNvPr id="2" name="Title 1"/>
-          <p:cNvSpPr>
-            <a:spLocks noGrp="1"/>
-          </p:cNvSpPr>
-          <p:nvPr>
-            <p:ph type="title"/>
-          </p:nvPr>
-        </p:nvSpPr>
-        <p:spPr/>
-        <p:txBody>
-          <a:bodyPr/>
-          <a:lstStyle/>
-          <a:p>
-            <a:r>
-              <a:rPr lang="en-US" dirty="0" smtClean="0">
-                <a:latin typeface="Franklin Gothic Medium"/>
-                <a:cs typeface="Franklin Gothic Medium"/>
-              </a:rPr>
-              <a:t>How Does it Work?</a:t>
-            </a:r>
-            <a:endParaRPr lang="en-US" dirty="0">
-              <a:latin typeface="Franklin Gothic Medium"/>
-              <a:cs typeface="Franklin Gothic Medium"/>
-            </a:endParaRPr>
-          </a:p>
-        </p:txBody>
-      </p:sp>
-      <p:sp>
-        <p:nvSpPr>
-          <p:cNvPr id="3" name="Content Placeholder 2"/>
-          <p:cNvSpPr>
-            <a:spLocks noGrp="1"/>
-          </p:cNvSpPr>
-          <p:nvPr>
-            <p:ph idx="1"/>
-          </p:nvPr>
-        </p:nvSpPr>
-        <p:spPr/>
-        <p:txBody>
-          <a:bodyPr/>
-          <a:lstStyle/>
-          <a:p>
-            <a:r>
-              <a:rPr lang="en-US" dirty="0" smtClean="0"/>
-              <a:t>Mono Runtime</a:t>
-            </a:r>
-          </a:p>
-          <a:p>
-            <a:pPr lvl="1"/>
-            <a:r>
-              <a:rPr lang="en-US" dirty="0" smtClean="0"/>
-              <a:t>Native to the device</a:t>
-            </a:r>
-          </a:p>
-          <a:p>
-            <a:pPr lvl="1"/>
-            <a:r>
-              <a:rPr lang="en-US" dirty="0" smtClean="0"/>
-              <a:t>Executes .Net code</a:t>
-            </a:r>
-          </a:p>
-          <a:p>
-            <a:pPr lvl="1"/>
-            <a:r>
-              <a:rPr lang="en-US" dirty="0" smtClean="0"/>
-              <a:t>Runs </a:t>
-            </a:r>
-            <a:r>
-              <a:rPr lang="en-US" b="1" dirty="0" smtClean="0"/>
-              <a:t>side-by-side</a:t>
-            </a:r>
-            <a:r>
-              <a:rPr lang="en-US" dirty="0" smtClean="0"/>
-              <a:t> with Dalvik</a:t>
-            </a:r>
-          </a:p>
-          <a:p>
-            <a:r>
-              <a:rPr lang="en-US" dirty="0" smtClean="0"/>
-              <a:t>Mono to </a:t>
-            </a:r>
-            <a:r>
-              <a:rPr lang="en-US" dirty="0" smtClean="0"/>
-              <a:t>Android Communication</a:t>
-            </a:r>
-            <a:endParaRPr lang="en-US" dirty="0" smtClean="0"/>
-          </a:p>
-          <a:p>
-            <a:pPr lvl="1"/>
-            <a:r>
-              <a:rPr lang="en-US" dirty="0" smtClean="0"/>
-              <a:t>Java proxies</a:t>
-            </a:r>
-          </a:p>
-          <a:p>
-            <a:pPr lvl="2"/>
-            <a:r>
-              <a:rPr lang="en-US" dirty="0" smtClean="0"/>
-              <a:t>Android Callable Wrappers </a:t>
-            </a:r>
-          </a:p>
-          <a:p>
-            <a:pPr lvl="2"/>
-            <a:r>
-              <a:rPr lang="en-US" dirty="0" smtClean="0"/>
-              <a:t>Managed Callable Wrappers</a:t>
-            </a:r>
-          </a:p>
-          <a:p>
-            <a:pPr>
-              <a:buNone/>
-            </a:pPr>
-            <a:endParaRPr lang="en-US" dirty="0" smtClean="0"/>
-          </a:p>
-          <a:p>
-            <a:endParaRPr lang="en-US" dirty="0" smtClean="0"/>
-          </a:p>
-        </p:txBody>
-      </p:sp>
-    </p:spTree>
-  </p:cSld>
-  <p:clrMapOvr>
-    <a:masterClrMapping/>
-  </p:clrMapOvr>
-</p:sld>
-</file>
-
-<file path=ppt/slides/slide14.xml><?xml version="1.0" encoding="utf-8"?>
-<p:sld xmlns:a="http://schemas.openxmlformats.org/drawingml/2006/main" xmlns:r="http://schemas.openxmlformats.org/officeDocument/2006/relationships" xmlns:p="http://schemas.openxmlformats.org/presentationml/2006/main">
-  <p:cSld>
-    <p:spTree>
-      <p:nvGrpSpPr>
-        <p:cNvPr id="1" name=""/>
-        <p:cNvGrpSpPr/>
-        <p:nvPr/>
-      </p:nvGrpSpPr>
-      <p:grpSpPr>
-        <a:xfrm>
-          <a:off x="0" y="0"/>
-          <a:ext cx="0" cy="0"/>
-          <a:chOff x="0" y="0"/>
-          <a:chExt cx="0" cy="0"/>
-        </a:xfrm>
-      </p:grpSpPr>
-      <p:sp>
-        <p:nvSpPr>
-          <p:cNvPr id="2" name="Title 1"/>
-          <p:cNvSpPr>
-            <a:spLocks noGrp="1"/>
-          </p:cNvSpPr>
-          <p:nvPr>
-            <p:ph type="title"/>
-          </p:nvPr>
-        </p:nvSpPr>
-        <p:spPr/>
-        <p:txBody>
-          <a:bodyPr/>
-          <a:lstStyle/>
-          <a:p>
-            <a:r>
-              <a:rPr lang="en-US" dirty="0" smtClean="0">
-                <a:latin typeface="Franklin Gothic Medium"/>
-                <a:cs typeface="Franklin Gothic Medium"/>
-              </a:rPr>
-              <a:t>MonoDroid Architecture</a:t>
-            </a:r>
-            <a:endParaRPr lang="en-US" dirty="0">
-              <a:latin typeface="Franklin Gothic Medium"/>
-              <a:cs typeface="Franklin Gothic Medium"/>
-            </a:endParaRPr>
-          </a:p>
-        </p:txBody>
-      </p:sp>
-      <p:pic>
-        <p:nvPicPr>
-          <p:cNvPr id="4" name="Content Placeholder 3" descr="architecture2.PNG"/>
-          <p:cNvPicPr>
-            <a:picLocks noGrp="1" noChangeAspect="1"/>
-          </p:cNvPicPr>
-          <p:nvPr>
-            <p:ph idx="1"/>
-          </p:nvPr>
-        </p:nvPicPr>
-        <p:blipFill>
-          <a:blip r:embed="rId3" cstate="print"/>
-          <a:srcRect t="-10074" b="-10074"/>
-          <a:stretch>
-            <a:fillRect/>
-          </a:stretch>
-        </p:blipFill>
-        <p:spPr/>
-      </p:pic>
-    </p:spTree>
-  </p:cSld>
-  <p:clrMapOvr>
-    <a:masterClrMapping/>
-  </p:clrMapOvr>
-  <p:timing>
-    <p:tnLst>
-      <p:par>
-        <p:cTn id="1" dur="indefinite" restart="never" nodeType="tmRoot"/>
-      </p:par>
-    </p:tnLst>
-  </p:timing>
-</p:sld>
-</file>
-
-<file path=ppt/slides/slide15.xml><?xml version="1.0" encoding="utf-8"?>
-<p:sld xmlns:a="http://schemas.openxmlformats.org/drawingml/2006/main" xmlns:r="http://schemas.openxmlformats.org/officeDocument/2006/relationships" xmlns:p="http://schemas.openxmlformats.org/presentationml/2006/main">
-  <p:cSld>
-    <p:spTree>
-      <p:nvGrpSpPr>
-        <p:cNvPr id="1" name=""/>
-        <p:cNvGrpSpPr/>
-        <p:nvPr/>
-      </p:nvGrpSpPr>
-      <p:grpSpPr>
-        <a:xfrm>
-          <a:off x="0" y="0"/>
-          <a:ext cx="0" cy="0"/>
-          <a:chOff x="0" y="0"/>
-          <a:chExt cx="0" cy="0"/>
-        </a:xfrm>
-      </p:grpSpPr>
-      <p:sp>
-        <p:nvSpPr>
-          <p:cNvPr id="2" name="Title 1"/>
-          <p:cNvSpPr>
-            <a:spLocks noGrp="1"/>
-          </p:cNvSpPr>
-          <p:nvPr>
-            <p:ph type="title"/>
-          </p:nvPr>
-        </p:nvSpPr>
-        <p:spPr/>
-        <p:txBody>
           <a:bodyPr>
             <a:normAutofit/>
           </a:bodyPr>
           <a:lstStyle/>
           <a:p>
             <a:r>
-              <a:rPr lang="en-US" dirty="0" smtClean="0">
-                <a:latin typeface="Franklin Gothic Medium"/>
-                <a:cs typeface="Franklin Gothic Medium"/>
-              </a:rPr>
-              <a:t>MonoDroid Design Principals</a:t>
-            </a:r>
-            <a:endParaRPr lang="en-US" dirty="0">
-              <a:latin typeface="Franklin Gothic Medium"/>
-              <a:cs typeface="Franklin Gothic Medium"/>
-            </a:endParaRPr>
-          </a:p>
-        </p:txBody>
-      </p:sp>
-      <p:sp>
-        <p:nvSpPr>
-          <p:cNvPr id="3" name="Content Placeholder 2"/>
-          <p:cNvSpPr>
-            <a:spLocks noGrp="1"/>
-          </p:cNvSpPr>
-          <p:nvPr>
-            <p:ph idx="1"/>
-          </p:nvPr>
-        </p:nvSpPr>
-        <p:spPr/>
-        <p:txBody>
-          <a:bodyPr>
-            <a:normAutofit/>
-          </a:bodyPr>
-          <a:lstStyle/>
-          <a:p>
-            <a:pPr>
-              <a:lnSpc>
-                <a:spcPct val="160000"/>
-              </a:lnSpc>
-            </a:pPr>
-            <a:r>
-              <a:rPr lang="en-US" dirty="0" smtClean="0"/>
-              <a:t>Follow the Framework Design Guidelines</a:t>
-            </a:r>
-          </a:p>
-          <a:p>
-            <a:pPr>
-              <a:lnSpc>
-                <a:spcPct val="160000"/>
-              </a:lnSpc>
-            </a:pPr>
-            <a:r>
-              <a:rPr lang="en-US" dirty="0" smtClean="0"/>
-              <a:t>Allow developers to subclass any Java class</a:t>
-            </a:r>
-          </a:p>
-          <a:p>
-            <a:pPr>
-              <a:lnSpc>
-                <a:spcPct val="160000"/>
-              </a:lnSpc>
-            </a:pPr>
-            <a:r>
-              <a:rPr lang="en-US" dirty="0" smtClean="0"/>
-              <a:t>Java properties as C# properties</a:t>
-            </a:r>
-          </a:p>
-          <a:p>
-            <a:pPr>
-              <a:lnSpc>
-                <a:spcPct val="160000"/>
-              </a:lnSpc>
-            </a:pPr>
-            <a:r>
-              <a:rPr lang="en-US" dirty="0" smtClean="0"/>
-              <a:t>S</a:t>
-            </a:r>
-            <a:r>
-              <a:rPr lang="en-US" dirty="0" smtClean="0"/>
-              <a:t>trongly </a:t>
-            </a:r>
-            <a:r>
-              <a:rPr lang="en-US" dirty="0" smtClean="0"/>
-              <a:t>typed API</a:t>
-            </a:r>
-          </a:p>
-          <a:p>
-            <a:pPr>
-              <a:lnSpc>
-                <a:spcPct val="160000"/>
-              </a:lnSpc>
-            </a:pPr>
-            <a:r>
-              <a:rPr lang="en-US" dirty="0" smtClean="0"/>
-              <a:t>C# delegates (lambdas, anonymous methods)</a:t>
-            </a:r>
-          </a:p>
-          <a:p>
-            <a:pPr>
-              <a:lnSpc>
-                <a:spcPct val="160000"/>
-              </a:lnSpc>
-            </a:pPr>
-            <a:endParaRPr lang="en-US" dirty="0"/>
-          </a:p>
-        </p:txBody>
-      </p:sp>
-    </p:spTree>
-  </p:cSld>
-  <p:clrMapOvr>
-    <a:masterClrMapping/>
-  </p:clrMapOvr>
-</p:sld>
-</file>
-
-<file path=ppt/slides/slide16.xml><?xml version="1.0" encoding="utf-8"?>
-<p:sld xmlns:a="http://schemas.openxmlformats.org/drawingml/2006/main" xmlns:r="http://schemas.openxmlformats.org/officeDocument/2006/relationships" xmlns:p="http://schemas.openxmlformats.org/presentationml/2006/main">
-  <p:cSld>
-    <p:spTree>
-      <p:nvGrpSpPr>
-        <p:cNvPr id="1" name=""/>
-        <p:cNvGrpSpPr/>
-        <p:nvPr/>
-      </p:nvGrpSpPr>
-      <p:grpSpPr>
-        <a:xfrm>
-          <a:off x="0" y="0"/>
-          <a:ext cx="0" cy="0"/>
-          <a:chOff x="0" y="0"/>
-          <a:chExt cx="0" cy="0"/>
-        </a:xfrm>
-      </p:grpSpPr>
-      <p:sp>
-        <p:nvSpPr>
-          <p:cNvPr id="2" name="Title 1"/>
-          <p:cNvSpPr>
-            <a:spLocks noGrp="1"/>
-          </p:cNvSpPr>
-          <p:nvPr>
-            <p:ph type="title"/>
-          </p:nvPr>
-        </p:nvSpPr>
-        <p:spPr/>
-        <p:txBody>
-          <a:bodyPr>
-            <a:normAutofit/>
-          </a:bodyPr>
-          <a:lstStyle/>
-          <a:p>
-            <a:r>
-              <a:rPr lang="en-US" dirty="0" smtClean="0">
-                <a:latin typeface="Franklin Gothic Medium"/>
-                <a:cs typeface="Franklin Gothic Medium"/>
-              </a:rPr>
-              <a:t>Why would you use </a:t>
-            </a:r>
-            <a:r>
-              <a:rPr lang="en-US" dirty="0" err="1" smtClean="0">
-                <a:latin typeface="Franklin Gothic Medium"/>
-                <a:cs typeface="Franklin Gothic Medium"/>
-              </a:rPr>
-              <a:t>MonoDroid</a:t>
-            </a:r>
-            <a:r>
-              <a:rPr lang="en-US" dirty="0" smtClean="0">
-                <a:latin typeface="Franklin Gothic Medium"/>
-                <a:cs typeface="Franklin Gothic Medium"/>
-              </a:rPr>
-              <a:t>?</a:t>
-            </a:r>
-            <a:endParaRPr lang="en-US" dirty="0">
-              <a:latin typeface="Franklin Gothic Medium"/>
-              <a:cs typeface="Franklin Gothic Medium"/>
-            </a:endParaRPr>
-          </a:p>
-        </p:txBody>
-      </p:sp>
-      <p:sp>
-        <p:nvSpPr>
-          <p:cNvPr id="3" name="Content Placeholder 2"/>
-          <p:cNvSpPr>
-            <a:spLocks noGrp="1"/>
-          </p:cNvSpPr>
-          <p:nvPr>
-            <p:ph idx="1"/>
-          </p:nvPr>
-        </p:nvSpPr>
-        <p:spPr/>
-        <p:txBody>
-          <a:bodyPr>
-            <a:normAutofit fontScale="85000" lnSpcReduction="10000"/>
-          </a:bodyPr>
-          <a:lstStyle/>
-          <a:p>
+              <a:rPr lang="en-US" dirty="0" smtClean="0"/>
+              <a:t>Each activity is given a default window to draw in. </a:t>
+            </a:r>
+          </a:p>
+          <a:p>
+            <a:r>
+              <a:rPr lang="en-US" dirty="0" smtClean="0"/>
+              <a:t>Content of the window is provided by a hierarchy of views</a:t>
+            </a:r>
+          </a:p>
+          <a:p>
+            <a:r>
+              <a:rPr lang="en-US" dirty="0" smtClean="0"/>
+              <a:t>A view hierarchy is placed within an activity's window by the </a:t>
+            </a:r>
             <a:r>
               <a:rPr lang="en-US" dirty="0" err="1" smtClean="0"/>
-              <a:t>Monodroid</a:t>
-            </a:r>
-            <a:r>
-              <a:rPr lang="en-US" dirty="0" smtClean="0"/>
-              <a:t> story not as compelling as </a:t>
-            </a:r>
-            <a:r>
-              <a:rPr lang="en-US" dirty="0" err="1" smtClean="0"/>
-              <a:t>MonoTouch</a:t>
-            </a:r>
-            <a:r>
-              <a:rPr lang="en-US" dirty="0" smtClean="0"/>
-              <a:t>.</a:t>
-            </a:r>
-          </a:p>
-          <a:p>
-            <a:pPr lvl="1"/>
-            <a:r>
-              <a:rPr lang="en-US" dirty="0" smtClean="0"/>
-              <a:t>GC, decent IDE, not Objective-C</a:t>
-            </a:r>
-          </a:p>
-          <a:p>
-            <a:r>
-              <a:rPr lang="en-US" dirty="0" smtClean="0"/>
-              <a:t>Opportunities for re-use across platforms</a:t>
-            </a:r>
-          </a:p>
-          <a:p>
-            <a:pPr lvl="1"/>
-            <a:r>
-              <a:rPr lang="en-US" dirty="0" smtClean="0"/>
-              <a:t>XNA for games</a:t>
-            </a:r>
-          </a:p>
-          <a:p>
-            <a:pPr lvl="1"/>
-            <a:r>
-              <a:rPr lang="en-US" dirty="0" err="1" smtClean="0"/>
-              <a:t>iOS</a:t>
-            </a:r>
-            <a:r>
-              <a:rPr lang="en-US" dirty="0" smtClean="0"/>
-              <a:t>, Android, Windows Phone 7 non-UI components</a:t>
-            </a:r>
-          </a:p>
-          <a:p>
-            <a:r>
-              <a:rPr lang="en-US" dirty="0" smtClean="0"/>
-              <a:t>Development tooling and environment</a:t>
-            </a:r>
-            <a:endParaRPr lang="en-US" dirty="0" smtClean="0"/>
-          </a:p>
-          <a:p>
-            <a:pPr lvl="1"/>
-            <a:r>
-              <a:rPr lang="en-US" dirty="0" smtClean="0"/>
-              <a:t>Visual Studio</a:t>
-            </a:r>
-          </a:p>
-          <a:p>
-            <a:pPr lvl="1"/>
-            <a:r>
-              <a:rPr lang="en-US" dirty="0" err="1" smtClean="0"/>
-              <a:t>MonoDevelop</a:t>
-            </a:r>
-            <a:r>
-              <a:rPr lang="en-US" dirty="0" smtClean="0"/>
-              <a:t> (support targeted for v1.0)</a:t>
-            </a:r>
-          </a:p>
-          <a:p>
-            <a:r>
-              <a:rPr lang="en-US" dirty="0" smtClean="0"/>
-              <a:t>C#</a:t>
-            </a:r>
-            <a:r>
-              <a:rPr lang="en-US" dirty="0" smtClean="0"/>
-              <a:t> </a:t>
-            </a:r>
-            <a:r>
-              <a:rPr lang="en-US" dirty="0" smtClean="0"/>
-              <a:t>&gt; Java ;)</a:t>
-            </a:r>
-          </a:p>
-          <a:p>
-            <a:pPr lvl="1"/>
-            <a:r>
-              <a:rPr lang="en-US" dirty="0" smtClean="0"/>
-              <a:t>Still have some Java idioms and architecture friction.</a:t>
-            </a:r>
-          </a:p>
-        </p:txBody>
-      </p:sp>
-    </p:spTree>
-  </p:cSld>
-  <p:clrMapOvr>
-    <a:masterClrMapping/>
-  </p:clrMapOvr>
-</p:sld>
-</file>
-
-<file path=ppt/slides/slide17.xml><?xml version="1.0" encoding="utf-8"?>
-<p:sld xmlns:a="http://schemas.openxmlformats.org/drawingml/2006/main" xmlns:r="http://schemas.openxmlformats.org/officeDocument/2006/relationships" xmlns:p="http://schemas.openxmlformats.org/presentationml/2006/main">
-  <p:cSld>
-    <p:spTree>
-      <p:nvGrpSpPr>
-        <p:cNvPr id="1" name=""/>
-        <p:cNvGrpSpPr/>
-        <p:nvPr/>
-      </p:nvGrpSpPr>
-      <p:grpSpPr>
-        <a:xfrm>
-          <a:off x="0" y="0"/>
-          <a:ext cx="0" cy="0"/>
-          <a:chOff x="0" y="0"/>
-          <a:chExt cx="0" cy="0"/>
-        </a:xfrm>
-      </p:grpSpPr>
-      <p:sp>
-        <p:nvSpPr>
-          <p:cNvPr id="2" name="Title 1"/>
-          <p:cNvSpPr>
-            <a:spLocks noGrp="1"/>
-          </p:cNvSpPr>
-          <p:nvPr>
-            <p:ph type="title"/>
-          </p:nvPr>
-        </p:nvSpPr>
-        <p:spPr/>
-        <p:txBody>
-          <a:bodyPr/>
-          <a:lstStyle/>
-          <a:p>
-            <a:r>
-              <a:rPr lang="en-US" dirty="0" smtClean="0">
-                <a:latin typeface="Franklin Gothic Medium"/>
-                <a:cs typeface="Franklin Gothic Medium"/>
-              </a:rPr>
-              <a:t>Deployment</a:t>
-            </a:r>
-            <a:endParaRPr lang="en-US" dirty="0">
-              <a:latin typeface="Franklin Gothic Medium"/>
-              <a:cs typeface="Franklin Gothic Medium"/>
-            </a:endParaRPr>
-          </a:p>
-        </p:txBody>
-      </p:sp>
-      <p:sp>
-        <p:nvSpPr>
-          <p:cNvPr id="3" name="Content Placeholder 2"/>
-          <p:cNvSpPr>
-            <a:spLocks noGrp="1"/>
-          </p:cNvSpPr>
-          <p:nvPr>
-            <p:ph idx="1"/>
-          </p:nvPr>
-        </p:nvSpPr>
-        <p:spPr/>
-        <p:txBody>
-          <a:bodyPr>
-            <a:normAutofit/>
-          </a:bodyPr>
-          <a:lstStyle/>
-          <a:p>
-            <a:pPr>
-              <a:spcAft>
-                <a:spcPts val="1200"/>
-              </a:spcAft>
-            </a:pPr>
-            <a:r>
-              <a:rPr lang="en-US" sz="2800" dirty="0" smtClean="0"/>
-              <a:t>Deploy to Android Virtual Device</a:t>
-            </a:r>
-          </a:p>
-          <a:p>
-            <a:pPr>
-              <a:spcAft>
-                <a:spcPts val="1200"/>
-              </a:spcAft>
-            </a:pPr>
-            <a:r>
-              <a:rPr lang="en-US" sz="2800" dirty="0" smtClean="0"/>
-              <a:t>Deploy to Device</a:t>
-            </a:r>
-          </a:p>
-          <a:p>
-            <a:pPr>
-              <a:spcAft>
-                <a:spcPts val="1200"/>
-              </a:spcAft>
-            </a:pPr>
-            <a:r>
-              <a:rPr lang="en-US" sz="2800" dirty="0" smtClean="0"/>
-              <a:t>Debug capabilities on </a:t>
-            </a:r>
-            <a:r>
-              <a:rPr lang="en-US" sz="2800" dirty="0" smtClean="0"/>
-              <a:t>both</a:t>
-            </a:r>
-            <a:endParaRPr lang="en-US" sz="2800" dirty="0" smtClean="0"/>
-          </a:p>
-          <a:p>
-            <a:pPr>
-              <a:spcAft>
-                <a:spcPts val="1200"/>
-              </a:spcAft>
-            </a:pPr>
-            <a:r>
-              <a:rPr lang="en-US" sz="2800" dirty="0" smtClean="0"/>
-              <a:t>Sell (eventually) via Android Marketplace</a:t>
-            </a:r>
-          </a:p>
-          <a:p>
-            <a:pPr lvl="1">
-              <a:spcAft>
-                <a:spcPts val="1200"/>
-              </a:spcAft>
-            </a:pPr>
-            <a:r>
-              <a:rPr lang="en-US" dirty="0" smtClean="0"/>
-              <a:t>No “Go Live” license yet</a:t>
-            </a:r>
-          </a:p>
-          <a:p>
-            <a:pPr lvl="1">
-              <a:spcAft>
-                <a:spcPts val="1200"/>
-              </a:spcAft>
-            </a:pPr>
-            <a:r>
-              <a:rPr lang="en-US" dirty="0" smtClean="0"/>
-              <a:t>$25 Google developer </a:t>
-            </a:r>
-            <a:r>
-              <a:rPr lang="en-US" dirty="0" smtClean="0"/>
-              <a:t>account</a:t>
-            </a:r>
-          </a:p>
-        </p:txBody>
-      </p:sp>
-    </p:spTree>
-  </p:cSld>
-  <p:clrMapOvr>
-    <a:masterClrMapping/>
-  </p:clrMapOvr>
-</p:sld>
-</file>
-
-<file path=ppt/slides/slide18.xml><?xml version="1.0" encoding="utf-8"?>
-<p:sld xmlns:a="http://schemas.openxmlformats.org/drawingml/2006/main" xmlns:r="http://schemas.openxmlformats.org/officeDocument/2006/relationships" xmlns:p="http://schemas.openxmlformats.org/presentationml/2006/main">
-  <p:cSld>
-    <p:spTree>
-      <p:nvGrpSpPr>
-        <p:cNvPr id="1" name=""/>
-        <p:cNvGrpSpPr/>
-        <p:nvPr/>
-      </p:nvGrpSpPr>
-      <p:grpSpPr>
-        <a:xfrm>
-          <a:off x="0" y="0"/>
-          <a:ext cx="0" cy="0"/>
-          <a:chOff x="0" y="0"/>
-          <a:chExt cx="0" cy="0"/>
-        </a:xfrm>
-      </p:grpSpPr>
-      <p:sp>
-        <p:nvSpPr>
-          <p:cNvPr id="2" name="Title 1"/>
-          <p:cNvSpPr>
-            <a:spLocks noGrp="1"/>
-          </p:cNvSpPr>
-          <p:nvPr>
-            <p:ph type="title"/>
-          </p:nvPr>
-        </p:nvSpPr>
-        <p:spPr/>
-        <p:txBody>
-          <a:bodyPr>
-            <a:normAutofit/>
-          </a:bodyPr>
-          <a:lstStyle/>
-          <a:p>
-            <a:r>
-              <a:rPr lang="en-US" dirty="0" smtClean="0">
-                <a:latin typeface="Franklin Gothic Medium"/>
-                <a:cs typeface="Franklin Gothic Medium"/>
-              </a:rPr>
-              <a:t>Android Application Concepts</a:t>
-            </a:r>
-          </a:p>
-        </p:txBody>
-      </p:sp>
-      <p:sp>
-        <p:nvSpPr>
-          <p:cNvPr id="3" name="Content Placeholder 2"/>
-          <p:cNvSpPr>
-            <a:spLocks noGrp="1"/>
-          </p:cNvSpPr>
-          <p:nvPr>
-            <p:ph idx="1"/>
-          </p:nvPr>
-        </p:nvSpPr>
-        <p:spPr/>
-        <p:txBody>
-          <a:bodyPr/>
-          <a:lstStyle/>
-          <a:p>
-            <a:pPr>
-              <a:spcAft>
-                <a:spcPts val="3000"/>
-              </a:spcAft>
-            </a:pPr>
-            <a:r>
-              <a:rPr lang="en-US" dirty="0" smtClean="0"/>
-              <a:t>Activities</a:t>
-            </a:r>
-          </a:p>
-          <a:p>
-            <a:pPr>
-              <a:spcAft>
-                <a:spcPts val="3000"/>
-              </a:spcAft>
-            </a:pPr>
-            <a:r>
-              <a:rPr lang="en-US" dirty="0" smtClean="0"/>
-              <a:t>Services</a:t>
-            </a:r>
-          </a:p>
-          <a:p>
-            <a:pPr>
-              <a:spcAft>
-                <a:spcPts val="3000"/>
-              </a:spcAft>
-            </a:pPr>
-            <a:r>
-              <a:rPr lang="en-US" dirty="0" smtClean="0"/>
-              <a:t>Content Providers</a:t>
-            </a:r>
-          </a:p>
-          <a:p>
-            <a:pPr>
-              <a:spcAft>
-                <a:spcPts val="3000"/>
-              </a:spcAft>
-            </a:pPr>
-            <a:r>
-              <a:rPr lang="en-US" dirty="0" smtClean="0"/>
-              <a:t>Intents</a:t>
-            </a:r>
-          </a:p>
-          <a:p>
-            <a:pPr>
-              <a:spcAft>
-                <a:spcPts val="3000"/>
-              </a:spcAft>
-            </a:pPr>
-            <a:r>
-              <a:rPr lang="en-US" dirty="0" smtClean="0"/>
-              <a:t>Resources</a:t>
-            </a:r>
+              <a:t>Activity.SetContentView</a:t>
+            </a:r>
+            <a:r>
+              <a:rPr lang="en-US" dirty="0" smtClean="0"/>
+              <a:t>()</a:t>
+            </a:r>
+          </a:p>
+          <a:p>
             <a:endParaRPr lang="en-US" dirty="0"/>
           </a:p>
         </p:txBody>
@@ -4876,350 +5206,7 @@
 </file>
 
 <file path=ppt/slides/slide19.xml><?xml version="1.0" encoding="utf-8"?>
-<p:sld xmlns:a="http://schemas.openxmlformats.org/drawingml/2006/main" xmlns:r="http://schemas.openxmlformats.org/officeDocument/2006/relationships" xmlns:p="http://schemas.openxmlformats.org/presentationml/2006/main">
-  <p:cSld>
-    <p:spTree>
-      <p:nvGrpSpPr>
-        <p:cNvPr id="1" name=""/>
-        <p:cNvGrpSpPr/>
-        <p:nvPr/>
-      </p:nvGrpSpPr>
-      <p:grpSpPr>
-        <a:xfrm>
-          <a:off x="0" y="0"/>
-          <a:ext cx="0" cy="0"/>
-          <a:chOff x="0" y="0"/>
-          <a:chExt cx="0" cy="0"/>
-        </a:xfrm>
-      </p:grpSpPr>
-      <p:sp>
-        <p:nvSpPr>
-          <p:cNvPr id="2" name="Title 1"/>
-          <p:cNvSpPr>
-            <a:spLocks noGrp="1"/>
-          </p:cNvSpPr>
-          <p:nvPr>
-            <p:ph type="title"/>
-          </p:nvPr>
-        </p:nvSpPr>
-        <p:spPr/>
-        <p:txBody>
-          <a:bodyPr/>
-          <a:lstStyle/>
-          <a:p>
-            <a:r>
-              <a:rPr lang="en-US" dirty="0" smtClean="0">
-                <a:latin typeface="Franklin Gothic Medium"/>
-                <a:cs typeface="Franklin Gothic Medium"/>
-              </a:rPr>
-              <a:t>Activities</a:t>
-            </a:r>
-            <a:endParaRPr lang="en-US" dirty="0">
-              <a:latin typeface="Franklin Gothic Medium"/>
-              <a:cs typeface="Franklin Gothic Medium"/>
-            </a:endParaRPr>
-          </a:p>
-        </p:txBody>
-      </p:sp>
-      <p:sp>
-        <p:nvSpPr>
-          <p:cNvPr id="3" name="Content Placeholder 2"/>
-          <p:cNvSpPr>
-            <a:spLocks noGrp="1"/>
-          </p:cNvSpPr>
-          <p:nvPr>
-            <p:ph idx="1"/>
-          </p:nvPr>
-        </p:nvSpPr>
-        <p:spPr/>
-        <p:txBody>
-          <a:bodyPr>
-            <a:normAutofit/>
-          </a:bodyPr>
-          <a:lstStyle/>
-          <a:p>
-            <a:r>
-              <a:rPr lang="en-US" dirty="0" smtClean="0"/>
-              <a:t>Orchestrates a UI view</a:t>
-            </a:r>
-            <a:endParaRPr lang="en-US" dirty="0" smtClean="0"/>
-          </a:p>
-          <a:p>
-            <a:pPr>
-              <a:spcAft>
-                <a:spcPts val="600"/>
-              </a:spcAft>
-            </a:pPr>
-            <a:r>
-              <a:rPr lang="en-US" dirty="0" smtClean="0"/>
-              <a:t>Applications are composed </a:t>
-            </a:r>
-            <a:r>
-              <a:rPr lang="en-US" dirty="0" smtClean="0"/>
-              <a:t>of 1-to-Many activities</a:t>
-            </a:r>
-          </a:p>
-          <a:p>
-            <a:r>
-              <a:rPr lang="en-US" dirty="0" smtClean="0"/>
-              <a:t>One </a:t>
-            </a:r>
-            <a:r>
-              <a:rPr lang="en-US" dirty="0" smtClean="0"/>
-              <a:t>activity marked </a:t>
-            </a:r>
-            <a:r>
-              <a:rPr lang="en-US" dirty="0" smtClean="0"/>
-              <a:t>as main and shown first upon launch</a:t>
-            </a:r>
-          </a:p>
-        </p:txBody>
-      </p:sp>
-    </p:spTree>
-  </p:cSld>
-  <p:clrMapOvr>
-    <a:masterClrMapping/>
-  </p:clrMapOvr>
-</p:sld>
-</file>
-
-<file path=ppt/slides/slide2.xml><?xml version="1.0" encoding="utf-8"?>
-<p:sld xmlns:a="http://schemas.openxmlformats.org/drawingml/2006/main" xmlns:r="http://schemas.openxmlformats.org/officeDocument/2006/relationships" xmlns:p="http://schemas.openxmlformats.org/presentationml/2006/main">
-  <p:cSld>
-    <p:spTree>
-      <p:nvGrpSpPr>
-        <p:cNvPr id="1" name=""/>
-        <p:cNvGrpSpPr/>
-        <p:nvPr/>
-      </p:nvGrpSpPr>
-      <p:grpSpPr>
-        <a:xfrm>
-          <a:off x="0" y="0"/>
-          <a:ext cx="0" cy="0"/>
-          <a:chOff x="0" y="0"/>
-          <a:chExt cx="0" cy="0"/>
-        </a:xfrm>
-      </p:grpSpPr>
-      <p:sp>
-        <p:nvSpPr>
-          <p:cNvPr id="2" name="Title 1"/>
-          <p:cNvSpPr>
-            <a:spLocks noGrp="1"/>
-          </p:cNvSpPr>
-          <p:nvPr>
-            <p:ph type="title"/>
-          </p:nvPr>
-        </p:nvSpPr>
-        <p:spPr/>
-        <p:txBody>
-          <a:bodyPr/>
-          <a:lstStyle/>
-          <a:p>
-            <a:r>
-              <a:rPr lang="en-US" dirty="0" smtClean="0">
-                <a:latin typeface="Franklin Gothic Medium"/>
-              </a:rPr>
-              <a:t>Overview</a:t>
-            </a:r>
-            <a:endParaRPr lang="en-US" dirty="0">
-              <a:latin typeface="Franklin Gothic Medium"/>
-            </a:endParaRPr>
-          </a:p>
-        </p:txBody>
-      </p:sp>
-      <p:sp>
-        <p:nvSpPr>
-          <p:cNvPr id="3" name="Content Placeholder 2"/>
-          <p:cNvSpPr>
-            <a:spLocks noGrp="1"/>
-          </p:cNvSpPr>
-          <p:nvPr>
-            <p:ph idx="1"/>
-          </p:nvPr>
-        </p:nvSpPr>
-        <p:spPr/>
-        <p:txBody>
-          <a:bodyPr/>
-          <a:lstStyle/>
-          <a:p>
-            <a:pPr>
-              <a:lnSpc>
-                <a:spcPct val="200000"/>
-              </a:lnSpc>
-            </a:pPr>
-            <a:r>
-              <a:rPr lang="en-US" dirty="0" smtClean="0"/>
-              <a:t>Overview of </a:t>
-            </a:r>
-            <a:r>
-              <a:rPr lang="en-US" dirty="0" smtClean="0"/>
-              <a:t>Android</a:t>
-            </a:r>
-            <a:endParaRPr lang="en-US" dirty="0" smtClean="0"/>
-          </a:p>
-          <a:p>
-            <a:pPr>
-              <a:lnSpc>
-                <a:spcPct val="200000"/>
-              </a:lnSpc>
-            </a:pPr>
-            <a:r>
-              <a:rPr lang="en-US" dirty="0" err="1" smtClean="0"/>
-              <a:t>MonoDroid</a:t>
-            </a:r>
-            <a:r>
-              <a:rPr lang="en-US" dirty="0" smtClean="0"/>
-              <a:t> : What, How, Why</a:t>
-            </a:r>
-            <a:endParaRPr lang="en-US" dirty="0" smtClean="0"/>
-          </a:p>
-          <a:p>
-            <a:pPr>
-              <a:lnSpc>
-                <a:spcPct val="200000"/>
-              </a:lnSpc>
-            </a:pPr>
-            <a:r>
-              <a:rPr lang="en-US" dirty="0" smtClean="0"/>
-              <a:t>Code </a:t>
-            </a:r>
-            <a:r>
-              <a:rPr lang="en-US" dirty="0" smtClean="0"/>
-              <a:t>Demo</a:t>
-            </a:r>
-          </a:p>
-          <a:p>
-            <a:pPr>
-              <a:lnSpc>
-                <a:spcPct val="200000"/>
-              </a:lnSpc>
-            </a:pPr>
-            <a:r>
-              <a:rPr lang="en-US" dirty="0" smtClean="0"/>
-              <a:t>MonoDroid Resources</a:t>
-            </a:r>
-            <a:endParaRPr lang="en-US" dirty="0"/>
-          </a:p>
-        </p:txBody>
-      </p:sp>
-    </p:spTree>
-  </p:cSld>
-  <p:clrMapOvr>
-    <a:masterClrMapping/>
-  </p:clrMapOvr>
-  <p:timing>
-    <p:tnLst>
-      <p:par>
-        <p:cTn id="1" dur="indefinite" restart="never" nodeType="tmRoot"/>
-      </p:par>
-    </p:tnLst>
-  </p:timing>
-</p:sld>
-</file>
-
-<file path=ppt/slides/slide20.xml><?xml version="1.0" encoding="utf-8"?>
-<p:sld xmlns:a="http://schemas.openxmlformats.org/drawingml/2006/main" xmlns:r="http://schemas.openxmlformats.org/officeDocument/2006/relationships" xmlns:p="http://schemas.openxmlformats.org/presentationml/2006/main">
-  <p:cSld>
-    <p:spTree>
-      <p:nvGrpSpPr>
-        <p:cNvPr id="1" name=""/>
-        <p:cNvGrpSpPr/>
-        <p:nvPr/>
-      </p:nvGrpSpPr>
-      <p:grpSpPr>
-        <a:xfrm>
-          <a:off x="0" y="0"/>
-          <a:ext cx="0" cy="0"/>
-          <a:chOff x="0" y="0"/>
-          <a:chExt cx="0" cy="0"/>
-        </a:xfrm>
-      </p:grpSpPr>
-      <p:sp>
-        <p:nvSpPr>
-          <p:cNvPr id="2" name="Title 1"/>
-          <p:cNvSpPr>
-            <a:spLocks noGrp="1"/>
-          </p:cNvSpPr>
-          <p:nvPr>
-            <p:ph type="title"/>
-          </p:nvPr>
-        </p:nvSpPr>
-        <p:spPr/>
-        <p:txBody>
-          <a:bodyPr/>
-          <a:lstStyle/>
-          <a:p>
-            <a:r>
-              <a:rPr lang="en-US" dirty="0" smtClean="0">
-                <a:latin typeface="Franklin Gothic Medium"/>
-                <a:cs typeface="Franklin Gothic Medium"/>
-              </a:rPr>
-              <a:t>Activities - Views</a:t>
-            </a:r>
-            <a:endParaRPr lang="en-US" dirty="0">
-              <a:latin typeface="Franklin Gothic Medium"/>
-              <a:cs typeface="Franklin Gothic Medium"/>
-            </a:endParaRPr>
-          </a:p>
-        </p:txBody>
-      </p:sp>
-      <p:sp>
-        <p:nvSpPr>
-          <p:cNvPr id="3" name="Content Placeholder 2"/>
-          <p:cNvSpPr>
-            <a:spLocks noGrp="1"/>
-          </p:cNvSpPr>
-          <p:nvPr>
-            <p:ph idx="1"/>
-          </p:nvPr>
-        </p:nvSpPr>
-        <p:spPr/>
-        <p:txBody>
-          <a:bodyPr>
-            <a:normAutofit/>
-          </a:bodyPr>
-          <a:lstStyle/>
-          <a:p>
-            <a:r>
-              <a:rPr lang="en-US" dirty="0" smtClean="0"/>
-              <a:t>Each activity is given a default window to draw in. </a:t>
-            </a:r>
-          </a:p>
-          <a:p>
-            <a:r>
-              <a:rPr lang="en-US" dirty="0" smtClean="0"/>
-              <a:t>Content of the window is provided by a hierarchy of views</a:t>
-            </a:r>
-          </a:p>
-          <a:p>
-            <a:r>
-              <a:rPr lang="en-US" dirty="0" smtClean="0"/>
-              <a:t>A view hierarchy is placed within an activity's window by the </a:t>
-            </a:r>
-            <a:r>
-              <a:rPr lang="en-US" dirty="0" err="1" smtClean="0"/>
-              <a:t>Activity.SetContentView</a:t>
-            </a:r>
-            <a:r>
-              <a:rPr lang="en-US" dirty="0" smtClean="0"/>
-              <a:t>()</a:t>
-            </a:r>
-          </a:p>
-          <a:p>
-            <a:endParaRPr lang="en-US" dirty="0"/>
-          </a:p>
-        </p:txBody>
-      </p:sp>
-    </p:spTree>
-  </p:cSld>
-  <p:clrMapOvr>
-    <a:masterClrMapping/>
-  </p:clrMapOvr>
-</p:sld>
-</file>
-
-<file path=ppt/slides/slide21.xml><?xml version="1.0" encoding="utf-8"?>
-<p:sld xmlns:a="http://schemas.openxmlformats.org/drawingml/2006/main" xmlns:r="http://schemas.openxmlformats.org/officeDocument/2006/relationships" xmlns:p="http://schemas.openxmlformats.org/presentationml/2006/main">
+<p:sld xmlns:a="http://schemas.openxmlformats.org/drawingml/2006/main" xmlns:r="http://schemas.openxmlformats.org/officeDocument/2006/relationships" xmlns:mc="http://schemas.openxmlformats.org/markup-compatibility/2006" xmlns:mv="urn:schemas-microsoft-com:mac:vml" xmlns:p="http://schemas.openxmlformats.org/presentationml/2006/main" mc:Ignorable="mv" mc:PreserveAttributes="mv:*">
   <p:cSld>
     <p:spTree>
       <p:nvGrpSpPr>
@@ -5300,8 +5287,8 @@
 </p:sld>
 </file>
 
-<file path=ppt/slides/slide22.xml><?xml version="1.0" encoding="utf-8"?>
-<p:sld xmlns:a="http://schemas.openxmlformats.org/drawingml/2006/main" xmlns:r="http://schemas.openxmlformats.org/officeDocument/2006/relationships" xmlns:p="http://schemas.openxmlformats.org/presentationml/2006/main">
+<file path=ppt/slides/slide2.xml><?xml version="1.0" encoding="utf-8"?>
+<p:sld xmlns:a="http://schemas.openxmlformats.org/drawingml/2006/main" xmlns:r="http://schemas.openxmlformats.org/officeDocument/2006/relationships" xmlns:mc="http://schemas.openxmlformats.org/markup-compatibility/2006" xmlns:mv="urn:schemas-microsoft-com:mac:vml" xmlns:p="http://schemas.openxmlformats.org/presentationml/2006/main" mc:Ignorable="mv" mc:PreserveAttributes="mv:*">
   <p:cSld>
     <p:spTree>
       <p:nvGrpSpPr>
@@ -5335,10 +5322,12 @@
             <a:r>
               <a:rPr lang="en-US" dirty="0" smtClean="0">
                 <a:latin typeface="Franklin Gothic Medium"/>
-                <a:cs typeface="Franklin Gothic Medium"/>
               </a:rPr>
-              <a:t>Services</a:t>
-            </a:r>
+              <a:t>Overview</a:t>
+            </a:r>
+            <a:endParaRPr lang="en-US" dirty="0">
+              <a:latin typeface="Franklin Gothic Medium"/>
+            </a:endParaRPr>
           </a:p>
         </p:txBody>
       </p:sp>
@@ -5357,39 +5346,52 @@
           <a:bodyPr/>
           <a:lstStyle/>
           <a:p>
-            <a:r>
-              <a:rPr lang="en-US" dirty="0" smtClean="0"/>
-              <a:t>Android service are wha</a:t>
-            </a:r>
-            <a:r>
-              <a:rPr lang="en-US" dirty="0" smtClean="0"/>
-              <a:t>t </a:t>
-            </a:r>
-            <a:r>
-              <a:rPr lang="en-US" dirty="0" smtClean="0"/>
-              <a:t>you’d </a:t>
-            </a:r>
-            <a:r>
-              <a:rPr lang="en-US" dirty="0" smtClean="0"/>
-              <a:t>expect.</a:t>
-            </a:r>
-          </a:p>
-          <a:p>
-            <a:r>
-              <a:rPr lang="en-US" dirty="0" smtClean="0"/>
-              <a:t>Possible to bind to an ongoing service and communicate via exposed interface</a:t>
-            </a:r>
-          </a:p>
-          <a:p>
-            <a:r>
-              <a:rPr lang="en-US" dirty="0" smtClean="0"/>
-              <a:t>Runs in main application process but doesn’t block other components or UI</a:t>
-            </a:r>
-          </a:p>
-          <a:p>
-            <a:endParaRPr lang="en-US" dirty="0" smtClean="0"/>
-          </a:p>
-          <a:p>
+            <a:pPr>
+              <a:lnSpc>
+                <a:spcPct val="200000"/>
+              </a:lnSpc>
+            </a:pPr>
+            <a:r>
+              <a:rPr lang="en-US" dirty="0" smtClean="0"/>
+              <a:t>Overview of Android</a:t>
+            </a:r>
+          </a:p>
+          <a:p>
+            <a:pPr>
+              <a:lnSpc>
+                <a:spcPct val="200000"/>
+              </a:lnSpc>
+            </a:pPr>
+            <a:r>
+              <a:rPr lang="en-US" dirty="0" err="1" smtClean="0"/>
+              <a:t>MonoDroid</a:t>
+            </a:r>
+            <a:r>
+              <a:rPr lang="en-US" dirty="0" smtClean="0"/>
+              <a:t> : What, How, Why</a:t>
+            </a:r>
+          </a:p>
+          <a:p>
+            <a:pPr>
+              <a:lnSpc>
+                <a:spcPct val="200000"/>
+              </a:lnSpc>
+            </a:pPr>
+            <a:r>
+              <a:rPr lang="en-US" dirty="0" smtClean="0"/>
+              <a:t>Code Demo</a:t>
+            </a:r>
+          </a:p>
+          <a:p>
+            <a:pPr>
+              <a:lnSpc>
+                <a:spcPct val="200000"/>
+              </a:lnSpc>
+            </a:pPr>
+            <a:r>
+              <a:rPr lang="en-US" dirty="0" smtClean="0"/>
+              <a:t>MonoDroid Resources</a:t>
+            </a:r>
             <a:endParaRPr lang="en-US" dirty="0"/>
           </a:p>
         </p:txBody>
@@ -5399,11 +5401,18 @@
   <p:clrMapOvr>
     <a:masterClrMapping/>
   </p:clrMapOvr>
+  <p:timing>
+    <p:tnLst>
+      <p:par>
+        <p:cTn id="1" dur="indefinite" restart="never" nodeType="tmRoot"/>
+      </p:par>
+    </p:tnLst>
+  </p:timing>
 </p:sld>
 </file>
 
-<file path=ppt/slides/slide23.xml><?xml version="1.0" encoding="utf-8"?>
-<p:sld xmlns:a="http://schemas.openxmlformats.org/drawingml/2006/main" xmlns:r="http://schemas.openxmlformats.org/officeDocument/2006/relationships" xmlns:p="http://schemas.openxmlformats.org/presentationml/2006/main">
+<file path=ppt/slides/slide20.xml><?xml version="1.0" encoding="utf-8"?>
+<p:sld xmlns:a="http://schemas.openxmlformats.org/drawingml/2006/main" xmlns:r="http://schemas.openxmlformats.org/officeDocument/2006/relationships" xmlns:mc="http://schemas.openxmlformats.org/markup-compatibility/2006" xmlns:mv="urn:schemas-microsoft-com:mac:vml" xmlns:p="http://schemas.openxmlformats.org/presentationml/2006/main" mc:Ignorable="mv" mc:PreserveAttributes="mv:*">
   <p:cSld>
     <p:spTree>
       <p:nvGrpSpPr>
@@ -5439,18 +5448,7 @@
                 <a:latin typeface="Franklin Gothic Medium"/>
                 <a:cs typeface="Franklin Gothic Medium"/>
               </a:rPr>
-              <a:t>Content</a:t>
-            </a:r>
-            <a:r>
-              <a:rPr lang="en-US" dirty="0" smtClean="0"/>
-              <a:t> </a:t>
-            </a:r>
-            <a:r>
-              <a:rPr lang="en-US" dirty="0" smtClean="0">
-                <a:latin typeface="Franklin Gothic Medium"/>
-                <a:cs typeface="Franklin Gothic Medium"/>
-              </a:rPr>
-              <a:t>Providers</a:t>
+              <a:t>Services</a:t>
             </a:r>
           </a:p>
         </p:txBody>
@@ -5471,57 +5469,27 @@
           <a:lstStyle/>
           <a:p>
             <a:r>
-              <a:rPr lang="en-US" dirty="0" err="1" smtClean="0"/>
-              <a:t>Queryable</a:t>
-            </a:r>
-            <a:r>
-              <a:rPr lang="en-US" dirty="0" smtClean="0"/>
-              <a:t> application data stores</a:t>
-            </a:r>
-          </a:p>
-          <a:p>
-            <a:r>
-              <a:rPr lang="en-US" dirty="0" smtClean="0"/>
-              <a:t>Only way to share data amongst other apps</a:t>
-            </a:r>
-          </a:p>
-          <a:p>
-            <a:r>
-              <a:rPr lang="en-US" dirty="0" smtClean="0"/>
-              <a:t>Android ships with common providers</a:t>
-            </a:r>
-          </a:p>
-          <a:p>
-            <a:pPr lvl="1"/>
-            <a:r>
-              <a:rPr lang="en-US" dirty="0" smtClean="0"/>
-              <a:t>Audio, video, images, contacts, etc.</a:t>
-            </a:r>
-          </a:p>
-          <a:p>
-            <a:r>
-              <a:rPr lang="en-US" dirty="0" smtClean="0"/>
-              <a:t>Making your application’s data public</a:t>
-            </a:r>
-          </a:p>
-          <a:p>
-            <a:pPr lvl="1"/>
-            <a:r>
-              <a:rPr lang="en-US" dirty="0" smtClean="0"/>
-              <a:t>Create a new provider</a:t>
-            </a:r>
-          </a:p>
-          <a:p>
-            <a:pPr lvl="1"/>
-            <a:r>
-              <a:rPr lang="en-US" dirty="0" smtClean="0"/>
-              <a:t>Add your data to existing </a:t>
-            </a:r>
-            <a:r>
-              <a:rPr lang="en-US" dirty="0" smtClean="0"/>
-              <a:t>provider</a:t>
-            </a:r>
+              <a:rPr lang="en-US" dirty="0" smtClean="0"/>
+              <a:t>Android service are what you’d expect.</a:t>
+            </a:r>
+          </a:p>
+          <a:p>
+            <a:r>
+              <a:rPr lang="en-US" dirty="0" smtClean="0"/>
+              <a:t>Possible to bind to an ongoing service and communicate via exposed interface</a:t>
+            </a:r>
+          </a:p>
+          <a:p>
+            <a:r>
+              <a:rPr lang="en-US" dirty="0" smtClean="0"/>
+              <a:t>Runs in main application process but doesn’t block other components or UI</a:t>
+            </a:r>
+          </a:p>
+          <a:p>
             <a:endParaRPr lang="en-US" dirty="0" smtClean="0"/>
+          </a:p>
+          <a:p>
+            <a:endParaRPr lang="en-US" dirty="0"/>
           </a:p>
         </p:txBody>
       </p:sp>
@@ -5533,8 +5501,8 @@
 </p:sld>
 </file>
 
-<file path=ppt/slides/slide24.xml><?xml version="1.0" encoding="utf-8"?>
-<p:sld xmlns:a="http://schemas.openxmlformats.org/drawingml/2006/main" xmlns:r="http://schemas.openxmlformats.org/officeDocument/2006/relationships" xmlns:p="http://schemas.openxmlformats.org/presentationml/2006/main">
+<file path=ppt/slides/slide21.xml><?xml version="1.0" encoding="utf-8"?>
+<p:sld xmlns:a="http://schemas.openxmlformats.org/drawingml/2006/main" xmlns:r="http://schemas.openxmlformats.org/officeDocument/2006/relationships" xmlns:mc="http://schemas.openxmlformats.org/markup-compatibility/2006" xmlns:mv="urn:schemas-microsoft-com:mac:vml" xmlns:p="http://schemas.openxmlformats.org/presentationml/2006/main" mc:Ignorable="mv" mc:PreserveAttributes="mv:*">
   <p:cSld>
     <p:spTree>
       <p:nvGrpSpPr>
@@ -5562,9 +5530,7 @@
         </p:nvSpPr>
         <p:spPr/>
         <p:txBody>
-          <a:bodyPr>
-            <a:normAutofit/>
-          </a:bodyPr>
+          <a:bodyPr/>
           <a:lstStyle/>
           <a:p>
             <a:r>
@@ -5572,7 +5538,18 @@
                 <a:latin typeface="Franklin Gothic Medium"/>
                 <a:cs typeface="Franklin Gothic Medium"/>
               </a:rPr>
-              <a:t>Intents</a:t>
+              <a:t>Content</a:t>
+            </a:r>
+            <a:r>
+              <a:rPr lang="en-US" dirty="0" smtClean="0"/>
+              <a:t> </a:t>
+            </a:r>
+            <a:r>
+              <a:rPr lang="en-US" dirty="0" smtClean="0">
+                <a:latin typeface="Franklin Gothic Medium"/>
+                <a:cs typeface="Franklin Gothic Medium"/>
+              </a:rPr>
+              <a:t>Providers</a:t>
             </a:r>
           </a:p>
         </p:txBody>
@@ -5594,30 +5571,51 @@
           <a:p>
             <a:r>
               <a:rPr lang="en-US" dirty="0" err="1" smtClean="0"/>
-              <a:t>Eventing</a:t>
-            </a:r>
-            <a:r>
-              <a:rPr lang="en-US" dirty="0" smtClean="0"/>
-              <a:t> mechanism</a:t>
-            </a:r>
-          </a:p>
-          <a:p>
-            <a:r>
-              <a:rPr lang="en-US" dirty="0" smtClean="0"/>
-              <a:t>Intent objects are passive data that is of interest to the component that is receiving the intent</a:t>
-            </a:r>
-          </a:p>
-          <a:p>
-            <a:r>
-              <a:rPr lang="en-US" dirty="0" smtClean="0"/>
-              <a:t>Filterable</a:t>
-            </a:r>
-          </a:p>
-          <a:p>
-            <a:endParaRPr lang="en-US" dirty="0" smtClean="0"/>
-          </a:p>
-          <a:p>
-            <a:endParaRPr lang="en-US" dirty="0" smtClean="0"/>
+              <a:t>Queryable</a:t>
+            </a:r>
+            <a:r>
+              <a:rPr lang="en-US" dirty="0" smtClean="0"/>
+              <a:t> application data stores</a:t>
+            </a:r>
+          </a:p>
+          <a:p>
+            <a:r>
+              <a:rPr lang="en-US" dirty="0" smtClean="0"/>
+              <a:t>Only way to share data amongst other apps</a:t>
+            </a:r>
+          </a:p>
+          <a:p>
+            <a:r>
+              <a:rPr lang="en-US" dirty="0" smtClean="0"/>
+              <a:t>Android ships with common providers</a:t>
+            </a:r>
+          </a:p>
+          <a:p>
+            <a:pPr lvl="1"/>
+            <a:r>
+              <a:rPr lang="en-US" dirty="0" smtClean="0"/>
+              <a:t>Audio, video, images, contacts, etc.</a:t>
+            </a:r>
+          </a:p>
+          <a:p>
+            <a:r>
+              <a:rPr lang="en-US" dirty="0" smtClean="0"/>
+              <a:t>Making your application’s data public</a:t>
+            </a:r>
+          </a:p>
+          <a:p>
+            <a:pPr lvl="1"/>
+            <a:r>
+              <a:rPr lang="en-US" dirty="0" smtClean="0"/>
+              <a:t>Create a new provider</a:t>
+            </a:r>
+          </a:p>
+          <a:p>
+            <a:pPr lvl="1"/>
+            <a:r>
+              <a:rPr lang="en-US" dirty="0" smtClean="0"/>
+              <a:t>Add your data to existing provider</a:t>
+            </a:r>
           </a:p>
         </p:txBody>
       </p:sp>
@@ -5629,8 +5627,8 @@
 </p:sld>
 </file>
 
-<file path=ppt/slides/slide25.xml><?xml version="1.0" encoding="utf-8"?>
-<p:sld xmlns:a="http://schemas.openxmlformats.org/drawingml/2006/main" xmlns:r="http://schemas.openxmlformats.org/officeDocument/2006/relationships" xmlns:p="http://schemas.openxmlformats.org/presentationml/2006/main">
+<file path=ppt/slides/slide22.xml><?xml version="1.0" encoding="utf-8"?>
+<p:sld xmlns:a="http://schemas.openxmlformats.org/drawingml/2006/main" xmlns:r="http://schemas.openxmlformats.org/officeDocument/2006/relationships" xmlns:mc="http://schemas.openxmlformats.org/markup-compatibility/2006" xmlns:mv="urn:schemas-microsoft-com:mac:vml" xmlns:p="http://schemas.openxmlformats.org/presentationml/2006/main" mc:Ignorable="mv" mc:PreserveAttributes="mv:*">
   <p:cSld>
     <p:spTree>
       <p:nvGrpSpPr>
@@ -5668,7 +5666,7 @@
                 <a:latin typeface="Franklin Gothic Medium"/>
                 <a:cs typeface="Franklin Gothic Medium"/>
               </a:rPr>
-              <a:t>Resources</a:t>
+              <a:t>Intents</a:t>
             </a:r>
           </a:p>
         </p:txBody>
@@ -5685,55 +5683,27 @@
         </p:nvSpPr>
         <p:spPr/>
         <p:txBody>
-          <a:bodyPr>
-            <a:normAutofit/>
-          </a:bodyPr>
-          <a:lstStyle/>
-          <a:p>
-            <a:pPr>
-              <a:lnSpc>
-                <a:spcPct val="150000"/>
-              </a:lnSpc>
-            </a:pPr>
-            <a:r>
-              <a:rPr lang="en-US" dirty="0" smtClean="0"/>
-              <a:t>Abstraction layer which decouples code and the </a:t>
-            </a:r>
-            <a:r>
-              <a:rPr lang="en-US" dirty="0" smtClean="0"/>
-              <a:t>various </a:t>
-            </a:r>
-            <a:r>
-              <a:rPr lang="en-US" dirty="0" smtClean="0"/>
-              <a:t>assets which compose your app</a:t>
-            </a:r>
-          </a:p>
-          <a:p>
-            <a:pPr>
-              <a:lnSpc>
-                <a:spcPct val="150000"/>
-              </a:lnSpc>
-            </a:pPr>
-            <a:r>
-              <a:rPr lang="en-US" dirty="0" smtClean="0"/>
-              <a:t>Makes localization easier</a:t>
-            </a:r>
-            <a:endParaRPr lang="en-US" dirty="0" smtClean="0"/>
-          </a:p>
-          <a:p>
-            <a:pPr>
-              <a:lnSpc>
-                <a:spcPct val="150000"/>
-              </a:lnSpc>
-            </a:pPr>
-            <a:r>
-              <a:rPr lang="en-US" dirty="0" smtClean="0"/>
-              <a:t>Eases support of multiple devices and </a:t>
-            </a:r>
-            <a:r>
-              <a:rPr lang="en-US" dirty="0" smtClean="0"/>
-              <a:t>capabilities</a:t>
-            </a:r>
+          <a:bodyPr/>
+          <a:lstStyle/>
+          <a:p>
+            <a:r>
+              <a:rPr lang="en-US" dirty="0" smtClean="0"/>
+              <a:t>Eventing mechanism</a:t>
+            </a:r>
+          </a:p>
+          <a:p>
+            <a:r>
+              <a:rPr lang="en-US" dirty="0" smtClean="0"/>
+              <a:t>Intent objects are passive data that is of interest to the component that is receiving the intent</a:t>
+            </a:r>
+          </a:p>
+          <a:p>
+            <a:r>
+              <a:rPr lang="en-US" dirty="0" smtClean="0"/>
+              <a:t>Filterable</a:t>
+            </a:r>
+          </a:p>
+          <a:p>
             <a:endParaRPr lang="en-US" dirty="0" smtClean="0"/>
           </a:p>
           <a:p>
@@ -5749,8 +5719,8 @@
 </p:sld>
 </file>
 
-<file path=ppt/slides/slide26.xml><?xml version="1.0" encoding="utf-8"?>
-<p:sld xmlns:a="http://schemas.openxmlformats.org/drawingml/2006/main" xmlns:r="http://schemas.openxmlformats.org/officeDocument/2006/relationships" xmlns:p="http://schemas.openxmlformats.org/presentationml/2006/main">
+<file path=ppt/slides/slide23.xml><?xml version="1.0" encoding="utf-8"?>
+<p:sld xmlns:a="http://schemas.openxmlformats.org/drawingml/2006/main" xmlns:r="http://schemas.openxmlformats.org/officeDocument/2006/relationships" xmlns:mc="http://schemas.openxmlformats.org/markup-compatibility/2006" xmlns:mv="urn:schemas-microsoft-com:mac:vml" xmlns:p="http://schemas.openxmlformats.org/presentationml/2006/main" mc:Ignorable="mv" mc:PreserveAttributes="mv:*">
   <p:cSld>
     <p:spTree>
       <p:nvGrpSpPr>
@@ -5788,12 +5758,8 @@
                 <a:latin typeface="Franklin Gothic Medium"/>
                 <a:cs typeface="Franklin Gothic Medium"/>
               </a:rPr>
-              <a:t>Code Demo</a:t>
-            </a:r>
-            <a:endParaRPr lang="en-US" dirty="0" smtClean="0">
-              <a:latin typeface="Franklin Gothic Medium"/>
-              <a:cs typeface="Franklin Gothic Medium"/>
-            </a:endParaRPr>
+              <a:t>Resources</a:t>
+            </a:r>
           </a:p>
         </p:txBody>
       </p:sp>
@@ -5810,42 +5776,88 @@
         <p:spPr/>
         <p:txBody>
           <a:bodyPr>
-            <a:normAutofit/>
+            <a:normAutofit fontScale="92500" lnSpcReduction="20000"/>
           </a:bodyPr>
           <a:lstStyle/>
           <a:p>
+            <a:pPr>
+              <a:lnSpc>
+                <a:spcPct val="150000"/>
+              </a:lnSpc>
+            </a:pPr>
+            <a:r>
+              <a:rPr lang="en-US" dirty="0" smtClean="0"/>
+              <a:t>Images</a:t>
+            </a:r>
+            <a:r>
+              <a:rPr lang="en-US" dirty="0" smtClean="0"/>
+              <a:t>, layout descriptions, binary blobs and string dictionaries</a:t>
+            </a:r>
             <a:endParaRPr lang="en-US" dirty="0" smtClean="0"/>
           </a:p>
           <a:p>
+            <a:pPr>
+              <a:lnSpc>
+                <a:spcPct val="150000"/>
+              </a:lnSpc>
+            </a:pPr>
+            <a:r>
+              <a:rPr lang="en-US" dirty="0" smtClean="0"/>
+              <a:t>Abstraction layer which helps decouples code</a:t>
+            </a:r>
+          </a:p>
+          <a:p>
+            <a:pPr>
+              <a:lnSpc>
+                <a:spcPct val="150000"/>
+              </a:lnSpc>
+            </a:pPr>
+            <a:r>
+              <a:rPr lang="en-US" dirty="0" smtClean="0"/>
+              <a:t>Makes </a:t>
+            </a:r>
+            <a:r>
+              <a:rPr lang="en-US" dirty="0" smtClean="0"/>
+              <a:t>managing assets</a:t>
+            </a:r>
+            <a:r>
+              <a:rPr lang="en-US" dirty="0" smtClean="0"/>
+              <a:t> easier</a:t>
+            </a:r>
+          </a:p>
+          <a:p>
+            <a:pPr lvl="1">
+              <a:lnSpc>
+                <a:spcPct val="150000"/>
+              </a:lnSpc>
+            </a:pPr>
+            <a:r>
+              <a:rPr lang="en-US" dirty="0" smtClean="0"/>
+              <a:t>Localization</a:t>
+            </a:r>
+          </a:p>
+          <a:p>
+            <a:pPr lvl="1">
+              <a:lnSpc>
+                <a:spcPct val="150000"/>
+              </a:lnSpc>
+            </a:pPr>
+            <a:r>
+              <a:rPr lang="en-US" dirty="0" smtClean="0"/>
+              <a:t>Multiple displays</a:t>
+            </a:r>
+          </a:p>
+          <a:p>
+            <a:pPr lvl="1">
+              <a:lnSpc>
+                <a:spcPct val="150000"/>
+              </a:lnSpc>
+            </a:pPr>
+            <a:r>
+              <a:rPr lang="en-US" dirty="0" smtClean="0"/>
+              <a:t>Different hardware configurations</a:t>
+            </a:r>
             <a:endParaRPr lang="en-US" dirty="0" smtClean="0"/>
-          </a:p>
-          <a:p>
-            <a:pPr>
-              <a:buNone/>
-            </a:pPr>
-            <a:endParaRPr lang="en-US" dirty="0" smtClean="0"/>
-          </a:p>
-          <a:p>
-            <a:pPr algn="ctr">
-              <a:buNone/>
-            </a:pPr>
-            <a:r>
-              <a:rPr lang="en-US" sz="2000" dirty="0" smtClean="0">
-                <a:latin typeface="Lucida Console" pitchFamily="49" charset="0"/>
-                <a:hlinkClick r:id="rId2"/>
-              </a:rPr>
-              <a:t>https://</a:t>
-            </a:r>
-            <a:r>
-              <a:rPr lang="en-US" sz="2000" dirty="0" smtClean="0">
-                <a:latin typeface="Lucida Console" pitchFamily="49" charset="0"/>
-                <a:hlinkClick r:id="rId2"/>
-              </a:rPr>
-              <a:t>github.com/kevinmcmahon/MonoDroid101</a:t>
-            </a:r>
-            <a:endParaRPr lang="en-US" sz="2000" dirty="0" smtClean="0">
-              <a:latin typeface="Lucida Console" pitchFamily="49" charset="0"/>
-            </a:endParaRPr>
           </a:p>
         </p:txBody>
       </p:sp>
@@ -5857,8 +5869,8 @@
 </p:sld>
 </file>
 
-<file path=ppt/slides/slide27.xml><?xml version="1.0" encoding="utf-8"?>
-<p:sld xmlns:a="http://schemas.openxmlformats.org/drawingml/2006/main" xmlns:r="http://schemas.openxmlformats.org/officeDocument/2006/relationships" xmlns:p="http://schemas.openxmlformats.org/presentationml/2006/main">
+<file path=ppt/slides/slide24.xml><?xml version="1.0" encoding="utf-8"?>
+<p:sld xmlns:a="http://schemas.openxmlformats.org/drawingml/2006/main" xmlns:r="http://schemas.openxmlformats.org/officeDocument/2006/relationships" xmlns:mc="http://schemas.openxmlformats.org/markup-compatibility/2006" xmlns:mv="urn:schemas-microsoft-com:mac:vml" xmlns:p="http://schemas.openxmlformats.org/presentationml/2006/main" mc:Ignorable="mv" mc:PreserveAttributes="mv:*">
   <p:cSld>
     <p:spTree>
       <p:nvGrpSpPr>
@@ -5886,7 +5898,9 @@
         </p:nvSpPr>
         <p:spPr/>
         <p:txBody>
-          <a:bodyPr/>
+          <a:bodyPr>
+            <a:normAutofit/>
+          </a:bodyPr>
           <a:lstStyle/>
           <a:p>
             <a:r>
@@ -5894,12 +5908,8 @@
                 <a:latin typeface="Franklin Gothic Medium"/>
                 <a:cs typeface="Franklin Gothic Medium"/>
               </a:rPr>
-              <a:t>MonoDroid Resources</a:t>
-            </a:r>
-            <a:endParaRPr lang="en-US" dirty="0">
-              <a:latin typeface="Franklin Gothic Medium"/>
-              <a:cs typeface="Franklin Gothic Medium"/>
-            </a:endParaRPr>
+              <a:t>Code Demo</a:t>
+            </a:r>
           </a:p>
         </p:txBody>
       </p:sp>
@@ -5916,36 +5926,14 @@
         <p:spPr/>
         <p:txBody>
           <a:bodyPr>
-            <a:normAutofit fontScale="70000" lnSpcReduction="20000"/>
+            <a:normAutofit/>
           </a:bodyPr>
           <a:lstStyle/>
           <a:p>
-            <a:pPr>
-              <a:buNone/>
-            </a:pPr>
-            <a:r>
-              <a:rPr lang="en-US" dirty="0" smtClean="0"/>
-              <a:t>Links</a:t>
-            </a:r>
-          </a:p>
-          <a:p>
-            <a:r>
-              <a:rPr lang="en-US" dirty="0" smtClean="0">
-                <a:hlinkClick r:id="rId2"/>
-              </a:rPr>
-              <a:t>http://www.monodroid.net</a:t>
-            </a:r>
-          </a:p>
-          <a:p>
-            <a:r>
-              <a:rPr lang="en-US" dirty="0" smtClean="0">
-                <a:hlinkClick r:id="rId3"/>
-              </a:rPr>
-              <a:t>http://developer.android.com/</a:t>
-            </a:r>
-            <a:endParaRPr lang="en-US" dirty="0" smtClean="0">
-              <a:hlinkClick r:id="rId2"/>
-            </a:endParaRPr>
+            <a:endParaRPr lang="en-US" dirty="0" smtClean="0"/>
+          </a:p>
+          <a:p>
+            <a:endParaRPr lang="en-US" dirty="0" smtClean="0"/>
           </a:p>
           <a:p>
             <a:pPr>
@@ -5954,91 +5942,19 @@
             <a:endParaRPr lang="en-US" dirty="0" smtClean="0"/>
           </a:p>
           <a:p>
-            <a:pPr>
+            <a:pPr algn="ctr">
               <a:buNone/>
             </a:pPr>
             <a:r>
-              <a:rPr lang="en-US" dirty="0" smtClean="0"/>
-              <a:t>IRC Support / Discussion</a:t>
-            </a:r>
-          </a:p>
-          <a:p>
-            <a:r>
-              <a:rPr lang="en-US" dirty="0" smtClean="0"/>
-              <a:t>#</a:t>
-            </a:r>
-            <a:r>
-              <a:rPr lang="en-US" dirty="0" err="1" smtClean="0"/>
-              <a:t>monodroid</a:t>
-            </a:r>
-            <a:r>
-              <a:rPr lang="en-US" dirty="0" smtClean="0"/>
-              <a:t>  on </a:t>
-            </a:r>
-            <a:r>
-              <a:rPr lang="en-US" dirty="0" err="1" smtClean="0"/>
-              <a:t>irc.gnome.org</a:t>
-            </a:r>
-            <a:endParaRPr lang="en-US" dirty="0" smtClean="0"/>
-          </a:p>
-          <a:p>
-            <a:pPr>
-              <a:buNone/>
-            </a:pPr>
-            <a:endParaRPr lang="en-US" dirty="0" smtClean="0"/>
-          </a:p>
-          <a:p>
-            <a:pPr>
-              <a:buNone/>
-            </a:pPr>
-            <a:r>
-              <a:rPr lang="en-US" dirty="0" smtClean="0"/>
-              <a:t>Code</a:t>
-            </a:r>
-          </a:p>
-          <a:p>
-            <a:r>
-              <a:rPr lang="en-US" dirty="0" smtClean="0">
+              <a:rPr lang="en-US" sz="2000" dirty="0" smtClean="0">
+                <a:latin typeface="Lucida Console" pitchFamily="49" charset="0"/>
                 <a:hlinkClick r:id="rId2"/>
               </a:rPr>
-              <a:t>https://github.com/mono/monodroid-samples</a:t>
-            </a:r>
-            <a:endParaRPr lang="en-US" dirty="0" smtClean="0">
-              <a:hlinkClick r:id="rId4"/>
+              <a:t>https://github.com/kevinmcmahon/MonoDroid101</a:t>
+            </a:r>
+            <a:endParaRPr lang="en-US" sz="2000" dirty="0" smtClean="0">
+              <a:latin typeface="Lucida Console" pitchFamily="49" charset="0"/>
             </a:endParaRPr>
-          </a:p>
-          <a:p>
-            <a:r>
-              <a:rPr lang="en-US" dirty="0" smtClean="0">
-                <a:hlinkClick r:id="rId4"/>
-              </a:rPr>
-              <a:t>https://github.com/kevinmcmahon/MonoDroid-101</a:t>
-            </a:r>
-            <a:endParaRPr lang="en-US" dirty="0" smtClean="0"/>
-          </a:p>
-          <a:p>
-            <a:pPr>
-              <a:buNone/>
-            </a:pPr>
-            <a:endParaRPr lang="en-US" dirty="0" smtClean="0"/>
-          </a:p>
-          <a:p>
-            <a:pPr>
-              <a:buNone/>
-            </a:pPr>
-            <a:r>
-              <a:rPr lang="en-US" dirty="0" smtClean="0"/>
-              <a:t>SIGN UP FOR THE BETA!</a:t>
-            </a:r>
-          </a:p>
-          <a:p>
-            <a:r>
-              <a:rPr lang="en-US" dirty="0" smtClean="0">
-                <a:hlinkClick r:id="rId5"/>
-              </a:rPr>
-              <a:t>http://go-mono.com/monodroid/</a:t>
-            </a:r>
-            <a:endParaRPr lang="en-US" dirty="0"/>
           </a:p>
         </p:txBody>
       </p:sp>
@@ -6050,8 +5966,8 @@
 </p:sld>
 </file>
 
-<file path=ppt/slides/slide3.xml><?xml version="1.0" encoding="utf-8"?>
-<p:sld xmlns:a="http://schemas.openxmlformats.org/drawingml/2006/main" xmlns:r="http://schemas.openxmlformats.org/officeDocument/2006/relationships" xmlns:p="http://schemas.openxmlformats.org/presentationml/2006/main">
+<file path=ppt/slides/slide25.xml><?xml version="1.0" encoding="utf-8"?>
+<p:sld xmlns:a="http://schemas.openxmlformats.org/drawingml/2006/main" xmlns:r="http://schemas.openxmlformats.org/officeDocument/2006/relationships" xmlns:mc="http://schemas.openxmlformats.org/markup-compatibility/2006" xmlns:mv="urn:schemas-microsoft-com:mac:vml" xmlns:p="http://schemas.openxmlformats.org/presentationml/2006/main" mc:Ignorable="mv" mc:PreserveAttributes="mv:*">
   <p:cSld>
     <p:spTree>
       <p:nvGrpSpPr>
@@ -6085,6 +6001,231 @@
             <a:r>
               <a:rPr lang="en-US" dirty="0" smtClean="0">
                 <a:latin typeface="Franklin Gothic Medium"/>
+                <a:cs typeface="Franklin Gothic Medium"/>
+              </a:rPr>
+              <a:t>MonoDroid Resources</a:t>
+            </a:r>
+            <a:endParaRPr lang="en-US" dirty="0">
+              <a:latin typeface="Franklin Gothic Medium"/>
+              <a:cs typeface="Franklin Gothic Medium"/>
+            </a:endParaRPr>
+          </a:p>
+        </p:txBody>
+      </p:sp>
+      <p:sp>
+        <p:nvSpPr>
+          <p:cNvPr id="3" name="Content Placeholder 2"/>
+          <p:cNvSpPr>
+            <a:spLocks noGrp="1"/>
+          </p:cNvSpPr>
+          <p:nvPr>
+            <p:ph idx="1"/>
+          </p:nvPr>
+        </p:nvSpPr>
+        <p:spPr/>
+        <p:txBody>
+          <a:bodyPr>
+            <a:normAutofit fontScale="77500" lnSpcReduction="20000"/>
+          </a:bodyPr>
+          <a:lstStyle/>
+          <a:p>
+            <a:pPr>
+              <a:buNone/>
+            </a:pPr>
+            <a:r>
+              <a:rPr lang="en-US" dirty="0" smtClean="0"/>
+              <a:t>Links</a:t>
+            </a:r>
+          </a:p>
+          <a:p>
+            <a:r>
+              <a:rPr lang="en-US" sz="2571" dirty="0" smtClean="0">
+                <a:latin typeface="Lucida Console"/>
+                <a:hlinkClick r:id="rId2"/>
+              </a:rPr>
+              <a:t>http://www.monodroid.net</a:t>
+            </a:r>
+          </a:p>
+          <a:p>
+            <a:r>
+              <a:rPr lang="en-US" sz="2571" dirty="0" smtClean="0">
+                <a:latin typeface="Lucida Console"/>
+                <a:hlinkClick r:id="rId3"/>
+              </a:rPr>
+              <a:t>http://developer.android.com</a:t>
+            </a:r>
+            <a:r>
+              <a:rPr lang="en-US" sz="2571" dirty="0" smtClean="0">
+                <a:latin typeface="Lucida Console"/>
+                <a:hlinkClick r:id="rId3"/>
+              </a:rPr>
+              <a:t>/</a:t>
+            </a:r>
+            <a:endParaRPr lang="en-US" sz="2571" dirty="0" smtClean="0">
+              <a:latin typeface="Lucida Console"/>
+            </a:endParaRPr>
+          </a:p>
+          <a:p>
+            <a:endParaRPr lang="en-US" dirty="0" smtClean="0"/>
+          </a:p>
+          <a:p>
+            <a:pPr>
+              <a:buNone/>
+            </a:pPr>
+            <a:r>
+              <a:rPr lang="en-US" dirty="0" smtClean="0"/>
+              <a:t>IRC Support / Discussion</a:t>
+            </a:r>
+          </a:p>
+          <a:p>
+            <a:r>
+              <a:rPr lang="en-US" sz="2581" dirty="0" smtClean="0">
+                <a:latin typeface="Lucida Console"/>
+                <a:cs typeface="Lucida Console"/>
+              </a:rPr>
+              <a:t>#</a:t>
+            </a:r>
+            <a:r>
+              <a:rPr lang="en-US" sz="2581" dirty="0" err="1" smtClean="0">
+                <a:latin typeface="Lucida Console"/>
+                <a:cs typeface="Lucida Console"/>
+              </a:rPr>
+              <a:t>monodroid</a:t>
+            </a:r>
+            <a:r>
+              <a:rPr lang="en-US" sz="2581" dirty="0" smtClean="0">
+                <a:latin typeface="Lucida Console"/>
+                <a:cs typeface="Lucida Console"/>
+              </a:rPr>
+              <a:t>  on </a:t>
+            </a:r>
+            <a:r>
+              <a:rPr lang="en-US" sz="2581" dirty="0" err="1" smtClean="0">
+                <a:latin typeface="Lucida Console"/>
+                <a:cs typeface="Lucida Console"/>
+              </a:rPr>
+              <a:t>irc.gnome.org</a:t>
+            </a:r>
+            <a:endParaRPr lang="en-US" sz="2581" dirty="0" smtClean="0">
+              <a:latin typeface="Lucida Console"/>
+              <a:cs typeface="Lucida Console"/>
+            </a:endParaRPr>
+          </a:p>
+          <a:p>
+            <a:endParaRPr lang="en-US" dirty="0" smtClean="0"/>
+          </a:p>
+          <a:p>
+            <a:pPr>
+              <a:buNone/>
+            </a:pPr>
+            <a:r>
+              <a:rPr lang="en-US" dirty="0" smtClean="0"/>
+              <a:t>Code</a:t>
+            </a:r>
+          </a:p>
+          <a:p>
+            <a:r>
+              <a:rPr lang="en-US" sz="2571" dirty="0" smtClean="0">
+                <a:latin typeface="Lucida Console"/>
+                <a:cs typeface="Lucida Console"/>
+                <a:hlinkClick r:id="rId2"/>
+              </a:rPr>
+              <a:t>https://github.com/mono/monodroid-samples</a:t>
+            </a:r>
+            <a:endParaRPr lang="en-US" sz="2571" dirty="0" smtClean="0">
+              <a:latin typeface="Lucida Console"/>
+              <a:cs typeface="Lucida Console"/>
+              <a:hlinkClick r:id="rId4"/>
+            </a:endParaRPr>
+          </a:p>
+          <a:p>
+            <a:r>
+              <a:rPr lang="en-US" sz="2571" dirty="0" smtClean="0">
+                <a:latin typeface="Lucida Console"/>
+                <a:cs typeface="Lucida Console"/>
+                <a:hlinkClick r:id="rId4"/>
+              </a:rPr>
+              <a:t>https://github.com/kevinmcmahon/MonoDroid-101</a:t>
+            </a:r>
+            <a:endParaRPr lang="en-US" sz="2571" dirty="0" smtClean="0">
+              <a:latin typeface="Lucida Console"/>
+              <a:cs typeface="Lucida Console"/>
+            </a:endParaRPr>
+          </a:p>
+          <a:p>
+            <a:pPr>
+              <a:buNone/>
+            </a:pPr>
+            <a:endParaRPr lang="en-US" dirty="0" smtClean="0"/>
+          </a:p>
+          <a:p>
+            <a:pPr>
+              <a:buNone/>
+            </a:pPr>
+            <a:r>
+              <a:rPr lang="en-US" dirty="0" smtClean="0"/>
+              <a:t>SIGN UP FOR THE BETA!</a:t>
+            </a:r>
+          </a:p>
+          <a:p>
+            <a:r>
+              <a:rPr lang="en-US" sz="2571" dirty="0" smtClean="0">
+                <a:latin typeface="Lucida Console"/>
+                <a:cs typeface="Lucida Console"/>
+                <a:hlinkClick r:id="rId5"/>
+              </a:rPr>
+              <a:t>http://go-mono.com/monodroid/</a:t>
+            </a:r>
+            <a:endParaRPr lang="en-US" sz="2571" dirty="0">
+              <a:latin typeface="Lucida Console"/>
+              <a:cs typeface="Lucida Console"/>
+            </a:endParaRPr>
+          </a:p>
+        </p:txBody>
+      </p:sp>
+    </p:spTree>
+  </p:cSld>
+  <p:clrMapOvr>
+    <a:masterClrMapping/>
+  </p:clrMapOvr>
+</p:sld>
+</file>
+
+<file path=ppt/slides/slide3.xml><?xml version="1.0" encoding="utf-8"?>
+<p:sld xmlns:a="http://schemas.openxmlformats.org/drawingml/2006/main" xmlns:r="http://schemas.openxmlformats.org/officeDocument/2006/relationships" xmlns:mc="http://schemas.openxmlformats.org/markup-compatibility/2006" xmlns:mv="urn:schemas-microsoft-com:mac:vml" xmlns:p="http://schemas.openxmlformats.org/presentationml/2006/main" mc:Ignorable="mv" mc:PreserveAttributes="mv:*">
+  <p:cSld>
+    <p:spTree>
+      <p:nvGrpSpPr>
+        <p:cNvPr id="1" name=""/>
+        <p:cNvGrpSpPr/>
+        <p:nvPr/>
+      </p:nvGrpSpPr>
+      <p:grpSpPr>
+        <a:xfrm>
+          <a:off x="0" y="0"/>
+          <a:ext cx="0" cy="0"/>
+          <a:chOff x="0" y="0"/>
+          <a:chExt cx="0" cy="0"/>
+        </a:xfrm>
+      </p:grpSpPr>
+      <p:sp>
+        <p:nvSpPr>
+          <p:cNvPr id="2" name="Title 1"/>
+          <p:cNvSpPr>
+            <a:spLocks noGrp="1"/>
+          </p:cNvSpPr>
+          <p:nvPr>
+            <p:ph type="title"/>
+          </p:nvPr>
+        </p:nvSpPr>
+        <p:spPr/>
+        <p:txBody>
+          <a:bodyPr/>
+          <a:lstStyle/>
+          <a:p>
+            <a:r>
+              <a:rPr lang="en-US" dirty="0" smtClean="0">
+                <a:latin typeface="Franklin Gothic Medium"/>
               </a:rPr>
               <a:t>What</a:t>
             </a:r>
@@ -6150,21 +6291,8 @@
             </a:pPr>
             <a:r>
               <a:rPr lang="en-US" dirty="0" smtClean="0"/>
-              <a:t>Optimized </a:t>
-            </a:r>
-            <a:r>
-              <a:rPr lang="en-US" dirty="0" smtClean="0"/>
-              <a:t>OpenGL </a:t>
-            </a:r>
-            <a:r>
-              <a:rPr lang="en-US" dirty="0" smtClean="0"/>
-              <a:t>ES </a:t>
-            </a:r>
-            <a:r>
-              <a:rPr lang="en-US" dirty="0" smtClean="0"/>
-              <a:t>1.0 graphics library</a:t>
-            </a:r>
-            <a:endParaRPr lang="en-US" dirty="0" smtClean="0"/>
+              <a:t>Optimized OpenGL ES 1.0 graphics library</a:t>
+            </a:r>
           </a:p>
           <a:p>
             <a:pPr>
@@ -6185,11 +6313,7 @@
             </a:pPr>
             <a:r>
               <a:rPr lang="en-US" dirty="0" smtClean="0"/>
-              <a:t>Rich </a:t>
-            </a:r>
-            <a:r>
-              <a:rPr lang="en-US" dirty="0" smtClean="0"/>
-              <a:t>development environment</a:t>
+              <a:t>Rich development environment</a:t>
             </a:r>
             <a:endParaRPr lang="en-US" dirty="0"/>
           </a:p>
@@ -6211,7 +6335,7 @@
 </file>
 
 <file path=ppt/slides/slide4.xml><?xml version="1.0" encoding="utf-8"?>
-<p:sld xmlns:a="http://schemas.openxmlformats.org/drawingml/2006/main" xmlns:r="http://schemas.openxmlformats.org/officeDocument/2006/relationships" xmlns:p="http://schemas.openxmlformats.org/presentationml/2006/main">
+<p:sld xmlns:a="http://schemas.openxmlformats.org/drawingml/2006/main" xmlns:r="http://schemas.openxmlformats.org/officeDocument/2006/relationships" xmlns:mc="http://schemas.openxmlformats.org/markup-compatibility/2006" xmlns:mv="urn:schemas-microsoft-com:mac:vml" xmlns:p="http://schemas.openxmlformats.org/presentationml/2006/main" mc:Ignorable="mv" mc:PreserveAttributes="mv:*">
   <p:cSld>
     <p:spTree>
       <p:nvGrpSpPr>
@@ -6275,7 +6399,7 @@
           <a:blip r:embed="rId2" cstate="print">
             <a:extLst>
               <a:ext uri="{28A0092B-C50C-407E-A947-70E740481C1C}">
-                <a14:useLocalDpi xmlns:a14="http://schemas.microsoft.com/office/drawing/2010/main" xmlns="" val="0"/>
+                <a14:useLocalDpi xmlns="" xmlns:a14="http://schemas.microsoft.com/office/drawing/2010/main" xmlns:p="http://schemas.openxmlformats.org/presentationml/2006/main" xmlns:r="http://schemas.openxmlformats.org/officeDocument/2006/relationships" xmlns:a="http://schemas.openxmlformats.org/drawingml/2006/main" val="0"/>
               </a:ext>
             </a:extLst>
           </a:blip>
@@ -6309,7 +6433,7 @@
 </file>
 
 <file path=ppt/slides/slide5.xml><?xml version="1.0" encoding="utf-8"?>
-<p:sld xmlns:a="http://schemas.openxmlformats.org/drawingml/2006/main" xmlns:r="http://schemas.openxmlformats.org/officeDocument/2006/relationships" xmlns:p="http://schemas.openxmlformats.org/presentationml/2006/main">
+<p:sld xmlns:a="http://schemas.openxmlformats.org/drawingml/2006/main" xmlns:r="http://schemas.openxmlformats.org/officeDocument/2006/relationships" xmlns:mc="http://schemas.openxmlformats.org/markup-compatibility/2006" xmlns:mv="urn:schemas-microsoft-com:mac:vml" xmlns:p="http://schemas.openxmlformats.org/presentationml/2006/main" mc:Ignorable="mv" mc:PreserveAttributes="mv:*">
   <p:cSld>
     <p:spTree>
       <p:nvGrpSpPr>
@@ -6368,10 +6492,10 @@
           <p:nvPr/>
         </p:nvPicPr>
         <p:blipFill>
-          <a:blip r:embed="rId2" cstate="print">
+          <a:blip r:embed="rId3" cstate="print">
             <a:extLst>
               <a:ext uri="{28A0092B-C50C-407E-A947-70E740481C1C}">
-                <a14:useLocalDpi xmlns:a14="http://schemas.microsoft.com/office/drawing/2010/main" xmlns="" val="0"/>
+                <a14:useLocalDpi xmlns="" xmlns:a14="http://schemas.microsoft.com/office/drawing/2010/main" xmlns:p="http://schemas.openxmlformats.org/presentationml/2006/main" xmlns:r="http://schemas.openxmlformats.org/officeDocument/2006/relationships" xmlns:a="http://schemas.openxmlformats.org/drawingml/2006/main" val="0"/>
               </a:ext>
             </a:extLst>
           </a:blip>
@@ -6405,7 +6529,7 @@
 </file>
 
 <file path=ppt/slides/slide6.xml><?xml version="1.0" encoding="utf-8"?>
-<p:sld xmlns:a="http://schemas.openxmlformats.org/drawingml/2006/main" xmlns:r="http://schemas.openxmlformats.org/officeDocument/2006/relationships" xmlns:p="http://schemas.openxmlformats.org/presentationml/2006/main">
+<p:sld xmlns:a="http://schemas.openxmlformats.org/drawingml/2006/main" xmlns:r="http://schemas.openxmlformats.org/officeDocument/2006/relationships" xmlns:mc="http://schemas.openxmlformats.org/markup-compatibility/2006" xmlns:mv="urn:schemas-microsoft-com:mac:vml" xmlns:p="http://schemas.openxmlformats.org/presentationml/2006/main" mc:Ignorable="mv" mc:PreserveAttributes="mv:*">
   <p:cSld>
     <p:spTree>
       <p:nvGrpSpPr>
@@ -6467,7 +6591,7 @@
           <a:blip r:embed="rId2" cstate="print">
             <a:extLst>
               <a:ext uri="{28A0092B-C50C-407E-A947-70E740481C1C}">
-                <a14:useLocalDpi xmlns:a14="http://schemas.microsoft.com/office/drawing/2010/main" xmlns="" val="0"/>
+                <a14:useLocalDpi xmlns="" xmlns:a14="http://schemas.microsoft.com/office/drawing/2010/main" xmlns:p="http://schemas.openxmlformats.org/presentationml/2006/main" xmlns:r="http://schemas.openxmlformats.org/officeDocument/2006/relationships" xmlns:a="http://schemas.openxmlformats.org/drawingml/2006/main" val="0"/>
               </a:ext>
             </a:extLst>
           </a:blip>
@@ -6501,7 +6625,7 @@
 </file>
 
 <file path=ppt/slides/slide7.xml><?xml version="1.0" encoding="utf-8"?>
-<p:sld xmlns:a="http://schemas.openxmlformats.org/drawingml/2006/main" xmlns:r="http://schemas.openxmlformats.org/officeDocument/2006/relationships" xmlns:p="http://schemas.openxmlformats.org/presentationml/2006/main">
+<p:sld xmlns:a="http://schemas.openxmlformats.org/drawingml/2006/main" xmlns:r="http://schemas.openxmlformats.org/officeDocument/2006/relationships" xmlns:mc="http://schemas.openxmlformats.org/markup-compatibility/2006" xmlns:mv="urn:schemas-microsoft-com:mac:vml" xmlns:p="http://schemas.openxmlformats.org/presentationml/2006/main" mc:Ignorable="mv" mc:PreserveAttributes="mv:*">
   <p:cSld>
     <p:spTree>
       <p:nvGrpSpPr>
@@ -6562,10 +6686,10 @@
           </p:nvPr>
         </p:nvPicPr>
         <p:blipFill>
-          <a:blip r:embed="rId2" cstate="print">
+          <a:blip r:embed="rId3" cstate="print">
             <a:extLst>
               <a:ext uri="{28A0092B-C50C-407E-A947-70E740481C1C}">
-                <a14:useLocalDpi xmlns:a14="http://schemas.microsoft.com/office/drawing/2010/main" xmlns="" val="0"/>
+                <a14:useLocalDpi xmlns="" xmlns:a14="http://schemas.microsoft.com/office/drawing/2010/main" xmlns:p="http://schemas.openxmlformats.org/presentationml/2006/main" xmlns:r="http://schemas.openxmlformats.org/officeDocument/2006/relationships" xmlns:a="http://schemas.openxmlformats.org/drawingml/2006/main" val="0"/>
               </a:ext>
             </a:extLst>
           </a:blip>
@@ -6599,7 +6723,7 @@
 </file>
 
 <file path=ppt/slides/slide8.xml><?xml version="1.0" encoding="utf-8"?>
-<p:sld xmlns:a="http://schemas.openxmlformats.org/drawingml/2006/main" xmlns:r="http://schemas.openxmlformats.org/officeDocument/2006/relationships" xmlns:p="http://schemas.openxmlformats.org/presentationml/2006/main">
+<p:sld xmlns:a="http://schemas.openxmlformats.org/drawingml/2006/main" xmlns:r="http://schemas.openxmlformats.org/officeDocument/2006/relationships" xmlns:mc="http://schemas.openxmlformats.org/markup-compatibility/2006" xmlns:mv="urn:schemas-microsoft-com:mac:vml" xmlns:p="http://schemas.openxmlformats.org/presentationml/2006/main" mc:Ignorable="mv" mc:PreserveAttributes="mv:*">
   <p:cSld>
     <p:spTree>
       <p:nvGrpSpPr>
@@ -6663,7 +6787,7 @@
           <a:blip r:embed="rId2" cstate="print">
             <a:extLst>
               <a:ext uri="{28A0092B-C50C-407E-A947-70E740481C1C}">
-                <a14:useLocalDpi xmlns:a14="http://schemas.microsoft.com/office/drawing/2010/main" xmlns="" val="0"/>
+                <a14:useLocalDpi xmlns="" xmlns:a14="http://schemas.microsoft.com/office/drawing/2010/main" xmlns:p="http://schemas.openxmlformats.org/presentationml/2006/main" xmlns:r="http://schemas.openxmlformats.org/officeDocument/2006/relationships" xmlns:a="http://schemas.openxmlformats.org/drawingml/2006/main" val="0"/>
               </a:ext>
             </a:extLst>
           </a:blip>
@@ -6697,7 +6821,7 @@
 </file>
 
 <file path=ppt/slides/slide9.xml><?xml version="1.0" encoding="utf-8"?>
-<p:sld xmlns:a="http://schemas.openxmlformats.org/drawingml/2006/main" xmlns:r="http://schemas.openxmlformats.org/officeDocument/2006/relationships" xmlns:p="http://schemas.openxmlformats.org/presentationml/2006/main" show="0">
+<p:sld xmlns:a="http://schemas.openxmlformats.org/drawingml/2006/main" xmlns:r="http://schemas.openxmlformats.org/officeDocument/2006/relationships" xmlns:mc="http://schemas.openxmlformats.org/markup-compatibility/2006" xmlns:mv="urn:schemas-microsoft-com:mac:vml" xmlns:p="http://schemas.openxmlformats.org/presentationml/2006/main" mc:Ignorable="mv" mc:PreserveAttributes="mv:*">
   <p:cSld>
     <p:spTree>
       <p:nvGrpSpPr>
@@ -6725,14 +6849,16 @@
         </p:nvSpPr>
         <p:spPr/>
         <p:txBody>
-          <a:bodyPr/>
+          <a:bodyPr>
+            <a:normAutofit/>
+          </a:bodyPr>
           <a:lstStyle/>
           <a:p>
             <a:r>
               <a:rPr lang="en-US" dirty="0" smtClean="0">
                 <a:latin typeface="Franklin Gothic Medium" pitchFamily="34" charset="0"/>
               </a:rPr>
-              <a:t>Application Framework</a:t>
+              <a:t>Dalvik Virtual Machine</a:t>
             </a:r>
             <a:endParaRPr lang="en-US" dirty="0">
               <a:latin typeface="Franklin Gothic Medium" pitchFamily="34" charset="0"/>
@@ -6757,60 +6883,110 @@
           </a:bodyPr>
           <a:lstStyle/>
           <a:p>
-            <a:pPr>
-              <a:lnSpc>
-                <a:spcPct val="160000"/>
-              </a:lnSpc>
-            </a:pPr>
-            <a:r>
-              <a:rPr lang="en-US" dirty="0" smtClean="0"/>
-              <a:t>Views</a:t>
-            </a:r>
-          </a:p>
-          <a:p>
-            <a:pPr>
-              <a:lnSpc>
-                <a:spcPct val="160000"/>
-              </a:lnSpc>
-            </a:pPr>
-            <a:r>
-              <a:rPr lang="en-US" dirty="0" smtClean="0"/>
-              <a:t>Content Providers</a:t>
-            </a:r>
-          </a:p>
-          <a:p>
-            <a:pPr>
-              <a:lnSpc>
-                <a:spcPct val="160000"/>
-              </a:lnSpc>
-            </a:pPr>
-            <a:r>
-              <a:rPr lang="en-US" dirty="0" smtClean="0"/>
-              <a:t>Resource Manager</a:t>
-            </a:r>
-          </a:p>
-          <a:p>
-            <a:pPr>
-              <a:lnSpc>
-                <a:spcPct val="160000"/>
-              </a:lnSpc>
-            </a:pPr>
-            <a:r>
-              <a:rPr lang="en-US" dirty="0" smtClean="0"/>
-              <a:t>Notification Manager</a:t>
-            </a:r>
-          </a:p>
-          <a:p>
-            <a:pPr>
-              <a:lnSpc>
-                <a:spcPct val="160000"/>
-              </a:lnSpc>
-            </a:pPr>
-            <a:r>
-              <a:rPr lang="en-US" dirty="0" smtClean="0"/>
-              <a:t>Activity Manager</a:t>
-            </a:r>
-            <a:endParaRPr lang="en-US" dirty="0"/>
+            <a:r>
+              <a:rPr lang="en-US" dirty="0" smtClean="0"/>
+              <a:t>Dalvik Virtual Machine</a:t>
+            </a:r>
+          </a:p>
+          <a:p>
+            <a:pPr lvl="1"/>
+            <a:r>
+              <a:rPr lang="en-US" dirty="0" smtClean="0"/>
+              <a:t>Register-based</a:t>
+            </a:r>
+            <a:endParaRPr lang="en-US" dirty="0" smtClean="0"/>
+          </a:p>
+          <a:p>
+            <a:pPr lvl="1"/>
+            <a:r>
+              <a:rPr lang="en-US" dirty="0" smtClean="0"/>
+              <a:t>R</a:t>
+            </a:r>
+            <a:r>
+              <a:rPr lang="en-US" dirty="0" smtClean="0"/>
+              <a:t>uns </a:t>
+            </a:r>
+            <a:r>
+              <a:rPr lang="en-US" dirty="0" smtClean="0"/>
+              <a:t>multiple </a:t>
+            </a:r>
+            <a:r>
+              <a:rPr lang="en-US" dirty="0" err="1" smtClean="0"/>
+              <a:t>VMs</a:t>
+            </a:r>
+            <a:r>
+              <a:rPr lang="en-US" dirty="0" smtClean="0"/>
+              <a:t> efficiently</a:t>
+            </a:r>
+          </a:p>
+          <a:p>
+            <a:pPr lvl="1"/>
+            <a:r>
+              <a:rPr lang="en-US" dirty="0" smtClean="0"/>
+              <a:t>Requires a </a:t>
+            </a:r>
+            <a:r>
+              <a:rPr lang="en-US" dirty="0" smtClean="0"/>
+              <a:t>.class to </a:t>
+            </a:r>
+            <a:r>
+              <a:rPr lang="en-US" dirty="0" smtClean="0"/>
+              <a:t>.</a:t>
+            </a:r>
+            <a:r>
+              <a:rPr lang="en-US" dirty="0" err="1" smtClean="0"/>
+              <a:t>dex</a:t>
+            </a:r>
+            <a:r>
+              <a:rPr lang="en-US" dirty="0" smtClean="0"/>
+              <a:t> transformation</a:t>
+            </a:r>
+            <a:endParaRPr lang="en-US" dirty="0" smtClean="0"/>
+          </a:p>
+          <a:p>
+            <a:pPr lvl="1"/>
+            <a:r>
+              <a:rPr lang="en-US" dirty="0" smtClean="0"/>
+              <a:t>JIT (as of Android 2.2)</a:t>
+            </a:r>
+            <a:endParaRPr lang="en-US" dirty="0" smtClean="0"/>
+          </a:p>
+          <a:p>
+            <a:r>
+              <a:rPr lang="en-US" dirty="0" smtClean="0"/>
+              <a:t>Each Android Application:</a:t>
+            </a:r>
+          </a:p>
+          <a:p>
+            <a:pPr lvl="1"/>
+            <a:r>
+              <a:rPr lang="en-US" dirty="0" smtClean="0"/>
+              <a:t>R</a:t>
+            </a:r>
+            <a:r>
+              <a:rPr lang="en-US" dirty="0" smtClean="0"/>
+              <a:t>uns in their own process </a:t>
+            </a:r>
+          </a:p>
+          <a:p>
+            <a:pPr lvl="1"/>
+            <a:r>
+              <a:rPr lang="en-US" dirty="0" smtClean="0"/>
+              <a:t>Runs </a:t>
+            </a:r>
+            <a:r>
+              <a:rPr lang="en-US" dirty="0" smtClean="0"/>
+              <a:t>on their </a:t>
+            </a:r>
+            <a:r>
+              <a:rPr lang="en-US" dirty="0" smtClean="0"/>
+              <a:t>own</a:t>
+            </a:r>
+            <a:r>
+              <a:rPr lang="en-US" dirty="0" smtClean="0"/>
+              <a:t> VM</a:t>
+            </a:r>
+            <a:endParaRPr lang="en-US" dirty="0" smtClean="0"/>
           </a:p>
         </p:txBody>
       </p:sp>
@@ -6819,7 +6995,13 @@
   <p:clrMapOvr>
     <a:masterClrMapping/>
   </p:clrMapOvr>
-  <p:transition/>
+  <p:timing>
+    <p:tnLst>
+      <p:par>
+        <p:cTn id="1" dur="indefinite" restart="never" nodeType="tmRoot"/>
+      </p:par>
+    </p:tnLst>
+  </p:timing>
 </p:sld>
 </file>
 

--- a/slides/Monodroid101.pptx
+++ b/slides/Monodroid101.pptx
@@ -1,6 +1,6 @@
 
 <file path=ppt/presentation.xml><?xml version="1.0" encoding="utf-8"?>
-<p:presentation xmlns:a="http://schemas.openxmlformats.org/drawingml/2006/main" xmlns:r="http://schemas.openxmlformats.org/officeDocument/2006/relationships" xmlns:mc="http://schemas.openxmlformats.org/markup-compatibility/2006" xmlns:mv="urn:schemas-microsoft-com:mac:vml" xmlns:p="http://schemas.openxmlformats.org/presentationml/2006/main" mc:Ignorable="mv" mc:PreserveAttributes="mv:*" saveSubsetFonts="1">
+<p:presentation xmlns:a="http://schemas.openxmlformats.org/drawingml/2006/main" xmlns:r="http://schemas.openxmlformats.org/officeDocument/2006/relationships" xmlns:p="http://schemas.openxmlformats.org/presentationml/2006/main" saveSubsetFonts="1">
   <p:sldMasterIdLst>
     <p:sldMasterId id="2147483672" r:id="rId1"/>
   </p:sldMasterIdLst>
@@ -135,7 +135,7 @@
 </file>
 
 <file path=ppt/notesMasters/notesMaster1.xml><?xml version="1.0" encoding="utf-8"?>
-<p:notesMaster xmlns:a="http://schemas.openxmlformats.org/drawingml/2006/main" xmlns:r="http://schemas.openxmlformats.org/officeDocument/2006/relationships" xmlns:mc="http://schemas.openxmlformats.org/markup-compatibility/2006" xmlns:mv="urn:schemas-microsoft-com:mac:vml" xmlns:p="http://schemas.openxmlformats.org/presentationml/2006/main" mc:Ignorable="mv" mc:PreserveAttributes="mv:*">
+<p:notesMaster xmlns:a="http://schemas.openxmlformats.org/drawingml/2006/main" xmlns:r="http://schemas.openxmlformats.org/officeDocument/2006/relationships" xmlns:p="http://schemas.openxmlformats.org/presentationml/2006/main">
   <p:cSld>
     <p:bg>
       <p:bgRef idx="1001">
@@ -221,7 +221,7 @@
             <a:fld id="{122FED64-F4A4-1445-90DE-B431FA7DF8D3}" type="datetimeFigureOut">
               <a:rPr lang="en-US" smtClean="0"/>
               <a:pPr/>
-              <a:t>11/9/10</a:t>
+              <a:t>1/5/2011</a:t>
             </a:fld>
             <a:endParaRPr lang="en-US" dirty="0"/>
           </a:p>
@@ -492,7 +492,7 @@
 </file>
 
 <file path=ppt/notesSlides/notesSlide1.xml><?xml version="1.0" encoding="utf-8"?>
-<p:notes xmlns:a="http://schemas.openxmlformats.org/drawingml/2006/main" xmlns:r="http://schemas.openxmlformats.org/officeDocument/2006/relationships" xmlns:mc="http://schemas.openxmlformats.org/markup-compatibility/2006" xmlns:mv="urn:schemas-microsoft-com:mac:vml" xmlns:p="http://schemas.openxmlformats.org/presentationml/2006/main" mc:Ignorable="mv" mc:PreserveAttributes="mv:*">
+<p:notes xmlns:a="http://schemas.openxmlformats.org/drawingml/2006/main" xmlns:r="http://schemas.openxmlformats.org/officeDocument/2006/relationships" xmlns:p="http://schemas.openxmlformats.org/presentationml/2006/main">
   <p:cSld>
     <p:spTree>
       <p:nvGrpSpPr>
@@ -637,7 +637,7 @@
 </file>
 
 <file path=ppt/notesSlides/notesSlide2.xml><?xml version="1.0" encoding="utf-8"?>
-<p:notes xmlns:a="http://schemas.openxmlformats.org/drawingml/2006/main" xmlns:r="http://schemas.openxmlformats.org/officeDocument/2006/relationships" xmlns:mc="http://schemas.openxmlformats.org/markup-compatibility/2006" xmlns:mv="urn:schemas-microsoft-com:mac:vml" xmlns:p="http://schemas.openxmlformats.org/presentationml/2006/main" mc:Ignorable="mv" mc:PreserveAttributes="mv:*">
+<p:notes xmlns:a="http://schemas.openxmlformats.org/drawingml/2006/main" xmlns:r="http://schemas.openxmlformats.org/officeDocument/2006/relationships" xmlns:p="http://schemas.openxmlformats.org/presentationml/2006/main">
   <p:cSld>
     <p:spTree>
       <p:nvGrpSpPr>
@@ -771,7 +771,7 @@
 </file>
 
 <file path=ppt/notesSlides/notesSlide3.xml><?xml version="1.0" encoding="utf-8"?>
-<p:notes xmlns:a="http://schemas.openxmlformats.org/drawingml/2006/main" xmlns:r="http://schemas.openxmlformats.org/officeDocument/2006/relationships" xmlns:mc="http://schemas.openxmlformats.org/markup-compatibility/2006" xmlns:mv="urn:schemas-microsoft-com:mac:vml" xmlns:p="http://schemas.openxmlformats.org/presentationml/2006/main" mc:Ignorable="mv" mc:PreserveAttributes="mv:*">
+<p:notes xmlns:a="http://schemas.openxmlformats.org/drawingml/2006/main" xmlns:r="http://schemas.openxmlformats.org/officeDocument/2006/relationships" xmlns:p="http://schemas.openxmlformats.org/presentationml/2006/main">
   <p:cSld>
     <p:spTree>
       <p:nvGrpSpPr>
@@ -884,7 +884,7 @@
 </file>
 
 <file path=ppt/notesSlides/notesSlide4.xml><?xml version="1.0" encoding="utf-8"?>
-<p:notes xmlns:a="http://schemas.openxmlformats.org/drawingml/2006/main" xmlns:r="http://schemas.openxmlformats.org/officeDocument/2006/relationships" xmlns:mc="http://schemas.openxmlformats.org/markup-compatibility/2006" xmlns:mv="urn:schemas-microsoft-com:mac:vml" xmlns:p="http://schemas.openxmlformats.org/presentationml/2006/main" mc:Ignorable="mv" mc:PreserveAttributes="mv:*">
+<p:notes xmlns:a="http://schemas.openxmlformats.org/drawingml/2006/main" xmlns:r="http://schemas.openxmlformats.org/officeDocument/2006/relationships" xmlns:p="http://schemas.openxmlformats.org/presentationml/2006/main">
   <p:cSld>
     <p:spTree>
       <p:nvGrpSpPr>
@@ -974,7 +974,7 @@
 </file>
 
 <file path=ppt/slideLayouts/slideLayout1.xml><?xml version="1.0" encoding="utf-8"?>
-<p:sldLayout xmlns:a="http://schemas.openxmlformats.org/drawingml/2006/main" xmlns:r="http://schemas.openxmlformats.org/officeDocument/2006/relationships" xmlns:mc="http://schemas.openxmlformats.org/markup-compatibility/2006" xmlns:mv="urn:schemas-microsoft-com:mac:vml" xmlns:p="http://schemas.openxmlformats.org/presentationml/2006/main" mc:Ignorable="mv" mc:PreserveAttributes="mv:*" type="title" preserve="1">
+<p:sldLayout xmlns:a="http://schemas.openxmlformats.org/drawingml/2006/main" xmlns:r="http://schemas.openxmlformats.org/officeDocument/2006/relationships" xmlns:p="http://schemas.openxmlformats.org/presentationml/2006/main" type="title" preserve="1">
   <p:cSld name="Title Slide">
     <p:spTree>
       <p:nvGrpSpPr>
@@ -1155,7 +1155,7 @@
             <a:fld id="{DC14A1DA-BDB1-4693-9FC0-65DE61D7C2F9}" type="datetimeFigureOut">
               <a:rPr lang="en-US" smtClean="0"/>
               <a:pPr/>
-              <a:t>11/9/10</a:t>
+              <a:t>1/5/2011</a:t>
             </a:fld>
             <a:endParaRPr lang="en-US"/>
           </a:p>
@@ -1213,7 +1213,7 @@
 </file>
 
 <file path=ppt/slideLayouts/slideLayout10.xml><?xml version="1.0" encoding="utf-8"?>
-<p:sldLayout xmlns:a="http://schemas.openxmlformats.org/drawingml/2006/main" xmlns:r="http://schemas.openxmlformats.org/officeDocument/2006/relationships" xmlns:mc="http://schemas.openxmlformats.org/markup-compatibility/2006" xmlns:mv="urn:schemas-microsoft-com:mac:vml" xmlns:p="http://schemas.openxmlformats.org/presentationml/2006/main" mc:Ignorable="mv" mc:PreserveAttributes="mv:*" type="vertTx" preserve="1">
+<p:sldLayout xmlns:a="http://schemas.openxmlformats.org/drawingml/2006/main" xmlns:r="http://schemas.openxmlformats.org/officeDocument/2006/relationships" xmlns:p="http://schemas.openxmlformats.org/presentationml/2006/main" type="vertTx" preserve="1">
   <p:cSld name="Title and Vertical Text">
     <p:spTree>
       <p:nvGrpSpPr>
@@ -1322,7 +1322,7 @@
             <a:fld id="{DC14A1DA-BDB1-4693-9FC0-65DE61D7C2F9}" type="datetimeFigureOut">
               <a:rPr lang="en-US" smtClean="0"/>
               <a:pPr/>
-              <a:t>11/9/10</a:t>
+              <a:t>1/5/2011</a:t>
             </a:fld>
             <a:endParaRPr lang="en-US"/>
           </a:p>
@@ -1380,7 +1380,7 @@
 </file>
 
 <file path=ppt/slideLayouts/slideLayout11.xml><?xml version="1.0" encoding="utf-8"?>
-<p:sldLayout xmlns:a="http://schemas.openxmlformats.org/drawingml/2006/main" xmlns:r="http://schemas.openxmlformats.org/officeDocument/2006/relationships" xmlns:mc="http://schemas.openxmlformats.org/markup-compatibility/2006" xmlns:mv="urn:schemas-microsoft-com:mac:vml" xmlns:p="http://schemas.openxmlformats.org/presentationml/2006/main" mc:Ignorable="mv" mc:PreserveAttributes="mv:*" type="vertTitleAndTx" preserve="1">
+<p:sldLayout xmlns:a="http://schemas.openxmlformats.org/drawingml/2006/main" xmlns:r="http://schemas.openxmlformats.org/officeDocument/2006/relationships" xmlns:p="http://schemas.openxmlformats.org/presentationml/2006/main" type="vertTitleAndTx" preserve="1">
   <p:cSld name="Vertical Title and Text">
     <p:spTree>
       <p:nvGrpSpPr>
@@ -1499,7 +1499,7 @@
             <a:fld id="{DC14A1DA-BDB1-4693-9FC0-65DE61D7C2F9}" type="datetimeFigureOut">
               <a:rPr lang="en-US" smtClean="0"/>
               <a:pPr/>
-              <a:t>11/9/10</a:t>
+              <a:t>1/5/2011</a:t>
             </a:fld>
             <a:endParaRPr lang="en-US"/>
           </a:p>
@@ -1557,7 +1557,7 @@
 </file>
 
 <file path=ppt/slideLayouts/slideLayout2.xml><?xml version="1.0" encoding="utf-8"?>
-<p:sldLayout xmlns:a="http://schemas.openxmlformats.org/drawingml/2006/main" xmlns:r="http://schemas.openxmlformats.org/officeDocument/2006/relationships" xmlns:mc="http://schemas.openxmlformats.org/markup-compatibility/2006" xmlns:mv="urn:schemas-microsoft-com:mac:vml" xmlns:p="http://schemas.openxmlformats.org/presentationml/2006/main" mc:Ignorable="mv" mc:PreserveAttributes="mv:*" type="obj" preserve="1">
+<p:sldLayout xmlns:a="http://schemas.openxmlformats.org/drawingml/2006/main" xmlns:r="http://schemas.openxmlformats.org/officeDocument/2006/relationships" xmlns:p="http://schemas.openxmlformats.org/presentationml/2006/main" type="obj" preserve="1">
   <p:cSld name="Title and Content">
     <p:spTree>
       <p:nvGrpSpPr>
@@ -1666,7 +1666,7 @@
             <a:fld id="{DC14A1DA-BDB1-4693-9FC0-65DE61D7C2F9}" type="datetimeFigureOut">
               <a:rPr lang="en-US" smtClean="0"/>
               <a:pPr/>
-              <a:t>11/9/10</a:t>
+              <a:t>1/5/2011</a:t>
             </a:fld>
             <a:endParaRPr lang="en-US"/>
           </a:p>
@@ -1724,7 +1724,7 @@
 </file>
 
 <file path=ppt/slideLayouts/slideLayout3.xml><?xml version="1.0" encoding="utf-8"?>
-<p:sldLayout xmlns:a="http://schemas.openxmlformats.org/drawingml/2006/main" xmlns:r="http://schemas.openxmlformats.org/officeDocument/2006/relationships" xmlns:mc="http://schemas.openxmlformats.org/markup-compatibility/2006" xmlns:mv="urn:schemas-microsoft-com:mac:vml" xmlns:p="http://schemas.openxmlformats.org/presentationml/2006/main" mc:Ignorable="mv" mc:PreserveAttributes="mv:*" type="secHead" preserve="1">
+<p:sldLayout xmlns:a="http://schemas.openxmlformats.org/drawingml/2006/main" xmlns:r="http://schemas.openxmlformats.org/officeDocument/2006/relationships" xmlns:p="http://schemas.openxmlformats.org/presentationml/2006/main" type="secHead" preserve="1">
   <p:cSld name="Section Header">
     <p:spTree>
       <p:nvGrpSpPr>
@@ -1909,7 +1909,7 @@
             <a:fld id="{DC14A1DA-BDB1-4693-9FC0-65DE61D7C2F9}" type="datetimeFigureOut">
               <a:rPr lang="en-US" smtClean="0"/>
               <a:pPr/>
-              <a:t>11/9/10</a:t>
+              <a:t>1/5/2011</a:t>
             </a:fld>
             <a:endParaRPr lang="en-US"/>
           </a:p>
@@ -1967,7 +1967,7 @@
 </file>
 
 <file path=ppt/slideLayouts/slideLayout4.xml><?xml version="1.0" encoding="utf-8"?>
-<p:sldLayout xmlns:a="http://schemas.openxmlformats.org/drawingml/2006/main" xmlns:r="http://schemas.openxmlformats.org/officeDocument/2006/relationships" xmlns:mc="http://schemas.openxmlformats.org/markup-compatibility/2006" xmlns:mv="urn:schemas-microsoft-com:mac:vml" xmlns:p="http://schemas.openxmlformats.org/presentationml/2006/main" mc:Ignorable="mv" mc:PreserveAttributes="mv:*" type="twoObj" preserve="1">
+<p:sldLayout xmlns:a="http://schemas.openxmlformats.org/drawingml/2006/main" xmlns:r="http://schemas.openxmlformats.org/officeDocument/2006/relationships" xmlns:p="http://schemas.openxmlformats.org/presentationml/2006/main" type="twoObj" preserve="1">
   <p:cSld name="Two Content">
     <p:spTree>
       <p:nvGrpSpPr>
@@ -2194,7 +2194,7 @@
             <a:fld id="{DC14A1DA-BDB1-4693-9FC0-65DE61D7C2F9}" type="datetimeFigureOut">
               <a:rPr lang="en-US" smtClean="0"/>
               <a:pPr/>
-              <a:t>11/9/10</a:t>
+              <a:t>1/5/2011</a:t>
             </a:fld>
             <a:endParaRPr lang="en-US"/>
           </a:p>
@@ -2252,7 +2252,7 @@
 </file>
 
 <file path=ppt/slideLayouts/slideLayout5.xml><?xml version="1.0" encoding="utf-8"?>
-<p:sldLayout xmlns:a="http://schemas.openxmlformats.org/drawingml/2006/main" xmlns:r="http://schemas.openxmlformats.org/officeDocument/2006/relationships" xmlns:mc="http://schemas.openxmlformats.org/markup-compatibility/2006" xmlns:mv="urn:schemas-microsoft-com:mac:vml" xmlns:p="http://schemas.openxmlformats.org/presentationml/2006/main" mc:Ignorable="mv" mc:PreserveAttributes="mv:*" type="twoTxTwoObj" preserve="1">
+<p:sldLayout xmlns:a="http://schemas.openxmlformats.org/drawingml/2006/main" xmlns:r="http://schemas.openxmlformats.org/officeDocument/2006/relationships" xmlns:p="http://schemas.openxmlformats.org/presentationml/2006/main" type="twoTxTwoObj" preserve="1">
   <p:cSld name="Comparison">
     <p:spTree>
       <p:nvGrpSpPr>
@@ -2613,7 +2613,7 @@
             <a:fld id="{DC14A1DA-BDB1-4693-9FC0-65DE61D7C2F9}" type="datetimeFigureOut">
               <a:rPr lang="en-US" smtClean="0"/>
               <a:pPr/>
-              <a:t>11/9/10</a:t>
+              <a:t>1/5/2011</a:t>
             </a:fld>
             <a:endParaRPr lang="en-US"/>
           </a:p>
@@ -2671,7 +2671,7 @@
 </file>
 
 <file path=ppt/slideLayouts/slideLayout6.xml><?xml version="1.0" encoding="utf-8"?>
-<p:sldLayout xmlns:a="http://schemas.openxmlformats.org/drawingml/2006/main" xmlns:r="http://schemas.openxmlformats.org/officeDocument/2006/relationships" xmlns:mc="http://schemas.openxmlformats.org/markup-compatibility/2006" xmlns:mv="urn:schemas-microsoft-com:mac:vml" xmlns:p="http://schemas.openxmlformats.org/presentationml/2006/main" mc:Ignorable="mv" mc:PreserveAttributes="mv:*" type="titleOnly" preserve="1">
+<p:sldLayout xmlns:a="http://schemas.openxmlformats.org/drawingml/2006/main" xmlns:r="http://schemas.openxmlformats.org/officeDocument/2006/relationships" xmlns:p="http://schemas.openxmlformats.org/presentationml/2006/main" type="titleOnly" preserve="1">
   <p:cSld name="Title Only">
     <p:spTree>
       <p:nvGrpSpPr>
@@ -2728,7 +2728,7 @@
             <a:fld id="{DC14A1DA-BDB1-4693-9FC0-65DE61D7C2F9}" type="datetimeFigureOut">
               <a:rPr lang="en-US" smtClean="0"/>
               <a:pPr/>
-              <a:t>11/9/10</a:t>
+              <a:t>1/5/2011</a:t>
             </a:fld>
             <a:endParaRPr lang="en-US"/>
           </a:p>
@@ -2786,7 +2786,7 @@
 </file>
 
 <file path=ppt/slideLayouts/slideLayout7.xml><?xml version="1.0" encoding="utf-8"?>
-<p:sldLayout xmlns:a="http://schemas.openxmlformats.org/drawingml/2006/main" xmlns:r="http://schemas.openxmlformats.org/officeDocument/2006/relationships" xmlns:mc="http://schemas.openxmlformats.org/markup-compatibility/2006" xmlns:mv="urn:schemas-microsoft-com:mac:vml" xmlns:p="http://schemas.openxmlformats.org/presentationml/2006/main" mc:Ignorable="mv" mc:PreserveAttributes="mv:*" type="blank" preserve="1">
+<p:sldLayout xmlns:a="http://schemas.openxmlformats.org/drawingml/2006/main" xmlns:r="http://schemas.openxmlformats.org/officeDocument/2006/relationships" xmlns:p="http://schemas.openxmlformats.org/presentationml/2006/main" type="blank" preserve="1">
   <p:cSld name="Blank">
     <p:spTree>
       <p:nvGrpSpPr>
@@ -2820,7 +2820,7 @@
             <a:fld id="{DC14A1DA-BDB1-4693-9FC0-65DE61D7C2F9}" type="datetimeFigureOut">
               <a:rPr lang="en-US" smtClean="0"/>
               <a:pPr/>
-              <a:t>11/9/10</a:t>
+              <a:t>1/5/2011</a:t>
             </a:fld>
             <a:endParaRPr lang="en-US"/>
           </a:p>
@@ -2878,7 +2878,7 @@
 </file>
 
 <file path=ppt/slideLayouts/slideLayout8.xml><?xml version="1.0" encoding="utf-8"?>
-<p:sldLayout xmlns:a="http://schemas.openxmlformats.org/drawingml/2006/main" xmlns:r="http://schemas.openxmlformats.org/officeDocument/2006/relationships" xmlns:mc="http://schemas.openxmlformats.org/markup-compatibility/2006" xmlns:mv="urn:schemas-microsoft-com:mac:vml" xmlns:p="http://schemas.openxmlformats.org/presentationml/2006/main" mc:Ignorable="mv" mc:PreserveAttributes="mv:*" type="objTx" preserve="1">
+<p:sldLayout xmlns:a="http://schemas.openxmlformats.org/drawingml/2006/main" xmlns:r="http://schemas.openxmlformats.org/officeDocument/2006/relationships" xmlns:p="http://schemas.openxmlformats.org/presentationml/2006/main" type="objTx" preserve="1">
   <p:cSld name="Content with Caption">
     <p:spTree>
       <p:nvGrpSpPr>
@@ -3094,7 +3094,7 @@
             <a:fld id="{DC14A1DA-BDB1-4693-9FC0-65DE61D7C2F9}" type="datetimeFigureOut">
               <a:rPr lang="en-US" smtClean="0"/>
               <a:pPr/>
-              <a:t>11/9/10</a:t>
+              <a:t>1/5/2011</a:t>
             </a:fld>
             <a:endParaRPr lang="en-US"/>
           </a:p>
@@ -3152,7 +3152,7 @@
 </file>
 
 <file path=ppt/slideLayouts/slideLayout9.xml><?xml version="1.0" encoding="utf-8"?>
-<p:sldLayout xmlns:a="http://schemas.openxmlformats.org/drawingml/2006/main" xmlns:r="http://schemas.openxmlformats.org/officeDocument/2006/relationships" xmlns:mc="http://schemas.openxmlformats.org/markup-compatibility/2006" xmlns:mv="urn:schemas-microsoft-com:mac:vml" xmlns:p="http://schemas.openxmlformats.org/presentationml/2006/main" mc:Ignorable="mv" mc:PreserveAttributes="mv:*" type="picTx" preserve="1">
+<p:sldLayout xmlns:a="http://schemas.openxmlformats.org/drawingml/2006/main" xmlns:r="http://schemas.openxmlformats.org/officeDocument/2006/relationships" xmlns:p="http://schemas.openxmlformats.org/presentationml/2006/main" type="picTx" preserve="1">
   <p:cSld name="Picture with Caption">
     <p:spTree>
       <p:nvGrpSpPr>
@@ -3344,7 +3344,7 @@
             <a:fld id="{DC14A1DA-BDB1-4693-9FC0-65DE61D7C2F9}" type="datetimeFigureOut">
               <a:rPr lang="en-US" smtClean="0"/>
               <a:pPr/>
-              <a:t>11/9/10</a:t>
+              <a:t>1/5/2011</a:t>
             </a:fld>
             <a:endParaRPr lang="en-US"/>
           </a:p>
@@ -3402,12 +3402,12 @@
 </file>
 
 <file path=ppt/slideMasters/slideMaster1.xml><?xml version="1.0" encoding="utf-8"?>
-<p:sldMaster xmlns:a="http://schemas.openxmlformats.org/drawingml/2006/main" xmlns:r="http://schemas.openxmlformats.org/officeDocument/2006/relationships" xmlns:mc="http://schemas.openxmlformats.org/markup-compatibility/2006" xmlns:mv="urn:schemas-microsoft-com:mac:vml" xmlns:p="http://schemas.openxmlformats.org/presentationml/2006/main" mc:Ignorable="mv" mc:PreserveAttributes="mv:*">
+<p:sldMaster xmlns:a="http://schemas.openxmlformats.org/drawingml/2006/main" xmlns:r="http://schemas.openxmlformats.org/officeDocument/2006/relationships" xmlns:p="http://schemas.openxmlformats.org/presentationml/2006/main">
   <p:cSld>
     <p:bg>
       <p:bgPr>
         <a:blipFill dpi="0" rotWithShape="1">
-          <a:blip r:embed="rId13">
+          <a:blip r:embed="rId13" cstate="print">
             <a:alphaModFix amt="80000"/>
           </a:blip>
           <a:srcRect/>
@@ -3564,7 +3564,7 @@
             <a:fld id="{DC14A1DA-BDB1-4693-9FC0-65DE61D7C2F9}" type="datetimeFigureOut">
               <a:rPr lang="en-US" smtClean="0"/>
               <a:pPr/>
-              <a:t>11/9/10</a:t>
+              <a:t>1/5/2011</a:t>
             </a:fld>
             <a:endParaRPr lang="en-US" dirty="0"/>
           </a:p>
@@ -3921,7 +3921,7 @@
 </file>
 
 <file path=ppt/slides/slide1.xml><?xml version="1.0" encoding="utf-8"?>
-<p:sld xmlns:a="http://schemas.openxmlformats.org/drawingml/2006/main" xmlns:r="http://schemas.openxmlformats.org/officeDocument/2006/relationships" xmlns:mc="http://schemas.openxmlformats.org/markup-compatibility/2006" xmlns:mv="urn:schemas-microsoft-com:mac:vml" xmlns:p="http://schemas.openxmlformats.org/presentationml/2006/main" mc:Ignorable="mv" mc:PreserveAttributes="mv:*">
+<p:sld xmlns:a="http://schemas.openxmlformats.org/drawingml/2006/main" xmlns:r="http://schemas.openxmlformats.org/officeDocument/2006/relationships" xmlns:p="http://schemas.openxmlformats.org/presentationml/2006/main">
   <p:cSld>
     <p:spTree>
       <p:nvGrpSpPr>
@@ -3953,10 +3953,6 @@
           <a:lstStyle/>
           <a:p>
             <a:r>
-              <a:rPr lang="en-US" dirty="0" smtClean="0"/>
-              <a:t/>
-            </a:r>
-            <a:r>
               <a:rPr lang="en-US" dirty="0" smtClean="0">
                 <a:latin typeface="Franklin Gothic Medium"/>
                 <a:cs typeface="Franklin Gothic Medium"/>
@@ -3983,19 +3979,24 @@
           <a:lstStyle/>
           <a:p>
             <a:r>
-              <a:rPr lang="en-US" smtClean="0"/>
+              <a:rPr lang="en-US" dirty="0" smtClean="0"/>
               <a:t>Kevin McMahon</a:t>
             </a:r>
           </a:p>
           <a:p>
             <a:r>
-              <a:rPr lang="en-US" smtClean="0"/>
-              <a:t>@klmcmahon</a:t>
-            </a:r>
-          </a:p>
-          <a:p>
-            <a:r>
-              <a:rPr lang="en-US" smtClean="0"/>
+              <a:rPr lang="en-US" dirty="0" smtClean="0"/>
+              <a:t>@</a:t>
+            </a:r>
+            <a:r>
+              <a:rPr lang="en-US" dirty="0" err="1" smtClean="0"/>
+              <a:t>klmcmahon</a:t>
+            </a:r>
+            <a:endParaRPr lang="en-US" dirty="0" smtClean="0"/>
+          </a:p>
+          <a:p>
+            <a:r>
+              <a:rPr lang="en-US" dirty="0" smtClean="0"/>
               <a:t>http://blog.kevfoo.com</a:t>
             </a:r>
             <a:endParaRPr lang="en-US" dirty="0"/>
@@ -4018,7 +4019,7 @@
 </file>
 
 <file path=ppt/slides/slide10.xml><?xml version="1.0" encoding="utf-8"?>
-<p:sld xmlns:a="http://schemas.openxmlformats.org/drawingml/2006/main" xmlns:r="http://schemas.openxmlformats.org/officeDocument/2006/relationships" xmlns:mc="http://schemas.openxmlformats.org/markup-compatibility/2006" xmlns:mv="urn:schemas-microsoft-com:mac:vml" xmlns:p="http://schemas.openxmlformats.org/presentationml/2006/main" mc:Ignorable="mv" mc:PreserveAttributes="mv:*">
+<p:sld xmlns:a="http://schemas.openxmlformats.org/drawingml/2006/main" xmlns:r="http://schemas.openxmlformats.org/officeDocument/2006/relationships" xmlns:p="http://schemas.openxmlformats.org/presentationml/2006/main">
   <p:cSld>
     <p:spTree>
       <p:nvGrpSpPr>
@@ -4103,31 +4104,40 @@
             <a:pPr lvl="1"/>
             <a:r>
               <a:rPr lang="en-US" dirty="0" smtClean="0"/>
-              <a:t>~$400 individual / ~$1000 enterprise</a:t>
+              <a:t>~$400 individual / ~$1000 </a:t>
+            </a:r>
+            <a:r>
+              <a:rPr lang="en-US" dirty="0" smtClean="0"/>
+              <a:t>enterprise </a:t>
+            </a:r>
+          </a:p>
+          <a:p>
+            <a:r>
+              <a:rPr lang="en-US" dirty="0" smtClean="0"/>
+              <a:t>Windows and Mac OS  X </a:t>
+            </a:r>
+            <a:r>
+              <a:rPr lang="en-US" dirty="0" smtClean="0"/>
+              <a:t>(</a:t>
+            </a:r>
+            <a:r>
+              <a:rPr lang="en-US" dirty="0" smtClean="0"/>
+              <a:t>Linux soon)</a:t>
             </a:r>
             <a:endParaRPr lang="en-US" dirty="0" smtClean="0"/>
           </a:p>
           <a:p>
             <a:r>
               <a:rPr lang="en-US" dirty="0" smtClean="0"/>
-              <a:t>Closed preview</a:t>
-            </a:r>
-            <a:endParaRPr lang="en-US" dirty="0" smtClean="0"/>
+              <a:t>Now in Open Preview</a:t>
+            </a:r>
           </a:p>
           <a:p>
             <a:pPr lvl="1"/>
             <a:r>
               <a:rPr lang="en-US" b="1" dirty="0" smtClean="0"/>
-              <a:t>SIGN UP!</a:t>
-            </a:r>
-          </a:p>
-          <a:p>
-            <a:pPr lvl="1"/>
-            <a:r>
-              <a:rPr lang="en-US" dirty="0" smtClean="0"/>
-              <a:t>People added each preview release.</a:t>
-            </a:r>
-            <a:endParaRPr lang="en-US" dirty="0" smtClean="0"/>
+              <a:t>DOWNLOAD AND TRY IT!</a:t>
+            </a:r>
           </a:p>
           <a:p>
             <a:r>
@@ -4170,7 +4180,7 @@
 </file>
 
 <file path=ppt/slides/slide11.xml><?xml version="1.0" encoding="utf-8"?>
-<p:sld xmlns:a="http://schemas.openxmlformats.org/drawingml/2006/main" xmlns:r="http://schemas.openxmlformats.org/officeDocument/2006/relationships" xmlns:mc="http://schemas.openxmlformats.org/markup-compatibility/2006" xmlns:mv="urn:schemas-microsoft-com:mac:vml" xmlns:p="http://schemas.openxmlformats.org/presentationml/2006/main" mc:Ignorable="mv" mc:PreserveAttributes="mv:*">
+<p:sld xmlns:a="http://schemas.openxmlformats.org/drawingml/2006/main" xmlns:r="http://schemas.openxmlformats.org/officeDocument/2006/relationships" xmlns:p="http://schemas.openxmlformats.org/presentationml/2006/main">
   <p:cSld>
     <p:spTree>
       <p:nvGrpSpPr>
@@ -4311,7 +4321,7 @@
 </file>
 
 <file path=ppt/slides/slide12.xml><?xml version="1.0" encoding="utf-8"?>
-<p:sld xmlns:a="http://schemas.openxmlformats.org/drawingml/2006/main" xmlns:r="http://schemas.openxmlformats.org/officeDocument/2006/relationships" xmlns:mc="http://schemas.openxmlformats.org/markup-compatibility/2006" xmlns:mv="urn:schemas-microsoft-com:mac:vml" xmlns:p="http://schemas.openxmlformats.org/presentationml/2006/main" mc:Ignorable="mv" mc:PreserveAttributes="mv:*">
+<p:sld xmlns:a="http://schemas.openxmlformats.org/drawingml/2006/main" xmlns:r="http://schemas.openxmlformats.org/officeDocument/2006/relationships" xmlns:p="http://schemas.openxmlformats.org/presentationml/2006/main">
   <p:cSld>
     <p:spTree>
       <p:nvGrpSpPr>
@@ -4391,7 +4401,7 @@
 </file>
 
 <file path=ppt/slides/slide13.xml><?xml version="1.0" encoding="utf-8"?>
-<p:sld xmlns:a="http://schemas.openxmlformats.org/drawingml/2006/main" xmlns:r="http://schemas.openxmlformats.org/officeDocument/2006/relationships" xmlns:mc="http://schemas.openxmlformats.org/markup-compatibility/2006" xmlns:mv="urn:schemas-microsoft-com:mac:vml" xmlns:p="http://schemas.openxmlformats.org/presentationml/2006/main" mc:Ignorable="mv" mc:PreserveAttributes="mv:*">
+<p:sld xmlns:a="http://schemas.openxmlformats.org/drawingml/2006/main" xmlns:r="http://schemas.openxmlformats.org/officeDocument/2006/relationships" xmlns:p="http://schemas.openxmlformats.org/presentationml/2006/main">
   <p:cSld>
     <p:spTree>
       <p:nvGrpSpPr>
@@ -4429,14 +4439,7 @@
                 <a:latin typeface="Franklin Gothic Medium"/>
                 <a:cs typeface="Franklin Gothic Medium"/>
               </a:rPr>
-              <a:t>MonoDroid Design</a:t>
-            </a:r>
-            <a:r>
-              <a:rPr lang="en-US" dirty="0" smtClean="0">
-                <a:latin typeface="Franklin Gothic Medium"/>
-                <a:cs typeface="Franklin Gothic Medium"/>
-              </a:rPr>
-              <a:t> Principles</a:t>
+              <a:t>MonoDroid Design Principles</a:t>
             </a:r>
             <a:endParaRPr lang="en-US" dirty="0">
               <a:latin typeface="Franklin Gothic Medium"/>
@@ -4482,7 +4485,6 @@
               <a:rPr lang="en-US" dirty="0" smtClean="0"/>
               <a:t>Allow developers to subclass any Java class</a:t>
             </a:r>
-            <a:endParaRPr lang="en-US" dirty="0" smtClean="0"/>
           </a:p>
           <a:p>
             <a:pPr>
@@ -4503,13 +4505,8 @@
             </a:pPr>
             <a:r>
               <a:rPr lang="en-US" dirty="0" smtClean="0"/>
-              <a:t>Java </a:t>
-            </a:r>
-            <a:r>
-              <a:rPr lang="en-US" dirty="0" smtClean="0"/>
-              <a:t>properties as C# properties</a:t>
-            </a:r>
-            <a:endParaRPr lang="en-US" dirty="0" smtClean="0"/>
+              <a:t>Java properties as C# properties</a:t>
+            </a:r>
           </a:p>
           <a:p>
             <a:pPr>
@@ -4519,13 +4516,8 @@
             </a:pPr>
             <a:r>
               <a:rPr lang="en-US" dirty="0" smtClean="0"/>
-              <a:t>Strongly </a:t>
-            </a:r>
-            <a:r>
-              <a:rPr lang="en-US" dirty="0" smtClean="0"/>
-              <a:t>typed API</a:t>
-            </a:r>
-            <a:endParaRPr lang="en-US" dirty="0" smtClean="0"/>
+              <a:t>Strongly typed API</a:t>
+            </a:r>
           </a:p>
           <a:p>
             <a:pPr>
@@ -4546,7 +4538,7 @@
 </file>
 
 <file path=ppt/slides/slide14.xml><?xml version="1.0" encoding="utf-8"?>
-<p:sld xmlns:a="http://schemas.openxmlformats.org/drawingml/2006/main" xmlns:r="http://schemas.openxmlformats.org/officeDocument/2006/relationships" xmlns:mc="http://schemas.openxmlformats.org/markup-compatibility/2006" xmlns:mv="urn:schemas-microsoft-com:mac:vml" xmlns:p="http://schemas.openxmlformats.org/presentationml/2006/main" mc:Ignorable="mv" mc:PreserveAttributes="mv:*">
+<p:sld xmlns:a="http://schemas.openxmlformats.org/drawingml/2006/main" xmlns:r="http://schemas.openxmlformats.org/officeDocument/2006/relationships" xmlns:p="http://schemas.openxmlformats.org/presentationml/2006/main">
   <p:cSld>
     <p:spTree>
       <p:nvGrpSpPr>
@@ -4691,44 +4683,20 @@
               <a:rPr lang="en-US" dirty="0" err="1" smtClean="0"/>
               <a:t>MonoDevelop</a:t>
             </a:r>
-            <a:r>
-              <a:rPr lang="en-US" dirty="0" smtClean="0"/>
-              <a:t> (support targeted for v1.0)</a:t>
-            </a:r>
-          </a:p>
-          <a:p>
-            <a:r>
-              <a:rPr lang="en-US" dirty="0" smtClean="0"/>
-              <a:t>C# &gt; </a:t>
-            </a:r>
-            <a:r>
-              <a:rPr lang="en-US" dirty="0" smtClean="0"/>
-              <a:t>Java</a:t>
+            <a:endParaRPr lang="en-US" dirty="0" smtClean="0"/>
+          </a:p>
+          <a:p>
+            <a:r>
+              <a:rPr lang="en-US" dirty="0" smtClean="0"/>
+              <a:t>C# &gt; Java</a:t>
             </a:r>
           </a:p>
           <a:p>
             <a:pPr lvl="1"/>
             <a:r>
               <a:rPr lang="en-US" dirty="0" smtClean="0"/>
-              <a:t>Friction still exists due to</a:t>
-            </a:r>
-            <a:r>
-              <a:rPr lang="en-US" dirty="0" smtClean="0"/>
-              <a:t> </a:t>
-            </a:r>
-            <a:r>
-              <a:rPr lang="en-US" dirty="0" smtClean="0"/>
-              <a:t>Java idioms and </a:t>
-            </a:r>
-            <a:r>
-              <a:rPr lang="en-US" dirty="0" smtClean="0"/>
-              <a:t>architecture</a:t>
-            </a:r>
-            <a:r>
-              <a:rPr lang="en-US" dirty="0" smtClean="0"/>
-              <a:t>.</a:t>
-            </a:r>
-            <a:endParaRPr lang="en-US" dirty="0" smtClean="0"/>
+              <a:t>Friction still exists due to Java idioms and architecture.</a:t>
+            </a:r>
           </a:p>
         </p:txBody>
       </p:sp>
@@ -4741,7 +4709,7 @@
 </file>
 
 <file path=ppt/slides/slide15.xml><?xml version="1.0" encoding="utf-8"?>
-<p:sld xmlns:a="http://schemas.openxmlformats.org/drawingml/2006/main" xmlns:r="http://schemas.openxmlformats.org/officeDocument/2006/relationships" xmlns:mc="http://schemas.openxmlformats.org/markup-compatibility/2006" xmlns:mv="urn:schemas-microsoft-com:mac:vml" xmlns:p="http://schemas.openxmlformats.org/presentationml/2006/main" mc:Ignorable="mv" mc:PreserveAttributes="mv:*">
+<p:sld xmlns:a="http://schemas.openxmlformats.org/drawingml/2006/main" xmlns:r="http://schemas.openxmlformats.org/officeDocument/2006/relationships" xmlns:p="http://schemas.openxmlformats.org/presentationml/2006/main">
   <p:cSld>
     <p:spTree>
       <p:nvGrpSpPr>
@@ -4879,7 +4847,7 @@
 </file>
 
 <file path=ppt/slides/slide16.xml><?xml version="1.0" encoding="utf-8"?>
-<p:sld xmlns:a="http://schemas.openxmlformats.org/drawingml/2006/main" xmlns:r="http://schemas.openxmlformats.org/officeDocument/2006/relationships" xmlns:mc="http://schemas.openxmlformats.org/markup-compatibility/2006" xmlns:mv="urn:schemas-microsoft-com:mac:vml" xmlns:p="http://schemas.openxmlformats.org/presentationml/2006/main" mc:Ignorable="mv" mc:PreserveAttributes="mv:*">
+<p:sld xmlns:a="http://schemas.openxmlformats.org/drawingml/2006/main" xmlns:r="http://schemas.openxmlformats.org/officeDocument/2006/relationships" xmlns:p="http://schemas.openxmlformats.org/presentationml/2006/main">
   <p:cSld>
     <p:spTree>
       <p:nvGrpSpPr>
@@ -5003,7 +4971,7 @@
 </file>
 
 <file path=ppt/slides/slide17.xml><?xml version="1.0" encoding="utf-8"?>
-<p:sld xmlns:a="http://schemas.openxmlformats.org/drawingml/2006/main" xmlns:r="http://schemas.openxmlformats.org/officeDocument/2006/relationships" xmlns:mc="http://schemas.openxmlformats.org/markup-compatibility/2006" xmlns:mv="urn:schemas-microsoft-com:mac:vml" xmlns:p="http://schemas.openxmlformats.org/presentationml/2006/main" mc:Ignorable="mv" mc:PreserveAttributes="mv:*">
+<p:sld xmlns:a="http://schemas.openxmlformats.org/drawingml/2006/main" xmlns:r="http://schemas.openxmlformats.org/officeDocument/2006/relationships" xmlns:p="http://schemas.openxmlformats.org/presentationml/2006/main">
   <p:cSld>
     <p:spTree>
       <p:nvGrpSpPr>
@@ -5105,7 +5073,7 @@
 </file>
 
 <file path=ppt/slides/slide18.xml><?xml version="1.0" encoding="utf-8"?>
-<p:sld xmlns:a="http://schemas.openxmlformats.org/drawingml/2006/main" xmlns:r="http://schemas.openxmlformats.org/officeDocument/2006/relationships" xmlns:mc="http://schemas.openxmlformats.org/markup-compatibility/2006" xmlns:mv="urn:schemas-microsoft-com:mac:vml" xmlns:p="http://schemas.openxmlformats.org/presentationml/2006/main" mc:Ignorable="mv" mc:PreserveAttributes="mv:*">
+<p:sld xmlns:a="http://schemas.openxmlformats.org/drawingml/2006/main" xmlns:r="http://schemas.openxmlformats.org/officeDocument/2006/relationships" xmlns:p="http://schemas.openxmlformats.org/presentationml/2006/main">
   <p:cSld>
     <p:spTree>
       <p:nvGrpSpPr>
@@ -5206,7 +5174,7 @@
 </file>
 
 <file path=ppt/slides/slide19.xml><?xml version="1.0" encoding="utf-8"?>
-<p:sld xmlns:a="http://schemas.openxmlformats.org/drawingml/2006/main" xmlns:r="http://schemas.openxmlformats.org/officeDocument/2006/relationships" xmlns:mc="http://schemas.openxmlformats.org/markup-compatibility/2006" xmlns:mv="urn:schemas-microsoft-com:mac:vml" xmlns:p="http://schemas.openxmlformats.org/presentationml/2006/main" mc:Ignorable="mv" mc:PreserveAttributes="mv:*">
+<p:sld xmlns:a="http://schemas.openxmlformats.org/drawingml/2006/main" xmlns:r="http://schemas.openxmlformats.org/officeDocument/2006/relationships" xmlns:p="http://schemas.openxmlformats.org/presentationml/2006/main">
   <p:cSld>
     <p:spTree>
       <p:nvGrpSpPr>
@@ -5288,7 +5256,7 @@
 </file>
 
 <file path=ppt/slides/slide2.xml><?xml version="1.0" encoding="utf-8"?>
-<p:sld xmlns:a="http://schemas.openxmlformats.org/drawingml/2006/main" xmlns:r="http://schemas.openxmlformats.org/officeDocument/2006/relationships" xmlns:mc="http://schemas.openxmlformats.org/markup-compatibility/2006" xmlns:mv="urn:schemas-microsoft-com:mac:vml" xmlns:p="http://schemas.openxmlformats.org/presentationml/2006/main" mc:Ignorable="mv" mc:PreserveAttributes="mv:*">
+<p:sld xmlns:a="http://schemas.openxmlformats.org/drawingml/2006/main" xmlns:r="http://schemas.openxmlformats.org/officeDocument/2006/relationships" xmlns:p="http://schemas.openxmlformats.org/presentationml/2006/main">
   <p:cSld>
     <p:spTree>
       <p:nvGrpSpPr>
@@ -5412,7 +5380,7 @@
 </file>
 
 <file path=ppt/slides/slide20.xml><?xml version="1.0" encoding="utf-8"?>
-<p:sld xmlns:a="http://schemas.openxmlformats.org/drawingml/2006/main" xmlns:r="http://schemas.openxmlformats.org/officeDocument/2006/relationships" xmlns:mc="http://schemas.openxmlformats.org/markup-compatibility/2006" xmlns:mv="urn:schemas-microsoft-com:mac:vml" xmlns:p="http://schemas.openxmlformats.org/presentationml/2006/main" mc:Ignorable="mv" mc:PreserveAttributes="mv:*">
+<p:sld xmlns:a="http://schemas.openxmlformats.org/drawingml/2006/main" xmlns:r="http://schemas.openxmlformats.org/officeDocument/2006/relationships" xmlns:p="http://schemas.openxmlformats.org/presentationml/2006/main">
   <p:cSld>
     <p:spTree>
       <p:nvGrpSpPr>
@@ -5502,7 +5470,7 @@
 </file>
 
 <file path=ppt/slides/slide21.xml><?xml version="1.0" encoding="utf-8"?>
-<p:sld xmlns:a="http://schemas.openxmlformats.org/drawingml/2006/main" xmlns:r="http://schemas.openxmlformats.org/officeDocument/2006/relationships" xmlns:mc="http://schemas.openxmlformats.org/markup-compatibility/2006" xmlns:mv="urn:schemas-microsoft-com:mac:vml" xmlns:p="http://schemas.openxmlformats.org/presentationml/2006/main" mc:Ignorable="mv" mc:PreserveAttributes="mv:*">
+<p:sld xmlns:a="http://schemas.openxmlformats.org/drawingml/2006/main" xmlns:r="http://schemas.openxmlformats.org/officeDocument/2006/relationships" xmlns:p="http://schemas.openxmlformats.org/presentationml/2006/main">
   <p:cSld>
     <p:spTree>
       <p:nvGrpSpPr>
@@ -5628,7 +5596,7 @@
 </file>
 
 <file path=ppt/slides/slide22.xml><?xml version="1.0" encoding="utf-8"?>
-<p:sld xmlns:a="http://schemas.openxmlformats.org/drawingml/2006/main" xmlns:r="http://schemas.openxmlformats.org/officeDocument/2006/relationships" xmlns:mc="http://schemas.openxmlformats.org/markup-compatibility/2006" xmlns:mv="urn:schemas-microsoft-com:mac:vml" xmlns:p="http://schemas.openxmlformats.org/presentationml/2006/main" mc:Ignorable="mv" mc:PreserveAttributes="mv:*">
+<p:sld xmlns:a="http://schemas.openxmlformats.org/drawingml/2006/main" xmlns:r="http://schemas.openxmlformats.org/officeDocument/2006/relationships" xmlns:p="http://schemas.openxmlformats.org/presentationml/2006/main">
   <p:cSld>
     <p:spTree>
       <p:nvGrpSpPr>
@@ -5720,7 +5688,7 @@
 </file>
 
 <file path=ppt/slides/slide23.xml><?xml version="1.0" encoding="utf-8"?>
-<p:sld xmlns:a="http://schemas.openxmlformats.org/drawingml/2006/main" xmlns:r="http://schemas.openxmlformats.org/officeDocument/2006/relationships" xmlns:mc="http://schemas.openxmlformats.org/markup-compatibility/2006" xmlns:mv="urn:schemas-microsoft-com:mac:vml" xmlns:p="http://schemas.openxmlformats.org/presentationml/2006/main" mc:Ignorable="mv" mc:PreserveAttributes="mv:*">
+<p:sld xmlns:a="http://schemas.openxmlformats.org/drawingml/2006/main" xmlns:r="http://schemas.openxmlformats.org/officeDocument/2006/relationships" xmlns:p="http://schemas.openxmlformats.org/presentationml/2006/main">
   <p:cSld>
     <p:spTree>
       <p:nvGrpSpPr>
@@ -5787,13 +5755,8 @@
             </a:pPr>
             <a:r>
               <a:rPr lang="en-US" dirty="0" smtClean="0"/>
-              <a:t>Images</a:t>
-            </a:r>
-            <a:r>
-              <a:rPr lang="en-US" dirty="0" smtClean="0"/>
-              <a:t>, layout descriptions, binary blobs and string dictionaries</a:t>
-            </a:r>
-            <a:endParaRPr lang="en-US" dirty="0" smtClean="0"/>
+              <a:t>Images, layout descriptions, binary blobs and string dictionaries</a:t>
+            </a:r>
           </a:p>
           <a:p>
             <a:pPr>
@@ -5814,15 +5777,7 @@
             </a:pPr>
             <a:r>
               <a:rPr lang="en-US" dirty="0" smtClean="0"/>
-              <a:t>Makes </a:t>
-            </a:r>
-            <a:r>
-              <a:rPr lang="en-US" dirty="0" smtClean="0"/>
-              <a:t>managing assets</a:t>
-            </a:r>
-            <a:r>
-              <a:rPr lang="en-US" dirty="0" smtClean="0"/>
-              <a:t> easier</a:t>
+              <a:t>Makes managing assets easier</a:t>
             </a:r>
           </a:p>
           <a:p>
@@ -5857,7 +5812,6 @@
               <a:rPr lang="en-US" dirty="0" smtClean="0"/>
               <a:t>Different hardware configurations</a:t>
             </a:r>
-            <a:endParaRPr lang="en-US" dirty="0" smtClean="0"/>
           </a:p>
         </p:txBody>
       </p:sp>
@@ -5870,7 +5824,7 @@
 </file>
 
 <file path=ppt/slides/slide24.xml><?xml version="1.0" encoding="utf-8"?>
-<p:sld xmlns:a="http://schemas.openxmlformats.org/drawingml/2006/main" xmlns:r="http://schemas.openxmlformats.org/officeDocument/2006/relationships" xmlns:mc="http://schemas.openxmlformats.org/markup-compatibility/2006" xmlns:mv="urn:schemas-microsoft-com:mac:vml" xmlns:p="http://schemas.openxmlformats.org/presentationml/2006/main" mc:Ignorable="mv" mc:PreserveAttributes="mv:*">
+<p:sld xmlns:a="http://schemas.openxmlformats.org/drawingml/2006/main" xmlns:r="http://schemas.openxmlformats.org/officeDocument/2006/relationships" xmlns:p="http://schemas.openxmlformats.org/presentationml/2006/main">
   <p:cSld>
     <p:spTree>
       <p:nvGrpSpPr>
@@ -5967,7 +5921,7 @@
 </file>
 
 <file path=ppt/slides/slide25.xml><?xml version="1.0" encoding="utf-8"?>
-<p:sld xmlns:a="http://schemas.openxmlformats.org/drawingml/2006/main" xmlns:r="http://schemas.openxmlformats.org/officeDocument/2006/relationships" xmlns:mc="http://schemas.openxmlformats.org/markup-compatibility/2006" xmlns:mv="urn:schemas-microsoft-com:mac:vml" xmlns:p="http://schemas.openxmlformats.org/presentationml/2006/main" mc:Ignorable="mv" mc:PreserveAttributes="mv:*">
+<p:sld xmlns:a="http://schemas.openxmlformats.org/drawingml/2006/main" xmlns:r="http://schemas.openxmlformats.org/officeDocument/2006/relationships" xmlns:p="http://schemas.openxmlformats.org/presentationml/2006/main">
   <p:cSld>
     <p:spTree>
       <p:nvGrpSpPr>
@@ -6025,7 +5979,7 @@
         <p:spPr/>
         <p:txBody>
           <a:bodyPr>
-            <a:normAutofit fontScale="77500" lnSpcReduction="20000"/>
+            <a:normAutofit fontScale="70000" lnSpcReduction="20000"/>
           </a:bodyPr>
           <a:lstStyle/>
           <a:p>
@@ -6034,16 +5988,36 @@
             </a:pPr>
             <a:r>
               <a:rPr lang="en-US" dirty="0" smtClean="0"/>
-              <a:t>Links</a:t>
-            </a:r>
-          </a:p>
-          <a:p>
-            <a:r>
-              <a:rPr lang="en-US" sz="2571" dirty="0" smtClean="0">
+              <a:t>Download the Preview!</a:t>
+            </a:r>
+          </a:p>
+          <a:p>
+            <a:r>
+              <a:rPr lang="en-US" dirty="0" smtClean="0">
                 <a:latin typeface="Lucida Console"/>
+                <a:cs typeface="Lucida Console"/>
                 <a:hlinkClick r:id="rId2"/>
               </a:rPr>
-              <a:t>http://www.monodroid.net</a:t>
+              <a:t>http://monodroid.net/Welcome</a:t>
+            </a:r>
+            <a:endParaRPr lang="en-US" dirty="0" smtClean="0">
+              <a:latin typeface="Lucida Console"/>
+              <a:cs typeface="Lucida Console"/>
+            </a:endParaRPr>
+          </a:p>
+          <a:p>
+            <a:pPr>
+              <a:buNone/>
+            </a:pPr>
+            <a:endParaRPr lang="en-US" dirty="0" smtClean="0"/>
+          </a:p>
+          <a:p>
+            <a:pPr>
+              <a:buNone/>
+            </a:pPr>
+            <a:r>
+              <a:rPr lang="en-US" dirty="0" smtClean="0"/>
+              <a:t>Links</a:t>
             </a:r>
           </a:p>
           <a:p>
@@ -6052,14 +6026,16 @@
                 <a:latin typeface="Lucida Console"/>
                 <a:hlinkClick r:id="rId3"/>
               </a:rPr>
-              <a:t>http://developer.android.com</a:t>
-            </a:r>
+              <a:t>http://www.monodroid.net</a:t>
+            </a:r>
+          </a:p>
+          <a:p>
             <a:r>
               <a:rPr lang="en-US" sz="2571" dirty="0" smtClean="0">
                 <a:latin typeface="Lucida Console"/>
-                <a:hlinkClick r:id="rId3"/>
+                <a:hlinkClick r:id="rId4"/>
               </a:rPr>
-              <a:t>/</a:t>
+              <a:t>http://developer.android.com/</a:t>
             </a:r>
             <a:endParaRPr lang="en-US" sz="2571" dirty="0" smtClean="0">
               <a:latin typeface="Lucida Console"/>
@@ -6128,24 +6104,9 @@
               <a:rPr lang="en-US" sz="2571" dirty="0" smtClean="0">
                 <a:latin typeface="Lucida Console"/>
                 <a:cs typeface="Lucida Console"/>
-                <a:hlinkClick r:id="rId2"/>
+                <a:hlinkClick r:id="rId5"/>
               </a:rPr>
               <a:t>https://github.com/mono/monodroid-samples</a:t>
-            </a:r>
-            <a:endParaRPr lang="en-US" sz="2571" dirty="0" smtClean="0">
-              <a:latin typeface="Lucida Console"/>
-              <a:cs typeface="Lucida Console"/>
-              <a:hlinkClick r:id="rId4"/>
-            </a:endParaRPr>
-          </a:p>
-          <a:p>
-            <a:r>
-              <a:rPr lang="en-US" sz="2571" dirty="0" smtClean="0">
-                <a:latin typeface="Lucida Console"/>
-                <a:cs typeface="Lucida Console"/>
-                <a:hlinkClick r:id="rId4"/>
-              </a:rPr>
-              <a:t>https://github.com/kevinmcmahon/MonoDroid-101</a:t>
             </a:r>
             <a:endParaRPr lang="en-US" sz="2571" dirty="0" smtClean="0">
               <a:latin typeface="Lucida Console"/>
@@ -6153,33 +6114,15 @@
             </a:endParaRPr>
           </a:p>
           <a:p>
-            <a:pPr>
-              <a:buNone/>
-            </a:pPr>
-            <a:endParaRPr lang="en-US" dirty="0" smtClean="0"/>
-          </a:p>
-          <a:p>
-            <a:pPr>
-              <a:buNone/>
-            </a:pPr>
-            <a:r>
-              <a:rPr lang="en-US" dirty="0" smtClean="0"/>
-              <a:t>SIGN UP FOR THE BETA!</a:t>
-            </a:r>
-          </a:p>
-          <a:p>
             <a:r>
               <a:rPr lang="en-US" sz="2571" dirty="0" smtClean="0">
                 <a:latin typeface="Lucida Console"/>
                 <a:cs typeface="Lucida Console"/>
-                <a:hlinkClick r:id="rId5"/>
+                <a:hlinkClick r:id="rId6"/>
               </a:rPr>
-              <a:t>http://go-mono.com/monodroid/</a:t>
-            </a:r>
-            <a:endParaRPr lang="en-US" sz="2571" dirty="0">
-              <a:latin typeface="Lucida Console"/>
-              <a:cs typeface="Lucida Console"/>
-            </a:endParaRPr>
+              <a:t>https://github.com/kevinmcmahon/MonoDroid101</a:t>
+            </a:r>
+            <a:endParaRPr lang="en-US" sz="2400" dirty="0" smtClean="0"/>
           </a:p>
         </p:txBody>
       </p:sp>
@@ -6192,7 +6135,7 @@
 </file>
 
 <file path=ppt/slides/slide3.xml><?xml version="1.0" encoding="utf-8"?>
-<p:sld xmlns:a="http://schemas.openxmlformats.org/drawingml/2006/main" xmlns:r="http://schemas.openxmlformats.org/officeDocument/2006/relationships" xmlns:mc="http://schemas.openxmlformats.org/markup-compatibility/2006" xmlns:mv="urn:schemas-microsoft-com:mac:vml" xmlns:p="http://schemas.openxmlformats.org/presentationml/2006/main" mc:Ignorable="mv" mc:PreserveAttributes="mv:*">
+<p:sld xmlns:a="http://schemas.openxmlformats.org/drawingml/2006/main" xmlns:r="http://schemas.openxmlformats.org/officeDocument/2006/relationships" xmlns:p="http://schemas.openxmlformats.org/presentationml/2006/main">
   <p:cSld>
     <p:spTree>
       <p:nvGrpSpPr>
@@ -6335,7 +6278,7 @@
 </file>
 
 <file path=ppt/slides/slide4.xml><?xml version="1.0" encoding="utf-8"?>
-<p:sld xmlns:a="http://schemas.openxmlformats.org/drawingml/2006/main" xmlns:r="http://schemas.openxmlformats.org/officeDocument/2006/relationships" xmlns:mc="http://schemas.openxmlformats.org/markup-compatibility/2006" xmlns:mv="urn:schemas-microsoft-com:mac:vml" xmlns:p="http://schemas.openxmlformats.org/presentationml/2006/main" mc:Ignorable="mv" mc:PreserveAttributes="mv:*">
+<p:sld xmlns:a="http://schemas.openxmlformats.org/drawingml/2006/main" xmlns:r="http://schemas.openxmlformats.org/officeDocument/2006/relationships" xmlns:p="http://schemas.openxmlformats.org/presentationml/2006/main">
   <p:cSld>
     <p:spTree>
       <p:nvGrpSpPr>
@@ -6399,7 +6342,7 @@
           <a:blip r:embed="rId2" cstate="print">
             <a:extLst>
               <a:ext uri="{28A0092B-C50C-407E-A947-70E740481C1C}">
-                <a14:useLocalDpi xmlns="" xmlns:a14="http://schemas.microsoft.com/office/drawing/2010/main" xmlns:p="http://schemas.openxmlformats.org/presentationml/2006/main" xmlns:r="http://schemas.openxmlformats.org/officeDocument/2006/relationships" xmlns:a="http://schemas.openxmlformats.org/drawingml/2006/main" val="0"/>
+                <a14:useLocalDpi xmlns:mc="http://schemas.openxmlformats.org/markup-compatibility/2006" xmlns:mv="urn:schemas-microsoft-com:mac:vml" xmlns="" xmlns:a14="http://schemas.microsoft.com/office/drawing/2010/main" val="0"/>
               </a:ext>
             </a:extLst>
           </a:blip>
@@ -6433,7 +6376,7 @@
 </file>
 
 <file path=ppt/slides/slide5.xml><?xml version="1.0" encoding="utf-8"?>
-<p:sld xmlns:a="http://schemas.openxmlformats.org/drawingml/2006/main" xmlns:r="http://schemas.openxmlformats.org/officeDocument/2006/relationships" xmlns:mc="http://schemas.openxmlformats.org/markup-compatibility/2006" xmlns:mv="urn:schemas-microsoft-com:mac:vml" xmlns:p="http://schemas.openxmlformats.org/presentationml/2006/main" mc:Ignorable="mv" mc:PreserveAttributes="mv:*">
+<p:sld xmlns:a="http://schemas.openxmlformats.org/drawingml/2006/main" xmlns:r="http://schemas.openxmlformats.org/officeDocument/2006/relationships" xmlns:p="http://schemas.openxmlformats.org/presentationml/2006/main">
   <p:cSld>
     <p:spTree>
       <p:nvGrpSpPr>
@@ -6495,7 +6438,7 @@
           <a:blip r:embed="rId3" cstate="print">
             <a:extLst>
               <a:ext uri="{28A0092B-C50C-407E-A947-70E740481C1C}">
-                <a14:useLocalDpi xmlns="" xmlns:a14="http://schemas.microsoft.com/office/drawing/2010/main" xmlns:p="http://schemas.openxmlformats.org/presentationml/2006/main" xmlns:r="http://schemas.openxmlformats.org/officeDocument/2006/relationships" xmlns:a="http://schemas.openxmlformats.org/drawingml/2006/main" val="0"/>
+                <a14:useLocalDpi xmlns:mc="http://schemas.openxmlformats.org/markup-compatibility/2006" xmlns:mv="urn:schemas-microsoft-com:mac:vml" xmlns="" xmlns:a14="http://schemas.microsoft.com/office/drawing/2010/main" val="0"/>
               </a:ext>
             </a:extLst>
           </a:blip>
@@ -6529,7 +6472,7 @@
 </file>
 
 <file path=ppt/slides/slide6.xml><?xml version="1.0" encoding="utf-8"?>
-<p:sld xmlns:a="http://schemas.openxmlformats.org/drawingml/2006/main" xmlns:r="http://schemas.openxmlformats.org/officeDocument/2006/relationships" xmlns:mc="http://schemas.openxmlformats.org/markup-compatibility/2006" xmlns:mv="urn:schemas-microsoft-com:mac:vml" xmlns:p="http://schemas.openxmlformats.org/presentationml/2006/main" mc:Ignorable="mv" mc:PreserveAttributes="mv:*">
+<p:sld xmlns:a="http://schemas.openxmlformats.org/drawingml/2006/main" xmlns:r="http://schemas.openxmlformats.org/officeDocument/2006/relationships" xmlns:p="http://schemas.openxmlformats.org/presentationml/2006/main">
   <p:cSld>
     <p:spTree>
       <p:nvGrpSpPr>
@@ -6591,7 +6534,7 @@
           <a:blip r:embed="rId2" cstate="print">
             <a:extLst>
               <a:ext uri="{28A0092B-C50C-407E-A947-70E740481C1C}">
-                <a14:useLocalDpi xmlns="" xmlns:a14="http://schemas.microsoft.com/office/drawing/2010/main" xmlns:p="http://schemas.openxmlformats.org/presentationml/2006/main" xmlns:r="http://schemas.openxmlformats.org/officeDocument/2006/relationships" xmlns:a="http://schemas.openxmlformats.org/drawingml/2006/main" val="0"/>
+                <a14:useLocalDpi xmlns:mc="http://schemas.openxmlformats.org/markup-compatibility/2006" xmlns:mv="urn:schemas-microsoft-com:mac:vml" xmlns="" xmlns:a14="http://schemas.microsoft.com/office/drawing/2010/main" val="0"/>
               </a:ext>
             </a:extLst>
           </a:blip>
@@ -6625,7 +6568,7 @@
 </file>
 
 <file path=ppt/slides/slide7.xml><?xml version="1.0" encoding="utf-8"?>
-<p:sld xmlns:a="http://schemas.openxmlformats.org/drawingml/2006/main" xmlns:r="http://schemas.openxmlformats.org/officeDocument/2006/relationships" xmlns:mc="http://schemas.openxmlformats.org/markup-compatibility/2006" xmlns:mv="urn:schemas-microsoft-com:mac:vml" xmlns:p="http://schemas.openxmlformats.org/presentationml/2006/main" mc:Ignorable="mv" mc:PreserveAttributes="mv:*">
+<p:sld xmlns:a="http://schemas.openxmlformats.org/drawingml/2006/main" xmlns:r="http://schemas.openxmlformats.org/officeDocument/2006/relationships" xmlns:p="http://schemas.openxmlformats.org/presentationml/2006/main">
   <p:cSld>
     <p:spTree>
       <p:nvGrpSpPr>
@@ -6689,7 +6632,7 @@
           <a:blip r:embed="rId3" cstate="print">
             <a:extLst>
               <a:ext uri="{28A0092B-C50C-407E-A947-70E740481C1C}">
-                <a14:useLocalDpi xmlns="" xmlns:a14="http://schemas.microsoft.com/office/drawing/2010/main" xmlns:p="http://schemas.openxmlformats.org/presentationml/2006/main" xmlns:r="http://schemas.openxmlformats.org/officeDocument/2006/relationships" xmlns:a="http://schemas.openxmlformats.org/drawingml/2006/main" val="0"/>
+                <a14:useLocalDpi xmlns:mc="http://schemas.openxmlformats.org/markup-compatibility/2006" xmlns:mv="urn:schemas-microsoft-com:mac:vml" xmlns="" xmlns:a14="http://schemas.microsoft.com/office/drawing/2010/main" val="0"/>
               </a:ext>
             </a:extLst>
           </a:blip>
@@ -6723,7 +6666,7 @@
 </file>
 
 <file path=ppt/slides/slide8.xml><?xml version="1.0" encoding="utf-8"?>
-<p:sld xmlns:a="http://schemas.openxmlformats.org/drawingml/2006/main" xmlns:r="http://schemas.openxmlformats.org/officeDocument/2006/relationships" xmlns:mc="http://schemas.openxmlformats.org/markup-compatibility/2006" xmlns:mv="urn:schemas-microsoft-com:mac:vml" xmlns:p="http://schemas.openxmlformats.org/presentationml/2006/main" mc:Ignorable="mv" mc:PreserveAttributes="mv:*">
+<p:sld xmlns:a="http://schemas.openxmlformats.org/drawingml/2006/main" xmlns:r="http://schemas.openxmlformats.org/officeDocument/2006/relationships" xmlns:p="http://schemas.openxmlformats.org/presentationml/2006/main">
   <p:cSld>
     <p:spTree>
       <p:nvGrpSpPr>
@@ -6787,7 +6730,7 @@
           <a:blip r:embed="rId2" cstate="print">
             <a:extLst>
               <a:ext uri="{28A0092B-C50C-407E-A947-70E740481C1C}">
-                <a14:useLocalDpi xmlns="" xmlns:a14="http://schemas.microsoft.com/office/drawing/2010/main" xmlns:p="http://schemas.openxmlformats.org/presentationml/2006/main" xmlns:r="http://schemas.openxmlformats.org/officeDocument/2006/relationships" xmlns:a="http://schemas.openxmlformats.org/drawingml/2006/main" val="0"/>
+                <a14:useLocalDpi xmlns:mc="http://schemas.openxmlformats.org/markup-compatibility/2006" xmlns:mv="urn:schemas-microsoft-com:mac:vml" xmlns="" xmlns:a14="http://schemas.microsoft.com/office/drawing/2010/main" val="0"/>
               </a:ext>
             </a:extLst>
           </a:blip>
@@ -6821,7 +6764,7 @@
 </file>
 
 <file path=ppt/slides/slide9.xml><?xml version="1.0" encoding="utf-8"?>
-<p:sld xmlns:a="http://schemas.openxmlformats.org/drawingml/2006/main" xmlns:r="http://schemas.openxmlformats.org/officeDocument/2006/relationships" xmlns:mc="http://schemas.openxmlformats.org/markup-compatibility/2006" xmlns:mv="urn:schemas-microsoft-com:mac:vml" xmlns:p="http://schemas.openxmlformats.org/presentationml/2006/main" mc:Ignorable="mv" mc:PreserveAttributes="mv:*">
+<p:sld xmlns:a="http://schemas.openxmlformats.org/drawingml/2006/main" xmlns:r="http://schemas.openxmlformats.org/officeDocument/2006/relationships" xmlns:p="http://schemas.openxmlformats.org/presentationml/2006/main">
   <p:cSld>
     <p:spTree>
       <p:nvGrpSpPr>
@@ -6894,21 +6837,12 @@
               <a:rPr lang="en-US" dirty="0" smtClean="0"/>
               <a:t>Register-based</a:t>
             </a:r>
-            <a:endParaRPr lang="en-US" dirty="0" smtClean="0"/>
           </a:p>
           <a:p>
             <a:pPr lvl="1"/>
             <a:r>
               <a:rPr lang="en-US" dirty="0" smtClean="0"/>
-              <a:t>R</a:t>
-            </a:r>
-            <a:r>
-              <a:rPr lang="en-US" dirty="0" smtClean="0"/>
-              <a:t>uns </a:t>
-            </a:r>
-            <a:r>
-              <a:rPr lang="en-US" dirty="0" smtClean="0"/>
-              <a:t>multiple </a:t>
+              <a:t>Runs multiple </a:t>
             </a:r>
             <a:r>
               <a:rPr lang="en-US" dirty="0" err="1" smtClean="0"/>
@@ -6923,15 +6857,7 @@
             <a:pPr lvl="1"/>
             <a:r>
               <a:rPr lang="en-US" dirty="0" smtClean="0"/>
-              <a:t>Requires a </a:t>
-            </a:r>
-            <a:r>
-              <a:rPr lang="en-US" dirty="0" smtClean="0"/>
-              <a:t>.class to </a:t>
-            </a:r>
-            <a:r>
-              <a:rPr lang="en-US" dirty="0" smtClean="0"/>
-              <a:t>.</a:t>
+              <a:t>Requires a .class to .</a:t>
             </a:r>
             <a:r>
               <a:rPr lang="en-US" dirty="0" err="1" smtClean="0"/>
@@ -6941,7 +6867,6 @@
               <a:rPr lang="en-US" dirty="0" smtClean="0"/>
               <a:t> transformation</a:t>
             </a:r>
-            <a:endParaRPr lang="en-US" dirty="0" smtClean="0"/>
           </a:p>
           <a:p>
             <a:pPr lvl="1"/>
@@ -6949,7 +6874,6 @@
               <a:rPr lang="en-US" dirty="0" smtClean="0"/>
               <a:t>JIT (as of Android 2.2)</a:t>
             </a:r>
-            <a:endParaRPr lang="en-US" dirty="0" smtClean="0"/>
           </a:p>
           <a:p>
             <a:r>
@@ -6961,32 +6885,15 @@
             <a:pPr lvl="1"/>
             <a:r>
               <a:rPr lang="en-US" dirty="0" smtClean="0"/>
-              <a:t>R</a:t>
-            </a:r>
-            <a:r>
-              <a:rPr lang="en-US" dirty="0" smtClean="0"/>
-              <a:t>uns in their own process </a:t>
+              <a:t>Runs in their own process </a:t>
             </a:r>
           </a:p>
           <a:p>
             <a:pPr lvl="1"/>
             <a:r>
               <a:rPr lang="en-US" dirty="0" smtClean="0"/>
-              <a:t>Runs </a:t>
-            </a:r>
-            <a:r>
-              <a:rPr lang="en-US" dirty="0" smtClean="0"/>
-              <a:t>on their </a:t>
-            </a:r>
-            <a:r>
-              <a:rPr lang="en-US" dirty="0" smtClean="0"/>
-              <a:t>own</a:t>
-            </a:r>
-            <a:r>
-              <a:rPr lang="en-US" dirty="0" smtClean="0"/>
-              <a:t> VM</a:t>
-            </a:r>
-            <a:endParaRPr lang="en-US" dirty="0" smtClean="0"/>
+              <a:t>Runs on their own VM</a:t>
+            </a:r>
           </a:p>
         </p:txBody>
       </p:sp>

--- a/slides/Monodroid101.pptx
+++ b/slides/Monodroid101.pptx
@@ -221,7 +221,7 @@
             <a:fld id="{122FED64-F4A4-1445-90DE-B431FA7DF8D3}" type="datetimeFigureOut">
               <a:rPr lang="en-US" smtClean="0"/>
               <a:pPr/>
-              <a:t>1/5/2011</a:t>
+              <a:t>1/5/11</a:t>
             </a:fld>
             <a:endParaRPr lang="en-US" dirty="0"/>
           </a:p>
@@ -394,6 +394,11 @@
         </p:txBody>
       </p:sp>
     </p:spTree>
+    <p:extLst>
+      <p:ext uri="{BB962C8B-B14F-4D97-AF65-F5344CB8AC3E}">
+        <p14:creationId xmlns:p14="http://schemas.microsoft.com/office/powerpoint/2010/main" val="3056856797"/>
+      </p:ext>
+    </p:extLst>
   </p:cSld>
   <p:clrMap bg1="lt1" tx1="dk1" bg2="lt2" tx2="dk2" accent1="accent1" accent2="accent2" accent3="accent3" accent4="accent4" accent5="accent5" accent6="accent6" hlink="hlink" folHlink="folHlink"/>
   <p:notesStyle>
@@ -1155,7 +1160,7 @@
             <a:fld id="{DC14A1DA-BDB1-4693-9FC0-65DE61D7C2F9}" type="datetimeFigureOut">
               <a:rPr lang="en-US" smtClean="0"/>
               <a:pPr/>
-              <a:t>1/5/2011</a:t>
+              <a:t>1/5/11</a:t>
             </a:fld>
             <a:endParaRPr lang="en-US"/>
           </a:p>
@@ -1322,7 +1327,7 @@
             <a:fld id="{DC14A1DA-BDB1-4693-9FC0-65DE61D7C2F9}" type="datetimeFigureOut">
               <a:rPr lang="en-US" smtClean="0"/>
               <a:pPr/>
-              <a:t>1/5/2011</a:t>
+              <a:t>1/5/11</a:t>
             </a:fld>
             <a:endParaRPr lang="en-US"/>
           </a:p>
@@ -1499,7 +1504,7 @@
             <a:fld id="{DC14A1DA-BDB1-4693-9FC0-65DE61D7C2F9}" type="datetimeFigureOut">
               <a:rPr lang="en-US" smtClean="0"/>
               <a:pPr/>
-              <a:t>1/5/2011</a:t>
+              <a:t>1/5/11</a:t>
             </a:fld>
             <a:endParaRPr lang="en-US"/>
           </a:p>
@@ -1666,7 +1671,7 @@
             <a:fld id="{DC14A1DA-BDB1-4693-9FC0-65DE61D7C2F9}" type="datetimeFigureOut">
               <a:rPr lang="en-US" smtClean="0"/>
               <a:pPr/>
-              <a:t>1/5/2011</a:t>
+              <a:t>1/5/11</a:t>
             </a:fld>
             <a:endParaRPr lang="en-US"/>
           </a:p>
@@ -1909,7 +1914,7 @@
             <a:fld id="{DC14A1DA-BDB1-4693-9FC0-65DE61D7C2F9}" type="datetimeFigureOut">
               <a:rPr lang="en-US" smtClean="0"/>
               <a:pPr/>
-              <a:t>1/5/2011</a:t>
+              <a:t>1/5/11</a:t>
             </a:fld>
             <a:endParaRPr lang="en-US"/>
           </a:p>
@@ -2194,7 +2199,7 @@
             <a:fld id="{DC14A1DA-BDB1-4693-9FC0-65DE61D7C2F9}" type="datetimeFigureOut">
               <a:rPr lang="en-US" smtClean="0"/>
               <a:pPr/>
-              <a:t>1/5/2011</a:t>
+              <a:t>1/5/11</a:t>
             </a:fld>
             <a:endParaRPr lang="en-US"/>
           </a:p>
@@ -2613,7 +2618,7 @@
             <a:fld id="{DC14A1DA-BDB1-4693-9FC0-65DE61D7C2F9}" type="datetimeFigureOut">
               <a:rPr lang="en-US" smtClean="0"/>
               <a:pPr/>
-              <a:t>1/5/2011</a:t>
+              <a:t>1/5/11</a:t>
             </a:fld>
             <a:endParaRPr lang="en-US"/>
           </a:p>
@@ -2728,7 +2733,7 @@
             <a:fld id="{DC14A1DA-BDB1-4693-9FC0-65DE61D7C2F9}" type="datetimeFigureOut">
               <a:rPr lang="en-US" smtClean="0"/>
               <a:pPr/>
-              <a:t>1/5/2011</a:t>
+              <a:t>1/5/11</a:t>
             </a:fld>
             <a:endParaRPr lang="en-US"/>
           </a:p>
@@ -2820,7 +2825,7 @@
             <a:fld id="{DC14A1DA-BDB1-4693-9FC0-65DE61D7C2F9}" type="datetimeFigureOut">
               <a:rPr lang="en-US" smtClean="0"/>
               <a:pPr/>
-              <a:t>1/5/2011</a:t>
+              <a:t>1/5/11</a:t>
             </a:fld>
             <a:endParaRPr lang="en-US"/>
           </a:p>
@@ -3094,7 +3099,7 @@
             <a:fld id="{DC14A1DA-BDB1-4693-9FC0-65DE61D7C2F9}" type="datetimeFigureOut">
               <a:rPr lang="en-US" smtClean="0"/>
               <a:pPr/>
-              <a:t>1/5/2011</a:t>
+              <a:t>1/5/11</a:t>
             </a:fld>
             <a:endParaRPr lang="en-US"/>
           </a:p>
@@ -3344,7 +3349,7 @@
             <a:fld id="{DC14A1DA-BDB1-4693-9FC0-65DE61D7C2F9}" type="datetimeFigureOut">
               <a:rPr lang="en-US" smtClean="0"/>
               <a:pPr/>
-              <a:t>1/5/2011</a:t>
+              <a:t>1/5/11</a:t>
             </a:fld>
             <a:endParaRPr lang="en-US"/>
           </a:p>
@@ -3564,7 +3569,7 @@
             <a:fld id="{DC14A1DA-BDB1-4693-9FC0-65DE61D7C2F9}" type="datetimeFigureOut">
               <a:rPr lang="en-US" smtClean="0"/>
               <a:pPr/>
-              <a:t>1/5/2011</a:t>
+              <a:t>1/5/11</a:t>
             </a:fld>
             <a:endParaRPr lang="en-US" dirty="0"/>
           </a:p>
@@ -4011,7 +4016,7 @@
   <p:timing>
     <p:tnLst>
       <p:par>
-        <p:cTn id="1" dur="indefinite" restart="never" nodeType="tmRoot"/>
+        <p:cTn xmlns:p14="http://schemas.microsoft.com/office/powerpoint/2010/main" id="1" dur="indefinite" restart="never" nodeType="tmRoot"/>
       </p:par>
     </p:tnLst>
   </p:timing>
@@ -4104,27 +4109,22 @@
             <a:pPr lvl="1"/>
             <a:r>
               <a:rPr lang="en-US" dirty="0" smtClean="0"/>
-              <a:t>~$400 individual / ~$1000 </a:t>
-            </a:r>
-            <a:r>
-              <a:rPr lang="en-US" dirty="0" smtClean="0"/>
-              <a:t>enterprise </a:t>
-            </a:r>
-          </a:p>
-          <a:p>
-            <a:r>
-              <a:rPr lang="en-US" dirty="0" smtClean="0"/>
-              <a:t>Windows and Mac OS  X </a:t>
-            </a:r>
-            <a:r>
-              <a:rPr lang="en-US" dirty="0" smtClean="0"/>
-              <a:t>(</a:t>
-            </a:r>
-            <a:r>
-              <a:rPr lang="en-US" dirty="0" smtClean="0"/>
-              <a:t>Linux soon)</a:t>
-            </a:r>
-            <a:endParaRPr lang="en-US" dirty="0" smtClean="0"/>
+              <a:t>~$400 individual / ~$1000 enterprise </a:t>
+            </a:r>
+          </a:p>
+          <a:p>
+            <a:r>
+              <a:rPr lang="en-US" dirty="0" smtClean="0"/>
+              <a:t>Windows and Mac </a:t>
+            </a:r>
+            <a:r>
+              <a:rPr lang="en-US" dirty="0" smtClean="0"/>
+              <a:t>OS X </a:t>
+            </a:r>
+            <a:r>
+              <a:rPr lang="en-US" dirty="0" smtClean="0"/>
+              <a:t>(Linux soon)</a:t>
+            </a:r>
           </a:p>
           <a:p>
             <a:r>
@@ -4149,8 +4149,9 @@
             <a:pPr lvl="1"/>
             <a:r>
               <a:rPr lang="en-US" dirty="0" smtClean="0"/>
-              <a:t>GC isn’t turned on</a:t>
-            </a:r>
+              <a:t>GC</a:t>
+            </a:r>
+            <a:endParaRPr lang="en-US" dirty="0" smtClean="0"/>
           </a:p>
           <a:p>
             <a:pPr lvl="1"/>
@@ -4172,7 +4173,7 @@
   <p:timing>
     <p:tnLst>
       <p:par>
-        <p:cTn id="1" dur="indefinite" restart="never" nodeType="tmRoot"/>
+        <p:cTn xmlns:p14="http://schemas.microsoft.com/office/powerpoint/2010/main" id="1" dur="indefinite" restart="never" nodeType="tmRoot"/>
       </p:par>
     </p:tnLst>
   </p:timing>
@@ -4393,7 +4394,7 @@
   <p:timing>
     <p:tnLst>
       <p:par>
-        <p:cTn id="1" dur="indefinite" restart="never" nodeType="tmRoot"/>
+        <p:cTn xmlns:p14="http://schemas.microsoft.com/office/powerpoint/2010/main" id="1" dur="indefinite" restart="never" nodeType="tmRoot"/>
       </p:par>
     </p:tnLst>
   </p:timing>
@@ -4617,20 +4618,12 @@
           <a:lstStyle/>
           <a:p>
             <a:r>
-              <a:rPr lang="en-US" dirty="0" err="1" smtClean="0"/>
-              <a:t>Monodroid</a:t>
-            </a:r>
-            <a:r>
-              <a:rPr lang="en-US" dirty="0" smtClean="0"/>
-              <a:t> story not as compelling as </a:t>
-            </a:r>
-            <a:r>
-              <a:rPr lang="en-US" dirty="0" err="1" smtClean="0"/>
-              <a:t>MonoTouch</a:t>
-            </a:r>
-            <a:r>
-              <a:rPr lang="en-US" dirty="0" smtClean="0"/>
-              <a:t>.</a:t>
+              <a:rPr lang="en-US" dirty="0" smtClean="0"/>
+              <a:t>MonoDroid </a:t>
+            </a:r>
+            <a:r>
+              <a:rPr lang="en-US" dirty="0" smtClean="0"/>
+              <a:t>story not as compelling as MonoTouch.</a:t>
             </a:r>
           </a:p>
           <a:p>
@@ -4650,24 +4643,28 @@
             <a:pPr lvl="1"/>
             <a:r>
               <a:rPr lang="en-US" dirty="0" smtClean="0"/>
-              <a:t>XNA for games</a:t>
+              <a:t>iOS</a:t>
+            </a:r>
+            <a:r>
+              <a:rPr lang="en-US" dirty="0" smtClean="0"/>
+              <a:t>, Android, Windows Phone 7 non-UI components</a:t>
             </a:r>
           </a:p>
           <a:p>
             <a:pPr lvl="1"/>
             <a:r>
-              <a:rPr lang="en-US" dirty="0" err="1" smtClean="0"/>
-              <a:t>iOS</a:t>
-            </a:r>
-            <a:r>
-              <a:rPr lang="en-US" dirty="0" smtClean="0"/>
-              <a:t>, Android, Windows Phone 7 non-UI components</a:t>
-            </a:r>
-          </a:p>
-          <a:p>
-            <a:r>
-              <a:rPr lang="en-US" dirty="0" smtClean="0"/>
-              <a:t>Development tooling and environment</a:t>
+              <a:rPr lang="en-US" dirty="0" smtClean="0"/>
+              <a:t>XNA for games a possibility</a:t>
+            </a:r>
+          </a:p>
+          <a:p>
+            <a:r>
+              <a:rPr lang="en-US" dirty="0" smtClean="0"/>
+              <a:t>Development </a:t>
+            </a:r>
+            <a:r>
+              <a:rPr lang="en-US" dirty="0" smtClean="0"/>
+              <a:t>tooling and environment</a:t>
             </a:r>
           </a:p>
           <a:p>
@@ -5065,7 +5062,7 @@
   <p:timing>
     <p:tnLst>
       <p:par>
-        <p:cTn id="1" dur="indefinite" restart="never" nodeType="tmRoot"/>
+        <p:cTn xmlns:p14="http://schemas.microsoft.com/office/powerpoint/2010/main" id="1" dur="indefinite" restart="never" nodeType="tmRoot"/>
       </p:par>
     </p:tnLst>
   </p:timing>
@@ -5372,7 +5369,7 @@
   <p:timing>
     <p:tnLst>
       <p:par>
-        <p:cTn id="1" dur="indefinite" restart="never" nodeType="tmRoot"/>
+        <p:cTn xmlns:p14="http://schemas.microsoft.com/office/powerpoint/2010/main" id="1" dur="indefinite" restart="never" nodeType="tmRoot"/>
       </p:par>
     </p:tnLst>
   </p:timing>
@@ -6270,7 +6267,7 @@
   <p:timing>
     <p:tnLst>
       <p:par>
-        <p:cTn id="1" dur="indefinite" restart="never" nodeType="tmRoot"/>
+        <p:cTn xmlns:p14="http://schemas.microsoft.com/office/powerpoint/2010/main" id="1" dur="indefinite" restart="never" nodeType="tmRoot"/>
       </p:par>
     </p:tnLst>
   </p:timing>
@@ -6342,7 +6339,7 @@
           <a:blip r:embed="rId2" cstate="print">
             <a:extLst>
               <a:ext uri="{28A0092B-C50C-407E-A947-70E740481C1C}">
-                <a14:useLocalDpi xmlns:mc="http://schemas.openxmlformats.org/markup-compatibility/2006" xmlns:mv="urn:schemas-microsoft-com:mac:vml" xmlns="" xmlns:a14="http://schemas.microsoft.com/office/drawing/2010/main" val="0"/>
+                <a14:useLocalDpi xmlns:a14="http://schemas.microsoft.com/office/drawing/2010/main" val="0"/>
               </a:ext>
             </a:extLst>
           </a:blip>
@@ -6368,7 +6365,7 @@
   <p:timing>
     <p:tnLst>
       <p:par>
-        <p:cTn id="1" dur="indefinite" restart="never" nodeType="tmRoot"/>
+        <p:cTn xmlns:p14="http://schemas.microsoft.com/office/powerpoint/2010/main" id="1" dur="indefinite" restart="never" nodeType="tmRoot"/>
       </p:par>
     </p:tnLst>
   </p:timing>
@@ -6438,7 +6435,7 @@
           <a:blip r:embed="rId3" cstate="print">
             <a:extLst>
               <a:ext uri="{28A0092B-C50C-407E-A947-70E740481C1C}">
-                <a14:useLocalDpi xmlns:mc="http://schemas.openxmlformats.org/markup-compatibility/2006" xmlns:mv="urn:schemas-microsoft-com:mac:vml" xmlns="" xmlns:a14="http://schemas.microsoft.com/office/drawing/2010/main" val="0"/>
+                <a14:useLocalDpi xmlns:a14="http://schemas.microsoft.com/office/drawing/2010/main" val="0"/>
               </a:ext>
             </a:extLst>
           </a:blip>
@@ -6464,7 +6461,7 @@
   <p:timing>
     <p:tnLst>
       <p:par>
-        <p:cTn id="1" dur="indefinite" restart="never" nodeType="tmRoot"/>
+        <p:cTn xmlns:p14="http://schemas.microsoft.com/office/powerpoint/2010/main" id="1" dur="indefinite" restart="never" nodeType="tmRoot"/>
       </p:par>
     </p:tnLst>
   </p:timing>
@@ -6534,7 +6531,7 @@
           <a:blip r:embed="rId2" cstate="print">
             <a:extLst>
               <a:ext uri="{28A0092B-C50C-407E-A947-70E740481C1C}">
-                <a14:useLocalDpi xmlns:mc="http://schemas.openxmlformats.org/markup-compatibility/2006" xmlns:mv="urn:schemas-microsoft-com:mac:vml" xmlns="" xmlns:a14="http://schemas.microsoft.com/office/drawing/2010/main" val="0"/>
+                <a14:useLocalDpi xmlns:a14="http://schemas.microsoft.com/office/drawing/2010/main" val="0"/>
               </a:ext>
             </a:extLst>
           </a:blip>
@@ -6560,7 +6557,7 @@
   <p:timing>
     <p:tnLst>
       <p:par>
-        <p:cTn id="1" dur="indefinite" restart="never" nodeType="tmRoot"/>
+        <p:cTn xmlns:p14="http://schemas.microsoft.com/office/powerpoint/2010/main" id="1" dur="indefinite" restart="never" nodeType="tmRoot"/>
       </p:par>
     </p:tnLst>
   </p:timing>
@@ -6632,7 +6629,7 @@
           <a:blip r:embed="rId3" cstate="print">
             <a:extLst>
               <a:ext uri="{28A0092B-C50C-407E-A947-70E740481C1C}">
-                <a14:useLocalDpi xmlns:mc="http://schemas.openxmlformats.org/markup-compatibility/2006" xmlns:mv="urn:schemas-microsoft-com:mac:vml" xmlns="" xmlns:a14="http://schemas.microsoft.com/office/drawing/2010/main" val="0"/>
+                <a14:useLocalDpi xmlns:a14="http://schemas.microsoft.com/office/drawing/2010/main" val="0"/>
               </a:ext>
             </a:extLst>
           </a:blip>
@@ -6658,7 +6655,7 @@
   <p:timing>
     <p:tnLst>
       <p:par>
-        <p:cTn id="1" dur="indefinite" restart="never" nodeType="tmRoot"/>
+        <p:cTn xmlns:p14="http://schemas.microsoft.com/office/powerpoint/2010/main" id="1" dur="indefinite" restart="never" nodeType="tmRoot"/>
       </p:par>
     </p:tnLst>
   </p:timing>
@@ -6730,7 +6727,7 @@
           <a:blip r:embed="rId2" cstate="print">
             <a:extLst>
               <a:ext uri="{28A0092B-C50C-407E-A947-70E740481C1C}">
-                <a14:useLocalDpi xmlns:mc="http://schemas.openxmlformats.org/markup-compatibility/2006" xmlns:mv="urn:schemas-microsoft-com:mac:vml" xmlns="" xmlns:a14="http://schemas.microsoft.com/office/drawing/2010/main" val="0"/>
+                <a14:useLocalDpi xmlns:a14="http://schemas.microsoft.com/office/drawing/2010/main" val="0"/>
               </a:ext>
             </a:extLst>
           </a:blip>
@@ -6756,7 +6753,7 @@
   <p:timing>
     <p:tnLst>
       <p:par>
-        <p:cTn id="1" dur="indefinite" restart="never" nodeType="tmRoot"/>
+        <p:cTn xmlns:p14="http://schemas.microsoft.com/office/powerpoint/2010/main" id="1" dur="indefinite" restart="never" nodeType="tmRoot"/>
       </p:par>
     </p:tnLst>
   </p:timing>
@@ -6905,7 +6902,7 @@
   <p:timing>
     <p:tnLst>
       <p:par>
-        <p:cTn id="1" dur="indefinite" restart="never" nodeType="tmRoot"/>
+        <p:cTn xmlns:p14="http://schemas.microsoft.com/office/powerpoint/2010/main" id="1" dur="indefinite" restart="never" nodeType="tmRoot"/>
       </p:par>
     </p:tnLst>
   </p:timing>

--- a/slides/Monodroid101.pptx
+++ b/slides/Monodroid101.pptx
@@ -221,7 +221,7 @@
             <a:fld id="{122FED64-F4A4-1445-90DE-B431FA7DF8D3}" type="datetimeFigureOut">
               <a:rPr lang="en-US" smtClean="0"/>
               <a:pPr/>
-              <a:t>1/5/11</a:t>
+              <a:t>1/11/2011</a:t>
             </a:fld>
             <a:endParaRPr lang="en-US" dirty="0"/>
           </a:p>
@@ -396,7 +396,7 @@
     </p:spTree>
     <p:extLst>
       <p:ext uri="{BB962C8B-B14F-4D97-AF65-F5344CB8AC3E}">
-        <p14:creationId xmlns:p14="http://schemas.microsoft.com/office/powerpoint/2010/main" val="3056856797"/>
+        <p14:creationId xmlns:p14="http://schemas.microsoft.com/office/powerpoint/2010/main" xmlns="" val="3056856797"/>
       </p:ext>
     </p:extLst>
   </p:cSld>
@@ -978,6 +978,185 @@
 </p:notes>
 </file>
 
+<file path=ppt/notesSlides/notesSlide5.xml><?xml version="1.0" encoding="utf-8"?>
+<p:notes xmlns:a="http://schemas.openxmlformats.org/drawingml/2006/main" xmlns:r="http://schemas.openxmlformats.org/officeDocument/2006/relationships" xmlns:p="http://schemas.openxmlformats.org/presentationml/2006/main">
+  <p:cSld>
+    <p:spTree>
+      <p:nvGrpSpPr>
+        <p:cNvPr id="1" name=""/>
+        <p:cNvGrpSpPr/>
+        <p:nvPr/>
+      </p:nvGrpSpPr>
+      <p:grpSpPr>
+        <a:xfrm>
+          <a:off x="0" y="0"/>
+          <a:ext cx="0" cy="0"/>
+          <a:chOff x="0" y="0"/>
+          <a:chExt cx="0" cy="0"/>
+        </a:xfrm>
+      </p:grpSpPr>
+      <p:sp>
+        <p:nvSpPr>
+          <p:cNvPr id="2" name="Slide Image Placeholder 1"/>
+          <p:cNvSpPr>
+            <a:spLocks noGrp="1" noRot="1" noChangeAspect="1"/>
+          </p:cNvSpPr>
+          <p:nvPr>
+            <p:ph type="sldImg"/>
+          </p:nvPr>
+        </p:nvSpPr>
+        <p:spPr/>
+      </p:sp>
+      <p:sp>
+        <p:nvSpPr>
+          <p:cNvPr id="3" name="Notes Placeholder 2"/>
+          <p:cNvSpPr>
+            <a:spLocks noGrp="1"/>
+          </p:cNvSpPr>
+          <p:nvPr>
+            <p:ph type="body" idx="1"/>
+          </p:nvPr>
+        </p:nvSpPr>
+        <p:spPr/>
+        <p:txBody>
+          <a:bodyPr>
+            <a:normAutofit/>
+          </a:bodyPr>
+          <a:lstStyle/>
+          <a:p>
+            <a:r>
+              <a:rPr lang="en-US" sz="1200" b="0" i="0" kern="1200" dirty="0" smtClean="0">
+                <a:solidFill>
+                  <a:schemeClr val="tx1"/>
+                </a:solidFill>
+                <a:latin typeface="Times New Roman"/>
+                <a:ea typeface="+mn-ea"/>
+                <a:cs typeface="+mn-cs"/>
+              </a:rPr>
+              <a:t>Demo Order:</a:t>
+            </a:r>
+          </a:p>
+          <a:p>
+            <a:r>
+              <a:rPr lang="en-US" sz="1200" b="0" i="0" kern="1200" dirty="0" err="1" smtClean="0">
+                <a:solidFill>
+                  <a:schemeClr val="tx1"/>
+                </a:solidFill>
+                <a:latin typeface="Times New Roman"/>
+                <a:ea typeface="+mn-ea"/>
+                <a:cs typeface="+mn-cs"/>
+              </a:rPr>
+              <a:t>HelloLinearLayout</a:t>
+            </a:r>
+            <a:endParaRPr lang="en-US" dirty="0" smtClean="0"/>
+          </a:p>
+          <a:p>
+            <a:r>
+              <a:rPr lang="en-US" sz="1200" b="0" i="0" kern="1200" dirty="0" err="1" smtClean="0">
+                <a:solidFill>
+                  <a:schemeClr val="tx1"/>
+                </a:solidFill>
+                <a:latin typeface="Times New Roman"/>
+                <a:ea typeface="+mn-ea"/>
+                <a:cs typeface="+mn-cs"/>
+              </a:rPr>
+              <a:t>HelloListView</a:t>
+            </a:r>
+            <a:endParaRPr lang="en-US" dirty="0" smtClean="0"/>
+          </a:p>
+          <a:p>
+            <a:r>
+              <a:rPr lang="en-US" sz="1200" b="0" i="0" kern="1200" dirty="0" smtClean="0">
+                <a:solidFill>
+                  <a:schemeClr val="tx1"/>
+                </a:solidFill>
+                <a:latin typeface="Times New Roman"/>
+                <a:ea typeface="+mn-ea"/>
+                <a:cs typeface="+mn-cs"/>
+              </a:rPr>
+              <a:t>HelloL10N</a:t>
+            </a:r>
+            <a:endParaRPr lang="en-US" dirty="0" smtClean="0"/>
+          </a:p>
+          <a:p>
+            <a:r>
+              <a:rPr lang="en-US" sz="1200" b="0" i="0" kern="1200" dirty="0" err="1" smtClean="0">
+                <a:solidFill>
+                  <a:schemeClr val="tx1"/>
+                </a:solidFill>
+                <a:latin typeface="Times New Roman"/>
+                <a:ea typeface="+mn-ea"/>
+                <a:cs typeface="+mn-cs"/>
+              </a:rPr>
+              <a:t>CABarCode</a:t>
+            </a:r>
+            <a:endParaRPr lang="en-US" dirty="0" smtClean="0"/>
+          </a:p>
+          <a:p>
+            <a:r>
+              <a:rPr lang="en-US" sz="1200" b="0" i="0" kern="1200" dirty="0" err="1" smtClean="0">
+                <a:solidFill>
+                  <a:schemeClr val="tx1"/>
+                </a:solidFill>
+                <a:latin typeface="Times New Roman"/>
+                <a:ea typeface="+mn-ea"/>
+                <a:cs typeface="+mn-cs"/>
+              </a:rPr>
+              <a:t>HelloSpinner</a:t>
+            </a:r>
+            <a:endParaRPr lang="en-US" dirty="0" smtClean="0"/>
+          </a:p>
+          <a:p>
+            <a:r>
+              <a:rPr lang="en-US" sz="1200" b="0" i="0" kern="1200" dirty="0" err="1" smtClean="0">
+                <a:solidFill>
+                  <a:schemeClr val="tx1"/>
+                </a:solidFill>
+                <a:latin typeface="Times New Roman"/>
+                <a:ea typeface="+mn-ea"/>
+                <a:cs typeface="+mn-cs"/>
+              </a:rPr>
+              <a:t>GPSMap</a:t>
+            </a:r>
+            <a:endParaRPr lang="en-US" dirty="0" smtClean="0"/>
+          </a:p>
+          <a:p>
+            <a:endParaRPr lang="en-US" dirty="0"/>
+          </a:p>
+        </p:txBody>
+      </p:sp>
+      <p:sp>
+        <p:nvSpPr>
+          <p:cNvPr id="4" name="Slide Number Placeholder 3"/>
+          <p:cNvSpPr>
+            <a:spLocks noGrp="1"/>
+          </p:cNvSpPr>
+          <p:nvPr>
+            <p:ph type="sldNum" sz="quarter" idx="10"/>
+          </p:nvPr>
+        </p:nvSpPr>
+        <p:spPr/>
+        <p:txBody>
+          <a:bodyPr/>
+          <a:lstStyle/>
+          <a:p>
+            <a:fld id="{DA2E8BC1-B6F3-3D4E-8CDE-8AF731476279}" type="slidenum">
+              <a:rPr lang="en-US" smtClean="0"/>
+              <a:pPr/>
+              <a:t>24</a:t>
+            </a:fld>
+            <a:endParaRPr lang="en-US" dirty="0"/>
+          </a:p>
+        </p:txBody>
+      </p:sp>
+    </p:spTree>
+  </p:cSld>
+  <p:clrMapOvr>
+    <a:masterClrMapping/>
+  </p:clrMapOvr>
+</p:notes>
+</file>
+
 <file path=ppt/slideLayouts/slideLayout1.xml><?xml version="1.0" encoding="utf-8"?>
 <p:sldLayout xmlns:a="http://schemas.openxmlformats.org/drawingml/2006/main" xmlns:r="http://schemas.openxmlformats.org/officeDocument/2006/relationships" xmlns:p="http://schemas.openxmlformats.org/presentationml/2006/main" type="title" preserve="1">
   <p:cSld name="Title Slide">
@@ -1160,7 +1339,7 @@
             <a:fld id="{DC14A1DA-BDB1-4693-9FC0-65DE61D7C2F9}" type="datetimeFigureOut">
               <a:rPr lang="en-US" smtClean="0"/>
               <a:pPr/>
-              <a:t>1/5/11</a:t>
+              <a:t>1/11/2011</a:t>
             </a:fld>
             <a:endParaRPr lang="en-US"/>
           </a:p>
@@ -1327,7 +1506,7 @@
             <a:fld id="{DC14A1DA-BDB1-4693-9FC0-65DE61D7C2F9}" type="datetimeFigureOut">
               <a:rPr lang="en-US" smtClean="0"/>
               <a:pPr/>
-              <a:t>1/5/11</a:t>
+              <a:t>1/11/2011</a:t>
             </a:fld>
             <a:endParaRPr lang="en-US"/>
           </a:p>
@@ -1504,7 +1683,7 @@
             <a:fld id="{DC14A1DA-BDB1-4693-9FC0-65DE61D7C2F9}" type="datetimeFigureOut">
               <a:rPr lang="en-US" smtClean="0"/>
               <a:pPr/>
-              <a:t>1/5/11</a:t>
+              <a:t>1/11/2011</a:t>
             </a:fld>
             <a:endParaRPr lang="en-US"/>
           </a:p>
@@ -1671,7 +1850,7 @@
             <a:fld id="{DC14A1DA-BDB1-4693-9FC0-65DE61D7C2F9}" type="datetimeFigureOut">
               <a:rPr lang="en-US" smtClean="0"/>
               <a:pPr/>
-              <a:t>1/5/11</a:t>
+              <a:t>1/11/2011</a:t>
             </a:fld>
             <a:endParaRPr lang="en-US"/>
           </a:p>
@@ -1914,7 +2093,7 @@
             <a:fld id="{DC14A1DA-BDB1-4693-9FC0-65DE61D7C2F9}" type="datetimeFigureOut">
               <a:rPr lang="en-US" smtClean="0"/>
               <a:pPr/>
-              <a:t>1/5/11</a:t>
+              <a:t>1/11/2011</a:t>
             </a:fld>
             <a:endParaRPr lang="en-US"/>
           </a:p>
@@ -2199,7 +2378,7 @@
             <a:fld id="{DC14A1DA-BDB1-4693-9FC0-65DE61D7C2F9}" type="datetimeFigureOut">
               <a:rPr lang="en-US" smtClean="0"/>
               <a:pPr/>
-              <a:t>1/5/11</a:t>
+              <a:t>1/11/2011</a:t>
             </a:fld>
             <a:endParaRPr lang="en-US"/>
           </a:p>
@@ -2618,7 +2797,7 @@
             <a:fld id="{DC14A1DA-BDB1-4693-9FC0-65DE61D7C2F9}" type="datetimeFigureOut">
               <a:rPr lang="en-US" smtClean="0"/>
               <a:pPr/>
-              <a:t>1/5/11</a:t>
+              <a:t>1/11/2011</a:t>
             </a:fld>
             <a:endParaRPr lang="en-US"/>
           </a:p>
@@ -2733,7 +2912,7 @@
             <a:fld id="{DC14A1DA-BDB1-4693-9FC0-65DE61D7C2F9}" type="datetimeFigureOut">
               <a:rPr lang="en-US" smtClean="0"/>
               <a:pPr/>
-              <a:t>1/5/11</a:t>
+              <a:t>1/11/2011</a:t>
             </a:fld>
             <a:endParaRPr lang="en-US"/>
           </a:p>
@@ -2825,7 +3004,7 @@
             <a:fld id="{DC14A1DA-BDB1-4693-9FC0-65DE61D7C2F9}" type="datetimeFigureOut">
               <a:rPr lang="en-US" smtClean="0"/>
               <a:pPr/>
-              <a:t>1/5/11</a:t>
+              <a:t>1/11/2011</a:t>
             </a:fld>
             <a:endParaRPr lang="en-US"/>
           </a:p>
@@ -3099,7 +3278,7 @@
             <a:fld id="{DC14A1DA-BDB1-4693-9FC0-65DE61D7C2F9}" type="datetimeFigureOut">
               <a:rPr lang="en-US" smtClean="0"/>
               <a:pPr/>
-              <a:t>1/5/11</a:t>
+              <a:t>1/11/2011</a:t>
             </a:fld>
             <a:endParaRPr lang="en-US"/>
           </a:p>
@@ -3349,7 +3528,7 @@
             <a:fld id="{DC14A1DA-BDB1-4693-9FC0-65DE61D7C2F9}" type="datetimeFigureOut">
               <a:rPr lang="en-US" smtClean="0"/>
               <a:pPr/>
-              <a:t>1/5/11</a:t>
+              <a:t>1/11/2011</a:t>
             </a:fld>
             <a:endParaRPr lang="en-US"/>
           </a:p>
@@ -3569,7 +3748,7 @@
             <a:fld id="{DC14A1DA-BDB1-4693-9FC0-65DE61D7C2F9}" type="datetimeFigureOut">
               <a:rPr lang="en-US" smtClean="0"/>
               <a:pPr/>
-              <a:t>1/5/11</a:t>
+              <a:t>1/11/2011</a:t>
             </a:fld>
             <a:endParaRPr lang="en-US" dirty="0"/>
           </a:p>
@@ -3984,27 +4163,51 @@
           <a:lstStyle/>
           <a:p>
             <a:r>
-              <a:rPr lang="en-US" dirty="0" smtClean="0"/>
+              <a:rPr lang="en-US" dirty="0" smtClean="0">
+                <a:solidFill>
+                  <a:srgbClr val="485C5B"/>
+                </a:solidFill>
+              </a:rPr>
               <a:t>Kevin McMahon</a:t>
             </a:r>
           </a:p>
           <a:p>
             <a:r>
-              <a:rPr lang="en-US" dirty="0" smtClean="0"/>
+              <a:rPr lang="en-US" dirty="0" smtClean="0">
+                <a:solidFill>
+                  <a:srgbClr val="485C5B"/>
+                </a:solidFill>
+              </a:rPr>
               <a:t>@</a:t>
             </a:r>
             <a:r>
-              <a:rPr lang="en-US" dirty="0" err="1" smtClean="0"/>
+              <a:rPr lang="en-US" dirty="0" err="1" smtClean="0">
+                <a:solidFill>
+                  <a:srgbClr val="485C5B"/>
+                </a:solidFill>
+              </a:rPr>
               <a:t>klmcmahon</a:t>
             </a:r>
-            <a:endParaRPr lang="en-US" dirty="0" smtClean="0"/>
-          </a:p>
-          <a:p>
-            <a:r>
-              <a:rPr lang="en-US" dirty="0" smtClean="0"/>
+            <a:endParaRPr lang="en-US" dirty="0" smtClean="0">
+              <a:solidFill>
+                <a:srgbClr val="485C5B"/>
+              </a:solidFill>
+            </a:endParaRPr>
+          </a:p>
+          <a:p>
+            <a:r>
+              <a:rPr lang="en-US" dirty="0" smtClean="0">
+                <a:solidFill>
+                  <a:srgbClr val="485C5B"/>
+                </a:solidFill>
+              </a:rPr>
               <a:t>http://blog.kevfoo.com</a:t>
             </a:r>
-            <a:endParaRPr lang="en-US" dirty="0"/>
+            <a:endParaRPr lang="en-US" dirty="0">
+              <a:solidFill>
+                <a:srgbClr val="485C5B"/>
+              </a:solidFill>
+            </a:endParaRPr>
           </a:p>
         </p:txBody>
       </p:sp>
@@ -4016,7 +4219,7 @@
   <p:timing>
     <p:tnLst>
       <p:par>
-        <p:cTn xmlns:p14="http://schemas.microsoft.com/office/powerpoint/2010/main" id="1" dur="indefinite" restart="never" nodeType="tmRoot"/>
+        <p:cTn id="1" dur="indefinite" restart="never" nodeType="tmRoot"/>
       </p:par>
     </p:tnLst>
   </p:timing>
@@ -4115,15 +4318,7 @@
           <a:p>
             <a:r>
               <a:rPr lang="en-US" dirty="0" smtClean="0"/>
-              <a:t>Windows and Mac </a:t>
-            </a:r>
-            <a:r>
-              <a:rPr lang="en-US" dirty="0" smtClean="0"/>
-              <a:t>OS X </a:t>
-            </a:r>
-            <a:r>
-              <a:rPr lang="en-US" dirty="0" smtClean="0"/>
-              <a:t>(Linux soon)</a:t>
+              <a:t>Windows and Mac OS X (Linux soon)</a:t>
             </a:r>
           </a:p>
           <a:p>
@@ -4151,7 +4346,6 @@
               <a:rPr lang="en-US" dirty="0" smtClean="0"/>
               <a:t>GC</a:t>
             </a:r>
-            <a:endParaRPr lang="en-US" dirty="0" smtClean="0"/>
           </a:p>
           <a:p>
             <a:pPr lvl="1"/>
@@ -4173,7 +4367,7 @@
   <p:timing>
     <p:tnLst>
       <p:par>
-        <p:cTn xmlns:p14="http://schemas.microsoft.com/office/powerpoint/2010/main" id="1" dur="indefinite" restart="never" nodeType="tmRoot"/>
+        <p:cTn id="1" dur="indefinite" restart="never" nodeType="tmRoot"/>
       </p:par>
     </p:tnLst>
   </p:timing>
@@ -4394,7 +4588,7 @@
   <p:timing>
     <p:tnLst>
       <p:par>
-        <p:cTn xmlns:p14="http://schemas.microsoft.com/office/powerpoint/2010/main" id="1" dur="indefinite" restart="never" nodeType="tmRoot"/>
+        <p:cTn id="1" dur="indefinite" restart="never" nodeType="tmRoot"/>
       </p:par>
     </p:tnLst>
   </p:timing>
@@ -4619,11 +4813,7 @@
           <a:p>
             <a:r>
               <a:rPr lang="en-US" dirty="0" smtClean="0"/>
-              <a:t>MonoDroid </a:t>
-            </a:r>
-            <a:r>
-              <a:rPr lang="en-US" dirty="0" smtClean="0"/>
-              <a:t>story not as compelling as MonoTouch.</a:t>
+              <a:t>MonoDroid story not as compelling as MonoTouch.</a:t>
             </a:r>
           </a:p>
           <a:p>
@@ -4643,11 +4833,7 @@
             <a:pPr lvl="1"/>
             <a:r>
               <a:rPr lang="en-US" dirty="0" smtClean="0"/>
-              <a:t>iOS</a:t>
-            </a:r>
-            <a:r>
-              <a:rPr lang="en-US" dirty="0" smtClean="0"/>
-              <a:t>, Android, Windows Phone 7 non-UI components</a:t>
+              <a:t>iOS, Android, Windows Phone 7 non-UI components</a:t>
             </a:r>
           </a:p>
           <a:p>
@@ -4660,11 +4846,7 @@
           <a:p>
             <a:r>
               <a:rPr lang="en-US" dirty="0" smtClean="0"/>
-              <a:t>Development </a:t>
-            </a:r>
-            <a:r>
-              <a:rPr lang="en-US" dirty="0" smtClean="0"/>
-              <a:t>tooling and environment</a:t>
+              <a:t>Development tooling and environment</a:t>
             </a:r>
           </a:p>
           <a:p>
@@ -5062,7 +5244,7 @@
   <p:timing>
     <p:tnLst>
       <p:par>
-        <p:cTn xmlns:p14="http://schemas.microsoft.com/office/powerpoint/2010/main" id="1" dur="indefinite" restart="never" nodeType="tmRoot"/>
+        <p:cTn id="1" dur="indefinite" restart="never" nodeType="tmRoot"/>
       </p:par>
     </p:tnLst>
   </p:timing>
@@ -5369,7 +5551,7 @@
   <p:timing>
     <p:tnLst>
       <p:par>
-        <p:cTn xmlns:p14="http://schemas.microsoft.com/office/powerpoint/2010/main" id="1" dur="indefinite" restart="never" nodeType="tmRoot"/>
+        <p:cTn id="1" dur="indefinite" restart="never" nodeType="tmRoot"/>
       </p:par>
     </p:tnLst>
   </p:timing>
@@ -5899,7 +6081,7 @@
             <a:r>
               <a:rPr lang="en-US" sz="2000" dirty="0" smtClean="0">
                 <a:latin typeface="Lucida Console" pitchFamily="49" charset="0"/>
-                <a:hlinkClick r:id="rId2"/>
+                <a:hlinkClick r:id="rId3"/>
               </a:rPr>
               <a:t>https://github.com/kevinmcmahon/MonoDroid101</a:t>
             </a:r>
@@ -6267,7 +6449,7 @@
   <p:timing>
     <p:tnLst>
       <p:par>
-        <p:cTn xmlns:p14="http://schemas.microsoft.com/office/powerpoint/2010/main" id="1" dur="indefinite" restart="never" nodeType="tmRoot"/>
+        <p:cTn id="1" dur="indefinite" restart="never" nodeType="tmRoot"/>
       </p:par>
     </p:tnLst>
   </p:timing>
@@ -6339,7 +6521,7 @@
           <a:blip r:embed="rId2" cstate="print">
             <a:extLst>
               <a:ext uri="{28A0092B-C50C-407E-A947-70E740481C1C}">
-                <a14:useLocalDpi xmlns:a14="http://schemas.microsoft.com/office/drawing/2010/main" val="0"/>
+                <a14:useLocalDpi xmlns:a14="http://schemas.microsoft.com/office/drawing/2010/main" xmlns="" val="0"/>
               </a:ext>
             </a:extLst>
           </a:blip>
@@ -6365,7 +6547,7 @@
   <p:timing>
     <p:tnLst>
       <p:par>
-        <p:cTn xmlns:p14="http://schemas.microsoft.com/office/powerpoint/2010/main" id="1" dur="indefinite" restart="never" nodeType="tmRoot"/>
+        <p:cTn id="1" dur="indefinite" restart="never" nodeType="tmRoot"/>
       </p:par>
     </p:tnLst>
   </p:timing>
@@ -6435,7 +6617,7 @@
           <a:blip r:embed="rId3" cstate="print">
             <a:extLst>
               <a:ext uri="{28A0092B-C50C-407E-A947-70E740481C1C}">
-                <a14:useLocalDpi xmlns:a14="http://schemas.microsoft.com/office/drawing/2010/main" val="0"/>
+                <a14:useLocalDpi xmlns:a14="http://schemas.microsoft.com/office/drawing/2010/main" xmlns="" val="0"/>
               </a:ext>
             </a:extLst>
           </a:blip>
@@ -6461,7 +6643,7 @@
   <p:timing>
     <p:tnLst>
       <p:par>
-        <p:cTn xmlns:p14="http://schemas.microsoft.com/office/powerpoint/2010/main" id="1" dur="indefinite" restart="never" nodeType="tmRoot"/>
+        <p:cTn id="1" dur="indefinite" restart="never" nodeType="tmRoot"/>
       </p:par>
     </p:tnLst>
   </p:timing>
@@ -6531,7 +6713,7 @@
           <a:blip r:embed="rId2" cstate="print">
             <a:extLst>
               <a:ext uri="{28A0092B-C50C-407E-A947-70E740481C1C}">
-                <a14:useLocalDpi xmlns:a14="http://schemas.microsoft.com/office/drawing/2010/main" val="0"/>
+                <a14:useLocalDpi xmlns:a14="http://schemas.microsoft.com/office/drawing/2010/main" xmlns="" val="0"/>
               </a:ext>
             </a:extLst>
           </a:blip>
@@ -6557,7 +6739,7 @@
   <p:timing>
     <p:tnLst>
       <p:par>
-        <p:cTn xmlns:p14="http://schemas.microsoft.com/office/powerpoint/2010/main" id="1" dur="indefinite" restart="never" nodeType="tmRoot"/>
+        <p:cTn id="1" dur="indefinite" restart="never" nodeType="tmRoot"/>
       </p:par>
     </p:tnLst>
   </p:timing>
@@ -6629,7 +6811,7 @@
           <a:blip r:embed="rId3" cstate="print">
             <a:extLst>
               <a:ext uri="{28A0092B-C50C-407E-A947-70E740481C1C}">
-                <a14:useLocalDpi xmlns:a14="http://schemas.microsoft.com/office/drawing/2010/main" val="0"/>
+                <a14:useLocalDpi xmlns:a14="http://schemas.microsoft.com/office/drawing/2010/main" xmlns="" val="0"/>
               </a:ext>
             </a:extLst>
           </a:blip>
@@ -6655,7 +6837,7 @@
   <p:timing>
     <p:tnLst>
       <p:par>
-        <p:cTn xmlns:p14="http://schemas.microsoft.com/office/powerpoint/2010/main" id="1" dur="indefinite" restart="never" nodeType="tmRoot"/>
+        <p:cTn id="1" dur="indefinite" restart="never" nodeType="tmRoot"/>
       </p:par>
     </p:tnLst>
   </p:timing>
@@ -6727,7 +6909,7 @@
           <a:blip r:embed="rId2" cstate="print">
             <a:extLst>
               <a:ext uri="{28A0092B-C50C-407E-A947-70E740481C1C}">
-                <a14:useLocalDpi xmlns:a14="http://schemas.microsoft.com/office/drawing/2010/main" val="0"/>
+                <a14:useLocalDpi xmlns:a14="http://schemas.microsoft.com/office/drawing/2010/main" xmlns="" val="0"/>
               </a:ext>
             </a:extLst>
           </a:blip>
@@ -6753,7 +6935,7 @@
   <p:timing>
     <p:tnLst>
       <p:par>
-        <p:cTn xmlns:p14="http://schemas.microsoft.com/office/powerpoint/2010/main" id="1" dur="indefinite" restart="never" nodeType="tmRoot"/>
+        <p:cTn id="1" dur="indefinite" restart="never" nodeType="tmRoot"/>
       </p:par>
     </p:tnLst>
   </p:timing>
@@ -6902,7 +7084,7 @@
   <p:timing>
     <p:tnLst>
       <p:par>
-        <p:cTn xmlns:p14="http://schemas.microsoft.com/office/powerpoint/2010/main" id="1" dur="indefinite" restart="never" nodeType="tmRoot"/>
+        <p:cTn id="1" dur="indefinite" restart="never" nodeType="tmRoot"/>
       </p:par>
     </p:tnLst>
   </p:timing>

--- a/slides/Monodroid101.pptx
+++ b/slides/Monodroid101.pptx
@@ -2,7 +2,7 @@
 <file path=ppt/presentation.xml><?xml version="1.0" encoding="utf-8"?>
 <p:presentation xmlns:a="http://schemas.openxmlformats.org/drawingml/2006/main" xmlns:r="http://schemas.openxmlformats.org/officeDocument/2006/relationships" xmlns:p="http://schemas.openxmlformats.org/presentationml/2006/main" saveSubsetFonts="1">
   <p:sldMasterIdLst>
-    <p:sldMasterId id="2147483672" r:id="rId1"/>
+    <p:sldMasterId id="2147483696" r:id="rId1"/>
   </p:sldMasterIdLst>
   <p:notesMasterIdLst>
     <p:notesMasterId r:id="rId27"/>
@@ -396,7 +396,7 @@
     </p:spTree>
     <p:extLst>
       <p:ext uri="{BB962C8B-B14F-4D97-AF65-F5344CB8AC3E}">
-        <p14:creationId xmlns:p14="http://schemas.microsoft.com/office/powerpoint/2010/main" xmlns="" val="3056856797"/>
+        <p14:creationId xmlns="" xmlns:p14="http://schemas.microsoft.com/office/powerpoint/2010/main" val="3056856797"/>
       </p:ext>
     </p:extLst>
   </p:cSld>
@@ -3441,6 +3441,10 @@
             </a:lvl9pPr>
           </a:lstStyle>
           <a:p>
+            <a:r>
+              <a:rPr lang="en-US" smtClean="0"/>
+              <a:t>Click icon to add picture</a:t>
+            </a:r>
             <a:endParaRPr lang="en-US"/>
           </a:p>
         </p:txBody>
@@ -3642,7 +3646,7 @@
           <a:lstStyle/>
           <a:p>
             <a:r>
-              <a:rPr lang="en-US" dirty="0" smtClean="0"/>
+              <a:rPr lang="en-US" smtClean="0"/>
               <a:t>Click to edit Master title style</a:t>
             </a:r>
             <a:endParaRPr lang="en-US" dirty="0"/>
@@ -3676,35 +3680,35 @@
           <a:p>
             <a:pPr lvl="0"/>
             <a:r>
-              <a:rPr lang="en-US" dirty="0" smtClean="0"/>
+              <a:rPr lang="en-US" smtClean="0"/>
               <a:t>Click to edit Master text styles</a:t>
             </a:r>
           </a:p>
           <a:p>
             <a:pPr lvl="1"/>
             <a:r>
-              <a:rPr lang="en-US" dirty="0" smtClean="0"/>
+              <a:rPr lang="en-US" smtClean="0"/>
               <a:t>Second level</a:t>
             </a:r>
           </a:p>
           <a:p>
             <a:pPr lvl="2"/>
             <a:r>
-              <a:rPr lang="en-US" dirty="0" smtClean="0"/>
+              <a:rPr lang="en-US" smtClean="0"/>
               <a:t>Third level</a:t>
             </a:r>
           </a:p>
           <a:p>
             <a:pPr lvl="3"/>
             <a:r>
-              <a:rPr lang="en-US" dirty="0" smtClean="0"/>
+              <a:rPr lang="en-US" smtClean="0"/>
               <a:t>Fourth level</a:t>
             </a:r>
           </a:p>
           <a:p>
             <a:pPr lvl="4"/>
             <a:r>
-              <a:rPr lang="en-US" dirty="0" smtClean="0"/>
+              <a:rPr lang="en-US" smtClean="0"/>
               <a:t>Fifth level</a:t>
             </a:r>
             <a:endParaRPr lang="en-US" dirty="0"/>
@@ -3839,17 +3843,17 @@
   </p:cSld>
   <p:clrMap bg1="lt1" tx1="dk1" bg2="lt2" tx2="dk2" accent1="accent1" accent2="accent2" accent3="accent3" accent4="accent4" accent5="accent5" accent6="accent6" hlink="hlink" folHlink="folHlink"/>
   <p:sldLayoutIdLst>
-    <p:sldLayoutId id="2147483673" r:id="rId1"/>
-    <p:sldLayoutId id="2147483674" r:id="rId2"/>
-    <p:sldLayoutId id="2147483675" r:id="rId3"/>
-    <p:sldLayoutId id="2147483676" r:id="rId4"/>
-    <p:sldLayoutId id="2147483677" r:id="rId5"/>
-    <p:sldLayoutId id="2147483678" r:id="rId6"/>
-    <p:sldLayoutId id="2147483679" r:id="rId7"/>
-    <p:sldLayoutId id="2147483680" r:id="rId8"/>
-    <p:sldLayoutId id="2147483681" r:id="rId9"/>
-    <p:sldLayoutId id="2147483682" r:id="rId10"/>
-    <p:sldLayoutId id="2147483683" r:id="rId11"/>
+    <p:sldLayoutId id="2147483697" r:id="rId1"/>
+    <p:sldLayoutId id="2147483698" r:id="rId2"/>
+    <p:sldLayoutId id="2147483699" r:id="rId3"/>
+    <p:sldLayoutId id="2147483700" r:id="rId4"/>
+    <p:sldLayoutId id="2147483701" r:id="rId5"/>
+    <p:sldLayoutId id="2147483702" r:id="rId6"/>
+    <p:sldLayoutId id="2147483703" r:id="rId7"/>
+    <p:sldLayoutId id="2147483704" r:id="rId8"/>
+    <p:sldLayoutId id="2147483705" r:id="rId9"/>
+    <p:sldLayoutId id="2147483706" r:id="rId10"/>
+    <p:sldLayoutId id="2147483707" r:id="rId11"/>
   </p:sldLayoutIdLst>
   <p:txStyles>
     <p:titleStyle>
@@ -4138,12 +4142,19 @@
           <a:p>
             <a:r>
               <a:rPr lang="en-US" dirty="0" smtClean="0">
+                <a:solidFill>
+                  <a:srgbClr val="141717"/>
+                </a:solidFill>
                 <a:latin typeface="Franklin Gothic Medium"/>
                 <a:cs typeface="Franklin Gothic Medium"/>
               </a:rPr>
               <a:t>.NET? MonoDroid Does</a:t>
             </a:r>
-            <a:endParaRPr lang="en-US" dirty="0"/>
+            <a:endParaRPr lang="en-US" dirty="0">
+              <a:solidFill>
+                <a:srgbClr val="141717"/>
+              </a:solidFill>
+            </a:endParaRPr>
           </a:p>
         </p:txBody>
       </p:sp>
@@ -4260,6 +4271,9 @@
           <a:p>
             <a:r>
               <a:rPr lang="en-US" dirty="0" smtClean="0">
+                <a:solidFill>
+                  <a:srgbClr val="141717"/>
+                </a:solidFill>
                 <a:latin typeface="Franklin Gothic Medium"/>
                 <a:cs typeface="Franklin Gothic Medium"/>
               </a:rPr>
@@ -4267,6 +4281,9 @@
             </a:r>
             <a:r>
               <a:rPr lang="en-US" dirty="0" err="1" smtClean="0">
+                <a:solidFill>
+                  <a:srgbClr val="141717"/>
+                </a:solidFill>
                 <a:latin typeface="Franklin Gothic Medium"/>
                 <a:cs typeface="Franklin Gothic Medium"/>
               </a:rPr>
@@ -4274,12 +4291,18 @@
             </a:r>
             <a:r>
               <a:rPr lang="en-US" dirty="0" smtClean="0">
+                <a:solidFill>
+                  <a:srgbClr val="141717"/>
+                </a:solidFill>
                 <a:latin typeface="Franklin Gothic Medium"/>
                 <a:cs typeface="Franklin Gothic Medium"/>
               </a:rPr>
               <a:t>?</a:t>
             </a:r>
             <a:endParaRPr lang="en-US" dirty="0">
+              <a:solidFill>
+                <a:srgbClr val="141717"/>
+              </a:solidFill>
               <a:latin typeface="Franklin Gothic Medium"/>
               <a:cs typeface="Franklin Gothic Medium"/>
             </a:endParaRPr>
@@ -4304,58 +4327,94 @@
           <a:lstStyle/>
           <a:p>
             <a:r>
-              <a:rPr lang="en-US" dirty="0" smtClean="0"/>
+              <a:rPr lang="en-US" dirty="0" smtClean="0">
+                <a:solidFill>
+                  <a:srgbClr val="141717"/>
+                </a:solidFill>
+              </a:rPr>
               <a:t>Commercial Product from Novell</a:t>
             </a:r>
           </a:p>
           <a:p>
             <a:pPr lvl="1"/>
             <a:r>
-              <a:rPr lang="en-US" dirty="0" smtClean="0"/>
+              <a:rPr lang="en-US" dirty="0" smtClean="0">
+                <a:solidFill>
+                  <a:srgbClr val="141717"/>
+                </a:solidFill>
+              </a:rPr>
               <a:t>~$400 individual / ~$1000 enterprise </a:t>
             </a:r>
           </a:p>
           <a:p>
             <a:r>
-              <a:rPr lang="en-US" dirty="0" smtClean="0"/>
+              <a:rPr lang="en-US" dirty="0" smtClean="0">
+                <a:solidFill>
+                  <a:srgbClr val="141717"/>
+                </a:solidFill>
+              </a:rPr>
               <a:t>Windows and Mac OS X (Linux soon)</a:t>
             </a:r>
           </a:p>
           <a:p>
             <a:r>
-              <a:rPr lang="en-US" dirty="0" smtClean="0"/>
+              <a:rPr lang="en-US" dirty="0" smtClean="0">
+                <a:solidFill>
+                  <a:srgbClr val="141717"/>
+                </a:solidFill>
+              </a:rPr>
               <a:t>Now in Open Preview</a:t>
             </a:r>
           </a:p>
           <a:p>
             <a:pPr lvl="1"/>
             <a:r>
-              <a:rPr lang="en-US" b="1" dirty="0" smtClean="0"/>
+              <a:rPr lang="en-US" b="1" dirty="0" smtClean="0">
+                <a:solidFill>
+                  <a:srgbClr val="141717"/>
+                </a:solidFill>
+              </a:rPr>
               <a:t>DOWNLOAD AND TRY IT!</a:t>
             </a:r>
           </a:p>
           <a:p>
             <a:r>
-              <a:rPr lang="en-US" dirty="0" smtClean="0"/>
+              <a:rPr lang="en-US" dirty="0" smtClean="0">
+                <a:solidFill>
+                  <a:srgbClr val="141717"/>
+                </a:solidFill>
+              </a:rPr>
               <a:t>Project is still raw</a:t>
             </a:r>
           </a:p>
           <a:p>
             <a:pPr lvl="1"/>
             <a:r>
-              <a:rPr lang="en-US" dirty="0" smtClean="0"/>
+              <a:rPr lang="en-US" dirty="0" smtClean="0">
+                <a:solidFill>
+                  <a:srgbClr val="141717"/>
+                </a:solidFill>
+              </a:rPr>
               <a:t>GC</a:t>
             </a:r>
           </a:p>
           <a:p>
             <a:pPr lvl="1"/>
             <a:r>
-              <a:rPr lang="en-US" dirty="0" smtClean="0"/>
+              <a:rPr lang="en-US" dirty="0" smtClean="0">
+                <a:solidFill>
+                  <a:srgbClr val="141717"/>
+                </a:solidFill>
+              </a:rPr>
               <a:t>Not fully optimized for speed or size</a:t>
             </a:r>
           </a:p>
           <a:p>
-            <a:endParaRPr lang="en-US" dirty="0" smtClean="0"/>
+            <a:endParaRPr lang="en-US" dirty="0" smtClean="0">
+              <a:solidFill>
+                <a:srgbClr val="141717"/>
+              </a:solidFill>
+            </a:endParaRPr>
           </a:p>
         </p:txBody>
       </p:sp>
@@ -4408,12 +4467,18 @@
           <a:p>
             <a:r>
               <a:rPr lang="en-US" dirty="0" smtClean="0">
+                <a:solidFill>
+                  <a:srgbClr val="141717"/>
+                </a:solidFill>
                 <a:latin typeface="Franklin Gothic Medium"/>
                 <a:cs typeface="Franklin Gothic Medium"/>
               </a:rPr>
               <a:t>How Does it Work?</a:t>
             </a:r>
             <a:endParaRPr lang="en-US" dirty="0">
+              <a:solidFill>
+                <a:srgbClr val="141717"/>
+              </a:solidFill>
               <a:latin typeface="Franklin Gothic Medium"/>
               <a:cs typeface="Franklin Gothic Medium"/>
             </a:endParaRPr>
@@ -4436,63 +4501,103 @@
           <a:lstStyle/>
           <a:p>
             <a:r>
-              <a:rPr lang="en-US" dirty="0" smtClean="0"/>
+              <a:rPr lang="en-US" dirty="0" smtClean="0">
+                <a:solidFill>
+                  <a:srgbClr val="141717"/>
+                </a:solidFill>
+              </a:rPr>
               <a:t>Mono Runtime</a:t>
             </a:r>
           </a:p>
           <a:p>
             <a:pPr lvl="1"/>
             <a:r>
-              <a:rPr lang="en-US" dirty="0" smtClean="0"/>
+              <a:rPr lang="en-US" dirty="0" smtClean="0">
+                <a:solidFill>
+                  <a:srgbClr val="141717"/>
+                </a:solidFill>
+              </a:rPr>
               <a:t>Native to the device</a:t>
             </a:r>
           </a:p>
           <a:p>
             <a:pPr lvl="1"/>
             <a:r>
-              <a:rPr lang="en-US" dirty="0" smtClean="0"/>
+              <a:rPr lang="en-US" dirty="0" smtClean="0">
+                <a:solidFill>
+                  <a:srgbClr val="141717"/>
+                </a:solidFill>
+              </a:rPr>
               <a:t>Executes .Net code</a:t>
             </a:r>
           </a:p>
           <a:p>
             <a:pPr lvl="1"/>
             <a:r>
-              <a:rPr lang="en-US" dirty="0" smtClean="0"/>
+              <a:rPr lang="en-US" dirty="0" smtClean="0">
+                <a:solidFill>
+                  <a:srgbClr val="141717"/>
+                </a:solidFill>
+              </a:rPr>
               <a:t>Runs </a:t>
             </a:r>
             <a:r>
-              <a:rPr lang="en-US" b="1" dirty="0" smtClean="0"/>
+              <a:rPr lang="en-US" b="1" dirty="0" smtClean="0">
+                <a:solidFill>
+                  <a:srgbClr val="141717"/>
+                </a:solidFill>
+              </a:rPr>
               <a:t>side-by-side</a:t>
             </a:r>
             <a:r>
-              <a:rPr lang="en-US" dirty="0" smtClean="0"/>
+              <a:rPr lang="en-US" dirty="0" smtClean="0">
+                <a:solidFill>
+                  <a:srgbClr val="141717"/>
+                </a:solidFill>
+              </a:rPr>
               <a:t> with Dalvik</a:t>
             </a:r>
           </a:p>
           <a:p>
             <a:r>
-              <a:rPr lang="en-US" dirty="0" smtClean="0"/>
+              <a:rPr lang="en-US" dirty="0" smtClean="0">
+                <a:solidFill>
+                  <a:srgbClr val="141717"/>
+                </a:solidFill>
+              </a:rPr>
               <a:t>Mono to Android Communication</a:t>
             </a:r>
           </a:p>
           <a:p>
             <a:pPr lvl="1"/>
             <a:r>
-              <a:rPr lang="en-US" dirty="0" smtClean="0"/>
+              <a:rPr lang="en-US" dirty="0" smtClean="0">
+                <a:solidFill>
+                  <a:srgbClr val="141717"/>
+                </a:solidFill>
+              </a:rPr>
               <a:t>Java proxies</a:t>
             </a:r>
           </a:p>
           <a:p>
             <a:pPr lvl="2"/>
             <a:r>
-              <a:rPr lang="en-US" dirty="0" smtClean="0"/>
+              <a:rPr lang="en-US" dirty="0" smtClean="0">
+                <a:solidFill>
+                  <a:srgbClr val="141717"/>
+                </a:solidFill>
+              </a:rPr>
               <a:t>Android Callable Wrappers </a:t>
             </a:r>
           </a:p>
           <a:p>
             <a:pPr lvl="2"/>
             <a:r>
-              <a:rPr lang="en-US" dirty="0" smtClean="0"/>
+              <a:rPr lang="en-US" dirty="0" smtClean="0">
+                <a:solidFill>
+                  <a:srgbClr val="141717"/>
+                </a:solidFill>
+              </a:rPr>
               <a:t>Managed Callable Wrappers</a:t>
             </a:r>
           </a:p>
@@ -4500,10 +4605,18 @@
             <a:pPr>
               <a:buNone/>
             </a:pPr>
-            <a:endParaRPr lang="en-US" dirty="0" smtClean="0"/>
-          </a:p>
-          <a:p>
-            <a:endParaRPr lang="en-US" dirty="0" smtClean="0"/>
+            <a:endParaRPr lang="en-US" dirty="0" smtClean="0">
+              <a:solidFill>
+                <a:srgbClr val="141717"/>
+              </a:solidFill>
+            </a:endParaRPr>
+          </a:p>
+          <a:p>
+            <a:endParaRPr lang="en-US" dirty="0" smtClean="0">
+              <a:solidFill>
+                <a:srgbClr val="141717"/>
+              </a:solidFill>
+            </a:endParaRPr>
           </a:p>
         </p:txBody>
       </p:sp>
@@ -4549,12 +4662,18 @@
           <a:p>
             <a:r>
               <a:rPr lang="en-US" dirty="0" smtClean="0">
+                <a:solidFill>
+                  <a:srgbClr val="141717"/>
+                </a:solidFill>
                 <a:latin typeface="Franklin Gothic Medium"/>
                 <a:cs typeface="Franklin Gothic Medium"/>
               </a:rPr>
               <a:t>MonoDroid Architecture</a:t>
             </a:r>
             <a:endParaRPr lang="en-US" dirty="0">
+              <a:solidFill>
+                <a:srgbClr val="141717"/>
+              </a:solidFill>
               <a:latin typeface="Franklin Gothic Medium"/>
               <a:cs typeface="Franklin Gothic Medium"/>
             </a:endParaRPr>
@@ -4573,12 +4692,16 @@
         </p:nvPicPr>
         <p:blipFill>
           <a:blip r:embed="rId3" cstate="print"/>
-          <a:srcRect t="-10074" b="-10074"/>
           <a:stretch>
             <a:fillRect/>
           </a:stretch>
         </p:blipFill>
-        <p:spPr/>
+        <p:spPr>
+          <a:xfrm>
+            <a:off x="1585495" y="2496153"/>
+            <a:ext cx="5973009" cy="2734057"/>
+          </a:xfrm>
+        </p:spPr>
       </p:pic>
     </p:spTree>
   </p:cSld>
@@ -4768,6 +4891,9 @@
           <a:p>
             <a:r>
               <a:rPr lang="en-US" dirty="0" smtClean="0">
+                <a:solidFill>
+                  <a:srgbClr val="141717"/>
+                </a:solidFill>
                 <a:latin typeface="Franklin Gothic Medium"/>
                 <a:cs typeface="Franklin Gothic Medium"/>
               </a:rPr>
@@ -4775,6 +4901,9 @@
             </a:r>
             <a:r>
               <a:rPr lang="en-US" dirty="0" err="1" smtClean="0">
+                <a:solidFill>
+                  <a:srgbClr val="141717"/>
+                </a:solidFill>
                 <a:latin typeface="Franklin Gothic Medium"/>
                 <a:cs typeface="Franklin Gothic Medium"/>
               </a:rPr>
@@ -4782,12 +4911,18 @@
             </a:r>
             <a:r>
               <a:rPr lang="en-US" dirty="0" smtClean="0">
+                <a:solidFill>
+                  <a:srgbClr val="141717"/>
+                </a:solidFill>
                 <a:latin typeface="Franklin Gothic Medium"/>
                 <a:cs typeface="Franklin Gothic Medium"/>
               </a:rPr>
               <a:t>?</a:t>
             </a:r>
             <a:endParaRPr lang="en-US" dirty="0">
+              <a:solidFill>
+                <a:srgbClr val="141717"/>
+              </a:solidFill>
               <a:latin typeface="Franklin Gothic Medium"/>
               <a:cs typeface="Franklin Gothic Medium"/>
             </a:endParaRPr>
@@ -4812,68 +4947,112 @@
           <a:lstStyle/>
           <a:p>
             <a:r>
-              <a:rPr lang="en-US" dirty="0" smtClean="0"/>
+              <a:rPr lang="en-US" dirty="0" smtClean="0">
+                <a:solidFill>
+                  <a:srgbClr val="141717"/>
+                </a:solidFill>
+              </a:rPr>
               <a:t>MonoDroid story not as compelling as MonoTouch.</a:t>
             </a:r>
           </a:p>
           <a:p>
             <a:pPr lvl="1"/>
             <a:r>
-              <a:rPr lang="en-US" dirty="0" smtClean="0"/>
+              <a:rPr lang="en-US" dirty="0" smtClean="0">
+                <a:solidFill>
+                  <a:srgbClr val="141717"/>
+                </a:solidFill>
+              </a:rPr>
               <a:t>GC, decent IDE, not Objective-C</a:t>
             </a:r>
           </a:p>
           <a:p>
             <a:r>
-              <a:rPr lang="en-US" dirty="0" smtClean="0"/>
+              <a:rPr lang="en-US" dirty="0" smtClean="0">
+                <a:solidFill>
+                  <a:srgbClr val="141717"/>
+                </a:solidFill>
+              </a:rPr>
               <a:t>Opportunities for re-use across platforms</a:t>
             </a:r>
           </a:p>
           <a:p>
             <a:pPr lvl="1"/>
             <a:r>
-              <a:rPr lang="en-US" dirty="0" smtClean="0"/>
+              <a:rPr lang="en-US" dirty="0" smtClean="0">
+                <a:solidFill>
+                  <a:srgbClr val="141717"/>
+                </a:solidFill>
+              </a:rPr>
               <a:t>iOS, Android, Windows Phone 7 non-UI components</a:t>
             </a:r>
           </a:p>
           <a:p>
             <a:pPr lvl="1"/>
             <a:r>
-              <a:rPr lang="en-US" dirty="0" smtClean="0"/>
+              <a:rPr lang="en-US" dirty="0" smtClean="0">
+                <a:solidFill>
+                  <a:srgbClr val="141717"/>
+                </a:solidFill>
+              </a:rPr>
               <a:t>XNA for games a possibility</a:t>
             </a:r>
           </a:p>
           <a:p>
             <a:r>
-              <a:rPr lang="en-US" dirty="0" smtClean="0"/>
+              <a:rPr lang="en-US" dirty="0" smtClean="0">
+                <a:solidFill>
+                  <a:srgbClr val="141717"/>
+                </a:solidFill>
+              </a:rPr>
               <a:t>Development tooling and environment</a:t>
             </a:r>
           </a:p>
           <a:p>
             <a:pPr lvl="1"/>
             <a:r>
-              <a:rPr lang="en-US" dirty="0" smtClean="0"/>
+              <a:rPr lang="en-US" dirty="0" smtClean="0">
+                <a:solidFill>
+                  <a:srgbClr val="141717"/>
+                </a:solidFill>
+              </a:rPr>
               <a:t>Visual Studio</a:t>
             </a:r>
           </a:p>
           <a:p>
             <a:pPr lvl="1"/>
             <a:r>
-              <a:rPr lang="en-US" dirty="0" err="1" smtClean="0"/>
+              <a:rPr lang="en-US" dirty="0" err="1" smtClean="0">
+                <a:solidFill>
+                  <a:srgbClr val="141717"/>
+                </a:solidFill>
+              </a:rPr>
               <a:t>MonoDevelop</a:t>
             </a:r>
-            <a:endParaRPr lang="en-US" dirty="0" smtClean="0"/>
-          </a:p>
-          <a:p>
-            <a:r>
-              <a:rPr lang="en-US" dirty="0" smtClean="0"/>
+            <a:endParaRPr lang="en-US" dirty="0" smtClean="0">
+              <a:solidFill>
+                <a:srgbClr val="141717"/>
+              </a:solidFill>
+            </a:endParaRPr>
+          </a:p>
+          <a:p>
+            <a:r>
+              <a:rPr lang="en-US" dirty="0" smtClean="0">
+                <a:solidFill>
+                  <a:srgbClr val="141717"/>
+                </a:solidFill>
+              </a:rPr>
               <a:t>C# &gt; Java</a:t>
             </a:r>
           </a:p>
           <a:p>
             <a:pPr lvl="1"/>
             <a:r>
-              <a:rPr lang="en-US" dirty="0" smtClean="0"/>
+              <a:rPr lang="en-US" dirty="0" smtClean="0">
+                <a:solidFill>
+                  <a:srgbClr val="141717"/>
+                </a:solidFill>
+              </a:rPr>
               <a:t>Friction still exists due to Java idioms and architecture.</a:t>
             </a:r>
           </a:p>
@@ -4921,12 +5100,18 @@
           <a:p>
             <a:r>
               <a:rPr lang="en-US" dirty="0" smtClean="0">
+                <a:solidFill>
+                  <a:srgbClr val="141717"/>
+                </a:solidFill>
                 <a:latin typeface="Franklin Gothic Medium"/>
                 <a:cs typeface="Franklin Gothic Medium"/>
               </a:rPr>
               <a:t>Deployment Options</a:t>
             </a:r>
             <a:endParaRPr lang="en-US" dirty="0">
+              <a:solidFill>
+                <a:srgbClr val="141717"/>
+              </a:solidFill>
               <a:latin typeface="Franklin Gothic Medium"/>
               <a:cs typeface="Franklin Gothic Medium"/>
             </a:endParaRPr>
@@ -4956,7 +5141,11 @@
               </a:spcAft>
             </a:pPr>
             <a:r>
-              <a:rPr lang="en-US" sz="2800" dirty="0" smtClean="0"/>
+              <a:rPr lang="en-US" sz="2800" dirty="0" smtClean="0">
+                <a:solidFill>
+                  <a:srgbClr val="141717"/>
+                </a:solidFill>
+              </a:rPr>
               <a:t>Deploy to Android Virtual Device</a:t>
             </a:r>
           </a:p>
@@ -4967,7 +5156,11 @@
               </a:spcAft>
             </a:pPr>
             <a:r>
-              <a:rPr lang="en-US" sz="2800" dirty="0" smtClean="0"/>
+              <a:rPr lang="en-US" sz="2800" dirty="0" smtClean="0">
+                <a:solidFill>
+                  <a:srgbClr val="141717"/>
+                </a:solidFill>
+              </a:rPr>
               <a:t>Deploy to Device</a:t>
             </a:r>
           </a:p>
@@ -4978,7 +5171,11 @@
               </a:spcAft>
             </a:pPr>
             <a:r>
-              <a:rPr lang="en-US" sz="2800" dirty="0" smtClean="0"/>
+              <a:rPr lang="en-US" sz="2800" dirty="0" smtClean="0">
+                <a:solidFill>
+                  <a:srgbClr val="141717"/>
+                </a:solidFill>
+              </a:rPr>
               <a:t>Debug capabilities on both</a:t>
             </a:r>
           </a:p>
@@ -4989,7 +5186,11 @@
               </a:spcAft>
             </a:pPr>
             <a:r>
-              <a:rPr lang="en-US" sz="2800" dirty="0" smtClean="0"/>
+              <a:rPr lang="en-US" sz="2800" dirty="0" smtClean="0">
+                <a:solidFill>
+                  <a:srgbClr val="141717"/>
+                </a:solidFill>
+              </a:rPr>
               <a:t>Sell (eventually) via Android Marketplace</a:t>
             </a:r>
           </a:p>
@@ -5000,7 +5201,11 @@
               </a:spcAft>
             </a:pPr>
             <a:r>
-              <a:rPr lang="en-US" dirty="0" smtClean="0"/>
+              <a:rPr lang="en-US" dirty="0" smtClean="0">
+                <a:solidFill>
+                  <a:srgbClr val="141717"/>
+                </a:solidFill>
+              </a:rPr>
               <a:t>No “Go Live” license yet</a:t>
             </a:r>
           </a:p>
@@ -5011,7 +5216,11 @@
               </a:spcAft>
             </a:pPr>
             <a:r>
-              <a:rPr lang="en-US" dirty="0" smtClean="0"/>
+              <a:rPr lang="en-US" dirty="0" smtClean="0">
+                <a:solidFill>
+                  <a:srgbClr val="141717"/>
+                </a:solidFill>
+              </a:rPr>
               <a:t>$25 Google developer account</a:t>
             </a:r>
           </a:p>
@@ -5061,6 +5270,9 @@
           <a:p>
             <a:r>
               <a:rPr lang="en-US" dirty="0" smtClean="0">
+                <a:solidFill>
+                  <a:srgbClr val="141717"/>
+                </a:solidFill>
                 <a:latin typeface="Franklin Gothic Medium"/>
                 <a:cs typeface="Franklin Gothic Medium"/>
               </a:rPr>
@@ -5090,7 +5302,11 @@
               </a:spcAft>
             </a:pPr>
             <a:r>
-              <a:rPr lang="en-US" dirty="0" smtClean="0"/>
+              <a:rPr lang="en-US" dirty="0" smtClean="0">
+                <a:solidFill>
+                  <a:srgbClr val="141717"/>
+                </a:solidFill>
+              </a:rPr>
               <a:t>Activities</a:t>
             </a:r>
           </a:p>
@@ -5101,7 +5317,11 @@
               </a:spcAft>
             </a:pPr>
             <a:r>
-              <a:rPr lang="en-US" dirty="0" smtClean="0"/>
+              <a:rPr lang="en-US" dirty="0" smtClean="0">
+                <a:solidFill>
+                  <a:srgbClr val="141717"/>
+                </a:solidFill>
+              </a:rPr>
               <a:t>Services</a:t>
             </a:r>
           </a:p>
@@ -5112,7 +5332,11 @@
               </a:spcAft>
             </a:pPr>
             <a:r>
-              <a:rPr lang="en-US" dirty="0" smtClean="0"/>
+              <a:rPr lang="en-US" dirty="0" smtClean="0">
+                <a:solidFill>
+                  <a:srgbClr val="141717"/>
+                </a:solidFill>
+              </a:rPr>
               <a:t>Content Providers</a:t>
             </a:r>
           </a:p>
@@ -5123,7 +5347,11 @@
               </a:spcAft>
             </a:pPr>
             <a:r>
-              <a:rPr lang="en-US" dirty="0" smtClean="0"/>
+              <a:rPr lang="en-US" dirty="0" smtClean="0">
+                <a:solidFill>
+                  <a:srgbClr val="141717"/>
+                </a:solidFill>
+              </a:rPr>
               <a:t>Intents</a:t>
             </a:r>
           </a:p>
@@ -5134,10 +5362,18 @@
               </a:spcAft>
             </a:pPr>
             <a:r>
-              <a:rPr lang="en-US" dirty="0" smtClean="0"/>
+              <a:rPr lang="en-US" dirty="0" smtClean="0">
+                <a:solidFill>
+                  <a:srgbClr val="141717"/>
+                </a:solidFill>
+              </a:rPr>
               <a:t>Resources</a:t>
             </a:r>
-            <a:endParaRPr lang="en-US" dirty="0"/>
+            <a:endParaRPr lang="en-US" dirty="0">
+              <a:solidFill>
+                <a:srgbClr val="141717"/>
+              </a:solidFill>
+            </a:endParaRPr>
           </a:p>
         </p:txBody>
       </p:sp>
@@ -5183,12 +5419,18 @@
           <a:p>
             <a:r>
               <a:rPr lang="en-US" dirty="0" smtClean="0">
+                <a:solidFill>
+                  <a:srgbClr val="141717"/>
+                </a:solidFill>
                 <a:latin typeface="Franklin Gothic Medium"/>
                 <a:cs typeface="Franklin Gothic Medium"/>
               </a:rPr>
               <a:t>Activities</a:t>
             </a:r>
             <a:endParaRPr lang="en-US" dirty="0">
+              <a:solidFill>
+                <a:srgbClr val="141717"/>
+              </a:solidFill>
               <a:latin typeface="Franklin Gothic Medium"/>
               <a:cs typeface="Franklin Gothic Medium"/>
             </a:endParaRPr>
@@ -5213,7 +5455,11 @@
           <a:lstStyle/>
           <a:p>
             <a:r>
-              <a:rPr lang="en-US" dirty="0" smtClean="0"/>
+              <a:rPr lang="en-US" dirty="0" smtClean="0">
+                <a:solidFill>
+                  <a:srgbClr val="141717"/>
+                </a:solidFill>
+              </a:rPr>
               <a:t>Orchestrates a UI view</a:t>
             </a:r>
           </a:p>
@@ -5224,13 +5470,21 @@
               </a:spcAft>
             </a:pPr>
             <a:r>
-              <a:rPr lang="en-US" dirty="0" smtClean="0"/>
+              <a:rPr lang="en-US" dirty="0" smtClean="0">
+                <a:solidFill>
+                  <a:srgbClr val="141717"/>
+                </a:solidFill>
+              </a:rPr>
               <a:t>Applications are composed of 1-to-Many activities</a:t>
             </a:r>
           </a:p>
           <a:p>
             <a:r>
-              <a:rPr lang="en-US" dirty="0" smtClean="0"/>
+              <a:rPr lang="en-US" dirty="0" smtClean="0">
+                <a:solidFill>
+                  <a:srgbClr val="141717"/>
+                </a:solidFill>
+              </a:rPr>
               <a:t>One activity marked as main and shown first upon launch</a:t>
             </a:r>
           </a:p>
@@ -5285,12 +5539,18 @@
           <a:p>
             <a:r>
               <a:rPr lang="en-US" dirty="0" smtClean="0">
+                <a:solidFill>
+                  <a:srgbClr val="141717"/>
+                </a:solidFill>
                 <a:latin typeface="Franklin Gothic Medium"/>
                 <a:cs typeface="Franklin Gothic Medium"/>
               </a:rPr>
               <a:t>Activities - Views</a:t>
             </a:r>
             <a:endParaRPr lang="en-US" dirty="0">
+              <a:solidFill>
+                <a:srgbClr val="141717"/>
+              </a:solidFill>
               <a:latin typeface="Franklin Gothic Medium"/>
               <a:cs typeface="Franklin Gothic Medium"/>
             </a:endParaRPr>
@@ -5315,32 +5575,56 @@
           <a:lstStyle/>
           <a:p>
             <a:r>
-              <a:rPr lang="en-US" dirty="0" smtClean="0"/>
+              <a:rPr lang="en-US" dirty="0" smtClean="0">
+                <a:solidFill>
+                  <a:srgbClr val="141717"/>
+                </a:solidFill>
+              </a:rPr>
               <a:t>Each activity is given a default window to draw in. </a:t>
             </a:r>
           </a:p>
           <a:p>
             <a:r>
-              <a:rPr lang="en-US" dirty="0" smtClean="0"/>
+              <a:rPr lang="en-US" dirty="0" smtClean="0">
+                <a:solidFill>
+                  <a:srgbClr val="141717"/>
+                </a:solidFill>
+              </a:rPr>
               <a:t>Content of the window is provided by a hierarchy of views</a:t>
             </a:r>
           </a:p>
           <a:p>
             <a:r>
-              <a:rPr lang="en-US" dirty="0" smtClean="0"/>
+              <a:rPr lang="en-US" dirty="0" smtClean="0">
+                <a:solidFill>
+                  <a:srgbClr val="141717"/>
+                </a:solidFill>
+              </a:rPr>
               <a:t>A view hierarchy is placed within an activity's window by the </a:t>
             </a:r>
             <a:r>
-              <a:rPr lang="en-US" dirty="0" err="1" smtClean="0"/>
+              <a:rPr lang="en-US" dirty="0" err="1" smtClean="0">
+                <a:solidFill>
+                  <a:srgbClr val="141717"/>
+                </a:solidFill>
+              </a:rPr>
               <a:t>Activity.SetContentView</a:t>
             </a:r>
             <a:r>
-              <a:rPr lang="en-US" dirty="0" smtClean="0"/>
+              <a:rPr lang="en-US" dirty="0" smtClean="0">
+                <a:solidFill>
+                  <a:srgbClr val="141717"/>
+                </a:solidFill>
+              </a:rPr>
               <a:t>()</a:t>
             </a:r>
           </a:p>
           <a:p>
-            <a:endParaRPr lang="en-US" dirty="0"/>
+            <a:endParaRPr lang="en-US" dirty="0">
+              <a:solidFill>
+                <a:srgbClr val="141717"/>
+              </a:solidFill>
+            </a:endParaRPr>
           </a:p>
         </p:txBody>
       </p:sp>
@@ -5499,7 +5783,11 @@
               </a:lnSpc>
             </a:pPr>
             <a:r>
-              <a:rPr lang="en-US" dirty="0" smtClean="0"/>
+              <a:rPr lang="en-US" dirty="0" smtClean="0">
+                <a:solidFill>
+                  <a:srgbClr val="141717"/>
+                </a:solidFill>
+              </a:rPr>
               <a:t>Overview of Android</a:t>
             </a:r>
           </a:p>
@@ -5510,11 +5798,19 @@
               </a:lnSpc>
             </a:pPr>
             <a:r>
-              <a:rPr lang="en-US" dirty="0" err="1" smtClean="0"/>
+              <a:rPr lang="en-US" dirty="0" err="1" smtClean="0">
+                <a:solidFill>
+                  <a:srgbClr val="141717"/>
+                </a:solidFill>
+              </a:rPr>
               <a:t>MonoDroid</a:t>
             </a:r>
             <a:r>
-              <a:rPr lang="en-US" dirty="0" smtClean="0"/>
+              <a:rPr lang="en-US" dirty="0" smtClean="0">
+                <a:solidFill>
+                  <a:srgbClr val="141717"/>
+                </a:solidFill>
+              </a:rPr>
               <a:t> : What, How, Why</a:t>
             </a:r>
           </a:p>
@@ -5525,7 +5821,11 @@
               </a:lnSpc>
             </a:pPr>
             <a:r>
-              <a:rPr lang="en-US" dirty="0" smtClean="0"/>
+              <a:rPr lang="en-US" dirty="0" smtClean="0">
+                <a:solidFill>
+                  <a:srgbClr val="141717"/>
+                </a:solidFill>
+              </a:rPr>
               <a:t>Code Demo</a:t>
             </a:r>
           </a:p>
@@ -5536,10 +5836,18 @@
               </a:lnSpc>
             </a:pPr>
             <a:r>
-              <a:rPr lang="en-US" dirty="0" smtClean="0"/>
+              <a:rPr lang="en-US" dirty="0" smtClean="0">
+                <a:solidFill>
+                  <a:srgbClr val="141717"/>
+                </a:solidFill>
+              </a:rPr>
               <a:t>MonoDroid Resources</a:t>
             </a:r>
-            <a:endParaRPr lang="en-US" dirty="0"/>
+            <a:endParaRPr lang="en-US" dirty="0">
+              <a:solidFill>
+                <a:srgbClr val="141717"/>
+              </a:solidFill>
+            </a:endParaRPr>
           </a:p>
         </p:txBody>
       </p:sp>
@@ -5592,6 +5900,9 @@
           <a:p>
             <a:r>
               <a:rPr lang="en-US" dirty="0" smtClean="0">
+                <a:solidFill>
+                  <a:srgbClr val="141717"/>
+                </a:solidFill>
                 <a:latin typeface="Franklin Gothic Medium"/>
                 <a:cs typeface="Franklin Gothic Medium"/>
               </a:rPr>
@@ -5616,27 +5927,47 @@
           <a:lstStyle/>
           <a:p>
             <a:r>
-              <a:rPr lang="en-US" dirty="0" smtClean="0"/>
+              <a:rPr lang="en-US" dirty="0" smtClean="0">
+                <a:solidFill>
+                  <a:srgbClr val="141717"/>
+                </a:solidFill>
+              </a:rPr>
               <a:t>Android service are what you’d expect.</a:t>
             </a:r>
           </a:p>
           <a:p>
             <a:r>
-              <a:rPr lang="en-US" dirty="0" smtClean="0"/>
+              <a:rPr lang="en-US" dirty="0" smtClean="0">
+                <a:solidFill>
+                  <a:srgbClr val="141717"/>
+                </a:solidFill>
+              </a:rPr>
               <a:t>Possible to bind to an ongoing service and communicate via exposed interface</a:t>
             </a:r>
           </a:p>
           <a:p>
             <a:r>
-              <a:rPr lang="en-US" dirty="0" smtClean="0"/>
+              <a:rPr lang="en-US" dirty="0" smtClean="0">
+                <a:solidFill>
+                  <a:srgbClr val="141717"/>
+                </a:solidFill>
+              </a:rPr>
               <a:t>Runs in main application process but doesn’t block other components or UI</a:t>
             </a:r>
           </a:p>
           <a:p>
-            <a:endParaRPr lang="en-US" dirty="0" smtClean="0"/>
-          </a:p>
-          <a:p>
-            <a:endParaRPr lang="en-US" dirty="0"/>
+            <a:endParaRPr lang="en-US" dirty="0" smtClean="0">
+              <a:solidFill>
+                <a:srgbClr val="141717"/>
+              </a:solidFill>
+            </a:endParaRPr>
+          </a:p>
+          <a:p>
+            <a:endParaRPr lang="en-US" dirty="0">
+              <a:solidFill>
+                <a:srgbClr val="141717"/>
+              </a:solidFill>
+            </a:endParaRPr>
           </a:p>
         </p:txBody>
       </p:sp>
@@ -5682,17 +6013,27 @@
           <a:p>
             <a:r>
               <a:rPr lang="en-US" dirty="0" smtClean="0">
+                <a:solidFill>
+                  <a:srgbClr val="141717"/>
+                </a:solidFill>
                 <a:latin typeface="Franklin Gothic Medium"/>
                 <a:cs typeface="Franklin Gothic Medium"/>
               </a:rPr>
               <a:t>Content</a:t>
             </a:r>
             <a:r>
-              <a:rPr lang="en-US" dirty="0" smtClean="0"/>
+              <a:rPr lang="en-US" dirty="0" smtClean="0">
+                <a:solidFill>
+                  <a:srgbClr val="141717"/>
+                </a:solidFill>
+              </a:rPr>
               <a:t> </a:t>
             </a:r>
             <a:r>
               <a:rPr lang="en-US" dirty="0" smtClean="0">
+                <a:solidFill>
+                  <a:srgbClr val="141717"/>
+                </a:solidFill>
                 <a:latin typeface="Franklin Gothic Medium"/>
                 <a:cs typeface="Franklin Gothic Medium"/>
               </a:rPr>
@@ -5717,50 +6058,82 @@
           <a:lstStyle/>
           <a:p>
             <a:r>
-              <a:rPr lang="en-US" dirty="0" err="1" smtClean="0"/>
+              <a:rPr lang="en-US" dirty="0" err="1" smtClean="0">
+                <a:solidFill>
+                  <a:srgbClr val="141717"/>
+                </a:solidFill>
+              </a:rPr>
               <a:t>Queryable</a:t>
             </a:r>
             <a:r>
-              <a:rPr lang="en-US" dirty="0" smtClean="0"/>
+              <a:rPr lang="en-US" dirty="0" smtClean="0">
+                <a:solidFill>
+                  <a:srgbClr val="141717"/>
+                </a:solidFill>
+              </a:rPr>
               <a:t> application data stores</a:t>
             </a:r>
           </a:p>
           <a:p>
             <a:r>
-              <a:rPr lang="en-US" dirty="0" smtClean="0"/>
+              <a:rPr lang="en-US" dirty="0" smtClean="0">
+                <a:solidFill>
+                  <a:srgbClr val="141717"/>
+                </a:solidFill>
+              </a:rPr>
               <a:t>Only way to share data amongst other apps</a:t>
             </a:r>
           </a:p>
           <a:p>
             <a:r>
-              <a:rPr lang="en-US" dirty="0" smtClean="0"/>
+              <a:rPr lang="en-US" dirty="0" smtClean="0">
+                <a:solidFill>
+                  <a:srgbClr val="141717"/>
+                </a:solidFill>
+              </a:rPr>
               <a:t>Android ships with common providers</a:t>
             </a:r>
           </a:p>
           <a:p>
             <a:pPr lvl="1"/>
             <a:r>
-              <a:rPr lang="en-US" dirty="0" smtClean="0"/>
+              <a:rPr lang="en-US" dirty="0" smtClean="0">
+                <a:solidFill>
+                  <a:srgbClr val="141717"/>
+                </a:solidFill>
+              </a:rPr>
               <a:t>Audio, video, images, contacts, etc.</a:t>
             </a:r>
           </a:p>
           <a:p>
             <a:r>
-              <a:rPr lang="en-US" dirty="0" smtClean="0"/>
+              <a:rPr lang="en-US" dirty="0" smtClean="0">
+                <a:solidFill>
+                  <a:srgbClr val="141717"/>
+                </a:solidFill>
+              </a:rPr>
               <a:t>Making your application’s data public</a:t>
             </a:r>
           </a:p>
           <a:p>
             <a:pPr lvl="1"/>
             <a:r>
-              <a:rPr lang="en-US" dirty="0" smtClean="0"/>
+              <a:rPr lang="en-US" dirty="0" smtClean="0">
+                <a:solidFill>
+                  <a:srgbClr val="141717"/>
+                </a:solidFill>
+              </a:rPr>
               <a:t>Create a new provider</a:t>
             </a:r>
           </a:p>
           <a:p>
             <a:pPr lvl="1"/>
             <a:r>
-              <a:rPr lang="en-US" dirty="0" smtClean="0"/>
+              <a:rPr lang="en-US" dirty="0" smtClean="0">
+                <a:solidFill>
+                  <a:srgbClr val="141717"/>
+                </a:solidFill>
+              </a:rPr>
               <a:t>Add your data to existing provider</a:t>
             </a:r>
           </a:p>
@@ -5810,6 +6183,9 @@
           <a:p>
             <a:r>
               <a:rPr lang="en-US" dirty="0" smtClean="0">
+                <a:solidFill>
+                  <a:srgbClr val="141717"/>
+                </a:solidFill>
                 <a:latin typeface="Franklin Gothic Medium"/>
                 <a:cs typeface="Franklin Gothic Medium"/>
               </a:rPr>
@@ -5834,27 +6210,47 @@
           <a:lstStyle/>
           <a:p>
             <a:r>
-              <a:rPr lang="en-US" dirty="0" smtClean="0"/>
+              <a:rPr lang="en-US" dirty="0" smtClean="0">
+                <a:solidFill>
+                  <a:srgbClr val="141717"/>
+                </a:solidFill>
+              </a:rPr>
               <a:t>Eventing mechanism</a:t>
             </a:r>
           </a:p>
           <a:p>
             <a:r>
-              <a:rPr lang="en-US" dirty="0" smtClean="0"/>
+              <a:rPr lang="en-US" dirty="0" smtClean="0">
+                <a:solidFill>
+                  <a:srgbClr val="141717"/>
+                </a:solidFill>
+              </a:rPr>
               <a:t>Intent objects are passive data that is of interest to the component that is receiving the intent</a:t>
             </a:r>
           </a:p>
           <a:p>
             <a:r>
-              <a:rPr lang="en-US" dirty="0" smtClean="0"/>
+              <a:rPr lang="en-US" dirty="0" smtClean="0">
+                <a:solidFill>
+                  <a:srgbClr val="141717"/>
+                </a:solidFill>
+              </a:rPr>
               <a:t>Filterable</a:t>
             </a:r>
           </a:p>
           <a:p>
-            <a:endParaRPr lang="en-US" dirty="0" smtClean="0"/>
-          </a:p>
-          <a:p>
-            <a:endParaRPr lang="en-US" dirty="0" smtClean="0"/>
+            <a:endParaRPr lang="en-US" dirty="0" smtClean="0">
+              <a:solidFill>
+                <a:srgbClr val="141717"/>
+              </a:solidFill>
+            </a:endParaRPr>
+          </a:p>
+          <a:p>
+            <a:endParaRPr lang="en-US" dirty="0" smtClean="0">
+              <a:solidFill>
+                <a:srgbClr val="141717"/>
+              </a:solidFill>
+            </a:endParaRPr>
           </a:p>
         </p:txBody>
       </p:sp>
@@ -5902,6 +6298,9 @@
           <a:p>
             <a:r>
               <a:rPr lang="en-US" dirty="0" smtClean="0">
+                <a:solidFill>
+                  <a:srgbClr val="141717"/>
+                </a:solidFill>
                 <a:latin typeface="Franklin Gothic Medium"/>
                 <a:cs typeface="Franklin Gothic Medium"/>
               </a:rPr>
@@ -5933,7 +6332,11 @@
               </a:lnSpc>
             </a:pPr>
             <a:r>
-              <a:rPr lang="en-US" dirty="0" smtClean="0"/>
+              <a:rPr lang="en-US" dirty="0" smtClean="0">
+                <a:solidFill>
+                  <a:srgbClr val="141717"/>
+                </a:solidFill>
+              </a:rPr>
               <a:t>Images, layout descriptions, binary blobs and string dictionaries</a:t>
             </a:r>
           </a:p>
@@ -5944,7 +6347,11 @@
               </a:lnSpc>
             </a:pPr>
             <a:r>
-              <a:rPr lang="en-US" dirty="0" smtClean="0"/>
+              <a:rPr lang="en-US" dirty="0" smtClean="0">
+                <a:solidFill>
+                  <a:srgbClr val="141717"/>
+                </a:solidFill>
+              </a:rPr>
               <a:t>Abstraction layer which helps decouples code</a:t>
             </a:r>
           </a:p>
@@ -5955,7 +6362,11 @@
               </a:lnSpc>
             </a:pPr>
             <a:r>
-              <a:rPr lang="en-US" dirty="0" smtClean="0"/>
+              <a:rPr lang="en-US" dirty="0" smtClean="0">
+                <a:solidFill>
+                  <a:srgbClr val="141717"/>
+                </a:solidFill>
+              </a:rPr>
               <a:t>Makes managing assets easier</a:t>
             </a:r>
           </a:p>
@@ -5966,7 +6377,11 @@
               </a:lnSpc>
             </a:pPr>
             <a:r>
-              <a:rPr lang="en-US" dirty="0" smtClean="0"/>
+              <a:rPr lang="en-US" dirty="0" smtClean="0">
+                <a:solidFill>
+                  <a:srgbClr val="141717"/>
+                </a:solidFill>
+              </a:rPr>
               <a:t>Localization</a:t>
             </a:r>
           </a:p>
@@ -5977,7 +6392,11 @@
               </a:lnSpc>
             </a:pPr>
             <a:r>
-              <a:rPr lang="en-US" dirty="0" smtClean="0"/>
+              <a:rPr lang="en-US" dirty="0" smtClean="0">
+                <a:solidFill>
+                  <a:srgbClr val="141717"/>
+                </a:solidFill>
+              </a:rPr>
               <a:t>Multiple displays</a:t>
             </a:r>
           </a:p>
@@ -5988,7 +6407,11 @@
               </a:lnSpc>
             </a:pPr>
             <a:r>
-              <a:rPr lang="en-US" dirty="0" smtClean="0"/>
+              <a:rPr lang="en-US" dirty="0" smtClean="0">
+                <a:solidFill>
+                  <a:srgbClr val="141717"/>
+                </a:solidFill>
+              </a:rPr>
               <a:t>Different hardware configurations</a:t>
             </a:r>
           </a:p>
@@ -6038,6 +6461,9 @@
           <a:p>
             <a:r>
               <a:rPr lang="en-US" dirty="0" smtClean="0">
+                <a:solidFill>
+                  <a:srgbClr val="141717"/>
+                </a:solidFill>
                 <a:latin typeface="Franklin Gothic Medium"/>
                 <a:cs typeface="Franklin Gothic Medium"/>
               </a:rPr>
@@ -6133,12 +6559,18 @@
           <a:p>
             <a:r>
               <a:rPr lang="en-US" dirty="0" smtClean="0">
+                <a:solidFill>
+                  <a:srgbClr val="141717"/>
+                </a:solidFill>
                 <a:latin typeface="Franklin Gothic Medium"/>
                 <a:cs typeface="Franklin Gothic Medium"/>
               </a:rPr>
               <a:t>MonoDroid Resources</a:t>
             </a:r>
             <a:endParaRPr lang="en-US" dirty="0">
+              <a:solidFill>
+                <a:srgbClr val="141717"/>
+              </a:solidFill>
               <a:latin typeface="Franklin Gothic Medium"/>
               <a:cs typeface="Franklin Gothic Medium"/>
             </a:endParaRPr>
@@ -6166,13 +6598,20 @@
               <a:buNone/>
             </a:pPr>
             <a:r>
-              <a:rPr lang="en-US" dirty="0" smtClean="0"/>
+              <a:rPr lang="en-US" dirty="0" smtClean="0">
+                <a:solidFill>
+                  <a:srgbClr val="141717"/>
+                </a:solidFill>
+              </a:rPr>
               <a:t>Download the Preview!</a:t>
             </a:r>
           </a:p>
           <a:p>
             <a:r>
               <a:rPr lang="en-US" dirty="0" smtClean="0">
+                <a:solidFill>
+                  <a:srgbClr val="141717"/>
+                </a:solidFill>
                 <a:latin typeface="Lucida Console"/>
                 <a:cs typeface="Lucida Console"/>
                 <a:hlinkClick r:id="rId2"/>
@@ -6180,6 +6619,9 @@
               <a:t>http://monodroid.net/Welcome</a:t>
             </a:r>
             <a:endParaRPr lang="en-US" dirty="0" smtClean="0">
+              <a:solidFill>
+                <a:srgbClr val="141717"/>
+              </a:solidFill>
               <a:latin typeface="Lucida Console"/>
               <a:cs typeface="Lucida Console"/>
             </a:endParaRPr>
@@ -6188,20 +6630,31 @@
             <a:pPr>
               <a:buNone/>
             </a:pPr>
-            <a:endParaRPr lang="en-US" dirty="0" smtClean="0"/>
+            <a:endParaRPr lang="en-US" dirty="0" smtClean="0">
+              <a:solidFill>
+                <a:srgbClr val="141717"/>
+              </a:solidFill>
+            </a:endParaRPr>
           </a:p>
           <a:p>
             <a:pPr>
               <a:buNone/>
             </a:pPr>
             <a:r>
-              <a:rPr lang="en-US" dirty="0" smtClean="0"/>
+              <a:rPr lang="en-US" dirty="0" smtClean="0">
+                <a:solidFill>
+                  <a:srgbClr val="141717"/>
+                </a:solidFill>
+              </a:rPr>
               <a:t>Links</a:t>
             </a:r>
           </a:p>
           <a:p>
             <a:r>
               <a:rPr lang="en-US" sz="2571" dirty="0" smtClean="0">
+                <a:solidFill>
+                  <a:srgbClr val="141717"/>
+                </a:solidFill>
                 <a:latin typeface="Lucida Console"/>
                 <a:hlinkClick r:id="rId3"/>
               </a:rPr>
@@ -6211,30 +6664,47 @@
           <a:p>
             <a:r>
               <a:rPr lang="en-US" sz="2571" dirty="0" smtClean="0">
+                <a:solidFill>
+                  <a:srgbClr val="141717"/>
+                </a:solidFill>
                 <a:latin typeface="Lucida Console"/>
                 <a:hlinkClick r:id="rId4"/>
               </a:rPr>
               <a:t>http://developer.android.com/</a:t>
             </a:r>
             <a:endParaRPr lang="en-US" sz="2571" dirty="0" smtClean="0">
+              <a:solidFill>
+                <a:srgbClr val="141717"/>
+              </a:solidFill>
               <a:latin typeface="Lucida Console"/>
             </a:endParaRPr>
           </a:p>
           <a:p>
-            <a:endParaRPr lang="en-US" dirty="0" smtClean="0"/>
+            <a:endParaRPr lang="en-US" dirty="0" smtClean="0">
+              <a:solidFill>
+                <a:srgbClr val="141717"/>
+              </a:solidFill>
+            </a:endParaRPr>
           </a:p>
           <a:p>
             <a:pPr>
               <a:buNone/>
             </a:pPr>
             <a:r>
-              <a:rPr lang="en-US" dirty="0" smtClean="0"/>
+              <a:rPr lang="en-US" dirty="0" smtClean="0">
+                <a:solidFill>
+                  <a:srgbClr val="141717"/>
+                </a:solidFill>
+              </a:rPr>
               <a:t>IRC Support / Discussion</a:t>
             </a:r>
           </a:p>
           <a:p>
             <a:r>
               <a:rPr lang="en-US" sz="2581" dirty="0" smtClean="0">
+                <a:solidFill>
+                  <a:srgbClr val="141717"/>
+                </a:solidFill>
                 <a:latin typeface="Lucida Console"/>
                 <a:cs typeface="Lucida Console"/>
               </a:rPr>
@@ -6242,6 +6712,9 @@
             </a:r>
             <a:r>
               <a:rPr lang="en-US" sz="2581" dirty="0" err="1" smtClean="0">
+                <a:solidFill>
+                  <a:srgbClr val="141717"/>
+                </a:solidFill>
                 <a:latin typeface="Lucida Console"/>
                 <a:cs typeface="Lucida Console"/>
               </a:rPr>
@@ -6249,6 +6722,9 @@
             </a:r>
             <a:r>
               <a:rPr lang="en-US" sz="2581" dirty="0" smtClean="0">
+                <a:solidFill>
+                  <a:srgbClr val="141717"/>
+                </a:solidFill>
                 <a:latin typeface="Lucida Console"/>
                 <a:cs typeface="Lucida Console"/>
               </a:rPr>
@@ -6256,31 +6732,48 @@
             </a:r>
             <a:r>
               <a:rPr lang="en-US" sz="2581" dirty="0" err="1" smtClean="0">
+                <a:solidFill>
+                  <a:srgbClr val="141717"/>
+                </a:solidFill>
                 <a:latin typeface="Lucida Console"/>
                 <a:cs typeface="Lucida Console"/>
               </a:rPr>
               <a:t>irc.gnome.org</a:t>
             </a:r>
             <a:endParaRPr lang="en-US" sz="2581" dirty="0" smtClean="0">
+              <a:solidFill>
+                <a:srgbClr val="141717"/>
+              </a:solidFill>
               <a:latin typeface="Lucida Console"/>
               <a:cs typeface="Lucida Console"/>
             </a:endParaRPr>
           </a:p>
           <a:p>
-            <a:endParaRPr lang="en-US" dirty="0" smtClean="0"/>
+            <a:endParaRPr lang="en-US" dirty="0" smtClean="0">
+              <a:solidFill>
+                <a:srgbClr val="141717"/>
+              </a:solidFill>
+            </a:endParaRPr>
           </a:p>
           <a:p>
             <a:pPr>
               <a:buNone/>
             </a:pPr>
             <a:r>
-              <a:rPr lang="en-US" dirty="0" smtClean="0"/>
+              <a:rPr lang="en-US" dirty="0" smtClean="0">
+                <a:solidFill>
+                  <a:srgbClr val="141717"/>
+                </a:solidFill>
+              </a:rPr>
               <a:t>Code</a:t>
             </a:r>
           </a:p>
           <a:p>
             <a:r>
               <a:rPr lang="en-US" sz="2571" dirty="0" smtClean="0">
+                <a:solidFill>
+                  <a:srgbClr val="141717"/>
+                </a:solidFill>
                 <a:latin typeface="Lucida Console"/>
                 <a:cs typeface="Lucida Console"/>
                 <a:hlinkClick r:id="rId5"/>
@@ -6288,6 +6781,9 @@
               <a:t>https://github.com/mono/monodroid-samples</a:t>
             </a:r>
             <a:endParaRPr lang="en-US" sz="2571" dirty="0" smtClean="0">
+              <a:solidFill>
+                <a:srgbClr val="141717"/>
+              </a:solidFill>
               <a:latin typeface="Lucida Console"/>
               <a:cs typeface="Lucida Console"/>
             </a:endParaRPr>
@@ -6295,13 +6791,20 @@
           <a:p>
             <a:r>
               <a:rPr lang="en-US" sz="2571" dirty="0" smtClean="0">
+                <a:solidFill>
+                  <a:srgbClr val="141717"/>
+                </a:solidFill>
                 <a:latin typeface="Lucida Console"/>
                 <a:cs typeface="Lucida Console"/>
                 <a:hlinkClick r:id="rId6"/>
               </a:rPr>
               <a:t>https://github.com/kevinmcmahon/MonoDroid101</a:t>
             </a:r>
-            <a:endParaRPr lang="en-US" sz="2400" dirty="0" smtClean="0"/>
+            <a:endParaRPr lang="en-US" sz="2400" dirty="0" smtClean="0">
+              <a:solidFill>
+                <a:srgbClr val="141717"/>
+              </a:solidFill>
+            </a:endParaRPr>
           </a:p>
         </p:txBody>
       </p:sp>
@@ -6347,21 +6850,34 @@
           <a:p>
             <a:r>
               <a:rPr lang="en-US" dirty="0" smtClean="0">
+                <a:solidFill>
+                  <a:srgbClr val="141717"/>
+                </a:solidFill>
                 <a:latin typeface="Franklin Gothic Medium"/>
               </a:rPr>
               <a:t>What</a:t>
             </a:r>
             <a:r>
-              <a:rPr lang="en-US" dirty="0" smtClean="0"/>
+              <a:rPr lang="en-US" dirty="0" smtClean="0">
+                <a:solidFill>
+                  <a:srgbClr val="141717"/>
+                </a:solidFill>
+              </a:rPr>
               <a:t> </a:t>
             </a:r>
             <a:r>
               <a:rPr lang="en-US" dirty="0" smtClean="0">
+                <a:solidFill>
+                  <a:srgbClr val="141717"/>
+                </a:solidFill>
                 <a:latin typeface="Franklin Gothic Medium"/>
               </a:rPr>
               <a:t>is Android?</a:t>
             </a:r>
             <a:endParaRPr lang="en-US" dirty="0">
+              <a:solidFill>
+                <a:srgbClr val="141717"/>
+              </a:solidFill>
               <a:latin typeface="Franklin Gothic Medium"/>
             </a:endParaRPr>
           </a:p>
@@ -6390,8 +6906,16 @@
               </a:lnSpc>
             </a:pPr>
             <a:r>
+              <a:rPr lang="en-US" dirty="0" smtClean="0">
+                <a:solidFill>
+                  <a:srgbClr val="141717"/>
+                </a:solidFill>
+              </a:rPr>
+              <a:t>Application</a:t>
+            </a:r>
+            <a:r>
               <a:rPr lang="en-US" dirty="0" smtClean="0"/>
-              <a:t>Application Framework</a:t>
+              <a:t> Framework</a:t>
             </a:r>
           </a:p>
           <a:p>
@@ -6490,16 +7014,26 @@
           <a:p>
             <a:r>
               <a:rPr lang="en-US" dirty="0" smtClean="0">
+                <a:solidFill>
+                  <a:srgbClr val="141717"/>
+                </a:solidFill>
                 <a:latin typeface="Franklin Gothic Medium" pitchFamily="34" charset="0"/>
               </a:rPr>
               <a:t>Android</a:t>
             </a:r>
             <a:r>
-              <a:rPr lang="en-US" dirty="0" smtClean="0"/>
+              <a:rPr lang="en-US" dirty="0" smtClean="0">
+                <a:solidFill>
+                  <a:srgbClr val="141717"/>
+                </a:solidFill>
+              </a:rPr>
               <a:t> </a:t>
             </a:r>
             <a:r>
               <a:rPr lang="en-US" dirty="0" smtClean="0">
+                <a:solidFill>
+                  <a:srgbClr val="141717"/>
+                </a:solidFill>
                 <a:latin typeface="Franklin Gothic Medium" pitchFamily="34" charset="0"/>
               </a:rPr>
               <a:t>Stack</a:t>
@@ -6521,7 +7055,7 @@
           <a:blip r:embed="rId2" cstate="print">
             <a:extLst>
               <a:ext uri="{28A0092B-C50C-407E-A947-70E740481C1C}">
-                <a14:useLocalDpi xmlns:a14="http://schemas.microsoft.com/office/drawing/2010/main" xmlns="" val="0"/>
+                <a14:useLocalDpi xmlns="" xmlns:a14="http://schemas.microsoft.com/office/drawing/2010/main" val="0"/>
               </a:ext>
             </a:extLst>
           </a:blip>
@@ -6531,8 +7065,8 @@
         </p:blipFill>
         <p:spPr>
           <a:xfrm>
-            <a:off x="1175864" y="1447119"/>
-            <a:ext cx="6792273" cy="4877481"/>
+            <a:off x="1420621" y="1600200"/>
+            <a:ext cx="6302757" cy="4525963"/>
           </a:xfrm>
           <a:prstGeom prst="rect">
             <a:avLst/>
@@ -6617,7 +7151,7 @@
           <a:blip r:embed="rId3" cstate="print">
             <a:extLst>
               <a:ext uri="{28A0092B-C50C-407E-A947-70E740481C1C}">
-                <a14:useLocalDpi xmlns:a14="http://schemas.microsoft.com/office/drawing/2010/main" xmlns="" val="0"/>
+                <a14:useLocalDpi xmlns="" xmlns:a14="http://schemas.microsoft.com/office/drawing/2010/main" val="0"/>
               </a:ext>
             </a:extLst>
           </a:blip>
@@ -6684,16 +7218,26 @@
           <a:p>
             <a:r>
               <a:rPr lang="en-US" dirty="0" smtClean="0">
+                <a:solidFill>
+                  <a:srgbClr val="141717"/>
+                </a:solidFill>
                 <a:latin typeface="Franklin Gothic Medium" pitchFamily="34" charset="0"/>
               </a:rPr>
               <a:t>Android</a:t>
             </a:r>
             <a:r>
-              <a:rPr lang="en-US" dirty="0" smtClean="0"/>
+              <a:rPr lang="en-US" dirty="0" smtClean="0">
+                <a:solidFill>
+                  <a:srgbClr val="141717"/>
+                </a:solidFill>
+              </a:rPr>
               <a:t> </a:t>
             </a:r>
             <a:r>
               <a:rPr lang="en-US" dirty="0" smtClean="0">
+                <a:solidFill>
+                  <a:srgbClr val="141717"/>
+                </a:solidFill>
                 <a:latin typeface="Franklin Gothic Medium" pitchFamily="34" charset="0"/>
               </a:rPr>
               <a:t>Stack</a:t>
@@ -6713,7 +7257,7 @@
           <a:blip r:embed="rId2" cstate="print">
             <a:extLst>
               <a:ext uri="{28A0092B-C50C-407E-A947-70E740481C1C}">
-                <a14:useLocalDpi xmlns:a14="http://schemas.microsoft.com/office/drawing/2010/main" xmlns="" val="0"/>
+                <a14:useLocalDpi xmlns="" xmlns:a14="http://schemas.microsoft.com/office/drawing/2010/main" val="0"/>
               </a:ext>
             </a:extLst>
           </a:blip>
@@ -6811,7 +7355,7 @@
           <a:blip r:embed="rId3" cstate="print">
             <a:extLst>
               <a:ext uri="{28A0092B-C50C-407E-A947-70E740481C1C}">
-                <a14:useLocalDpi xmlns:a14="http://schemas.microsoft.com/office/drawing/2010/main" xmlns="" val="0"/>
+                <a14:useLocalDpi xmlns="" xmlns:a14="http://schemas.microsoft.com/office/drawing/2010/main" val="0"/>
               </a:ext>
             </a:extLst>
           </a:blip>
@@ -6821,8 +7365,8 @@
         </p:blipFill>
         <p:spPr>
           <a:xfrm>
-            <a:off x="1175864" y="1447119"/>
-            <a:ext cx="6792273" cy="4877481"/>
+            <a:off x="1420621" y="1600200"/>
+            <a:ext cx="6302757" cy="4525963"/>
           </a:xfrm>
           <a:prstGeom prst="rect">
             <a:avLst/>
@@ -6878,16 +7422,26 @@
           <a:p>
             <a:r>
               <a:rPr lang="en-US" dirty="0" smtClean="0">
+                <a:solidFill>
+                  <a:srgbClr val="141717"/>
+                </a:solidFill>
                 <a:latin typeface="Franklin Gothic Medium" pitchFamily="34" charset="0"/>
               </a:rPr>
               <a:t>Android</a:t>
             </a:r>
             <a:r>
-              <a:rPr lang="en-US" dirty="0" smtClean="0"/>
+              <a:rPr lang="en-US" dirty="0" smtClean="0">
+                <a:solidFill>
+                  <a:srgbClr val="141717"/>
+                </a:solidFill>
+              </a:rPr>
               <a:t> </a:t>
             </a:r>
             <a:r>
               <a:rPr lang="en-US" dirty="0" smtClean="0">
+                <a:solidFill>
+                  <a:srgbClr val="141717"/>
+                </a:solidFill>
                 <a:latin typeface="Franklin Gothic Medium" pitchFamily="34" charset="0"/>
               </a:rPr>
               <a:t>Stack</a:t>
@@ -6909,7 +7463,7 @@
           <a:blip r:embed="rId2" cstate="print">
             <a:extLst>
               <a:ext uri="{28A0092B-C50C-407E-A947-70E740481C1C}">
-                <a14:useLocalDpi xmlns:a14="http://schemas.microsoft.com/office/drawing/2010/main" xmlns="" val="0"/>
+                <a14:useLocalDpi xmlns="" xmlns:a14="http://schemas.microsoft.com/office/drawing/2010/main" val="0"/>
               </a:ext>
             </a:extLst>
           </a:blip>
@@ -6919,8 +7473,8 @@
         </p:blipFill>
         <p:spPr>
           <a:xfrm>
-            <a:off x="1175864" y="1447119"/>
-            <a:ext cx="6792273" cy="4877481"/>
+            <a:off x="1420621" y="1600200"/>
+            <a:ext cx="6302757" cy="4525963"/>
           </a:xfrm>
           <a:prstGeom prst="rect">
             <a:avLst/>
@@ -6978,11 +7532,17 @@
           <a:p>
             <a:r>
               <a:rPr lang="en-US" dirty="0" smtClean="0">
+                <a:solidFill>
+                  <a:srgbClr val="141717"/>
+                </a:solidFill>
                 <a:latin typeface="Franklin Gothic Medium" pitchFamily="34" charset="0"/>
               </a:rPr>
               <a:t>Dalvik Virtual Machine</a:t>
             </a:r>
             <a:endParaRPr lang="en-US" dirty="0">
+              <a:solidFill>
+                <a:srgbClr val="141717"/>
+              </a:solidFill>
               <a:latin typeface="Franklin Gothic Medium" pitchFamily="34" charset="0"/>
             </a:endParaRPr>
           </a:p>
@@ -7006,71 +7566,119 @@
           <a:lstStyle/>
           <a:p>
             <a:r>
-              <a:rPr lang="en-US" dirty="0" smtClean="0"/>
+              <a:rPr lang="en-US" dirty="0" smtClean="0">
+                <a:solidFill>
+                  <a:srgbClr val="141717"/>
+                </a:solidFill>
+              </a:rPr>
               <a:t>Dalvik Virtual Machine</a:t>
             </a:r>
           </a:p>
           <a:p>
             <a:pPr lvl="1"/>
             <a:r>
-              <a:rPr lang="en-US" dirty="0" smtClean="0"/>
+              <a:rPr lang="en-US" dirty="0" smtClean="0">
+                <a:solidFill>
+                  <a:srgbClr val="141717"/>
+                </a:solidFill>
+              </a:rPr>
               <a:t>Register-based</a:t>
             </a:r>
           </a:p>
           <a:p>
             <a:pPr lvl="1"/>
             <a:r>
-              <a:rPr lang="en-US" dirty="0" smtClean="0"/>
+              <a:rPr lang="en-US" dirty="0" smtClean="0">
+                <a:solidFill>
+                  <a:srgbClr val="141717"/>
+                </a:solidFill>
+              </a:rPr>
               <a:t>Runs multiple </a:t>
             </a:r>
             <a:r>
-              <a:rPr lang="en-US" dirty="0" err="1" smtClean="0"/>
+              <a:rPr lang="en-US" dirty="0" err="1" smtClean="0">
+                <a:solidFill>
+                  <a:srgbClr val="141717"/>
+                </a:solidFill>
+              </a:rPr>
               <a:t>VMs</a:t>
             </a:r>
             <a:r>
-              <a:rPr lang="en-US" dirty="0" smtClean="0"/>
+              <a:rPr lang="en-US" dirty="0" smtClean="0">
+                <a:solidFill>
+                  <a:srgbClr val="141717"/>
+                </a:solidFill>
+              </a:rPr>
               <a:t> efficiently</a:t>
             </a:r>
           </a:p>
           <a:p>
             <a:pPr lvl="1"/>
             <a:r>
-              <a:rPr lang="en-US" dirty="0" smtClean="0"/>
+              <a:rPr lang="en-US" dirty="0" smtClean="0">
+                <a:solidFill>
+                  <a:srgbClr val="141717"/>
+                </a:solidFill>
+              </a:rPr>
               <a:t>Requires a .class to .</a:t>
             </a:r>
             <a:r>
-              <a:rPr lang="en-US" dirty="0" err="1" smtClean="0"/>
+              <a:rPr lang="en-US" dirty="0" err="1" smtClean="0">
+                <a:solidFill>
+                  <a:srgbClr val="141717"/>
+                </a:solidFill>
+              </a:rPr>
               <a:t>dex</a:t>
             </a:r>
             <a:r>
-              <a:rPr lang="en-US" dirty="0" smtClean="0"/>
+              <a:rPr lang="en-US" dirty="0" smtClean="0">
+                <a:solidFill>
+                  <a:srgbClr val="141717"/>
+                </a:solidFill>
+              </a:rPr>
               <a:t> transformation</a:t>
             </a:r>
           </a:p>
           <a:p>
             <a:pPr lvl="1"/>
             <a:r>
-              <a:rPr lang="en-US" dirty="0" smtClean="0"/>
+              <a:rPr lang="en-US" dirty="0" smtClean="0">
+                <a:solidFill>
+                  <a:srgbClr val="141717"/>
+                </a:solidFill>
+              </a:rPr>
               <a:t>JIT (as of Android 2.2)</a:t>
             </a:r>
           </a:p>
           <a:p>
             <a:r>
-              <a:rPr lang="en-US" dirty="0" smtClean="0"/>
+              <a:rPr lang="en-US" dirty="0" smtClean="0">
+                <a:solidFill>
+                  <a:srgbClr val="141717"/>
+                </a:solidFill>
+              </a:rPr>
               <a:t>Each Android Application:</a:t>
             </a:r>
           </a:p>
           <a:p>
             <a:pPr lvl="1"/>
             <a:r>
-              <a:rPr lang="en-US" dirty="0" smtClean="0"/>
+              <a:rPr lang="en-US" dirty="0" smtClean="0">
+                <a:solidFill>
+                  <a:srgbClr val="141717"/>
+                </a:solidFill>
+              </a:rPr>
               <a:t>Runs in their own process </a:t>
             </a:r>
           </a:p>
           <a:p>
             <a:pPr lvl="1"/>
             <a:r>
-              <a:rPr lang="en-US" dirty="0" smtClean="0"/>
+              <a:rPr lang="en-US" dirty="0" smtClean="0">
+                <a:solidFill>
+                  <a:srgbClr val="141717"/>
+                </a:solidFill>
+              </a:rPr>
               <a:t>Runs on their own VM</a:t>
             </a:r>
           </a:p>
@@ -7092,7 +7700,7 @@
 </file>
 
 <file path=ppt/theme/theme1.xml><?xml version="1.0" encoding="utf-8"?>
-<a:theme xmlns:a="http://schemas.openxmlformats.org/drawingml/2006/main" name="Office Theme">
+<a:theme xmlns:a="http://schemas.openxmlformats.org/drawingml/2006/main" name="MonoDroid101">
   <a:themeElements>
     <a:clrScheme name="Office">
       <a:dk1>

--- a/slides/Monodroid101.pptx
+++ b/slides/Monodroid101.pptx
@@ -5,7 +5,7 @@
     <p:sldMasterId id="2147483696" r:id="rId1"/>
   </p:sldMasterIdLst>
   <p:notesMasterIdLst>
-    <p:notesMasterId r:id="rId27"/>
+    <p:notesMasterId r:id="rId29"/>
   </p:notesMasterIdLst>
   <p:sldIdLst>
     <p:sldId id="256" r:id="rId2"/>
@@ -28,11 +28,13 @@
     <p:sldId id="269" r:id="rId19"/>
     <p:sldId id="270" r:id="rId20"/>
     <p:sldId id="273" r:id="rId21"/>
-    <p:sldId id="274" r:id="rId22"/>
-    <p:sldId id="278" r:id="rId23"/>
-    <p:sldId id="279" r:id="rId24"/>
-    <p:sldId id="280" r:id="rId25"/>
-    <p:sldId id="259" r:id="rId26"/>
+    <p:sldId id="286" r:id="rId22"/>
+    <p:sldId id="274" r:id="rId23"/>
+    <p:sldId id="287" r:id="rId24"/>
+    <p:sldId id="278" r:id="rId25"/>
+    <p:sldId id="279" r:id="rId26"/>
+    <p:sldId id="280" r:id="rId27"/>
+    <p:sldId id="259" r:id="rId28"/>
   </p:sldIdLst>
   <p:sldSz cx="9144000" cy="6858000" type="screen4x3"/>
   <p:notesSz cx="6858000" cy="9144000"/>
@@ -134,6 +136,3631 @@
 </p:presentation>
 </file>
 
+<file path=ppt/diagrams/colors1.xml><?xml version="1.0" encoding="utf-8"?>
+<dgm:colorsDef xmlns:dgm="http://schemas.openxmlformats.org/drawingml/2006/diagram" xmlns:a="http://schemas.openxmlformats.org/drawingml/2006/main" uniqueId="urn:microsoft.com/office/officeart/2005/8/colors/colorful2">
+  <dgm:title val=""/>
+  <dgm:desc val=""/>
+  <dgm:catLst>
+    <dgm:cat type="colorful" pri="10200"/>
+  </dgm:catLst>
+  <dgm:styleLbl name="node0">
+    <dgm:fillClrLst meth="repeat">
+      <a:schemeClr val="accent1"/>
+    </dgm:fillClrLst>
+    <dgm:linClrLst meth="repeat">
+      <a:schemeClr val="lt1"/>
+    </dgm:linClrLst>
+    <dgm:effectClrLst/>
+    <dgm:txLinClrLst/>
+    <dgm:txFillClrLst/>
+    <dgm:txEffectClrLst/>
+  </dgm:styleLbl>
+  <dgm:styleLbl name="node1">
+    <dgm:fillClrLst>
+      <a:schemeClr val="accent2"/>
+      <a:schemeClr val="accent3"/>
+    </dgm:fillClrLst>
+    <dgm:linClrLst meth="repeat">
+      <a:schemeClr val="lt1"/>
+    </dgm:linClrLst>
+    <dgm:effectClrLst/>
+    <dgm:txLinClrLst/>
+    <dgm:txFillClrLst/>
+    <dgm:txEffectClrLst/>
+  </dgm:styleLbl>
+  <dgm:styleLbl name="alignNode1">
+    <dgm:fillClrLst>
+      <a:schemeClr val="accent2"/>
+      <a:schemeClr val="accent3"/>
+    </dgm:fillClrLst>
+    <dgm:linClrLst>
+      <a:schemeClr val="accent2"/>
+      <a:schemeClr val="accent3"/>
+    </dgm:linClrLst>
+    <dgm:effectClrLst/>
+    <dgm:txLinClrLst/>
+    <dgm:txFillClrLst/>
+    <dgm:txEffectClrLst/>
+  </dgm:styleLbl>
+  <dgm:styleLbl name="lnNode1">
+    <dgm:fillClrLst>
+      <a:schemeClr val="accent2"/>
+      <a:schemeClr val="accent3"/>
+    </dgm:fillClrLst>
+    <dgm:linClrLst meth="repeat">
+      <a:schemeClr val="lt1"/>
+    </dgm:linClrLst>
+    <dgm:effectClrLst/>
+    <dgm:txLinClrLst/>
+    <dgm:txFillClrLst/>
+    <dgm:txEffectClrLst/>
+  </dgm:styleLbl>
+  <dgm:styleLbl name="vennNode1">
+    <dgm:fillClrLst>
+      <a:schemeClr val="accent2">
+        <a:alpha val="50000"/>
+      </a:schemeClr>
+      <a:schemeClr val="accent3">
+        <a:alpha val="50000"/>
+      </a:schemeClr>
+    </dgm:fillClrLst>
+    <dgm:linClrLst meth="repeat">
+      <a:schemeClr val="lt1"/>
+    </dgm:linClrLst>
+    <dgm:effectClrLst/>
+    <dgm:txLinClrLst/>
+    <dgm:txFillClrLst/>
+    <dgm:txEffectClrLst/>
+  </dgm:styleLbl>
+  <dgm:styleLbl name="node2">
+    <dgm:fillClrLst>
+      <a:schemeClr val="accent3"/>
+    </dgm:fillClrLst>
+    <dgm:linClrLst meth="repeat">
+      <a:schemeClr val="lt1"/>
+    </dgm:linClrLst>
+    <dgm:effectClrLst/>
+    <dgm:txLinClrLst/>
+    <dgm:txFillClrLst/>
+    <dgm:txEffectClrLst/>
+  </dgm:styleLbl>
+  <dgm:styleLbl name="node3">
+    <dgm:fillClrLst>
+      <a:schemeClr val="accent4"/>
+    </dgm:fillClrLst>
+    <dgm:linClrLst meth="repeat">
+      <a:schemeClr val="lt1"/>
+    </dgm:linClrLst>
+    <dgm:effectClrLst/>
+    <dgm:txLinClrLst/>
+    <dgm:txFillClrLst/>
+    <dgm:txEffectClrLst/>
+  </dgm:styleLbl>
+  <dgm:styleLbl name="node4">
+    <dgm:fillClrLst>
+      <a:schemeClr val="accent5"/>
+    </dgm:fillClrLst>
+    <dgm:linClrLst meth="repeat">
+      <a:schemeClr val="lt1"/>
+    </dgm:linClrLst>
+    <dgm:effectClrLst/>
+    <dgm:txLinClrLst/>
+    <dgm:txFillClrLst/>
+    <dgm:txEffectClrLst/>
+  </dgm:styleLbl>
+  <dgm:styleLbl name="fgImgPlace1">
+    <dgm:fillClrLst>
+      <a:schemeClr val="accent2">
+        <a:tint val="50000"/>
+      </a:schemeClr>
+      <a:schemeClr val="accent3">
+        <a:tint val="50000"/>
+      </a:schemeClr>
+    </dgm:fillClrLst>
+    <dgm:linClrLst meth="repeat">
+      <a:schemeClr val="lt1"/>
+    </dgm:linClrLst>
+    <dgm:effectClrLst/>
+    <dgm:txLinClrLst/>
+    <dgm:txFillClrLst meth="repeat">
+      <a:schemeClr val="lt1"/>
+    </dgm:txFillClrLst>
+    <dgm:txEffectClrLst/>
+  </dgm:styleLbl>
+  <dgm:styleLbl name="alignImgPlace1">
+    <dgm:fillClrLst>
+      <a:schemeClr val="accent2">
+        <a:tint val="50000"/>
+      </a:schemeClr>
+      <a:schemeClr val="accent3">
+        <a:tint val="20000"/>
+      </a:schemeClr>
+    </dgm:fillClrLst>
+    <dgm:linClrLst meth="repeat">
+      <a:schemeClr val="lt1"/>
+    </dgm:linClrLst>
+    <dgm:effectClrLst/>
+    <dgm:txLinClrLst/>
+    <dgm:txFillClrLst meth="repeat">
+      <a:schemeClr val="lt1"/>
+    </dgm:txFillClrLst>
+    <dgm:txEffectClrLst/>
+  </dgm:styleLbl>
+  <dgm:styleLbl name="bgImgPlace1">
+    <dgm:fillClrLst>
+      <a:schemeClr val="accent2">
+        <a:tint val="50000"/>
+      </a:schemeClr>
+      <a:schemeClr val="accent3">
+        <a:tint val="20000"/>
+      </a:schemeClr>
+    </dgm:fillClrLst>
+    <dgm:linClrLst meth="repeat">
+      <a:schemeClr val="lt1"/>
+    </dgm:linClrLst>
+    <dgm:effectClrLst/>
+    <dgm:txLinClrLst/>
+    <dgm:txFillClrLst meth="repeat">
+      <a:schemeClr val="lt1"/>
+    </dgm:txFillClrLst>
+    <dgm:txEffectClrLst/>
+  </dgm:styleLbl>
+  <dgm:styleLbl name="sibTrans2D1">
+    <dgm:fillClrLst>
+      <a:schemeClr val="accent2"/>
+      <a:schemeClr val="accent3"/>
+    </dgm:fillClrLst>
+    <dgm:linClrLst meth="repeat">
+      <a:schemeClr val="lt1"/>
+    </dgm:linClrLst>
+    <dgm:effectClrLst/>
+    <dgm:txLinClrLst/>
+    <dgm:txFillClrLst/>
+    <dgm:txEffectClrLst/>
+  </dgm:styleLbl>
+  <dgm:styleLbl name="fgSibTrans2D1">
+    <dgm:fillClrLst>
+      <a:schemeClr val="accent2"/>
+      <a:schemeClr val="accent3"/>
+    </dgm:fillClrLst>
+    <dgm:linClrLst meth="repeat">
+      <a:schemeClr val="lt1"/>
+    </dgm:linClrLst>
+    <dgm:effectClrLst/>
+    <dgm:txLinClrLst/>
+    <dgm:txFillClrLst meth="repeat">
+      <a:schemeClr val="lt1"/>
+    </dgm:txFillClrLst>
+    <dgm:txEffectClrLst/>
+  </dgm:styleLbl>
+  <dgm:styleLbl name="bgSibTrans2D1">
+    <dgm:fillClrLst>
+      <a:schemeClr val="accent2"/>
+      <a:schemeClr val="accent3"/>
+    </dgm:fillClrLst>
+    <dgm:linClrLst meth="repeat">
+      <a:schemeClr val="lt1"/>
+    </dgm:linClrLst>
+    <dgm:effectClrLst/>
+    <dgm:txLinClrLst/>
+    <dgm:txFillClrLst meth="repeat">
+      <a:schemeClr val="lt1"/>
+    </dgm:txFillClrLst>
+    <dgm:txEffectClrLst/>
+  </dgm:styleLbl>
+  <dgm:styleLbl name="sibTrans1D1">
+    <dgm:fillClrLst/>
+    <dgm:linClrLst>
+      <a:schemeClr val="accent2"/>
+      <a:schemeClr val="accent3"/>
+    </dgm:linClrLst>
+    <dgm:effectClrLst/>
+    <dgm:txLinClrLst/>
+    <dgm:txFillClrLst meth="repeat">
+      <a:schemeClr val="tx1"/>
+    </dgm:txFillClrLst>
+    <dgm:txEffectClrLst/>
+  </dgm:styleLbl>
+  <dgm:styleLbl name="callout">
+    <dgm:fillClrLst meth="repeat">
+      <a:schemeClr val="accent2"/>
+    </dgm:fillClrLst>
+    <dgm:linClrLst meth="repeat">
+      <a:schemeClr val="accent2">
+        <a:tint val="50000"/>
+      </a:schemeClr>
+    </dgm:linClrLst>
+    <dgm:effectClrLst/>
+    <dgm:txLinClrLst/>
+    <dgm:txFillClrLst meth="repeat">
+      <a:schemeClr val="tx1"/>
+    </dgm:txFillClrLst>
+    <dgm:txEffectClrLst/>
+  </dgm:styleLbl>
+  <dgm:styleLbl name="asst0">
+    <dgm:fillClrLst meth="repeat">
+      <a:schemeClr val="accent2"/>
+    </dgm:fillClrLst>
+    <dgm:linClrLst meth="repeat">
+      <a:schemeClr val="lt1">
+        <a:shade val="80000"/>
+      </a:schemeClr>
+    </dgm:linClrLst>
+    <dgm:effectClrLst/>
+    <dgm:txLinClrLst/>
+    <dgm:txFillClrLst/>
+    <dgm:txEffectClrLst/>
+  </dgm:styleLbl>
+  <dgm:styleLbl name="asst1">
+    <dgm:fillClrLst meth="repeat">
+      <a:schemeClr val="accent3"/>
+    </dgm:fillClrLst>
+    <dgm:linClrLst meth="repeat">
+      <a:schemeClr val="lt1">
+        <a:shade val="80000"/>
+      </a:schemeClr>
+    </dgm:linClrLst>
+    <dgm:effectClrLst/>
+    <dgm:txLinClrLst/>
+    <dgm:txFillClrLst/>
+    <dgm:txEffectClrLst/>
+  </dgm:styleLbl>
+  <dgm:styleLbl name="asst2">
+    <dgm:fillClrLst>
+      <a:schemeClr val="accent4"/>
+    </dgm:fillClrLst>
+    <dgm:linClrLst meth="repeat">
+      <a:schemeClr val="lt1"/>
+    </dgm:linClrLst>
+    <dgm:effectClrLst/>
+    <dgm:txLinClrLst/>
+    <dgm:txFillClrLst/>
+    <dgm:txEffectClrLst/>
+  </dgm:styleLbl>
+  <dgm:styleLbl name="asst3">
+    <dgm:fillClrLst>
+      <a:schemeClr val="accent5"/>
+    </dgm:fillClrLst>
+    <dgm:linClrLst meth="repeat">
+      <a:schemeClr val="lt1"/>
+    </dgm:linClrLst>
+    <dgm:effectClrLst/>
+    <dgm:txLinClrLst/>
+    <dgm:txFillClrLst/>
+    <dgm:txEffectClrLst/>
+  </dgm:styleLbl>
+  <dgm:styleLbl name="asst4">
+    <dgm:fillClrLst>
+      <a:schemeClr val="accent6"/>
+    </dgm:fillClrLst>
+    <dgm:linClrLst meth="repeat">
+      <a:schemeClr val="lt1"/>
+    </dgm:linClrLst>
+    <dgm:effectClrLst/>
+    <dgm:txLinClrLst/>
+    <dgm:txFillClrLst/>
+    <dgm:txEffectClrLst/>
+  </dgm:styleLbl>
+  <dgm:styleLbl name="parChTrans2D1">
+    <dgm:fillClrLst meth="repeat">
+      <a:schemeClr val="accent2"/>
+    </dgm:fillClrLst>
+    <dgm:linClrLst meth="repeat">
+      <a:schemeClr val="lt1"/>
+    </dgm:linClrLst>
+    <dgm:effectClrLst/>
+    <dgm:txLinClrLst/>
+    <dgm:txFillClrLst meth="repeat">
+      <a:schemeClr val="lt1"/>
+    </dgm:txFillClrLst>
+    <dgm:txEffectClrLst/>
+  </dgm:styleLbl>
+  <dgm:styleLbl name="parChTrans2D2">
+    <dgm:fillClrLst meth="repeat">
+      <a:schemeClr val="accent3"/>
+    </dgm:fillClrLst>
+    <dgm:linClrLst meth="repeat">
+      <a:schemeClr val="lt1"/>
+    </dgm:linClrLst>
+    <dgm:effectClrLst/>
+    <dgm:txLinClrLst/>
+    <dgm:txFillClrLst/>
+    <dgm:txEffectClrLst/>
+  </dgm:styleLbl>
+  <dgm:styleLbl name="parChTrans2D3">
+    <dgm:fillClrLst meth="repeat">
+      <a:schemeClr val="accent4"/>
+    </dgm:fillClrLst>
+    <dgm:linClrLst meth="repeat">
+      <a:schemeClr val="lt1"/>
+    </dgm:linClrLst>
+    <dgm:effectClrLst/>
+    <dgm:txLinClrLst/>
+    <dgm:txFillClrLst/>
+    <dgm:txEffectClrLst/>
+  </dgm:styleLbl>
+  <dgm:styleLbl name="parChTrans2D4">
+    <dgm:fillClrLst meth="repeat">
+      <a:schemeClr val="accent5"/>
+    </dgm:fillClrLst>
+    <dgm:linClrLst meth="repeat">
+      <a:schemeClr val="lt1"/>
+    </dgm:linClrLst>
+    <dgm:effectClrLst/>
+    <dgm:txLinClrLst/>
+    <dgm:txFillClrLst meth="repeat">
+      <a:schemeClr val="lt1"/>
+    </dgm:txFillClrLst>
+    <dgm:txEffectClrLst/>
+  </dgm:styleLbl>
+  <dgm:styleLbl name="parChTrans1D1">
+    <dgm:fillClrLst meth="repeat">
+      <a:schemeClr val="accent2"/>
+    </dgm:fillClrLst>
+    <dgm:linClrLst meth="repeat">
+      <a:schemeClr val="accent2"/>
+    </dgm:linClrLst>
+    <dgm:effectClrLst/>
+    <dgm:txLinClrLst/>
+    <dgm:txFillClrLst meth="repeat">
+      <a:schemeClr val="tx1"/>
+    </dgm:txFillClrLst>
+    <dgm:txEffectClrLst/>
+  </dgm:styleLbl>
+  <dgm:styleLbl name="parChTrans1D2">
+    <dgm:fillClrLst meth="repeat">
+      <a:schemeClr val="accent2">
+        <a:tint val="90000"/>
+      </a:schemeClr>
+    </dgm:fillClrLst>
+    <dgm:linClrLst meth="repeat">
+      <a:schemeClr val="accent3"/>
+    </dgm:linClrLst>
+    <dgm:effectClrLst/>
+    <dgm:txLinClrLst/>
+    <dgm:txFillClrLst meth="repeat">
+      <a:schemeClr val="tx1"/>
+    </dgm:txFillClrLst>
+    <dgm:txEffectClrLst/>
+  </dgm:styleLbl>
+  <dgm:styleLbl name="parChTrans1D3">
+    <dgm:fillClrLst meth="repeat">
+      <a:schemeClr val="accent2">
+        <a:tint val="70000"/>
+      </a:schemeClr>
+    </dgm:fillClrLst>
+    <dgm:linClrLst meth="repeat">
+      <a:schemeClr val="accent4"/>
+    </dgm:linClrLst>
+    <dgm:effectClrLst/>
+    <dgm:txLinClrLst/>
+    <dgm:txFillClrLst meth="repeat">
+      <a:schemeClr val="tx1"/>
+    </dgm:txFillClrLst>
+    <dgm:txEffectClrLst/>
+  </dgm:styleLbl>
+  <dgm:styleLbl name="parChTrans1D4">
+    <dgm:fillClrLst meth="repeat">
+      <a:schemeClr val="accent2">
+        <a:tint val="50000"/>
+      </a:schemeClr>
+    </dgm:fillClrLst>
+    <dgm:linClrLst meth="repeat">
+      <a:schemeClr val="accent5"/>
+    </dgm:linClrLst>
+    <dgm:effectClrLst/>
+    <dgm:txLinClrLst/>
+    <dgm:txFillClrLst meth="repeat">
+      <a:schemeClr val="tx1"/>
+    </dgm:txFillClrLst>
+    <dgm:txEffectClrLst/>
+  </dgm:styleLbl>
+  <dgm:styleLbl name="fgAcc1">
+    <dgm:fillClrLst meth="repeat">
+      <a:schemeClr val="lt1">
+        <a:alpha val="90000"/>
+      </a:schemeClr>
+    </dgm:fillClrLst>
+    <dgm:linClrLst>
+      <a:schemeClr val="accent2"/>
+      <a:schemeClr val="accent3"/>
+    </dgm:linClrLst>
+    <dgm:effectClrLst/>
+    <dgm:txLinClrLst/>
+    <dgm:txFillClrLst meth="repeat">
+      <a:schemeClr val="dk1"/>
+    </dgm:txFillClrLst>
+    <dgm:txEffectClrLst/>
+  </dgm:styleLbl>
+  <dgm:styleLbl name="conFgAcc1">
+    <dgm:fillClrLst meth="repeat">
+      <a:schemeClr val="lt1">
+        <a:alpha val="90000"/>
+      </a:schemeClr>
+    </dgm:fillClrLst>
+    <dgm:linClrLst>
+      <a:schemeClr val="accent2"/>
+      <a:schemeClr val="accent3"/>
+    </dgm:linClrLst>
+    <dgm:effectClrLst/>
+    <dgm:txLinClrLst/>
+    <dgm:txFillClrLst meth="repeat">
+      <a:schemeClr val="dk1"/>
+    </dgm:txFillClrLst>
+    <dgm:txEffectClrLst/>
+  </dgm:styleLbl>
+  <dgm:styleLbl name="alignAcc1">
+    <dgm:fillClrLst meth="repeat">
+      <a:schemeClr val="lt1">
+        <a:alpha val="90000"/>
+      </a:schemeClr>
+    </dgm:fillClrLst>
+    <dgm:linClrLst>
+      <a:schemeClr val="accent2"/>
+      <a:schemeClr val="accent3"/>
+    </dgm:linClrLst>
+    <dgm:effectClrLst/>
+    <dgm:txLinClrLst/>
+    <dgm:txFillClrLst meth="repeat">
+      <a:schemeClr val="dk1"/>
+    </dgm:txFillClrLst>
+    <dgm:txEffectClrLst/>
+  </dgm:styleLbl>
+  <dgm:styleLbl name="trAlignAcc1">
+    <dgm:fillClrLst meth="repeat">
+      <a:schemeClr val="lt1">
+        <a:alpha val="40000"/>
+      </a:schemeClr>
+    </dgm:fillClrLst>
+    <dgm:linClrLst meth="repeat">
+      <a:schemeClr val="accent2"/>
+    </dgm:linClrLst>
+    <dgm:effectClrLst/>
+    <dgm:txLinClrLst/>
+    <dgm:txFillClrLst meth="repeat">
+      <a:schemeClr val="dk1"/>
+    </dgm:txFillClrLst>
+    <dgm:txEffectClrLst/>
+  </dgm:styleLbl>
+  <dgm:styleLbl name="bgAcc1">
+    <dgm:fillClrLst meth="repeat">
+      <a:schemeClr val="lt1">
+        <a:alpha val="90000"/>
+      </a:schemeClr>
+    </dgm:fillClrLst>
+    <dgm:linClrLst>
+      <a:schemeClr val="accent2"/>
+      <a:schemeClr val="accent3"/>
+    </dgm:linClrLst>
+    <dgm:effectClrLst/>
+    <dgm:txLinClrLst/>
+    <dgm:txFillClrLst meth="repeat">
+      <a:schemeClr val="dk1"/>
+    </dgm:txFillClrLst>
+    <dgm:txEffectClrLst/>
+  </dgm:styleLbl>
+  <dgm:styleLbl name="solidFgAcc1">
+    <dgm:fillClrLst meth="repeat">
+      <a:schemeClr val="lt1"/>
+    </dgm:fillClrLst>
+    <dgm:linClrLst>
+      <a:schemeClr val="accent2"/>
+      <a:schemeClr val="accent3"/>
+    </dgm:linClrLst>
+    <dgm:effectClrLst/>
+    <dgm:txLinClrLst/>
+    <dgm:txFillClrLst meth="repeat">
+      <a:schemeClr val="dk1"/>
+    </dgm:txFillClrLst>
+    <dgm:txEffectClrLst/>
+  </dgm:styleLbl>
+  <dgm:styleLbl name="solidAlignAcc1">
+    <dgm:fillClrLst meth="repeat">
+      <a:schemeClr val="lt1"/>
+    </dgm:fillClrLst>
+    <dgm:linClrLst>
+      <a:schemeClr val="accent2"/>
+      <a:schemeClr val="accent3"/>
+    </dgm:linClrLst>
+    <dgm:effectClrLst/>
+    <dgm:txLinClrLst/>
+    <dgm:txFillClrLst meth="repeat">
+      <a:schemeClr val="dk1"/>
+    </dgm:txFillClrLst>
+    <dgm:txEffectClrLst/>
+  </dgm:styleLbl>
+  <dgm:styleLbl name="solidBgAcc1">
+    <dgm:fillClrLst meth="repeat">
+      <a:schemeClr val="lt1"/>
+    </dgm:fillClrLst>
+    <dgm:linClrLst>
+      <a:schemeClr val="accent2"/>
+      <a:schemeClr val="accent3"/>
+    </dgm:linClrLst>
+    <dgm:effectClrLst/>
+    <dgm:txLinClrLst/>
+    <dgm:txFillClrLst meth="repeat">
+      <a:schemeClr val="dk1"/>
+    </dgm:txFillClrLst>
+    <dgm:txEffectClrLst/>
+  </dgm:styleLbl>
+  <dgm:styleLbl name="fgAccFollowNode1">
+    <dgm:fillClrLst>
+      <a:schemeClr val="accent2">
+        <a:tint val="40000"/>
+        <a:alpha val="90000"/>
+      </a:schemeClr>
+      <a:schemeClr val="accent3">
+        <a:tint val="40000"/>
+        <a:alpha val="90000"/>
+      </a:schemeClr>
+    </dgm:fillClrLst>
+    <dgm:linClrLst>
+      <a:schemeClr val="accent2">
+        <a:tint val="40000"/>
+        <a:alpha val="90000"/>
+      </a:schemeClr>
+      <a:schemeClr val="accent3">
+        <a:tint val="40000"/>
+        <a:alpha val="90000"/>
+      </a:schemeClr>
+    </dgm:linClrLst>
+    <dgm:effectClrLst/>
+    <dgm:txLinClrLst/>
+    <dgm:txFillClrLst meth="repeat">
+      <a:schemeClr val="dk1"/>
+    </dgm:txFillClrLst>
+    <dgm:txEffectClrLst/>
+  </dgm:styleLbl>
+  <dgm:styleLbl name="alignAccFollowNode1">
+    <dgm:fillClrLst>
+      <a:schemeClr val="accent2">
+        <a:tint val="40000"/>
+        <a:alpha val="90000"/>
+      </a:schemeClr>
+      <a:schemeClr val="accent3">
+        <a:tint val="40000"/>
+        <a:alpha val="90000"/>
+      </a:schemeClr>
+    </dgm:fillClrLst>
+    <dgm:linClrLst>
+      <a:schemeClr val="accent2">
+        <a:tint val="40000"/>
+        <a:alpha val="90000"/>
+      </a:schemeClr>
+      <a:schemeClr val="accent3">
+        <a:tint val="40000"/>
+        <a:alpha val="90000"/>
+      </a:schemeClr>
+    </dgm:linClrLst>
+    <dgm:effectClrLst/>
+    <dgm:txLinClrLst/>
+    <dgm:txFillClrLst meth="repeat">
+      <a:schemeClr val="dk1"/>
+    </dgm:txFillClrLst>
+    <dgm:txEffectClrLst/>
+  </dgm:styleLbl>
+  <dgm:styleLbl name="bgAccFollowNode1">
+    <dgm:fillClrLst>
+      <a:schemeClr val="accent2">
+        <a:tint val="40000"/>
+        <a:alpha val="90000"/>
+      </a:schemeClr>
+      <a:schemeClr val="accent3">
+        <a:tint val="40000"/>
+        <a:alpha val="90000"/>
+      </a:schemeClr>
+    </dgm:fillClrLst>
+    <dgm:linClrLst>
+      <a:schemeClr val="accent2">
+        <a:tint val="40000"/>
+        <a:alpha val="90000"/>
+      </a:schemeClr>
+      <a:schemeClr val="accent3">
+        <a:tint val="40000"/>
+        <a:alpha val="90000"/>
+      </a:schemeClr>
+    </dgm:linClrLst>
+    <dgm:effectClrLst/>
+    <dgm:txLinClrLst/>
+    <dgm:txFillClrLst meth="repeat">
+      <a:schemeClr val="dk1"/>
+    </dgm:txFillClrLst>
+    <dgm:txEffectClrLst/>
+  </dgm:styleLbl>
+  <dgm:styleLbl name="fgAcc0">
+    <dgm:fillClrLst meth="repeat">
+      <a:schemeClr val="lt1">
+        <a:alpha val="90000"/>
+      </a:schemeClr>
+    </dgm:fillClrLst>
+    <dgm:linClrLst>
+      <a:schemeClr val="accent1"/>
+    </dgm:linClrLst>
+    <dgm:effectClrLst/>
+    <dgm:txLinClrLst/>
+    <dgm:txFillClrLst meth="repeat">
+      <a:schemeClr val="dk1"/>
+    </dgm:txFillClrLst>
+    <dgm:txEffectClrLst/>
+  </dgm:styleLbl>
+  <dgm:styleLbl name="fgAcc2">
+    <dgm:fillClrLst meth="repeat">
+      <a:schemeClr val="lt1">
+        <a:alpha val="90000"/>
+      </a:schemeClr>
+    </dgm:fillClrLst>
+    <dgm:linClrLst>
+      <a:schemeClr val="accent3"/>
+    </dgm:linClrLst>
+    <dgm:effectClrLst/>
+    <dgm:txLinClrLst/>
+    <dgm:txFillClrLst meth="repeat">
+      <a:schemeClr val="dk1"/>
+    </dgm:txFillClrLst>
+    <dgm:txEffectClrLst/>
+  </dgm:styleLbl>
+  <dgm:styleLbl name="fgAcc3">
+    <dgm:fillClrLst meth="repeat">
+      <a:schemeClr val="lt1">
+        <a:alpha val="90000"/>
+      </a:schemeClr>
+    </dgm:fillClrLst>
+    <dgm:linClrLst>
+      <a:schemeClr val="accent4"/>
+    </dgm:linClrLst>
+    <dgm:effectClrLst/>
+    <dgm:txLinClrLst/>
+    <dgm:txFillClrLst meth="repeat">
+      <a:schemeClr val="dk1"/>
+    </dgm:txFillClrLst>
+    <dgm:txEffectClrLst/>
+  </dgm:styleLbl>
+  <dgm:styleLbl name="fgAcc4">
+    <dgm:fillClrLst meth="repeat">
+      <a:schemeClr val="lt1">
+        <a:alpha val="90000"/>
+      </a:schemeClr>
+    </dgm:fillClrLst>
+    <dgm:linClrLst>
+      <a:schemeClr val="accent5"/>
+    </dgm:linClrLst>
+    <dgm:effectClrLst/>
+    <dgm:txLinClrLst/>
+    <dgm:txFillClrLst meth="repeat">
+      <a:schemeClr val="dk1"/>
+    </dgm:txFillClrLst>
+    <dgm:txEffectClrLst/>
+  </dgm:styleLbl>
+  <dgm:styleLbl name="bgShp">
+    <dgm:fillClrLst meth="repeat">
+      <a:schemeClr val="accent2">
+        <a:tint val="40000"/>
+      </a:schemeClr>
+    </dgm:fillClrLst>
+    <dgm:linClrLst meth="repeat">
+      <a:schemeClr val="dk1"/>
+    </dgm:linClrLst>
+    <dgm:effectClrLst/>
+    <dgm:txLinClrLst/>
+    <dgm:txFillClrLst meth="repeat">
+      <a:schemeClr val="dk1"/>
+    </dgm:txFillClrLst>
+    <dgm:txEffectClrLst/>
+  </dgm:styleLbl>
+  <dgm:styleLbl name="dkBgShp">
+    <dgm:fillClrLst meth="repeat">
+      <a:schemeClr val="accent2">
+        <a:shade val="90000"/>
+      </a:schemeClr>
+    </dgm:fillClrLst>
+    <dgm:linClrLst meth="repeat">
+      <a:schemeClr val="dk1"/>
+    </dgm:linClrLst>
+    <dgm:effectClrLst/>
+    <dgm:txLinClrLst/>
+    <dgm:txFillClrLst meth="repeat">
+      <a:schemeClr val="lt1"/>
+    </dgm:txFillClrLst>
+    <dgm:txEffectClrLst/>
+  </dgm:styleLbl>
+  <dgm:styleLbl name="trBgShp">
+    <dgm:fillClrLst meth="repeat">
+      <a:schemeClr val="accent2">
+        <a:tint val="50000"/>
+        <a:alpha val="40000"/>
+      </a:schemeClr>
+    </dgm:fillClrLst>
+    <dgm:linClrLst meth="repeat">
+      <a:schemeClr val="accent2"/>
+    </dgm:linClrLst>
+    <dgm:effectClrLst/>
+    <dgm:txLinClrLst/>
+    <dgm:txFillClrLst meth="repeat">
+      <a:schemeClr val="lt1"/>
+    </dgm:txFillClrLst>
+    <dgm:txEffectClrLst/>
+  </dgm:styleLbl>
+  <dgm:styleLbl name="fgShp">
+    <dgm:fillClrLst meth="repeat">
+      <a:schemeClr val="accent2">
+        <a:tint val="40000"/>
+      </a:schemeClr>
+    </dgm:fillClrLst>
+    <dgm:linClrLst meth="repeat">
+      <a:schemeClr val="lt1"/>
+    </dgm:linClrLst>
+    <dgm:effectClrLst/>
+    <dgm:txLinClrLst/>
+    <dgm:txFillClrLst meth="repeat">
+      <a:schemeClr val="dk1"/>
+    </dgm:txFillClrLst>
+    <dgm:txEffectClrLst/>
+  </dgm:styleLbl>
+  <dgm:styleLbl name="revTx">
+    <dgm:fillClrLst meth="repeat">
+      <a:schemeClr val="lt1">
+        <a:alpha val="0"/>
+      </a:schemeClr>
+    </dgm:fillClrLst>
+    <dgm:linClrLst meth="repeat">
+      <a:schemeClr val="dk1">
+        <a:alpha val="0"/>
+      </a:schemeClr>
+    </dgm:linClrLst>
+    <dgm:effectClrLst/>
+    <dgm:txLinClrLst/>
+    <dgm:txFillClrLst meth="repeat">
+      <a:schemeClr val="tx1"/>
+    </dgm:txFillClrLst>
+    <dgm:txEffectClrLst/>
+  </dgm:styleLbl>
+</dgm:colorsDef>
+</file>
+
+<file path=ppt/diagrams/data1.xml><?xml version="1.0" encoding="utf-8"?>
+<dgm:dataModel xmlns:dgm="http://schemas.openxmlformats.org/drawingml/2006/diagram" xmlns:a="http://schemas.openxmlformats.org/drawingml/2006/main">
+  <dgm:ptLst>
+    <dgm:pt modelId="{0E0D6D1A-8363-4607-B8C1-7D767644ECEE}" type="doc">
+      <dgm:prSet loTypeId="urn:microsoft.com/office/officeart/2005/8/layout/hierarchy4" loCatId="relationship" qsTypeId="urn:microsoft.com/office/officeart/2005/8/quickstyle/simple2" qsCatId="simple" csTypeId="urn:microsoft.com/office/officeart/2005/8/colors/colorful2" csCatId="colorful" phldr="1"/>
+      <dgm:spPr/>
+      <dgm:t>
+        <a:bodyPr/>
+        <a:lstStyle/>
+        <a:p>
+          <a:endParaRPr lang="en-US"/>
+        </a:p>
+      </dgm:t>
+    </dgm:pt>
+    <dgm:pt modelId="{681C301B-C86B-464C-BD04-95B1694DA0A8}">
+      <dgm:prSet phldrT="[Text]"/>
+      <dgm:spPr/>
+      <dgm:t>
+        <a:bodyPr/>
+        <a:lstStyle/>
+        <a:p>
+          <a:r>
+            <a:rPr lang="en-US" dirty="0" smtClean="0"/>
+            <a:t>Applications</a:t>
+          </a:r>
+          <a:endParaRPr lang="en-US" dirty="0"/>
+        </a:p>
+      </dgm:t>
+    </dgm:pt>
+    <dgm:pt modelId="{FC5D3AB0-B586-417E-9D20-E8B639333BF6}" type="parTrans" cxnId="{3A5BE1C9-F48F-4C10-8DBC-FAFCBA790F68}">
+      <dgm:prSet/>
+      <dgm:spPr/>
+      <dgm:t>
+        <a:bodyPr/>
+        <a:lstStyle/>
+        <a:p>
+          <a:endParaRPr lang="en-US"/>
+        </a:p>
+      </dgm:t>
+    </dgm:pt>
+    <dgm:pt modelId="{40C148C3-2DEF-429A-BAE6-E48D80C5F531}" type="sibTrans" cxnId="{3A5BE1C9-F48F-4C10-8DBC-FAFCBA790F68}">
+      <dgm:prSet/>
+      <dgm:spPr/>
+      <dgm:t>
+        <a:bodyPr/>
+        <a:lstStyle/>
+        <a:p>
+          <a:endParaRPr lang="en-US"/>
+        </a:p>
+      </dgm:t>
+    </dgm:pt>
+    <dgm:pt modelId="{074D7E3F-5B22-4076-B1AA-336E3D1A29F4}">
+      <dgm:prSet phldrT="[Text]"/>
+      <dgm:spPr/>
+      <dgm:t>
+        <a:bodyPr/>
+        <a:lstStyle/>
+        <a:p>
+          <a:r>
+            <a:rPr lang="en-US" dirty="0" smtClean="0"/>
+            <a:t>Content Providers</a:t>
+          </a:r>
+          <a:endParaRPr lang="en-US" dirty="0"/>
+        </a:p>
+      </dgm:t>
+    </dgm:pt>
+    <dgm:pt modelId="{876371A6-DEDA-493D-B375-46ED05B2DE8F}" type="parTrans" cxnId="{A021D900-A9D3-40C9-8165-023E386C33CB}">
+      <dgm:prSet/>
+      <dgm:spPr/>
+      <dgm:t>
+        <a:bodyPr/>
+        <a:lstStyle/>
+        <a:p>
+          <a:endParaRPr lang="en-US"/>
+        </a:p>
+      </dgm:t>
+    </dgm:pt>
+    <dgm:pt modelId="{A6C0C5C5-3289-4B28-B47A-68F6956AC11F}" type="sibTrans" cxnId="{A021D900-A9D3-40C9-8165-023E386C33CB}">
+      <dgm:prSet/>
+      <dgm:spPr/>
+      <dgm:t>
+        <a:bodyPr/>
+        <a:lstStyle/>
+        <a:p>
+          <a:endParaRPr lang="en-US"/>
+        </a:p>
+      </dgm:t>
+    </dgm:pt>
+    <dgm:pt modelId="{9B049A10-506E-44D5-A0BD-AB4F1B88DF19}">
+      <dgm:prSet phldrT="[Text]"/>
+      <dgm:spPr/>
+      <dgm:t>
+        <a:bodyPr/>
+        <a:lstStyle/>
+        <a:p>
+          <a:r>
+            <a:rPr lang="en-US" dirty="0" smtClean="0"/>
+            <a:t>Contacts</a:t>
+          </a:r>
+          <a:endParaRPr lang="en-US" dirty="0"/>
+        </a:p>
+      </dgm:t>
+    </dgm:pt>
+    <dgm:pt modelId="{85208592-7628-416E-BFBC-C35CFEEB7F14}" type="parTrans" cxnId="{F2964043-C41F-4985-8CD5-CBD3304794A3}">
+      <dgm:prSet/>
+      <dgm:spPr/>
+      <dgm:t>
+        <a:bodyPr/>
+        <a:lstStyle/>
+        <a:p>
+          <a:endParaRPr lang="en-US"/>
+        </a:p>
+      </dgm:t>
+    </dgm:pt>
+    <dgm:pt modelId="{F7C4FEDC-D37E-4F02-9599-A9AF045B962B}" type="sibTrans" cxnId="{F2964043-C41F-4985-8CD5-CBD3304794A3}">
+      <dgm:prSet/>
+      <dgm:spPr/>
+      <dgm:t>
+        <a:bodyPr/>
+        <a:lstStyle/>
+        <a:p>
+          <a:endParaRPr lang="en-US"/>
+        </a:p>
+      </dgm:t>
+    </dgm:pt>
+    <dgm:pt modelId="{1E2F8270-2E6F-410D-AAA0-021EBE63A6AB}">
+      <dgm:prSet phldrT="[Text]"/>
+      <dgm:spPr/>
+      <dgm:t>
+        <a:bodyPr/>
+        <a:lstStyle/>
+        <a:p>
+          <a:r>
+            <a:rPr lang="en-US" dirty="0" smtClean="0"/>
+            <a:t>Music</a:t>
+          </a:r>
+          <a:endParaRPr lang="en-US" dirty="0"/>
+        </a:p>
+      </dgm:t>
+    </dgm:pt>
+    <dgm:pt modelId="{95CC80C5-211E-462B-9BC8-5B5FE238368B}" type="parTrans" cxnId="{A59A4746-70BE-4817-A960-25372B7C5F97}">
+      <dgm:prSet/>
+      <dgm:spPr/>
+      <dgm:t>
+        <a:bodyPr/>
+        <a:lstStyle/>
+        <a:p>
+          <a:endParaRPr lang="en-US"/>
+        </a:p>
+      </dgm:t>
+    </dgm:pt>
+    <dgm:pt modelId="{69D01E89-7AC7-43F5-AEB2-7054B82207AB}" type="sibTrans" cxnId="{A59A4746-70BE-4817-A960-25372B7C5F97}">
+      <dgm:prSet/>
+      <dgm:spPr/>
+      <dgm:t>
+        <a:bodyPr/>
+        <a:lstStyle/>
+        <a:p>
+          <a:endParaRPr lang="en-US"/>
+        </a:p>
+      </dgm:t>
+    </dgm:pt>
+    <dgm:pt modelId="{263115AB-CCDE-47C7-B038-C832561E0F3C}">
+      <dgm:prSet phldrT="[Text]"/>
+      <dgm:spPr/>
+      <dgm:t>
+        <a:bodyPr/>
+        <a:lstStyle/>
+        <a:p>
+          <a:r>
+            <a:rPr lang="en-US" dirty="0" smtClean="0"/>
+            <a:t>Videos</a:t>
+          </a:r>
+          <a:endParaRPr lang="en-US" dirty="0"/>
+        </a:p>
+      </dgm:t>
+    </dgm:pt>
+    <dgm:pt modelId="{76146F21-437F-4CEC-B618-EE891581B4F6}" type="parTrans" cxnId="{5E1E869D-A60E-4B5F-B238-69BE228E1D85}">
+      <dgm:prSet/>
+      <dgm:spPr/>
+      <dgm:t>
+        <a:bodyPr/>
+        <a:lstStyle/>
+        <a:p>
+          <a:endParaRPr lang="en-US"/>
+        </a:p>
+      </dgm:t>
+    </dgm:pt>
+    <dgm:pt modelId="{012A5AFA-1727-4365-BA37-60B6A4B0FEEC}" type="sibTrans" cxnId="{5E1E869D-A60E-4B5F-B238-69BE228E1D85}">
+      <dgm:prSet/>
+      <dgm:spPr/>
+      <dgm:t>
+        <a:bodyPr/>
+        <a:lstStyle/>
+        <a:p>
+          <a:endParaRPr lang="en-US"/>
+        </a:p>
+      </dgm:t>
+    </dgm:pt>
+    <dgm:pt modelId="{6F2A0F62-BD49-4491-9A28-5D9F45A4B03B}">
+      <dgm:prSet phldrT="[Text]"/>
+      <dgm:spPr/>
+      <dgm:t>
+        <a:bodyPr/>
+        <a:lstStyle/>
+        <a:p>
+          <a:r>
+            <a:rPr lang="en-US" dirty="0" smtClean="0"/>
+            <a:t>Pictures</a:t>
+          </a:r>
+          <a:endParaRPr lang="en-US" dirty="0"/>
+        </a:p>
+      </dgm:t>
+    </dgm:pt>
+    <dgm:pt modelId="{B8D37D13-D6F9-4810-AD1F-87DDAEB1526B}" type="parTrans" cxnId="{34A8D121-6634-47B7-8280-71390A3188AE}">
+      <dgm:prSet/>
+      <dgm:spPr/>
+      <dgm:t>
+        <a:bodyPr/>
+        <a:lstStyle/>
+        <a:p>
+          <a:endParaRPr lang="en-US"/>
+        </a:p>
+      </dgm:t>
+    </dgm:pt>
+    <dgm:pt modelId="{98E029C8-5CA3-40CC-A10A-08B3CD21C568}" type="sibTrans" cxnId="{34A8D121-6634-47B7-8280-71390A3188AE}">
+      <dgm:prSet/>
+      <dgm:spPr/>
+      <dgm:t>
+        <a:bodyPr/>
+        <a:lstStyle/>
+        <a:p>
+          <a:endParaRPr lang="en-US"/>
+        </a:p>
+      </dgm:t>
+    </dgm:pt>
+    <dgm:pt modelId="{E8EF62D3-D04A-4B8D-81FE-6F76C191CF66}">
+      <dgm:prSet phldrT="[Text]"/>
+      <dgm:spPr/>
+      <dgm:t>
+        <a:bodyPr/>
+        <a:lstStyle/>
+        <a:p>
+          <a:r>
+            <a:rPr lang="en-US" dirty="0" smtClean="0"/>
+            <a:t>…</a:t>
+          </a:r>
+          <a:endParaRPr lang="en-US" dirty="0"/>
+        </a:p>
+      </dgm:t>
+    </dgm:pt>
+    <dgm:pt modelId="{725E2D73-95D0-4C2E-A077-4145F2DD855D}" type="parTrans" cxnId="{DA23F978-016A-4718-8C9D-53C750480B10}">
+      <dgm:prSet/>
+      <dgm:spPr/>
+      <dgm:t>
+        <a:bodyPr/>
+        <a:lstStyle/>
+        <a:p>
+          <a:endParaRPr lang="en-US"/>
+        </a:p>
+      </dgm:t>
+    </dgm:pt>
+    <dgm:pt modelId="{119E229B-2350-400E-A8A9-348DF073E23C}" type="sibTrans" cxnId="{DA23F978-016A-4718-8C9D-53C750480B10}">
+      <dgm:prSet/>
+      <dgm:spPr/>
+      <dgm:t>
+        <a:bodyPr/>
+        <a:lstStyle/>
+        <a:p>
+          <a:endParaRPr lang="en-US"/>
+        </a:p>
+      </dgm:t>
+    </dgm:pt>
+    <dgm:pt modelId="{D08656DD-EAEC-457F-9189-FD1C0F9666D2}" type="pres">
+      <dgm:prSet presAssocID="{0E0D6D1A-8363-4607-B8C1-7D767644ECEE}" presName="Name0" presStyleCnt="0">
+        <dgm:presLayoutVars>
+          <dgm:chPref val="1"/>
+          <dgm:dir/>
+          <dgm:animOne val="branch"/>
+          <dgm:animLvl val="lvl"/>
+          <dgm:resizeHandles/>
+        </dgm:presLayoutVars>
+      </dgm:prSet>
+      <dgm:spPr/>
+      <dgm:t>
+        <a:bodyPr/>
+        <a:lstStyle/>
+        <a:p>
+          <a:endParaRPr lang="en-US"/>
+        </a:p>
+      </dgm:t>
+    </dgm:pt>
+    <dgm:pt modelId="{3A0460FE-4099-4EA8-AE35-45840DD7060A}" type="pres">
+      <dgm:prSet presAssocID="{681C301B-C86B-464C-BD04-95B1694DA0A8}" presName="vertOne" presStyleCnt="0"/>
+      <dgm:spPr/>
+      <dgm:t>
+        <a:bodyPr/>
+        <a:lstStyle/>
+        <a:p>
+          <a:endParaRPr lang="en-US"/>
+        </a:p>
+      </dgm:t>
+    </dgm:pt>
+    <dgm:pt modelId="{0B6555FA-7902-4249-8C01-6D4257EF59E0}" type="pres">
+      <dgm:prSet presAssocID="{681C301B-C86B-464C-BD04-95B1694DA0A8}" presName="txOne" presStyleLbl="node0" presStyleIdx="0" presStyleCnt="1" custLinFactNeighborX="-1093" custLinFactNeighborY="-81689">
+        <dgm:presLayoutVars>
+          <dgm:chPref val="3"/>
+        </dgm:presLayoutVars>
+      </dgm:prSet>
+      <dgm:spPr/>
+      <dgm:t>
+        <a:bodyPr/>
+        <a:lstStyle/>
+        <a:p>
+          <a:endParaRPr lang="en-US"/>
+        </a:p>
+      </dgm:t>
+    </dgm:pt>
+    <dgm:pt modelId="{C4D413CE-6FD5-4C1D-9808-AFD91791077B}" type="pres">
+      <dgm:prSet presAssocID="{681C301B-C86B-464C-BD04-95B1694DA0A8}" presName="parTransOne" presStyleCnt="0"/>
+      <dgm:spPr/>
+      <dgm:t>
+        <a:bodyPr/>
+        <a:lstStyle/>
+        <a:p>
+          <a:endParaRPr lang="en-US"/>
+        </a:p>
+      </dgm:t>
+    </dgm:pt>
+    <dgm:pt modelId="{41454483-B3A7-4A30-BE8C-D8D4DA1BE6B2}" type="pres">
+      <dgm:prSet presAssocID="{681C301B-C86B-464C-BD04-95B1694DA0A8}" presName="horzOne" presStyleCnt="0"/>
+      <dgm:spPr/>
+      <dgm:t>
+        <a:bodyPr/>
+        <a:lstStyle/>
+        <a:p>
+          <a:endParaRPr lang="en-US"/>
+        </a:p>
+      </dgm:t>
+    </dgm:pt>
+    <dgm:pt modelId="{2D8FE20B-0698-49FA-BFC1-C78D28D95111}" type="pres">
+      <dgm:prSet presAssocID="{074D7E3F-5B22-4076-B1AA-336E3D1A29F4}" presName="vertTwo" presStyleCnt="0"/>
+      <dgm:spPr/>
+      <dgm:t>
+        <a:bodyPr/>
+        <a:lstStyle/>
+        <a:p>
+          <a:endParaRPr lang="en-US"/>
+        </a:p>
+      </dgm:t>
+    </dgm:pt>
+    <dgm:pt modelId="{FEAF7C20-F85F-4B97-8959-D874D706536D}" type="pres">
+      <dgm:prSet presAssocID="{074D7E3F-5B22-4076-B1AA-336E3D1A29F4}" presName="txTwo" presStyleLbl="node2" presStyleIdx="0" presStyleCnt="1">
+        <dgm:presLayoutVars>
+          <dgm:chPref val="3"/>
+        </dgm:presLayoutVars>
+      </dgm:prSet>
+      <dgm:spPr/>
+      <dgm:t>
+        <a:bodyPr/>
+        <a:lstStyle/>
+        <a:p>
+          <a:endParaRPr lang="en-US"/>
+        </a:p>
+      </dgm:t>
+    </dgm:pt>
+    <dgm:pt modelId="{4B7E603D-05FE-421C-98CA-71D4BE10ABB0}" type="pres">
+      <dgm:prSet presAssocID="{074D7E3F-5B22-4076-B1AA-336E3D1A29F4}" presName="parTransTwo" presStyleCnt="0"/>
+      <dgm:spPr/>
+      <dgm:t>
+        <a:bodyPr/>
+        <a:lstStyle/>
+        <a:p>
+          <a:endParaRPr lang="en-US"/>
+        </a:p>
+      </dgm:t>
+    </dgm:pt>
+    <dgm:pt modelId="{24A93400-7BB2-46FC-A396-16ABE9847AC3}" type="pres">
+      <dgm:prSet presAssocID="{074D7E3F-5B22-4076-B1AA-336E3D1A29F4}" presName="horzTwo" presStyleCnt="0"/>
+      <dgm:spPr/>
+      <dgm:t>
+        <a:bodyPr/>
+        <a:lstStyle/>
+        <a:p>
+          <a:endParaRPr lang="en-US"/>
+        </a:p>
+      </dgm:t>
+    </dgm:pt>
+    <dgm:pt modelId="{F85C6B00-6FBA-4B0A-8689-B44EA55C0DE6}" type="pres">
+      <dgm:prSet presAssocID="{9B049A10-506E-44D5-A0BD-AB4F1B88DF19}" presName="vertThree" presStyleCnt="0"/>
+      <dgm:spPr/>
+      <dgm:t>
+        <a:bodyPr/>
+        <a:lstStyle/>
+        <a:p>
+          <a:endParaRPr lang="en-US"/>
+        </a:p>
+      </dgm:t>
+    </dgm:pt>
+    <dgm:pt modelId="{1FC44A36-FCC7-4132-99EE-C64E4C5C267C}" type="pres">
+      <dgm:prSet presAssocID="{9B049A10-506E-44D5-A0BD-AB4F1B88DF19}" presName="txThree" presStyleLbl="node3" presStyleIdx="0" presStyleCnt="5">
+        <dgm:presLayoutVars>
+          <dgm:chPref val="3"/>
+        </dgm:presLayoutVars>
+      </dgm:prSet>
+      <dgm:spPr/>
+      <dgm:t>
+        <a:bodyPr/>
+        <a:lstStyle/>
+        <a:p>
+          <a:endParaRPr lang="en-US"/>
+        </a:p>
+      </dgm:t>
+    </dgm:pt>
+    <dgm:pt modelId="{944FE749-A50F-4E35-9398-8CF9C0D291CA}" type="pres">
+      <dgm:prSet presAssocID="{9B049A10-506E-44D5-A0BD-AB4F1B88DF19}" presName="horzThree" presStyleCnt="0"/>
+      <dgm:spPr/>
+      <dgm:t>
+        <a:bodyPr/>
+        <a:lstStyle/>
+        <a:p>
+          <a:endParaRPr lang="en-US"/>
+        </a:p>
+      </dgm:t>
+    </dgm:pt>
+    <dgm:pt modelId="{5CF9E9BF-1B63-49E8-A81B-E3B77878D2DD}" type="pres">
+      <dgm:prSet presAssocID="{F7C4FEDC-D37E-4F02-9599-A9AF045B962B}" presName="sibSpaceThree" presStyleCnt="0"/>
+      <dgm:spPr/>
+      <dgm:t>
+        <a:bodyPr/>
+        <a:lstStyle/>
+        <a:p>
+          <a:endParaRPr lang="en-US"/>
+        </a:p>
+      </dgm:t>
+    </dgm:pt>
+    <dgm:pt modelId="{87B498D6-78D4-4330-AEEE-7139B1916C10}" type="pres">
+      <dgm:prSet presAssocID="{1E2F8270-2E6F-410D-AAA0-021EBE63A6AB}" presName="vertThree" presStyleCnt="0"/>
+      <dgm:spPr/>
+      <dgm:t>
+        <a:bodyPr/>
+        <a:lstStyle/>
+        <a:p>
+          <a:endParaRPr lang="en-US"/>
+        </a:p>
+      </dgm:t>
+    </dgm:pt>
+    <dgm:pt modelId="{564EF014-E9C0-4EDE-8A9B-CD91F89509FB}" type="pres">
+      <dgm:prSet presAssocID="{1E2F8270-2E6F-410D-AAA0-021EBE63A6AB}" presName="txThree" presStyleLbl="node3" presStyleIdx="1" presStyleCnt="5">
+        <dgm:presLayoutVars>
+          <dgm:chPref val="3"/>
+        </dgm:presLayoutVars>
+      </dgm:prSet>
+      <dgm:spPr/>
+      <dgm:t>
+        <a:bodyPr/>
+        <a:lstStyle/>
+        <a:p>
+          <a:endParaRPr lang="en-US"/>
+        </a:p>
+      </dgm:t>
+    </dgm:pt>
+    <dgm:pt modelId="{9F80209C-BD21-4DBC-8B3B-5D60A9765440}" type="pres">
+      <dgm:prSet presAssocID="{1E2F8270-2E6F-410D-AAA0-021EBE63A6AB}" presName="horzThree" presStyleCnt="0"/>
+      <dgm:spPr/>
+      <dgm:t>
+        <a:bodyPr/>
+        <a:lstStyle/>
+        <a:p>
+          <a:endParaRPr lang="en-US"/>
+        </a:p>
+      </dgm:t>
+    </dgm:pt>
+    <dgm:pt modelId="{8457F227-4000-4F8C-AC8C-422B8DC03548}" type="pres">
+      <dgm:prSet presAssocID="{69D01E89-7AC7-43F5-AEB2-7054B82207AB}" presName="sibSpaceThree" presStyleCnt="0"/>
+      <dgm:spPr/>
+      <dgm:t>
+        <a:bodyPr/>
+        <a:lstStyle/>
+        <a:p>
+          <a:endParaRPr lang="en-US"/>
+        </a:p>
+      </dgm:t>
+    </dgm:pt>
+    <dgm:pt modelId="{EDA37E82-93FA-49C8-939C-BBFFD337AF96}" type="pres">
+      <dgm:prSet presAssocID="{263115AB-CCDE-47C7-B038-C832561E0F3C}" presName="vertThree" presStyleCnt="0"/>
+      <dgm:spPr/>
+      <dgm:t>
+        <a:bodyPr/>
+        <a:lstStyle/>
+        <a:p>
+          <a:endParaRPr lang="en-US"/>
+        </a:p>
+      </dgm:t>
+    </dgm:pt>
+    <dgm:pt modelId="{43D8FDAF-E129-47BA-80A8-B31A224BB232}" type="pres">
+      <dgm:prSet presAssocID="{263115AB-CCDE-47C7-B038-C832561E0F3C}" presName="txThree" presStyleLbl="node3" presStyleIdx="2" presStyleCnt="5">
+        <dgm:presLayoutVars>
+          <dgm:chPref val="3"/>
+        </dgm:presLayoutVars>
+      </dgm:prSet>
+      <dgm:spPr/>
+      <dgm:t>
+        <a:bodyPr/>
+        <a:lstStyle/>
+        <a:p>
+          <a:endParaRPr lang="en-US"/>
+        </a:p>
+      </dgm:t>
+    </dgm:pt>
+    <dgm:pt modelId="{70D0AA70-4390-489B-BB39-2CA31F78DE91}" type="pres">
+      <dgm:prSet presAssocID="{263115AB-CCDE-47C7-B038-C832561E0F3C}" presName="horzThree" presStyleCnt="0"/>
+      <dgm:spPr/>
+      <dgm:t>
+        <a:bodyPr/>
+        <a:lstStyle/>
+        <a:p>
+          <a:endParaRPr lang="en-US"/>
+        </a:p>
+      </dgm:t>
+    </dgm:pt>
+    <dgm:pt modelId="{383C2657-6197-4AC8-94F2-907A4486215F}" type="pres">
+      <dgm:prSet presAssocID="{012A5AFA-1727-4365-BA37-60B6A4B0FEEC}" presName="sibSpaceThree" presStyleCnt="0"/>
+      <dgm:spPr/>
+      <dgm:t>
+        <a:bodyPr/>
+        <a:lstStyle/>
+        <a:p>
+          <a:endParaRPr lang="en-US"/>
+        </a:p>
+      </dgm:t>
+    </dgm:pt>
+    <dgm:pt modelId="{8CF0160C-16EA-4A7E-B215-EC596970B5EB}" type="pres">
+      <dgm:prSet presAssocID="{6F2A0F62-BD49-4491-9A28-5D9F45A4B03B}" presName="vertThree" presStyleCnt="0"/>
+      <dgm:spPr/>
+      <dgm:t>
+        <a:bodyPr/>
+        <a:lstStyle/>
+        <a:p>
+          <a:endParaRPr lang="en-US"/>
+        </a:p>
+      </dgm:t>
+    </dgm:pt>
+    <dgm:pt modelId="{F4B51CB0-DCEB-4ED0-B2AE-DCEE75995E19}" type="pres">
+      <dgm:prSet presAssocID="{6F2A0F62-BD49-4491-9A28-5D9F45A4B03B}" presName="txThree" presStyleLbl="node3" presStyleIdx="3" presStyleCnt="5">
+        <dgm:presLayoutVars>
+          <dgm:chPref val="3"/>
+        </dgm:presLayoutVars>
+      </dgm:prSet>
+      <dgm:spPr/>
+      <dgm:t>
+        <a:bodyPr/>
+        <a:lstStyle/>
+        <a:p>
+          <a:endParaRPr lang="en-US"/>
+        </a:p>
+      </dgm:t>
+    </dgm:pt>
+    <dgm:pt modelId="{CDB19019-DCEC-4809-92A6-63E705962465}" type="pres">
+      <dgm:prSet presAssocID="{6F2A0F62-BD49-4491-9A28-5D9F45A4B03B}" presName="horzThree" presStyleCnt="0"/>
+      <dgm:spPr/>
+      <dgm:t>
+        <a:bodyPr/>
+        <a:lstStyle/>
+        <a:p>
+          <a:endParaRPr lang="en-US"/>
+        </a:p>
+      </dgm:t>
+    </dgm:pt>
+    <dgm:pt modelId="{25F921CF-6224-4395-BA6D-9B6B007018AB}" type="pres">
+      <dgm:prSet presAssocID="{98E029C8-5CA3-40CC-A10A-08B3CD21C568}" presName="sibSpaceThree" presStyleCnt="0"/>
+      <dgm:spPr/>
+      <dgm:t>
+        <a:bodyPr/>
+        <a:lstStyle/>
+        <a:p>
+          <a:endParaRPr lang="en-US"/>
+        </a:p>
+      </dgm:t>
+    </dgm:pt>
+    <dgm:pt modelId="{80EB155D-D197-42B3-BB7C-A5ED49E57FA9}" type="pres">
+      <dgm:prSet presAssocID="{E8EF62D3-D04A-4B8D-81FE-6F76C191CF66}" presName="vertThree" presStyleCnt="0"/>
+      <dgm:spPr/>
+      <dgm:t>
+        <a:bodyPr/>
+        <a:lstStyle/>
+        <a:p>
+          <a:endParaRPr lang="en-US"/>
+        </a:p>
+      </dgm:t>
+    </dgm:pt>
+    <dgm:pt modelId="{64026979-1DD5-40DC-B158-A064C52D5C90}" type="pres">
+      <dgm:prSet presAssocID="{E8EF62D3-D04A-4B8D-81FE-6F76C191CF66}" presName="txThree" presStyleLbl="node3" presStyleIdx="4" presStyleCnt="5">
+        <dgm:presLayoutVars>
+          <dgm:chPref val="3"/>
+        </dgm:presLayoutVars>
+      </dgm:prSet>
+      <dgm:spPr/>
+      <dgm:t>
+        <a:bodyPr/>
+        <a:lstStyle/>
+        <a:p>
+          <a:endParaRPr lang="en-US"/>
+        </a:p>
+      </dgm:t>
+    </dgm:pt>
+    <dgm:pt modelId="{F49EBF2B-C060-48A0-A384-59ED83355496}" type="pres">
+      <dgm:prSet presAssocID="{E8EF62D3-D04A-4B8D-81FE-6F76C191CF66}" presName="horzThree" presStyleCnt="0"/>
+      <dgm:spPr/>
+      <dgm:t>
+        <a:bodyPr/>
+        <a:lstStyle/>
+        <a:p>
+          <a:endParaRPr lang="en-US"/>
+        </a:p>
+      </dgm:t>
+    </dgm:pt>
+  </dgm:ptLst>
+  <dgm:cxnLst>
+    <dgm:cxn modelId="{34A8D121-6634-47B7-8280-71390A3188AE}" srcId="{074D7E3F-5B22-4076-B1AA-336E3D1A29F4}" destId="{6F2A0F62-BD49-4491-9A28-5D9F45A4B03B}" srcOrd="3" destOrd="0" parTransId="{B8D37D13-D6F9-4810-AD1F-87DDAEB1526B}" sibTransId="{98E029C8-5CA3-40CC-A10A-08B3CD21C568}"/>
+    <dgm:cxn modelId="{0170D49D-EBFB-A34C-B017-D2C670D2DF44}" type="presOf" srcId="{681C301B-C86B-464C-BD04-95B1694DA0A8}" destId="{0B6555FA-7902-4249-8C01-6D4257EF59E0}" srcOrd="0" destOrd="0" presId="urn:microsoft.com/office/officeart/2005/8/layout/hierarchy4"/>
+    <dgm:cxn modelId="{987D2A46-0602-054A-8925-66A57A5AD74C}" type="presOf" srcId="{074D7E3F-5B22-4076-B1AA-336E3D1A29F4}" destId="{FEAF7C20-F85F-4B97-8959-D874D706536D}" srcOrd="0" destOrd="0" presId="urn:microsoft.com/office/officeart/2005/8/layout/hierarchy4"/>
+    <dgm:cxn modelId="{D4075D8B-F57E-4948-8803-B38B9F038684}" type="presOf" srcId="{9B049A10-506E-44D5-A0BD-AB4F1B88DF19}" destId="{1FC44A36-FCC7-4132-99EE-C64E4C5C267C}" srcOrd="0" destOrd="0" presId="urn:microsoft.com/office/officeart/2005/8/layout/hierarchy4"/>
+    <dgm:cxn modelId="{A021D900-A9D3-40C9-8165-023E386C33CB}" srcId="{681C301B-C86B-464C-BD04-95B1694DA0A8}" destId="{074D7E3F-5B22-4076-B1AA-336E3D1A29F4}" srcOrd="0" destOrd="0" parTransId="{876371A6-DEDA-493D-B375-46ED05B2DE8F}" sibTransId="{A6C0C5C5-3289-4B28-B47A-68F6956AC11F}"/>
+    <dgm:cxn modelId="{72B61C53-A37A-F94A-8195-B0B539C5BA3C}" type="presOf" srcId="{1E2F8270-2E6F-410D-AAA0-021EBE63A6AB}" destId="{564EF014-E9C0-4EDE-8A9B-CD91F89509FB}" srcOrd="0" destOrd="0" presId="urn:microsoft.com/office/officeart/2005/8/layout/hierarchy4"/>
+    <dgm:cxn modelId="{F2964043-C41F-4985-8CD5-CBD3304794A3}" srcId="{074D7E3F-5B22-4076-B1AA-336E3D1A29F4}" destId="{9B049A10-506E-44D5-A0BD-AB4F1B88DF19}" srcOrd="0" destOrd="0" parTransId="{85208592-7628-416E-BFBC-C35CFEEB7F14}" sibTransId="{F7C4FEDC-D37E-4F02-9599-A9AF045B962B}"/>
+    <dgm:cxn modelId="{BFB713FF-CEC0-2D48-BB8B-94CC474E171D}" type="presOf" srcId="{6F2A0F62-BD49-4491-9A28-5D9F45A4B03B}" destId="{F4B51CB0-DCEB-4ED0-B2AE-DCEE75995E19}" srcOrd="0" destOrd="0" presId="urn:microsoft.com/office/officeart/2005/8/layout/hierarchy4"/>
+    <dgm:cxn modelId="{606229B4-CA60-0840-82E3-0D0767158F1A}" type="presOf" srcId="{E8EF62D3-D04A-4B8D-81FE-6F76C191CF66}" destId="{64026979-1DD5-40DC-B158-A064C52D5C90}" srcOrd="0" destOrd="0" presId="urn:microsoft.com/office/officeart/2005/8/layout/hierarchy4"/>
+    <dgm:cxn modelId="{5E1E869D-A60E-4B5F-B238-69BE228E1D85}" srcId="{074D7E3F-5B22-4076-B1AA-336E3D1A29F4}" destId="{263115AB-CCDE-47C7-B038-C832561E0F3C}" srcOrd="2" destOrd="0" parTransId="{76146F21-437F-4CEC-B618-EE891581B4F6}" sibTransId="{012A5AFA-1727-4365-BA37-60B6A4B0FEEC}"/>
+    <dgm:cxn modelId="{1BB09C71-0331-C54C-A26A-C7D631F818F4}" type="presOf" srcId="{0E0D6D1A-8363-4607-B8C1-7D767644ECEE}" destId="{D08656DD-EAEC-457F-9189-FD1C0F9666D2}" srcOrd="0" destOrd="0" presId="urn:microsoft.com/office/officeart/2005/8/layout/hierarchy4"/>
+    <dgm:cxn modelId="{3A5BE1C9-F48F-4C10-8DBC-FAFCBA790F68}" srcId="{0E0D6D1A-8363-4607-B8C1-7D767644ECEE}" destId="{681C301B-C86B-464C-BD04-95B1694DA0A8}" srcOrd="0" destOrd="0" parTransId="{FC5D3AB0-B586-417E-9D20-E8B639333BF6}" sibTransId="{40C148C3-2DEF-429A-BAE6-E48D80C5F531}"/>
+    <dgm:cxn modelId="{8105FAD9-DC60-8744-AB1B-4BEB5E4C5B3E}" type="presOf" srcId="{263115AB-CCDE-47C7-B038-C832561E0F3C}" destId="{43D8FDAF-E129-47BA-80A8-B31A224BB232}" srcOrd="0" destOrd="0" presId="urn:microsoft.com/office/officeart/2005/8/layout/hierarchy4"/>
+    <dgm:cxn modelId="{DA23F978-016A-4718-8C9D-53C750480B10}" srcId="{074D7E3F-5B22-4076-B1AA-336E3D1A29F4}" destId="{E8EF62D3-D04A-4B8D-81FE-6F76C191CF66}" srcOrd="4" destOrd="0" parTransId="{725E2D73-95D0-4C2E-A077-4145F2DD855D}" sibTransId="{119E229B-2350-400E-A8A9-348DF073E23C}"/>
+    <dgm:cxn modelId="{A59A4746-70BE-4817-A960-25372B7C5F97}" srcId="{074D7E3F-5B22-4076-B1AA-336E3D1A29F4}" destId="{1E2F8270-2E6F-410D-AAA0-021EBE63A6AB}" srcOrd="1" destOrd="0" parTransId="{95CC80C5-211E-462B-9BC8-5B5FE238368B}" sibTransId="{69D01E89-7AC7-43F5-AEB2-7054B82207AB}"/>
+    <dgm:cxn modelId="{324F1D6E-053B-9248-B5A5-AD75574937FC}" type="presParOf" srcId="{D08656DD-EAEC-457F-9189-FD1C0F9666D2}" destId="{3A0460FE-4099-4EA8-AE35-45840DD7060A}" srcOrd="0" destOrd="0" presId="urn:microsoft.com/office/officeart/2005/8/layout/hierarchy4"/>
+    <dgm:cxn modelId="{BC6A6F58-8114-2C49-945F-7BD1CEEFFEE4}" type="presParOf" srcId="{3A0460FE-4099-4EA8-AE35-45840DD7060A}" destId="{0B6555FA-7902-4249-8C01-6D4257EF59E0}" srcOrd="0" destOrd="0" presId="urn:microsoft.com/office/officeart/2005/8/layout/hierarchy4"/>
+    <dgm:cxn modelId="{CA6C904C-9256-704B-99A6-B742EAE308F9}" type="presParOf" srcId="{3A0460FE-4099-4EA8-AE35-45840DD7060A}" destId="{C4D413CE-6FD5-4C1D-9808-AFD91791077B}" srcOrd="1" destOrd="0" presId="urn:microsoft.com/office/officeart/2005/8/layout/hierarchy4"/>
+    <dgm:cxn modelId="{C1BB3732-1632-3F41-9FD0-1C1F36EC70CB}" type="presParOf" srcId="{3A0460FE-4099-4EA8-AE35-45840DD7060A}" destId="{41454483-B3A7-4A30-BE8C-D8D4DA1BE6B2}" srcOrd="2" destOrd="0" presId="urn:microsoft.com/office/officeart/2005/8/layout/hierarchy4"/>
+    <dgm:cxn modelId="{0D51437E-CF4D-0548-8B0A-DFACF11B8948}" type="presParOf" srcId="{41454483-B3A7-4A30-BE8C-D8D4DA1BE6B2}" destId="{2D8FE20B-0698-49FA-BFC1-C78D28D95111}" srcOrd="0" destOrd="0" presId="urn:microsoft.com/office/officeart/2005/8/layout/hierarchy4"/>
+    <dgm:cxn modelId="{F297C196-F678-BC4F-9472-F83231E6C017}" type="presParOf" srcId="{2D8FE20B-0698-49FA-BFC1-C78D28D95111}" destId="{FEAF7C20-F85F-4B97-8959-D874D706536D}" srcOrd="0" destOrd="0" presId="urn:microsoft.com/office/officeart/2005/8/layout/hierarchy4"/>
+    <dgm:cxn modelId="{4F1E3DC0-3C99-B84B-89E9-D3FC3D7AA4BF}" type="presParOf" srcId="{2D8FE20B-0698-49FA-BFC1-C78D28D95111}" destId="{4B7E603D-05FE-421C-98CA-71D4BE10ABB0}" srcOrd="1" destOrd="0" presId="urn:microsoft.com/office/officeart/2005/8/layout/hierarchy4"/>
+    <dgm:cxn modelId="{6B3A9BFE-783A-E043-A739-C69057187FE5}" type="presParOf" srcId="{2D8FE20B-0698-49FA-BFC1-C78D28D95111}" destId="{24A93400-7BB2-46FC-A396-16ABE9847AC3}" srcOrd="2" destOrd="0" presId="urn:microsoft.com/office/officeart/2005/8/layout/hierarchy4"/>
+    <dgm:cxn modelId="{ACDA18DE-2E49-D445-8412-BB1FA2801F1E}" type="presParOf" srcId="{24A93400-7BB2-46FC-A396-16ABE9847AC3}" destId="{F85C6B00-6FBA-4B0A-8689-B44EA55C0DE6}" srcOrd="0" destOrd="0" presId="urn:microsoft.com/office/officeart/2005/8/layout/hierarchy4"/>
+    <dgm:cxn modelId="{990CAFE5-D187-1446-9F01-BD206D0B13CF}" type="presParOf" srcId="{F85C6B00-6FBA-4B0A-8689-B44EA55C0DE6}" destId="{1FC44A36-FCC7-4132-99EE-C64E4C5C267C}" srcOrd="0" destOrd="0" presId="urn:microsoft.com/office/officeart/2005/8/layout/hierarchy4"/>
+    <dgm:cxn modelId="{FFEC07DF-5AC7-BF42-A598-715F6975A055}" type="presParOf" srcId="{F85C6B00-6FBA-4B0A-8689-B44EA55C0DE6}" destId="{944FE749-A50F-4E35-9398-8CF9C0D291CA}" srcOrd="1" destOrd="0" presId="urn:microsoft.com/office/officeart/2005/8/layout/hierarchy4"/>
+    <dgm:cxn modelId="{83A26570-B000-9B43-A3BF-C1FD6B162C8F}" type="presParOf" srcId="{24A93400-7BB2-46FC-A396-16ABE9847AC3}" destId="{5CF9E9BF-1B63-49E8-A81B-E3B77878D2DD}" srcOrd="1" destOrd="0" presId="urn:microsoft.com/office/officeart/2005/8/layout/hierarchy4"/>
+    <dgm:cxn modelId="{6FF17EA1-4541-F046-BA96-055B994B0393}" type="presParOf" srcId="{24A93400-7BB2-46FC-A396-16ABE9847AC3}" destId="{87B498D6-78D4-4330-AEEE-7139B1916C10}" srcOrd="2" destOrd="0" presId="urn:microsoft.com/office/officeart/2005/8/layout/hierarchy4"/>
+    <dgm:cxn modelId="{345839F8-2DEE-B44E-B5D0-8A4A062396E8}" type="presParOf" srcId="{87B498D6-78D4-4330-AEEE-7139B1916C10}" destId="{564EF014-E9C0-4EDE-8A9B-CD91F89509FB}" srcOrd="0" destOrd="0" presId="urn:microsoft.com/office/officeart/2005/8/layout/hierarchy4"/>
+    <dgm:cxn modelId="{BD0CC8AB-2292-0F46-B823-898DD52A5CA8}" type="presParOf" srcId="{87B498D6-78D4-4330-AEEE-7139B1916C10}" destId="{9F80209C-BD21-4DBC-8B3B-5D60A9765440}" srcOrd="1" destOrd="0" presId="urn:microsoft.com/office/officeart/2005/8/layout/hierarchy4"/>
+    <dgm:cxn modelId="{1DF19EF5-9769-764E-970C-BF69C7586394}" type="presParOf" srcId="{24A93400-7BB2-46FC-A396-16ABE9847AC3}" destId="{8457F227-4000-4F8C-AC8C-422B8DC03548}" srcOrd="3" destOrd="0" presId="urn:microsoft.com/office/officeart/2005/8/layout/hierarchy4"/>
+    <dgm:cxn modelId="{5F7A6CD3-B2C5-8542-819D-D9C8CE52EB3A}" type="presParOf" srcId="{24A93400-7BB2-46FC-A396-16ABE9847AC3}" destId="{EDA37E82-93FA-49C8-939C-BBFFD337AF96}" srcOrd="4" destOrd="0" presId="urn:microsoft.com/office/officeart/2005/8/layout/hierarchy4"/>
+    <dgm:cxn modelId="{09A273FC-2549-D040-8DE3-9BB703B82715}" type="presParOf" srcId="{EDA37E82-93FA-49C8-939C-BBFFD337AF96}" destId="{43D8FDAF-E129-47BA-80A8-B31A224BB232}" srcOrd="0" destOrd="0" presId="urn:microsoft.com/office/officeart/2005/8/layout/hierarchy4"/>
+    <dgm:cxn modelId="{71473528-27EC-3948-924C-AE706DC56EE9}" type="presParOf" srcId="{EDA37E82-93FA-49C8-939C-BBFFD337AF96}" destId="{70D0AA70-4390-489B-BB39-2CA31F78DE91}" srcOrd="1" destOrd="0" presId="urn:microsoft.com/office/officeart/2005/8/layout/hierarchy4"/>
+    <dgm:cxn modelId="{92D1ACDB-5B91-374D-BB48-B221D75E45EF}" type="presParOf" srcId="{24A93400-7BB2-46FC-A396-16ABE9847AC3}" destId="{383C2657-6197-4AC8-94F2-907A4486215F}" srcOrd="5" destOrd="0" presId="urn:microsoft.com/office/officeart/2005/8/layout/hierarchy4"/>
+    <dgm:cxn modelId="{7C71617D-4C18-EF40-9B81-8C78D2E986F6}" type="presParOf" srcId="{24A93400-7BB2-46FC-A396-16ABE9847AC3}" destId="{8CF0160C-16EA-4A7E-B215-EC596970B5EB}" srcOrd="6" destOrd="0" presId="urn:microsoft.com/office/officeart/2005/8/layout/hierarchy4"/>
+    <dgm:cxn modelId="{9949C69A-98A4-DC4E-A5DE-A592DBAA0893}" type="presParOf" srcId="{8CF0160C-16EA-4A7E-B215-EC596970B5EB}" destId="{F4B51CB0-DCEB-4ED0-B2AE-DCEE75995E19}" srcOrd="0" destOrd="0" presId="urn:microsoft.com/office/officeart/2005/8/layout/hierarchy4"/>
+    <dgm:cxn modelId="{3C2ED2C5-F717-954C-8EE1-F7EA83CADD54}" type="presParOf" srcId="{8CF0160C-16EA-4A7E-B215-EC596970B5EB}" destId="{CDB19019-DCEC-4809-92A6-63E705962465}" srcOrd="1" destOrd="0" presId="urn:microsoft.com/office/officeart/2005/8/layout/hierarchy4"/>
+    <dgm:cxn modelId="{E9845962-B8FC-A34E-A6EB-C24344DD53AE}" type="presParOf" srcId="{24A93400-7BB2-46FC-A396-16ABE9847AC3}" destId="{25F921CF-6224-4395-BA6D-9B6B007018AB}" srcOrd="7" destOrd="0" presId="urn:microsoft.com/office/officeart/2005/8/layout/hierarchy4"/>
+    <dgm:cxn modelId="{99637027-D849-D241-82DC-168FEC931886}" type="presParOf" srcId="{24A93400-7BB2-46FC-A396-16ABE9847AC3}" destId="{80EB155D-D197-42B3-BB7C-A5ED49E57FA9}" srcOrd="8" destOrd="0" presId="urn:microsoft.com/office/officeart/2005/8/layout/hierarchy4"/>
+    <dgm:cxn modelId="{218C42A4-EEC2-9C47-8515-124EB782D8C1}" type="presParOf" srcId="{80EB155D-D197-42B3-BB7C-A5ED49E57FA9}" destId="{64026979-1DD5-40DC-B158-A064C52D5C90}" srcOrd="0" destOrd="0" presId="urn:microsoft.com/office/officeart/2005/8/layout/hierarchy4"/>
+    <dgm:cxn modelId="{AD839F87-6494-4246-899F-F0246C30C905}" type="presParOf" srcId="{80EB155D-D197-42B3-BB7C-A5ED49E57FA9}" destId="{F49EBF2B-C060-48A0-A384-59ED83355496}" srcOrd="1" destOrd="0" presId="urn:microsoft.com/office/officeart/2005/8/layout/hierarchy4"/>
+  </dgm:cxnLst>
+  <dgm:bg>
+    <a:effectLst>
+      <a:outerShdw blurRad="50800" dist="50800" dir="5400000" sx="1000" sy="1000" algn="ctr" rotWithShape="0">
+        <a:srgbClr val="000000">
+          <a:alpha val="48000"/>
+        </a:srgbClr>
+      </a:outerShdw>
+    </a:effectLst>
+  </dgm:bg>
+  <dgm:whole/>
+  <dgm:extLst>
+    <a:ext uri="http://schemas.microsoft.com/office/drawing/2008/diagram">
+      <dsp:dataModelExt xmlns:dsp="http://schemas.microsoft.com/office/drawing/2008/diagram" relId="rId6" minVer="http://schemas.openxmlformats.org/drawingml/2006/diagram"/>
+    </a:ext>
+  </dgm:extLst>
+</dgm:dataModel>
+</file>
+
+<file path=ppt/diagrams/drawing1.xml><?xml version="1.0" encoding="utf-8"?>
+<dsp:drawing xmlns:dgm="http://schemas.openxmlformats.org/drawingml/2006/diagram" xmlns:dsp="http://schemas.microsoft.com/office/drawing/2008/diagram" xmlns:a="http://schemas.openxmlformats.org/drawingml/2006/main">
+  <dsp:spTree>
+    <dsp:nvGrpSpPr>
+      <dsp:cNvPr id="0" name=""/>
+      <dsp:cNvGrpSpPr/>
+    </dsp:nvGrpSpPr>
+    <dsp:grpSpPr/>
+    <dsp:sp modelId="{0B6555FA-7902-4249-8C01-6D4257EF59E0}">
+      <dsp:nvSpPr>
+        <dsp:cNvPr id="0" name=""/>
+        <dsp:cNvSpPr/>
+      </dsp:nvSpPr>
+      <dsp:spPr>
+        <a:xfrm>
+          <a:off x="0" y="0"/>
+          <a:ext cx="7690668" cy="927199"/>
+        </a:xfrm>
+        <a:prstGeom prst="roundRect">
+          <a:avLst>
+            <a:gd name="adj" fmla="val 10000"/>
+          </a:avLst>
+        </a:prstGeom>
+        <a:solidFill>
+          <a:schemeClr val="accent1">
+            <a:hueOff val="0"/>
+            <a:satOff val="0"/>
+            <a:lumOff val="0"/>
+            <a:alphaOff val="0"/>
+          </a:schemeClr>
+        </a:solidFill>
+        <a:ln w="38100" cap="flat" cmpd="sng" algn="ctr">
+          <a:solidFill>
+            <a:schemeClr val="lt1">
+              <a:hueOff val="0"/>
+              <a:satOff val="0"/>
+              <a:lumOff val="0"/>
+              <a:alphaOff val="0"/>
+            </a:schemeClr>
+          </a:solidFill>
+          <a:prstDash val="solid"/>
+        </a:ln>
+        <a:effectLst>
+          <a:outerShdw blurRad="40000" dist="20000" dir="5400000" rotWithShape="0">
+            <a:srgbClr val="000000">
+              <a:alpha val="38000"/>
+            </a:srgbClr>
+          </a:outerShdw>
+        </a:effectLst>
+      </dsp:spPr>
+      <dsp:style>
+        <a:lnRef idx="3">
+          <a:scrgbClr r="0" g="0" b="0"/>
+        </a:lnRef>
+        <a:fillRef idx="1">
+          <a:scrgbClr r="0" g="0" b="0"/>
+        </a:fillRef>
+        <a:effectRef idx="1">
+          <a:scrgbClr r="0" g="0" b="0"/>
+        </a:effectRef>
+        <a:fontRef idx="minor">
+          <a:schemeClr val="lt1"/>
+        </a:fontRef>
+      </dsp:style>
+      <dsp:txBody>
+        <a:bodyPr spcFirstLastPara="0" vert="horz" wrap="square" lIns="152400" tIns="152400" rIns="152400" bIns="152400" numCol="1" spcCol="1270" anchor="ctr" anchorCtr="0">
+          <a:noAutofit/>
+        </a:bodyPr>
+        <a:lstStyle/>
+        <a:p>
+          <a:pPr lvl="0" algn="ctr" defTabSz="1778000">
+            <a:lnSpc>
+              <a:spcPct val="90000"/>
+            </a:lnSpc>
+            <a:spcBef>
+              <a:spcPct val="0"/>
+            </a:spcBef>
+            <a:spcAft>
+              <a:spcPct val="35000"/>
+            </a:spcAft>
+          </a:pPr>
+          <a:r>
+            <a:rPr lang="en-US" sz="4000" kern="1200" dirty="0" smtClean="0"/>
+            <a:t>Applications</a:t>
+          </a:r>
+          <a:endParaRPr lang="en-US" sz="4000" kern="1200" dirty="0"/>
+        </a:p>
+      </dsp:txBody>
+      <dsp:txXfrm>
+        <a:off x="27157" y="27157"/>
+        <a:ext cx="7636354" cy="872885"/>
+      </dsp:txXfrm>
+    </dsp:sp>
+    <dsp:sp modelId="{FEAF7C20-F85F-4B97-8959-D874D706536D}">
+      <dsp:nvSpPr>
+        <dsp:cNvPr id="0" name=""/>
+        <dsp:cNvSpPr/>
+      </dsp:nvSpPr>
+      <dsp:spPr>
+        <a:xfrm>
+          <a:off x="2765" y="1060400"/>
+          <a:ext cx="7690668" cy="927199"/>
+        </a:xfrm>
+        <a:prstGeom prst="roundRect">
+          <a:avLst>
+            <a:gd name="adj" fmla="val 10000"/>
+          </a:avLst>
+        </a:prstGeom>
+        <a:solidFill>
+          <a:schemeClr val="accent3">
+            <a:hueOff val="0"/>
+            <a:satOff val="0"/>
+            <a:lumOff val="0"/>
+            <a:alphaOff val="0"/>
+          </a:schemeClr>
+        </a:solidFill>
+        <a:ln w="38100" cap="flat" cmpd="sng" algn="ctr">
+          <a:solidFill>
+            <a:schemeClr val="lt1">
+              <a:hueOff val="0"/>
+              <a:satOff val="0"/>
+              <a:lumOff val="0"/>
+              <a:alphaOff val="0"/>
+            </a:schemeClr>
+          </a:solidFill>
+          <a:prstDash val="solid"/>
+        </a:ln>
+        <a:effectLst>
+          <a:outerShdw blurRad="40000" dist="20000" dir="5400000" rotWithShape="0">
+            <a:srgbClr val="000000">
+              <a:alpha val="38000"/>
+            </a:srgbClr>
+          </a:outerShdw>
+        </a:effectLst>
+      </dsp:spPr>
+      <dsp:style>
+        <a:lnRef idx="3">
+          <a:scrgbClr r="0" g="0" b="0"/>
+        </a:lnRef>
+        <a:fillRef idx="1">
+          <a:scrgbClr r="0" g="0" b="0"/>
+        </a:fillRef>
+        <a:effectRef idx="1">
+          <a:scrgbClr r="0" g="0" b="0"/>
+        </a:effectRef>
+        <a:fontRef idx="minor">
+          <a:schemeClr val="lt1"/>
+        </a:fontRef>
+      </dsp:style>
+      <dsp:txBody>
+        <a:bodyPr spcFirstLastPara="0" vert="horz" wrap="square" lIns="152400" tIns="152400" rIns="152400" bIns="152400" numCol="1" spcCol="1270" anchor="ctr" anchorCtr="0">
+          <a:noAutofit/>
+        </a:bodyPr>
+        <a:lstStyle/>
+        <a:p>
+          <a:pPr lvl="0" algn="ctr" defTabSz="1778000">
+            <a:lnSpc>
+              <a:spcPct val="90000"/>
+            </a:lnSpc>
+            <a:spcBef>
+              <a:spcPct val="0"/>
+            </a:spcBef>
+            <a:spcAft>
+              <a:spcPct val="35000"/>
+            </a:spcAft>
+          </a:pPr>
+          <a:r>
+            <a:rPr lang="en-US" sz="4000" kern="1200" dirty="0" smtClean="0"/>
+            <a:t>Content Providers</a:t>
+          </a:r>
+          <a:endParaRPr lang="en-US" sz="4000" kern="1200" dirty="0"/>
+        </a:p>
+      </dsp:txBody>
+      <dsp:txXfrm>
+        <a:off x="29922" y="1087557"/>
+        <a:ext cx="7636354" cy="872885"/>
+      </dsp:txXfrm>
+    </dsp:sp>
+    <dsp:sp modelId="{1FC44A36-FCC7-4132-99EE-C64E4C5C267C}">
+      <dsp:nvSpPr>
+        <dsp:cNvPr id="0" name=""/>
+        <dsp:cNvSpPr/>
+      </dsp:nvSpPr>
+      <dsp:spPr>
+        <a:xfrm>
+          <a:off x="2765" y="2118705"/>
+          <a:ext cx="1488132" cy="927199"/>
+        </a:xfrm>
+        <a:prstGeom prst="roundRect">
+          <a:avLst>
+            <a:gd name="adj" fmla="val 10000"/>
+          </a:avLst>
+        </a:prstGeom>
+        <a:solidFill>
+          <a:schemeClr val="accent4">
+            <a:hueOff val="0"/>
+            <a:satOff val="0"/>
+            <a:lumOff val="0"/>
+            <a:alphaOff val="0"/>
+          </a:schemeClr>
+        </a:solidFill>
+        <a:ln w="38100" cap="flat" cmpd="sng" algn="ctr">
+          <a:solidFill>
+            <a:schemeClr val="lt1">
+              <a:hueOff val="0"/>
+              <a:satOff val="0"/>
+              <a:lumOff val="0"/>
+              <a:alphaOff val="0"/>
+            </a:schemeClr>
+          </a:solidFill>
+          <a:prstDash val="solid"/>
+        </a:ln>
+        <a:effectLst>
+          <a:outerShdw blurRad="40000" dist="20000" dir="5400000" rotWithShape="0">
+            <a:srgbClr val="000000">
+              <a:alpha val="38000"/>
+            </a:srgbClr>
+          </a:outerShdw>
+        </a:effectLst>
+      </dsp:spPr>
+      <dsp:style>
+        <a:lnRef idx="3">
+          <a:scrgbClr r="0" g="0" b="0"/>
+        </a:lnRef>
+        <a:fillRef idx="1">
+          <a:scrgbClr r="0" g="0" b="0"/>
+        </a:fillRef>
+        <a:effectRef idx="1">
+          <a:scrgbClr r="0" g="0" b="0"/>
+        </a:effectRef>
+        <a:fontRef idx="minor">
+          <a:schemeClr val="lt1"/>
+        </a:fontRef>
+      </dsp:style>
+      <dsp:txBody>
+        <a:bodyPr spcFirstLastPara="0" vert="horz" wrap="square" lIns="110490" tIns="110490" rIns="110490" bIns="110490" numCol="1" spcCol="1270" anchor="ctr" anchorCtr="0">
+          <a:noAutofit/>
+        </a:bodyPr>
+        <a:lstStyle/>
+        <a:p>
+          <a:pPr lvl="0" algn="ctr" defTabSz="1289050">
+            <a:lnSpc>
+              <a:spcPct val="90000"/>
+            </a:lnSpc>
+            <a:spcBef>
+              <a:spcPct val="0"/>
+            </a:spcBef>
+            <a:spcAft>
+              <a:spcPct val="35000"/>
+            </a:spcAft>
+          </a:pPr>
+          <a:r>
+            <a:rPr lang="en-US" sz="2900" kern="1200" dirty="0" smtClean="0"/>
+            <a:t>Contacts</a:t>
+          </a:r>
+          <a:endParaRPr lang="en-US" sz="2900" kern="1200" dirty="0"/>
+        </a:p>
+      </dsp:txBody>
+      <dsp:txXfrm>
+        <a:off x="29922" y="2145862"/>
+        <a:ext cx="1433818" cy="872885"/>
+      </dsp:txXfrm>
+    </dsp:sp>
+    <dsp:sp modelId="{564EF014-E9C0-4EDE-8A9B-CD91F89509FB}">
+      <dsp:nvSpPr>
+        <dsp:cNvPr id="0" name=""/>
+        <dsp:cNvSpPr/>
+      </dsp:nvSpPr>
+      <dsp:spPr>
+        <a:xfrm>
+          <a:off x="1553399" y="2118705"/>
+          <a:ext cx="1488132" cy="927199"/>
+        </a:xfrm>
+        <a:prstGeom prst="roundRect">
+          <a:avLst>
+            <a:gd name="adj" fmla="val 10000"/>
+          </a:avLst>
+        </a:prstGeom>
+        <a:solidFill>
+          <a:schemeClr val="accent4">
+            <a:hueOff val="0"/>
+            <a:satOff val="0"/>
+            <a:lumOff val="0"/>
+            <a:alphaOff val="0"/>
+          </a:schemeClr>
+        </a:solidFill>
+        <a:ln w="38100" cap="flat" cmpd="sng" algn="ctr">
+          <a:solidFill>
+            <a:schemeClr val="lt1">
+              <a:hueOff val="0"/>
+              <a:satOff val="0"/>
+              <a:lumOff val="0"/>
+              <a:alphaOff val="0"/>
+            </a:schemeClr>
+          </a:solidFill>
+          <a:prstDash val="solid"/>
+        </a:ln>
+        <a:effectLst>
+          <a:outerShdw blurRad="40000" dist="20000" dir="5400000" rotWithShape="0">
+            <a:srgbClr val="000000">
+              <a:alpha val="38000"/>
+            </a:srgbClr>
+          </a:outerShdw>
+        </a:effectLst>
+      </dsp:spPr>
+      <dsp:style>
+        <a:lnRef idx="3">
+          <a:scrgbClr r="0" g="0" b="0"/>
+        </a:lnRef>
+        <a:fillRef idx="1">
+          <a:scrgbClr r="0" g="0" b="0"/>
+        </a:fillRef>
+        <a:effectRef idx="1">
+          <a:scrgbClr r="0" g="0" b="0"/>
+        </a:effectRef>
+        <a:fontRef idx="minor">
+          <a:schemeClr val="lt1"/>
+        </a:fontRef>
+      </dsp:style>
+      <dsp:txBody>
+        <a:bodyPr spcFirstLastPara="0" vert="horz" wrap="square" lIns="110490" tIns="110490" rIns="110490" bIns="110490" numCol="1" spcCol="1270" anchor="ctr" anchorCtr="0">
+          <a:noAutofit/>
+        </a:bodyPr>
+        <a:lstStyle/>
+        <a:p>
+          <a:pPr lvl="0" algn="ctr" defTabSz="1289050">
+            <a:lnSpc>
+              <a:spcPct val="90000"/>
+            </a:lnSpc>
+            <a:spcBef>
+              <a:spcPct val="0"/>
+            </a:spcBef>
+            <a:spcAft>
+              <a:spcPct val="35000"/>
+            </a:spcAft>
+          </a:pPr>
+          <a:r>
+            <a:rPr lang="en-US" sz="2900" kern="1200" dirty="0" smtClean="0"/>
+            <a:t>Music</a:t>
+          </a:r>
+          <a:endParaRPr lang="en-US" sz="2900" kern="1200" dirty="0"/>
+        </a:p>
+      </dsp:txBody>
+      <dsp:txXfrm>
+        <a:off x="1580556" y="2145862"/>
+        <a:ext cx="1433818" cy="872885"/>
+      </dsp:txXfrm>
+    </dsp:sp>
+    <dsp:sp modelId="{43D8FDAF-E129-47BA-80A8-B31A224BB232}">
+      <dsp:nvSpPr>
+        <dsp:cNvPr id="0" name=""/>
+        <dsp:cNvSpPr/>
+      </dsp:nvSpPr>
+      <dsp:spPr>
+        <a:xfrm>
+          <a:off x="3104033" y="2118705"/>
+          <a:ext cx="1488132" cy="927199"/>
+        </a:xfrm>
+        <a:prstGeom prst="roundRect">
+          <a:avLst>
+            <a:gd name="adj" fmla="val 10000"/>
+          </a:avLst>
+        </a:prstGeom>
+        <a:solidFill>
+          <a:schemeClr val="accent4">
+            <a:hueOff val="0"/>
+            <a:satOff val="0"/>
+            <a:lumOff val="0"/>
+            <a:alphaOff val="0"/>
+          </a:schemeClr>
+        </a:solidFill>
+        <a:ln w="38100" cap="flat" cmpd="sng" algn="ctr">
+          <a:solidFill>
+            <a:schemeClr val="lt1">
+              <a:hueOff val="0"/>
+              <a:satOff val="0"/>
+              <a:lumOff val="0"/>
+              <a:alphaOff val="0"/>
+            </a:schemeClr>
+          </a:solidFill>
+          <a:prstDash val="solid"/>
+        </a:ln>
+        <a:effectLst>
+          <a:outerShdw blurRad="40000" dist="20000" dir="5400000" rotWithShape="0">
+            <a:srgbClr val="000000">
+              <a:alpha val="38000"/>
+            </a:srgbClr>
+          </a:outerShdw>
+        </a:effectLst>
+      </dsp:spPr>
+      <dsp:style>
+        <a:lnRef idx="3">
+          <a:scrgbClr r="0" g="0" b="0"/>
+        </a:lnRef>
+        <a:fillRef idx="1">
+          <a:scrgbClr r="0" g="0" b="0"/>
+        </a:fillRef>
+        <a:effectRef idx="1">
+          <a:scrgbClr r="0" g="0" b="0"/>
+        </a:effectRef>
+        <a:fontRef idx="minor">
+          <a:schemeClr val="lt1"/>
+        </a:fontRef>
+      </dsp:style>
+      <dsp:txBody>
+        <a:bodyPr spcFirstLastPara="0" vert="horz" wrap="square" lIns="110490" tIns="110490" rIns="110490" bIns="110490" numCol="1" spcCol="1270" anchor="ctr" anchorCtr="0">
+          <a:noAutofit/>
+        </a:bodyPr>
+        <a:lstStyle/>
+        <a:p>
+          <a:pPr lvl="0" algn="ctr" defTabSz="1289050">
+            <a:lnSpc>
+              <a:spcPct val="90000"/>
+            </a:lnSpc>
+            <a:spcBef>
+              <a:spcPct val="0"/>
+            </a:spcBef>
+            <a:spcAft>
+              <a:spcPct val="35000"/>
+            </a:spcAft>
+          </a:pPr>
+          <a:r>
+            <a:rPr lang="en-US" sz="2900" kern="1200" dirty="0" smtClean="0"/>
+            <a:t>Videos</a:t>
+          </a:r>
+          <a:endParaRPr lang="en-US" sz="2900" kern="1200" dirty="0"/>
+        </a:p>
+      </dsp:txBody>
+      <dsp:txXfrm>
+        <a:off x="3131190" y="2145862"/>
+        <a:ext cx="1433818" cy="872885"/>
+      </dsp:txXfrm>
+    </dsp:sp>
+    <dsp:sp modelId="{F4B51CB0-DCEB-4ED0-B2AE-DCEE75995E19}">
+      <dsp:nvSpPr>
+        <dsp:cNvPr id="0" name=""/>
+        <dsp:cNvSpPr/>
+      </dsp:nvSpPr>
+      <dsp:spPr>
+        <a:xfrm>
+          <a:off x="4654667" y="2118705"/>
+          <a:ext cx="1488132" cy="927199"/>
+        </a:xfrm>
+        <a:prstGeom prst="roundRect">
+          <a:avLst>
+            <a:gd name="adj" fmla="val 10000"/>
+          </a:avLst>
+        </a:prstGeom>
+        <a:solidFill>
+          <a:schemeClr val="accent4">
+            <a:hueOff val="0"/>
+            <a:satOff val="0"/>
+            <a:lumOff val="0"/>
+            <a:alphaOff val="0"/>
+          </a:schemeClr>
+        </a:solidFill>
+        <a:ln w="38100" cap="flat" cmpd="sng" algn="ctr">
+          <a:solidFill>
+            <a:schemeClr val="lt1">
+              <a:hueOff val="0"/>
+              <a:satOff val="0"/>
+              <a:lumOff val="0"/>
+              <a:alphaOff val="0"/>
+            </a:schemeClr>
+          </a:solidFill>
+          <a:prstDash val="solid"/>
+        </a:ln>
+        <a:effectLst>
+          <a:outerShdw blurRad="40000" dist="20000" dir="5400000" rotWithShape="0">
+            <a:srgbClr val="000000">
+              <a:alpha val="38000"/>
+            </a:srgbClr>
+          </a:outerShdw>
+        </a:effectLst>
+      </dsp:spPr>
+      <dsp:style>
+        <a:lnRef idx="3">
+          <a:scrgbClr r="0" g="0" b="0"/>
+        </a:lnRef>
+        <a:fillRef idx="1">
+          <a:scrgbClr r="0" g="0" b="0"/>
+        </a:fillRef>
+        <a:effectRef idx="1">
+          <a:scrgbClr r="0" g="0" b="0"/>
+        </a:effectRef>
+        <a:fontRef idx="minor">
+          <a:schemeClr val="lt1"/>
+        </a:fontRef>
+      </dsp:style>
+      <dsp:txBody>
+        <a:bodyPr spcFirstLastPara="0" vert="horz" wrap="square" lIns="110490" tIns="110490" rIns="110490" bIns="110490" numCol="1" spcCol="1270" anchor="ctr" anchorCtr="0">
+          <a:noAutofit/>
+        </a:bodyPr>
+        <a:lstStyle/>
+        <a:p>
+          <a:pPr lvl="0" algn="ctr" defTabSz="1289050">
+            <a:lnSpc>
+              <a:spcPct val="90000"/>
+            </a:lnSpc>
+            <a:spcBef>
+              <a:spcPct val="0"/>
+            </a:spcBef>
+            <a:spcAft>
+              <a:spcPct val="35000"/>
+            </a:spcAft>
+          </a:pPr>
+          <a:r>
+            <a:rPr lang="en-US" sz="2900" kern="1200" dirty="0" smtClean="0"/>
+            <a:t>Pictures</a:t>
+          </a:r>
+          <a:endParaRPr lang="en-US" sz="2900" kern="1200" dirty="0"/>
+        </a:p>
+      </dsp:txBody>
+      <dsp:txXfrm>
+        <a:off x="4681824" y="2145862"/>
+        <a:ext cx="1433818" cy="872885"/>
+      </dsp:txXfrm>
+    </dsp:sp>
+    <dsp:sp modelId="{64026979-1DD5-40DC-B158-A064C52D5C90}">
+      <dsp:nvSpPr>
+        <dsp:cNvPr id="0" name=""/>
+        <dsp:cNvSpPr/>
+      </dsp:nvSpPr>
+      <dsp:spPr>
+        <a:xfrm>
+          <a:off x="6205301" y="2118705"/>
+          <a:ext cx="1488132" cy="927199"/>
+        </a:xfrm>
+        <a:prstGeom prst="roundRect">
+          <a:avLst>
+            <a:gd name="adj" fmla="val 10000"/>
+          </a:avLst>
+        </a:prstGeom>
+        <a:solidFill>
+          <a:schemeClr val="accent4">
+            <a:hueOff val="0"/>
+            <a:satOff val="0"/>
+            <a:lumOff val="0"/>
+            <a:alphaOff val="0"/>
+          </a:schemeClr>
+        </a:solidFill>
+        <a:ln w="38100" cap="flat" cmpd="sng" algn="ctr">
+          <a:solidFill>
+            <a:schemeClr val="lt1">
+              <a:hueOff val="0"/>
+              <a:satOff val="0"/>
+              <a:lumOff val="0"/>
+              <a:alphaOff val="0"/>
+            </a:schemeClr>
+          </a:solidFill>
+          <a:prstDash val="solid"/>
+        </a:ln>
+        <a:effectLst>
+          <a:outerShdw blurRad="40000" dist="20000" dir="5400000" rotWithShape="0">
+            <a:srgbClr val="000000">
+              <a:alpha val="38000"/>
+            </a:srgbClr>
+          </a:outerShdw>
+        </a:effectLst>
+      </dsp:spPr>
+      <dsp:style>
+        <a:lnRef idx="3">
+          <a:scrgbClr r="0" g="0" b="0"/>
+        </a:lnRef>
+        <a:fillRef idx="1">
+          <a:scrgbClr r="0" g="0" b="0"/>
+        </a:fillRef>
+        <a:effectRef idx="1">
+          <a:scrgbClr r="0" g="0" b="0"/>
+        </a:effectRef>
+        <a:fontRef idx="minor">
+          <a:schemeClr val="lt1"/>
+        </a:fontRef>
+      </dsp:style>
+      <dsp:txBody>
+        <a:bodyPr spcFirstLastPara="0" vert="horz" wrap="square" lIns="110490" tIns="110490" rIns="110490" bIns="110490" numCol="1" spcCol="1270" anchor="ctr" anchorCtr="0">
+          <a:noAutofit/>
+        </a:bodyPr>
+        <a:lstStyle/>
+        <a:p>
+          <a:pPr lvl="0" algn="ctr" defTabSz="1289050">
+            <a:lnSpc>
+              <a:spcPct val="90000"/>
+            </a:lnSpc>
+            <a:spcBef>
+              <a:spcPct val="0"/>
+            </a:spcBef>
+            <a:spcAft>
+              <a:spcPct val="35000"/>
+            </a:spcAft>
+          </a:pPr>
+          <a:r>
+            <a:rPr lang="en-US" sz="2900" kern="1200" dirty="0" smtClean="0"/>
+            <a:t>…</a:t>
+          </a:r>
+          <a:endParaRPr lang="en-US" sz="2900" kern="1200" dirty="0"/>
+        </a:p>
+      </dsp:txBody>
+      <dsp:txXfrm>
+        <a:off x="6232458" y="2145862"/>
+        <a:ext cx="1433818" cy="872885"/>
+      </dsp:txXfrm>
+    </dsp:sp>
+  </dsp:spTree>
+</dsp:drawing>
+</file>
+
+<file path=ppt/diagrams/layout1.xml><?xml version="1.0" encoding="utf-8"?>
+<dgm:layoutDef xmlns:dgm="http://schemas.openxmlformats.org/drawingml/2006/diagram" xmlns:a="http://schemas.openxmlformats.org/drawingml/2006/main" uniqueId="urn:microsoft.com/office/officeart/2005/8/layout/hierarchy4">
+  <dgm:title val=""/>
+  <dgm:desc val=""/>
+  <dgm:catLst>
+    <dgm:cat type="hierarchy" pri="4000"/>
+    <dgm:cat type="list" pri="24000"/>
+    <dgm:cat type="relationship" pri="10000"/>
+  </dgm:catLst>
+  <dgm:sampData>
+    <dgm:dataModel>
+      <dgm:ptLst>
+        <dgm:pt modelId="0" type="doc"/>
+        <dgm:pt modelId="1">
+          <dgm:prSet phldr="1"/>
+        </dgm:pt>
+        <dgm:pt modelId="2">
+          <dgm:prSet phldr="1"/>
+        </dgm:pt>
+        <dgm:pt modelId="21">
+          <dgm:prSet phldr="1"/>
+        </dgm:pt>
+        <dgm:pt modelId="22">
+          <dgm:prSet phldr="1"/>
+        </dgm:pt>
+        <dgm:pt modelId="3">
+          <dgm:prSet phldr="1"/>
+        </dgm:pt>
+        <dgm:pt modelId="31">
+          <dgm:prSet phldr="1"/>
+        </dgm:pt>
+      </dgm:ptLst>
+      <dgm:cxnLst>
+        <dgm:cxn modelId="4" srcId="0" destId="1" srcOrd="0" destOrd="0"/>
+        <dgm:cxn modelId="5" srcId="1" destId="2" srcOrd="0" destOrd="0"/>
+        <dgm:cxn modelId="6" srcId="1" destId="3" srcOrd="1" destOrd="0"/>
+        <dgm:cxn modelId="23" srcId="2" destId="21" srcOrd="0" destOrd="0"/>
+        <dgm:cxn modelId="24" srcId="2" destId="22" srcOrd="1" destOrd="0"/>
+        <dgm:cxn modelId="33" srcId="3" destId="31" srcOrd="0" destOrd="0"/>
+      </dgm:cxnLst>
+      <dgm:bg/>
+      <dgm:whole/>
+    </dgm:dataModel>
+  </dgm:sampData>
+  <dgm:styleData>
+    <dgm:dataModel>
+      <dgm:ptLst>
+        <dgm:pt modelId="0" type="doc"/>
+        <dgm:pt modelId="1"/>
+        <dgm:pt modelId="11"/>
+        <dgm:pt modelId="12"/>
+      </dgm:ptLst>
+      <dgm:cxnLst>
+        <dgm:cxn modelId="2" srcId="0" destId="1" srcOrd="0" destOrd="0"/>
+        <dgm:cxn modelId="13" srcId="1" destId="11" srcOrd="0" destOrd="0"/>
+        <dgm:cxn modelId="14" srcId="1" destId="12" srcOrd="1" destOrd="0"/>
+      </dgm:cxnLst>
+      <dgm:bg/>
+      <dgm:whole/>
+    </dgm:dataModel>
+  </dgm:styleData>
+  <dgm:clrData>
+    <dgm:dataModel>
+      <dgm:ptLst>
+        <dgm:pt modelId="0" type="doc"/>
+        <dgm:pt modelId="1"/>
+        <dgm:pt modelId="2"/>
+        <dgm:pt modelId="21"/>
+        <dgm:pt modelId="211"/>
+        <dgm:pt modelId="3"/>
+        <dgm:pt modelId="31"/>
+        <dgm:pt modelId="311"/>
+      </dgm:ptLst>
+      <dgm:cxnLst>
+        <dgm:cxn modelId="4" srcId="0" destId="1" srcOrd="0" destOrd="0"/>
+        <dgm:cxn modelId="5" srcId="1" destId="2" srcOrd="0" destOrd="0"/>
+        <dgm:cxn modelId="6" srcId="1" destId="3" srcOrd="1" destOrd="0"/>
+        <dgm:cxn modelId="23" srcId="2" destId="21" srcOrd="0" destOrd="0"/>
+        <dgm:cxn modelId="24" srcId="21" destId="211" srcOrd="0" destOrd="0"/>
+        <dgm:cxn modelId="33" srcId="3" destId="31" srcOrd="0" destOrd="0"/>
+        <dgm:cxn modelId="34" srcId="31" destId="311" srcOrd="0" destOrd="0"/>
+      </dgm:cxnLst>
+      <dgm:bg/>
+      <dgm:whole/>
+    </dgm:dataModel>
+  </dgm:clrData>
+  <dgm:layoutNode name="Name0">
+    <dgm:varLst>
+      <dgm:chPref val="1"/>
+      <dgm:dir/>
+      <dgm:animOne val="branch"/>
+      <dgm:animLvl val="lvl"/>
+      <dgm:resizeHandles/>
+    </dgm:varLst>
+    <dgm:choose name="Name1">
+      <dgm:if name="Name2" func="var" arg="dir" op="equ" val="norm">
+        <dgm:alg type="lin">
+          <dgm:param type="linDir" val="fromL"/>
+          <dgm:param type="nodeVertAlign" val="t"/>
+        </dgm:alg>
+      </dgm:if>
+      <dgm:else name="Name3">
+        <dgm:alg type="lin">
+          <dgm:param type="linDir" val="fromR"/>
+          <dgm:param type="nodeVertAlign" val="t"/>
+        </dgm:alg>
+      </dgm:else>
+    </dgm:choose>
+    <dgm:shape xmlns:r="http://schemas.openxmlformats.org/officeDocument/2006/relationships" r:blip="">
+      <dgm:adjLst/>
+    </dgm:shape>
+    <dgm:presOf/>
+    <dgm:constrLst>
+      <dgm:constr type="w" for="ch" forName="vertOne" refType="w"/>
+      <dgm:constr type="w" for="des" forName="horzOne" refType="w"/>
+      <dgm:constr type="w" for="des" forName="txOne" refType="w"/>
+      <dgm:constr type="w" for="des" forName="vertTwo" refType="w"/>
+      <dgm:constr type="w" for="des" forName="horzTwo" refType="w"/>
+      <dgm:constr type="w" for="des" forName="txTwo" refType="w"/>
+      <dgm:constr type="w" for="des" forName="vertThree" refType="w"/>
+      <dgm:constr type="w" for="des" forName="horzThree" refType="w"/>
+      <dgm:constr type="w" for="des" forName="txThree" refType="w"/>
+      <dgm:constr type="w" for="des" forName="vertFour" refType="w"/>
+      <dgm:constr type="w" for="des" forName="horzFour" refType="w"/>
+      <dgm:constr type="w" for="des" forName="txFour" refType="w"/>
+      <dgm:constr type="h" for="des" ptType="node" op="equ"/>
+      <dgm:constr type="h" for="des" forName="txOne" refType="h"/>
+      <dgm:constr type="userH" for="des" ptType="node" refType="h" refFor="des" refForName="txOne"/>
+      <dgm:constr type="primFontSz" for="des" forName="txOne" val="65"/>
+      <dgm:constr type="primFontSz" for="des" forName="txTwo" val="65"/>
+      <dgm:constr type="primFontSz" for="des" forName="txTwo" refType="primFontSz" refFor="des" refForName="txOne" op="lte"/>
+      <dgm:constr type="primFontSz" for="des" forName="txThree" val="65"/>
+      <dgm:constr type="primFontSz" for="des" forName="txThree" refType="primFontSz" refFor="des" refForName="txOne" op="lte"/>
+      <dgm:constr type="primFontSz" for="des" forName="txThree" refType="primFontSz" refFor="des" refForName="txTwo" op="lte"/>
+      <dgm:constr type="primFontSz" for="des" forName="txFour" val="65"/>
+      <dgm:constr type="primFontSz" for="des" forName="txFour" refType="primFontSz" refFor="des" refForName="txOne" op="lte"/>
+      <dgm:constr type="primFontSz" for="des" forName="txFour" refType="primFontSz" refFor="des" refForName="txTwo" op="lte"/>
+      <dgm:constr type="primFontSz" for="des" forName="txFour" refType="primFontSz" refFor="des" refForName="txThree" op="lte"/>
+      <dgm:constr type="w" for="des" forName="sibSpaceOne" refType="w" fact="0.168"/>
+      <dgm:constr type="w" for="des" forName="sibSpaceTwo" refType="w" refFor="des" refForName="sibSpaceOne" op="equ" fact="0.5"/>
+      <dgm:constr type="w" for="des" forName="sibSpaceThree" refType="w" refFor="des" refForName="sibSpaceTwo" op="equ" fact="0.5"/>
+      <dgm:constr type="w" for="des" forName="sibSpaceFour" refType="w" refFor="des" refForName="sibSpaceThree" op="equ" fact="0.5"/>
+      <dgm:constr type="h" for="des" forName="parTransOne" refType="w" fact="0.056"/>
+      <dgm:constr type="h" for="des" forName="parTransTwo" refType="h" refFor="des" refForName="parTransOne" op="equ"/>
+      <dgm:constr type="h" for="des" forName="parTransThree" refType="h" refFor="des" refForName="parTransTwo" op="equ"/>
+      <dgm:constr type="h" for="des" forName="parTransFour" refType="h" refFor="des" refForName="parTransThree" op="equ"/>
+    </dgm:constrLst>
+    <dgm:ruleLst/>
+    <dgm:forEach name="Name4" axis="ch" ptType="node">
+      <dgm:layoutNode name="vertOne">
+        <dgm:alg type="lin">
+          <dgm:param type="linDir" val="fromT"/>
+        </dgm:alg>
+        <dgm:shape xmlns:r="http://schemas.openxmlformats.org/officeDocument/2006/relationships" r:blip="">
+          <dgm:adjLst/>
+        </dgm:shape>
+        <dgm:presOf/>
+        <dgm:constrLst>
+          <dgm:constr type="w" for="ch" forName="txOne" refType="w" refFor="ch" refForName="horzOne" op="gte"/>
+        </dgm:constrLst>
+        <dgm:ruleLst/>
+        <dgm:layoutNode name="txOne" styleLbl="node0">
+          <dgm:varLst>
+            <dgm:chPref val="3"/>
+          </dgm:varLst>
+          <dgm:alg type="tx"/>
+          <dgm:shape xmlns:r="http://schemas.openxmlformats.org/officeDocument/2006/relationships" type="roundRect" r:blip="">
+            <dgm:adjLst>
+              <dgm:adj idx="1" val="0.1"/>
+            </dgm:adjLst>
+          </dgm:shape>
+          <dgm:presOf axis="self"/>
+          <dgm:constrLst>
+            <dgm:constr type="tMarg" refType="primFontSz" fact="0.3"/>
+            <dgm:constr type="bMarg" refType="primFontSz" fact="0.3"/>
+            <dgm:constr type="lMarg" refType="primFontSz" fact="0.3"/>
+            <dgm:constr type="rMarg" refType="primFontSz" fact="0.3"/>
+          </dgm:constrLst>
+          <dgm:ruleLst>
+            <dgm:rule type="primFontSz" val="5" fact="NaN" max="NaN"/>
+          </dgm:ruleLst>
+        </dgm:layoutNode>
+        <dgm:choose name="Name5">
+          <dgm:if name="Name6" axis="des" ptType="node" func="cnt" op="gt" val="0">
+            <dgm:layoutNode name="parTransOne">
+              <dgm:alg type="sp"/>
+              <dgm:shape xmlns:r="http://schemas.openxmlformats.org/officeDocument/2006/relationships" r:blip="">
+                <dgm:adjLst/>
+              </dgm:shape>
+              <dgm:presOf/>
+              <dgm:constrLst/>
+              <dgm:ruleLst/>
+            </dgm:layoutNode>
+          </dgm:if>
+          <dgm:else name="Name7"/>
+        </dgm:choose>
+        <dgm:layoutNode name="horzOne">
+          <dgm:choose name="Name8">
+            <dgm:if name="Name9" func="var" arg="dir" op="equ" val="norm">
+              <dgm:alg type="lin">
+                <dgm:param type="linDir" val="fromL"/>
+                <dgm:param type="nodeVertAlign" val="t"/>
+              </dgm:alg>
+            </dgm:if>
+            <dgm:else name="Name10">
+              <dgm:alg type="lin">
+                <dgm:param type="linDir" val="fromR"/>
+                <dgm:param type="nodeVertAlign" val="t"/>
+              </dgm:alg>
+            </dgm:else>
+          </dgm:choose>
+          <dgm:shape xmlns:r="http://schemas.openxmlformats.org/officeDocument/2006/relationships" r:blip="">
+            <dgm:adjLst/>
+          </dgm:shape>
+          <dgm:presOf/>
+          <dgm:constrLst/>
+          <dgm:ruleLst>
+            <dgm:rule type="w" val="INF" fact="NaN" max="NaN"/>
+          </dgm:ruleLst>
+          <dgm:forEach name="Name11" axis="ch" ptType="node">
+            <dgm:layoutNode name="vertTwo">
+              <dgm:alg type="lin">
+                <dgm:param type="linDir" val="fromT"/>
+              </dgm:alg>
+              <dgm:shape xmlns:r="http://schemas.openxmlformats.org/officeDocument/2006/relationships" r:blip="">
+                <dgm:adjLst/>
+              </dgm:shape>
+              <dgm:presOf/>
+              <dgm:constrLst>
+                <dgm:constr type="w" for="ch" forName="txTwo" refType="w" refFor="ch" refForName="horzTwo" op="gte"/>
+              </dgm:constrLst>
+              <dgm:ruleLst/>
+              <dgm:layoutNode name="txTwo">
+                <dgm:varLst>
+                  <dgm:chPref val="3"/>
+                </dgm:varLst>
+                <dgm:alg type="tx"/>
+                <dgm:shape xmlns:r="http://schemas.openxmlformats.org/officeDocument/2006/relationships" type="roundRect" r:blip="">
+                  <dgm:adjLst>
+                    <dgm:adj idx="1" val="0.1"/>
+                  </dgm:adjLst>
+                </dgm:shape>
+                <dgm:presOf axis="self"/>
+                <dgm:constrLst>
+                  <dgm:constr type="userH"/>
+                  <dgm:constr type="h" refType="userH"/>
+                  <dgm:constr type="tMarg" refType="primFontSz" fact="0.3"/>
+                  <dgm:constr type="bMarg" refType="primFontSz" fact="0.3"/>
+                  <dgm:constr type="lMarg" refType="primFontSz" fact="0.3"/>
+                  <dgm:constr type="rMarg" refType="primFontSz" fact="0.3"/>
+                </dgm:constrLst>
+                <dgm:ruleLst>
+                  <dgm:rule type="primFontSz" val="5" fact="NaN" max="NaN"/>
+                </dgm:ruleLst>
+              </dgm:layoutNode>
+              <dgm:choose name="Name12">
+                <dgm:if name="Name13" axis="des" ptType="node" func="cnt" op="gt" val="0">
+                  <dgm:layoutNode name="parTransTwo">
+                    <dgm:alg type="sp"/>
+                    <dgm:shape xmlns:r="http://schemas.openxmlformats.org/officeDocument/2006/relationships" r:blip="">
+                      <dgm:adjLst/>
+                    </dgm:shape>
+                    <dgm:presOf/>
+                    <dgm:constrLst/>
+                    <dgm:ruleLst/>
+                  </dgm:layoutNode>
+                </dgm:if>
+                <dgm:else name="Name14"/>
+              </dgm:choose>
+              <dgm:layoutNode name="horzTwo">
+                <dgm:choose name="Name15">
+                  <dgm:if name="Name16" func="var" arg="dir" op="equ" val="norm">
+                    <dgm:alg type="lin">
+                      <dgm:param type="linDir" val="fromL"/>
+                      <dgm:param type="nodeVertAlign" val="t"/>
+                    </dgm:alg>
+                  </dgm:if>
+                  <dgm:else name="Name17">
+                    <dgm:alg type="lin">
+                      <dgm:param type="linDir" val="fromR"/>
+                      <dgm:param type="nodeVertAlign" val="t"/>
+                    </dgm:alg>
+                  </dgm:else>
+                </dgm:choose>
+                <dgm:shape xmlns:r="http://schemas.openxmlformats.org/officeDocument/2006/relationships" r:blip="">
+                  <dgm:adjLst/>
+                </dgm:shape>
+                <dgm:presOf/>
+                <dgm:constrLst/>
+                <dgm:ruleLst>
+                  <dgm:rule type="w" val="INF" fact="NaN" max="NaN"/>
+                </dgm:ruleLst>
+                <dgm:forEach name="Name18" axis="ch" ptType="node">
+                  <dgm:layoutNode name="vertThree">
+                    <dgm:alg type="lin">
+                      <dgm:param type="linDir" val="fromT"/>
+                    </dgm:alg>
+                    <dgm:shape xmlns:r="http://schemas.openxmlformats.org/officeDocument/2006/relationships" r:blip="">
+                      <dgm:adjLst/>
+                    </dgm:shape>
+                    <dgm:presOf/>
+                    <dgm:constrLst>
+                      <dgm:constr type="w" for="ch" forName="txThree" refType="w" refFor="ch" refForName="horzThree" op="gte"/>
+                    </dgm:constrLst>
+                    <dgm:ruleLst/>
+                    <dgm:layoutNode name="txThree">
+                      <dgm:varLst>
+                        <dgm:chPref val="3"/>
+                      </dgm:varLst>
+                      <dgm:alg type="tx"/>
+                      <dgm:shape xmlns:r="http://schemas.openxmlformats.org/officeDocument/2006/relationships" type="roundRect" r:blip="">
+                        <dgm:adjLst>
+                          <dgm:adj idx="1" val="0.1"/>
+                        </dgm:adjLst>
+                      </dgm:shape>
+                      <dgm:presOf axis="self"/>
+                      <dgm:constrLst>
+                        <dgm:constr type="userH"/>
+                        <dgm:constr type="h" refType="userH"/>
+                        <dgm:constr type="tMarg" refType="primFontSz" fact="0.3"/>
+                        <dgm:constr type="bMarg" refType="primFontSz" fact="0.3"/>
+                        <dgm:constr type="lMarg" refType="primFontSz" fact="0.3"/>
+                        <dgm:constr type="rMarg" refType="primFontSz" fact="0.3"/>
+                      </dgm:constrLst>
+                      <dgm:ruleLst>
+                        <dgm:rule type="primFontSz" val="5" fact="NaN" max="NaN"/>
+                      </dgm:ruleLst>
+                    </dgm:layoutNode>
+                    <dgm:choose name="Name19">
+                      <dgm:if name="Name20" axis="des" ptType="node" func="cnt" op="gt" val="0">
+                        <dgm:layoutNode name="parTransThree">
+                          <dgm:alg type="sp"/>
+                          <dgm:shape xmlns:r="http://schemas.openxmlformats.org/officeDocument/2006/relationships" r:blip="">
+                            <dgm:adjLst/>
+                          </dgm:shape>
+                          <dgm:presOf/>
+                          <dgm:constrLst/>
+                          <dgm:ruleLst/>
+                        </dgm:layoutNode>
+                      </dgm:if>
+                      <dgm:else name="Name21"/>
+                    </dgm:choose>
+                    <dgm:layoutNode name="horzThree">
+                      <dgm:choose name="Name22">
+                        <dgm:if name="Name23" func="var" arg="dir" op="equ" val="norm">
+                          <dgm:alg type="lin">
+                            <dgm:param type="linDir" val="fromL"/>
+                            <dgm:param type="nodeVertAlign" val="t"/>
+                          </dgm:alg>
+                        </dgm:if>
+                        <dgm:else name="Name24">
+                          <dgm:alg type="lin">
+                            <dgm:param type="linDir" val="fromR"/>
+                            <dgm:param type="nodeVertAlign" val="t"/>
+                          </dgm:alg>
+                        </dgm:else>
+                      </dgm:choose>
+                      <dgm:shape xmlns:r="http://schemas.openxmlformats.org/officeDocument/2006/relationships" r:blip="">
+                        <dgm:adjLst/>
+                      </dgm:shape>
+                      <dgm:presOf/>
+                      <dgm:constrLst/>
+                      <dgm:ruleLst>
+                        <dgm:rule type="w" val="INF" fact="NaN" max="NaN"/>
+                      </dgm:ruleLst>
+                      <dgm:forEach name="repeat" axis="ch" ptType="node">
+                        <dgm:layoutNode name="vertFour">
+                          <dgm:varLst>
+                            <dgm:chPref val="3"/>
+                          </dgm:varLst>
+                          <dgm:alg type="lin">
+                            <dgm:param type="linDir" val="fromT"/>
+                          </dgm:alg>
+                          <dgm:shape xmlns:r="http://schemas.openxmlformats.org/officeDocument/2006/relationships" r:blip="">
+                            <dgm:adjLst/>
+                          </dgm:shape>
+                          <dgm:presOf/>
+                          <dgm:constrLst>
+                            <dgm:constr type="w" for="ch" forName="txFour" refType="w" refFor="ch" refForName="horzFour" op="gte"/>
+                          </dgm:constrLst>
+                          <dgm:ruleLst/>
+                          <dgm:layoutNode name="txFour">
+                            <dgm:varLst>
+                              <dgm:chPref val="3"/>
+                            </dgm:varLst>
+                            <dgm:alg type="tx"/>
+                            <dgm:shape xmlns:r="http://schemas.openxmlformats.org/officeDocument/2006/relationships" type="roundRect" r:blip="">
+                              <dgm:adjLst>
+                                <dgm:adj idx="1" val="0.1"/>
+                              </dgm:adjLst>
+                            </dgm:shape>
+                            <dgm:presOf axis="self"/>
+                            <dgm:constrLst>
+                              <dgm:constr type="userH"/>
+                              <dgm:constr type="h" refType="userH"/>
+                              <dgm:constr type="tMarg" refType="primFontSz" fact="0.3"/>
+                              <dgm:constr type="bMarg" refType="primFontSz" fact="0.3"/>
+                              <dgm:constr type="lMarg" refType="primFontSz" fact="0.3"/>
+                              <dgm:constr type="rMarg" refType="primFontSz" fact="0.3"/>
+                            </dgm:constrLst>
+                            <dgm:ruleLst>
+                              <dgm:rule type="primFontSz" val="5" fact="NaN" max="NaN"/>
+                            </dgm:ruleLst>
+                          </dgm:layoutNode>
+                          <dgm:choose name="Name25">
+                            <dgm:if name="Name26" axis="des" ptType="node" func="cnt" op="gt" val="0">
+                              <dgm:layoutNode name="parTransFour">
+                                <dgm:alg type="sp"/>
+                                <dgm:shape xmlns:r="http://schemas.openxmlformats.org/officeDocument/2006/relationships" r:blip="">
+                                  <dgm:adjLst/>
+                                </dgm:shape>
+                                <dgm:presOf/>
+                                <dgm:constrLst/>
+                                <dgm:ruleLst/>
+                              </dgm:layoutNode>
+                            </dgm:if>
+                            <dgm:else name="Name27"/>
+                          </dgm:choose>
+                          <dgm:layoutNode name="horzFour">
+                            <dgm:choose name="Name28">
+                              <dgm:if name="Name29" func="var" arg="dir" op="equ" val="norm">
+                                <dgm:alg type="lin">
+                                  <dgm:param type="linDir" val="fromL"/>
+                                  <dgm:param type="nodeVertAlign" val="t"/>
+                                </dgm:alg>
+                              </dgm:if>
+                              <dgm:else name="Name30">
+                                <dgm:alg type="lin">
+                                  <dgm:param type="linDir" val="fromR"/>
+                                  <dgm:param type="nodeVertAlign" val="t"/>
+                                </dgm:alg>
+                              </dgm:else>
+                            </dgm:choose>
+                            <dgm:shape xmlns:r="http://schemas.openxmlformats.org/officeDocument/2006/relationships" r:blip="">
+                              <dgm:adjLst/>
+                            </dgm:shape>
+                            <dgm:presOf/>
+                            <dgm:constrLst/>
+                            <dgm:ruleLst>
+                              <dgm:rule type="w" val="INF" fact="NaN" max="NaN"/>
+                            </dgm:ruleLst>
+                            <dgm:forEach name="Name31" ref="repeat"/>
+                          </dgm:layoutNode>
+                        </dgm:layoutNode>
+                        <dgm:choose name="Name32">
+                          <dgm:if name="Name33" axis="self" ptType="node" func="revPos" op="gte" val="2">
+                            <dgm:forEach name="Name34" axis="followSib" ptType="sibTrans" cnt="1">
+                              <dgm:layoutNode name="sibSpaceFour">
+                                <dgm:alg type="sp"/>
+                                <dgm:shape xmlns:r="http://schemas.openxmlformats.org/officeDocument/2006/relationships" r:blip="">
+                                  <dgm:adjLst/>
+                                </dgm:shape>
+                                <dgm:presOf/>
+                                <dgm:constrLst/>
+                                <dgm:ruleLst/>
+                              </dgm:layoutNode>
+                            </dgm:forEach>
+                          </dgm:if>
+                          <dgm:else name="Name35"/>
+                        </dgm:choose>
+                      </dgm:forEach>
+                    </dgm:layoutNode>
+                  </dgm:layoutNode>
+                  <dgm:choose name="Name36">
+                    <dgm:if name="Name37" axis="self" ptType="node" func="revPos" op="gte" val="2">
+                      <dgm:forEach name="Name38" axis="followSib" ptType="sibTrans" cnt="1">
+                        <dgm:layoutNode name="sibSpaceThree">
+                          <dgm:alg type="sp"/>
+                          <dgm:shape xmlns:r="http://schemas.openxmlformats.org/officeDocument/2006/relationships" r:blip="">
+                            <dgm:adjLst/>
+                          </dgm:shape>
+                          <dgm:presOf/>
+                          <dgm:constrLst/>
+                          <dgm:ruleLst/>
+                        </dgm:layoutNode>
+                      </dgm:forEach>
+                    </dgm:if>
+                    <dgm:else name="Name39"/>
+                  </dgm:choose>
+                </dgm:forEach>
+              </dgm:layoutNode>
+            </dgm:layoutNode>
+            <dgm:choose name="Name40">
+              <dgm:if name="Name41" axis="self" ptType="node" func="revPos" op="gte" val="2">
+                <dgm:forEach name="Name42" axis="followSib" ptType="sibTrans" cnt="1">
+                  <dgm:layoutNode name="sibSpaceTwo">
+                    <dgm:alg type="sp"/>
+                    <dgm:shape xmlns:r="http://schemas.openxmlformats.org/officeDocument/2006/relationships" r:blip="">
+                      <dgm:adjLst/>
+                    </dgm:shape>
+                    <dgm:presOf/>
+                    <dgm:constrLst/>
+                    <dgm:ruleLst/>
+                  </dgm:layoutNode>
+                </dgm:forEach>
+              </dgm:if>
+              <dgm:else name="Name43"/>
+            </dgm:choose>
+          </dgm:forEach>
+        </dgm:layoutNode>
+      </dgm:layoutNode>
+      <dgm:choose name="Name44">
+        <dgm:if name="Name45" axis="self" ptType="node" func="revPos" op="gte" val="2">
+          <dgm:forEach name="Name46" axis="followSib" ptType="sibTrans" cnt="1">
+            <dgm:layoutNode name="sibSpaceOne">
+              <dgm:alg type="sp"/>
+              <dgm:shape xmlns:r="http://schemas.openxmlformats.org/officeDocument/2006/relationships" r:blip="">
+                <dgm:adjLst/>
+              </dgm:shape>
+              <dgm:presOf/>
+              <dgm:constrLst/>
+              <dgm:ruleLst/>
+            </dgm:layoutNode>
+          </dgm:forEach>
+        </dgm:if>
+        <dgm:else name="Name47"/>
+      </dgm:choose>
+    </dgm:forEach>
+  </dgm:layoutNode>
+</dgm:layoutDef>
+</file>
+
+<file path=ppt/diagrams/quickStyle1.xml><?xml version="1.0" encoding="utf-8"?>
+<dgm:styleDef xmlns:dgm="http://schemas.openxmlformats.org/drawingml/2006/diagram" xmlns:a="http://schemas.openxmlformats.org/drawingml/2006/main" uniqueId="urn:microsoft.com/office/officeart/2005/8/quickstyle/simple2">
+  <dgm:title val=""/>
+  <dgm:desc val=""/>
+  <dgm:catLst>
+    <dgm:cat type="simple" pri="10200"/>
+  </dgm:catLst>
+  <dgm:scene3d>
+    <a:camera prst="orthographicFront"/>
+    <a:lightRig rig="threePt" dir="t"/>
+  </dgm:scene3d>
+  <dgm:styleLbl name="node0">
+    <dgm:scene3d>
+      <a:camera prst="orthographicFront"/>
+      <a:lightRig rig="threePt" dir="t"/>
+    </dgm:scene3d>
+    <dgm:sp3d/>
+    <dgm:txPr/>
+    <dgm:style>
+      <a:lnRef idx="3">
+        <a:scrgbClr r="0" g="0" b="0"/>
+      </a:lnRef>
+      <a:fillRef idx="1">
+        <a:scrgbClr r="0" g="0" b="0"/>
+      </a:fillRef>
+      <a:effectRef idx="1">
+        <a:scrgbClr r="0" g="0" b="0"/>
+      </a:effectRef>
+      <a:fontRef idx="minor">
+        <a:schemeClr val="lt1"/>
+      </a:fontRef>
+    </dgm:style>
+  </dgm:styleLbl>
+  <dgm:styleLbl name="lnNode1">
+    <dgm:scene3d>
+      <a:camera prst="orthographicFront"/>
+      <a:lightRig rig="threePt" dir="t"/>
+    </dgm:scene3d>
+    <dgm:sp3d/>
+    <dgm:txPr/>
+    <dgm:style>
+      <a:lnRef idx="3">
+        <a:scrgbClr r="0" g="0" b="0"/>
+      </a:lnRef>
+      <a:fillRef idx="1">
+        <a:scrgbClr r="0" g="0" b="0"/>
+      </a:fillRef>
+      <a:effectRef idx="1">
+        <a:scrgbClr r="0" g="0" b="0"/>
+      </a:effectRef>
+      <a:fontRef idx="minor">
+        <a:schemeClr val="lt1"/>
+      </a:fontRef>
+    </dgm:style>
+  </dgm:styleLbl>
+  <dgm:styleLbl name="vennNode1">
+    <dgm:scene3d>
+      <a:camera prst="orthographicFront"/>
+      <a:lightRig rig="threePt" dir="t"/>
+    </dgm:scene3d>
+    <dgm:sp3d/>
+    <dgm:txPr/>
+    <dgm:style>
+      <a:lnRef idx="3">
+        <a:scrgbClr r="0" g="0" b="0"/>
+      </a:lnRef>
+      <a:fillRef idx="1">
+        <a:scrgbClr r="0" g="0" b="0"/>
+      </a:fillRef>
+      <a:effectRef idx="0">
+        <a:scrgbClr r="0" g="0" b="0"/>
+      </a:effectRef>
+      <a:fontRef idx="minor">
+        <a:schemeClr val="tx1"/>
+      </a:fontRef>
+    </dgm:style>
+  </dgm:styleLbl>
+  <dgm:styleLbl name="alignNode1">
+    <dgm:scene3d>
+      <a:camera prst="orthographicFront"/>
+      <a:lightRig rig="threePt" dir="t"/>
+    </dgm:scene3d>
+    <dgm:sp3d/>
+    <dgm:txPr/>
+    <dgm:style>
+      <a:lnRef idx="2">
+        <a:scrgbClr r="0" g="0" b="0"/>
+      </a:lnRef>
+      <a:fillRef idx="1">
+        <a:scrgbClr r="0" g="0" b="0"/>
+      </a:fillRef>
+      <a:effectRef idx="1">
+        <a:scrgbClr r="0" g="0" b="0"/>
+      </a:effectRef>
+      <a:fontRef idx="minor">
+        <a:schemeClr val="lt1"/>
+      </a:fontRef>
+    </dgm:style>
+  </dgm:styleLbl>
+  <dgm:styleLbl name="node1">
+    <dgm:scene3d>
+      <a:camera prst="orthographicFront"/>
+      <a:lightRig rig="threePt" dir="t"/>
+    </dgm:scene3d>
+    <dgm:sp3d/>
+    <dgm:txPr/>
+    <dgm:style>
+      <a:lnRef idx="3">
+        <a:scrgbClr r="0" g="0" b="0"/>
+      </a:lnRef>
+      <a:fillRef idx="1">
+        <a:scrgbClr r="0" g="0" b="0"/>
+      </a:fillRef>
+      <a:effectRef idx="1">
+        <a:scrgbClr r="0" g="0" b="0"/>
+      </a:effectRef>
+      <a:fontRef idx="minor">
+        <a:schemeClr val="lt1"/>
+      </a:fontRef>
+    </dgm:style>
+  </dgm:styleLbl>
+  <dgm:styleLbl name="node2">
+    <dgm:scene3d>
+      <a:camera prst="orthographicFront"/>
+      <a:lightRig rig="threePt" dir="t"/>
+    </dgm:scene3d>
+    <dgm:sp3d/>
+    <dgm:txPr/>
+    <dgm:style>
+      <a:lnRef idx="3">
+        <a:scrgbClr r="0" g="0" b="0"/>
+      </a:lnRef>
+      <a:fillRef idx="1">
+        <a:scrgbClr r="0" g="0" b="0"/>
+      </a:fillRef>
+      <a:effectRef idx="1">
+        <a:scrgbClr r="0" g="0" b="0"/>
+      </a:effectRef>
+      <a:fontRef idx="minor">
+        <a:schemeClr val="lt1"/>
+      </a:fontRef>
+    </dgm:style>
+  </dgm:styleLbl>
+  <dgm:styleLbl name="node3">
+    <dgm:scene3d>
+      <a:camera prst="orthographicFront"/>
+      <a:lightRig rig="threePt" dir="t"/>
+    </dgm:scene3d>
+    <dgm:sp3d/>
+    <dgm:txPr/>
+    <dgm:style>
+      <a:lnRef idx="3">
+        <a:scrgbClr r="0" g="0" b="0"/>
+      </a:lnRef>
+      <a:fillRef idx="1">
+        <a:scrgbClr r="0" g="0" b="0"/>
+      </a:fillRef>
+      <a:effectRef idx="1">
+        <a:scrgbClr r="0" g="0" b="0"/>
+      </a:effectRef>
+      <a:fontRef idx="minor">
+        <a:schemeClr val="lt1"/>
+      </a:fontRef>
+    </dgm:style>
+  </dgm:styleLbl>
+  <dgm:styleLbl name="node4">
+    <dgm:scene3d>
+      <a:camera prst="orthographicFront"/>
+      <a:lightRig rig="threePt" dir="t"/>
+    </dgm:scene3d>
+    <dgm:sp3d/>
+    <dgm:txPr/>
+    <dgm:style>
+      <a:lnRef idx="3">
+        <a:scrgbClr r="0" g="0" b="0"/>
+      </a:lnRef>
+      <a:fillRef idx="1">
+        <a:scrgbClr r="0" g="0" b="0"/>
+      </a:fillRef>
+      <a:effectRef idx="1">
+        <a:scrgbClr r="0" g="0" b="0"/>
+      </a:effectRef>
+      <a:fontRef idx="minor">
+        <a:schemeClr val="lt1"/>
+      </a:fontRef>
+    </dgm:style>
+  </dgm:styleLbl>
+  <dgm:styleLbl name="fgImgPlace1">
+    <dgm:scene3d>
+      <a:camera prst="orthographicFront"/>
+      <a:lightRig rig="threePt" dir="t"/>
+    </dgm:scene3d>
+    <dgm:sp3d/>
+    <dgm:txPr/>
+    <dgm:style>
+      <a:lnRef idx="3">
+        <a:scrgbClr r="0" g="0" b="0"/>
+      </a:lnRef>
+      <a:fillRef idx="1">
+        <a:scrgbClr r="0" g="0" b="0"/>
+      </a:fillRef>
+      <a:effectRef idx="1">
+        <a:scrgbClr r="0" g="0" b="0"/>
+      </a:effectRef>
+      <a:fontRef idx="minor"/>
+    </dgm:style>
+  </dgm:styleLbl>
+  <dgm:styleLbl name="alignImgPlace1">
+    <dgm:scene3d>
+      <a:camera prst="orthographicFront"/>
+      <a:lightRig rig="threePt" dir="t"/>
+    </dgm:scene3d>
+    <dgm:sp3d/>
+    <dgm:txPr/>
+    <dgm:style>
+      <a:lnRef idx="3">
+        <a:scrgbClr r="0" g="0" b="0"/>
+      </a:lnRef>
+      <a:fillRef idx="1">
+        <a:scrgbClr r="0" g="0" b="0"/>
+      </a:fillRef>
+      <a:effectRef idx="1">
+        <a:scrgbClr r="0" g="0" b="0"/>
+      </a:effectRef>
+      <a:fontRef idx="minor"/>
+    </dgm:style>
+  </dgm:styleLbl>
+  <dgm:styleLbl name="bgImgPlace1">
+    <dgm:scene3d>
+      <a:camera prst="orthographicFront"/>
+      <a:lightRig rig="threePt" dir="t"/>
+    </dgm:scene3d>
+    <dgm:sp3d/>
+    <dgm:txPr/>
+    <dgm:style>
+      <a:lnRef idx="3">
+        <a:scrgbClr r="0" g="0" b="0"/>
+      </a:lnRef>
+      <a:fillRef idx="1">
+        <a:scrgbClr r="0" g="0" b="0"/>
+      </a:fillRef>
+      <a:effectRef idx="1">
+        <a:scrgbClr r="0" g="0" b="0"/>
+      </a:effectRef>
+      <a:fontRef idx="minor"/>
+    </dgm:style>
+  </dgm:styleLbl>
+  <dgm:styleLbl name="sibTrans2D1">
+    <dgm:scene3d>
+      <a:camera prst="orthographicFront"/>
+      <a:lightRig rig="threePt" dir="t"/>
+    </dgm:scene3d>
+    <dgm:sp3d/>
+    <dgm:txPr/>
+    <dgm:style>
+      <a:lnRef idx="0">
+        <a:scrgbClr r="0" g="0" b="0"/>
+      </a:lnRef>
+      <a:fillRef idx="1">
+        <a:scrgbClr r="0" g="0" b="0"/>
+      </a:fillRef>
+      <a:effectRef idx="1">
+        <a:scrgbClr r="0" g="0" b="0"/>
+      </a:effectRef>
+      <a:fontRef idx="minor">
+        <a:schemeClr val="lt1"/>
+      </a:fontRef>
+    </dgm:style>
+  </dgm:styleLbl>
+  <dgm:styleLbl name="fgSibTrans2D1">
+    <dgm:scene3d>
+      <a:camera prst="orthographicFront"/>
+      <a:lightRig rig="threePt" dir="t"/>
+    </dgm:scene3d>
+    <dgm:sp3d/>
+    <dgm:txPr/>
+    <dgm:style>
+      <a:lnRef idx="0">
+        <a:scrgbClr r="0" g="0" b="0"/>
+      </a:lnRef>
+      <a:fillRef idx="1">
+        <a:scrgbClr r="0" g="0" b="0"/>
+      </a:fillRef>
+      <a:effectRef idx="1">
+        <a:scrgbClr r="0" g="0" b="0"/>
+      </a:effectRef>
+      <a:fontRef idx="minor">
+        <a:schemeClr val="lt1"/>
+      </a:fontRef>
+    </dgm:style>
+  </dgm:styleLbl>
+  <dgm:styleLbl name="bgSibTrans2D1">
+    <dgm:scene3d>
+      <a:camera prst="orthographicFront"/>
+      <a:lightRig rig="threePt" dir="t"/>
+    </dgm:scene3d>
+    <dgm:sp3d/>
+    <dgm:txPr/>
+    <dgm:style>
+      <a:lnRef idx="0">
+        <a:scrgbClr r="0" g="0" b="0"/>
+      </a:lnRef>
+      <a:fillRef idx="1">
+        <a:scrgbClr r="0" g="0" b="0"/>
+      </a:fillRef>
+      <a:effectRef idx="1">
+        <a:scrgbClr r="0" g="0" b="0"/>
+      </a:effectRef>
+      <a:fontRef idx="minor">
+        <a:schemeClr val="lt1"/>
+      </a:fontRef>
+    </dgm:style>
+  </dgm:styleLbl>
+  <dgm:styleLbl name="sibTrans1D1">
+    <dgm:scene3d>
+      <a:camera prst="orthographicFront"/>
+      <a:lightRig rig="threePt" dir="t"/>
+    </dgm:scene3d>
+    <dgm:sp3d/>
+    <dgm:txPr/>
+    <dgm:style>
+      <a:lnRef idx="1">
+        <a:scrgbClr r="0" g="0" b="0"/>
+      </a:lnRef>
+      <a:fillRef idx="0">
+        <a:scrgbClr r="0" g="0" b="0"/>
+      </a:fillRef>
+      <a:effectRef idx="0">
+        <a:scrgbClr r="0" g="0" b="0"/>
+      </a:effectRef>
+      <a:fontRef idx="minor"/>
+    </dgm:style>
+  </dgm:styleLbl>
+  <dgm:styleLbl name="callout">
+    <dgm:scene3d>
+      <a:camera prst="orthographicFront"/>
+      <a:lightRig rig="threePt" dir="t"/>
+    </dgm:scene3d>
+    <dgm:sp3d/>
+    <dgm:txPr/>
+    <dgm:style>
+      <a:lnRef idx="2">
+        <a:scrgbClr r="0" g="0" b="0"/>
+      </a:lnRef>
+      <a:fillRef idx="1">
+        <a:scrgbClr r="0" g="0" b="0"/>
+      </a:fillRef>
+      <a:effectRef idx="1">
+        <a:scrgbClr r="0" g="0" b="0"/>
+      </a:effectRef>
+      <a:fontRef idx="minor"/>
+    </dgm:style>
+  </dgm:styleLbl>
+  <dgm:styleLbl name="asst0">
+    <dgm:scene3d>
+      <a:camera prst="orthographicFront"/>
+      <a:lightRig rig="threePt" dir="t"/>
+    </dgm:scene3d>
+    <dgm:sp3d/>
+    <dgm:txPr/>
+    <dgm:style>
+      <a:lnRef idx="3">
+        <a:scrgbClr r="0" g="0" b="0"/>
+      </a:lnRef>
+      <a:fillRef idx="1">
+        <a:scrgbClr r="0" g="0" b="0"/>
+      </a:fillRef>
+      <a:effectRef idx="1">
+        <a:scrgbClr r="0" g="0" b="0"/>
+      </a:effectRef>
+      <a:fontRef idx="minor">
+        <a:schemeClr val="lt1"/>
+      </a:fontRef>
+    </dgm:style>
+  </dgm:styleLbl>
+  <dgm:styleLbl name="asst1">
+    <dgm:scene3d>
+      <a:camera prst="orthographicFront"/>
+      <a:lightRig rig="threePt" dir="t"/>
+    </dgm:scene3d>
+    <dgm:sp3d/>
+    <dgm:txPr/>
+    <dgm:style>
+      <a:lnRef idx="3">
+        <a:scrgbClr r="0" g="0" b="0"/>
+      </a:lnRef>
+      <a:fillRef idx="1">
+        <a:scrgbClr r="0" g="0" b="0"/>
+      </a:fillRef>
+      <a:effectRef idx="1">
+        <a:scrgbClr r="0" g="0" b="0"/>
+      </a:effectRef>
+      <a:fontRef idx="minor">
+        <a:schemeClr val="lt1"/>
+      </a:fontRef>
+    </dgm:style>
+  </dgm:styleLbl>
+  <dgm:styleLbl name="asst2">
+    <dgm:scene3d>
+      <a:camera prst="orthographicFront"/>
+      <a:lightRig rig="threePt" dir="t"/>
+    </dgm:scene3d>
+    <dgm:sp3d/>
+    <dgm:txPr/>
+    <dgm:style>
+      <a:lnRef idx="3">
+        <a:scrgbClr r="0" g="0" b="0"/>
+      </a:lnRef>
+      <a:fillRef idx="1">
+        <a:scrgbClr r="0" g="0" b="0"/>
+      </a:fillRef>
+      <a:effectRef idx="1">
+        <a:scrgbClr r="0" g="0" b="0"/>
+      </a:effectRef>
+      <a:fontRef idx="minor">
+        <a:schemeClr val="lt1"/>
+      </a:fontRef>
+    </dgm:style>
+  </dgm:styleLbl>
+  <dgm:styleLbl name="asst3">
+    <dgm:scene3d>
+      <a:camera prst="orthographicFront"/>
+      <a:lightRig rig="threePt" dir="t"/>
+    </dgm:scene3d>
+    <dgm:sp3d/>
+    <dgm:txPr/>
+    <dgm:style>
+      <a:lnRef idx="3">
+        <a:scrgbClr r="0" g="0" b="0"/>
+      </a:lnRef>
+      <a:fillRef idx="1">
+        <a:scrgbClr r="0" g="0" b="0"/>
+      </a:fillRef>
+      <a:effectRef idx="1">
+        <a:scrgbClr r="0" g="0" b="0"/>
+      </a:effectRef>
+      <a:fontRef idx="minor">
+        <a:schemeClr val="lt1"/>
+      </a:fontRef>
+    </dgm:style>
+  </dgm:styleLbl>
+  <dgm:styleLbl name="asst4">
+    <dgm:scene3d>
+      <a:camera prst="orthographicFront"/>
+      <a:lightRig rig="threePt" dir="t"/>
+    </dgm:scene3d>
+    <dgm:sp3d/>
+    <dgm:txPr/>
+    <dgm:style>
+      <a:lnRef idx="3">
+        <a:scrgbClr r="0" g="0" b="0"/>
+      </a:lnRef>
+      <a:fillRef idx="1">
+        <a:scrgbClr r="0" g="0" b="0"/>
+      </a:fillRef>
+      <a:effectRef idx="1">
+        <a:scrgbClr r="0" g="0" b="0"/>
+      </a:effectRef>
+      <a:fontRef idx="minor">
+        <a:schemeClr val="lt1"/>
+      </a:fontRef>
+    </dgm:style>
+  </dgm:styleLbl>
+  <dgm:styleLbl name="parChTrans2D1">
+    <dgm:scene3d>
+      <a:camera prst="orthographicFront"/>
+      <a:lightRig rig="threePt" dir="t"/>
+    </dgm:scene3d>
+    <dgm:sp3d/>
+    <dgm:txPr/>
+    <dgm:style>
+      <a:lnRef idx="3">
+        <a:scrgbClr r="0" g="0" b="0"/>
+      </a:lnRef>
+      <a:fillRef idx="1">
+        <a:scrgbClr r="0" g="0" b="0"/>
+      </a:fillRef>
+      <a:effectRef idx="1">
+        <a:scrgbClr r="0" g="0" b="0"/>
+      </a:effectRef>
+      <a:fontRef idx="minor">
+        <a:schemeClr val="lt1"/>
+      </a:fontRef>
+    </dgm:style>
+  </dgm:styleLbl>
+  <dgm:styleLbl name="parChTrans2D2">
+    <dgm:scene3d>
+      <a:camera prst="orthographicFront"/>
+      <a:lightRig rig="threePt" dir="t"/>
+    </dgm:scene3d>
+    <dgm:sp3d/>
+    <dgm:txPr/>
+    <dgm:style>
+      <a:lnRef idx="3">
+        <a:scrgbClr r="0" g="0" b="0"/>
+      </a:lnRef>
+      <a:fillRef idx="1">
+        <a:scrgbClr r="0" g="0" b="0"/>
+      </a:fillRef>
+      <a:effectRef idx="1">
+        <a:scrgbClr r="0" g="0" b="0"/>
+      </a:effectRef>
+      <a:fontRef idx="minor">
+        <a:schemeClr val="lt1"/>
+      </a:fontRef>
+    </dgm:style>
+  </dgm:styleLbl>
+  <dgm:styleLbl name="parChTrans2D3">
+    <dgm:scene3d>
+      <a:camera prst="orthographicFront"/>
+      <a:lightRig rig="threePt" dir="t"/>
+    </dgm:scene3d>
+    <dgm:sp3d/>
+    <dgm:txPr/>
+    <dgm:style>
+      <a:lnRef idx="3">
+        <a:scrgbClr r="0" g="0" b="0"/>
+      </a:lnRef>
+      <a:fillRef idx="1">
+        <a:scrgbClr r="0" g="0" b="0"/>
+      </a:fillRef>
+      <a:effectRef idx="1">
+        <a:scrgbClr r="0" g="0" b="0"/>
+      </a:effectRef>
+      <a:fontRef idx="minor">
+        <a:schemeClr val="lt1"/>
+      </a:fontRef>
+    </dgm:style>
+  </dgm:styleLbl>
+  <dgm:styleLbl name="parChTrans2D4">
+    <dgm:scene3d>
+      <a:camera prst="orthographicFront"/>
+      <a:lightRig rig="threePt" dir="t"/>
+    </dgm:scene3d>
+    <dgm:sp3d/>
+    <dgm:txPr/>
+    <dgm:style>
+      <a:lnRef idx="3">
+        <a:scrgbClr r="0" g="0" b="0"/>
+      </a:lnRef>
+      <a:fillRef idx="1">
+        <a:scrgbClr r="0" g="0" b="0"/>
+      </a:fillRef>
+      <a:effectRef idx="1">
+        <a:scrgbClr r="0" g="0" b="0"/>
+      </a:effectRef>
+      <a:fontRef idx="minor">
+        <a:schemeClr val="lt1"/>
+      </a:fontRef>
+    </dgm:style>
+  </dgm:styleLbl>
+  <dgm:styleLbl name="parChTrans1D1">
+    <dgm:scene3d>
+      <a:camera prst="orthographicFront"/>
+      <a:lightRig rig="threePt" dir="t"/>
+    </dgm:scene3d>
+    <dgm:sp3d/>
+    <dgm:txPr/>
+    <dgm:style>
+      <a:lnRef idx="2">
+        <a:scrgbClr r="0" g="0" b="0"/>
+      </a:lnRef>
+      <a:fillRef idx="0">
+        <a:scrgbClr r="0" g="0" b="0"/>
+      </a:fillRef>
+      <a:effectRef idx="0">
+        <a:scrgbClr r="0" g="0" b="0"/>
+      </a:effectRef>
+      <a:fontRef idx="minor"/>
+    </dgm:style>
+  </dgm:styleLbl>
+  <dgm:styleLbl name="parChTrans1D2">
+    <dgm:scene3d>
+      <a:camera prst="orthographicFront"/>
+      <a:lightRig rig="threePt" dir="t"/>
+    </dgm:scene3d>
+    <dgm:sp3d/>
+    <dgm:txPr/>
+    <dgm:style>
+      <a:lnRef idx="2">
+        <a:scrgbClr r="0" g="0" b="0"/>
+      </a:lnRef>
+      <a:fillRef idx="0">
+        <a:scrgbClr r="0" g="0" b="0"/>
+      </a:fillRef>
+      <a:effectRef idx="0">
+        <a:scrgbClr r="0" g="0" b="0"/>
+      </a:effectRef>
+      <a:fontRef idx="minor"/>
+    </dgm:style>
+  </dgm:styleLbl>
+  <dgm:styleLbl name="parChTrans1D3">
+    <dgm:scene3d>
+      <a:camera prst="orthographicFront"/>
+      <a:lightRig rig="threePt" dir="t"/>
+    </dgm:scene3d>
+    <dgm:sp3d/>
+    <dgm:txPr/>
+    <dgm:style>
+      <a:lnRef idx="2">
+        <a:scrgbClr r="0" g="0" b="0"/>
+      </a:lnRef>
+      <a:fillRef idx="0">
+        <a:scrgbClr r="0" g="0" b="0"/>
+      </a:fillRef>
+      <a:effectRef idx="0">
+        <a:scrgbClr r="0" g="0" b="0"/>
+      </a:effectRef>
+      <a:fontRef idx="minor"/>
+    </dgm:style>
+  </dgm:styleLbl>
+  <dgm:styleLbl name="parChTrans1D4">
+    <dgm:scene3d>
+      <a:camera prst="orthographicFront"/>
+      <a:lightRig rig="threePt" dir="t"/>
+    </dgm:scene3d>
+    <dgm:sp3d/>
+    <dgm:txPr/>
+    <dgm:style>
+      <a:lnRef idx="2">
+        <a:scrgbClr r="0" g="0" b="0"/>
+      </a:lnRef>
+      <a:fillRef idx="0">
+        <a:scrgbClr r="0" g="0" b="0"/>
+      </a:fillRef>
+      <a:effectRef idx="0">
+        <a:scrgbClr r="0" g="0" b="0"/>
+      </a:effectRef>
+      <a:fontRef idx="minor"/>
+    </dgm:style>
+  </dgm:styleLbl>
+  <dgm:styleLbl name="fgAcc1">
+    <dgm:scene3d>
+      <a:camera prst="orthographicFront"/>
+      <a:lightRig rig="threePt" dir="t"/>
+    </dgm:scene3d>
+    <dgm:sp3d/>
+    <dgm:txPr/>
+    <dgm:style>
+      <a:lnRef idx="2">
+        <a:scrgbClr r="0" g="0" b="0"/>
+      </a:lnRef>
+      <a:fillRef idx="1">
+        <a:scrgbClr r="0" g="0" b="0"/>
+      </a:fillRef>
+      <a:effectRef idx="0">
+        <a:scrgbClr r="0" g="0" b="0"/>
+      </a:effectRef>
+      <a:fontRef idx="minor"/>
+    </dgm:style>
+  </dgm:styleLbl>
+  <dgm:styleLbl name="conFgAcc1">
+    <dgm:scene3d>
+      <a:camera prst="orthographicFront"/>
+      <a:lightRig rig="threePt" dir="t"/>
+    </dgm:scene3d>
+    <dgm:sp3d/>
+    <dgm:txPr/>
+    <dgm:style>
+      <a:lnRef idx="2">
+        <a:scrgbClr r="0" g="0" b="0"/>
+      </a:lnRef>
+      <a:fillRef idx="1">
+        <a:scrgbClr r="0" g="0" b="0"/>
+      </a:fillRef>
+      <a:effectRef idx="0">
+        <a:scrgbClr r="0" g="0" b="0"/>
+      </a:effectRef>
+      <a:fontRef idx="minor"/>
+    </dgm:style>
+  </dgm:styleLbl>
+  <dgm:styleLbl name="alignAcc1">
+    <dgm:scene3d>
+      <a:camera prst="orthographicFront"/>
+      <a:lightRig rig="threePt" dir="t"/>
+    </dgm:scene3d>
+    <dgm:sp3d/>
+    <dgm:txPr/>
+    <dgm:style>
+      <a:lnRef idx="2">
+        <a:scrgbClr r="0" g="0" b="0"/>
+      </a:lnRef>
+      <a:fillRef idx="1">
+        <a:scrgbClr r="0" g="0" b="0"/>
+      </a:fillRef>
+      <a:effectRef idx="0">
+        <a:scrgbClr r="0" g="0" b="0"/>
+      </a:effectRef>
+      <a:fontRef idx="minor"/>
+    </dgm:style>
+  </dgm:styleLbl>
+  <dgm:styleLbl name="trAlignAcc1">
+    <dgm:scene3d>
+      <a:camera prst="orthographicFront"/>
+      <a:lightRig rig="threePt" dir="t"/>
+    </dgm:scene3d>
+    <dgm:sp3d/>
+    <dgm:txPr/>
+    <dgm:style>
+      <a:lnRef idx="1">
+        <a:scrgbClr r="0" g="0" b="0"/>
+      </a:lnRef>
+      <a:fillRef idx="1">
+        <a:scrgbClr r="0" g="0" b="0"/>
+      </a:fillRef>
+      <a:effectRef idx="0">
+        <a:scrgbClr r="0" g="0" b="0"/>
+      </a:effectRef>
+      <a:fontRef idx="minor"/>
+    </dgm:style>
+  </dgm:styleLbl>
+  <dgm:styleLbl name="bgAcc1">
+    <dgm:scene3d>
+      <a:camera prst="orthographicFront"/>
+      <a:lightRig rig="threePt" dir="t"/>
+    </dgm:scene3d>
+    <dgm:sp3d/>
+    <dgm:txPr/>
+    <dgm:style>
+      <a:lnRef idx="2">
+        <a:scrgbClr r="0" g="0" b="0"/>
+      </a:lnRef>
+      <a:fillRef idx="1">
+        <a:scrgbClr r="0" g="0" b="0"/>
+      </a:fillRef>
+      <a:effectRef idx="0">
+        <a:scrgbClr r="0" g="0" b="0"/>
+      </a:effectRef>
+      <a:fontRef idx="minor"/>
+    </dgm:style>
+  </dgm:styleLbl>
+  <dgm:styleLbl name="solidFgAcc1">
+    <dgm:scene3d>
+      <a:camera prst="orthographicFront"/>
+      <a:lightRig rig="threePt" dir="t"/>
+    </dgm:scene3d>
+    <dgm:sp3d/>
+    <dgm:txPr/>
+    <dgm:style>
+      <a:lnRef idx="2">
+        <a:scrgbClr r="0" g="0" b="0"/>
+      </a:lnRef>
+      <a:fillRef idx="1">
+        <a:scrgbClr r="0" g="0" b="0"/>
+      </a:fillRef>
+      <a:effectRef idx="0">
+        <a:scrgbClr r="0" g="0" b="0"/>
+      </a:effectRef>
+      <a:fontRef idx="minor"/>
+    </dgm:style>
+  </dgm:styleLbl>
+  <dgm:styleLbl name="solidAlignAcc1">
+    <dgm:scene3d>
+      <a:camera prst="orthographicFront"/>
+      <a:lightRig rig="threePt" dir="t"/>
+    </dgm:scene3d>
+    <dgm:sp3d/>
+    <dgm:txPr/>
+    <dgm:style>
+      <a:lnRef idx="2">
+        <a:scrgbClr r="0" g="0" b="0"/>
+      </a:lnRef>
+      <a:fillRef idx="1">
+        <a:scrgbClr r="0" g="0" b="0"/>
+      </a:fillRef>
+      <a:effectRef idx="0">
+        <a:scrgbClr r="0" g="0" b="0"/>
+      </a:effectRef>
+      <a:fontRef idx="minor"/>
+    </dgm:style>
+  </dgm:styleLbl>
+  <dgm:styleLbl name="solidBgAcc1">
+    <dgm:scene3d>
+      <a:camera prst="orthographicFront"/>
+      <a:lightRig rig="threePt" dir="t"/>
+    </dgm:scene3d>
+    <dgm:sp3d/>
+    <dgm:txPr/>
+    <dgm:style>
+      <a:lnRef idx="2">
+        <a:scrgbClr r="0" g="0" b="0"/>
+      </a:lnRef>
+      <a:fillRef idx="1">
+        <a:scrgbClr r="0" g="0" b="0"/>
+      </a:fillRef>
+      <a:effectRef idx="0">
+        <a:scrgbClr r="0" g="0" b="0"/>
+      </a:effectRef>
+      <a:fontRef idx="minor"/>
+    </dgm:style>
+  </dgm:styleLbl>
+  <dgm:styleLbl name="fgAccFollowNode1">
+    <dgm:scene3d>
+      <a:camera prst="orthographicFront"/>
+      <a:lightRig rig="threePt" dir="t"/>
+    </dgm:scene3d>
+    <dgm:sp3d/>
+    <dgm:txPr/>
+    <dgm:style>
+      <a:lnRef idx="2">
+        <a:scrgbClr r="0" g="0" b="0"/>
+      </a:lnRef>
+      <a:fillRef idx="1">
+        <a:scrgbClr r="0" g="0" b="0"/>
+      </a:fillRef>
+      <a:effectRef idx="0">
+        <a:scrgbClr r="0" g="0" b="0"/>
+      </a:effectRef>
+      <a:fontRef idx="minor"/>
+    </dgm:style>
+  </dgm:styleLbl>
+  <dgm:styleLbl name="alignAccFollowNode1">
+    <dgm:scene3d>
+      <a:camera prst="orthographicFront"/>
+      <a:lightRig rig="threePt" dir="t"/>
+    </dgm:scene3d>
+    <dgm:sp3d/>
+    <dgm:txPr/>
+    <dgm:style>
+      <a:lnRef idx="2">
+        <a:scrgbClr r="0" g="0" b="0"/>
+      </a:lnRef>
+      <a:fillRef idx="1">
+        <a:scrgbClr r="0" g="0" b="0"/>
+      </a:fillRef>
+      <a:effectRef idx="0">
+        <a:scrgbClr r="0" g="0" b="0"/>
+      </a:effectRef>
+      <a:fontRef idx="minor"/>
+    </dgm:style>
+  </dgm:styleLbl>
+  <dgm:styleLbl name="bgAccFollowNode1">
+    <dgm:scene3d>
+      <a:camera prst="orthographicFront"/>
+      <a:lightRig rig="threePt" dir="t"/>
+    </dgm:scene3d>
+    <dgm:sp3d/>
+    <dgm:txPr/>
+    <dgm:style>
+      <a:lnRef idx="2">
+        <a:scrgbClr r="0" g="0" b="0"/>
+      </a:lnRef>
+      <a:fillRef idx="1">
+        <a:scrgbClr r="0" g="0" b="0"/>
+      </a:fillRef>
+      <a:effectRef idx="0">
+        <a:scrgbClr r="0" g="0" b="0"/>
+      </a:effectRef>
+      <a:fontRef idx="minor"/>
+    </dgm:style>
+  </dgm:styleLbl>
+  <dgm:styleLbl name="fgAcc0">
+    <dgm:scene3d>
+      <a:camera prst="orthographicFront"/>
+      <a:lightRig rig="threePt" dir="t"/>
+    </dgm:scene3d>
+    <dgm:sp3d/>
+    <dgm:txPr/>
+    <dgm:style>
+      <a:lnRef idx="2">
+        <a:scrgbClr r="0" g="0" b="0"/>
+      </a:lnRef>
+      <a:fillRef idx="1">
+        <a:scrgbClr r="0" g="0" b="0"/>
+      </a:fillRef>
+      <a:effectRef idx="0">
+        <a:scrgbClr r="0" g="0" b="0"/>
+      </a:effectRef>
+      <a:fontRef idx="minor"/>
+    </dgm:style>
+  </dgm:styleLbl>
+  <dgm:styleLbl name="fgAcc2">
+    <dgm:scene3d>
+      <a:camera prst="orthographicFront"/>
+      <a:lightRig rig="threePt" dir="t"/>
+    </dgm:scene3d>
+    <dgm:sp3d/>
+    <dgm:txPr/>
+    <dgm:style>
+      <a:lnRef idx="2">
+        <a:scrgbClr r="0" g="0" b="0"/>
+      </a:lnRef>
+      <a:fillRef idx="1">
+        <a:scrgbClr r="0" g="0" b="0"/>
+      </a:fillRef>
+      <a:effectRef idx="0">
+        <a:scrgbClr r="0" g="0" b="0"/>
+      </a:effectRef>
+      <a:fontRef idx="minor"/>
+    </dgm:style>
+  </dgm:styleLbl>
+  <dgm:styleLbl name="fgAcc3">
+    <dgm:scene3d>
+      <a:camera prst="orthographicFront"/>
+      <a:lightRig rig="threePt" dir="t"/>
+    </dgm:scene3d>
+    <dgm:sp3d/>
+    <dgm:txPr/>
+    <dgm:style>
+      <a:lnRef idx="2">
+        <a:scrgbClr r="0" g="0" b="0"/>
+      </a:lnRef>
+      <a:fillRef idx="1">
+        <a:scrgbClr r="0" g="0" b="0"/>
+      </a:fillRef>
+      <a:effectRef idx="0">
+        <a:scrgbClr r="0" g="0" b="0"/>
+      </a:effectRef>
+      <a:fontRef idx="minor"/>
+    </dgm:style>
+  </dgm:styleLbl>
+  <dgm:styleLbl name="fgAcc4">
+    <dgm:scene3d>
+      <a:camera prst="orthographicFront"/>
+      <a:lightRig rig="threePt" dir="t"/>
+    </dgm:scene3d>
+    <dgm:sp3d/>
+    <dgm:txPr/>
+    <dgm:style>
+      <a:lnRef idx="2">
+        <a:scrgbClr r="0" g="0" b="0"/>
+      </a:lnRef>
+      <a:fillRef idx="1">
+        <a:scrgbClr r="0" g="0" b="0"/>
+      </a:fillRef>
+      <a:effectRef idx="0">
+        <a:scrgbClr r="0" g="0" b="0"/>
+      </a:effectRef>
+      <a:fontRef idx="minor"/>
+    </dgm:style>
+  </dgm:styleLbl>
+  <dgm:styleLbl name="bgShp">
+    <dgm:scene3d>
+      <a:camera prst="orthographicFront"/>
+      <a:lightRig rig="threePt" dir="t"/>
+    </dgm:scene3d>
+    <dgm:sp3d/>
+    <dgm:txPr/>
+    <dgm:style>
+      <a:lnRef idx="0">
+        <a:scrgbClr r="0" g="0" b="0"/>
+      </a:lnRef>
+      <a:fillRef idx="1">
+        <a:scrgbClr r="0" g="0" b="0"/>
+      </a:fillRef>
+      <a:effectRef idx="0">
+        <a:scrgbClr r="0" g="0" b="0"/>
+      </a:effectRef>
+      <a:fontRef idx="minor"/>
+    </dgm:style>
+  </dgm:styleLbl>
+  <dgm:styleLbl name="dkBgShp">
+    <dgm:scene3d>
+      <a:camera prst="orthographicFront"/>
+      <a:lightRig rig="threePt" dir="t"/>
+    </dgm:scene3d>
+    <dgm:sp3d/>
+    <dgm:txPr/>
+    <dgm:style>
+      <a:lnRef idx="0">
+        <a:scrgbClr r="0" g="0" b="0"/>
+      </a:lnRef>
+      <a:fillRef idx="1">
+        <a:scrgbClr r="0" g="0" b="0"/>
+      </a:fillRef>
+      <a:effectRef idx="0">
+        <a:scrgbClr r="0" g="0" b="0"/>
+      </a:effectRef>
+      <a:fontRef idx="minor"/>
+    </dgm:style>
+  </dgm:styleLbl>
+  <dgm:styleLbl name="trBgShp">
+    <dgm:scene3d>
+      <a:camera prst="orthographicFront"/>
+      <a:lightRig rig="threePt" dir="t"/>
+    </dgm:scene3d>
+    <dgm:sp3d/>
+    <dgm:txPr/>
+    <dgm:style>
+      <a:lnRef idx="0">
+        <a:scrgbClr r="0" g="0" b="0"/>
+      </a:lnRef>
+      <a:fillRef idx="1">
+        <a:scrgbClr r="0" g="0" b="0"/>
+      </a:fillRef>
+      <a:effectRef idx="0">
+        <a:scrgbClr r="0" g="0" b="0"/>
+      </a:effectRef>
+      <a:fontRef idx="minor"/>
+    </dgm:style>
+  </dgm:styleLbl>
+  <dgm:styleLbl name="fgShp">
+    <dgm:scene3d>
+      <a:camera prst="orthographicFront"/>
+      <a:lightRig rig="threePt" dir="t"/>
+    </dgm:scene3d>
+    <dgm:sp3d/>
+    <dgm:txPr/>
+    <dgm:style>
+      <a:lnRef idx="3">
+        <a:scrgbClr r="0" g="0" b="0"/>
+      </a:lnRef>
+      <a:fillRef idx="1">
+        <a:scrgbClr r="0" g="0" b="0"/>
+      </a:fillRef>
+      <a:effectRef idx="1">
+        <a:scrgbClr r="0" g="0" b="0"/>
+      </a:effectRef>
+      <a:fontRef idx="minor"/>
+    </dgm:style>
+  </dgm:styleLbl>
+  <dgm:styleLbl name="revTx">
+    <dgm:scene3d>
+      <a:camera prst="orthographicFront"/>
+      <a:lightRig rig="threePt" dir="t"/>
+    </dgm:scene3d>
+    <dgm:sp3d/>
+    <dgm:txPr/>
+    <dgm:style>
+      <a:lnRef idx="0">
+        <a:scrgbClr r="0" g="0" b="0"/>
+      </a:lnRef>
+      <a:fillRef idx="0">
+        <a:scrgbClr r="0" g="0" b="0"/>
+      </a:fillRef>
+      <a:effectRef idx="0">
+        <a:scrgbClr r="0" g="0" b="0"/>
+      </a:effectRef>
+      <a:fontRef idx="minor"/>
+    </dgm:style>
+  </dgm:styleLbl>
+</dgm:styleDef>
+</file>
+
 <file path=ppt/notesMasters/notesMaster1.xml><?xml version="1.0" encoding="utf-8"?>
 <p:notesMaster xmlns:a="http://schemas.openxmlformats.org/drawingml/2006/main" xmlns:r="http://schemas.openxmlformats.org/officeDocument/2006/relationships" xmlns:p="http://schemas.openxmlformats.org/presentationml/2006/main">
   <p:cSld>
@@ -221,7 +3848,7 @@
             <a:fld id="{122FED64-F4A4-1445-90DE-B431FA7DF8D3}" type="datetimeFigureOut">
               <a:rPr lang="en-US" smtClean="0"/>
               <a:pPr/>
-              <a:t>1/11/2011</a:t>
+              <a:t>3/17/11</a:t>
             </a:fld>
             <a:endParaRPr lang="en-US" dirty="0"/>
           </a:p>
@@ -396,7 +4023,7 @@
     </p:spTree>
     <p:extLst>
       <p:ext uri="{BB962C8B-B14F-4D97-AF65-F5344CB8AC3E}">
-        <p14:creationId xmlns="" xmlns:p14="http://schemas.microsoft.com/office/powerpoint/2010/main" val="3056856797"/>
+        <p14:creationId xmlns:p14="http://schemas.microsoft.com/office/powerpoint/2010/main" val="3056856797"/>
       </p:ext>
     </p:extLst>
   </p:cSld>
@@ -940,7 +4567,15 @@
             </a:r>
             <a:r>
               <a:rPr lang="en-US" dirty="0" err="1" smtClean="0"/>
-              <a:t>monodroid.net/Documentation/API_Design</a:t>
+              <a:t>monodroid.net</a:t>
+            </a:r>
+            <a:r>
+              <a:rPr lang="en-US" dirty="0" smtClean="0"/>
+              <a:t>/Documentation/</a:t>
+            </a:r>
+            <a:r>
+              <a:rPr lang="en-US" dirty="0" err="1" smtClean="0"/>
+              <a:t>API_Design</a:t>
             </a:r>
             <a:endParaRPr lang="en-US" dirty="0"/>
           </a:p>
@@ -964,7 +4599,7 @@
             <a:fld id="{DA2E8BC1-B6F3-3D4E-8CDE-8AF731476279}" type="slidenum">
               <a:rPr lang="en-US" smtClean="0"/>
               <a:pPr/>
-              <a:t>23</a:t>
+              <a:t>25</a:t>
             </a:fld>
             <a:endParaRPr lang="en-US" dirty="0"/>
           </a:p>
@@ -1143,7 +4778,7 @@
             <a:fld id="{DA2E8BC1-B6F3-3D4E-8CDE-8AF731476279}" type="slidenum">
               <a:rPr lang="en-US" smtClean="0"/>
               <a:pPr/>
-              <a:t>24</a:t>
+              <a:t>26</a:t>
             </a:fld>
             <a:endParaRPr lang="en-US" dirty="0"/>
           </a:p>
@@ -1339,7 +4974,7 @@
             <a:fld id="{DC14A1DA-BDB1-4693-9FC0-65DE61D7C2F9}" type="datetimeFigureOut">
               <a:rPr lang="en-US" smtClean="0"/>
               <a:pPr/>
-              <a:t>1/11/2011</a:t>
+              <a:t>3/17/11</a:t>
             </a:fld>
             <a:endParaRPr lang="en-US"/>
           </a:p>
@@ -1506,7 +5141,7 @@
             <a:fld id="{DC14A1DA-BDB1-4693-9FC0-65DE61D7C2F9}" type="datetimeFigureOut">
               <a:rPr lang="en-US" smtClean="0"/>
               <a:pPr/>
-              <a:t>1/11/2011</a:t>
+              <a:t>3/17/11</a:t>
             </a:fld>
             <a:endParaRPr lang="en-US"/>
           </a:p>
@@ -1683,7 +5318,7 @@
             <a:fld id="{DC14A1DA-BDB1-4693-9FC0-65DE61D7C2F9}" type="datetimeFigureOut">
               <a:rPr lang="en-US" smtClean="0"/>
               <a:pPr/>
-              <a:t>1/11/2011</a:t>
+              <a:t>3/17/11</a:t>
             </a:fld>
             <a:endParaRPr lang="en-US"/>
           </a:p>
@@ -1850,7 +5485,7 @@
             <a:fld id="{DC14A1DA-BDB1-4693-9FC0-65DE61D7C2F9}" type="datetimeFigureOut">
               <a:rPr lang="en-US" smtClean="0"/>
               <a:pPr/>
-              <a:t>1/11/2011</a:t>
+              <a:t>3/17/11</a:t>
             </a:fld>
             <a:endParaRPr lang="en-US"/>
           </a:p>
@@ -2093,7 +5728,7 @@
             <a:fld id="{DC14A1DA-BDB1-4693-9FC0-65DE61D7C2F9}" type="datetimeFigureOut">
               <a:rPr lang="en-US" smtClean="0"/>
               <a:pPr/>
-              <a:t>1/11/2011</a:t>
+              <a:t>3/17/11</a:t>
             </a:fld>
             <a:endParaRPr lang="en-US"/>
           </a:p>
@@ -2378,7 +6013,7 @@
             <a:fld id="{DC14A1DA-BDB1-4693-9FC0-65DE61D7C2F9}" type="datetimeFigureOut">
               <a:rPr lang="en-US" smtClean="0"/>
               <a:pPr/>
-              <a:t>1/11/2011</a:t>
+              <a:t>3/17/11</a:t>
             </a:fld>
             <a:endParaRPr lang="en-US"/>
           </a:p>
@@ -2797,7 +6432,7 @@
             <a:fld id="{DC14A1DA-BDB1-4693-9FC0-65DE61D7C2F9}" type="datetimeFigureOut">
               <a:rPr lang="en-US" smtClean="0"/>
               <a:pPr/>
-              <a:t>1/11/2011</a:t>
+              <a:t>3/17/11</a:t>
             </a:fld>
             <a:endParaRPr lang="en-US"/>
           </a:p>
@@ -2912,7 +6547,7 @@
             <a:fld id="{DC14A1DA-BDB1-4693-9FC0-65DE61D7C2F9}" type="datetimeFigureOut">
               <a:rPr lang="en-US" smtClean="0"/>
               <a:pPr/>
-              <a:t>1/11/2011</a:t>
+              <a:t>3/17/11</a:t>
             </a:fld>
             <a:endParaRPr lang="en-US"/>
           </a:p>
@@ -3004,7 +6639,7 @@
             <a:fld id="{DC14A1DA-BDB1-4693-9FC0-65DE61D7C2F9}" type="datetimeFigureOut">
               <a:rPr lang="en-US" smtClean="0"/>
               <a:pPr/>
-              <a:t>1/11/2011</a:t>
+              <a:t>3/17/11</a:t>
             </a:fld>
             <a:endParaRPr lang="en-US"/>
           </a:p>
@@ -3278,7 +6913,7 @@
             <a:fld id="{DC14A1DA-BDB1-4693-9FC0-65DE61D7C2F9}" type="datetimeFigureOut">
               <a:rPr lang="en-US" smtClean="0"/>
               <a:pPr/>
-              <a:t>1/11/2011</a:t>
+              <a:t>3/17/11</a:t>
             </a:fld>
             <a:endParaRPr lang="en-US"/>
           </a:p>
@@ -3532,7 +7167,7 @@
             <a:fld id="{DC14A1DA-BDB1-4693-9FC0-65DE61D7C2F9}" type="datetimeFigureOut">
               <a:rPr lang="en-US" smtClean="0"/>
               <a:pPr/>
-              <a:t>1/11/2011</a:t>
+              <a:t>3/17/11</a:t>
             </a:fld>
             <a:endParaRPr lang="en-US"/>
           </a:p>
@@ -3752,7 +7387,7 @@
             <a:fld id="{DC14A1DA-BDB1-4693-9FC0-65DE61D7C2F9}" type="datetimeFigureOut">
               <a:rPr lang="en-US" smtClean="0"/>
               <a:pPr/>
-              <a:t>1/11/2011</a:t>
+              <a:t>3/17/11</a:t>
             </a:fld>
             <a:endParaRPr lang="en-US" dirty="0"/>
           </a:p>
@@ -4148,7 +7783,27 @@
                 <a:latin typeface="Franklin Gothic Medium"/>
                 <a:cs typeface="Franklin Gothic Medium"/>
               </a:rPr>
-              <a:t>.NET? MonoDroid Does</a:t>
+              <a:t>.NET? Mono </a:t>
+            </a:r>
+            <a:r>
+              <a:rPr lang="en-US" smtClean="0">
+                <a:solidFill>
+                  <a:srgbClr val="141717"/>
+                </a:solidFill>
+                <a:latin typeface="Franklin Gothic Medium"/>
+                <a:cs typeface="Franklin Gothic Medium"/>
+              </a:rPr>
+              <a:t>for </a:t>
+            </a:r>
+            <a:r>
+              <a:rPr lang="en-US" smtClean="0">
+                <a:solidFill>
+                  <a:srgbClr val="141717"/>
+                </a:solidFill>
+                <a:latin typeface="Franklin Gothic Medium"/>
+                <a:cs typeface="Franklin Gothic Medium"/>
+              </a:rPr>
+              <a:t>Android Does</a:t>
             </a:r>
             <a:endParaRPr lang="en-US" dirty="0">
               <a:solidFill>
@@ -4230,7 +7885,7 @@
   <p:timing>
     <p:tnLst>
       <p:par>
-        <p:cTn id="1" dur="indefinite" restart="never" nodeType="tmRoot"/>
+        <p:cTn xmlns:p14="http://schemas.microsoft.com/office/powerpoint/2010/main" id="1" dur="indefinite" restart="never" nodeType="tmRoot"/>
       </p:par>
     </p:tnLst>
   </p:timing>
@@ -4277,27 +7932,7 @@
                 <a:latin typeface="Franklin Gothic Medium"/>
                 <a:cs typeface="Franklin Gothic Medium"/>
               </a:rPr>
-              <a:t>What is </a:t>
-            </a:r>
-            <a:r>
-              <a:rPr lang="en-US" dirty="0" err="1" smtClean="0">
-                <a:solidFill>
-                  <a:srgbClr val="141717"/>
-                </a:solidFill>
-                <a:latin typeface="Franklin Gothic Medium"/>
-                <a:cs typeface="Franklin Gothic Medium"/>
-              </a:rPr>
-              <a:t>MonoDroid</a:t>
-            </a:r>
-            <a:r>
-              <a:rPr lang="en-US" dirty="0" smtClean="0">
-                <a:solidFill>
-                  <a:srgbClr val="141717"/>
-                </a:solidFill>
-                <a:latin typeface="Franklin Gothic Medium"/>
-                <a:cs typeface="Franklin Gothic Medium"/>
-              </a:rPr>
-              <a:t>?</a:t>
+              <a:t>What is Mono for Android?</a:t>
             </a:r>
             <a:endParaRPr lang="en-US" dirty="0">
               <a:solidFill>
@@ -4322,7 +7957,7 @@
         <p:spPr/>
         <p:txBody>
           <a:bodyPr>
-            <a:normAutofit/>
+            <a:normAutofit fontScale="92500" lnSpcReduction="10000"/>
           </a:bodyPr>
           <a:lstStyle/>
           <a:p>
@@ -4343,27 +7978,51 @@
                   <a:srgbClr val="141717"/>
                 </a:solidFill>
               </a:rPr>
-              <a:t>~$400 individual / ~$1000 enterprise </a:t>
-            </a:r>
-          </a:p>
-          <a:p>
+              <a:t>$399 individual / ~$999 enterprise </a:t>
+            </a:r>
+            <a:r>
+              <a:rPr lang="en-US" dirty="0">
+                <a:solidFill>
+                  <a:srgbClr val="141717"/>
+                </a:solidFill>
+              </a:rPr>
+              <a:t>/ ~$</a:t>
+            </a:r>
             <a:r>
               <a:rPr lang="en-US" dirty="0" smtClean="0">
                 <a:solidFill>
                   <a:srgbClr val="141717"/>
                 </a:solidFill>
               </a:rPr>
+              <a:t>99 student </a:t>
+            </a:r>
+          </a:p>
+          <a:p>
+            <a:r>
+              <a:rPr lang="en-US" dirty="0" smtClean="0">
+                <a:solidFill>
+                  <a:srgbClr val="141717"/>
+                </a:solidFill>
+              </a:rPr>
               <a:t>Windows and Mac OS X (Linux soon)</a:t>
             </a:r>
           </a:p>
           <a:p>
             <a:r>
+              <a:rPr lang="en-US" dirty="0">
+                <a:solidFill>
+                  <a:srgbClr val="141717"/>
+                </a:solidFill>
+              </a:rPr>
+              <a:t>O</a:t>
+            </a:r>
+            <a:r>
               <a:rPr lang="en-US" dirty="0" smtClean="0">
                 <a:solidFill>
                   <a:srgbClr val="141717"/>
                 </a:solidFill>
               </a:rPr>
-              <a:t>Now in Open Preview</a:t>
+              <a:t>pen preview</a:t>
             </a:r>
           </a:p>
           <a:p>
@@ -4384,7 +8043,23 @@
                   <a:srgbClr val="141717"/>
                 </a:solidFill>
               </a:rPr>
-              <a:t>Project is still raw</a:t>
+              <a:t>Project is getting </a:t>
+            </a:r>
+            <a:r>
+              <a:rPr lang="en-US" i="1" dirty="0" smtClean="0">
+                <a:solidFill>
+                  <a:srgbClr val="141717"/>
+                </a:solidFill>
+              </a:rPr>
+              <a:t>really</a:t>
+            </a:r>
+            <a:r>
+              <a:rPr lang="en-US" dirty="0" smtClean="0">
+                <a:solidFill>
+                  <a:srgbClr val="141717"/>
+                </a:solidFill>
+              </a:rPr>
+              <a:t> close to 1.0</a:t>
             </a:r>
           </a:p>
           <a:p>
@@ -4395,7 +8070,7 @@
                   <a:srgbClr val="141717"/>
                 </a:solidFill>
               </a:rPr>
-              <a:t>GC</a:t>
+              <a:t>No “Go Live” license yet</a:t>
             </a:r>
           </a:p>
           <a:p>
@@ -4406,15 +8081,19 @@
                   <a:srgbClr val="141717"/>
                 </a:solidFill>
               </a:rPr>
-              <a:t>Not fully optimized for speed or size</a:t>
-            </a:r>
-          </a:p>
-          <a:p>
-            <a:endParaRPr lang="en-US" dirty="0" smtClean="0">
-              <a:solidFill>
-                <a:srgbClr val="141717"/>
-              </a:solidFill>
-            </a:endParaRPr>
+              <a:t>Not done with optimizations</a:t>
+            </a:r>
+          </a:p>
+          <a:p>
+            <a:pPr lvl="1"/>
+            <a:r>
+              <a:rPr lang="en-US" dirty="0" smtClean="0">
+                <a:solidFill>
+                  <a:srgbClr val="141717"/>
+                </a:solidFill>
+              </a:rPr>
+              <a:t>Still changing the API</a:t>
+            </a:r>
           </a:p>
         </p:txBody>
       </p:sp>
@@ -4426,7 +8105,7 @@
   <p:timing>
     <p:tnLst>
       <p:par>
-        <p:cTn id="1" dur="indefinite" restart="never" nodeType="tmRoot"/>
+        <p:cTn xmlns:p14="http://schemas.microsoft.com/office/powerpoint/2010/main" id="1" dur="indefinite" restart="never" nodeType="tmRoot"/>
       </p:par>
     </p:tnLst>
   </p:timing>
@@ -4668,7 +8347,7 @@
                 <a:latin typeface="Franklin Gothic Medium"/>
                 <a:cs typeface="Franklin Gothic Medium"/>
               </a:rPr>
-              <a:t>MonoDroid Architecture</a:t>
+              <a:t>Mono for Android Architecture</a:t>
             </a:r>
             <a:endParaRPr lang="en-US" dirty="0">
               <a:solidFill>
@@ -4711,7 +8390,7 @@
   <p:timing>
     <p:tnLst>
       <p:par>
-        <p:cTn id="1" dur="indefinite" restart="never" nodeType="tmRoot"/>
+        <p:cTn xmlns:p14="http://schemas.microsoft.com/office/powerpoint/2010/main" id="1" dur="indefinite" restart="never" nodeType="tmRoot"/>
       </p:par>
     </p:tnLst>
   </p:timing>
@@ -4748,7 +8427,7 @@
         <p:spPr/>
         <p:txBody>
           <a:bodyPr>
-            <a:normAutofit/>
+            <a:normAutofit fontScale="90000"/>
           </a:bodyPr>
           <a:lstStyle/>
           <a:p>
@@ -4757,7 +8436,7 @@
                 <a:latin typeface="Franklin Gothic Medium"/>
                 <a:cs typeface="Franklin Gothic Medium"/>
               </a:rPr>
-              <a:t>MonoDroid Design Principles</a:t>
+              <a:t>Mono for Android Design Principles</a:t>
             </a:r>
             <a:endParaRPr lang="en-US" dirty="0">
               <a:latin typeface="Franklin Gothic Medium"/>
@@ -4897,27 +8576,7 @@
                 <a:latin typeface="Franklin Gothic Medium"/>
                 <a:cs typeface="Franklin Gothic Medium"/>
               </a:rPr>
-              <a:t>Why would you use </a:t>
-            </a:r>
-            <a:r>
-              <a:rPr lang="en-US" dirty="0" err="1" smtClean="0">
-                <a:solidFill>
-                  <a:srgbClr val="141717"/>
-                </a:solidFill>
-                <a:latin typeface="Franklin Gothic Medium"/>
-                <a:cs typeface="Franklin Gothic Medium"/>
-              </a:rPr>
-              <a:t>MonoDroid</a:t>
-            </a:r>
-            <a:r>
-              <a:rPr lang="en-US" dirty="0" smtClean="0">
-                <a:solidFill>
-                  <a:srgbClr val="141717"/>
-                </a:solidFill>
-                <a:latin typeface="Franklin Gothic Medium"/>
-                <a:cs typeface="Franklin Gothic Medium"/>
-              </a:rPr>
-              <a:t>?</a:t>
+              <a:t>Why use Mono for Android?</a:t>
             </a:r>
             <a:endParaRPr lang="en-US" dirty="0">
               <a:solidFill>
@@ -4942,7 +8601,7 @@
         <p:spPr/>
         <p:txBody>
           <a:bodyPr>
-            <a:normAutofit fontScale="85000" lnSpcReduction="10000"/>
+            <a:normAutofit fontScale="85000" lnSpcReduction="20000"/>
           </a:bodyPr>
           <a:lstStyle/>
           <a:p>
@@ -4952,7 +8611,7 @@
                   <a:srgbClr val="141717"/>
                 </a:solidFill>
               </a:rPr>
-              <a:t>MonoDroid story not as compelling as MonoTouch.</a:t>
+              <a:t>Mono for Android story not as compelling as MonoTouch.</a:t>
             </a:r>
           </a:p>
           <a:p>
@@ -4990,12 +8649,28 @@
           <a:p>
             <a:pPr lvl="1"/>
             <a:r>
+              <a:rPr lang="en-US" dirty="0" err="1" smtClean="0">
+                <a:solidFill>
+                  <a:srgbClr val="141717"/>
+                </a:solidFill>
+              </a:rPr>
+              <a:t>MonoGame</a:t>
+            </a:r>
+            <a:r>
+              <a:rPr lang="en-US" dirty="0">
+                <a:solidFill>
+                  <a:srgbClr val="141717"/>
+                </a:solidFill>
+              </a:rPr>
+              <a:t> </a:t>
+            </a:r>
+            <a:r>
               <a:rPr lang="en-US" dirty="0" smtClean="0">
                 <a:solidFill>
                   <a:srgbClr val="141717"/>
                 </a:solidFill>
               </a:rPr>
-              <a:t>XNA for games a possibility</a:t>
+              <a:t>which is a port of XNA</a:t>
             </a:r>
           </a:p>
           <a:p>
@@ -5053,7 +8728,7 @@
                   <a:srgbClr val="141717"/>
                 </a:solidFill>
               </a:rPr>
-              <a:t>Friction still exists due to Java idioms and architecture.</a:t>
+              <a:t>Friction still due to Java idioms and architecture.</a:t>
             </a:r>
           </a:p>
         </p:txBody>
@@ -5191,7 +8866,7 @@
                   <a:srgbClr val="141717"/>
                 </a:solidFill>
               </a:rPr>
-              <a:t>Sell (eventually) via Android Marketplace</a:t>
+              <a:t>Sell (eventually) </a:t>
             </a:r>
           </a:p>
           <a:p>
@@ -5206,7 +8881,7 @@
                   <a:srgbClr val="141717"/>
                 </a:solidFill>
               </a:rPr>
-              <a:t>No “Go Live” license yet</a:t>
+              <a:t>Android Marketplace</a:t>
             </a:r>
           </a:p>
           <a:p>
@@ -5221,8 +8896,20 @@
                   <a:srgbClr val="141717"/>
                 </a:solidFill>
               </a:rPr>
-              <a:t>$25 Google developer account</a:t>
-            </a:r>
+              <a:t>Amazon App Store</a:t>
+            </a:r>
+          </a:p>
+          <a:p>
+            <a:pPr lvl="1">
+              <a:spcAft>
+                <a:spcPts val="1200"/>
+              </a:spcAft>
+            </a:pPr>
+            <a:endParaRPr lang="en-US" dirty="0" smtClean="0">
+              <a:solidFill>
+                <a:srgbClr val="141717"/>
+              </a:solidFill>
+            </a:endParaRPr>
           </a:p>
         </p:txBody>
       </p:sp>
@@ -5498,7 +9185,7 @@
   <p:timing>
     <p:tnLst>
       <p:par>
-        <p:cTn id="1" dur="indefinite" restart="never" nodeType="tmRoot"/>
+        <p:cTn xmlns:p14="http://schemas.microsoft.com/office/powerpoint/2010/main" id="1" dur="indefinite" restart="never" nodeType="tmRoot"/>
       </p:par>
     </p:tnLst>
   </p:timing>
@@ -5637,7 +9324,7 @@
 </file>
 
 <file path=ppt/slides/slide19.xml><?xml version="1.0" encoding="utf-8"?>
-<p:sld xmlns:a="http://schemas.openxmlformats.org/drawingml/2006/main" xmlns:r="http://schemas.openxmlformats.org/officeDocument/2006/relationships" xmlns:p="http://schemas.openxmlformats.org/presentationml/2006/main">
+<p:sld xmlns:a="http://schemas.openxmlformats.org/drawingml/2006/main" xmlns:r="http://schemas.openxmlformats.org/officeDocument/2006/relationships" xmlns:p="http://schemas.openxmlformats.org/presentationml/2006/main" show="0">
   <p:cSld>
     <p:spTree>
       <p:nvGrpSpPr>
@@ -5715,6 +9402,14 @@
   <p:clrMapOvr>
     <a:masterClrMapping/>
   </p:clrMapOvr>
+  <mc:AlternateContent xmlns:mc="http://schemas.openxmlformats.org/markup-compatibility/2006" xmlns:p14="http://schemas.microsoft.com/office/powerpoint/2010/main">
+    <mc:Choice Requires="p14">
+      <p:transition spd="slow" p14:dur="2000"/>
+    </mc:Choice>
+    <mc:Fallback xmlns="">
+      <p:transition xmlns:p14="http://schemas.microsoft.com/office/powerpoint/2010/main" spd="slow"/>
+    </mc:Fallback>
+  </mc:AlternateContent>
 </p:sld>
 </file>
 
@@ -5798,20 +9493,12 @@
               </a:lnSpc>
             </a:pPr>
             <a:r>
-              <a:rPr lang="en-US" dirty="0" err="1" smtClean="0">
-                <a:solidFill>
-                  <a:srgbClr val="141717"/>
-                </a:solidFill>
-              </a:rPr>
-              <a:t>MonoDroid</a:t>
-            </a:r>
-            <a:r>
               <a:rPr lang="en-US" dirty="0" smtClean="0">
                 <a:solidFill>
                   <a:srgbClr val="141717"/>
                 </a:solidFill>
               </a:rPr>
-              <a:t> : What, How, Why</a:t>
+              <a:t>Mono for Android : What, How, Why</a:t>
             </a:r>
           </a:p>
           <a:p>
@@ -5841,7 +9528,7 @@
                   <a:srgbClr val="141717"/>
                 </a:solidFill>
               </a:rPr>
-              <a:t>MonoDroid Resources</a:t>
+              <a:t>Mono for Android Resources</a:t>
             </a:r>
             <a:endParaRPr lang="en-US" dirty="0">
               <a:solidFill>
@@ -5859,7 +9546,7 @@
   <p:timing>
     <p:tnLst>
       <p:par>
-        <p:cTn id="1" dur="indefinite" restart="never" nodeType="tmRoot"/>
+        <p:cTn xmlns:p14="http://schemas.microsoft.com/office/powerpoint/2010/main" id="1" dur="indefinite" restart="never" nodeType="tmRoot"/>
       </p:par>
     </p:tnLst>
   </p:timing>
@@ -5906,7 +9593,7 @@
                 <a:latin typeface="Franklin Gothic Medium"/>
                 <a:cs typeface="Franklin Gothic Medium"/>
               </a:rPr>
-              <a:t>Services</a:t>
+              <a:t>Activity Life Cycle</a:t>
             </a:r>
           </a:p>
         </p:txBody>
@@ -5927,33 +9614,100 @@
           <a:lstStyle/>
           <a:p>
             <a:r>
-              <a:rPr lang="en-US" dirty="0" smtClean="0">
-                <a:solidFill>
-                  <a:srgbClr val="141717"/>
-                </a:solidFill>
-              </a:rPr>
-              <a:t>Android service are what you’d expect.</a:t>
-            </a:r>
-          </a:p>
-          <a:p>
-            <a:r>
-              <a:rPr lang="en-US" dirty="0" smtClean="0">
-                <a:solidFill>
-                  <a:srgbClr val="141717"/>
-                </a:solidFill>
-              </a:rPr>
-              <a:t>Possible to bind to an ongoing service and communicate via exposed interface</a:t>
-            </a:r>
-          </a:p>
-          <a:p>
-            <a:r>
-              <a:rPr lang="en-US" dirty="0" smtClean="0">
-                <a:solidFill>
-                  <a:srgbClr val="141717"/>
-                </a:solidFill>
-              </a:rPr>
-              <a:t>Runs in main application process but doesn’t block other components or UI</a:t>
-            </a:r>
+              <a:rPr lang="en-US" dirty="0" err="1" smtClean="0">
+                <a:solidFill>
+                  <a:srgbClr val="141717"/>
+                </a:solidFill>
+              </a:rPr>
+              <a:t>onCreate</a:t>
+            </a:r>
+            <a:endParaRPr lang="en-US" dirty="0" smtClean="0">
+              <a:solidFill>
+                <a:srgbClr val="141717"/>
+              </a:solidFill>
+            </a:endParaRPr>
+          </a:p>
+          <a:p>
+            <a:r>
+              <a:rPr lang="en-US" dirty="0" err="1" smtClean="0">
+                <a:solidFill>
+                  <a:srgbClr val="141717"/>
+                </a:solidFill>
+              </a:rPr>
+              <a:t>onStart</a:t>
+            </a:r>
+            <a:endParaRPr lang="en-US" dirty="0" smtClean="0">
+              <a:solidFill>
+                <a:srgbClr val="141717"/>
+              </a:solidFill>
+            </a:endParaRPr>
+          </a:p>
+          <a:p>
+            <a:r>
+              <a:rPr lang="en-US" dirty="0" err="1" smtClean="0">
+                <a:solidFill>
+                  <a:srgbClr val="141717"/>
+                </a:solidFill>
+              </a:rPr>
+              <a:t>onResume</a:t>
+            </a:r>
+            <a:endParaRPr lang="en-US" dirty="0" smtClean="0">
+              <a:solidFill>
+                <a:srgbClr val="141717"/>
+              </a:solidFill>
+            </a:endParaRPr>
+          </a:p>
+          <a:p>
+            <a:r>
+              <a:rPr lang="en-US" dirty="0" err="1" smtClean="0">
+                <a:solidFill>
+                  <a:srgbClr val="141717"/>
+                </a:solidFill>
+              </a:rPr>
+              <a:t>onPause</a:t>
+            </a:r>
+            <a:endParaRPr lang="en-US" dirty="0" smtClean="0">
+              <a:solidFill>
+                <a:srgbClr val="141717"/>
+              </a:solidFill>
+            </a:endParaRPr>
+          </a:p>
+          <a:p>
+            <a:r>
+              <a:rPr lang="en-US" dirty="0" err="1" smtClean="0">
+                <a:solidFill>
+                  <a:srgbClr val="141717"/>
+                </a:solidFill>
+              </a:rPr>
+              <a:t>onStop</a:t>
+            </a:r>
+            <a:endParaRPr lang="en-US" dirty="0" smtClean="0">
+              <a:solidFill>
+                <a:srgbClr val="141717"/>
+              </a:solidFill>
+            </a:endParaRPr>
+          </a:p>
+          <a:p>
+            <a:r>
+              <a:rPr lang="en-US" dirty="0" err="1" smtClean="0">
+                <a:solidFill>
+                  <a:srgbClr val="141717"/>
+                </a:solidFill>
+              </a:rPr>
+              <a:t>onDestroy</a:t>
+            </a:r>
+            <a:endParaRPr lang="en-US" dirty="0" smtClean="0">
+              <a:solidFill>
+                <a:srgbClr val="141717"/>
+              </a:solidFill>
+            </a:endParaRPr>
+          </a:p>
+          <a:p>
+            <a:endParaRPr lang="en-US" dirty="0" smtClean="0">
+              <a:solidFill>
+                <a:srgbClr val="141717"/>
+              </a:solidFill>
+            </a:endParaRPr>
           </a:p>
           <a:p>
             <a:endParaRPr lang="en-US" dirty="0" smtClean="0">
@@ -6019,25 +9773,7 @@
                 <a:latin typeface="Franklin Gothic Medium"/>
                 <a:cs typeface="Franklin Gothic Medium"/>
               </a:rPr>
-              <a:t>Content</a:t>
-            </a:r>
-            <a:r>
-              <a:rPr lang="en-US" dirty="0" smtClean="0">
-                <a:solidFill>
-                  <a:srgbClr val="141717"/>
-                </a:solidFill>
-              </a:rPr>
-              <a:t> </a:t>
-            </a:r>
-            <a:r>
-              <a:rPr lang="en-US" dirty="0" smtClean="0">
-                <a:solidFill>
-                  <a:srgbClr val="141717"/>
-                </a:solidFill>
-                <a:latin typeface="Franklin Gothic Medium"/>
-                <a:cs typeface="Franklin Gothic Medium"/>
-              </a:rPr>
-              <a:t>Providers</a:t>
+              <a:t>Services</a:t>
             </a:r>
           </a:p>
         </p:txBody>
@@ -6058,20 +9794,12 @@
           <a:lstStyle/>
           <a:p>
             <a:r>
-              <a:rPr lang="en-US" dirty="0" err="1" smtClean="0">
-                <a:solidFill>
-                  <a:srgbClr val="141717"/>
-                </a:solidFill>
-              </a:rPr>
-              <a:t>Queryable</a:t>
-            </a:r>
-            <a:r>
               <a:rPr lang="en-US" dirty="0" smtClean="0">
                 <a:solidFill>
                   <a:srgbClr val="141717"/>
                 </a:solidFill>
               </a:rPr>
-              <a:t> application data stores</a:t>
+              <a:t>Android service are what you’d expect.</a:t>
             </a:r>
           </a:p>
           <a:p>
@@ -6081,7 +9809,7 @@
                   <a:srgbClr val="141717"/>
                 </a:solidFill>
               </a:rPr>
-              <a:t>Only way to share data amongst other apps</a:t>
+              <a:t>Possible to bind to an ongoing service and communicate via exposed interface</a:t>
             </a:r>
           </a:p>
           <a:p>
@@ -6091,55 +9819,31 @@
                   <a:srgbClr val="141717"/>
                 </a:solidFill>
               </a:rPr>
-              <a:t>Android ships with common providers</a:t>
-            </a:r>
-          </a:p>
-          <a:p>
-            <a:pPr lvl="1"/>
-            <a:r>
-              <a:rPr lang="en-US" dirty="0" smtClean="0">
-                <a:solidFill>
-                  <a:srgbClr val="141717"/>
-                </a:solidFill>
-              </a:rPr>
-              <a:t>Audio, video, images, contacts, etc.</a:t>
-            </a:r>
-          </a:p>
-          <a:p>
-            <a:r>
-              <a:rPr lang="en-US" dirty="0" smtClean="0">
-                <a:solidFill>
-                  <a:srgbClr val="141717"/>
-                </a:solidFill>
-              </a:rPr>
-              <a:t>Making your application’s data public</a:t>
-            </a:r>
-          </a:p>
-          <a:p>
-            <a:pPr lvl="1"/>
-            <a:r>
-              <a:rPr lang="en-US" dirty="0" smtClean="0">
-                <a:solidFill>
-                  <a:srgbClr val="141717"/>
-                </a:solidFill>
-              </a:rPr>
-              <a:t>Create a new provider</a:t>
-            </a:r>
-          </a:p>
-          <a:p>
-            <a:pPr lvl="1"/>
-            <a:r>
-              <a:rPr lang="en-US" dirty="0" smtClean="0">
-                <a:solidFill>
-                  <a:srgbClr val="141717"/>
-                </a:solidFill>
-              </a:rPr>
-              <a:t>Add your data to existing provider</a:t>
-            </a:r>
+              <a:t>Runs in main application process but doesn’t block other components or UI</a:t>
+            </a:r>
+          </a:p>
+          <a:p>
+            <a:endParaRPr lang="en-US" dirty="0" smtClean="0">
+              <a:solidFill>
+                <a:srgbClr val="141717"/>
+              </a:solidFill>
+            </a:endParaRPr>
+          </a:p>
+          <a:p>
+            <a:endParaRPr lang="en-US" dirty="0">
+              <a:solidFill>
+                <a:srgbClr val="141717"/>
+              </a:solidFill>
+            </a:endParaRPr>
           </a:p>
         </p:txBody>
       </p:sp>
     </p:spTree>
+    <p:extLst>
+      <p:ext uri="{BB962C8B-B14F-4D97-AF65-F5344CB8AC3E}">
+        <p14:creationId xmlns:p14="http://schemas.microsoft.com/office/powerpoint/2010/main" val="847587006"/>
+      </p:ext>
+    </p:extLst>
   </p:cSld>
   <p:clrMapOvr>
     <a:masterClrMapping/>
@@ -6176,9 +9880,7 @@
         </p:nvSpPr>
         <p:spPr/>
         <p:txBody>
-          <a:bodyPr>
-            <a:normAutofit/>
-          </a:bodyPr>
+          <a:bodyPr/>
           <a:lstStyle/>
           <a:p>
             <a:r>
@@ -6189,7 +9891,25 @@
                 <a:latin typeface="Franklin Gothic Medium"/>
                 <a:cs typeface="Franklin Gothic Medium"/>
               </a:rPr>
-              <a:t>Intents</a:t>
+              <a:t>Content</a:t>
+            </a:r>
+            <a:r>
+              <a:rPr lang="en-US" dirty="0" smtClean="0">
+                <a:solidFill>
+                  <a:srgbClr val="141717"/>
+                </a:solidFill>
+              </a:rPr>
+              <a:t> </a:t>
+            </a:r>
+            <a:r>
+              <a:rPr lang="en-US" dirty="0" smtClean="0">
+                <a:solidFill>
+                  <a:srgbClr val="141717"/>
+                </a:solidFill>
+                <a:latin typeface="Franklin Gothic Medium"/>
+                <a:cs typeface="Franklin Gothic Medium"/>
+              </a:rPr>
+              <a:t>Providers</a:t>
             </a:r>
           </a:p>
         </p:txBody>
@@ -6210,12 +9930,20 @@
           <a:lstStyle/>
           <a:p>
             <a:r>
+              <a:rPr lang="en-US" dirty="0" err="1" smtClean="0">
+                <a:solidFill>
+                  <a:srgbClr val="141717"/>
+                </a:solidFill>
+              </a:rPr>
+              <a:t>Queryable</a:t>
+            </a:r>
+            <a:r>
               <a:rPr lang="en-US" dirty="0" smtClean="0">
                 <a:solidFill>
                   <a:srgbClr val="141717"/>
                 </a:solidFill>
               </a:rPr>
-              <a:t>Eventing mechanism</a:t>
+              <a:t> application data stores</a:t>
             </a:r>
           </a:p>
           <a:p>
@@ -6225,7 +9953,7 @@
                   <a:srgbClr val="141717"/>
                 </a:solidFill>
               </a:rPr>
-              <a:t>Intent objects are passive data that is of interest to the component that is receiving the intent</a:t>
+              <a:t>Only way to share data amongst other apps</a:t>
             </a:r>
           </a:p>
           <a:p>
@@ -6235,22 +9963,51 @@
                   <a:srgbClr val="141717"/>
                 </a:solidFill>
               </a:rPr>
-              <a:t>Filterable</a:t>
-            </a:r>
-          </a:p>
-          <a:p>
-            <a:endParaRPr lang="en-US" dirty="0" smtClean="0">
-              <a:solidFill>
-                <a:srgbClr val="141717"/>
-              </a:solidFill>
-            </a:endParaRPr>
-          </a:p>
-          <a:p>
-            <a:endParaRPr lang="en-US" dirty="0" smtClean="0">
-              <a:solidFill>
-                <a:srgbClr val="141717"/>
-              </a:solidFill>
-            </a:endParaRPr>
+              <a:t>Android ships with common providers</a:t>
+            </a:r>
+          </a:p>
+          <a:p>
+            <a:pPr lvl="1"/>
+            <a:r>
+              <a:rPr lang="en-US" dirty="0" smtClean="0">
+                <a:solidFill>
+                  <a:srgbClr val="141717"/>
+                </a:solidFill>
+              </a:rPr>
+              <a:t>Audio, video, images, contacts, etc.</a:t>
+            </a:r>
+          </a:p>
+          <a:p>
+            <a:r>
+              <a:rPr lang="en-US" dirty="0" smtClean="0">
+                <a:solidFill>
+                  <a:srgbClr val="141717"/>
+                </a:solidFill>
+              </a:rPr>
+              <a:t>Making your application’s data public</a:t>
+            </a:r>
+          </a:p>
+          <a:p>
+            <a:pPr lvl="1"/>
+            <a:r>
+              <a:rPr lang="en-US" dirty="0" smtClean="0">
+                <a:solidFill>
+                  <a:srgbClr val="141717"/>
+                </a:solidFill>
+              </a:rPr>
+              <a:t>Create a new provider</a:t>
+            </a:r>
+          </a:p>
+          <a:p>
+            <a:pPr lvl="1"/>
+            <a:r>
+              <a:rPr lang="en-US" dirty="0" smtClean="0">
+                <a:solidFill>
+                  <a:srgbClr val="141717"/>
+                </a:solidFill>
+              </a:rPr>
+              <a:t>Add your data to existing provider</a:t>
+            </a:r>
           </a:p>
         </p:txBody>
       </p:sp>
@@ -6291,133 +10048,43 @@
         </p:nvSpPr>
         <p:spPr/>
         <p:txBody>
-          <a:bodyPr>
-            <a:normAutofit/>
-          </a:bodyPr>
+          <a:bodyPr/>
           <a:lstStyle/>
           <a:p>
             <a:r>
-              <a:rPr lang="en-US" dirty="0" smtClean="0">
-                <a:solidFill>
-                  <a:srgbClr val="141717"/>
-                </a:solidFill>
-                <a:latin typeface="Franklin Gothic Medium"/>
-                <a:cs typeface="Franklin Gothic Medium"/>
-              </a:rPr>
-              <a:t>Resources</a:t>
-            </a:r>
+              <a:rPr lang="en-US" dirty="0" smtClean="0"/>
+              <a:t>Content </a:t>
+            </a:r>
+            <a:r>
+              <a:rPr lang="en-US" smtClean="0"/>
+              <a:t>Provider Layer</a:t>
+            </a:r>
+            <a:endParaRPr lang="en-US"/>
           </a:p>
         </p:txBody>
       </p:sp>
-      <p:sp>
-        <p:nvSpPr>
-          <p:cNvPr id="3" name="Content Placeholder 2"/>
-          <p:cNvSpPr>
-            <a:spLocks noGrp="1"/>
-          </p:cNvSpPr>
-          <p:nvPr>
-            <p:ph idx="1"/>
-          </p:nvPr>
-        </p:nvSpPr>
-        <p:spPr/>
-        <p:txBody>
-          <a:bodyPr>
-            <a:normAutofit fontScale="92500" lnSpcReduction="20000"/>
-          </a:bodyPr>
-          <a:lstStyle/>
-          <a:p>
-            <a:pPr>
-              <a:lnSpc>
-                <a:spcPct val="150000"/>
-              </a:lnSpc>
-            </a:pPr>
-            <a:r>
-              <a:rPr lang="en-US" dirty="0" smtClean="0">
-                <a:solidFill>
-                  <a:srgbClr val="141717"/>
-                </a:solidFill>
-              </a:rPr>
-              <a:t>Images, layout descriptions, binary blobs and string dictionaries</a:t>
-            </a:r>
-          </a:p>
-          <a:p>
-            <a:pPr>
-              <a:lnSpc>
-                <a:spcPct val="150000"/>
-              </a:lnSpc>
-            </a:pPr>
-            <a:r>
-              <a:rPr lang="en-US" dirty="0" smtClean="0">
-                <a:solidFill>
-                  <a:srgbClr val="141717"/>
-                </a:solidFill>
-              </a:rPr>
-              <a:t>Abstraction layer which helps decouples code</a:t>
-            </a:r>
-          </a:p>
-          <a:p>
-            <a:pPr>
-              <a:lnSpc>
-                <a:spcPct val="150000"/>
-              </a:lnSpc>
-            </a:pPr>
-            <a:r>
-              <a:rPr lang="en-US" dirty="0" smtClean="0">
-                <a:solidFill>
-                  <a:srgbClr val="141717"/>
-                </a:solidFill>
-              </a:rPr>
-              <a:t>Makes managing assets easier</a:t>
-            </a:r>
-          </a:p>
-          <a:p>
-            <a:pPr lvl="1">
-              <a:lnSpc>
-                <a:spcPct val="150000"/>
-              </a:lnSpc>
-            </a:pPr>
-            <a:r>
-              <a:rPr lang="en-US" dirty="0" smtClean="0">
-                <a:solidFill>
-                  <a:srgbClr val="141717"/>
-                </a:solidFill>
-              </a:rPr>
-              <a:t>Localization</a:t>
-            </a:r>
-          </a:p>
-          <a:p>
-            <a:pPr lvl="1">
-              <a:lnSpc>
-                <a:spcPct val="150000"/>
-              </a:lnSpc>
-            </a:pPr>
-            <a:r>
-              <a:rPr lang="en-US" dirty="0" smtClean="0">
-                <a:solidFill>
-                  <a:srgbClr val="141717"/>
-                </a:solidFill>
-              </a:rPr>
-              <a:t>Multiple displays</a:t>
-            </a:r>
-          </a:p>
-          <a:p>
-            <a:pPr lvl="1">
-              <a:lnSpc>
-                <a:spcPct val="150000"/>
-              </a:lnSpc>
-            </a:pPr>
-            <a:r>
-              <a:rPr lang="en-US" dirty="0" smtClean="0">
-                <a:solidFill>
-                  <a:srgbClr val="141717"/>
-                </a:solidFill>
-              </a:rPr>
-              <a:t>Different hardware configurations</a:t>
-            </a:r>
-          </a:p>
-        </p:txBody>
-      </p:sp>
+      <p:graphicFrame>
+        <p:nvGraphicFramePr>
+          <p:cNvPr id="3" name="Diagram 2"/>
+          <p:cNvGraphicFramePr/>
+          <p:nvPr/>
+        </p:nvGraphicFramePr>
+        <p:xfrm>
+          <a:off x="723900" y="1905000"/>
+          <a:ext cx="7696200" cy="3048000"/>
+        </p:xfrm>
+        <a:graphic>
+          <a:graphicData uri="http://schemas.openxmlformats.org/drawingml/2006/diagram">
+            <dgm:relIds xmlns:dgm="http://schemas.openxmlformats.org/drawingml/2006/diagram" xmlns:r="http://schemas.openxmlformats.org/officeDocument/2006/relationships" r:dm="rId2" r:lo="rId3" r:qs="rId4" r:cs="rId5"/>
+          </a:graphicData>
+        </a:graphic>
+      </p:graphicFrame>
     </p:spTree>
+    <p:extLst>
+      <p:ext uri="{BB962C8B-B14F-4D97-AF65-F5344CB8AC3E}">
+        <p14:creationId xmlns:p14="http://schemas.microsoft.com/office/powerpoint/2010/main" val="554593828"/>
+      </p:ext>
+    </p:extLst>
   </p:cSld>
   <p:clrMapOvr>
     <a:masterClrMapping/>
@@ -6467,7 +10134,7 @@
                 <a:latin typeface="Franklin Gothic Medium"/>
                 <a:cs typeface="Franklin Gothic Medium"/>
               </a:rPr>
-              <a:t>Code Demo</a:t>
+              <a:t>Intents</a:t>
             </a:r>
           </a:p>
         </p:txBody>
@@ -6484,35 +10151,50 @@
         </p:nvSpPr>
         <p:spPr/>
         <p:txBody>
-          <a:bodyPr>
-            <a:normAutofit/>
-          </a:bodyPr>
+          <a:bodyPr/>
           <a:lstStyle/>
           <a:p>
-            <a:endParaRPr lang="en-US" dirty="0" smtClean="0"/>
-          </a:p>
-          <a:p>
-            <a:endParaRPr lang="en-US" dirty="0" smtClean="0"/>
-          </a:p>
-          <a:p>
-            <a:pPr>
-              <a:buNone/>
-            </a:pPr>
-            <a:endParaRPr lang="en-US" dirty="0" smtClean="0"/>
-          </a:p>
-          <a:p>
-            <a:pPr algn="ctr">
-              <a:buNone/>
-            </a:pPr>
-            <a:r>
-              <a:rPr lang="en-US" sz="2000" dirty="0" smtClean="0">
-                <a:latin typeface="Lucida Console" pitchFamily="49" charset="0"/>
-                <a:hlinkClick r:id="rId3"/>
-              </a:rPr>
-              <a:t>https://github.com/kevinmcmahon/MonoDroid101</a:t>
-            </a:r>
-            <a:endParaRPr lang="en-US" sz="2000" dirty="0" smtClean="0">
-              <a:latin typeface="Lucida Console" pitchFamily="49" charset="0"/>
+            <a:r>
+              <a:rPr lang="en-US" dirty="0" smtClean="0">
+                <a:solidFill>
+                  <a:srgbClr val="141717"/>
+                </a:solidFill>
+              </a:rPr>
+              <a:t>Eventing mechanism</a:t>
+            </a:r>
+          </a:p>
+          <a:p>
+            <a:r>
+              <a:rPr lang="en-US" dirty="0" smtClean="0">
+                <a:solidFill>
+                  <a:srgbClr val="141717"/>
+                </a:solidFill>
+              </a:rPr>
+              <a:t>Intent objects are passive data that is of interest to the component that is receiving the intent</a:t>
+            </a:r>
+          </a:p>
+          <a:p>
+            <a:r>
+              <a:rPr lang="en-US" dirty="0" smtClean="0">
+                <a:solidFill>
+                  <a:srgbClr val="141717"/>
+                </a:solidFill>
+              </a:rPr>
+              <a:t>Filterable</a:t>
+            </a:r>
+          </a:p>
+          <a:p>
+            <a:endParaRPr lang="en-US" dirty="0" smtClean="0">
+              <a:solidFill>
+                <a:srgbClr val="141717"/>
+              </a:solidFill>
+            </a:endParaRPr>
+          </a:p>
+          <a:p>
+            <a:endParaRPr lang="en-US" dirty="0" smtClean="0">
+              <a:solidFill>
+                <a:srgbClr val="141717"/>
+              </a:solidFill>
             </a:endParaRPr>
           </a:p>
         </p:txBody>
@@ -6554,6 +10236,269 @@
         </p:nvSpPr>
         <p:spPr/>
         <p:txBody>
+          <a:bodyPr>
+            <a:normAutofit/>
+          </a:bodyPr>
+          <a:lstStyle/>
+          <a:p>
+            <a:r>
+              <a:rPr lang="en-US" dirty="0" smtClean="0">
+                <a:solidFill>
+                  <a:srgbClr val="141717"/>
+                </a:solidFill>
+                <a:latin typeface="Franklin Gothic Medium"/>
+                <a:cs typeface="Franklin Gothic Medium"/>
+              </a:rPr>
+              <a:t>Resources</a:t>
+            </a:r>
+          </a:p>
+        </p:txBody>
+      </p:sp>
+      <p:sp>
+        <p:nvSpPr>
+          <p:cNvPr id="3" name="Content Placeholder 2"/>
+          <p:cNvSpPr>
+            <a:spLocks noGrp="1"/>
+          </p:cNvSpPr>
+          <p:nvPr>
+            <p:ph idx="1"/>
+          </p:nvPr>
+        </p:nvSpPr>
+        <p:spPr/>
+        <p:txBody>
+          <a:bodyPr>
+            <a:normAutofit fontScale="92500" lnSpcReduction="20000"/>
+          </a:bodyPr>
+          <a:lstStyle/>
+          <a:p>
+            <a:pPr>
+              <a:lnSpc>
+                <a:spcPct val="150000"/>
+              </a:lnSpc>
+            </a:pPr>
+            <a:r>
+              <a:rPr lang="en-US" dirty="0" smtClean="0">
+                <a:solidFill>
+                  <a:srgbClr val="141717"/>
+                </a:solidFill>
+              </a:rPr>
+              <a:t>Images, layout descriptions, binary blobs and string dictionaries</a:t>
+            </a:r>
+          </a:p>
+          <a:p>
+            <a:pPr>
+              <a:lnSpc>
+                <a:spcPct val="150000"/>
+              </a:lnSpc>
+            </a:pPr>
+            <a:r>
+              <a:rPr lang="en-US" dirty="0" smtClean="0">
+                <a:solidFill>
+                  <a:srgbClr val="141717"/>
+                </a:solidFill>
+              </a:rPr>
+              <a:t>Abstraction layer which helps decouples code</a:t>
+            </a:r>
+          </a:p>
+          <a:p>
+            <a:pPr>
+              <a:lnSpc>
+                <a:spcPct val="150000"/>
+              </a:lnSpc>
+            </a:pPr>
+            <a:r>
+              <a:rPr lang="en-US" dirty="0" smtClean="0">
+                <a:solidFill>
+                  <a:srgbClr val="141717"/>
+                </a:solidFill>
+              </a:rPr>
+              <a:t>Makes managing assets easier</a:t>
+            </a:r>
+          </a:p>
+          <a:p>
+            <a:pPr lvl="1">
+              <a:lnSpc>
+                <a:spcPct val="150000"/>
+              </a:lnSpc>
+            </a:pPr>
+            <a:r>
+              <a:rPr lang="en-US" dirty="0" smtClean="0">
+                <a:solidFill>
+                  <a:srgbClr val="141717"/>
+                </a:solidFill>
+              </a:rPr>
+              <a:t>Localization</a:t>
+            </a:r>
+          </a:p>
+          <a:p>
+            <a:pPr lvl="1">
+              <a:lnSpc>
+                <a:spcPct val="150000"/>
+              </a:lnSpc>
+            </a:pPr>
+            <a:r>
+              <a:rPr lang="en-US" dirty="0" smtClean="0">
+                <a:solidFill>
+                  <a:srgbClr val="141717"/>
+                </a:solidFill>
+              </a:rPr>
+              <a:t>Multiple displays</a:t>
+            </a:r>
+          </a:p>
+          <a:p>
+            <a:pPr lvl="1">
+              <a:lnSpc>
+                <a:spcPct val="150000"/>
+              </a:lnSpc>
+            </a:pPr>
+            <a:r>
+              <a:rPr lang="en-US" dirty="0" smtClean="0">
+                <a:solidFill>
+                  <a:srgbClr val="141717"/>
+                </a:solidFill>
+              </a:rPr>
+              <a:t>Different hardware configurations</a:t>
+            </a:r>
+          </a:p>
+        </p:txBody>
+      </p:sp>
+    </p:spTree>
+  </p:cSld>
+  <p:clrMapOvr>
+    <a:masterClrMapping/>
+  </p:clrMapOvr>
+</p:sld>
+</file>
+
+<file path=ppt/slides/slide26.xml><?xml version="1.0" encoding="utf-8"?>
+<p:sld xmlns:a="http://schemas.openxmlformats.org/drawingml/2006/main" xmlns:r="http://schemas.openxmlformats.org/officeDocument/2006/relationships" xmlns:p="http://schemas.openxmlformats.org/presentationml/2006/main">
+  <p:cSld>
+    <p:spTree>
+      <p:nvGrpSpPr>
+        <p:cNvPr id="1" name=""/>
+        <p:cNvGrpSpPr/>
+        <p:nvPr/>
+      </p:nvGrpSpPr>
+      <p:grpSpPr>
+        <a:xfrm>
+          <a:off x="0" y="0"/>
+          <a:ext cx="0" cy="0"/>
+          <a:chOff x="0" y="0"/>
+          <a:chExt cx="0" cy="0"/>
+        </a:xfrm>
+      </p:grpSpPr>
+      <p:sp>
+        <p:nvSpPr>
+          <p:cNvPr id="2" name="Title 1"/>
+          <p:cNvSpPr>
+            <a:spLocks noGrp="1"/>
+          </p:cNvSpPr>
+          <p:nvPr>
+            <p:ph type="title"/>
+          </p:nvPr>
+        </p:nvSpPr>
+        <p:spPr/>
+        <p:txBody>
+          <a:bodyPr>
+            <a:normAutofit/>
+          </a:bodyPr>
+          <a:lstStyle/>
+          <a:p>
+            <a:r>
+              <a:rPr lang="en-US" dirty="0" smtClean="0">
+                <a:solidFill>
+                  <a:srgbClr val="141717"/>
+                </a:solidFill>
+                <a:latin typeface="Franklin Gothic Medium"/>
+                <a:cs typeface="Franklin Gothic Medium"/>
+              </a:rPr>
+              <a:t>Code Demo</a:t>
+            </a:r>
+          </a:p>
+        </p:txBody>
+      </p:sp>
+      <p:sp>
+        <p:nvSpPr>
+          <p:cNvPr id="3" name="Content Placeholder 2"/>
+          <p:cNvSpPr>
+            <a:spLocks noGrp="1"/>
+          </p:cNvSpPr>
+          <p:nvPr>
+            <p:ph idx="1"/>
+          </p:nvPr>
+        </p:nvSpPr>
+        <p:spPr/>
+        <p:txBody>
+          <a:bodyPr>
+            <a:normAutofit/>
+          </a:bodyPr>
+          <a:lstStyle/>
+          <a:p>
+            <a:endParaRPr lang="en-US" dirty="0" smtClean="0"/>
+          </a:p>
+          <a:p>
+            <a:endParaRPr lang="en-US" dirty="0" smtClean="0"/>
+          </a:p>
+          <a:p>
+            <a:pPr>
+              <a:buNone/>
+            </a:pPr>
+            <a:endParaRPr lang="en-US" dirty="0" smtClean="0"/>
+          </a:p>
+          <a:p>
+            <a:pPr algn="ctr">
+              <a:buNone/>
+            </a:pPr>
+            <a:r>
+              <a:rPr lang="en-US" sz="2000" dirty="0" smtClean="0">
+                <a:latin typeface="Lucida Console" pitchFamily="49" charset="0"/>
+                <a:hlinkClick r:id="rId3"/>
+              </a:rPr>
+              <a:t>https://github.com/kevinmcmahon/MonoDroid101</a:t>
+            </a:r>
+            <a:endParaRPr lang="en-US" sz="2000" dirty="0" smtClean="0">
+              <a:latin typeface="Lucida Console" pitchFamily="49" charset="0"/>
+            </a:endParaRPr>
+          </a:p>
+        </p:txBody>
+      </p:sp>
+    </p:spTree>
+  </p:cSld>
+  <p:clrMapOvr>
+    <a:masterClrMapping/>
+  </p:clrMapOvr>
+</p:sld>
+</file>
+
+<file path=ppt/slides/slide27.xml><?xml version="1.0" encoding="utf-8"?>
+<p:sld xmlns:a="http://schemas.openxmlformats.org/drawingml/2006/main" xmlns:r="http://schemas.openxmlformats.org/officeDocument/2006/relationships" xmlns:p="http://schemas.openxmlformats.org/presentationml/2006/main">
+  <p:cSld>
+    <p:spTree>
+      <p:nvGrpSpPr>
+        <p:cNvPr id="1" name=""/>
+        <p:cNvGrpSpPr/>
+        <p:nvPr/>
+      </p:nvGrpSpPr>
+      <p:grpSpPr>
+        <a:xfrm>
+          <a:off x="0" y="0"/>
+          <a:ext cx="0" cy="0"/>
+          <a:chOff x="0" y="0"/>
+          <a:chExt cx="0" cy="0"/>
+        </a:xfrm>
+      </p:grpSpPr>
+      <p:sp>
+        <p:nvSpPr>
+          <p:cNvPr id="2" name="Title 1"/>
+          <p:cNvSpPr>
+            <a:spLocks noGrp="1"/>
+          </p:cNvSpPr>
+          <p:nvPr>
+            <p:ph type="title"/>
+          </p:nvPr>
+        </p:nvSpPr>
+        <p:spPr/>
+        <p:txBody>
           <a:bodyPr/>
           <a:lstStyle/>
           <a:p>
@@ -6565,7 +10510,27 @@
                 <a:latin typeface="Franklin Gothic Medium"/>
                 <a:cs typeface="Franklin Gothic Medium"/>
               </a:rPr>
-              <a:t>MonoDroid Resources</a:t>
+              <a:t>Mono </a:t>
+            </a:r>
+            <a:r>
+              <a:rPr lang="en-US" smtClean="0">
+                <a:solidFill>
+                  <a:srgbClr val="141717"/>
+                </a:solidFill>
+                <a:latin typeface="Franklin Gothic Medium"/>
+                <a:cs typeface="Franklin Gothic Medium"/>
+              </a:rPr>
+              <a:t>for Android </a:t>
+            </a:r>
+            <a:r>
+              <a:rPr lang="en-US" dirty="0" smtClean="0">
+                <a:solidFill>
+                  <a:srgbClr val="141717"/>
+                </a:solidFill>
+                <a:latin typeface="Franklin Gothic Medium"/>
+                <a:cs typeface="Franklin Gothic Medium"/>
+              </a:rPr>
+              <a:t>Resources</a:t>
             </a:r>
             <a:endParaRPr lang="en-US" dirty="0">
               <a:solidFill>
@@ -6616,7 +10581,51 @@
                 <a:cs typeface="Lucida Console"/>
                 <a:hlinkClick r:id="rId2"/>
               </a:rPr>
-              <a:t>http://monodroid.net/Welcome</a:t>
+              <a:t>http:</a:t>
+            </a:r>
+            <a:r>
+              <a:rPr lang="en-US" dirty="0">
+                <a:solidFill>
+                  <a:srgbClr val="141717"/>
+                </a:solidFill>
+                <a:latin typeface="Lucida Console"/>
+                <a:cs typeface="Lucida Console"/>
+                <a:hlinkClick r:id="rId2"/>
+              </a:rPr>
+              <a:t>/</a:t>
+            </a:r>
+            <a:r>
+              <a:rPr lang="en-US" dirty="0" smtClean="0">
+                <a:solidFill>
+                  <a:srgbClr val="141717"/>
+                </a:solidFill>
+                <a:latin typeface="Lucida Console"/>
+                <a:cs typeface="Lucida Console"/>
+                <a:hlinkClick r:id="rId2"/>
+              </a:rPr>
+              <a:t>/mono</a:t>
+            </a:r>
+            <a:r>
+              <a:rPr lang="en-US" dirty="0">
+                <a:solidFill>
+                  <a:srgbClr val="141717"/>
+                </a:solidFill>
+                <a:latin typeface="Lucida Console"/>
+                <a:cs typeface="Lucida Console"/>
+                <a:hlinkClick r:id="rId2"/>
+              </a:rPr>
+              <a:t>-</a:t>
+            </a:r>
+            <a:r>
+              <a:rPr lang="en-US" dirty="0" smtClean="0">
+                <a:solidFill>
+                  <a:srgbClr val="141717"/>
+                </a:solidFill>
+                <a:latin typeface="Lucida Console"/>
+                <a:cs typeface="Lucida Console"/>
+                <a:hlinkClick r:id="rId2"/>
+              </a:rPr>
+              <a:t>android.net/Welcome</a:t>
             </a:r>
             <a:endParaRPr lang="en-US" dirty="0" smtClean="0">
               <a:solidFill>
@@ -6658,7 +10667,7 @@
                 <a:latin typeface="Lucida Console"/>
                 <a:hlinkClick r:id="rId3"/>
               </a:rPr>
-              <a:t>http://www.monodroid.net</a:t>
+              <a:t>http://www.mono-android.net</a:t>
             </a:r>
           </a:p>
           <a:p>
@@ -6973,7 +10982,7 @@
   <p:timing>
     <p:tnLst>
       <p:par>
-        <p:cTn id="1" dur="indefinite" restart="never" nodeType="tmRoot"/>
+        <p:cTn xmlns:p14="http://schemas.microsoft.com/office/powerpoint/2010/main" id="1" dur="indefinite" restart="never" nodeType="tmRoot"/>
       </p:par>
     </p:tnLst>
   </p:timing>
@@ -7055,7 +11064,7 @@
           <a:blip r:embed="rId2" cstate="print">
             <a:extLst>
               <a:ext uri="{28A0092B-C50C-407E-A947-70E740481C1C}">
-                <a14:useLocalDpi xmlns="" xmlns:a14="http://schemas.microsoft.com/office/drawing/2010/main" val="0"/>
+                <a14:useLocalDpi xmlns:a14="http://schemas.microsoft.com/office/drawing/2010/main" val="0"/>
               </a:ext>
             </a:extLst>
           </a:blip>
@@ -7081,7 +11090,7 @@
   <p:timing>
     <p:tnLst>
       <p:par>
-        <p:cTn id="1" dur="indefinite" restart="never" nodeType="tmRoot"/>
+        <p:cTn xmlns:p14="http://schemas.microsoft.com/office/powerpoint/2010/main" id="1" dur="indefinite" restart="never" nodeType="tmRoot"/>
       </p:par>
     </p:tnLst>
   </p:timing>
@@ -7151,7 +11160,7 @@
           <a:blip r:embed="rId3" cstate="print">
             <a:extLst>
               <a:ext uri="{28A0092B-C50C-407E-A947-70E740481C1C}">
-                <a14:useLocalDpi xmlns="" xmlns:a14="http://schemas.microsoft.com/office/drawing/2010/main" val="0"/>
+                <a14:useLocalDpi xmlns:a14="http://schemas.microsoft.com/office/drawing/2010/main" val="0"/>
               </a:ext>
             </a:extLst>
           </a:blip>
@@ -7177,7 +11186,7 @@
   <p:timing>
     <p:tnLst>
       <p:par>
-        <p:cTn id="1" dur="indefinite" restart="never" nodeType="tmRoot"/>
+        <p:cTn xmlns:p14="http://schemas.microsoft.com/office/powerpoint/2010/main" id="1" dur="indefinite" restart="never" nodeType="tmRoot"/>
       </p:par>
     </p:tnLst>
   </p:timing>
@@ -7257,7 +11266,7 @@
           <a:blip r:embed="rId2" cstate="print">
             <a:extLst>
               <a:ext uri="{28A0092B-C50C-407E-A947-70E740481C1C}">
-                <a14:useLocalDpi xmlns="" xmlns:a14="http://schemas.microsoft.com/office/drawing/2010/main" val="0"/>
+                <a14:useLocalDpi xmlns:a14="http://schemas.microsoft.com/office/drawing/2010/main" val="0"/>
               </a:ext>
             </a:extLst>
           </a:blip>
@@ -7283,7 +11292,7 @@
   <p:timing>
     <p:tnLst>
       <p:par>
-        <p:cTn id="1" dur="indefinite" restart="never" nodeType="tmRoot"/>
+        <p:cTn xmlns:p14="http://schemas.microsoft.com/office/powerpoint/2010/main" id="1" dur="indefinite" restart="never" nodeType="tmRoot"/>
       </p:par>
     </p:tnLst>
   </p:timing>
@@ -7355,7 +11364,7 @@
           <a:blip r:embed="rId3" cstate="print">
             <a:extLst>
               <a:ext uri="{28A0092B-C50C-407E-A947-70E740481C1C}">
-                <a14:useLocalDpi xmlns="" xmlns:a14="http://schemas.microsoft.com/office/drawing/2010/main" val="0"/>
+                <a14:useLocalDpi xmlns:a14="http://schemas.microsoft.com/office/drawing/2010/main" val="0"/>
               </a:ext>
             </a:extLst>
           </a:blip>
@@ -7381,7 +11390,7 @@
   <p:timing>
     <p:tnLst>
       <p:par>
-        <p:cTn id="1" dur="indefinite" restart="never" nodeType="tmRoot"/>
+        <p:cTn xmlns:p14="http://schemas.microsoft.com/office/powerpoint/2010/main" id="1" dur="indefinite" restart="never" nodeType="tmRoot"/>
       </p:par>
     </p:tnLst>
   </p:timing>
@@ -7463,7 +11472,7 @@
           <a:blip r:embed="rId2" cstate="print">
             <a:extLst>
               <a:ext uri="{28A0092B-C50C-407E-A947-70E740481C1C}">
-                <a14:useLocalDpi xmlns="" xmlns:a14="http://schemas.microsoft.com/office/drawing/2010/main" val="0"/>
+                <a14:useLocalDpi xmlns:a14="http://schemas.microsoft.com/office/drawing/2010/main" val="0"/>
               </a:ext>
             </a:extLst>
           </a:blip>
@@ -7489,7 +11498,7 @@
   <p:timing>
     <p:tnLst>
       <p:par>
-        <p:cTn id="1" dur="indefinite" restart="never" nodeType="tmRoot"/>
+        <p:cTn xmlns:p14="http://schemas.microsoft.com/office/powerpoint/2010/main" id="1" dur="indefinite" restart="never" nodeType="tmRoot"/>
       </p:par>
     </p:tnLst>
   </p:timing>
@@ -7692,7 +11701,7 @@
   <p:timing>
     <p:tnLst>
       <p:par>
-        <p:cTn id="1" dur="indefinite" restart="never" nodeType="tmRoot"/>
+        <p:cTn xmlns:p14="http://schemas.microsoft.com/office/powerpoint/2010/main" id="1" dur="indefinite" restart="never" nodeType="tmRoot"/>
       </p:par>
     </p:tnLst>
   </p:timing>

--- a/slides/Monodroid101.pptx
+++ b/slides/Monodroid101.pptx
@@ -5,36 +5,37 @@
     <p:sldMasterId id="2147483696" r:id="rId1"/>
   </p:sldMasterIdLst>
   <p:notesMasterIdLst>
-    <p:notesMasterId r:id="rId29"/>
+    <p:notesMasterId r:id="rId30"/>
   </p:notesMasterIdLst>
   <p:sldIdLst>
     <p:sldId id="256" r:id="rId2"/>
     <p:sldId id="257" r:id="rId3"/>
-    <p:sldId id="258" r:id="rId4"/>
-    <p:sldId id="281" r:id="rId5"/>
-    <p:sldId id="283" r:id="rId6"/>
-    <p:sldId id="284" r:id="rId7"/>
-    <p:sldId id="282" r:id="rId8"/>
-    <p:sldId id="285" r:id="rId9"/>
-    <p:sldId id="277" r:id="rId10"/>
-    <p:sldId id="267" r:id="rId11"/>
-    <p:sldId id="268" r:id="rId12"/>
-    <p:sldId id="266" r:id="rId13"/>
-    <p:sldId id="271" r:id="rId14"/>
-    <p:sldId id="262" r:id="rId15"/>
-    <p:sldId id="272" r:id="rId16"/>
-    <p:sldId id="260" r:id="rId17"/>
-    <p:sldId id="263" r:id="rId18"/>
-    <p:sldId id="269" r:id="rId19"/>
-    <p:sldId id="270" r:id="rId20"/>
-    <p:sldId id="273" r:id="rId21"/>
-    <p:sldId id="286" r:id="rId22"/>
-    <p:sldId id="274" r:id="rId23"/>
-    <p:sldId id="287" r:id="rId24"/>
-    <p:sldId id="278" r:id="rId25"/>
-    <p:sldId id="279" r:id="rId26"/>
-    <p:sldId id="280" r:id="rId27"/>
-    <p:sldId id="259" r:id="rId28"/>
+    <p:sldId id="288" r:id="rId4"/>
+    <p:sldId id="258" r:id="rId5"/>
+    <p:sldId id="281" r:id="rId6"/>
+    <p:sldId id="283" r:id="rId7"/>
+    <p:sldId id="284" r:id="rId8"/>
+    <p:sldId id="282" r:id="rId9"/>
+    <p:sldId id="285" r:id="rId10"/>
+    <p:sldId id="277" r:id="rId11"/>
+    <p:sldId id="267" r:id="rId12"/>
+    <p:sldId id="268" r:id="rId13"/>
+    <p:sldId id="266" r:id="rId14"/>
+    <p:sldId id="271" r:id="rId15"/>
+    <p:sldId id="262" r:id="rId16"/>
+    <p:sldId id="272" r:id="rId17"/>
+    <p:sldId id="260" r:id="rId18"/>
+    <p:sldId id="263" r:id="rId19"/>
+    <p:sldId id="269" r:id="rId20"/>
+    <p:sldId id="270" r:id="rId21"/>
+    <p:sldId id="273" r:id="rId22"/>
+    <p:sldId id="278" r:id="rId23"/>
+    <p:sldId id="286" r:id="rId24"/>
+    <p:sldId id="274" r:id="rId25"/>
+    <p:sldId id="287" r:id="rId26"/>
+    <p:sldId id="279" r:id="rId27"/>
+    <p:sldId id="280" r:id="rId28"/>
+    <p:sldId id="259" r:id="rId29"/>
   </p:sldIdLst>
   <p:sldSz cx="9144000" cy="6858000" type="screen4x3"/>
   <p:notesSz cx="6858000" cy="9144000"/>
@@ -3848,7 +3849,7 @@
             <a:fld id="{122FED64-F4A4-1445-90DE-B431FA7DF8D3}" type="datetimeFigureOut">
               <a:rPr lang="en-US" smtClean="0"/>
               <a:pPr/>
-              <a:t>3/17/11</a:t>
+              <a:t>5/12/11</a:t>
             </a:fld>
             <a:endParaRPr lang="en-US" dirty="0"/>
           </a:p>
@@ -4254,7 +4255,7 @@
             <a:fld id="{DA2E8BC1-B6F3-3D4E-8CDE-8AF731476279}" type="slidenum">
               <a:rPr lang="en-US" smtClean="0"/>
               <a:pPr/>
-              <a:t>5</a:t>
+              <a:t>6</a:t>
             </a:fld>
             <a:endParaRPr lang="en-US" dirty="0"/>
           </a:p>
@@ -4388,7 +4389,7 @@
             <a:fld id="{DA2E8BC1-B6F3-3D4E-8CDE-8AF731476279}" type="slidenum">
               <a:rPr lang="en-US" smtClean="0"/>
               <a:pPr/>
-              <a:t>7</a:t>
+              <a:t>8</a:t>
             </a:fld>
             <a:endParaRPr lang="en-US" dirty="0"/>
           </a:p>
@@ -4501,7 +4502,7 @@
             <a:fld id="{DA2E8BC1-B6F3-3D4E-8CDE-8AF731476279}" type="slidenum">
               <a:rPr lang="en-US" smtClean="0"/>
               <a:pPr/>
-              <a:t>12</a:t>
+              <a:t>13</a:t>
             </a:fld>
             <a:endParaRPr lang="en-US"/>
           </a:p>
@@ -4599,7 +4600,7 @@
             <a:fld id="{DA2E8BC1-B6F3-3D4E-8CDE-8AF731476279}" type="slidenum">
               <a:rPr lang="en-US" smtClean="0"/>
               <a:pPr/>
-              <a:t>25</a:t>
+              <a:t>26</a:t>
             </a:fld>
             <a:endParaRPr lang="en-US" dirty="0"/>
           </a:p>
@@ -4778,7 +4779,7 @@
             <a:fld id="{DA2E8BC1-B6F3-3D4E-8CDE-8AF731476279}" type="slidenum">
               <a:rPr lang="en-US" smtClean="0"/>
               <a:pPr/>
-              <a:t>26</a:t>
+              <a:t>27</a:t>
             </a:fld>
             <a:endParaRPr lang="en-US" dirty="0"/>
           </a:p>
@@ -4974,7 +4975,7 @@
             <a:fld id="{DC14A1DA-BDB1-4693-9FC0-65DE61D7C2F9}" type="datetimeFigureOut">
               <a:rPr lang="en-US" smtClean="0"/>
               <a:pPr/>
-              <a:t>3/17/11</a:t>
+              <a:t>5/12/11</a:t>
             </a:fld>
             <a:endParaRPr lang="en-US"/>
           </a:p>
@@ -5141,7 +5142,7 @@
             <a:fld id="{DC14A1DA-BDB1-4693-9FC0-65DE61D7C2F9}" type="datetimeFigureOut">
               <a:rPr lang="en-US" smtClean="0"/>
               <a:pPr/>
-              <a:t>3/17/11</a:t>
+              <a:t>5/12/11</a:t>
             </a:fld>
             <a:endParaRPr lang="en-US"/>
           </a:p>
@@ -5318,7 +5319,7 @@
             <a:fld id="{DC14A1DA-BDB1-4693-9FC0-65DE61D7C2F9}" type="datetimeFigureOut">
               <a:rPr lang="en-US" smtClean="0"/>
               <a:pPr/>
-              <a:t>3/17/11</a:t>
+              <a:t>5/12/11</a:t>
             </a:fld>
             <a:endParaRPr lang="en-US"/>
           </a:p>
@@ -5485,7 +5486,7 @@
             <a:fld id="{DC14A1DA-BDB1-4693-9FC0-65DE61D7C2F9}" type="datetimeFigureOut">
               <a:rPr lang="en-US" smtClean="0"/>
               <a:pPr/>
-              <a:t>3/17/11</a:t>
+              <a:t>5/12/11</a:t>
             </a:fld>
             <a:endParaRPr lang="en-US"/>
           </a:p>
@@ -5728,7 +5729,7 @@
             <a:fld id="{DC14A1DA-BDB1-4693-9FC0-65DE61D7C2F9}" type="datetimeFigureOut">
               <a:rPr lang="en-US" smtClean="0"/>
               <a:pPr/>
-              <a:t>3/17/11</a:t>
+              <a:t>5/12/11</a:t>
             </a:fld>
             <a:endParaRPr lang="en-US"/>
           </a:p>
@@ -6013,7 +6014,7 @@
             <a:fld id="{DC14A1DA-BDB1-4693-9FC0-65DE61D7C2F9}" type="datetimeFigureOut">
               <a:rPr lang="en-US" smtClean="0"/>
               <a:pPr/>
-              <a:t>3/17/11</a:t>
+              <a:t>5/12/11</a:t>
             </a:fld>
             <a:endParaRPr lang="en-US"/>
           </a:p>
@@ -6432,7 +6433,7 @@
             <a:fld id="{DC14A1DA-BDB1-4693-9FC0-65DE61D7C2F9}" type="datetimeFigureOut">
               <a:rPr lang="en-US" smtClean="0"/>
               <a:pPr/>
-              <a:t>3/17/11</a:t>
+              <a:t>5/12/11</a:t>
             </a:fld>
             <a:endParaRPr lang="en-US"/>
           </a:p>
@@ -6547,7 +6548,7 @@
             <a:fld id="{DC14A1DA-BDB1-4693-9FC0-65DE61D7C2F9}" type="datetimeFigureOut">
               <a:rPr lang="en-US" smtClean="0"/>
               <a:pPr/>
-              <a:t>3/17/11</a:t>
+              <a:t>5/12/11</a:t>
             </a:fld>
             <a:endParaRPr lang="en-US"/>
           </a:p>
@@ -6639,7 +6640,7 @@
             <a:fld id="{DC14A1DA-BDB1-4693-9FC0-65DE61D7C2F9}" type="datetimeFigureOut">
               <a:rPr lang="en-US" smtClean="0"/>
               <a:pPr/>
-              <a:t>3/17/11</a:t>
+              <a:t>5/12/11</a:t>
             </a:fld>
             <a:endParaRPr lang="en-US"/>
           </a:p>
@@ -6913,7 +6914,7 @@
             <a:fld id="{DC14A1DA-BDB1-4693-9FC0-65DE61D7C2F9}" type="datetimeFigureOut">
               <a:rPr lang="en-US" smtClean="0"/>
               <a:pPr/>
-              <a:t>3/17/11</a:t>
+              <a:t>5/12/11</a:t>
             </a:fld>
             <a:endParaRPr lang="en-US"/>
           </a:p>
@@ -7167,7 +7168,7 @@
             <a:fld id="{DC14A1DA-BDB1-4693-9FC0-65DE61D7C2F9}" type="datetimeFigureOut">
               <a:rPr lang="en-US" smtClean="0"/>
               <a:pPr/>
-              <a:t>3/17/11</a:t>
+              <a:t>5/12/11</a:t>
             </a:fld>
             <a:endParaRPr lang="en-US"/>
           </a:p>
@@ -7387,7 +7388,7 @@
             <a:fld id="{DC14A1DA-BDB1-4693-9FC0-65DE61D7C2F9}" type="datetimeFigureOut">
               <a:rPr lang="en-US" smtClean="0"/>
               <a:pPr/>
-              <a:t>3/17/11</a:t>
+              <a:t>5/12/11</a:t>
             </a:fld>
             <a:endParaRPr lang="en-US" dirty="0"/>
           </a:p>
@@ -7793,17 +7794,7 @@
                 <a:latin typeface="Franklin Gothic Medium"/>
                 <a:cs typeface="Franklin Gothic Medium"/>
               </a:rPr>
-              <a:t>for </a:t>
-            </a:r>
-            <a:r>
-              <a:rPr lang="en-US" smtClean="0">
-                <a:solidFill>
-                  <a:srgbClr val="141717"/>
-                </a:solidFill>
-                <a:latin typeface="Franklin Gothic Medium"/>
-                <a:cs typeface="Franklin Gothic Medium"/>
-              </a:rPr>
-              <a:t>Android Does</a:t>
+              <a:t>for Android Does</a:t>
             </a:r>
             <a:endParaRPr lang="en-US" dirty="0">
               <a:solidFill>
@@ -7828,47 +7819,6 @@
           <a:bodyPr/>
           <a:lstStyle/>
           <a:p>
-            <a:r>
-              <a:rPr lang="en-US" dirty="0" smtClean="0">
-                <a:solidFill>
-                  <a:srgbClr val="485C5B"/>
-                </a:solidFill>
-              </a:rPr>
-              <a:t>Kevin McMahon</a:t>
-            </a:r>
-          </a:p>
-          <a:p>
-            <a:r>
-              <a:rPr lang="en-US" dirty="0" smtClean="0">
-                <a:solidFill>
-                  <a:srgbClr val="485C5B"/>
-                </a:solidFill>
-              </a:rPr>
-              <a:t>@</a:t>
-            </a:r>
-            <a:r>
-              <a:rPr lang="en-US" dirty="0" err="1" smtClean="0">
-                <a:solidFill>
-                  <a:srgbClr val="485C5B"/>
-                </a:solidFill>
-              </a:rPr>
-              <a:t>klmcmahon</a:t>
-            </a:r>
-            <a:endParaRPr lang="en-US" dirty="0" smtClean="0">
-              <a:solidFill>
-                <a:srgbClr val="485C5B"/>
-              </a:solidFill>
-            </a:endParaRPr>
-          </a:p>
-          <a:p>
-            <a:r>
-              <a:rPr lang="en-US" dirty="0" smtClean="0">
-                <a:solidFill>
-                  <a:srgbClr val="485C5B"/>
-                </a:solidFill>
-              </a:rPr>
-              <a:t>http://blog.kevfoo.com</a:t>
-            </a:r>
             <a:endParaRPr lang="en-US" dirty="0">
               <a:solidFill>
                 <a:srgbClr val="485C5B"/>
@@ -7921,7 +7871,9 @@
         </p:nvSpPr>
         <p:spPr/>
         <p:txBody>
-          <a:bodyPr/>
+          <a:bodyPr>
+            <a:normAutofit/>
+          </a:bodyPr>
           <a:lstStyle/>
           <a:p>
             <a:r>
@@ -7929,17 +7881,15 @@
                 <a:solidFill>
                   <a:srgbClr val="141717"/>
                 </a:solidFill>
-                <a:latin typeface="Franklin Gothic Medium"/>
-                <a:cs typeface="Franklin Gothic Medium"/>
-              </a:rPr>
-              <a:t>What is Mono for Android?</a:t>
+                <a:latin typeface="Franklin Gothic Medium" pitchFamily="34" charset="0"/>
+              </a:rPr>
+              <a:t>Dalvik Virtual Machine</a:t>
             </a:r>
             <a:endParaRPr lang="en-US" dirty="0">
               <a:solidFill>
                 <a:srgbClr val="141717"/>
               </a:solidFill>
-              <a:latin typeface="Franklin Gothic Medium"/>
-              <a:cs typeface="Franklin Gothic Medium"/>
+              <a:latin typeface="Franklin Gothic Medium" pitchFamily="34" charset="0"/>
             </a:endParaRPr>
           </a:p>
         </p:txBody>
@@ -7957,7 +7907,7 @@
         <p:spPr/>
         <p:txBody>
           <a:bodyPr>
-            <a:normAutofit fontScale="92500" lnSpcReduction="10000"/>
+            <a:normAutofit/>
           </a:bodyPr>
           <a:lstStyle/>
           <a:p>
@@ -7967,7 +7917,7 @@
                   <a:srgbClr val="141717"/>
                 </a:solidFill>
               </a:rPr>
-              <a:t>Commercial Product from Novell</a:t>
+              <a:t>Dalvik Virtual Machine</a:t>
             </a:r>
           </a:p>
           <a:p>
@@ -7978,88 +7928,82 @@
                   <a:srgbClr val="141717"/>
                 </a:solidFill>
               </a:rPr>
-              <a:t>$399 individual / ~$999 enterprise </a:t>
-            </a:r>
-            <a:r>
-              <a:rPr lang="en-US" dirty="0">
-                <a:solidFill>
-                  <a:srgbClr val="141717"/>
-                </a:solidFill>
-              </a:rPr>
-              <a:t>/ ~$</a:t>
-            </a:r>
+              <a:t>Register-based</a:t>
+            </a:r>
+          </a:p>
+          <a:p>
+            <a:pPr lvl="1"/>
             <a:r>
               <a:rPr lang="en-US" dirty="0" smtClean="0">
                 <a:solidFill>
                   <a:srgbClr val="141717"/>
                 </a:solidFill>
               </a:rPr>
-              <a:t>99 student </a:t>
-            </a:r>
-          </a:p>
-          <a:p>
+              <a:t>Runs multiple </a:t>
+            </a:r>
+            <a:r>
+              <a:rPr lang="en-US" dirty="0" err="1" smtClean="0">
+                <a:solidFill>
+                  <a:srgbClr val="141717"/>
+                </a:solidFill>
+              </a:rPr>
+              <a:t>VMs</a:t>
+            </a:r>
             <a:r>
               <a:rPr lang="en-US" dirty="0" smtClean="0">
                 <a:solidFill>
                   <a:srgbClr val="141717"/>
                 </a:solidFill>
               </a:rPr>
-              <a:t>Windows and Mac OS X (Linux soon)</a:t>
-            </a:r>
-          </a:p>
-          <a:p>
-            <a:r>
-              <a:rPr lang="en-US" dirty="0">
-                <a:solidFill>
-                  <a:srgbClr val="141717"/>
-                </a:solidFill>
-              </a:rPr>
-              <a:t>O</a:t>
-            </a:r>
+              <a:t> efficiently</a:t>
+            </a:r>
+          </a:p>
+          <a:p>
+            <a:pPr lvl="1"/>
             <a:r>
               <a:rPr lang="en-US" dirty="0" smtClean="0">
                 <a:solidFill>
                   <a:srgbClr val="141717"/>
                 </a:solidFill>
               </a:rPr>
-              <a:t>pen preview</a:t>
+              <a:t>Requires a .class to .</a:t>
+            </a:r>
+            <a:r>
+              <a:rPr lang="en-US" dirty="0" err="1" smtClean="0">
+                <a:solidFill>
+                  <a:srgbClr val="141717"/>
+                </a:solidFill>
+              </a:rPr>
+              <a:t>dex</a:t>
+            </a:r>
+            <a:r>
+              <a:rPr lang="en-US" dirty="0" smtClean="0">
+                <a:solidFill>
+                  <a:srgbClr val="141717"/>
+                </a:solidFill>
+              </a:rPr>
+              <a:t> transformation</a:t>
             </a:r>
           </a:p>
           <a:p>
             <a:pPr lvl="1"/>
             <a:r>
-              <a:rPr lang="en-US" b="1" dirty="0" smtClean="0">
-                <a:solidFill>
-                  <a:srgbClr val="141717"/>
-                </a:solidFill>
-              </a:rPr>
-              <a:t>DOWNLOAD AND TRY IT!</a:t>
-            </a:r>
-          </a:p>
-          <a:p>
-            <a:r>
               <a:rPr lang="en-US" dirty="0" smtClean="0">
                 <a:solidFill>
                   <a:srgbClr val="141717"/>
                 </a:solidFill>
               </a:rPr>
-              <a:t>Project is getting </a:t>
-            </a:r>
-            <a:r>
-              <a:rPr lang="en-US" i="1" dirty="0" smtClean="0">
-                <a:solidFill>
-                  <a:srgbClr val="141717"/>
-                </a:solidFill>
-              </a:rPr>
-              <a:t>really</a:t>
-            </a:r>
+              <a:t>JIT (as of Android 2.2)</a:t>
+            </a:r>
+          </a:p>
+          <a:p>
             <a:r>
               <a:rPr lang="en-US" dirty="0" smtClean="0">
                 <a:solidFill>
                   <a:srgbClr val="141717"/>
                 </a:solidFill>
               </a:rPr>
-              <a:t> close to 1.0</a:t>
+              <a:t>Each Android Application:</a:t>
             </a:r>
           </a:p>
           <a:p>
@@ -8070,7 +8014,7 @@
                   <a:srgbClr val="141717"/>
                 </a:solidFill>
               </a:rPr>
-              <a:t>No “Go Live” license yet</a:t>
+              <a:t>Runs in their own process </a:t>
             </a:r>
           </a:p>
           <a:p>
@@ -8081,18 +8025,7 @@
                   <a:srgbClr val="141717"/>
                 </a:solidFill>
               </a:rPr>
-              <a:t>Not done with optimizations</a:t>
-            </a:r>
-          </a:p>
-          <a:p>
-            <a:pPr lvl="1"/>
-            <a:r>
-              <a:rPr lang="en-US" dirty="0" smtClean="0">
-                <a:solidFill>
-                  <a:srgbClr val="141717"/>
-                </a:solidFill>
-              </a:rPr>
-              <a:t>Still changing the API</a:t>
+              <a:t>Runs on their own VM</a:t>
             </a:r>
           </a:p>
         </p:txBody>
@@ -8152,6 +8085,169 @@
                 <a:latin typeface="Franklin Gothic Medium"/>
                 <a:cs typeface="Franklin Gothic Medium"/>
               </a:rPr>
+              <a:t>What is Mono for Android?</a:t>
+            </a:r>
+            <a:endParaRPr lang="en-US" dirty="0">
+              <a:solidFill>
+                <a:srgbClr val="141717"/>
+              </a:solidFill>
+              <a:latin typeface="Franklin Gothic Medium"/>
+              <a:cs typeface="Franklin Gothic Medium"/>
+            </a:endParaRPr>
+          </a:p>
+        </p:txBody>
+      </p:sp>
+      <p:sp>
+        <p:nvSpPr>
+          <p:cNvPr id="3" name="Content Placeholder 2"/>
+          <p:cNvSpPr>
+            <a:spLocks noGrp="1"/>
+          </p:cNvSpPr>
+          <p:nvPr>
+            <p:ph idx="1"/>
+          </p:nvPr>
+        </p:nvSpPr>
+        <p:spPr/>
+        <p:txBody>
+          <a:bodyPr>
+            <a:normAutofit/>
+          </a:bodyPr>
+          <a:lstStyle/>
+          <a:p>
+            <a:r>
+              <a:rPr lang="en-US" dirty="0" smtClean="0">
+                <a:solidFill>
+                  <a:srgbClr val="141717"/>
+                </a:solidFill>
+              </a:rPr>
+              <a:t>Commercial Product from Novell</a:t>
+            </a:r>
+          </a:p>
+          <a:p>
+            <a:pPr lvl="1"/>
+            <a:r>
+              <a:rPr lang="en-US" dirty="0" smtClean="0">
+                <a:solidFill>
+                  <a:srgbClr val="141717"/>
+                </a:solidFill>
+              </a:rPr>
+              <a:t>$399 individual / ~$999 enterprise </a:t>
+            </a:r>
+            <a:r>
+              <a:rPr lang="en-US" dirty="0">
+                <a:solidFill>
+                  <a:srgbClr val="141717"/>
+                </a:solidFill>
+              </a:rPr>
+              <a:t>/ ~$</a:t>
+            </a:r>
+            <a:r>
+              <a:rPr lang="en-US" dirty="0" smtClean="0">
+                <a:solidFill>
+                  <a:srgbClr val="141717"/>
+                </a:solidFill>
+              </a:rPr>
+              <a:t>99 student </a:t>
+            </a:r>
+          </a:p>
+          <a:p>
+            <a:r>
+              <a:rPr lang="en-US" dirty="0" smtClean="0">
+                <a:solidFill>
+                  <a:srgbClr val="141717"/>
+                </a:solidFill>
+              </a:rPr>
+              <a:t>Windows and Mac OS X (Linux soon)</a:t>
+            </a:r>
+          </a:p>
+          <a:p>
+            <a:r>
+              <a:rPr lang="en-US" dirty="0" smtClean="0">
+                <a:solidFill>
+                  <a:srgbClr val="141717"/>
+                </a:solidFill>
+              </a:rPr>
+              <a:t>Demo can do everything but deploy</a:t>
+            </a:r>
+          </a:p>
+          <a:p>
+            <a:pPr lvl="1"/>
+            <a:r>
+              <a:rPr lang="en-US" b="1" dirty="0" smtClean="0">
+                <a:solidFill>
+                  <a:srgbClr val="141717"/>
+                </a:solidFill>
+              </a:rPr>
+              <a:t>DOWNLOAD AND TRY IT!</a:t>
+            </a:r>
+          </a:p>
+          <a:p>
+            <a:r>
+              <a:rPr lang="en-US" dirty="0" smtClean="0">
+                <a:solidFill>
+                  <a:srgbClr val="141717"/>
+                </a:solidFill>
+              </a:rPr>
+              <a:t>Shipped v1.0 in early April</a:t>
+            </a:r>
+          </a:p>
+        </p:txBody>
+      </p:sp>
+    </p:spTree>
+  </p:cSld>
+  <p:clrMapOvr>
+    <a:masterClrMapping/>
+  </p:clrMapOvr>
+  <p:timing>
+    <p:tnLst>
+      <p:par>
+        <p:cTn xmlns:p14="http://schemas.microsoft.com/office/powerpoint/2010/main" id="1" dur="indefinite" restart="never" nodeType="tmRoot"/>
+      </p:par>
+    </p:tnLst>
+  </p:timing>
+</p:sld>
+</file>
+
+<file path=ppt/slides/slide12.xml><?xml version="1.0" encoding="utf-8"?>
+<p:sld xmlns:a="http://schemas.openxmlformats.org/drawingml/2006/main" xmlns:r="http://schemas.openxmlformats.org/officeDocument/2006/relationships" xmlns:p="http://schemas.openxmlformats.org/presentationml/2006/main">
+  <p:cSld>
+    <p:spTree>
+      <p:nvGrpSpPr>
+        <p:cNvPr id="1" name=""/>
+        <p:cNvGrpSpPr/>
+        <p:nvPr/>
+      </p:nvGrpSpPr>
+      <p:grpSpPr>
+        <a:xfrm>
+          <a:off x="0" y="0"/>
+          <a:ext cx="0" cy="0"/>
+          <a:chOff x="0" y="0"/>
+          <a:chExt cx="0" cy="0"/>
+        </a:xfrm>
+      </p:grpSpPr>
+      <p:sp>
+        <p:nvSpPr>
+          <p:cNvPr id="2" name="Title 1"/>
+          <p:cNvSpPr>
+            <a:spLocks noGrp="1"/>
+          </p:cNvSpPr>
+          <p:nvPr>
+            <p:ph type="title"/>
+          </p:nvPr>
+        </p:nvSpPr>
+        <p:spPr/>
+        <p:txBody>
+          <a:bodyPr/>
+          <a:lstStyle/>
+          <a:p>
+            <a:r>
+              <a:rPr lang="en-US" dirty="0" smtClean="0">
+                <a:solidFill>
+                  <a:srgbClr val="141717"/>
+                </a:solidFill>
+                <a:latin typeface="Franklin Gothic Medium"/>
+                <a:cs typeface="Franklin Gothic Medium"/>
+              </a:rPr>
               <a:t>How Does it Work?</a:t>
             </a:r>
             <a:endParaRPr lang="en-US" dirty="0">
@@ -8307,7 +8403,7 @@
 </p:sld>
 </file>
 
-<file path=ppt/slides/slide12.xml><?xml version="1.0" encoding="utf-8"?>
+<file path=ppt/slides/slide13.xml><?xml version="1.0" encoding="utf-8"?>
 <p:sld xmlns:a="http://schemas.openxmlformats.org/drawingml/2006/main" xmlns:r="http://schemas.openxmlformats.org/officeDocument/2006/relationships" xmlns:p="http://schemas.openxmlformats.org/presentationml/2006/main">
   <p:cSld>
     <p:spTree>
@@ -8397,143 +8493,6 @@
 </p:sld>
 </file>
 
-<file path=ppt/slides/slide13.xml><?xml version="1.0" encoding="utf-8"?>
-<p:sld xmlns:a="http://schemas.openxmlformats.org/drawingml/2006/main" xmlns:r="http://schemas.openxmlformats.org/officeDocument/2006/relationships" xmlns:p="http://schemas.openxmlformats.org/presentationml/2006/main">
-  <p:cSld>
-    <p:spTree>
-      <p:nvGrpSpPr>
-        <p:cNvPr id="1" name=""/>
-        <p:cNvGrpSpPr/>
-        <p:nvPr/>
-      </p:nvGrpSpPr>
-      <p:grpSpPr>
-        <a:xfrm>
-          <a:off x="0" y="0"/>
-          <a:ext cx="0" cy="0"/>
-          <a:chOff x="0" y="0"/>
-          <a:chExt cx="0" cy="0"/>
-        </a:xfrm>
-      </p:grpSpPr>
-      <p:sp>
-        <p:nvSpPr>
-          <p:cNvPr id="2" name="Title 1"/>
-          <p:cNvSpPr>
-            <a:spLocks noGrp="1"/>
-          </p:cNvSpPr>
-          <p:nvPr>
-            <p:ph type="title"/>
-          </p:nvPr>
-        </p:nvSpPr>
-        <p:spPr/>
-        <p:txBody>
-          <a:bodyPr>
-            <a:normAutofit fontScale="90000"/>
-          </a:bodyPr>
-          <a:lstStyle/>
-          <a:p>
-            <a:r>
-              <a:rPr lang="en-US" dirty="0" smtClean="0">
-                <a:latin typeface="Franklin Gothic Medium"/>
-                <a:cs typeface="Franklin Gothic Medium"/>
-              </a:rPr>
-              <a:t>Mono for Android Design Principles</a:t>
-            </a:r>
-            <a:endParaRPr lang="en-US" dirty="0">
-              <a:latin typeface="Franklin Gothic Medium"/>
-              <a:cs typeface="Franklin Gothic Medium"/>
-            </a:endParaRPr>
-          </a:p>
-        </p:txBody>
-      </p:sp>
-      <p:sp>
-        <p:nvSpPr>
-          <p:cNvPr id="3" name="Content Placeholder 2"/>
-          <p:cNvSpPr>
-            <a:spLocks noGrp="1"/>
-          </p:cNvSpPr>
-          <p:nvPr>
-            <p:ph idx="1"/>
-          </p:nvPr>
-        </p:nvSpPr>
-        <p:spPr/>
-        <p:txBody>
-          <a:bodyPr>
-            <a:normAutofit/>
-          </a:bodyPr>
-          <a:lstStyle/>
-          <a:p>
-            <a:pPr>
-              <a:lnSpc>
-                <a:spcPct val="160000"/>
-              </a:lnSpc>
-            </a:pPr>
-            <a:r>
-              <a:rPr lang="en-US" dirty="0" smtClean="0"/>
-              <a:t>Follow the Framework Design Guidelines</a:t>
-            </a:r>
-          </a:p>
-          <a:p>
-            <a:pPr>
-              <a:lnSpc>
-                <a:spcPct val="160000"/>
-              </a:lnSpc>
-            </a:pPr>
-            <a:r>
-              <a:rPr lang="en-US" dirty="0" smtClean="0"/>
-              <a:t>Allow developers to subclass any Java class</a:t>
-            </a:r>
-          </a:p>
-          <a:p>
-            <a:pPr>
-              <a:lnSpc>
-                <a:spcPct val="160000"/>
-              </a:lnSpc>
-            </a:pPr>
-            <a:r>
-              <a:rPr lang="en-US" dirty="0" smtClean="0"/>
-              <a:t>C# delegates (lambdas, anonymous methods)</a:t>
-            </a:r>
-          </a:p>
-          <a:p>
-            <a:pPr>
-              <a:lnSpc>
-                <a:spcPct val="160000"/>
-              </a:lnSpc>
-            </a:pPr>
-            <a:r>
-              <a:rPr lang="en-US" dirty="0" smtClean="0"/>
-              <a:t>Java properties as C# properties</a:t>
-            </a:r>
-          </a:p>
-          <a:p>
-            <a:pPr>
-              <a:lnSpc>
-                <a:spcPct val="160000"/>
-              </a:lnSpc>
-            </a:pPr>
-            <a:r>
-              <a:rPr lang="en-US" dirty="0" smtClean="0"/>
-              <a:t>Strongly typed API</a:t>
-            </a:r>
-          </a:p>
-          <a:p>
-            <a:pPr>
-              <a:lnSpc>
-                <a:spcPct val="160000"/>
-              </a:lnSpc>
-            </a:pPr>
-            <a:endParaRPr lang="en-US" dirty="0"/>
-          </a:p>
-        </p:txBody>
-      </p:sp>
-    </p:spTree>
-  </p:cSld>
-  <p:clrMapOvr>
-    <a:masterClrMapping/>
-  </p:clrMapOvr>
-</p:sld>
-</file>
-
 <file path=ppt/slides/slide14.xml><?xml version="1.0" encoding="utf-8"?>
 <p:sld xmlns:a="http://schemas.openxmlformats.org/drawingml/2006/main" xmlns:r="http://schemas.openxmlformats.org/officeDocument/2006/relationships" xmlns:p="http://schemas.openxmlformats.org/presentationml/2006/main">
   <p:cSld>
@@ -8564,172 +8523,102 @@
         <p:spPr/>
         <p:txBody>
           <a:bodyPr>
+            <a:normAutofit fontScale="90000"/>
+          </a:bodyPr>
+          <a:lstStyle/>
+          <a:p>
+            <a:r>
+              <a:rPr lang="en-US" dirty="0" smtClean="0">
+                <a:latin typeface="Franklin Gothic Medium"/>
+                <a:cs typeface="Franklin Gothic Medium"/>
+              </a:rPr>
+              <a:t>Mono for Android Design Principles</a:t>
+            </a:r>
+            <a:endParaRPr lang="en-US" dirty="0">
+              <a:latin typeface="Franklin Gothic Medium"/>
+              <a:cs typeface="Franklin Gothic Medium"/>
+            </a:endParaRPr>
+          </a:p>
+        </p:txBody>
+      </p:sp>
+      <p:sp>
+        <p:nvSpPr>
+          <p:cNvPr id="3" name="Content Placeholder 2"/>
+          <p:cNvSpPr>
+            <a:spLocks noGrp="1"/>
+          </p:cNvSpPr>
+          <p:nvPr>
+            <p:ph idx="1"/>
+          </p:nvPr>
+        </p:nvSpPr>
+        <p:spPr/>
+        <p:txBody>
+          <a:bodyPr>
             <a:normAutofit/>
           </a:bodyPr>
           <a:lstStyle/>
           <a:p>
-            <a:r>
-              <a:rPr lang="en-US" dirty="0" smtClean="0">
-                <a:solidFill>
-                  <a:srgbClr val="141717"/>
-                </a:solidFill>
-                <a:latin typeface="Franklin Gothic Medium"/>
-                <a:cs typeface="Franklin Gothic Medium"/>
-              </a:rPr>
-              <a:t>Why use Mono for Android?</a:t>
-            </a:r>
-            <a:endParaRPr lang="en-US" dirty="0">
-              <a:solidFill>
-                <a:srgbClr val="141717"/>
-              </a:solidFill>
-              <a:latin typeface="Franklin Gothic Medium"/>
-              <a:cs typeface="Franklin Gothic Medium"/>
-            </a:endParaRPr>
-          </a:p>
-        </p:txBody>
-      </p:sp>
-      <p:sp>
-        <p:nvSpPr>
-          <p:cNvPr id="3" name="Content Placeholder 2"/>
-          <p:cNvSpPr>
-            <a:spLocks noGrp="1"/>
-          </p:cNvSpPr>
-          <p:nvPr>
-            <p:ph idx="1"/>
-          </p:nvPr>
-        </p:nvSpPr>
-        <p:spPr/>
-        <p:txBody>
-          <a:bodyPr>
-            <a:normAutofit fontScale="85000" lnSpcReduction="20000"/>
-          </a:bodyPr>
-          <a:lstStyle/>
-          <a:p>
-            <a:r>
-              <a:rPr lang="en-US" dirty="0" smtClean="0">
-                <a:solidFill>
-                  <a:srgbClr val="141717"/>
-                </a:solidFill>
-              </a:rPr>
-              <a:t>Mono for Android story not as compelling as MonoTouch.</a:t>
-            </a:r>
-          </a:p>
-          <a:p>
-            <a:pPr lvl="1"/>
-            <a:r>
-              <a:rPr lang="en-US" dirty="0" smtClean="0">
-                <a:solidFill>
-                  <a:srgbClr val="141717"/>
-                </a:solidFill>
-              </a:rPr>
-              <a:t>GC, decent IDE, not Objective-C</a:t>
-            </a:r>
-          </a:p>
-          <a:p>
-            <a:r>
-              <a:rPr lang="en-US" dirty="0" smtClean="0">
-                <a:solidFill>
-                  <a:srgbClr val="141717"/>
-                </a:solidFill>
-              </a:rPr>
-              <a:t>Opportunities for re-use across platforms</a:t>
-            </a:r>
-          </a:p>
-          <a:p>
-            <a:pPr lvl="1"/>
-            <a:r>
-              <a:rPr lang="en-US" dirty="0" smtClean="0">
-                <a:solidFill>
-                  <a:srgbClr val="141717"/>
-                </a:solidFill>
-              </a:rPr>
-              <a:t>iOS, Android, Windows Phone 7 non-UI components</a:t>
-            </a:r>
-          </a:p>
-          <a:p>
-            <a:pPr lvl="1"/>
-            <a:r>
-              <a:rPr lang="en-US" dirty="0" err="1" smtClean="0">
-                <a:solidFill>
-                  <a:srgbClr val="141717"/>
-                </a:solidFill>
-              </a:rPr>
-              <a:t>MonoGame</a:t>
-            </a:r>
-            <a:r>
-              <a:rPr lang="en-US" dirty="0">
-                <a:solidFill>
-                  <a:srgbClr val="141717"/>
-                </a:solidFill>
-              </a:rPr>
-              <a:t> </a:t>
-            </a:r>
-            <a:r>
-              <a:rPr lang="en-US" dirty="0" smtClean="0">
-                <a:solidFill>
-                  <a:srgbClr val="141717"/>
-                </a:solidFill>
-              </a:rPr>
-              <a:t>which is a port of XNA</a:t>
-            </a:r>
-          </a:p>
-          <a:p>
-            <a:r>
-              <a:rPr lang="en-US" dirty="0" smtClean="0">
-                <a:solidFill>
-                  <a:srgbClr val="141717"/>
-                </a:solidFill>
-              </a:rPr>
-              <a:t>Development tooling and environment</a:t>
-            </a:r>
-          </a:p>
-          <a:p>
-            <a:pPr lvl="1"/>
-            <a:r>
-              <a:rPr lang="en-US" dirty="0" smtClean="0">
-                <a:solidFill>
-                  <a:srgbClr val="141717"/>
-                </a:solidFill>
-              </a:rPr>
-              <a:t>Visual Studio</a:t>
-            </a:r>
-          </a:p>
-          <a:p>
-            <a:pPr lvl="1"/>
-            <a:r>
-              <a:rPr lang="en-US" dirty="0" err="1" smtClean="0">
-                <a:solidFill>
-                  <a:srgbClr val="141717"/>
-                </a:solidFill>
-              </a:rPr>
-              <a:t>MonoDevelop</a:t>
-            </a:r>
-            <a:endParaRPr lang="en-US" dirty="0" smtClean="0">
-              <a:solidFill>
-                <a:srgbClr val="141717"/>
-              </a:solidFill>
-            </a:endParaRPr>
-          </a:p>
-          <a:p>
-            <a:r>
-              <a:rPr lang="en-US" dirty="0" smtClean="0">
-                <a:solidFill>
-                  <a:srgbClr val="141717"/>
-                </a:solidFill>
-              </a:rPr>
-              <a:t>C# &gt; Java</a:t>
-            </a:r>
-          </a:p>
-          <a:p>
-            <a:pPr lvl="1"/>
-            <a:r>
-              <a:rPr lang="en-US" dirty="0" smtClean="0">
-                <a:solidFill>
-                  <a:srgbClr val="141717"/>
-                </a:solidFill>
-              </a:rPr>
-              <a:t>Friction still due to Java idioms and architecture.</a:t>
-            </a:r>
+            <a:pPr>
+              <a:lnSpc>
+                <a:spcPct val="160000"/>
+              </a:lnSpc>
+            </a:pPr>
+            <a:r>
+              <a:rPr lang="en-US" dirty="0" smtClean="0"/>
+              <a:t>Follow the Framework Design Guidelines</a:t>
+            </a:r>
+          </a:p>
+          <a:p>
+            <a:pPr>
+              <a:lnSpc>
+                <a:spcPct val="160000"/>
+              </a:lnSpc>
+            </a:pPr>
+            <a:r>
+              <a:rPr lang="en-US" dirty="0" smtClean="0"/>
+              <a:t>Allow developers to subclass any Java class</a:t>
+            </a:r>
+          </a:p>
+          <a:p>
+            <a:pPr>
+              <a:lnSpc>
+                <a:spcPct val="160000"/>
+              </a:lnSpc>
+            </a:pPr>
+            <a:r>
+              <a:rPr lang="en-US" dirty="0" smtClean="0"/>
+              <a:t>C# delegates (lambdas, anonymous methods)</a:t>
+            </a:r>
+          </a:p>
+          <a:p>
+            <a:pPr>
+              <a:lnSpc>
+                <a:spcPct val="160000"/>
+              </a:lnSpc>
+            </a:pPr>
+            <a:r>
+              <a:rPr lang="en-US" dirty="0" smtClean="0"/>
+              <a:t>Java properties as C# properties</a:t>
+            </a:r>
+          </a:p>
+          <a:p>
+            <a:pPr>
+              <a:lnSpc>
+                <a:spcPct val="160000"/>
+              </a:lnSpc>
+            </a:pPr>
+            <a:r>
+              <a:rPr lang="en-US" dirty="0" smtClean="0"/>
+              <a:t>Strongly typed API</a:t>
+            </a:r>
+          </a:p>
+          <a:p>
+            <a:pPr>
+              <a:lnSpc>
+                <a:spcPct val="160000"/>
+              </a:lnSpc>
+            </a:pPr>
+            <a:endParaRPr lang="en-US" dirty="0"/>
           </a:p>
         </p:txBody>
       </p:sp>
@@ -8770,7 +8659,9 @@
         </p:nvSpPr>
         <p:spPr/>
         <p:txBody>
-          <a:bodyPr/>
+          <a:bodyPr>
+            <a:normAutofit/>
+          </a:bodyPr>
           <a:lstStyle/>
           <a:p>
             <a:r>
@@ -8781,7 +8672,7 @@
                 <a:latin typeface="Franklin Gothic Medium"/>
                 <a:cs typeface="Franklin Gothic Medium"/>
               </a:rPr>
-              <a:t>Deployment Options</a:t>
+              <a:t>Why use Mono for Android?</a:t>
             </a:r>
             <a:endParaRPr lang="en-US" dirty="0">
               <a:solidFill>
@@ -8806,110 +8697,135 @@
         <p:spPr/>
         <p:txBody>
           <a:bodyPr>
-            <a:normAutofit/>
+            <a:normAutofit fontScale="85000" lnSpcReduction="20000"/>
           </a:bodyPr>
           <a:lstStyle/>
           <a:p>
-            <a:pPr>
-              <a:spcAft>
-                <a:spcPts val="1200"/>
-              </a:spcAft>
-            </a:pPr>
-            <a:r>
-              <a:rPr lang="en-US" sz="2800" dirty="0" smtClean="0">
-                <a:solidFill>
-                  <a:srgbClr val="141717"/>
-                </a:solidFill>
-              </a:rPr>
-              <a:t>Deploy to Android Virtual Device</a:t>
-            </a:r>
-          </a:p>
-          <a:p>
-            <a:pPr>
-              <a:spcAft>
-                <a:spcPts val="1200"/>
-              </a:spcAft>
-            </a:pPr>
-            <a:r>
-              <a:rPr lang="en-US" sz="2800" dirty="0" smtClean="0">
-                <a:solidFill>
-                  <a:srgbClr val="141717"/>
-                </a:solidFill>
-              </a:rPr>
-              <a:t>Deploy to Device</a:t>
-            </a:r>
-          </a:p>
-          <a:p>
-            <a:pPr>
-              <a:spcAft>
-                <a:spcPts val="1200"/>
-              </a:spcAft>
-            </a:pPr>
-            <a:r>
-              <a:rPr lang="en-US" sz="2800" dirty="0" smtClean="0">
-                <a:solidFill>
-                  <a:srgbClr val="141717"/>
-                </a:solidFill>
-              </a:rPr>
-              <a:t>Debug capabilities on both</a:t>
-            </a:r>
-          </a:p>
-          <a:p>
-            <a:pPr>
-              <a:spcAft>
-                <a:spcPts val="1200"/>
-              </a:spcAft>
-            </a:pPr>
-            <a:r>
-              <a:rPr lang="en-US" sz="2800" dirty="0" smtClean="0">
-                <a:solidFill>
-                  <a:srgbClr val="141717"/>
-                </a:solidFill>
-              </a:rPr>
-              <a:t>Sell (eventually) </a:t>
-            </a:r>
-          </a:p>
-          <a:p>
-            <a:pPr lvl="1">
-              <a:spcAft>
-                <a:spcPts val="1200"/>
-              </a:spcAft>
-            </a:pPr>
             <a:r>
               <a:rPr lang="en-US" dirty="0" smtClean="0">
                 <a:solidFill>
                   <a:srgbClr val="141717"/>
                 </a:solidFill>
               </a:rPr>
-              <a:t>Android Marketplace</a:t>
-            </a:r>
-          </a:p>
-          <a:p>
-            <a:pPr lvl="1">
-              <a:spcAft>
-                <a:spcPts val="1200"/>
-              </a:spcAft>
-            </a:pPr>
+              <a:t>Mono for Android story not as compelling as MonoTouch.</a:t>
+            </a:r>
+          </a:p>
+          <a:p>
+            <a:pPr lvl="1"/>
             <a:r>
               <a:rPr lang="en-US" dirty="0" smtClean="0">
                 <a:solidFill>
                   <a:srgbClr val="141717"/>
                 </a:solidFill>
               </a:rPr>
-              <a:t>Amazon App Store</a:t>
-            </a:r>
-          </a:p>
-          <a:p>
-            <a:pPr lvl="1">
-              <a:spcAft>
-                <a:spcPts val="1200"/>
-              </a:spcAft>
-            </a:pPr>
+              <a:t>GC, decent IDE, not Objective-C</a:t>
+            </a:r>
+          </a:p>
+          <a:p>
+            <a:r>
+              <a:rPr lang="en-US" dirty="0" smtClean="0">
+                <a:solidFill>
+                  <a:srgbClr val="141717"/>
+                </a:solidFill>
+              </a:rPr>
+              <a:t>Opportunities for re-use across platforms</a:t>
+            </a:r>
+          </a:p>
+          <a:p>
+            <a:pPr lvl="1"/>
+            <a:r>
+              <a:rPr lang="en-US" dirty="0" smtClean="0">
+                <a:solidFill>
+                  <a:srgbClr val="141717"/>
+                </a:solidFill>
+              </a:rPr>
+              <a:t>iOS, Android, Windows Phone 7 non-UI components</a:t>
+            </a:r>
+          </a:p>
+          <a:p>
+            <a:pPr lvl="1"/>
+            <a:r>
+              <a:rPr lang="en-US" dirty="0" err="1" smtClean="0">
+                <a:solidFill>
+                  <a:srgbClr val="141717"/>
+                </a:solidFill>
+              </a:rPr>
+              <a:t>MonoGame</a:t>
+            </a:r>
+            <a:r>
+              <a:rPr lang="en-US" dirty="0">
+                <a:solidFill>
+                  <a:srgbClr val="141717"/>
+                </a:solidFill>
+              </a:rPr>
+              <a:t> </a:t>
+            </a:r>
+            <a:r>
+              <a:rPr lang="en-US" dirty="0" smtClean="0">
+                <a:solidFill>
+                  <a:srgbClr val="141717"/>
+                </a:solidFill>
+              </a:rPr>
+              <a:t>which is a port of XNA</a:t>
+            </a:r>
+          </a:p>
+          <a:p>
+            <a:r>
+              <a:rPr lang="en-US" dirty="0" smtClean="0">
+                <a:solidFill>
+                  <a:srgbClr val="141717"/>
+                </a:solidFill>
+              </a:rPr>
+              <a:t>Development tooling and environment</a:t>
+            </a:r>
+          </a:p>
+          <a:p>
+            <a:pPr lvl="1"/>
+            <a:r>
+              <a:rPr lang="en-US" dirty="0" smtClean="0">
+                <a:solidFill>
+                  <a:srgbClr val="141717"/>
+                </a:solidFill>
+              </a:rPr>
+              <a:t>Visual Studio</a:t>
+            </a:r>
+          </a:p>
+          <a:p>
+            <a:pPr lvl="1"/>
+            <a:r>
+              <a:rPr lang="en-US" dirty="0" err="1" smtClean="0">
+                <a:solidFill>
+                  <a:srgbClr val="141717"/>
+                </a:solidFill>
+              </a:rPr>
+              <a:t>MonoDevelop</a:t>
+            </a:r>
             <a:endParaRPr lang="en-US" dirty="0" smtClean="0">
               <a:solidFill>
                 <a:srgbClr val="141717"/>
               </a:solidFill>
             </a:endParaRPr>
+          </a:p>
+          <a:p>
+            <a:r>
+              <a:rPr lang="en-US" dirty="0" smtClean="0">
+                <a:solidFill>
+                  <a:srgbClr val="141717"/>
+                </a:solidFill>
+              </a:rPr>
+              <a:t>C# &gt; Java</a:t>
+            </a:r>
+          </a:p>
+          <a:p>
+            <a:pPr lvl="1"/>
+            <a:r>
+              <a:rPr lang="en-US" dirty="0" smtClean="0">
+                <a:solidFill>
+                  <a:srgbClr val="141717"/>
+                </a:solidFill>
+              </a:rPr>
+              <a:t>Friction still due to Java idioms and architecture.</a:t>
+            </a:r>
           </a:p>
         </p:txBody>
       </p:sp>
@@ -8950,102 +8866,109 @@
         </p:nvSpPr>
         <p:spPr/>
         <p:txBody>
+          <a:bodyPr/>
+          <a:lstStyle/>
+          <a:p>
+            <a:r>
+              <a:rPr lang="en-US" dirty="0" smtClean="0">
+                <a:solidFill>
+                  <a:srgbClr val="141717"/>
+                </a:solidFill>
+                <a:latin typeface="Franklin Gothic Medium"/>
+                <a:cs typeface="Franklin Gothic Medium"/>
+              </a:rPr>
+              <a:t>Deployment Options</a:t>
+            </a:r>
+            <a:endParaRPr lang="en-US" dirty="0">
+              <a:solidFill>
+                <a:srgbClr val="141717"/>
+              </a:solidFill>
+              <a:latin typeface="Franklin Gothic Medium"/>
+              <a:cs typeface="Franklin Gothic Medium"/>
+            </a:endParaRPr>
+          </a:p>
+        </p:txBody>
+      </p:sp>
+      <p:sp>
+        <p:nvSpPr>
+          <p:cNvPr id="3" name="Content Placeholder 2"/>
+          <p:cNvSpPr>
+            <a:spLocks noGrp="1"/>
+          </p:cNvSpPr>
+          <p:nvPr>
+            <p:ph idx="1"/>
+          </p:nvPr>
+        </p:nvSpPr>
+        <p:spPr/>
+        <p:txBody>
           <a:bodyPr>
             <a:normAutofit/>
           </a:bodyPr>
           <a:lstStyle/>
           <a:p>
-            <a:r>
-              <a:rPr lang="en-US" dirty="0" smtClean="0">
-                <a:solidFill>
-                  <a:srgbClr val="141717"/>
-                </a:solidFill>
-                <a:latin typeface="Franklin Gothic Medium"/>
-                <a:cs typeface="Franklin Gothic Medium"/>
-              </a:rPr>
-              <a:t>Android Application Concepts</a:t>
-            </a:r>
-          </a:p>
-        </p:txBody>
-      </p:sp>
-      <p:sp>
-        <p:nvSpPr>
-          <p:cNvPr id="3" name="Content Placeholder 2"/>
-          <p:cNvSpPr>
-            <a:spLocks noGrp="1"/>
-          </p:cNvSpPr>
-          <p:nvPr>
-            <p:ph idx="1"/>
-          </p:nvPr>
-        </p:nvSpPr>
-        <p:spPr/>
-        <p:txBody>
-          <a:bodyPr/>
-          <a:lstStyle/>
-          <a:p>
             <a:pPr>
               <a:spcAft>
-                <a:spcPts val="3000"/>
+                <a:spcPts val="1200"/>
               </a:spcAft>
             </a:pPr>
             <a:r>
-              <a:rPr lang="en-US" dirty="0" smtClean="0">
-                <a:solidFill>
-                  <a:srgbClr val="141717"/>
-                </a:solidFill>
-              </a:rPr>
-              <a:t>Activities</a:t>
+              <a:rPr lang="en-US" sz="2800" dirty="0" smtClean="0">
+                <a:solidFill>
+                  <a:srgbClr val="141717"/>
+                </a:solidFill>
+              </a:rPr>
+              <a:t>Deploy to Android Virtual Device</a:t>
             </a:r>
           </a:p>
           <a:p>
             <a:pPr>
               <a:spcAft>
-                <a:spcPts val="3000"/>
+                <a:spcPts val="1200"/>
               </a:spcAft>
             </a:pPr>
             <a:r>
-              <a:rPr lang="en-US" dirty="0" smtClean="0">
-                <a:solidFill>
-                  <a:srgbClr val="141717"/>
-                </a:solidFill>
-              </a:rPr>
-              <a:t>Services</a:t>
+              <a:rPr lang="en-US" sz="2800" dirty="0" smtClean="0">
+                <a:solidFill>
+                  <a:srgbClr val="141717"/>
+                </a:solidFill>
+              </a:rPr>
+              <a:t>Deploy to Device</a:t>
             </a:r>
           </a:p>
           <a:p>
             <a:pPr>
               <a:spcAft>
-                <a:spcPts val="3000"/>
+                <a:spcPts val="1200"/>
               </a:spcAft>
             </a:pPr>
             <a:r>
-              <a:rPr lang="en-US" dirty="0" smtClean="0">
-                <a:solidFill>
-                  <a:srgbClr val="141717"/>
-                </a:solidFill>
-              </a:rPr>
-              <a:t>Content Providers</a:t>
+              <a:rPr lang="en-US" sz="2800" dirty="0" smtClean="0">
+                <a:solidFill>
+                  <a:srgbClr val="141717"/>
+                </a:solidFill>
+              </a:rPr>
+              <a:t>Debug capabilities on both</a:t>
             </a:r>
           </a:p>
           <a:p>
             <a:pPr>
               <a:spcAft>
-                <a:spcPts val="3000"/>
+                <a:spcPts val="1200"/>
               </a:spcAft>
             </a:pPr>
             <a:r>
-              <a:rPr lang="en-US" dirty="0" smtClean="0">
-                <a:solidFill>
-                  <a:srgbClr val="141717"/>
-                </a:solidFill>
-              </a:rPr>
-              <a:t>Intents</a:t>
-            </a:r>
-          </a:p>
-          <a:p>
-            <a:pPr>
+              <a:rPr lang="en-US" sz="2800" dirty="0" smtClean="0">
+                <a:solidFill>
+                  <a:srgbClr val="141717"/>
+                </a:solidFill>
+              </a:rPr>
+              <a:t>Sell (eventually) </a:t>
+            </a:r>
+          </a:p>
+          <a:p>
+            <a:pPr lvl="1">
               <a:spcAft>
-                <a:spcPts val="3000"/>
+                <a:spcPts val="1200"/>
               </a:spcAft>
             </a:pPr>
             <a:r>
@@ -9054,9 +8977,31 @@
                   <a:srgbClr val="141717"/>
                 </a:solidFill>
               </a:rPr>
-              <a:t>Resources</a:t>
-            </a:r>
-            <a:endParaRPr lang="en-US" dirty="0">
+              <a:t>Android Marketplace</a:t>
+            </a:r>
+          </a:p>
+          <a:p>
+            <a:pPr lvl="1">
+              <a:spcAft>
+                <a:spcPts val="1200"/>
+              </a:spcAft>
+            </a:pPr>
+            <a:r>
+              <a:rPr lang="en-US" dirty="0" smtClean="0">
+                <a:solidFill>
+                  <a:srgbClr val="141717"/>
+                </a:solidFill>
+              </a:rPr>
+              <a:t>Amazon App Store</a:t>
+            </a:r>
+          </a:p>
+          <a:p>
+            <a:pPr lvl="1">
+              <a:spcAft>
+                <a:spcPts val="1200"/>
+              </a:spcAft>
+            </a:pPr>
+            <a:endParaRPr lang="en-US" dirty="0" smtClean="0">
               <a:solidFill>
                 <a:srgbClr val="141717"/>
               </a:solidFill>
@@ -9101,79 +9046,117 @@
         </p:nvSpPr>
         <p:spPr/>
         <p:txBody>
+          <a:bodyPr>
+            <a:normAutofit/>
+          </a:bodyPr>
+          <a:lstStyle/>
+          <a:p>
+            <a:r>
+              <a:rPr lang="en-US" dirty="0" smtClean="0">
+                <a:solidFill>
+                  <a:srgbClr val="141717"/>
+                </a:solidFill>
+                <a:latin typeface="Franklin Gothic Medium"/>
+                <a:cs typeface="Franklin Gothic Medium"/>
+              </a:rPr>
+              <a:t>Android Application Concepts</a:t>
+            </a:r>
+          </a:p>
+        </p:txBody>
+      </p:sp>
+      <p:sp>
+        <p:nvSpPr>
+          <p:cNvPr id="3" name="Content Placeholder 2"/>
+          <p:cNvSpPr>
+            <a:spLocks noGrp="1"/>
+          </p:cNvSpPr>
+          <p:nvPr>
+            <p:ph idx="1"/>
+          </p:nvPr>
+        </p:nvSpPr>
+        <p:spPr/>
+        <p:txBody>
           <a:bodyPr/>
           <a:lstStyle/>
           <a:p>
+            <a:pPr>
+              <a:spcAft>
+                <a:spcPts val="3000"/>
+              </a:spcAft>
+            </a:pPr>
             <a:r>
               <a:rPr lang="en-US" dirty="0" smtClean="0">
                 <a:solidFill>
                   <a:srgbClr val="141717"/>
                 </a:solidFill>
-                <a:latin typeface="Franklin Gothic Medium"/>
-                <a:cs typeface="Franklin Gothic Medium"/>
               </a:rPr>
               <a:t>Activities</a:t>
+            </a:r>
+          </a:p>
+          <a:p>
+            <a:pPr>
+              <a:spcAft>
+                <a:spcPts val="3000"/>
+              </a:spcAft>
+            </a:pPr>
+            <a:r>
+              <a:rPr lang="en-US" dirty="0" smtClean="0">
+                <a:solidFill>
+                  <a:srgbClr val="141717"/>
+                </a:solidFill>
+              </a:rPr>
+              <a:t>Services</a:t>
+            </a:r>
+          </a:p>
+          <a:p>
+            <a:pPr>
+              <a:spcAft>
+                <a:spcPts val="3000"/>
+              </a:spcAft>
+            </a:pPr>
+            <a:r>
+              <a:rPr lang="en-US" dirty="0" smtClean="0">
+                <a:solidFill>
+                  <a:srgbClr val="141717"/>
+                </a:solidFill>
+              </a:rPr>
+              <a:t>Content Providers</a:t>
+            </a:r>
+          </a:p>
+          <a:p>
+            <a:pPr>
+              <a:spcAft>
+                <a:spcPts val="3000"/>
+              </a:spcAft>
+            </a:pPr>
+            <a:r>
+              <a:rPr lang="en-US" dirty="0" smtClean="0">
+                <a:solidFill>
+                  <a:srgbClr val="141717"/>
+                </a:solidFill>
+              </a:rPr>
+              <a:t>Intents</a:t>
+            </a:r>
+          </a:p>
+          <a:p>
+            <a:pPr>
+              <a:spcAft>
+                <a:spcPts val="3000"/>
+              </a:spcAft>
+            </a:pPr>
+            <a:r>
+              <a:rPr lang="en-US" dirty="0" smtClean="0">
+                <a:solidFill>
+                  <a:srgbClr val="141717"/>
+                </a:solidFill>
+              </a:rPr>
+              <a:t>Resources</a:t>
             </a:r>
             <a:endParaRPr lang="en-US" dirty="0">
               <a:solidFill>
                 <a:srgbClr val="141717"/>
               </a:solidFill>
-              <a:latin typeface="Franklin Gothic Medium"/>
-              <a:cs typeface="Franklin Gothic Medium"/>
             </a:endParaRPr>
-          </a:p>
-        </p:txBody>
-      </p:sp>
-      <p:sp>
-        <p:nvSpPr>
-          <p:cNvPr id="3" name="Content Placeholder 2"/>
-          <p:cNvSpPr>
-            <a:spLocks noGrp="1"/>
-          </p:cNvSpPr>
-          <p:nvPr>
-            <p:ph idx="1"/>
-          </p:nvPr>
-        </p:nvSpPr>
-        <p:spPr/>
-        <p:txBody>
-          <a:bodyPr>
-            <a:normAutofit/>
-          </a:bodyPr>
-          <a:lstStyle/>
-          <a:p>
-            <a:r>
-              <a:rPr lang="en-US" dirty="0" smtClean="0">
-                <a:solidFill>
-                  <a:srgbClr val="141717"/>
-                </a:solidFill>
-              </a:rPr>
-              <a:t>Orchestrates a UI view</a:t>
-            </a:r>
-          </a:p>
-          <a:p>
-            <a:pPr>
-              <a:spcAft>
-                <a:spcPts val="600"/>
-              </a:spcAft>
-            </a:pPr>
-            <a:r>
-              <a:rPr lang="en-US" dirty="0" smtClean="0">
-                <a:solidFill>
-                  <a:srgbClr val="141717"/>
-                </a:solidFill>
-              </a:rPr>
-              <a:t>Applications are composed of 1-to-Many activities</a:t>
-            </a:r>
-          </a:p>
-          <a:p>
-            <a:r>
-              <a:rPr lang="en-US" dirty="0" smtClean="0">
-                <a:solidFill>
-                  <a:srgbClr val="141717"/>
-                </a:solidFill>
-              </a:rPr>
-              <a:t>One activity marked as main and shown first upon launch</a:t>
-            </a:r>
           </a:p>
         </p:txBody>
       </p:sp>
@@ -9182,13 +9165,6 @@
   <p:clrMapOvr>
     <a:masterClrMapping/>
   </p:clrMapOvr>
-  <p:timing>
-    <p:tnLst>
-      <p:par>
-        <p:cTn xmlns:p14="http://schemas.microsoft.com/office/powerpoint/2010/main" id="1" dur="indefinite" restart="never" nodeType="tmRoot"/>
-      </p:par>
-    </p:tnLst>
-  </p:timing>
 </p:sld>
 </file>
 
@@ -9232,6 +9208,126 @@
                 <a:latin typeface="Franklin Gothic Medium"/>
                 <a:cs typeface="Franklin Gothic Medium"/>
               </a:rPr>
+              <a:t>Activities</a:t>
+            </a:r>
+            <a:endParaRPr lang="en-US" dirty="0">
+              <a:solidFill>
+                <a:srgbClr val="141717"/>
+              </a:solidFill>
+              <a:latin typeface="Franklin Gothic Medium"/>
+              <a:cs typeface="Franklin Gothic Medium"/>
+            </a:endParaRPr>
+          </a:p>
+        </p:txBody>
+      </p:sp>
+      <p:sp>
+        <p:nvSpPr>
+          <p:cNvPr id="3" name="Content Placeholder 2"/>
+          <p:cNvSpPr>
+            <a:spLocks noGrp="1"/>
+          </p:cNvSpPr>
+          <p:nvPr>
+            <p:ph idx="1"/>
+          </p:nvPr>
+        </p:nvSpPr>
+        <p:spPr/>
+        <p:txBody>
+          <a:bodyPr>
+            <a:normAutofit/>
+          </a:bodyPr>
+          <a:lstStyle/>
+          <a:p>
+            <a:r>
+              <a:rPr lang="en-US" dirty="0" smtClean="0">
+                <a:solidFill>
+                  <a:srgbClr val="141717"/>
+                </a:solidFill>
+              </a:rPr>
+              <a:t>Orchestrates a UI view</a:t>
+            </a:r>
+          </a:p>
+          <a:p>
+            <a:pPr>
+              <a:spcAft>
+                <a:spcPts val="600"/>
+              </a:spcAft>
+            </a:pPr>
+            <a:r>
+              <a:rPr lang="en-US" dirty="0" smtClean="0">
+                <a:solidFill>
+                  <a:srgbClr val="141717"/>
+                </a:solidFill>
+              </a:rPr>
+              <a:t>Applications are composed of 1-to-Many activities</a:t>
+            </a:r>
+          </a:p>
+          <a:p>
+            <a:r>
+              <a:rPr lang="en-US" dirty="0" smtClean="0">
+                <a:solidFill>
+                  <a:srgbClr val="141717"/>
+                </a:solidFill>
+              </a:rPr>
+              <a:t>One activity marked as main and shown first upon launch</a:t>
+            </a:r>
+          </a:p>
+        </p:txBody>
+      </p:sp>
+    </p:spTree>
+  </p:cSld>
+  <p:clrMapOvr>
+    <a:masterClrMapping/>
+  </p:clrMapOvr>
+  <p:timing>
+    <p:tnLst>
+      <p:par>
+        <p:cTn xmlns:p14="http://schemas.microsoft.com/office/powerpoint/2010/main" id="1" dur="indefinite" restart="never" nodeType="tmRoot"/>
+      </p:par>
+    </p:tnLst>
+  </p:timing>
+</p:sld>
+</file>
+
+<file path=ppt/slides/slide19.xml><?xml version="1.0" encoding="utf-8"?>
+<p:sld xmlns:a="http://schemas.openxmlformats.org/drawingml/2006/main" xmlns:r="http://schemas.openxmlformats.org/officeDocument/2006/relationships" xmlns:p="http://schemas.openxmlformats.org/presentationml/2006/main">
+  <p:cSld>
+    <p:spTree>
+      <p:nvGrpSpPr>
+        <p:cNvPr id="1" name=""/>
+        <p:cNvGrpSpPr/>
+        <p:nvPr/>
+      </p:nvGrpSpPr>
+      <p:grpSpPr>
+        <a:xfrm>
+          <a:off x="0" y="0"/>
+          <a:ext cx="0" cy="0"/>
+          <a:chOff x="0" y="0"/>
+          <a:chExt cx="0" cy="0"/>
+        </a:xfrm>
+      </p:grpSpPr>
+      <p:sp>
+        <p:nvSpPr>
+          <p:cNvPr id="2" name="Title 1"/>
+          <p:cNvSpPr>
+            <a:spLocks noGrp="1"/>
+          </p:cNvSpPr>
+          <p:nvPr>
+            <p:ph type="title"/>
+          </p:nvPr>
+        </p:nvSpPr>
+        <p:spPr/>
+        <p:txBody>
+          <a:bodyPr/>
+          <a:lstStyle/>
+          <a:p>
+            <a:r>
+              <a:rPr lang="en-US" dirty="0" smtClean="0">
+                <a:solidFill>
+                  <a:srgbClr val="141717"/>
+                </a:solidFill>
+                <a:latin typeface="Franklin Gothic Medium"/>
+                <a:cs typeface="Franklin Gothic Medium"/>
+              </a:rPr>
               <a:t>Activities - Views</a:t>
             </a:r>
             <a:endParaRPr lang="en-US" dirty="0">
@@ -9323,7 +9419,142 @@
 </p:sld>
 </file>
 
-<file path=ppt/slides/slide19.xml><?xml version="1.0" encoding="utf-8"?>
+<file path=ppt/slides/slide2.xml><?xml version="1.0" encoding="utf-8"?>
+<p:sld xmlns:a="http://schemas.openxmlformats.org/drawingml/2006/main" xmlns:r="http://schemas.openxmlformats.org/officeDocument/2006/relationships" xmlns:p="http://schemas.openxmlformats.org/presentationml/2006/main">
+  <p:cSld>
+    <p:spTree>
+      <p:nvGrpSpPr>
+        <p:cNvPr id="1" name=""/>
+        <p:cNvGrpSpPr/>
+        <p:nvPr/>
+      </p:nvGrpSpPr>
+      <p:grpSpPr>
+        <a:xfrm>
+          <a:off x="0" y="0"/>
+          <a:ext cx="0" cy="0"/>
+          <a:chOff x="0" y="0"/>
+          <a:chExt cx="0" cy="0"/>
+        </a:xfrm>
+      </p:grpSpPr>
+      <p:sp>
+        <p:nvSpPr>
+          <p:cNvPr id="2" name="Title 1"/>
+          <p:cNvSpPr>
+            <a:spLocks noGrp="1"/>
+          </p:cNvSpPr>
+          <p:nvPr>
+            <p:ph type="title"/>
+          </p:nvPr>
+        </p:nvSpPr>
+        <p:spPr/>
+        <p:txBody>
+          <a:bodyPr/>
+          <a:lstStyle/>
+          <a:p>
+            <a:r>
+              <a:rPr lang="en-US" dirty="0" smtClean="0">
+                <a:latin typeface="Franklin Gothic Medium"/>
+              </a:rPr>
+              <a:t>Overview</a:t>
+            </a:r>
+            <a:endParaRPr lang="en-US" dirty="0">
+              <a:latin typeface="Franklin Gothic Medium"/>
+            </a:endParaRPr>
+          </a:p>
+        </p:txBody>
+      </p:sp>
+      <p:sp>
+        <p:nvSpPr>
+          <p:cNvPr id="3" name="Content Placeholder 2"/>
+          <p:cNvSpPr>
+            <a:spLocks noGrp="1"/>
+          </p:cNvSpPr>
+          <p:nvPr>
+            <p:ph idx="1"/>
+          </p:nvPr>
+        </p:nvSpPr>
+        <p:spPr/>
+        <p:txBody>
+          <a:bodyPr/>
+          <a:lstStyle/>
+          <a:p>
+            <a:pPr>
+              <a:lnSpc>
+                <a:spcPct val="200000"/>
+              </a:lnSpc>
+            </a:pPr>
+            <a:r>
+              <a:rPr lang="en-US" dirty="0" smtClean="0">
+                <a:solidFill>
+                  <a:srgbClr val="141717"/>
+                </a:solidFill>
+              </a:rPr>
+              <a:t>Overview of Android</a:t>
+            </a:r>
+          </a:p>
+          <a:p>
+            <a:pPr>
+              <a:lnSpc>
+                <a:spcPct val="200000"/>
+              </a:lnSpc>
+            </a:pPr>
+            <a:r>
+              <a:rPr lang="en-US" dirty="0" smtClean="0">
+                <a:solidFill>
+                  <a:srgbClr val="141717"/>
+                </a:solidFill>
+              </a:rPr>
+              <a:t>Mono for Android : What, How, Why</a:t>
+            </a:r>
+          </a:p>
+          <a:p>
+            <a:pPr>
+              <a:lnSpc>
+                <a:spcPct val="200000"/>
+              </a:lnSpc>
+            </a:pPr>
+            <a:r>
+              <a:rPr lang="en-US" dirty="0" smtClean="0">
+                <a:solidFill>
+                  <a:srgbClr val="141717"/>
+                </a:solidFill>
+              </a:rPr>
+              <a:t>Mono for Android Resources</a:t>
+            </a:r>
+          </a:p>
+          <a:p>
+            <a:pPr>
+              <a:lnSpc>
+                <a:spcPct val="200000"/>
+              </a:lnSpc>
+            </a:pPr>
+            <a:r>
+              <a:rPr lang="en-US" dirty="0" smtClean="0">
+                <a:solidFill>
+                  <a:srgbClr val="141717"/>
+                </a:solidFill>
+              </a:rPr>
+              <a:t>Code Demo</a:t>
+            </a:r>
+          </a:p>
+        </p:txBody>
+      </p:sp>
+    </p:spTree>
+  </p:cSld>
+  <p:clrMapOvr>
+    <a:masterClrMapping/>
+  </p:clrMapOvr>
+  <p:timing>
+    <p:tnLst>
+      <p:par>
+        <p:cTn xmlns:p14="http://schemas.microsoft.com/office/powerpoint/2010/main" id="1" dur="indefinite" restart="never" nodeType="tmRoot"/>
+      </p:par>
+    </p:tnLst>
+  </p:timing>
+</p:sld>
+</file>
+
+<file path=ppt/slides/slide20.xml><?xml version="1.0" encoding="utf-8"?>
 <p:sld xmlns:a="http://schemas.openxmlformats.org/drawingml/2006/main" xmlns:r="http://schemas.openxmlformats.org/officeDocument/2006/relationships" xmlns:p="http://schemas.openxmlformats.org/presentationml/2006/main" show="0">
   <p:cSld>
     <p:spTree>
@@ -9413,326 +9644,6 @@
 </p:sld>
 </file>
 
-<file path=ppt/slides/slide2.xml><?xml version="1.0" encoding="utf-8"?>
-<p:sld xmlns:a="http://schemas.openxmlformats.org/drawingml/2006/main" xmlns:r="http://schemas.openxmlformats.org/officeDocument/2006/relationships" xmlns:p="http://schemas.openxmlformats.org/presentationml/2006/main">
-  <p:cSld>
-    <p:spTree>
-      <p:nvGrpSpPr>
-        <p:cNvPr id="1" name=""/>
-        <p:cNvGrpSpPr/>
-        <p:nvPr/>
-      </p:nvGrpSpPr>
-      <p:grpSpPr>
-        <a:xfrm>
-          <a:off x="0" y="0"/>
-          <a:ext cx="0" cy="0"/>
-          <a:chOff x="0" y="0"/>
-          <a:chExt cx="0" cy="0"/>
-        </a:xfrm>
-      </p:grpSpPr>
-      <p:sp>
-        <p:nvSpPr>
-          <p:cNvPr id="2" name="Title 1"/>
-          <p:cNvSpPr>
-            <a:spLocks noGrp="1"/>
-          </p:cNvSpPr>
-          <p:nvPr>
-            <p:ph type="title"/>
-          </p:nvPr>
-        </p:nvSpPr>
-        <p:spPr/>
-        <p:txBody>
-          <a:bodyPr/>
-          <a:lstStyle/>
-          <a:p>
-            <a:r>
-              <a:rPr lang="en-US" dirty="0" smtClean="0">
-                <a:latin typeface="Franklin Gothic Medium"/>
-              </a:rPr>
-              <a:t>Overview</a:t>
-            </a:r>
-            <a:endParaRPr lang="en-US" dirty="0">
-              <a:latin typeface="Franklin Gothic Medium"/>
-            </a:endParaRPr>
-          </a:p>
-        </p:txBody>
-      </p:sp>
-      <p:sp>
-        <p:nvSpPr>
-          <p:cNvPr id="3" name="Content Placeholder 2"/>
-          <p:cNvSpPr>
-            <a:spLocks noGrp="1"/>
-          </p:cNvSpPr>
-          <p:nvPr>
-            <p:ph idx="1"/>
-          </p:nvPr>
-        </p:nvSpPr>
-        <p:spPr/>
-        <p:txBody>
-          <a:bodyPr/>
-          <a:lstStyle/>
-          <a:p>
-            <a:pPr>
-              <a:lnSpc>
-                <a:spcPct val="200000"/>
-              </a:lnSpc>
-            </a:pPr>
-            <a:r>
-              <a:rPr lang="en-US" dirty="0" smtClean="0">
-                <a:solidFill>
-                  <a:srgbClr val="141717"/>
-                </a:solidFill>
-              </a:rPr>
-              <a:t>Overview of Android</a:t>
-            </a:r>
-          </a:p>
-          <a:p>
-            <a:pPr>
-              <a:lnSpc>
-                <a:spcPct val="200000"/>
-              </a:lnSpc>
-            </a:pPr>
-            <a:r>
-              <a:rPr lang="en-US" dirty="0" smtClean="0">
-                <a:solidFill>
-                  <a:srgbClr val="141717"/>
-                </a:solidFill>
-              </a:rPr>
-              <a:t>Mono for Android : What, How, Why</a:t>
-            </a:r>
-          </a:p>
-          <a:p>
-            <a:pPr>
-              <a:lnSpc>
-                <a:spcPct val="200000"/>
-              </a:lnSpc>
-            </a:pPr>
-            <a:r>
-              <a:rPr lang="en-US" dirty="0" smtClean="0">
-                <a:solidFill>
-                  <a:srgbClr val="141717"/>
-                </a:solidFill>
-              </a:rPr>
-              <a:t>Code Demo</a:t>
-            </a:r>
-          </a:p>
-          <a:p>
-            <a:pPr>
-              <a:lnSpc>
-                <a:spcPct val="200000"/>
-              </a:lnSpc>
-            </a:pPr>
-            <a:r>
-              <a:rPr lang="en-US" dirty="0" smtClean="0">
-                <a:solidFill>
-                  <a:srgbClr val="141717"/>
-                </a:solidFill>
-              </a:rPr>
-              <a:t>Mono for Android Resources</a:t>
-            </a:r>
-            <a:endParaRPr lang="en-US" dirty="0">
-              <a:solidFill>
-                <a:srgbClr val="141717"/>
-              </a:solidFill>
-            </a:endParaRPr>
-          </a:p>
-        </p:txBody>
-      </p:sp>
-    </p:spTree>
-  </p:cSld>
-  <p:clrMapOvr>
-    <a:masterClrMapping/>
-  </p:clrMapOvr>
-  <p:timing>
-    <p:tnLst>
-      <p:par>
-        <p:cTn xmlns:p14="http://schemas.microsoft.com/office/powerpoint/2010/main" id="1" dur="indefinite" restart="never" nodeType="tmRoot"/>
-      </p:par>
-    </p:tnLst>
-  </p:timing>
-</p:sld>
-</file>
-
-<file path=ppt/slides/slide20.xml><?xml version="1.0" encoding="utf-8"?>
-<p:sld xmlns:a="http://schemas.openxmlformats.org/drawingml/2006/main" xmlns:r="http://schemas.openxmlformats.org/officeDocument/2006/relationships" xmlns:p="http://schemas.openxmlformats.org/presentationml/2006/main">
-  <p:cSld>
-    <p:spTree>
-      <p:nvGrpSpPr>
-        <p:cNvPr id="1" name=""/>
-        <p:cNvGrpSpPr/>
-        <p:nvPr/>
-      </p:nvGrpSpPr>
-      <p:grpSpPr>
-        <a:xfrm>
-          <a:off x="0" y="0"/>
-          <a:ext cx="0" cy="0"/>
-          <a:chOff x="0" y="0"/>
-          <a:chExt cx="0" cy="0"/>
-        </a:xfrm>
-      </p:grpSpPr>
-      <p:sp>
-        <p:nvSpPr>
-          <p:cNvPr id="2" name="Title 1"/>
-          <p:cNvSpPr>
-            <a:spLocks noGrp="1"/>
-          </p:cNvSpPr>
-          <p:nvPr>
-            <p:ph type="title"/>
-          </p:nvPr>
-        </p:nvSpPr>
-        <p:spPr/>
-        <p:txBody>
-          <a:bodyPr/>
-          <a:lstStyle/>
-          <a:p>
-            <a:r>
-              <a:rPr lang="en-US" dirty="0" smtClean="0">
-                <a:solidFill>
-                  <a:srgbClr val="141717"/>
-                </a:solidFill>
-                <a:latin typeface="Franklin Gothic Medium"/>
-                <a:cs typeface="Franklin Gothic Medium"/>
-              </a:rPr>
-              <a:t>Activity Life Cycle</a:t>
-            </a:r>
-          </a:p>
-        </p:txBody>
-      </p:sp>
-      <p:sp>
-        <p:nvSpPr>
-          <p:cNvPr id="3" name="Content Placeholder 2"/>
-          <p:cNvSpPr>
-            <a:spLocks noGrp="1"/>
-          </p:cNvSpPr>
-          <p:nvPr>
-            <p:ph idx="1"/>
-          </p:nvPr>
-        </p:nvSpPr>
-        <p:spPr/>
-        <p:txBody>
-          <a:bodyPr/>
-          <a:lstStyle/>
-          <a:p>
-            <a:r>
-              <a:rPr lang="en-US" dirty="0" err="1" smtClean="0">
-                <a:solidFill>
-                  <a:srgbClr val="141717"/>
-                </a:solidFill>
-              </a:rPr>
-              <a:t>onCreate</a:t>
-            </a:r>
-            <a:endParaRPr lang="en-US" dirty="0" smtClean="0">
-              <a:solidFill>
-                <a:srgbClr val="141717"/>
-              </a:solidFill>
-            </a:endParaRPr>
-          </a:p>
-          <a:p>
-            <a:r>
-              <a:rPr lang="en-US" dirty="0" err="1" smtClean="0">
-                <a:solidFill>
-                  <a:srgbClr val="141717"/>
-                </a:solidFill>
-              </a:rPr>
-              <a:t>onStart</a:t>
-            </a:r>
-            <a:endParaRPr lang="en-US" dirty="0" smtClean="0">
-              <a:solidFill>
-                <a:srgbClr val="141717"/>
-              </a:solidFill>
-            </a:endParaRPr>
-          </a:p>
-          <a:p>
-            <a:r>
-              <a:rPr lang="en-US" dirty="0" err="1" smtClean="0">
-                <a:solidFill>
-                  <a:srgbClr val="141717"/>
-                </a:solidFill>
-              </a:rPr>
-              <a:t>onResume</a:t>
-            </a:r>
-            <a:endParaRPr lang="en-US" dirty="0" smtClean="0">
-              <a:solidFill>
-                <a:srgbClr val="141717"/>
-              </a:solidFill>
-            </a:endParaRPr>
-          </a:p>
-          <a:p>
-            <a:r>
-              <a:rPr lang="en-US" dirty="0" err="1" smtClean="0">
-                <a:solidFill>
-                  <a:srgbClr val="141717"/>
-                </a:solidFill>
-              </a:rPr>
-              <a:t>onPause</a:t>
-            </a:r>
-            <a:endParaRPr lang="en-US" dirty="0" smtClean="0">
-              <a:solidFill>
-                <a:srgbClr val="141717"/>
-              </a:solidFill>
-            </a:endParaRPr>
-          </a:p>
-          <a:p>
-            <a:r>
-              <a:rPr lang="en-US" dirty="0" err="1" smtClean="0">
-                <a:solidFill>
-                  <a:srgbClr val="141717"/>
-                </a:solidFill>
-              </a:rPr>
-              <a:t>onStop</a:t>
-            </a:r>
-            <a:endParaRPr lang="en-US" dirty="0" smtClean="0">
-              <a:solidFill>
-                <a:srgbClr val="141717"/>
-              </a:solidFill>
-            </a:endParaRPr>
-          </a:p>
-          <a:p>
-            <a:r>
-              <a:rPr lang="en-US" dirty="0" err="1" smtClean="0">
-                <a:solidFill>
-                  <a:srgbClr val="141717"/>
-                </a:solidFill>
-              </a:rPr>
-              <a:t>onDestroy</a:t>
-            </a:r>
-            <a:endParaRPr lang="en-US" dirty="0" smtClean="0">
-              <a:solidFill>
-                <a:srgbClr val="141717"/>
-              </a:solidFill>
-            </a:endParaRPr>
-          </a:p>
-          <a:p>
-            <a:endParaRPr lang="en-US" dirty="0" smtClean="0">
-              <a:solidFill>
-                <a:srgbClr val="141717"/>
-              </a:solidFill>
-            </a:endParaRPr>
-          </a:p>
-          <a:p>
-            <a:endParaRPr lang="en-US" dirty="0" smtClean="0">
-              <a:solidFill>
-                <a:srgbClr val="141717"/>
-              </a:solidFill>
-            </a:endParaRPr>
-          </a:p>
-          <a:p>
-            <a:endParaRPr lang="en-US" dirty="0">
-              <a:solidFill>
-                <a:srgbClr val="141717"/>
-              </a:solidFill>
-            </a:endParaRPr>
-          </a:p>
-        </p:txBody>
-      </p:sp>
-    </p:spTree>
-  </p:cSld>
-  <p:clrMapOvr>
-    <a:masterClrMapping/>
-  </p:clrMapOvr>
-</p:sld>
-</file>
-
 <file path=ppt/slides/slide21.xml><?xml version="1.0" encoding="utf-8"?>
 <p:sld xmlns:a="http://schemas.openxmlformats.org/drawingml/2006/main" xmlns:r="http://schemas.openxmlformats.org/officeDocument/2006/relationships" xmlns:p="http://schemas.openxmlformats.org/presentationml/2006/main">
   <p:cSld>
@@ -9773,7 +9684,7 @@
                 <a:latin typeface="Franklin Gothic Medium"/>
                 <a:cs typeface="Franklin Gothic Medium"/>
               </a:rPr>
-              <a:t>Services</a:t>
+              <a:t>Activity Life Cycle</a:t>
             </a:r>
           </a:p>
         </p:txBody>
@@ -9794,35 +9705,13 @@
           <a:lstStyle/>
           <a:p>
             <a:r>
-              <a:rPr lang="en-US" dirty="0" smtClean="0">
-                <a:solidFill>
-                  <a:srgbClr val="141717"/>
-                </a:solidFill>
-              </a:rPr>
-              <a:t>Android service are what you’d expect.</a:t>
-            </a:r>
-          </a:p>
-          <a:p>
-            <a:r>
-              <a:rPr lang="en-US" dirty="0" smtClean="0">
-                <a:solidFill>
-                  <a:srgbClr val="141717"/>
-                </a:solidFill>
-              </a:rPr>
-              <a:t>Possible to bind to an ongoing service and communicate via exposed interface</a:t>
-            </a:r>
-          </a:p>
-          <a:p>
-            <a:r>
-              <a:rPr lang="en-US" dirty="0" smtClean="0">
-                <a:solidFill>
-                  <a:srgbClr val="141717"/>
-                </a:solidFill>
-              </a:rPr>
-              <a:t>Runs in main application process but doesn’t block other components or UI</a:t>
-            </a:r>
-          </a:p>
-          <a:p>
+              <a:rPr lang="en-US" dirty="0" err="1" smtClean="0">
+                <a:solidFill>
+                  <a:srgbClr val="141717"/>
+                </a:solidFill>
+              </a:rPr>
+              <a:t>onCreate</a:t>
+            </a:r>
             <a:endParaRPr lang="en-US" dirty="0" smtClean="0">
               <a:solidFill>
                 <a:srgbClr val="141717"/>
@@ -9830,6 +9719,95 @@
             </a:endParaRPr>
           </a:p>
           <a:p>
+            <a:r>
+              <a:rPr lang="en-US" dirty="0" err="1" smtClean="0">
+                <a:solidFill>
+                  <a:srgbClr val="141717"/>
+                </a:solidFill>
+              </a:rPr>
+              <a:t>onStart</a:t>
+            </a:r>
+            <a:endParaRPr lang="en-US" dirty="0" smtClean="0">
+              <a:solidFill>
+                <a:srgbClr val="141717"/>
+              </a:solidFill>
+            </a:endParaRPr>
+          </a:p>
+          <a:p>
+            <a:r>
+              <a:rPr lang="en-US" dirty="0" err="1" smtClean="0">
+                <a:solidFill>
+                  <a:srgbClr val="141717"/>
+                </a:solidFill>
+              </a:rPr>
+              <a:t>onResume</a:t>
+            </a:r>
+            <a:endParaRPr lang="en-US" dirty="0" smtClean="0">
+              <a:solidFill>
+                <a:srgbClr val="141717"/>
+              </a:solidFill>
+            </a:endParaRPr>
+          </a:p>
+          <a:p>
+            <a:r>
+              <a:rPr lang="en-US" dirty="0" err="1" smtClean="0">
+                <a:solidFill>
+                  <a:srgbClr val="141717"/>
+                </a:solidFill>
+              </a:rPr>
+              <a:t>onPause</a:t>
+            </a:r>
+            <a:endParaRPr lang="en-US" dirty="0" smtClean="0">
+              <a:solidFill>
+                <a:srgbClr val="141717"/>
+              </a:solidFill>
+            </a:endParaRPr>
+          </a:p>
+          <a:p>
+            <a:r>
+              <a:rPr lang="en-US" dirty="0" err="1" smtClean="0">
+                <a:solidFill>
+                  <a:srgbClr val="141717"/>
+                </a:solidFill>
+              </a:rPr>
+              <a:t>onStop</a:t>
+            </a:r>
+            <a:endParaRPr lang="en-US" dirty="0" smtClean="0">
+              <a:solidFill>
+                <a:srgbClr val="141717"/>
+              </a:solidFill>
+            </a:endParaRPr>
+          </a:p>
+          <a:p>
+            <a:r>
+              <a:rPr lang="en-US" dirty="0" err="1" smtClean="0">
+                <a:solidFill>
+                  <a:srgbClr val="141717"/>
+                </a:solidFill>
+              </a:rPr>
+              <a:t>onDestroy</a:t>
+            </a:r>
+            <a:endParaRPr lang="en-US" dirty="0" smtClean="0">
+              <a:solidFill>
+                <a:srgbClr val="141717"/>
+              </a:solidFill>
+            </a:endParaRPr>
+          </a:p>
+          <a:p>
+            <a:endParaRPr lang="en-US" dirty="0" smtClean="0">
+              <a:solidFill>
+                <a:srgbClr val="141717"/>
+              </a:solidFill>
+            </a:endParaRPr>
+          </a:p>
+          <a:p>
+            <a:endParaRPr lang="en-US" dirty="0" smtClean="0">
+              <a:solidFill>
+                <a:srgbClr val="141717"/>
+              </a:solidFill>
+            </a:endParaRPr>
+          </a:p>
+          <a:p>
             <a:endParaRPr lang="en-US" dirty="0">
               <a:solidFill>
                 <a:srgbClr val="141717"/>
@@ -9839,11 +9817,6 @@
         </p:txBody>
       </p:sp>
     </p:spTree>
-    <p:extLst>
-      <p:ext uri="{BB962C8B-B14F-4D97-AF65-F5344CB8AC3E}">
-        <p14:creationId xmlns:p14="http://schemas.microsoft.com/office/powerpoint/2010/main" val="847587006"/>
-      </p:ext>
-    </p:extLst>
   </p:cSld>
   <p:clrMapOvr>
     <a:masterClrMapping/>
@@ -9880,134 +9853,89 @@
         </p:nvSpPr>
         <p:spPr/>
         <p:txBody>
+          <a:bodyPr>
+            <a:normAutofit/>
+          </a:bodyPr>
+          <a:lstStyle/>
+          <a:p>
+            <a:r>
+              <a:rPr lang="en-US" dirty="0" smtClean="0">
+                <a:solidFill>
+                  <a:srgbClr val="141717"/>
+                </a:solidFill>
+                <a:latin typeface="Franklin Gothic Medium"/>
+                <a:cs typeface="Franklin Gothic Medium"/>
+              </a:rPr>
+              <a:t>Intents</a:t>
+            </a:r>
+          </a:p>
+        </p:txBody>
+      </p:sp>
+      <p:sp>
+        <p:nvSpPr>
+          <p:cNvPr id="3" name="Content Placeholder 2"/>
+          <p:cNvSpPr>
+            <a:spLocks noGrp="1"/>
+          </p:cNvSpPr>
+          <p:nvPr>
+            <p:ph idx="1"/>
+          </p:nvPr>
+        </p:nvSpPr>
+        <p:spPr/>
+        <p:txBody>
           <a:bodyPr/>
           <a:lstStyle/>
           <a:p>
             <a:r>
+              <a:rPr lang="en-US" dirty="0" err="1" smtClean="0">
+                <a:solidFill>
+                  <a:srgbClr val="141717"/>
+                </a:solidFill>
+              </a:rPr>
+              <a:t>Eventing</a:t>
+            </a:r>
+            <a:r>
               <a:rPr lang="en-US" dirty="0" smtClean="0">
                 <a:solidFill>
                   <a:srgbClr val="141717"/>
                 </a:solidFill>
-                <a:latin typeface="Franklin Gothic Medium"/>
-                <a:cs typeface="Franklin Gothic Medium"/>
-              </a:rPr>
-              <a:t>Content</a:t>
-            </a:r>
+              </a:rPr>
+              <a:t> mechanism</a:t>
+            </a:r>
+          </a:p>
+          <a:p>
             <a:r>
               <a:rPr lang="en-US" dirty="0" smtClean="0">
                 <a:solidFill>
                   <a:srgbClr val="141717"/>
                 </a:solidFill>
               </a:rPr>
-              <a:t> </a:t>
-            </a:r>
+              <a:t>Intent objects are passive data that is of interest to the component that is receiving the intent</a:t>
+            </a:r>
+          </a:p>
+          <a:p>
             <a:r>
               <a:rPr lang="en-US" dirty="0" smtClean="0">
                 <a:solidFill>
                   <a:srgbClr val="141717"/>
                 </a:solidFill>
-                <a:latin typeface="Franklin Gothic Medium"/>
-                <a:cs typeface="Franklin Gothic Medium"/>
-              </a:rPr>
-              <a:t>Providers</a:t>
-            </a:r>
-          </a:p>
-        </p:txBody>
-      </p:sp>
-      <p:sp>
-        <p:nvSpPr>
-          <p:cNvPr id="3" name="Content Placeholder 2"/>
-          <p:cNvSpPr>
-            <a:spLocks noGrp="1"/>
-          </p:cNvSpPr>
-          <p:nvPr>
-            <p:ph idx="1"/>
-          </p:nvPr>
-        </p:nvSpPr>
-        <p:spPr/>
-        <p:txBody>
-          <a:bodyPr/>
-          <a:lstStyle/>
-          <a:p>
-            <a:r>
-              <a:rPr lang="en-US" dirty="0" err="1" smtClean="0">
-                <a:solidFill>
-                  <a:srgbClr val="141717"/>
-                </a:solidFill>
-              </a:rPr>
-              <a:t>Queryable</a:t>
-            </a:r>
-            <a:r>
-              <a:rPr lang="en-US" dirty="0" smtClean="0">
-                <a:solidFill>
-                  <a:srgbClr val="141717"/>
-                </a:solidFill>
-              </a:rPr>
-              <a:t> application data stores</a:t>
-            </a:r>
-          </a:p>
-          <a:p>
-            <a:r>
-              <a:rPr lang="en-US" dirty="0" smtClean="0">
-                <a:solidFill>
-                  <a:srgbClr val="141717"/>
-                </a:solidFill>
-              </a:rPr>
-              <a:t>Only way to share data amongst other apps</a:t>
-            </a:r>
-          </a:p>
-          <a:p>
-            <a:r>
-              <a:rPr lang="en-US" dirty="0" smtClean="0">
-                <a:solidFill>
-                  <a:srgbClr val="141717"/>
-                </a:solidFill>
-              </a:rPr>
-              <a:t>Android ships with common providers</a:t>
-            </a:r>
-          </a:p>
-          <a:p>
-            <a:pPr lvl="1"/>
-            <a:r>
-              <a:rPr lang="en-US" dirty="0" smtClean="0">
-                <a:solidFill>
-                  <a:srgbClr val="141717"/>
-                </a:solidFill>
-              </a:rPr>
-              <a:t>Audio, video, images, contacts, etc.</a:t>
-            </a:r>
-          </a:p>
-          <a:p>
-            <a:r>
-              <a:rPr lang="en-US" dirty="0" smtClean="0">
-                <a:solidFill>
-                  <a:srgbClr val="141717"/>
-                </a:solidFill>
-              </a:rPr>
-              <a:t>Making your application’s data public</a:t>
-            </a:r>
-          </a:p>
-          <a:p>
-            <a:pPr lvl="1"/>
-            <a:r>
-              <a:rPr lang="en-US" dirty="0" smtClean="0">
-                <a:solidFill>
-                  <a:srgbClr val="141717"/>
-                </a:solidFill>
-              </a:rPr>
-              <a:t>Create a new provider</a:t>
-            </a:r>
-          </a:p>
-          <a:p>
-            <a:pPr lvl="1"/>
-            <a:r>
-              <a:rPr lang="en-US" dirty="0" smtClean="0">
-                <a:solidFill>
-                  <a:srgbClr val="141717"/>
-                </a:solidFill>
-              </a:rPr>
-              <a:t>Add your data to existing provider</a:t>
-            </a:r>
+              </a:rPr>
+              <a:t>Filterable so you can pick and choose which events to respond to</a:t>
+            </a:r>
+          </a:p>
+          <a:p>
+            <a:endParaRPr lang="en-US" dirty="0" smtClean="0">
+              <a:solidFill>
+                <a:srgbClr val="141717"/>
+              </a:solidFill>
+            </a:endParaRPr>
+          </a:p>
+          <a:p>
+            <a:endParaRPr lang="en-US" dirty="0" smtClean="0">
+              <a:solidFill>
+                <a:srgbClr val="141717"/>
+              </a:solidFill>
+            </a:endParaRPr>
           </a:p>
         </p:txBody>
       </p:sp>
@@ -10020,6 +9948,292 @@
 </file>
 
 <file path=ppt/slides/slide23.xml><?xml version="1.0" encoding="utf-8"?>
+<p:sld xmlns:a="http://schemas.openxmlformats.org/drawingml/2006/main" xmlns:r="http://schemas.openxmlformats.org/officeDocument/2006/relationships" xmlns:p="http://schemas.openxmlformats.org/presentationml/2006/main">
+  <p:cSld>
+    <p:spTree>
+      <p:nvGrpSpPr>
+        <p:cNvPr id="1" name=""/>
+        <p:cNvGrpSpPr/>
+        <p:nvPr/>
+      </p:nvGrpSpPr>
+      <p:grpSpPr>
+        <a:xfrm>
+          <a:off x="0" y="0"/>
+          <a:ext cx="0" cy="0"/>
+          <a:chOff x="0" y="0"/>
+          <a:chExt cx="0" cy="0"/>
+        </a:xfrm>
+      </p:grpSpPr>
+      <p:sp>
+        <p:nvSpPr>
+          <p:cNvPr id="2" name="Title 1"/>
+          <p:cNvSpPr>
+            <a:spLocks noGrp="1"/>
+          </p:cNvSpPr>
+          <p:nvPr>
+            <p:ph type="title"/>
+          </p:nvPr>
+        </p:nvSpPr>
+        <p:spPr/>
+        <p:txBody>
+          <a:bodyPr/>
+          <a:lstStyle/>
+          <a:p>
+            <a:r>
+              <a:rPr lang="en-US" dirty="0" smtClean="0">
+                <a:solidFill>
+                  <a:srgbClr val="141717"/>
+                </a:solidFill>
+                <a:latin typeface="Franklin Gothic Medium"/>
+                <a:cs typeface="Franklin Gothic Medium"/>
+              </a:rPr>
+              <a:t>Services</a:t>
+            </a:r>
+          </a:p>
+        </p:txBody>
+      </p:sp>
+      <p:sp>
+        <p:nvSpPr>
+          <p:cNvPr id="3" name="Content Placeholder 2"/>
+          <p:cNvSpPr>
+            <a:spLocks noGrp="1"/>
+          </p:cNvSpPr>
+          <p:nvPr>
+            <p:ph idx="1"/>
+          </p:nvPr>
+        </p:nvSpPr>
+        <p:spPr/>
+        <p:txBody>
+          <a:bodyPr/>
+          <a:lstStyle/>
+          <a:p>
+            <a:r>
+              <a:rPr lang="en-US" dirty="0" smtClean="0">
+                <a:solidFill>
+                  <a:srgbClr val="141717"/>
+                </a:solidFill>
+              </a:rPr>
+              <a:t>Android service are what you’d expect.</a:t>
+            </a:r>
+          </a:p>
+          <a:p>
+            <a:r>
+              <a:rPr lang="en-US" dirty="0" smtClean="0">
+                <a:solidFill>
+                  <a:srgbClr val="141717"/>
+                </a:solidFill>
+              </a:rPr>
+              <a:t>Possible to bind to an ongoing service and communicate via exposed interface</a:t>
+            </a:r>
+          </a:p>
+          <a:p>
+            <a:r>
+              <a:rPr lang="en-US" dirty="0" smtClean="0">
+                <a:solidFill>
+                  <a:srgbClr val="141717"/>
+                </a:solidFill>
+              </a:rPr>
+              <a:t>Runs in main application process but doesn’t block other components or UI</a:t>
+            </a:r>
+          </a:p>
+          <a:p>
+            <a:endParaRPr lang="en-US" dirty="0" smtClean="0">
+              <a:solidFill>
+                <a:srgbClr val="141717"/>
+              </a:solidFill>
+            </a:endParaRPr>
+          </a:p>
+          <a:p>
+            <a:endParaRPr lang="en-US" dirty="0">
+              <a:solidFill>
+                <a:srgbClr val="141717"/>
+              </a:solidFill>
+            </a:endParaRPr>
+          </a:p>
+        </p:txBody>
+      </p:sp>
+    </p:spTree>
+    <p:extLst>
+      <p:ext uri="{BB962C8B-B14F-4D97-AF65-F5344CB8AC3E}">
+        <p14:creationId xmlns:p14="http://schemas.microsoft.com/office/powerpoint/2010/main" val="847587006"/>
+      </p:ext>
+    </p:extLst>
+  </p:cSld>
+  <p:clrMapOvr>
+    <a:masterClrMapping/>
+  </p:clrMapOvr>
+</p:sld>
+</file>
+
+<file path=ppt/slides/slide24.xml><?xml version="1.0" encoding="utf-8"?>
+<p:sld xmlns:a="http://schemas.openxmlformats.org/drawingml/2006/main" xmlns:r="http://schemas.openxmlformats.org/officeDocument/2006/relationships" xmlns:p="http://schemas.openxmlformats.org/presentationml/2006/main">
+  <p:cSld>
+    <p:spTree>
+      <p:nvGrpSpPr>
+        <p:cNvPr id="1" name=""/>
+        <p:cNvGrpSpPr/>
+        <p:nvPr/>
+      </p:nvGrpSpPr>
+      <p:grpSpPr>
+        <a:xfrm>
+          <a:off x="0" y="0"/>
+          <a:ext cx="0" cy="0"/>
+          <a:chOff x="0" y="0"/>
+          <a:chExt cx="0" cy="0"/>
+        </a:xfrm>
+      </p:grpSpPr>
+      <p:sp>
+        <p:nvSpPr>
+          <p:cNvPr id="2" name="Title 1"/>
+          <p:cNvSpPr>
+            <a:spLocks noGrp="1"/>
+          </p:cNvSpPr>
+          <p:nvPr>
+            <p:ph type="title"/>
+          </p:nvPr>
+        </p:nvSpPr>
+        <p:spPr/>
+        <p:txBody>
+          <a:bodyPr/>
+          <a:lstStyle/>
+          <a:p>
+            <a:r>
+              <a:rPr lang="en-US" dirty="0" smtClean="0">
+                <a:solidFill>
+                  <a:srgbClr val="141717"/>
+                </a:solidFill>
+                <a:latin typeface="Franklin Gothic Medium"/>
+                <a:cs typeface="Franklin Gothic Medium"/>
+              </a:rPr>
+              <a:t>Content</a:t>
+            </a:r>
+            <a:r>
+              <a:rPr lang="en-US" dirty="0" smtClean="0">
+                <a:solidFill>
+                  <a:srgbClr val="141717"/>
+                </a:solidFill>
+              </a:rPr>
+              <a:t> </a:t>
+            </a:r>
+            <a:r>
+              <a:rPr lang="en-US" dirty="0" smtClean="0">
+                <a:solidFill>
+                  <a:srgbClr val="141717"/>
+                </a:solidFill>
+                <a:latin typeface="Franklin Gothic Medium"/>
+                <a:cs typeface="Franklin Gothic Medium"/>
+              </a:rPr>
+              <a:t>Providers</a:t>
+            </a:r>
+          </a:p>
+        </p:txBody>
+      </p:sp>
+      <p:sp>
+        <p:nvSpPr>
+          <p:cNvPr id="3" name="Content Placeholder 2"/>
+          <p:cNvSpPr>
+            <a:spLocks noGrp="1"/>
+          </p:cNvSpPr>
+          <p:nvPr>
+            <p:ph idx="1"/>
+          </p:nvPr>
+        </p:nvSpPr>
+        <p:spPr/>
+        <p:txBody>
+          <a:bodyPr/>
+          <a:lstStyle/>
+          <a:p>
+            <a:r>
+              <a:rPr lang="en-US" dirty="0" err="1" smtClean="0">
+                <a:solidFill>
+                  <a:srgbClr val="141717"/>
+                </a:solidFill>
+              </a:rPr>
+              <a:t>Queryable</a:t>
+            </a:r>
+            <a:r>
+              <a:rPr lang="en-US" dirty="0" smtClean="0">
+                <a:solidFill>
+                  <a:srgbClr val="141717"/>
+                </a:solidFill>
+              </a:rPr>
+              <a:t> application data stores</a:t>
+            </a:r>
+          </a:p>
+          <a:p>
+            <a:r>
+              <a:rPr lang="en-US" dirty="0" smtClean="0">
+                <a:solidFill>
+                  <a:srgbClr val="141717"/>
+                </a:solidFill>
+              </a:rPr>
+              <a:t>Only way to share data amongst other apps</a:t>
+            </a:r>
+          </a:p>
+          <a:p>
+            <a:r>
+              <a:rPr lang="en-US" dirty="0" smtClean="0">
+                <a:solidFill>
+                  <a:srgbClr val="141717"/>
+                </a:solidFill>
+              </a:rPr>
+              <a:t>Android ships with common providers</a:t>
+            </a:r>
+          </a:p>
+          <a:p>
+            <a:pPr lvl="1"/>
+            <a:r>
+              <a:rPr lang="en-US" dirty="0" smtClean="0">
+                <a:solidFill>
+                  <a:srgbClr val="141717"/>
+                </a:solidFill>
+              </a:rPr>
+              <a:t>Audio, video, images, contacts, etc.</a:t>
+            </a:r>
+          </a:p>
+          <a:p>
+            <a:r>
+              <a:rPr lang="en-US" dirty="0" smtClean="0">
+                <a:solidFill>
+                  <a:srgbClr val="141717"/>
+                </a:solidFill>
+              </a:rPr>
+              <a:t>Making your application’s data public</a:t>
+            </a:r>
+          </a:p>
+          <a:p>
+            <a:pPr lvl="1"/>
+            <a:r>
+              <a:rPr lang="en-US" dirty="0" smtClean="0">
+                <a:solidFill>
+                  <a:srgbClr val="141717"/>
+                </a:solidFill>
+              </a:rPr>
+              <a:t>Create a new provider</a:t>
+            </a:r>
+          </a:p>
+          <a:p>
+            <a:pPr lvl="1"/>
+            <a:r>
+              <a:rPr lang="en-US" dirty="0" smtClean="0">
+                <a:solidFill>
+                  <a:srgbClr val="141717"/>
+                </a:solidFill>
+              </a:rPr>
+              <a:t>Add your data to existing provider</a:t>
+            </a:r>
+          </a:p>
+        </p:txBody>
+      </p:sp>
+    </p:spTree>
+  </p:cSld>
+  <p:clrMapOvr>
+    <a:masterClrMapping/>
+  </p:clrMapOvr>
+</p:sld>
+</file>
+
+<file path=ppt/slides/slide25.xml><?xml version="1.0" encoding="utf-8"?>
 <p:sld xmlns:a="http://schemas.openxmlformats.org/drawingml/2006/main" xmlns:r="http://schemas.openxmlformats.org/officeDocument/2006/relationships" xmlns:p="http://schemas.openxmlformats.org/presentationml/2006/main">
   <p:cSld>
     <p:spTree>
@@ -10092,284 +10306,6 @@
 </p:sld>
 </file>
 
-<file path=ppt/slides/slide24.xml><?xml version="1.0" encoding="utf-8"?>
-<p:sld xmlns:a="http://schemas.openxmlformats.org/drawingml/2006/main" xmlns:r="http://schemas.openxmlformats.org/officeDocument/2006/relationships" xmlns:p="http://schemas.openxmlformats.org/presentationml/2006/main">
-  <p:cSld>
-    <p:spTree>
-      <p:nvGrpSpPr>
-        <p:cNvPr id="1" name=""/>
-        <p:cNvGrpSpPr/>
-        <p:nvPr/>
-      </p:nvGrpSpPr>
-      <p:grpSpPr>
-        <a:xfrm>
-          <a:off x="0" y="0"/>
-          <a:ext cx="0" cy="0"/>
-          <a:chOff x="0" y="0"/>
-          <a:chExt cx="0" cy="0"/>
-        </a:xfrm>
-      </p:grpSpPr>
-      <p:sp>
-        <p:nvSpPr>
-          <p:cNvPr id="2" name="Title 1"/>
-          <p:cNvSpPr>
-            <a:spLocks noGrp="1"/>
-          </p:cNvSpPr>
-          <p:nvPr>
-            <p:ph type="title"/>
-          </p:nvPr>
-        </p:nvSpPr>
-        <p:spPr/>
-        <p:txBody>
-          <a:bodyPr>
-            <a:normAutofit/>
-          </a:bodyPr>
-          <a:lstStyle/>
-          <a:p>
-            <a:r>
-              <a:rPr lang="en-US" dirty="0" smtClean="0">
-                <a:solidFill>
-                  <a:srgbClr val="141717"/>
-                </a:solidFill>
-                <a:latin typeface="Franklin Gothic Medium"/>
-                <a:cs typeface="Franklin Gothic Medium"/>
-              </a:rPr>
-              <a:t>Intents</a:t>
-            </a:r>
-          </a:p>
-        </p:txBody>
-      </p:sp>
-      <p:sp>
-        <p:nvSpPr>
-          <p:cNvPr id="3" name="Content Placeholder 2"/>
-          <p:cNvSpPr>
-            <a:spLocks noGrp="1"/>
-          </p:cNvSpPr>
-          <p:nvPr>
-            <p:ph idx="1"/>
-          </p:nvPr>
-        </p:nvSpPr>
-        <p:spPr/>
-        <p:txBody>
-          <a:bodyPr/>
-          <a:lstStyle/>
-          <a:p>
-            <a:r>
-              <a:rPr lang="en-US" dirty="0" smtClean="0">
-                <a:solidFill>
-                  <a:srgbClr val="141717"/>
-                </a:solidFill>
-              </a:rPr>
-              <a:t>Eventing mechanism</a:t>
-            </a:r>
-          </a:p>
-          <a:p>
-            <a:r>
-              <a:rPr lang="en-US" dirty="0" smtClean="0">
-                <a:solidFill>
-                  <a:srgbClr val="141717"/>
-                </a:solidFill>
-              </a:rPr>
-              <a:t>Intent objects are passive data that is of interest to the component that is receiving the intent</a:t>
-            </a:r>
-          </a:p>
-          <a:p>
-            <a:r>
-              <a:rPr lang="en-US" dirty="0" smtClean="0">
-                <a:solidFill>
-                  <a:srgbClr val="141717"/>
-                </a:solidFill>
-              </a:rPr>
-              <a:t>Filterable</a:t>
-            </a:r>
-          </a:p>
-          <a:p>
-            <a:endParaRPr lang="en-US" dirty="0" smtClean="0">
-              <a:solidFill>
-                <a:srgbClr val="141717"/>
-              </a:solidFill>
-            </a:endParaRPr>
-          </a:p>
-          <a:p>
-            <a:endParaRPr lang="en-US" dirty="0" smtClean="0">
-              <a:solidFill>
-                <a:srgbClr val="141717"/>
-              </a:solidFill>
-            </a:endParaRPr>
-          </a:p>
-        </p:txBody>
-      </p:sp>
-    </p:spTree>
-  </p:cSld>
-  <p:clrMapOvr>
-    <a:masterClrMapping/>
-  </p:clrMapOvr>
-</p:sld>
-</file>
-
-<file path=ppt/slides/slide25.xml><?xml version="1.0" encoding="utf-8"?>
-<p:sld xmlns:a="http://schemas.openxmlformats.org/drawingml/2006/main" xmlns:r="http://schemas.openxmlformats.org/officeDocument/2006/relationships" xmlns:p="http://schemas.openxmlformats.org/presentationml/2006/main">
-  <p:cSld>
-    <p:spTree>
-      <p:nvGrpSpPr>
-        <p:cNvPr id="1" name=""/>
-        <p:cNvGrpSpPr/>
-        <p:nvPr/>
-      </p:nvGrpSpPr>
-      <p:grpSpPr>
-        <a:xfrm>
-          <a:off x="0" y="0"/>
-          <a:ext cx="0" cy="0"/>
-          <a:chOff x="0" y="0"/>
-          <a:chExt cx="0" cy="0"/>
-        </a:xfrm>
-      </p:grpSpPr>
-      <p:sp>
-        <p:nvSpPr>
-          <p:cNvPr id="2" name="Title 1"/>
-          <p:cNvSpPr>
-            <a:spLocks noGrp="1"/>
-          </p:cNvSpPr>
-          <p:nvPr>
-            <p:ph type="title"/>
-          </p:nvPr>
-        </p:nvSpPr>
-        <p:spPr/>
-        <p:txBody>
-          <a:bodyPr>
-            <a:normAutofit/>
-          </a:bodyPr>
-          <a:lstStyle/>
-          <a:p>
-            <a:r>
-              <a:rPr lang="en-US" dirty="0" smtClean="0">
-                <a:solidFill>
-                  <a:srgbClr val="141717"/>
-                </a:solidFill>
-                <a:latin typeface="Franklin Gothic Medium"/>
-                <a:cs typeface="Franklin Gothic Medium"/>
-              </a:rPr>
-              <a:t>Resources</a:t>
-            </a:r>
-          </a:p>
-        </p:txBody>
-      </p:sp>
-      <p:sp>
-        <p:nvSpPr>
-          <p:cNvPr id="3" name="Content Placeholder 2"/>
-          <p:cNvSpPr>
-            <a:spLocks noGrp="1"/>
-          </p:cNvSpPr>
-          <p:nvPr>
-            <p:ph idx="1"/>
-          </p:nvPr>
-        </p:nvSpPr>
-        <p:spPr/>
-        <p:txBody>
-          <a:bodyPr>
-            <a:normAutofit fontScale="92500" lnSpcReduction="20000"/>
-          </a:bodyPr>
-          <a:lstStyle/>
-          <a:p>
-            <a:pPr>
-              <a:lnSpc>
-                <a:spcPct val="150000"/>
-              </a:lnSpc>
-            </a:pPr>
-            <a:r>
-              <a:rPr lang="en-US" dirty="0" smtClean="0">
-                <a:solidFill>
-                  <a:srgbClr val="141717"/>
-                </a:solidFill>
-              </a:rPr>
-              <a:t>Images, layout descriptions, binary blobs and string dictionaries</a:t>
-            </a:r>
-          </a:p>
-          <a:p>
-            <a:pPr>
-              <a:lnSpc>
-                <a:spcPct val="150000"/>
-              </a:lnSpc>
-            </a:pPr>
-            <a:r>
-              <a:rPr lang="en-US" dirty="0" smtClean="0">
-                <a:solidFill>
-                  <a:srgbClr val="141717"/>
-                </a:solidFill>
-              </a:rPr>
-              <a:t>Abstraction layer which helps decouples code</a:t>
-            </a:r>
-          </a:p>
-          <a:p>
-            <a:pPr>
-              <a:lnSpc>
-                <a:spcPct val="150000"/>
-              </a:lnSpc>
-            </a:pPr>
-            <a:r>
-              <a:rPr lang="en-US" dirty="0" smtClean="0">
-                <a:solidFill>
-                  <a:srgbClr val="141717"/>
-                </a:solidFill>
-              </a:rPr>
-              <a:t>Makes managing assets easier</a:t>
-            </a:r>
-          </a:p>
-          <a:p>
-            <a:pPr lvl="1">
-              <a:lnSpc>
-                <a:spcPct val="150000"/>
-              </a:lnSpc>
-            </a:pPr>
-            <a:r>
-              <a:rPr lang="en-US" dirty="0" smtClean="0">
-                <a:solidFill>
-                  <a:srgbClr val="141717"/>
-                </a:solidFill>
-              </a:rPr>
-              <a:t>Localization</a:t>
-            </a:r>
-          </a:p>
-          <a:p>
-            <a:pPr lvl="1">
-              <a:lnSpc>
-                <a:spcPct val="150000"/>
-              </a:lnSpc>
-            </a:pPr>
-            <a:r>
-              <a:rPr lang="en-US" dirty="0" smtClean="0">
-                <a:solidFill>
-                  <a:srgbClr val="141717"/>
-                </a:solidFill>
-              </a:rPr>
-              <a:t>Multiple displays</a:t>
-            </a:r>
-          </a:p>
-          <a:p>
-            <a:pPr lvl="1">
-              <a:lnSpc>
-                <a:spcPct val="150000"/>
-              </a:lnSpc>
-            </a:pPr>
-            <a:r>
-              <a:rPr lang="en-US" dirty="0" smtClean="0">
-                <a:solidFill>
-                  <a:srgbClr val="141717"/>
-                </a:solidFill>
-              </a:rPr>
-              <a:t>Different hardware configurations</a:t>
-            </a:r>
-          </a:p>
-        </p:txBody>
-      </p:sp>
-    </p:spTree>
-  </p:cSld>
-  <p:clrMapOvr>
-    <a:masterClrMapping/>
-  </p:clrMapOvr>
-</p:sld>
-</file>
-
 <file path=ppt/slides/slide26.xml><?xml version="1.0" encoding="utf-8"?>
 <p:sld xmlns:a="http://schemas.openxmlformats.org/drawingml/2006/main" xmlns:r="http://schemas.openxmlformats.org/officeDocument/2006/relationships" xmlns:p="http://schemas.openxmlformats.org/presentationml/2006/main">
   <p:cSld>
@@ -10412,7 +10348,7 @@
                 <a:latin typeface="Franklin Gothic Medium"/>
                 <a:cs typeface="Franklin Gothic Medium"/>
               </a:rPr>
-              <a:t>Code Demo</a:t>
+              <a:t>Resources</a:t>
             </a:r>
           </a:p>
         </p:txBody>
@@ -10430,35 +10366,98 @@
         <p:spPr/>
         <p:txBody>
           <a:bodyPr>
-            <a:normAutofit/>
+            <a:normAutofit fontScale="92500" lnSpcReduction="20000"/>
           </a:bodyPr>
           <a:lstStyle/>
           <a:p>
-            <a:endParaRPr lang="en-US" dirty="0" smtClean="0"/>
-          </a:p>
-          <a:p>
-            <a:endParaRPr lang="en-US" dirty="0" smtClean="0"/>
-          </a:p>
-          <a:p>
             <a:pPr>
-              <a:buNone/>
+              <a:lnSpc>
+                <a:spcPct val="150000"/>
+              </a:lnSpc>
             </a:pPr>
-            <a:endParaRPr lang="en-US" dirty="0" smtClean="0"/>
-          </a:p>
-          <a:p>
-            <a:pPr algn="ctr">
-              <a:buNone/>
+            <a:r>
+              <a:rPr lang="en-US" dirty="0" smtClean="0">
+                <a:solidFill>
+                  <a:srgbClr val="141717"/>
+                </a:solidFill>
+              </a:rPr>
+              <a:t>Images, layout descriptions, binary blobs and string dictionaries</a:t>
+            </a:r>
+          </a:p>
+          <a:p>
+            <a:pPr>
+              <a:lnSpc>
+                <a:spcPct val="150000"/>
+              </a:lnSpc>
             </a:pPr>
             <a:r>
-              <a:rPr lang="en-US" sz="2000" dirty="0" smtClean="0">
-                <a:latin typeface="Lucida Console" pitchFamily="49" charset="0"/>
-                <a:hlinkClick r:id="rId3"/>
-              </a:rPr>
-              <a:t>https://github.com/kevinmcmahon/MonoDroid101</a:t>
-            </a:r>
-            <a:endParaRPr lang="en-US" sz="2000" dirty="0" smtClean="0">
-              <a:latin typeface="Lucida Console" pitchFamily="49" charset="0"/>
-            </a:endParaRPr>
+              <a:rPr lang="en-US" dirty="0" smtClean="0">
+                <a:solidFill>
+                  <a:srgbClr val="141717"/>
+                </a:solidFill>
+              </a:rPr>
+              <a:t>Abstraction layer which helps decouples code</a:t>
+            </a:r>
+          </a:p>
+          <a:p>
+            <a:pPr>
+              <a:lnSpc>
+                <a:spcPct val="150000"/>
+              </a:lnSpc>
+            </a:pPr>
+            <a:r>
+              <a:rPr lang="en-US" dirty="0" smtClean="0">
+                <a:solidFill>
+                  <a:srgbClr val="141717"/>
+                </a:solidFill>
+              </a:rPr>
+              <a:t>Makes managing assets easier</a:t>
+            </a:r>
+          </a:p>
+          <a:p>
+            <a:pPr lvl="1">
+              <a:lnSpc>
+                <a:spcPct val="150000"/>
+              </a:lnSpc>
+            </a:pPr>
+            <a:r>
+              <a:rPr lang="en-US" dirty="0" smtClean="0">
+                <a:solidFill>
+                  <a:srgbClr val="141717"/>
+                </a:solidFill>
+              </a:rPr>
+              <a:t>Localization</a:t>
+            </a:r>
+          </a:p>
+          <a:p>
+            <a:pPr lvl="1">
+              <a:lnSpc>
+                <a:spcPct val="150000"/>
+              </a:lnSpc>
+            </a:pPr>
+            <a:r>
+              <a:rPr lang="en-US" dirty="0" smtClean="0">
+                <a:solidFill>
+                  <a:srgbClr val="141717"/>
+                </a:solidFill>
+              </a:rPr>
+              <a:t>Multiple displays</a:t>
+            </a:r>
+          </a:p>
+          <a:p>
+            <a:pPr lvl="1">
+              <a:lnSpc>
+                <a:spcPct val="150000"/>
+              </a:lnSpc>
+            </a:pPr>
+            <a:r>
+              <a:rPr lang="en-US" dirty="0" smtClean="0">
+                <a:solidFill>
+                  <a:srgbClr val="141717"/>
+                </a:solidFill>
+              </a:rPr>
+              <a:t>Different hardware configurations</a:t>
+            </a:r>
           </a:p>
         </p:txBody>
       </p:sp>
@@ -10499,6 +10498,106 @@
         </p:nvSpPr>
         <p:spPr/>
         <p:txBody>
+          <a:bodyPr>
+            <a:normAutofit/>
+          </a:bodyPr>
+          <a:lstStyle/>
+          <a:p>
+            <a:r>
+              <a:rPr lang="en-US" dirty="0" smtClean="0">
+                <a:solidFill>
+                  <a:srgbClr val="141717"/>
+                </a:solidFill>
+                <a:latin typeface="Franklin Gothic Medium"/>
+                <a:cs typeface="Franklin Gothic Medium"/>
+              </a:rPr>
+              <a:t>Code Demo</a:t>
+            </a:r>
+          </a:p>
+        </p:txBody>
+      </p:sp>
+      <p:sp>
+        <p:nvSpPr>
+          <p:cNvPr id="3" name="Content Placeholder 2"/>
+          <p:cNvSpPr>
+            <a:spLocks noGrp="1"/>
+          </p:cNvSpPr>
+          <p:nvPr>
+            <p:ph idx="1"/>
+          </p:nvPr>
+        </p:nvSpPr>
+        <p:spPr/>
+        <p:txBody>
+          <a:bodyPr>
+            <a:normAutofit/>
+          </a:bodyPr>
+          <a:lstStyle/>
+          <a:p>
+            <a:endParaRPr lang="en-US" dirty="0" smtClean="0"/>
+          </a:p>
+          <a:p>
+            <a:endParaRPr lang="en-US" dirty="0" smtClean="0"/>
+          </a:p>
+          <a:p>
+            <a:pPr>
+              <a:buNone/>
+            </a:pPr>
+            <a:endParaRPr lang="en-US" dirty="0" smtClean="0"/>
+          </a:p>
+          <a:p>
+            <a:pPr algn="ctr">
+              <a:buNone/>
+            </a:pPr>
+            <a:r>
+              <a:rPr lang="en-US" sz="2000" dirty="0" smtClean="0">
+                <a:latin typeface="Lucida Console" pitchFamily="49" charset="0"/>
+                <a:hlinkClick r:id="rId3"/>
+              </a:rPr>
+              <a:t>https://github.com/kevinmcmahon/MonoDroid101</a:t>
+            </a:r>
+            <a:endParaRPr lang="en-US" sz="2000" dirty="0" smtClean="0">
+              <a:latin typeface="Lucida Console" pitchFamily="49" charset="0"/>
+            </a:endParaRPr>
+          </a:p>
+        </p:txBody>
+      </p:sp>
+    </p:spTree>
+  </p:cSld>
+  <p:clrMapOvr>
+    <a:masterClrMapping/>
+  </p:clrMapOvr>
+</p:sld>
+</file>
+
+<file path=ppt/slides/slide28.xml><?xml version="1.0" encoding="utf-8"?>
+<p:sld xmlns:a="http://schemas.openxmlformats.org/drawingml/2006/main" xmlns:r="http://schemas.openxmlformats.org/officeDocument/2006/relationships" xmlns:p="http://schemas.openxmlformats.org/presentationml/2006/main">
+  <p:cSld>
+    <p:spTree>
+      <p:nvGrpSpPr>
+        <p:cNvPr id="1" name=""/>
+        <p:cNvGrpSpPr/>
+        <p:nvPr/>
+      </p:nvGrpSpPr>
+      <p:grpSpPr>
+        <a:xfrm>
+          <a:off x="0" y="0"/>
+          <a:ext cx="0" cy="0"/>
+          <a:chOff x="0" y="0"/>
+          <a:chExt cx="0" cy="0"/>
+        </a:xfrm>
+      </p:grpSpPr>
+      <p:sp>
+        <p:nvSpPr>
+          <p:cNvPr id="2" name="Title 1"/>
+          <p:cNvSpPr>
+            <a:spLocks noGrp="1"/>
+          </p:cNvSpPr>
+          <p:nvPr>
+            <p:ph type="title"/>
+          </p:nvPr>
+        </p:nvSpPr>
+        <p:spPr/>
+        <p:txBody>
           <a:bodyPr/>
           <a:lstStyle/>
           <a:p>
@@ -10842,6 +10941,151 @@
           <a:chExt cx="0" cy="0"/>
         </a:xfrm>
       </p:grpSpPr>
+      <p:pic>
+        <p:nvPicPr>
+          <p:cNvPr id="4" name="Content Placeholder 3" descr="Kevin-McMahon.jpg"/>
+          <p:cNvPicPr>
+            <a:picLocks noGrp="1" noChangeAspect="1"/>
+          </p:cNvPicPr>
+          <p:nvPr>
+            <p:ph idx="1"/>
+          </p:nvPr>
+        </p:nvPicPr>
+        <p:blipFill>
+          <a:blip r:embed="rId2">
+            <a:extLst>
+              <a:ext uri="{28A0092B-C50C-407E-A947-70E740481C1C}">
+                <a14:useLocalDpi xmlns:a14="http://schemas.microsoft.com/office/drawing/2010/main" val="0"/>
+              </a:ext>
+            </a:extLst>
+          </a:blip>
+          <a:srcRect t="9480" b="9480"/>
+          <a:stretch>
+            <a:fillRect/>
+          </a:stretch>
+        </p:blipFill>
+        <p:spPr>
+          <a:xfrm>
+            <a:off x="3200400" y="381000"/>
+            <a:ext cx="2692141" cy="2590800"/>
+          </a:xfrm>
+        </p:spPr>
+      </p:pic>
+      <p:sp>
+        <p:nvSpPr>
+          <p:cNvPr id="5" name="TextBox 4"/>
+          <p:cNvSpPr txBox="1"/>
+          <p:nvPr/>
+        </p:nvSpPr>
+        <p:spPr>
+          <a:xfrm>
+            <a:off x="838200" y="3276600"/>
+            <a:ext cx="7848600" cy="1569660"/>
+          </a:xfrm>
+          <a:prstGeom prst="rect">
+            <a:avLst/>
+          </a:prstGeom>
+          <a:noFill/>
+        </p:spPr>
+        <p:txBody>
+          <a:bodyPr wrap="square" rtlCol="0">
+            <a:spAutoFit/>
+          </a:bodyPr>
+          <a:lstStyle/>
+          <a:p>
+            <a:pPr algn="ctr"/>
+            <a:r>
+              <a:rPr lang="en-US" sz="4800" dirty="0" smtClean="0">
+                <a:latin typeface="Times New Roman"/>
+                <a:cs typeface="Times New Roman"/>
+                <a:hlinkClick r:id="rId3"/>
+              </a:rPr>
+              <a:t>http://about.me/kevinmcmahon</a:t>
+            </a:r>
+            <a:endParaRPr lang="en-US" sz="4800" dirty="0" smtClean="0">
+              <a:latin typeface="Times New Roman"/>
+              <a:cs typeface="Times New Roman"/>
+            </a:endParaRPr>
+          </a:p>
+          <a:p>
+            <a:pPr algn="ctr"/>
+            <a:r>
+              <a:rPr lang="en-US" sz="4800" dirty="0" smtClean="0">
+                <a:latin typeface="Times New Roman"/>
+                <a:cs typeface="Times New Roman"/>
+              </a:rPr>
+              <a:t>@</a:t>
+            </a:r>
+            <a:r>
+              <a:rPr lang="en-US" sz="4800" dirty="0" err="1" smtClean="0">
+                <a:latin typeface="Times New Roman"/>
+                <a:cs typeface="Times New Roman"/>
+              </a:rPr>
+              <a:t>klmcmahon</a:t>
+            </a:r>
+            <a:endParaRPr lang="en-US" sz="4800" dirty="0" smtClean="0">
+              <a:latin typeface="Times New Roman"/>
+              <a:cs typeface="Times New Roman"/>
+            </a:endParaRPr>
+          </a:p>
+        </p:txBody>
+      </p:sp>
+      <p:sp>
+        <p:nvSpPr>
+          <p:cNvPr id="9" name="TextBox 8"/>
+          <p:cNvSpPr txBox="1"/>
+          <p:nvPr/>
+        </p:nvSpPr>
+        <p:spPr>
+          <a:xfrm>
+            <a:off x="1778000" y="2981158"/>
+            <a:ext cx="184666" cy="369332"/>
+          </a:xfrm>
+          <a:prstGeom prst="rect">
+            <a:avLst/>
+          </a:prstGeom>
+          <a:noFill/>
+        </p:spPr>
+        <p:txBody>
+          <a:bodyPr wrap="none" rtlCol="0">
+            <a:spAutoFit/>
+          </a:bodyPr>
+          <a:lstStyle/>
+          <a:p>
+            <a:endParaRPr lang="en-US" dirty="0"/>
+          </a:p>
+        </p:txBody>
+      </p:sp>
+    </p:spTree>
+    <p:extLst>
+      <p:ext uri="{BB962C8B-B14F-4D97-AF65-F5344CB8AC3E}">
+        <p14:creationId xmlns:p14="http://schemas.microsoft.com/office/powerpoint/2010/main" val="1847769883"/>
+      </p:ext>
+    </p:extLst>
+  </p:cSld>
+  <p:clrMapOvr>
+    <a:masterClrMapping/>
+  </p:clrMapOvr>
+</p:sld>
+</file>
+
+<file path=ppt/slides/slide4.xml><?xml version="1.0" encoding="utf-8"?>
+<p:sld xmlns:a="http://schemas.openxmlformats.org/drawingml/2006/main" xmlns:r="http://schemas.openxmlformats.org/officeDocument/2006/relationships" xmlns:p="http://schemas.openxmlformats.org/presentationml/2006/main">
+  <p:cSld>
+    <p:spTree>
+      <p:nvGrpSpPr>
+        <p:cNvPr id="1" name=""/>
+        <p:cNvGrpSpPr/>
+        <p:nvPr/>
+      </p:nvGrpSpPr>
+      <p:grpSpPr>
+        <a:xfrm>
+          <a:off x="0" y="0"/>
+          <a:ext cx="0" cy="0"/>
+          <a:chOff x="0" y="0"/>
+          <a:chExt cx="0" cy="0"/>
+        </a:xfrm>
+      </p:grpSpPr>
       <p:sp>
         <p:nvSpPr>
           <p:cNvPr id="2" name="Title 1"/>
@@ -10989,7 +11233,7 @@
 </p:sld>
 </file>
 
-<file path=ppt/slides/slide4.xml><?xml version="1.0" encoding="utf-8"?>
+<file path=ppt/slides/slide5.xml><?xml version="1.0" encoding="utf-8"?>
 <p:sld xmlns:a="http://schemas.openxmlformats.org/drawingml/2006/main" xmlns:r="http://schemas.openxmlformats.org/officeDocument/2006/relationships" xmlns:p="http://schemas.openxmlformats.org/presentationml/2006/main">
   <p:cSld>
     <p:spTree>
@@ -11097,102 +11341,6 @@
 </p:sld>
 </file>
 
-<file path=ppt/slides/slide5.xml><?xml version="1.0" encoding="utf-8"?>
-<p:sld xmlns:a="http://schemas.openxmlformats.org/drawingml/2006/main" xmlns:r="http://schemas.openxmlformats.org/officeDocument/2006/relationships" xmlns:p="http://schemas.openxmlformats.org/presentationml/2006/main">
-  <p:cSld>
-    <p:spTree>
-      <p:nvGrpSpPr>
-        <p:cNvPr id="1" name=""/>
-        <p:cNvGrpSpPr/>
-        <p:nvPr/>
-      </p:nvGrpSpPr>
-      <p:grpSpPr>
-        <a:xfrm>
-          <a:off x="0" y="0"/>
-          <a:ext cx="0" cy="0"/>
-          <a:chOff x="0" y="0"/>
-          <a:chExt cx="0" cy="0"/>
-        </a:xfrm>
-      </p:grpSpPr>
-      <p:sp>
-        <p:nvSpPr>
-          <p:cNvPr id="2" name="Title 1"/>
-          <p:cNvSpPr>
-            <a:spLocks noGrp="1"/>
-          </p:cNvSpPr>
-          <p:nvPr>
-            <p:ph type="title"/>
-          </p:nvPr>
-        </p:nvSpPr>
-        <p:spPr/>
-        <p:txBody>
-          <a:bodyPr/>
-          <a:lstStyle/>
-          <a:p>
-            <a:r>
-              <a:rPr lang="en-US" dirty="0" smtClean="0">
-                <a:latin typeface="Franklin Gothic Medium" pitchFamily="34" charset="0"/>
-              </a:rPr>
-              <a:t>Android</a:t>
-            </a:r>
-            <a:r>
-              <a:rPr lang="en-US" dirty="0" smtClean="0"/>
-              <a:t> </a:t>
-            </a:r>
-            <a:r>
-              <a:rPr lang="en-US" dirty="0" smtClean="0">
-                <a:latin typeface="Franklin Gothic Medium" pitchFamily="34" charset="0"/>
-              </a:rPr>
-              <a:t>Stack</a:t>
-            </a:r>
-          </a:p>
-        </p:txBody>
-      </p:sp>
-      <p:pic>
-        <p:nvPicPr>
-          <p:cNvPr id="5" name="Picture 4"/>
-          <p:cNvPicPr>
-            <a:picLocks noChangeAspect="1"/>
-          </p:cNvPicPr>
-          <p:nvPr/>
-        </p:nvPicPr>
-        <p:blipFill>
-          <a:blip r:embed="rId3" cstate="print">
-            <a:extLst>
-              <a:ext uri="{28A0092B-C50C-407E-A947-70E740481C1C}">
-                <a14:useLocalDpi xmlns:a14="http://schemas.microsoft.com/office/drawing/2010/main" val="0"/>
-              </a:ext>
-            </a:extLst>
-          </a:blip>
-          <a:stretch>
-            <a:fillRect/>
-          </a:stretch>
-        </p:blipFill>
-        <p:spPr>
-          <a:xfrm>
-            <a:off x="1175864" y="1447119"/>
-            <a:ext cx="6792273" cy="4877481"/>
-          </a:xfrm>
-          <a:prstGeom prst="rect">
-            <a:avLst/>
-          </a:prstGeom>
-        </p:spPr>
-      </p:pic>
-    </p:spTree>
-  </p:cSld>
-  <p:clrMapOvr>
-    <a:masterClrMapping/>
-  </p:clrMapOvr>
-  <p:timing>
-    <p:tnLst>
-      <p:par>
-        <p:cTn xmlns:p14="http://schemas.microsoft.com/office/powerpoint/2010/main" id="1" dur="indefinite" restart="never" nodeType="tmRoot"/>
-      </p:par>
-    </p:tnLst>
-  </p:timing>
-</p:sld>
-</file>
-
 <file path=ppt/slides/slide6.xml><?xml version="1.0" encoding="utf-8"?>
 <p:sld xmlns:a="http://schemas.openxmlformats.org/drawingml/2006/main" xmlns:r="http://schemas.openxmlformats.org/officeDocument/2006/relationships" xmlns:p="http://schemas.openxmlformats.org/presentationml/2006/main">
   <p:cSld>
@@ -11227,26 +11375,16 @@
           <a:p>
             <a:r>
               <a:rPr lang="en-US" dirty="0" smtClean="0">
-                <a:solidFill>
-                  <a:srgbClr val="141717"/>
-                </a:solidFill>
                 <a:latin typeface="Franklin Gothic Medium" pitchFamily="34" charset="0"/>
               </a:rPr>
               <a:t>Android</a:t>
             </a:r>
             <a:r>
+              <a:rPr lang="en-US" dirty="0" smtClean="0"/>
+              <a:t> </a:t>
+            </a:r>
+            <a:r>
               <a:rPr lang="en-US" dirty="0" smtClean="0">
-                <a:solidFill>
-                  <a:srgbClr val="141717"/>
-                </a:solidFill>
-              </a:rPr>
-              <a:t> </a:t>
-            </a:r>
-            <a:r>
-              <a:rPr lang="en-US" dirty="0" smtClean="0">
-                <a:solidFill>
-                  <a:srgbClr val="141717"/>
-                </a:solidFill>
                 <a:latin typeface="Franklin Gothic Medium" pitchFamily="34" charset="0"/>
               </a:rPr>
               <a:t>Stack</a:t>
@@ -11263,7 +11401,7 @@
           <p:nvPr/>
         </p:nvPicPr>
         <p:blipFill>
-          <a:blip r:embed="rId2" cstate="print">
+          <a:blip r:embed="rId3" cstate="print">
             <a:extLst>
               <a:ext uri="{28A0092B-C50C-407E-A947-70E740481C1C}">
                 <a14:useLocalDpi xmlns:a14="http://schemas.microsoft.com/office/drawing/2010/main" val="0"/>
@@ -11333,16 +11471,26 @@
           <a:p>
             <a:r>
               <a:rPr lang="en-US" dirty="0" smtClean="0">
+                <a:solidFill>
+                  <a:srgbClr val="141717"/>
+                </a:solidFill>
                 <a:latin typeface="Franklin Gothic Medium" pitchFamily="34" charset="0"/>
               </a:rPr>
               <a:t>Android</a:t>
             </a:r>
             <a:r>
-              <a:rPr lang="en-US" dirty="0" smtClean="0"/>
+              <a:rPr lang="en-US" dirty="0" smtClean="0">
+                <a:solidFill>
+                  <a:srgbClr val="141717"/>
+                </a:solidFill>
+              </a:rPr>
               <a:t> </a:t>
             </a:r>
             <a:r>
               <a:rPr lang="en-US" dirty="0" smtClean="0">
+                <a:solidFill>
+                  <a:srgbClr val="141717"/>
+                </a:solidFill>
                 <a:latin typeface="Franklin Gothic Medium" pitchFamily="34" charset="0"/>
               </a:rPr>
               <a:t>Stack</a:t>
@@ -11352,16 +11500,14 @@
       </p:sp>
       <p:pic>
         <p:nvPicPr>
-          <p:cNvPr id="6" name="Content Placeholder 5"/>
+          <p:cNvPr id="5" name="Picture 4"/>
           <p:cNvPicPr>
-            <a:picLocks noGrp="1" noChangeAspect="1"/>
+            <a:picLocks noChangeAspect="1"/>
           </p:cNvPicPr>
-          <p:nvPr>
-            <p:ph idx="1"/>
-          </p:nvPr>
+          <p:nvPr/>
         </p:nvPicPr>
         <p:blipFill>
-          <a:blip r:embed="rId3" cstate="print">
+          <a:blip r:embed="rId2" cstate="print">
             <a:extLst>
               <a:ext uri="{28A0092B-C50C-407E-A947-70E740481C1C}">
                 <a14:useLocalDpi xmlns:a14="http://schemas.microsoft.com/office/drawing/2010/main" val="0"/>
@@ -11374,8 +11520,8 @@
         </p:blipFill>
         <p:spPr>
           <a:xfrm>
-            <a:off x="1420621" y="1600200"/>
-            <a:ext cx="6302757" cy="4525963"/>
+            <a:off x="1175864" y="1447119"/>
+            <a:ext cx="6792273" cy="4877481"/>
           </a:xfrm>
           <a:prstGeom prst="rect">
             <a:avLst/>
@@ -11431,26 +11577,16 @@
           <a:p>
             <a:r>
               <a:rPr lang="en-US" dirty="0" smtClean="0">
-                <a:solidFill>
-                  <a:srgbClr val="141717"/>
-                </a:solidFill>
                 <a:latin typeface="Franklin Gothic Medium" pitchFamily="34" charset="0"/>
               </a:rPr>
               <a:t>Android</a:t>
             </a:r>
             <a:r>
+              <a:rPr lang="en-US" dirty="0" smtClean="0"/>
+              <a:t> </a:t>
+            </a:r>
+            <a:r>
               <a:rPr lang="en-US" dirty="0" smtClean="0">
-                <a:solidFill>
-                  <a:srgbClr val="141717"/>
-                </a:solidFill>
-              </a:rPr>
-              <a:t> </a:t>
-            </a:r>
-            <a:r>
-              <a:rPr lang="en-US" dirty="0" smtClean="0">
-                <a:solidFill>
-                  <a:srgbClr val="141717"/>
-                </a:solidFill>
                 <a:latin typeface="Franklin Gothic Medium" pitchFamily="34" charset="0"/>
               </a:rPr>
               <a:t>Stack</a:t>
@@ -11469,7 +11605,7 @@
           </p:nvPr>
         </p:nvPicPr>
         <p:blipFill>
-          <a:blip r:embed="rId2" cstate="print">
+          <a:blip r:embed="rId3" cstate="print">
             <a:extLst>
               <a:ext uri="{28A0092B-C50C-407E-A947-70E740481C1C}">
                 <a14:useLocalDpi xmlns:a14="http://schemas.microsoft.com/office/drawing/2010/main" val="0"/>
@@ -11534,9 +11670,7 @@
         </p:nvSpPr>
         <p:spPr/>
         <p:txBody>
-          <a:bodyPr>
-            <a:normAutofit/>
-          </a:bodyPr>
+          <a:bodyPr/>
           <a:lstStyle/>
           <a:p>
             <a:r>
@@ -11546,153 +11680,60 @@
                 </a:solidFill>
                 <a:latin typeface="Franklin Gothic Medium" pitchFamily="34" charset="0"/>
               </a:rPr>
-              <a:t>Dalvik Virtual Machine</a:t>
-            </a:r>
-            <a:endParaRPr lang="en-US" dirty="0">
-              <a:solidFill>
-                <a:srgbClr val="141717"/>
-              </a:solidFill>
-              <a:latin typeface="Franklin Gothic Medium" pitchFamily="34" charset="0"/>
-            </a:endParaRPr>
-          </a:p>
-        </p:txBody>
-      </p:sp>
-      <p:sp>
-        <p:nvSpPr>
-          <p:cNvPr id="3" name="Content Placeholder 2"/>
-          <p:cNvSpPr>
-            <a:spLocks noGrp="1"/>
-          </p:cNvSpPr>
+              <a:t>Android</a:t>
+            </a:r>
+            <a:r>
+              <a:rPr lang="en-US" dirty="0" smtClean="0">
+                <a:solidFill>
+                  <a:srgbClr val="141717"/>
+                </a:solidFill>
+              </a:rPr>
+              <a:t> </a:t>
+            </a:r>
+            <a:r>
+              <a:rPr lang="en-US" dirty="0" smtClean="0">
+                <a:solidFill>
+                  <a:srgbClr val="141717"/>
+                </a:solidFill>
+                <a:latin typeface="Franklin Gothic Medium" pitchFamily="34" charset="0"/>
+              </a:rPr>
+              <a:t>Stack</a:t>
+            </a:r>
+          </a:p>
+        </p:txBody>
+      </p:sp>
+      <p:pic>
+        <p:nvPicPr>
+          <p:cNvPr id="6" name="Content Placeholder 5"/>
+          <p:cNvPicPr>
+            <a:picLocks noGrp="1" noChangeAspect="1"/>
+          </p:cNvPicPr>
           <p:nvPr>
             <p:ph idx="1"/>
           </p:nvPr>
-        </p:nvSpPr>
-        <p:spPr/>
-        <p:txBody>
-          <a:bodyPr>
-            <a:normAutofit/>
-          </a:bodyPr>
-          <a:lstStyle/>
-          <a:p>
-            <a:r>
-              <a:rPr lang="en-US" dirty="0" smtClean="0">
-                <a:solidFill>
-                  <a:srgbClr val="141717"/>
-                </a:solidFill>
-              </a:rPr>
-              <a:t>Dalvik Virtual Machine</a:t>
-            </a:r>
-          </a:p>
-          <a:p>
-            <a:pPr lvl="1"/>
-            <a:r>
-              <a:rPr lang="en-US" dirty="0" smtClean="0">
-                <a:solidFill>
-                  <a:srgbClr val="141717"/>
-                </a:solidFill>
-              </a:rPr>
-              <a:t>Register-based</a:t>
-            </a:r>
-          </a:p>
-          <a:p>
-            <a:pPr lvl="1"/>
-            <a:r>
-              <a:rPr lang="en-US" dirty="0" smtClean="0">
-                <a:solidFill>
-                  <a:srgbClr val="141717"/>
-                </a:solidFill>
-              </a:rPr>
-              <a:t>Runs multiple </a:t>
-            </a:r>
-            <a:r>
-              <a:rPr lang="en-US" dirty="0" err="1" smtClean="0">
-                <a:solidFill>
-                  <a:srgbClr val="141717"/>
-                </a:solidFill>
-              </a:rPr>
-              <a:t>VMs</a:t>
-            </a:r>
-            <a:r>
-              <a:rPr lang="en-US" dirty="0" smtClean="0">
-                <a:solidFill>
-                  <a:srgbClr val="141717"/>
-                </a:solidFill>
-              </a:rPr>
-              <a:t> efficiently</a:t>
-            </a:r>
-          </a:p>
-          <a:p>
-            <a:pPr lvl="1"/>
-            <a:r>
-              <a:rPr lang="en-US" dirty="0" smtClean="0">
-                <a:solidFill>
-                  <a:srgbClr val="141717"/>
-                </a:solidFill>
-              </a:rPr>
-              <a:t>Requires a .class to .</a:t>
-            </a:r>
-            <a:r>
-              <a:rPr lang="en-US" dirty="0" err="1" smtClean="0">
-                <a:solidFill>
-                  <a:srgbClr val="141717"/>
-                </a:solidFill>
-              </a:rPr>
-              <a:t>dex</a:t>
-            </a:r>
-            <a:r>
-              <a:rPr lang="en-US" dirty="0" smtClean="0">
-                <a:solidFill>
-                  <a:srgbClr val="141717"/>
-                </a:solidFill>
-              </a:rPr>
-              <a:t> transformation</a:t>
-            </a:r>
-          </a:p>
-          <a:p>
-            <a:pPr lvl="1"/>
-            <a:r>
-              <a:rPr lang="en-US" dirty="0" smtClean="0">
-                <a:solidFill>
-                  <a:srgbClr val="141717"/>
-                </a:solidFill>
-              </a:rPr>
-              <a:t>JIT (as of Android 2.2)</a:t>
-            </a:r>
-          </a:p>
-          <a:p>
-            <a:r>
-              <a:rPr lang="en-US" dirty="0" smtClean="0">
-                <a:solidFill>
-                  <a:srgbClr val="141717"/>
-                </a:solidFill>
-              </a:rPr>
-              <a:t>Each Android Application:</a:t>
-            </a:r>
-          </a:p>
-          <a:p>
-            <a:pPr lvl="1"/>
-            <a:r>
-              <a:rPr lang="en-US" dirty="0" smtClean="0">
-                <a:solidFill>
-                  <a:srgbClr val="141717"/>
-                </a:solidFill>
-              </a:rPr>
-              <a:t>Runs in their own process </a:t>
-            </a:r>
-          </a:p>
-          <a:p>
-            <a:pPr lvl="1"/>
-            <a:r>
-              <a:rPr lang="en-US" dirty="0" smtClean="0">
-                <a:solidFill>
-                  <a:srgbClr val="141717"/>
-                </a:solidFill>
-              </a:rPr>
-              <a:t>Runs on their own VM</a:t>
-            </a:r>
-          </a:p>
-        </p:txBody>
-      </p:sp>
+        </p:nvPicPr>
+        <p:blipFill>
+          <a:blip r:embed="rId2" cstate="print">
+            <a:extLst>
+              <a:ext uri="{28A0092B-C50C-407E-A947-70E740481C1C}">
+                <a14:useLocalDpi xmlns:a14="http://schemas.microsoft.com/office/drawing/2010/main" val="0"/>
+              </a:ext>
+            </a:extLst>
+          </a:blip>
+          <a:stretch>
+            <a:fillRect/>
+          </a:stretch>
+        </p:blipFill>
+        <p:spPr>
+          <a:xfrm>
+            <a:off x="1420621" y="1600200"/>
+            <a:ext cx="6302757" cy="4525963"/>
+          </a:xfrm>
+          <a:prstGeom prst="rect">
+            <a:avLst/>
+          </a:prstGeom>
+        </p:spPr>
+      </p:pic>
     </p:spTree>
   </p:cSld>
   <p:clrMapOvr>

--- a/slides/Monodroid101.pptx
+++ b/slides/Monodroid101.pptx
@@ -5,7 +5,7 @@
     <p:sldMasterId id="2147483696" r:id="rId1"/>
   </p:sldMasterIdLst>
   <p:notesMasterIdLst>
-    <p:notesMasterId r:id="rId30"/>
+    <p:notesMasterId r:id="rId37"/>
   </p:notesMasterIdLst>
   <p:sldIdLst>
     <p:sldId id="256" r:id="rId2"/>
@@ -20,22 +20,29 @@
     <p:sldId id="277" r:id="rId11"/>
     <p:sldId id="267" r:id="rId12"/>
     <p:sldId id="268" r:id="rId13"/>
-    <p:sldId id="266" r:id="rId14"/>
-    <p:sldId id="271" r:id="rId15"/>
-    <p:sldId id="262" r:id="rId16"/>
-    <p:sldId id="272" r:id="rId17"/>
-    <p:sldId id="260" r:id="rId18"/>
-    <p:sldId id="263" r:id="rId19"/>
-    <p:sldId id="269" r:id="rId20"/>
-    <p:sldId id="270" r:id="rId21"/>
-    <p:sldId id="273" r:id="rId22"/>
-    <p:sldId id="278" r:id="rId23"/>
-    <p:sldId id="286" r:id="rId24"/>
-    <p:sldId id="274" r:id="rId25"/>
-    <p:sldId id="287" r:id="rId26"/>
-    <p:sldId id="279" r:id="rId27"/>
-    <p:sldId id="280" r:id="rId28"/>
-    <p:sldId id="259" r:id="rId29"/>
+    <p:sldId id="289" r:id="rId14"/>
+    <p:sldId id="290" r:id="rId15"/>
+    <p:sldId id="291" r:id="rId16"/>
+    <p:sldId id="266" r:id="rId17"/>
+    <p:sldId id="271" r:id="rId18"/>
+    <p:sldId id="262" r:id="rId19"/>
+    <p:sldId id="292" r:id="rId20"/>
+    <p:sldId id="293" r:id="rId21"/>
+    <p:sldId id="294" r:id="rId22"/>
+    <p:sldId id="295" r:id="rId23"/>
+    <p:sldId id="272" r:id="rId24"/>
+    <p:sldId id="260" r:id="rId25"/>
+    <p:sldId id="263" r:id="rId26"/>
+    <p:sldId id="269" r:id="rId27"/>
+    <p:sldId id="270" r:id="rId28"/>
+    <p:sldId id="273" r:id="rId29"/>
+    <p:sldId id="278" r:id="rId30"/>
+    <p:sldId id="286" r:id="rId31"/>
+    <p:sldId id="274" r:id="rId32"/>
+    <p:sldId id="287" r:id="rId33"/>
+    <p:sldId id="279" r:id="rId34"/>
+    <p:sldId id="280" r:id="rId35"/>
+    <p:sldId id="259" r:id="rId36"/>
   </p:sldIdLst>
   <p:sldSz cx="9144000" cy="6858000" type="screen4x3"/>
   <p:notesSz cx="6858000" cy="9144000"/>
@@ -4502,7 +4509,7 @@
             <a:fld id="{DA2E8BC1-B6F3-3D4E-8CDE-8AF731476279}" type="slidenum">
               <a:rPr lang="en-US" smtClean="0"/>
               <a:pPr/>
-              <a:t>13</a:t>
+              <a:t>16</a:t>
             </a:fld>
             <a:endParaRPr lang="en-US"/>
           </a:p>
@@ -4600,7 +4607,7 @@
             <a:fld id="{DA2E8BC1-B6F3-3D4E-8CDE-8AF731476279}" type="slidenum">
               <a:rPr lang="en-US" smtClean="0"/>
               <a:pPr/>
-              <a:t>26</a:t>
+              <a:t>33</a:t>
             </a:fld>
             <a:endParaRPr lang="en-US" dirty="0"/>
           </a:p>
@@ -4779,7 +4786,7 @@
             <a:fld id="{DA2E8BC1-B6F3-3D4E-8CDE-8AF731476279}" type="slidenum">
               <a:rPr lang="en-US" smtClean="0"/>
               <a:pPr/>
-              <a:t>27</a:t>
+              <a:t>34</a:t>
             </a:fld>
             <a:endParaRPr lang="en-US" dirty="0"/>
           </a:p>
@@ -8420,6 +8427,186 @@
           <a:chExt cx="0" cy="0"/>
         </a:xfrm>
       </p:grpSpPr>
+      <p:pic>
+        <p:nvPicPr>
+          <p:cNvPr id="2" name="Picture 1" descr="android-dalvik-mono-1.png"/>
+          <p:cNvPicPr>
+            <a:picLocks noChangeAspect="1"/>
+          </p:cNvPicPr>
+          <p:nvPr/>
+        </p:nvPicPr>
+        <p:blipFill>
+          <a:blip r:embed="rId2">
+            <a:extLst>
+              <a:ext uri="{28A0092B-C50C-407E-A947-70E740481C1C}">
+                <a14:useLocalDpi xmlns:a14="http://schemas.microsoft.com/office/drawing/2010/main" val="0"/>
+              </a:ext>
+            </a:extLst>
+          </a:blip>
+          <a:stretch>
+            <a:fillRect/>
+          </a:stretch>
+        </p:blipFill>
+        <p:spPr>
+          <a:xfrm>
+            <a:off x="825500" y="254000"/>
+            <a:ext cx="7480300" cy="6337300"/>
+          </a:xfrm>
+          <a:prstGeom prst="rect">
+            <a:avLst/>
+          </a:prstGeom>
+        </p:spPr>
+      </p:pic>
+    </p:spTree>
+    <p:extLst>
+      <p:ext uri="{BB962C8B-B14F-4D97-AF65-F5344CB8AC3E}">
+        <p14:creationId xmlns:p14="http://schemas.microsoft.com/office/powerpoint/2010/main" val="1137735060"/>
+      </p:ext>
+    </p:extLst>
+  </p:cSld>
+  <p:clrMapOvr>
+    <a:masterClrMapping/>
+  </p:clrMapOvr>
+</p:sld>
+</file>
+
+<file path=ppt/slides/slide14.xml><?xml version="1.0" encoding="utf-8"?>
+<p:sld xmlns:a="http://schemas.openxmlformats.org/drawingml/2006/main" xmlns:r="http://schemas.openxmlformats.org/officeDocument/2006/relationships" xmlns:p="http://schemas.openxmlformats.org/presentationml/2006/main">
+  <p:cSld>
+    <p:spTree>
+      <p:nvGrpSpPr>
+        <p:cNvPr id="1" name=""/>
+        <p:cNvGrpSpPr/>
+        <p:nvPr/>
+      </p:nvGrpSpPr>
+      <p:grpSpPr>
+        <a:xfrm>
+          <a:off x="0" y="0"/>
+          <a:ext cx="0" cy="0"/>
+          <a:chOff x="0" y="0"/>
+          <a:chExt cx="0" cy="0"/>
+        </a:xfrm>
+      </p:grpSpPr>
+      <p:pic>
+        <p:nvPicPr>
+          <p:cNvPr id="2" name="Picture 1" descr="android-dalvik-mono-2.png"/>
+          <p:cNvPicPr>
+            <a:picLocks noChangeAspect="1"/>
+          </p:cNvPicPr>
+          <p:nvPr/>
+        </p:nvPicPr>
+        <p:blipFill>
+          <a:blip r:embed="rId2">
+            <a:extLst>
+              <a:ext uri="{28A0092B-C50C-407E-A947-70E740481C1C}">
+                <a14:useLocalDpi xmlns:a14="http://schemas.microsoft.com/office/drawing/2010/main" val="0"/>
+              </a:ext>
+            </a:extLst>
+          </a:blip>
+          <a:stretch>
+            <a:fillRect/>
+          </a:stretch>
+        </p:blipFill>
+        <p:spPr>
+          <a:xfrm>
+            <a:off x="825500" y="254000"/>
+            <a:ext cx="7480300" cy="6337300"/>
+          </a:xfrm>
+          <a:prstGeom prst="rect">
+            <a:avLst/>
+          </a:prstGeom>
+        </p:spPr>
+      </p:pic>
+    </p:spTree>
+    <p:extLst>
+      <p:ext uri="{BB962C8B-B14F-4D97-AF65-F5344CB8AC3E}">
+        <p14:creationId xmlns:p14="http://schemas.microsoft.com/office/powerpoint/2010/main" val="2330110946"/>
+      </p:ext>
+    </p:extLst>
+  </p:cSld>
+  <p:clrMapOvr>
+    <a:masterClrMapping/>
+  </p:clrMapOvr>
+</p:sld>
+</file>
+
+<file path=ppt/slides/slide15.xml><?xml version="1.0" encoding="utf-8"?>
+<p:sld xmlns:a="http://schemas.openxmlformats.org/drawingml/2006/main" xmlns:r="http://schemas.openxmlformats.org/officeDocument/2006/relationships" xmlns:p="http://schemas.openxmlformats.org/presentationml/2006/main">
+  <p:cSld>
+    <p:spTree>
+      <p:nvGrpSpPr>
+        <p:cNvPr id="1" name=""/>
+        <p:cNvGrpSpPr/>
+        <p:nvPr/>
+      </p:nvGrpSpPr>
+      <p:grpSpPr>
+        <a:xfrm>
+          <a:off x="0" y="0"/>
+          <a:ext cx="0" cy="0"/>
+          <a:chOff x="0" y="0"/>
+          <a:chExt cx="0" cy="0"/>
+        </a:xfrm>
+      </p:grpSpPr>
+      <p:pic>
+        <p:nvPicPr>
+          <p:cNvPr id="2" name="Picture 1" descr="android-dalvik-mono-3.png"/>
+          <p:cNvPicPr>
+            <a:picLocks noChangeAspect="1"/>
+          </p:cNvPicPr>
+          <p:nvPr/>
+        </p:nvPicPr>
+        <p:blipFill>
+          <a:blip r:embed="rId2">
+            <a:extLst>
+              <a:ext uri="{28A0092B-C50C-407E-A947-70E740481C1C}">
+                <a14:useLocalDpi xmlns:a14="http://schemas.microsoft.com/office/drawing/2010/main" val="0"/>
+              </a:ext>
+            </a:extLst>
+          </a:blip>
+          <a:stretch>
+            <a:fillRect/>
+          </a:stretch>
+        </p:blipFill>
+        <p:spPr>
+          <a:xfrm>
+            <a:off x="825500" y="254000"/>
+            <a:ext cx="7480300" cy="6337300"/>
+          </a:xfrm>
+          <a:prstGeom prst="rect">
+            <a:avLst/>
+          </a:prstGeom>
+        </p:spPr>
+      </p:pic>
+    </p:spTree>
+    <p:extLst>
+      <p:ext uri="{BB962C8B-B14F-4D97-AF65-F5344CB8AC3E}">
+        <p14:creationId xmlns:p14="http://schemas.microsoft.com/office/powerpoint/2010/main" val="2155255300"/>
+      </p:ext>
+    </p:extLst>
+  </p:cSld>
+  <p:clrMapOvr>
+    <a:masterClrMapping/>
+  </p:clrMapOvr>
+</p:sld>
+</file>
+
+<file path=ppt/slides/slide16.xml><?xml version="1.0" encoding="utf-8"?>
+<p:sld xmlns:a="http://schemas.openxmlformats.org/drawingml/2006/main" xmlns:r="http://schemas.openxmlformats.org/officeDocument/2006/relationships" xmlns:p="http://schemas.openxmlformats.org/presentationml/2006/main">
+  <p:cSld>
+    <p:spTree>
+      <p:nvGrpSpPr>
+        <p:cNvPr id="1" name=""/>
+        <p:cNvGrpSpPr/>
+        <p:nvPr/>
+      </p:nvGrpSpPr>
+      <p:grpSpPr>
+        <a:xfrm>
+          <a:off x="0" y="0"/>
+          <a:ext cx="0" cy="0"/>
+          <a:chOff x="0" y="0"/>
+          <a:chExt cx="0" cy="0"/>
+        </a:xfrm>
+      </p:grpSpPr>
       <p:sp>
         <p:nvSpPr>
           <p:cNvPr id="2" name="Title 1"/>
@@ -8493,530 +8680,6 @@
 </p:sld>
 </file>
 
-<file path=ppt/slides/slide14.xml><?xml version="1.0" encoding="utf-8"?>
-<p:sld xmlns:a="http://schemas.openxmlformats.org/drawingml/2006/main" xmlns:r="http://schemas.openxmlformats.org/officeDocument/2006/relationships" xmlns:p="http://schemas.openxmlformats.org/presentationml/2006/main">
-  <p:cSld>
-    <p:spTree>
-      <p:nvGrpSpPr>
-        <p:cNvPr id="1" name=""/>
-        <p:cNvGrpSpPr/>
-        <p:nvPr/>
-      </p:nvGrpSpPr>
-      <p:grpSpPr>
-        <a:xfrm>
-          <a:off x="0" y="0"/>
-          <a:ext cx="0" cy="0"/>
-          <a:chOff x="0" y="0"/>
-          <a:chExt cx="0" cy="0"/>
-        </a:xfrm>
-      </p:grpSpPr>
-      <p:sp>
-        <p:nvSpPr>
-          <p:cNvPr id="2" name="Title 1"/>
-          <p:cNvSpPr>
-            <a:spLocks noGrp="1"/>
-          </p:cNvSpPr>
-          <p:nvPr>
-            <p:ph type="title"/>
-          </p:nvPr>
-        </p:nvSpPr>
-        <p:spPr/>
-        <p:txBody>
-          <a:bodyPr>
-            <a:normAutofit fontScale="90000"/>
-          </a:bodyPr>
-          <a:lstStyle/>
-          <a:p>
-            <a:r>
-              <a:rPr lang="en-US" dirty="0" smtClean="0">
-                <a:latin typeface="Franklin Gothic Medium"/>
-                <a:cs typeface="Franklin Gothic Medium"/>
-              </a:rPr>
-              <a:t>Mono for Android Design Principles</a:t>
-            </a:r>
-            <a:endParaRPr lang="en-US" dirty="0">
-              <a:latin typeface="Franklin Gothic Medium"/>
-              <a:cs typeface="Franklin Gothic Medium"/>
-            </a:endParaRPr>
-          </a:p>
-        </p:txBody>
-      </p:sp>
-      <p:sp>
-        <p:nvSpPr>
-          <p:cNvPr id="3" name="Content Placeholder 2"/>
-          <p:cNvSpPr>
-            <a:spLocks noGrp="1"/>
-          </p:cNvSpPr>
-          <p:nvPr>
-            <p:ph idx="1"/>
-          </p:nvPr>
-        </p:nvSpPr>
-        <p:spPr/>
-        <p:txBody>
-          <a:bodyPr>
-            <a:normAutofit/>
-          </a:bodyPr>
-          <a:lstStyle/>
-          <a:p>
-            <a:pPr>
-              <a:lnSpc>
-                <a:spcPct val="160000"/>
-              </a:lnSpc>
-            </a:pPr>
-            <a:r>
-              <a:rPr lang="en-US" dirty="0" smtClean="0"/>
-              <a:t>Follow the Framework Design Guidelines</a:t>
-            </a:r>
-          </a:p>
-          <a:p>
-            <a:pPr>
-              <a:lnSpc>
-                <a:spcPct val="160000"/>
-              </a:lnSpc>
-            </a:pPr>
-            <a:r>
-              <a:rPr lang="en-US" dirty="0" smtClean="0"/>
-              <a:t>Allow developers to subclass any Java class</a:t>
-            </a:r>
-          </a:p>
-          <a:p>
-            <a:pPr>
-              <a:lnSpc>
-                <a:spcPct val="160000"/>
-              </a:lnSpc>
-            </a:pPr>
-            <a:r>
-              <a:rPr lang="en-US" dirty="0" smtClean="0"/>
-              <a:t>C# delegates (lambdas, anonymous methods)</a:t>
-            </a:r>
-          </a:p>
-          <a:p>
-            <a:pPr>
-              <a:lnSpc>
-                <a:spcPct val="160000"/>
-              </a:lnSpc>
-            </a:pPr>
-            <a:r>
-              <a:rPr lang="en-US" dirty="0" smtClean="0"/>
-              <a:t>Java properties as C# properties</a:t>
-            </a:r>
-          </a:p>
-          <a:p>
-            <a:pPr>
-              <a:lnSpc>
-                <a:spcPct val="160000"/>
-              </a:lnSpc>
-            </a:pPr>
-            <a:r>
-              <a:rPr lang="en-US" dirty="0" smtClean="0"/>
-              <a:t>Strongly typed API</a:t>
-            </a:r>
-          </a:p>
-          <a:p>
-            <a:pPr>
-              <a:lnSpc>
-                <a:spcPct val="160000"/>
-              </a:lnSpc>
-            </a:pPr>
-            <a:endParaRPr lang="en-US" dirty="0"/>
-          </a:p>
-        </p:txBody>
-      </p:sp>
-    </p:spTree>
-  </p:cSld>
-  <p:clrMapOvr>
-    <a:masterClrMapping/>
-  </p:clrMapOvr>
-</p:sld>
-</file>
-
-<file path=ppt/slides/slide15.xml><?xml version="1.0" encoding="utf-8"?>
-<p:sld xmlns:a="http://schemas.openxmlformats.org/drawingml/2006/main" xmlns:r="http://schemas.openxmlformats.org/officeDocument/2006/relationships" xmlns:p="http://schemas.openxmlformats.org/presentationml/2006/main">
-  <p:cSld>
-    <p:spTree>
-      <p:nvGrpSpPr>
-        <p:cNvPr id="1" name=""/>
-        <p:cNvGrpSpPr/>
-        <p:nvPr/>
-      </p:nvGrpSpPr>
-      <p:grpSpPr>
-        <a:xfrm>
-          <a:off x="0" y="0"/>
-          <a:ext cx="0" cy="0"/>
-          <a:chOff x="0" y="0"/>
-          <a:chExt cx="0" cy="0"/>
-        </a:xfrm>
-      </p:grpSpPr>
-      <p:sp>
-        <p:nvSpPr>
-          <p:cNvPr id="2" name="Title 1"/>
-          <p:cNvSpPr>
-            <a:spLocks noGrp="1"/>
-          </p:cNvSpPr>
-          <p:nvPr>
-            <p:ph type="title"/>
-          </p:nvPr>
-        </p:nvSpPr>
-        <p:spPr/>
-        <p:txBody>
-          <a:bodyPr>
-            <a:normAutofit/>
-          </a:bodyPr>
-          <a:lstStyle/>
-          <a:p>
-            <a:r>
-              <a:rPr lang="en-US" dirty="0" smtClean="0">
-                <a:solidFill>
-                  <a:srgbClr val="141717"/>
-                </a:solidFill>
-                <a:latin typeface="Franklin Gothic Medium"/>
-                <a:cs typeface="Franklin Gothic Medium"/>
-              </a:rPr>
-              <a:t>Why use Mono for Android?</a:t>
-            </a:r>
-            <a:endParaRPr lang="en-US" dirty="0">
-              <a:solidFill>
-                <a:srgbClr val="141717"/>
-              </a:solidFill>
-              <a:latin typeface="Franklin Gothic Medium"/>
-              <a:cs typeface="Franklin Gothic Medium"/>
-            </a:endParaRPr>
-          </a:p>
-        </p:txBody>
-      </p:sp>
-      <p:sp>
-        <p:nvSpPr>
-          <p:cNvPr id="3" name="Content Placeholder 2"/>
-          <p:cNvSpPr>
-            <a:spLocks noGrp="1"/>
-          </p:cNvSpPr>
-          <p:nvPr>
-            <p:ph idx="1"/>
-          </p:nvPr>
-        </p:nvSpPr>
-        <p:spPr/>
-        <p:txBody>
-          <a:bodyPr>
-            <a:normAutofit fontScale="85000" lnSpcReduction="20000"/>
-          </a:bodyPr>
-          <a:lstStyle/>
-          <a:p>
-            <a:r>
-              <a:rPr lang="en-US" dirty="0" smtClean="0">
-                <a:solidFill>
-                  <a:srgbClr val="141717"/>
-                </a:solidFill>
-              </a:rPr>
-              <a:t>Mono for Android story not as compelling as MonoTouch.</a:t>
-            </a:r>
-          </a:p>
-          <a:p>
-            <a:pPr lvl="1"/>
-            <a:r>
-              <a:rPr lang="en-US" dirty="0" smtClean="0">
-                <a:solidFill>
-                  <a:srgbClr val="141717"/>
-                </a:solidFill>
-              </a:rPr>
-              <a:t>GC, decent IDE, not Objective-C</a:t>
-            </a:r>
-          </a:p>
-          <a:p>
-            <a:r>
-              <a:rPr lang="en-US" dirty="0" smtClean="0">
-                <a:solidFill>
-                  <a:srgbClr val="141717"/>
-                </a:solidFill>
-              </a:rPr>
-              <a:t>Opportunities for re-use across platforms</a:t>
-            </a:r>
-          </a:p>
-          <a:p>
-            <a:pPr lvl="1"/>
-            <a:r>
-              <a:rPr lang="en-US" dirty="0" smtClean="0">
-                <a:solidFill>
-                  <a:srgbClr val="141717"/>
-                </a:solidFill>
-              </a:rPr>
-              <a:t>iOS, Android, Windows Phone 7 non-UI components</a:t>
-            </a:r>
-          </a:p>
-          <a:p>
-            <a:pPr lvl="1"/>
-            <a:r>
-              <a:rPr lang="en-US" dirty="0" err="1" smtClean="0">
-                <a:solidFill>
-                  <a:srgbClr val="141717"/>
-                </a:solidFill>
-              </a:rPr>
-              <a:t>MonoGame</a:t>
-            </a:r>
-            <a:r>
-              <a:rPr lang="en-US" dirty="0">
-                <a:solidFill>
-                  <a:srgbClr val="141717"/>
-                </a:solidFill>
-              </a:rPr>
-              <a:t> </a:t>
-            </a:r>
-            <a:r>
-              <a:rPr lang="en-US" dirty="0" smtClean="0">
-                <a:solidFill>
-                  <a:srgbClr val="141717"/>
-                </a:solidFill>
-              </a:rPr>
-              <a:t>which is a port of XNA</a:t>
-            </a:r>
-          </a:p>
-          <a:p>
-            <a:r>
-              <a:rPr lang="en-US" dirty="0" smtClean="0">
-                <a:solidFill>
-                  <a:srgbClr val="141717"/>
-                </a:solidFill>
-              </a:rPr>
-              <a:t>Development tooling and environment</a:t>
-            </a:r>
-          </a:p>
-          <a:p>
-            <a:pPr lvl="1"/>
-            <a:r>
-              <a:rPr lang="en-US" dirty="0" smtClean="0">
-                <a:solidFill>
-                  <a:srgbClr val="141717"/>
-                </a:solidFill>
-              </a:rPr>
-              <a:t>Visual Studio</a:t>
-            </a:r>
-          </a:p>
-          <a:p>
-            <a:pPr lvl="1"/>
-            <a:r>
-              <a:rPr lang="en-US" dirty="0" err="1" smtClean="0">
-                <a:solidFill>
-                  <a:srgbClr val="141717"/>
-                </a:solidFill>
-              </a:rPr>
-              <a:t>MonoDevelop</a:t>
-            </a:r>
-            <a:endParaRPr lang="en-US" dirty="0" smtClean="0">
-              <a:solidFill>
-                <a:srgbClr val="141717"/>
-              </a:solidFill>
-            </a:endParaRPr>
-          </a:p>
-          <a:p>
-            <a:r>
-              <a:rPr lang="en-US" dirty="0" smtClean="0">
-                <a:solidFill>
-                  <a:srgbClr val="141717"/>
-                </a:solidFill>
-              </a:rPr>
-              <a:t>C# &gt; Java</a:t>
-            </a:r>
-          </a:p>
-          <a:p>
-            <a:pPr lvl="1"/>
-            <a:r>
-              <a:rPr lang="en-US" dirty="0" smtClean="0">
-                <a:solidFill>
-                  <a:srgbClr val="141717"/>
-                </a:solidFill>
-              </a:rPr>
-              <a:t>Friction still due to Java idioms and architecture.</a:t>
-            </a:r>
-          </a:p>
-        </p:txBody>
-      </p:sp>
-    </p:spTree>
-  </p:cSld>
-  <p:clrMapOvr>
-    <a:masterClrMapping/>
-  </p:clrMapOvr>
-</p:sld>
-</file>
-
-<file path=ppt/slides/slide16.xml><?xml version="1.0" encoding="utf-8"?>
-<p:sld xmlns:a="http://schemas.openxmlformats.org/drawingml/2006/main" xmlns:r="http://schemas.openxmlformats.org/officeDocument/2006/relationships" xmlns:p="http://schemas.openxmlformats.org/presentationml/2006/main">
-  <p:cSld>
-    <p:spTree>
-      <p:nvGrpSpPr>
-        <p:cNvPr id="1" name=""/>
-        <p:cNvGrpSpPr/>
-        <p:nvPr/>
-      </p:nvGrpSpPr>
-      <p:grpSpPr>
-        <a:xfrm>
-          <a:off x="0" y="0"/>
-          <a:ext cx="0" cy="0"/>
-          <a:chOff x="0" y="0"/>
-          <a:chExt cx="0" cy="0"/>
-        </a:xfrm>
-      </p:grpSpPr>
-      <p:sp>
-        <p:nvSpPr>
-          <p:cNvPr id="2" name="Title 1"/>
-          <p:cNvSpPr>
-            <a:spLocks noGrp="1"/>
-          </p:cNvSpPr>
-          <p:nvPr>
-            <p:ph type="title"/>
-          </p:nvPr>
-        </p:nvSpPr>
-        <p:spPr/>
-        <p:txBody>
-          <a:bodyPr/>
-          <a:lstStyle/>
-          <a:p>
-            <a:r>
-              <a:rPr lang="en-US" dirty="0" smtClean="0">
-                <a:solidFill>
-                  <a:srgbClr val="141717"/>
-                </a:solidFill>
-                <a:latin typeface="Franklin Gothic Medium"/>
-                <a:cs typeface="Franklin Gothic Medium"/>
-              </a:rPr>
-              <a:t>Deployment Options</a:t>
-            </a:r>
-            <a:endParaRPr lang="en-US" dirty="0">
-              <a:solidFill>
-                <a:srgbClr val="141717"/>
-              </a:solidFill>
-              <a:latin typeface="Franklin Gothic Medium"/>
-              <a:cs typeface="Franklin Gothic Medium"/>
-            </a:endParaRPr>
-          </a:p>
-        </p:txBody>
-      </p:sp>
-      <p:sp>
-        <p:nvSpPr>
-          <p:cNvPr id="3" name="Content Placeholder 2"/>
-          <p:cNvSpPr>
-            <a:spLocks noGrp="1"/>
-          </p:cNvSpPr>
-          <p:nvPr>
-            <p:ph idx="1"/>
-          </p:nvPr>
-        </p:nvSpPr>
-        <p:spPr/>
-        <p:txBody>
-          <a:bodyPr>
-            <a:normAutofit/>
-          </a:bodyPr>
-          <a:lstStyle/>
-          <a:p>
-            <a:pPr>
-              <a:spcAft>
-                <a:spcPts val="1200"/>
-              </a:spcAft>
-            </a:pPr>
-            <a:r>
-              <a:rPr lang="en-US" sz="2800" dirty="0" smtClean="0">
-                <a:solidFill>
-                  <a:srgbClr val="141717"/>
-                </a:solidFill>
-              </a:rPr>
-              <a:t>Deploy to Android Virtual Device</a:t>
-            </a:r>
-          </a:p>
-          <a:p>
-            <a:pPr>
-              <a:spcAft>
-                <a:spcPts val="1200"/>
-              </a:spcAft>
-            </a:pPr>
-            <a:r>
-              <a:rPr lang="en-US" sz="2800" dirty="0" smtClean="0">
-                <a:solidFill>
-                  <a:srgbClr val="141717"/>
-                </a:solidFill>
-              </a:rPr>
-              <a:t>Deploy to Device</a:t>
-            </a:r>
-          </a:p>
-          <a:p>
-            <a:pPr>
-              <a:spcAft>
-                <a:spcPts val="1200"/>
-              </a:spcAft>
-            </a:pPr>
-            <a:r>
-              <a:rPr lang="en-US" sz="2800" dirty="0" smtClean="0">
-                <a:solidFill>
-                  <a:srgbClr val="141717"/>
-                </a:solidFill>
-              </a:rPr>
-              <a:t>Debug capabilities on both</a:t>
-            </a:r>
-          </a:p>
-          <a:p>
-            <a:pPr>
-              <a:spcAft>
-                <a:spcPts val="1200"/>
-              </a:spcAft>
-            </a:pPr>
-            <a:r>
-              <a:rPr lang="en-US" sz="2800" dirty="0" smtClean="0">
-                <a:solidFill>
-                  <a:srgbClr val="141717"/>
-                </a:solidFill>
-              </a:rPr>
-              <a:t>Sell (eventually) </a:t>
-            </a:r>
-          </a:p>
-          <a:p>
-            <a:pPr lvl="1">
-              <a:spcAft>
-                <a:spcPts val="1200"/>
-              </a:spcAft>
-            </a:pPr>
-            <a:r>
-              <a:rPr lang="en-US" dirty="0" smtClean="0">
-                <a:solidFill>
-                  <a:srgbClr val="141717"/>
-                </a:solidFill>
-              </a:rPr>
-              <a:t>Android Marketplace</a:t>
-            </a:r>
-          </a:p>
-          <a:p>
-            <a:pPr lvl="1">
-              <a:spcAft>
-                <a:spcPts val="1200"/>
-              </a:spcAft>
-            </a:pPr>
-            <a:r>
-              <a:rPr lang="en-US" dirty="0" smtClean="0">
-                <a:solidFill>
-                  <a:srgbClr val="141717"/>
-                </a:solidFill>
-              </a:rPr>
-              <a:t>Amazon App Store</a:t>
-            </a:r>
-          </a:p>
-          <a:p>
-            <a:pPr lvl="1">
-              <a:spcAft>
-                <a:spcPts val="1200"/>
-              </a:spcAft>
-            </a:pPr>
-            <a:endParaRPr lang="en-US" dirty="0" smtClean="0">
-              <a:solidFill>
-                <a:srgbClr val="141717"/>
-              </a:solidFill>
-            </a:endParaRPr>
-          </a:p>
-        </p:txBody>
-      </p:sp>
-    </p:spTree>
-  </p:cSld>
-  <p:clrMapOvr>
-    <a:masterClrMapping/>
-  </p:clrMapOvr>
-</p:sld>
-</file>
-
 <file path=ppt/slides/slide17.xml><?xml version="1.0" encoding="utf-8"?>
 <p:sld xmlns:a="http://schemas.openxmlformats.org/drawingml/2006/main" xmlns:r="http://schemas.openxmlformats.org/officeDocument/2006/relationships" xmlns:p="http://schemas.openxmlformats.org/presentationml/2006/main">
   <p:cSld>
@@ -9047,116 +8710,102 @@
         <p:spPr/>
         <p:txBody>
           <a:bodyPr>
+            <a:normAutofit fontScale="90000"/>
+          </a:bodyPr>
+          <a:lstStyle/>
+          <a:p>
+            <a:r>
+              <a:rPr lang="en-US" dirty="0" smtClean="0">
+                <a:latin typeface="Franklin Gothic Medium"/>
+                <a:cs typeface="Franklin Gothic Medium"/>
+              </a:rPr>
+              <a:t>Mono for Android Design Principles</a:t>
+            </a:r>
+            <a:endParaRPr lang="en-US" dirty="0">
+              <a:latin typeface="Franklin Gothic Medium"/>
+              <a:cs typeface="Franklin Gothic Medium"/>
+            </a:endParaRPr>
+          </a:p>
+        </p:txBody>
+      </p:sp>
+      <p:sp>
+        <p:nvSpPr>
+          <p:cNvPr id="3" name="Content Placeholder 2"/>
+          <p:cNvSpPr>
+            <a:spLocks noGrp="1"/>
+          </p:cNvSpPr>
+          <p:nvPr>
+            <p:ph idx="1"/>
+          </p:nvPr>
+        </p:nvSpPr>
+        <p:spPr/>
+        <p:txBody>
+          <a:bodyPr>
             <a:normAutofit/>
           </a:bodyPr>
           <a:lstStyle/>
           <a:p>
-            <a:r>
-              <a:rPr lang="en-US" dirty="0" smtClean="0">
-                <a:solidFill>
-                  <a:srgbClr val="141717"/>
-                </a:solidFill>
-                <a:latin typeface="Franklin Gothic Medium"/>
-                <a:cs typeface="Franklin Gothic Medium"/>
-              </a:rPr>
-              <a:t>Android Application Concepts</a:t>
-            </a:r>
-          </a:p>
-        </p:txBody>
-      </p:sp>
-      <p:sp>
-        <p:nvSpPr>
-          <p:cNvPr id="3" name="Content Placeholder 2"/>
-          <p:cNvSpPr>
-            <a:spLocks noGrp="1"/>
-          </p:cNvSpPr>
-          <p:nvPr>
-            <p:ph idx="1"/>
-          </p:nvPr>
-        </p:nvSpPr>
-        <p:spPr/>
-        <p:txBody>
-          <a:bodyPr/>
-          <a:lstStyle/>
-          <a:p>
             <a:pPr>
-              <a:spcAft>
-                <a:spcPts val="3000"/>
-              </a:spcAft>
+              <a:lnSpc>
+                <a:spcPct val="160000"/>
+              </a:lnSpc>
             </a:pPr>
             <a:r>
-              <a:rPr lang="en-US" dirty="0" smtClean="0">
-                <a:solidFill>
-                  <a:srgbClr val="141717"/>
-                </a:solidFill>
-              </a:rPr>
-              <a:t>Activities</a:t>
+              <a:rPr lang="en-US" dirty="0" smtClean="0"/>
+              <a:t>Follow the Framework Design Guidelines</a:t>
             </a:r>
           </a:p>
           <a:p>
             <a:pPr>
-              <a:spcAft>
-                <a:spcPts val="3000"/>
-              </a:spcAft>
+              <a:lnSpc>
+                <a:spcPct val="160000"/>
+              </a:lnSpc>
             </a:pPr>
             <a:r>
-              <a:rPr lang="en-US" dirty="0" smtClean="0">
-                <a:solidFill>
-                  <a:srgbClr val="141717"/>
-                </a:solidFill>
-              </a:rPr>
-              <a:t>Services</a:t>
+              <a:rPr lang="en-US" dirty="0" smtClean="0"/>
+              <a:t>Allow developers to subclass any Java class</a:t>
             </a:r>
           </a:p>
           <a:p>
             <a:pPr>
-              <a:spcAft>
-                <a:spcPts val="3000"/>
-              </a:spcAft>
+              <a:lnSpc>
+                <a:spcPct val="160000"/>
+              </a:lnSpc>
             </a:pPr>
             <a:r>
-              <a:rPr lang="en-US" dirty="0" smtClean="0">
-                <a:solidFill>
-                  <a:srgbClr val="141717"/>
-                </a:solidFill>
-              </a:rPr>
-              <a:t>Content Providers</a:t>
+              <a:rPr lang="en-US" dirty="0" smtClean="0"/>
+              <a:t>C# delegates (lambdas, anonymous methods)</a:t>
             </a:r>
           </a:p>
           <a:p>
             <a:pPr>
-              <a:spcAft>
-                <a:spcPts val="3000"/>
-              </a:spcAft>
+              <a:lnSpc>
+                <a:spcPct val="160000"/>
+              </a:lnSpc>
             </a:pPr>
             <a:r>
-              <a:rPr lang="en-US" dirty="0" smtClean="0">
-                <a:solidFill>
-                  <a:srgbClr val="141717"/>
-                </a:solidFill>
-              </a:rPr>
-              <a:t>Intents</a:t>
+              <a:rPr lang="en-US" dirty="0" smtClean="0"/>
+              <a:t>Java properties as C# properties</a:t>
             </a:r>
           </a:p>
           <a:p>
             <a:pPr>
-              <a:spcAft>
-                <a:spcPts val="3000"/>
-              </a:spcAft>
+              <a:lnSpc>
+                <a:spcPct val="160000"/>
+              </a:lnSpc>
             </a:pPr>
             <a:r>
-              <a:rPr lang="en-US" dirty="0" smtClean="0">
-                <a:solidFill>
-                  <a:srgbClr val="141717"/>
-                </a:solidFill>
-              </a:rPr>
-              <a:t>Resources</a:t>
-            </a:r>
-            <a:endParaRPr lang="en-US" dirty="0">
-              <a:solidFill>
-                <a:srgbClr val="141717"/>
-              </a:solidFill>
-            </a:endParaRPr>
+              <a:rPr lang="en-US" dirty="0" smtClean="0"/>
+              <a:t>Strongly typed API</a:t>
+            </a:r>
+          </a:p>
+          <a:p>
+            <a:pPr>
+              <a:lnSpc>
+                <a:spcPct val="160000"/>
+              </a:lnSpc>
+            </a:pPr>
+            <a:endParaRPr lang="en-US" dirty="0"/>
           </a:p>
         </p:txBody>
       </p:sp>
@@ -9197,19 +8846,11 @@
         </p:nvSpPr>
         <p:spPr/>
         <p:txBody>
-          <a:bodyPr/>
+          <a:bodyPr>
+            <a:normAutofit/>
+          </a:bodyPr>
           <a:lstStyle/>
           <a:p>
-            <a:r>
-              <a:rPr lang="en-US" dirty="0" smtClean="0">
-                <a:solidFill>
-                  <a:srgbClr val="141717"/>
-                </a:solidFill>
-                <a:latin typeface="Franklin Gothic Medium"/>
-                <a:cs typeface="Franklin Gothic Medium"/>
-              </a:rPr>
-              <a:t>Activities</a:t>
-            </a:r>
             <a:endParaRPr lang="en-US" dirty="0">
               <a:solidFill>
                 <a:srgbClr val="141717"/>
@@ -9237,39 +8878,26 @@
           </a:bodyPr>
           <a:lstStyle/>
           <a:p>
-            <a:r>
-              <a:rPr lang="en-US" dirty="0" smtClean="0">
-                <a:solidFill>
-                  <a:srgbClr val="141717"/>
-                </a:solidFill>
-              </a:rPr>
-              <a:t>Orchestrates a UI view</a:t>
-            </a:r>
-          </a:p>
-          <a:p>
-            <a:pPr>
-              <a:spcAft>
-                <a:spcPts val="600"/>
-              </a:spcAft>
+            <a:pPr marL="0" indent="0" algn="ctr">
+              <a:buNone/>
             </a:pPr>
             <a:r>
-              <a:rPr lang="en-US" dirty="0" smtClean="0">
-                <a:solidFill>
-                  <a:srgbClr val="141717"/>
-                </a:solidFill>
-              </a:rPr>
-              <a:t>Applications are composed of 1-to-Many activities</a:t>
-            </a:r>
-          </a:p>
-          <a:p>
-            <a:r>
-              <a:rPr lang="en-US" dirty="0" smtClean="0">
-                <a:solidFill>
-                  <a:srgbClr val="141717"/>
-                </a:solidFill>
-              </a:rPr>
-              <a:t>One activity marked as main and shown first upon launch</a:t>
-            </a:r>
+              <a:rPr lang="en-US" sz="8000" dirty="0" smtClean="0">
+                <a:solidFill>
+                  <a:srgbClr val="141717"/>
+                </a:solidFill>
+                <a:latin typeface="Franklin Gothic Medium"/>
+                <a:cs typeface="Franklin Gothic Medium"/>
+              </a:rPr>
+              <a:t>WHY?</a:t>
+            </a:r>
+            <a:endParaRPr lang="en-US" sz="8000" dirty="0" smtClean="0">
+              <a:solidFill>
+                <a:srgbClr val="141717"/>
+              </a:solidFill>
+              <a:latin typeface="Franklin Gothic Medium"/>
+              <a:cs typeface="Franklin Gothic Medium"/>
+            </a:endParaRPr>
           </a:p>
         </p:txBody>
       </p:sp>
@@ -9278,13 +8906,6 @@
   <p:clrMapOvr>
     <a:masterClrMapping/>
   </p:clrMapOvr>
-  <p:timing>
-    <p:tnLst>
-      <p:par>
-        <p:cTn xmlns:p14="http://schemas.microsoft.com/office/powerpoint/2010/main" id="1" dur="indefinite" restart="never" nodeType="tmRoot"/>
-      </p:par>
-    </p:tnLst>
-  </p:timing>
 </p:sld>
 </file>
 
@@ -9320,23 +8941,7 @@
           <a:bodyPr/>
           <a:lstStyle/>
           <a:p>
-            <a:r>
-              <a:rPr lang="en-US" dirty="0" smtClean="0">
-                <a:solidFill>
-                  <a:srgbClr val="141717"/>
-                </a:solidFill>
-                <a:latin typeface="Franklin Gothic Medium"/>
-                <a:cs typeface="Franklin Gothic Medium"/>
-              </a:rPr>
-              <a:t>Activities - Views</a:t>
-            </a:r>
-            <a:endParaRPr lang="en-US" dirty="0">
-              <a:solidFill>
-                <a:srgbClr val="141717"/>
-              </a:solidFill>
-              <a:latin typeface="Franklin Gothic Medium"/>
-              <a:cs typeface="Franklin Gothic Medium"/>
-            </a:endParaRPr>
+            <a:endParaRPr lang="en-US"/>
           </a:p>
         </p:txBody>
       </p:sp>
@@ -9357,61 +8962,42 @@
           </a:bodyPr>
           <a:lstStyle/>
           <a:p>
-            <a:r>
-              <a:rPr lang="en-US" dirty="0" smtClean="0">
-                <a:solidFill>
-                  <a:srgbClr val="141717"/>
-                </a:solidFill>
-              </a:rPr>
-              <a:t>Each activity is given a default window to draw in. </a:t>
-            </a:r>
-          </a:p>
-          <a:p>
-            <a:r>
-              <a:rPr lang="en-US" dirty="0" smtClean="0">
-                <a:solidFill>
-                  <a:srgbClr val="141717"/>
-                </a:solidFill>
-              </a:rPr>
-              <a:t>Content of the window is provided by a hierarchy of views</a:t>
-            </a:r>
-          </a:p>
-          <a:p>
-            <a:r>
-              <a:rPr lang="en-US" dirty="0" smtClean="0">
-                <a:solidFill>
-                  <a:srgbClr val="141717"/>
-                </a:solidFill>
-              </a:rPr>
-              <a:t>A view hierarchy is placed within an activity's window by the </a:t>
-            </a:r>
-            <a:r>
-              <a:rPr lang="en-US" dirty="0" err="1" smtClean="0">
-                <a:solidFill>
-                  <a:srgbClr val="141717"/>
-                </a:solidFill>
-              </a:rPr>
-              <a:t>Activity.SetContentView</a:t>
-            </a:r>
-            <a:r>
-              <a:rPr lang="en-US" dirty="0" smtClean="0">
-                <a:solidFill>
-                  <a:srgbClr val="141717"/>
-                </a:solidFill>
-              </a:rPr>
-              <a:t>()</a:t>
-            </a:r>
-          </a:p>
-          <a:p>
-            <a:endParaRPr lang="en-US" dirty="0">
-              <a:solidFill>
-                <a:srgbClr val="141717"/>
-              </a:solidFill>
-            </a:endParaRPr>
+            <a:pPr marL="0" indent="0">
+              <a:buNone/>
+            </a:pPr>
+            <a:r>
+              <a:rPr lang="en-US" sz="6000" dirty="0">
+                <a:solidFill>
+                  <a:srgbClr val="141717"/>
+                </a:solidFill>
+              </a:rPr>
+              <a:t>Mono for Android story not as compelling as </a:t>
+            </a:r>
+            <a:r>
+              <a:rPr lang="en-US" sz="6000" dirty="0" err="1" smtClean="0">
+                <a:solidFill>
+                  <a:srgbClr val="141717"/>
+                </a:solidFill>
+              </a:rPr>
+              <a:t>MonoTouch</a:t>
+            </a:r>
+            <a:r>
+              <a:rPr lang="en-US" sz="6000" dirty="0">
+                <a:solidFill>
+                  <a:srgbClr val="141717"/>
+                </a:solidFill>
+              </a:rPr>
+              <a:t>.</a:t>
+            </a:r>
           </a:p>
         </p:txBody>
       </p:sp>
     </p:spTree>
+    <p:extLst>
+      <p:ext uri="{BB962C8B-B14F-4D97-AF65-F5344CB8AC3E}">
+        <p14:creationId xmlns:p14="http://schemas.microsoft.com/office/powerpoint/2010/main" val="2940233252"/>
+      </p:ext>
+    </p:extLst>
   </p:cSld>
   <p:clrMapOvr>
     <a:masterClrMapping/>
@@ -9555,6 +9141,831 @@
 </file>
 
 <file path=ppt/slides/slide20.xml><?xml version="1.0" encoding="utf-8"?>
+<p:sld xmlns:a="http://schemas.openxmlformats.org/drawingml/2006/main" xmlns:r="http://schemas.openxmlformats.org/officeDocument/2006/relationships" xmlns:p="http://schemas.openxmlformats.org/presentationml/2006/main">
+  <p:cSld>
+    <p:spTree>
+      <p:nvGrpSpPr>
+        <p:cNvPr id="1" name=""/>
+        <p:cNvGrpSpPr/>
+        <p:nvPr/>
+      </p:nvGrpSpPr>
+      <p:grpSpPr>
+        <a:xfrm>
+          <a:off x="0" y="0"/>
+          <a:ext cx="0" cy="0"/>
+          <a:chOff x="0" y="0"/>
+          <a:chExt cx="0" cy="0"/>
+        </a:xfrm>
+      </p:grpSpPr>
+      <p:sp>
+        <p:nvSpPr>
+          <p:cNvPr id="2" name="Title 1"/>
+          <p:cNvSpPr>
+            <a:spLocks noGrp="1"/>
+          </p:cNvSpPr>
+          <p:nvPr>
+            <p:ph type="title"/>
+          </p:nvPr>
+        </p:nvSpPr>
+        <p:spPr/>
+        <p:txBody>
+          <a:bodyPr/>
+          <a:lstStyle/>
+          <a:p>
+            <a:endParaRPr lang="en-US"/>
+          </a:p>
+        </p:txBody>
+      </p:sp>
+      <p:sp>
+        <p:nvSpPr>
+          <p:cNvPr id="3" name="Content Placeholder 2"/>
+          <p:cNvSpPr>
+            <a:spLocks noGrp="1"/>
+          </p:cNvSpPr>
+          <p:nvPr>
+            <p:ph idx="1"/>
+          </p:nvPr>
+        </p:nvSpPr>
+        <p:spPr/>
+        <p:txBody>
+          <a:bodyPr/>
+          <a:lstStyle/>
+          <a:p>
+            <a:pPr marL="0" indent="0">
+              <a:buNone/>
+            </a:pPr>
+            <a:r>
+              <a:rPr lang="en-US" sz="6000" dirty="0">
+                <a:solidFill>
+                  <a:srgbClr val="141717"/>
+                </a:solidFill>
+              </a:rPr>
+              <a:t>Opportunities for re-use across platforms</a:t>
+            </a:r>
+          </a:p>
+          <a:p>
+            <a:endParaRPr lang="en-US" dirty="0"/>
+          </a:p>
+        </p:txBody>
+      </p:sp>
+    </p:spTree>
+    <p:extLst>
+      <p:ext uri="{BB962C8B-B14F-4D97-AF65-F5344CB8AC3E}">
+        <p14:creationId xmlns:p14="http://schemas.microsoft.com/office/powerpoint/2010/main" val="1319095591"/>
+      </p:ext>
+    </p:extLst>
+  </p:cSld>
+  <p:clrMapOvr>
+    <a:masterClrMapping/>
+  </p:clrMapOvr>
+</p:sld>
+</file>
+
+<file path=ppt/slides/slide21.xml><?xml version="1.0" encoding="utf-8"?>
+<p:sld xmlns:a="http://schemas.openxmlformats.org/drawingml/2006/main" xmlns:r="http://schemas.openxmlformats.org/officeDocument/2006/relationships" xmlns:p="http://schemas.openxmlformats.org/presentationml/2006/main">
+  <p:cSld>
+    <p:spTree>
+      <p:nvGrpSpPr>
+        <p:cNvPr id="1" name=""/>
+        <p:cNvGrpSpPr/>
+        <p:nvPr/>
+      </p:nvGrpSpPr>
+      <p:grpSpPr>
+        <a:xfrm>
+          <a:off x="0" y="0"/>
+          <a:ext cx="0" cy="0"/>
+          <a:chOff x="0" y="0"/>
+          <a:chExt cx="0" cy="0"/>
+        </a:xfrm>
+      </p:grpSpPr>
+      <p:sp>
+        <p:nvSpPr>
+          <p:cNvPr id="2" name="Title 1"/>
+          <p:cNvSpPr>
+            <a:spLocks noGrp="1"/>
+          </p:cNvSpPr>
+          <p:nvPr>
+            <p:ph type="title"/>
+          </p:nvPr>
+        </p:nvSpPr>
+        <p:spPr/>
+        <p:txBody>
+          <a:bodyPr/>
+          <a:lstStyle/>
+          <a:p>
+            <a:endParaRPr lang="en-US"/>
+          </a:p>
+        </p:txBody>
+      </p:sp>
+      <p:sp>
+        <p:nvSpPr>
+          <p:cNvPr id="3" name="Content Placeholder 2"/>
+          <p:cNvSpPr>
+            <a:spLocks noGrp="1"/>
+          </p:cNvSpPr>
+          <p:nvPr>
+            <p:ph idx="1"/>
+          </p:nvPr>
+        </p:nvSpPr>
+        <p:spPr/>
+        <p:txBody>
+          <a:bodyPr/>
+          <a:lstStyle/>
+          <a:p>
+            <a:pPr marL="0" indent="0">
+              <a:buNone/>
+            </a:pPr>
+            <a:r>
+              <a:rPr lang="en-US" sz="6000" dirty="0">
+                <a:solidFill>
+                  <a:srgbClr val="141717"/>
+                </a:solidFill>
+              </a:rPr>
+              <a:t>Development tooling and environment</a:t>
+            </a:r>
+          </a:p>
+          <a:p>
+            <a:endParaRPr lang="en-US" dirty="0"/>
+          </a:p>
+        </p:txBody>
+      </p:sp>
+    </p:spTree>
+    <p:extLst>
+      <p:ext uri="{BB962C8B-B14F-4D97-AF65-F5344CB8AC3E}">
+        <p14:creationId xmlns:p14="http://schemas.microsoft.com/office/powerpoint/2010/main" val="2988564261"/>
+      </p:ext>
+    </p:extLst>
+  </p:cSld>
+  <p:clrMapOvr>
+    <a:masterClrMapping/>
+  </p:clrMapOvr>
+</p:sld>
+</file>
+
+<file path=ppt/slides/slide22.xml><?xml version="1.0" encoding="utf-8"?>
+<p:sld xmlns:a="http://schemas.openxmlformats.org/drawingml/2006/main" xmlns:r="http://schemas.openxmlformats.org/officeDocument/2006/relationships" xmlns:p="http://schemas.openxmlformats.org/presentationml/2006/main">
+  <p:cSld>
+    <p:spTree>
+      <p:nvGrpSpPr>
+        <p:cNvPr id="1" name=""/>
+        <p:cNvGrpSpPr/>
+        <p:nvPr/>
+      </p:nvGrpSpPr>
+      <p:grpSpPr>
+        <a:xfrm>
+          <a:off x="0" y="0"/>
+          <a:ext cx="0" cy="0"/>
+          <a:chOff x="0" y="0"/>
+          <a:chExt cx="0" cy="0"/>
+        </a:xfrm>
+      </p:grpSpPr>
+      <p:sp>
+        <p:nvSpPr>
+          <p:cNvPr id="2" name="Title 1"/>
+          <p:cNvSpPr>
+            <a:spLocks noGrp="1"/>
+          </p:cNvSpPr>
+          <p:nvPr>
+            <p:ph type="title"/>
+          </p:nvPr>
+        </p:nvSpPr>
+        <p:spPr/>
+        <p:txBody>
+          <a:bodyPr/>
+          <a:lstStyle/>
+          <a:p>
+            <a:endParaRPr lang="en-US"/>
+          </a:p>
+        </p:txBody>
+      </p:sp>
+      <p:sp>
+        <p:nvSpPr>
+          <p:cNvPr id="3" name="Content Placeholder 2"/>
+          <p:cNvSpPr>
+            <a:spLocks noGrp="1"/>
+          </p:cNvSpPr>
+          <p:nvPr>
+            <p:ph idx="1"/>
+          </p:nvPr>
+        </p:nvSpPr>
+        <p:spPr/>
+        <p:txBody>
+          <a:bodyPr/>
+          <a:lstStyle/>
+          <a:p>
+            <a:pPr marL="0" indent="0" algn="ctr">
+              <a:buNone/>
+            </a:pPr>
+            <a:r>
+              <a:rPr lang="en-US" sz="6600" dirty="0">
+                <a:solidFill>
+                  <a:srgbClr val="141717"/>
+                </a:solidFill>
+              </a:rPr>
+              <a:t>C# &gt; Java</a:t>
+            </a:r>
+          </a:p>
+          <a:p>
+            <a:endParaRPr lang="en-US" dirty="0"/>
+          </a:p>
+        </p:txBody>
+      </p:sp>
+    </p:spTree>
+    <p:extLst>
+      <p:ext uri="{BB962C8B-B14F-4D97-AF65-F5344CB8AC3E}">
+        <p14:creationId xmlns:p14="http://schemas.microsoft.com/office/powerpoint/2010/main" val="3781494947"/>
+      </p:ext>
+    </p:extLst>
+  </p:cSld>
+  <p:clrMapOvr>
+    <a:masterClrMapping/>
+  </p:clrMapOvr>
+</p:sld>
+</file>
+
+<file path=ppt/slides/slide23.xml><?xml version="1.0" encoding="utf-8"?>
+<p:sld xmlns:a="http://schemas.openxmlformats.org/drawingml/2006/main" xmlns:r="http://schemas.openxmlformats.org/officeDocument/2006/relationships" xmlns:p="http://schemas.openxmlformats.org/presentationml/2006/main">
+  <p:cSld>
+    <p:spTree>
+      <p:nvGrpSpPr>
+        <p:cNvPr id="1" name=""/>
+        <p:cNvGrpSpPr/>
+        <p:nvPr/>
+      </p:nvGrpSpPr>
+      <p:grpSpPr>
+        <a:xfrm>
+          <a:off x="0" y="0"/>
+          <a:ext cx="0" cy="0"/>
+          <a:chOff x="0" y="0"/>
+          <a:chExt cx="0" cy="0"/>
+        </a:xfrm>
+      </p:grpSpPr>
+      <p:sp>
+        <p:nvSpPr>
+          <p:cNvPr id="2" name="Title 1"/>
+          <p:cNvSpPr>
+            <a:spLocks noGrp="1"/>
+          </p:cNvSpPr>
+          <p:nvPr>
+            <p:ph type="title"/>
+          </p:nvPr>
+        </p:nvSpPr>
+        <p:spPr/>
+        <p:txBody>
+          <a:bodyPr/>
+          <a:lstStyle/>
+          <a:p>
+            <a:r>
+              <a:rPr lang="en-US" dirty="0" smtClean="0">
+                <a:solidFill>
+                  <a:srgbClr val="141717"/>
+                </a:solidFill>
+                <a:latin typeface="Franklin Gothic Medium"/>
+                <a:cs typeface="Franklin Gothic Medium"/>
+              </a:rPr>
+              <a:t>Deployment Options</a:t>
+            </a:r>
+            <a:endParaRPr lang="en-US" dirty="0">
+              <a:solidFill>
+                <a:srgbClr val="141717"/>
+              </a:solidFill>
+              <a:latin typeface="Franklin Gothic Medium"/>
+              <a:cs typeface="Franklin Gothic Medium"/>
+            </a:endParaRPr>
+          </a:p>
+        </p:txBody>
+      </p:sp>
+      <p:sp>
+        <p:nvSpPr>
+          <p:cNvPr id="3" name="Content Placeholder 2"/>
+          <p:cNvSpPr>
+            <a:spLocks noGrp="1"/>
+          </p:cNvSpPr>
+          <p:nvPr>
+            <p:ph idx="1"/>
+          </p:nvPr>
+        </p:nvSpPr>
+        <p:spPr/>
+        <p:txBody>
+          <a:bodyPr>
+            <a:normAutofit/>
+          </a:bodyPr>
+          <a:lstStyle/>
+          <a:p>
+            <a:pPr>
+              <a:spcAft>
+                <a:spcPts val="1200"/>
+              </a:spcAft>
+            </a:pPr>
+            <a:r>
+              <a:rPr lang="en-US" sz="2800" dirty="0" smtClean="0">
+                <a:solidFill>
+                  <a:srgbClr val="141717"/>
+                </a:solidFill>
+              </a:rPr>
+              <a:t>Deploy to Android Virtual Device</a:t>
+            </a:r>
+          </a:p>
+          <a:p>
+            <a:pPr>
+              <a:spcAft>
+                <a:spcPts val="1200"/>
+              </a:spcAft>
+            </a:pPr>
+            <a:r>
+              <a:rPr lang="en-US" sz="2800" dirty="0" smtClean="0">
+                <a:solidFill>
+                  <a:srgbClr val="141717"/>
+                </a:solidFill>
+              </a:rPr>
+              <a:t>Deploy to Device</a:t>
+            </a:r>
+          </a:p>
+          <a:p>
+            <a:pPr>
+              <a:spcAft>
+                <a:spcPts val="1200"/>
+              </a:spcAft>
+            </a:pPr>
+            <a:r>
+              <a:rPr lang="en-US" sz="2800" dirty="0" smtClean="0">
+                <a:solidFill>
+                  <a:srgbClr val="141717"/>
+                </a:solidFill>
+              </a:rPr>
+              <a:t>Debug capabilities on both</a:t>
+            </a:r>
+          </a:p>
+          <a:p>
+            <a:pPr>
+              <a:spcAft>
+                <a:spcPts val="1200"/>
+              </a:spcAft>
+            </a:pPr>
+            <a:r>
+              <a:rPr lang="en-US" sz="2800" dirty="0" smtClean="0">
+                <a:solidFill>
+                  <a:srgbClr val="141717"/>
+                </a:solidFill>
+              </a:rPr>
+              <a:t>Sell (eventually) </a:t>
+            </a:r>
+          </a:p>
+          <a:p>
+            <a:pPr lvl="1">
+              <a:spcAft>
+                <a:spcPts val="1200"/>
+              </a:spcAft>
+            </a:pPr>
+            <a:r>
+              <a:rPr lang="en-US" dirty="0" smtClean="0">
+                <a:solidFill>
+                  <a:srgbClr val="141717"/>
+                </a:solidFill>
+              </a:rPr>
+              <a:t>Android Marketplace</a:t>
+            </a:r>
+          </a:p>
+          <a:p>
+            <a:pPr lvl="1">
+              <a:spcAft>
+                <a:spcPts val="1200"/>
+              </a:spcAft>
+            </a:pPr>
+            <a:r>
+              <a:rPr lang="en-US" dirty="0" smtClean="0">
+                <a:solidFill>
+                  <a:srgbClr val="141717"/>
+                </a:solidFill>
+              </a:rPr>
+              <a:t>Amazon App Store</a:t>
+            </a:r>
+          </a:p>
+          <a:p>
+            <a:pPr lvl="1">
+              <a:spcAft>
+                <a:spcPts val="1200"/>
+              </a:spcAft>
+            </a:pPr>
+            <a:endParaRPr lang="en-US" dirty="0" smtClean="0">
+              <a:solidFill>
+                <a:srgbClr val="141717"/>
+              </a:solidFill>
+            </a:endParaRPr>
+          </a:p>
+        </p:txBody>
+      </p:sp>
+    </p:spTree>
+  </p:cSld>
+  <p:clrMapOvr>
+    <a:masterClrMapping/>
+  </p:clrMapOvr>
+</p:sld>
+</file>
+
+<file path=ppt/slides/slide24.xml><?xml version="1.0" encoding="utf-8"?>
+<p:sld xmlns:a="http://schemas.openxmlformats.org/drawingml/2006/main" xmlns:r="http://schemas.openxmlformats.org/officeDocument/2006/relationships" xmlns:p="http://schemas.openxmlformats.org/presentationml/2006/main">
+  <p:cSld>
+    <p:spTree>
+      <p:nvGrpSpPr>
+        <p:cNvPr id="1" name=""/>
+        <p:cNvGrpSpPr/>
+        <p:nvPr/>
+      </p:nvGrpSpPr>
+      <p:grpSpPr>
+        <a:xfrm>
+          <a:off x="0" y="0"/>
+          <a:ext cx="0" cy="0"/>
+          <a:chOff x="0" y="0"/>
+          <a:chExt cx="0" cy="0"/>
+        </a:xfrm>
+      </p:grpSpPr>
+      <p:sp>
+        <p:nvSpPr>
+          <p:cNvPr id="2" name="Title 1"/>
+          <p:cNvSpPr>
+            <a:spLocks noGrp="1"/>
+          </p:cNvSpPr>
+          <p:nvPr>
+            <p:ph type="title"/>
+          </p:nvPr>
+        </p:nvSpPr>
+        <p:spPr/>
+        <p:txBody>
+          <a:bodyPr>
+            <a:normAutofit/>
+          </a:bodyPr>
+          <a:lstStyle/>
+          <a:p>
+            <a:r>
+              <a:rPr lang="en-US" dirty="0" smtClean="0">
+                <a:solidFill>
+                  <a:srgbClr val="141717"/>
+                </a:solidFill>
+                <a:latin typeface="Franklin Gothic Medium"/>
+                <a:cs typeface="Franklin Gothic Medium"/>
+              </a:rPr>
+              <a:t>Android Application Concepts</a:t>
+            </a:r>
+          </a:p>
+        </p:txBody>
+      </p:sp>
+      <p:sp>
+        <p:nvSpPr>
+          <p:cNvPr id="3" name="Content Placeholder 2"/>
+          <p:cNvSpPr>
+            <a:spLocks noGrp="1"/>
+          </p:cNvSpPr>
+          <p:nvPr>
+            <p:ph idx="1"/>
+          </p:nvPr>
+        </p:nvSpPr>
+        <p:spPr/>
+        <p:txBody>
+          <a:bodyPr/>
+          <a:lstStyle/>
+          <a:p>
+            <a:pPr>
+              <a:spcAft>
+                <a:spcPts val="3000"/>
+              </a:spcAft>
+            </a:pPr>
+            <a:r>
+              <a:rPr lang="en-US" dirty="0" smtClean="0">
+                <a:solidFill>
+                  <a:srgbClr val="141717"/>
+                </a:solidFill>
+              </a:rPr>
+              <a:t>Activities</a:t>
+            </a:r>
+          </a:p>
+          <a:p>
+            <a:pPr>
+              <a:spcAft>
+                <a:spcPts val="3000"/>
+              </a:spcAft>
+            </a:pPr>
+            <a:r>
+              <a:rPr lang="en-US" dirty="0" smtClean="0">
+                <a:solidFill>
+                  <a:srgbClr val="141717"/>
+                </a:solidFill>
+              </a:rPr>
+              <a:t>Services</a:t>
+            </a:r>
+          </a:p>
+          <a:p>
+            <a:pPr>
+              <a:spcAft>
+                <a:spcPts val="3000"/>
+              </a:spcAft>
+            </a:pPr>
+            <a:r>
+              <a:rPr lang="en-US" dirty="0" smtClean="0">
+                <a:solidFill>
+                  <a:srgbClr val="141717"/>
+                </a:solidFill>
+              </a:rPr>
+              <a:t>Content Providers</a:t>
+            </a:r>
+          </a:p>
+          <a:p>
+            <a:pPr>
+              <a:spcAft>
+                <a:spcPts val="3000"/>
+              </a:spcAft>
+            </a:pPr>
+            <a:r>
+              <a:rPr lang="en-US" dirty="0" smtClean="0">
+                <a:solidFill>
+                  <a:srgbClr val="141717"/>
+                </a:solidFill>
+              </a:rPr>
+              <a:t>Intents</a:t>
+            </a:r>
+          </a:p>
+          <a:p>
+            <a:pPr>
+              <a:spcAft>
+                <a:spcPts val="3000"/>
+              </a:spcAft>
+            </a:pPr>
+            <a:r>
+              <a:rPr lang="en-US" dirty="0" smtClean="0">
+                <a:solidFill>
+                  <a:srgbClr val="141717"/>
+                </a:solidFill>
+              </a:rPr>
+              <a:t>Resources</a:t>
+            </a:r>
+            <a:endParaRPr lang="en-US" dirty="0">
+              <a:solidFill>
+                <a:srgbClr val="141717"/>
+              </a:solidFill>
+            </a:endParaRPr>
+          </a:p>
+        </p:txBody>
+      </p:sp>
+    </p:spTree>
+  </p:cSld>
+  <p:clrMapOvr>
+    <a:masterClrMapping/>
+  </p:clrMapOvr>
+</p:sld>
+</file>
+
+<file path=ppt/slides/slide25.xml><?xml version="1.0" encoding="utf-8"?>
+<p:sld xmlns:a="http://schemas.openxmlformats.org/drawingml/2006/main" xmlns:r="http://schemas.openxmlformats.org/officeDocument/2006/relationships" xmlns:p="http://schemas.openxmlformats.org/presentationml/2006/main">
+  <p:cSld>
+    <p:spTree>
+      <p:nvGrpSpPr>
+        <p:cNvPr id="1" name=""/>
+        <p:cNvGrpSpPr/>
+        <p:nvPr/>
+      </p:nvGrpSpPr>
+      <p:grpSpPr>
+        <a:xfrm>
+          <a:off x="0" y="0"/>
+          <a:ext cx="0" cy="0"/>
+          <a:chOff x="0" y="0"/>
+          <a:chExt cx="0" cy="0"/>
+        </a:xfrm>
+      </p:grpSpPr>
+      <p:sp>
+        <p:nvSpPr>
+          <p:cNvPr id="2" name="Title 1"/>
+          <p:cNvSpPr>
+            <a:spLocks noGrp="1"/>
+          </p:cNvSpPr>
+          <p:nvPr>
+            <p:ph type="title"/>
+          </p:nvPr>
+        </p:nvSpPr>
+        <p:spPr/>
+        <p:txBody>
+          <a:bodyPr/>
+          <a:lstStyle/>
+          <a:p>
+            <a:r>
+              <a:rPr lang="en-US" dirty="0" smtClean="0">
+                <a:solidFill>
+                  <a:srgbClr val="141717"/>
+                </a:solidFill>
+                <a:latin typeface="Franklin Gothic Medium"/>
+                <a:cs typeface="Franklin Gothic Medium"/>
+              </a:rPr>
+              <a:t>Activities</a:t>
+            </a:r>
+            <a:endParaRPr lang="en-US" dirty="0">
+              <a:solidFill>
+                <a:srgbClr val="141717"/>
+              </a:solidFill>
+              <a:latin typeface="Franklin Gothic Medium"/>
+              <a:cs typeface="Franklin Gothic Medium"/>
+            </a:endParaRPr>
+          </a:p>
+        </p:txBody>
+      </p:sp>
+      <p:sp>
+        <p:nvSpPr>
+          <p:cNvPr id="3" name="Content Placeholder 2"/>
+          <p:cNvSpPr>
+            <a:spLocks noGrp="1"/>
+          </p:cNvSpPr>
+          <p:nvPr>
+            <p:ph idx="1"/>
+          </p:nvPr>
+        </p:nvSpPr>
+        <p:spPr/>
+        <p:txBody>
+          <a:bodyPr>
+            <a:normAutofit/>
+          </a:bodyPr>
+          <a:lstStyle/>
+          <a:p>
+            <a:r>
+              <a:rPr lang="en-US" dirty="0" smtClean="0">
+                <a:solidFill>
+                  <a:srgbClr val="141717"/>
+                </a:solidFill>
+              </a:rPr>
+              <a:t>Orchestrates a UI view</a:t>
+            </a:r>
+          </a:p>
+          <a:p>
+            <a:pPr>
+              <a:spcAft>
+                <a:spcPts val="600"/>
+              </a:spcAft>
+            </a:pPr>
+            <a:r>
+              <a:rPr lang="en-US" dirty="0" smtClean="0">
+                <a:solidFill>
+                  <a:srgbClr val="141717"/>
+                </a:solidFill>
+              </a:rPr>
+              <a:t>Applications are composed of 1-to-Many activities</a:t>
+            </a:r>
+          </a:p>
+          <a:p>
+            <a:r>
+              <a:rPr lang="en-US" dirty="0" smtClean="0">
+                <a:solidFill>
+                  <a:srgbClr val="141717"/>
+                </a:solidFill>
+              </a:rPr>
+              <a:t>One activity marked as main and shown first upon launch</a:t>
+            </a:r>
+          </a:p>
+        </p:txBody>
+      </p:sp>
+    </p:spTree>
+  </p:cSld>
+  <p:clrMapOvr>
+    <a:masterClrMapping/>
+  </p:clrMapOvr>
+  <p:timing>
+    <p:tnLst>
+      <p:par>
+        <p:cTn xmlns:p14="http://schemas.microsoft.com/office/powerpoint/2010/main" id="1" dur="indefinite" restart="never" nodeType="tmRoot"/>
+      </p:par>
+    </p:tnLst>
+  </p:timing>
+</p:sld>
+</file>
+
+<file path=ppt/slides/slide26.xml><?xml version="1.0" encoding="utf-8"?>
+<p:sld xmlns:a="http://schemas.openxmlformats.org/drawingml/2006/main" xmlns:r="http://schemas.openxmlformats.org/officeDocument/2006/relationships" xmlns:p="http://schemas.openxmlformats.org/presentationml/2006/main">
+  <p:cSld>
+    <p:spTree>
+      <p:nvGrpSpPr>
+        <p:cNvPr id="1" name=""/>
+        <p:cNvGrpSpPr/>
+        <p:nvPr/>
+      </p:nvGrpSpPr>
+      <p:grpSpPr>
+        <a:xfrm>
+          <a:off x="0" y="0"/>
+          <a:ext cx="0" cy="0"/>
+          <a:chOff x="0" y="0"/>
+          <a:chExt cx="0" cy="0"/>
+        </a:xfrm>
+      </p:grpSpPr>
+      <p:sp>
+        <p:nvSpPr>
+          <p:cNvPr id="2" name="Title 1"/>
+          <p:cNvSpPr>
+            <a:spLocks noGrp="1"/>
+          </p:cNvSpPr>
+          <p:nvPr>
+            <p:ph type="title"/>
+          </p:nvPr>
+        </p:nvSpPr>
+        <p:spPr/>
+        <p:txBody>
+          <a:bodyPr/>
+          <a:lstStyle/>
+          <a:p>
+            <a:r>
+              <a:rPr lang="en-US" dirty="0" smtClean="0">
+                <a:solidFill>
+                  <a:srgbClr val="141717"/>
+                </a:solidFill>
+                <a:latin typeface="Franklin Gothic Medium"/>
+                <a:cs typeface="Franklin Gothic Medium"/>
+              </a:rPr>
+              <a:t>Activities - Views</a:t>
+            </a:r>
+            <a:endParaRPr lang="en-US" dirty="0">
+              <a:solidFill>
+                <a:srgbClr val="141717"/>
+              </a:solidFill>
+              <a:latin typeface="Franklin Gothic Medium"/>
+              <a:cs typeface="Franklin Gothic Medium"/>
+            </a:endParaRPr>
+          </a:p>
+        </p:txBody>
+      </p:sp>
+      <p:sp>
+        <p:nvSpPr>
+          <p:cNvPr id="3" name="Content Placeholder 2"/>
+          <p:cNvSpPr>
+            <a:spLocks noGrp="1"/>
+          </p:cNvSpPr>
+          <p:nvPr>
+            <p:ph idx="1"/>
+          </p:nvPr>
+        </p:nvSpPr>
+        <p:spPr/>
+        <p:txBody>
+          <a:bodyPr>
+            <a:normAutofit/>
+          </a:bodyPr>
+          <a:lstStyle/>
+          <a:p>
+            <a:r>
+              <a:rPr lang="en-US" dirty="0" smtClean="0">
+                <a:solidFill>
+                  <a:srgbClr val="141717"/>
+                </a:solidFill>
+              </a:rPr>
+              <a:t>Each activity is given a default window to draw in. </a:t>
+            </a:r>
+          </a:p>
+          <a:p>
+            <a:r>
+              <a:rPr lang="en-US" dirty="0" smtClean="0">
+                <a:solidFill>
+                  <a:srgbClr val="141717"/>
+                </a:solidFill>
+              </a:rPr>
+              <a:t>Content of the window is provided by a hierarchy of views</a:t>
+            </a:r>
+          </a:p>
+          <a:p>
+            <a:r>
+              <a:rPr lang="en-US" dirty="0" smtClean="0">
+                <a:solidFill>
+                  <a:srgbClr val="141717"/>
+                </a:solidFill>
+              </a:rPr>
+              <a:t>A view hierarchy is placed within an activity's window by the </a:t>
+            </a:r>
+            <a:r>
+              <a:rPr lang="en-US" dirty="0" err="1" smtClean="0">
+                <a:solidFill>
+                  <a:srgbClr val="141717"/>
+                </a:solidFill>
+              </a:rPr>
+              <a:t>Activity.SetContentView</a:t>
+            </a:r>
+            <a:r>
+              <a:rPr lang="en-US" dirty="0" smtClean="0">
+                <a:solidFill>
+                  <a:srgbClr val="141717"/>
+                </a:solidFill>
+              </a:rPr>
+              <a:t>()</a:t>
+            </a:r>
+          </a:p>
+          <a:p>
+            <a:endParaRPr lang="en-US" dirty="0">
+              <a:solidFill>
+                <a:srgbClr val="141717"/>
+              </a:solidFill>
+            </a:endParaRPr>
+          </a:p>
+        </p:txBody>
+      </p:sp>
+    </p:spTree>
+  </p:cSld>
+  <p:clrMapOvr>
+    <a:masterClrMapping/>
+  </p:clrMapOvr>
+</p:sld>
+</file>
+
+<file path=ppt/slides/slide27.xml><?xml version="1.0" encoding="utf-8"?>
 <p:sld xmlns:a="http://schemas.openxmlformats.org/drawingml/2006/main" xmlns:r="http://schemas.openxmlformats.org/officeDocument/2006/relationships" xmlns:p="http://schemas.openxmlformats.org/presentationml/2006/main" show="0">
   <p:cSld>
     <p:spTree>
@@ -9644,931 +10055,6 @@
 </p:sld>
 </file>
 
-<file path=ppt/slides/slide21.xml><?xml version="1.0" encoding="utf-8"?>
-<p:sld xmlns:a="http://schemas.openxmlformats.org/drawingml/2006/main" xmlns:r="http://schemas.openxmlformats.org/officeDocument/2006/relationships" xmlns:p="http://schemas.openxmlformats.org/presentationml/2006/main">
-  <p:cSld>
-    <p:spTree>
-      <p:nvGrpSpPr>
-        <p:cNvPr id="1" name=""/>
-        <p:cNvGrpSpPr/>
-        <p:nvPr/>
-      </p:nvGrpSpPr>
-      <p:grpSpPr>
-        <a:xfrm>
-          <a:off x="0" y="0"/>
-          <a:ext cx="0" cy="0"/>
-          <a:chOff x="0" y="0"/>
-          <a:chExt cx="0" cy="0"/>
-        </a:xfrm>
-      </p:grpSpPr>
-      <p:sp>
-        <p:nvSpPr>
-          <p:cNvPr id="2" name="Title 1"/>
-          <p:cNvSpPr>
-            <a:spLocks noGrp="1"/>
-          </p:cNvSpPr>
-          <p:nvPr>
-            <p:ph type="title"/>
-          </p:nvPr>
-        </p:nvSpPr>
-        <p:spPr/>
-        <p:txBody>
-          <a:bodyPr/>
-          <a:lstStyle/>
-          <a:p>
-            <a:r>
-              <a:rPr lang="en-US" dirty="0" smtClean="0">
-                <a:solidFill>
-                  <a:srgbClr val="141717"/>
-                </a:solidFill>
-                <a:latin typeface="Franklin Gothic Medium"/>
-                <a:cs typeface="Franklin Gothic Medium"/>
-              </a:rPr>
-              <a:t>Activity Life Cycle</a:t>
-            </a:r>
-          </a:p>
-        </p:txBody>
-      </p:sp>
-      <p:sp>
-        <p:nvSpPr>
-          <p:cNvPr id="3" name="Content Placeholder 2"/>
-          <p:cNvSpPr>
-            <a:spLocks noGrp="1"/>
-          </p:cNvSpPr>
-          <p:nvPr>
-            <p:ph idx="1"/>
-          </p:nvPr>
-        </p:nvSpPr>
-        <p:spPr/>
-        <p:txBody>
-          <a:bodyPr/>
-          <a:lstStyle/>
-          <a:p>
-            <a:r>
-              <a:rPr lang="en-US" dirty="0" err="1" smtClean="0">
-                <a:solidFill>
-                  <a:srgbClr val="141717"/>
-                </a:solidFill>
-              </a:rPr>
-              <a:t>onCreate</a:t>
-            </a:r>
-            <a:endParaRPr lang="en-US" dirty="0" smtClean="0">
-              <a:solidFill>
-                <a:srgbClr val="141717"/>
-              </a:solidFill>
-            </a:endParaRPr>
-          </a:p>
-          <a:p>
-            <a:r>
-              <a:rPr lang="en-US" dirty="0" err="1" smtClean="0">
-                <a:solidFill>
-                  <a:srgbClr val="141717"/>
-                </a:solidFill>
-              </a:rPr>
-              <a:t>onStart</a:t>
-            </a:r>
-            <a:endParaRPr lang="en-US" dirty="0" smtClean="0">
-              <a:solidFill>
-                <a:srgbClr val="141717"/>
-              </a:solidFill>
-            </a:endParaRPr>
-          </a:p>
-          <a:p>
-            <a:r>
-              <a:rPr lang="en-US" dirty="0" err="1" smtClean="0">
-                <a:solidFill>
-                  <a:srgbClr val="141717"/>
-                </a:solidFill>
-              </a:rPr>
-              <a:t>onResume</a:t>
-            </a:r>
-            <a:endParaRPr lang="en-US" dirty="0" smtClean="0">
-              <a:solidFill>
-                <a:srgbClr val="141717"/>
-              </a:solidFill>
-            </a:endParaRPr>
-          </a:p>
-          <a:p>
-            <a:r>
-              <a:rPr lang="en-US" dirty="0" err="1" smtClean="0">
-                <a:solidFill>
-                  <a:srgbClr val="141717"/>
-                </a:solidFill>
-              </a:rPr>
-              <a:t>onPause</a:t>
-            </a:r>
-            <a:endParaRPr lang="en-US" dirty="0" smtClean="0">
-              <a:solidFill>
-                <a:srgbClr val="141717"/>
-              </a:solidFill>
-            </a:endParaRPr>
-          </a:p>
-          <a:p>
-            <a:r>
-              <a:rPr lang="en-US" dirty="0" err="1" smtClean="0">
-                <a:solidFill>
-                  <a:srgbClr val="141717"/>
-                </a:solidFill>
-              </a:rPr>
-              <a:t>onStop</a:t>
-            </a:r>
-            <a:endParaRPr lang="en-US" dirty="0" smtClean="0">
-              <a:solidFill>
-                <a:srgbClr val="141717"/>
-              </a:solidFill>
-            </a:endParaRPr>
-          </a:p>
-          <a:p>
-            <a:r>
-              <a:rPr lang="en-US" dirty="0" err="1" smtClean="0">
-                <a:solidFill>
-                  <a:srgbClr val="141717"/>
-                </a:solidFill>
-              </a:rPr>
-              <a:t>onDestroy</a:t>
-            </a:r>
-            <a:endParaRPr lang="en-US" dirty="0" smtClean="0">
-              <a:solidFill>
-                <a:srgbClr val="141717"/>
-              </a:solidFill>
-            </a:endParaRPr>
-          </a:p>
-          <a:p>
-            <a:endParaRPr lang="en-US" dirty="0" smtClean="0">
-              <a:solidFill>
-                <a:srgbClr val="141717"/>
-              </a:solidFill>
-            </a:endParaRPr>
-          </a:p>
-          <a:p>
-            <a:endParaRPr lang="en-US" dirty="0" smtClean="0">
-              <a:solidFill>
-                <a:srgbClr val="141717"/>
-              </a:solidFill>
-            </a:endParaRPr>
-          </a:p>
-          <a:p>
-            <a:endParaRPr lang="en-US" dirty="0">
-              <a:solidFill>
-                <a:srgbClr val="141717"/>
-              </a:solidFill>
-            </a:endParaRPr>
-          </a:p>
-        </p:txBody>
-      </p:sp>
-    </p:spTree>
-  </p:cSld>
-  <p:clrMapOvr>
-    <a:masterClrMapping/>
-  </p:clrMapOvr>
-</p:sld>
-</file>
-
-<file path=ppt/slides/slide22.xml><?xml version="1.0" encoding="utf-8"?>
-<p:sld xmlns:a="http://schemas.openxmlformats.org/drawingml/2006/main" xmlns:r="http://schemas.openxmlformats.org/officeDocument/2006/relationships" xmlns:p="http://schemas.openxmlformats.org/presentationml/2006/main">
-  <p:cSld>
-    <p:spTree>
-      <p:nvGrpSpPr>
-        <p:cNvPr id="1" name=""/>
-        <p:cNvGrpSpPr/>
-        <p:nvPr/>
-      </p:nvGrpSpPr>
-      <p:grpSpPr>
-        <a:xfrm>
-          <a:off x="0" y="0"/>
-          <a:ext cx="0" cy="0"/>
-          <a:chOff x="0" y="0"/>
-          <a:chExt cx="0" cy="0"/>
-        </a:xfrm>
-      </p:grpSpPr>
-      <p:sp>
-        <p:nvSpPr>
-          <p:cNvPr id="2" name="Title 1"/>
-          <p:cNvSpPr>
-            <a:spLocks noGrp="1"/>
-          </p:cNvSpPr>
-          <p:nvPr>
-            <p:ph type="title"/>
-          </p:nvPr>
-        </p:nvSpPr>
-        <p:spPr/>
-        <p:txBody>
-          <a:bodyPr>
-            <a:normAutofit/>
-          </a:bodyPr>
-          <a:lstStyle/>
-          <a:p>
-            <a:r>
-              <a:rPr lang="en-US" dirty="0" smtClean="0">
-                <a:solidFill>
-                  <a:srgbClr val="141717"/>
-                </a:solidFill>
-                <a:latin typeface="Franklin Gothic Medium"/>
-                <a:cs typeface="Franklin Gothic Medium"/>
-              </a:rPr>
-              <a:t>Intents</a:t>
-            </a:r>
-          </a:p>
-        </p:txBody>
-      </p:sp>
-      <p:sp>
-        <p:nvSpPr>
-          <p:cNvPr id="3" name="Content Placeholder 2"/>
-          <p:cNvSpPr>
-            <a:spLocks noGrp="1"/>
-          </p:cNvSpPr>
-          <p:nvPr>
-            <p:ph idx="1"/>
-          </p:nvPr>
-        </p:nvSpPr>
-        <p:spPr/>
-        <p:txBody>
-          <a:bodyPr/>
-          <a:lstStyle/>
-          <a:p>
-            <a:r>
-              <a:rPr lang="en-US" dirty="0" err="1" smtClean="0">
-                <a:solidFill>
-                  <a:srgbClr val="141717"/>
-                </a:solidFill>
-              </a:rPr>
-              <a:t>Eventing</a:t>
-            </a:r>
-            <a:r>
-              <a:rPr lang="en-US" dirty="0" smtClean="0">
-                <a:solidFill>
-                  <a:srgbClr val="141717"/>
-                </a:solidFill>
-              </a:rPr>
-              <a:t> mechanism</a:t>
-            </a:r>
-          </a:p>
-          <a:p>
-            <a:r>
-              <a:rPr lang="en-US" dirty="0" smtClean="0">
-                <a:solidFill>
-                  <a:srgbClr val="141717"/>
-                </a:solidFill>
-              </a:rPr>
-              <a:t>Intent objects are passive data that is of interest to the component that is receiving the intent</a:t>
-            </a:r>
-          </a:p>
-          <a:p>
-            <a:r>
-              <a:rPr lang="en-US" dirty="0" smtClean="0">
-                <a:solidFill>
-                  <a:srgbClr val="141717"/>
-                </a:solidFill>
-              </a:rPr>
-              <a:t>Filterable so you can pick and choose which events to respond to</a:t>
-            </a:r>
-          </a:p>
-          <a:p>
-            <a:endParaRPr lang="en-US" dirty="0" smtClean="0">
-              <a:solidFill>
-                <a:srgbClr val="141717"/>
-              </a:solidFill>
-            </a:endParaRPr>
-          </a:p>
-          <a:p>
-            <a:endParaRPr lang="en-US" dirty="0" smtClean="0">
-              <a:solidFill>
-                <a:srgbClr val="141717"/>
-              </a:solidFill>
-            </a:endParaRPr>
-          </a:p>
-        </p:txBody>
-      </p:sp>
-    </p:spTree>
-  </p:cSld>
-  <p:clrMapOvr>
-    <a:masterClrMapping/>
-  </p:clrMapOvr>
-</p:sld>
-</file>
-
-<file path=ppt/slides/slide23.xml><?xml version="1.0" encoding="utf-8"?>
-<p:sld xmlns:a="http://schemas.openxmlformats.org/drawingml/2006/main" xmlns:r="http://schemas.openxmlformats.org/officeDocument/2006/relationships" xmlns:p="http://schemas.openxmlformats.org/presentationml/2006/main">
-  <p:cSld>
-    <p:spTree>
-      <p:nvGrpSpPr>
-        <p:cNvPr id="1" name=""/>
-        <p:cNvGrpSpPr/>
-        <p:nvPr/>
-      </p:nvGrpSpPr>
-      <p:grpSpPr>
-        <a:xfrm>
-          <a:off x="0" y="0"/>
-          <a:ext cx="0" cy="0"/>
-          <a:chOff x="0" y="0"/>
-          <a:chExt cx="0" cy="0"/>
-        </a:xfrm>
-      </p:grpSpPr>
-      <p:sp>
-        <p:nvSpPr>
-          <p:cNvPr id="2" name="Title 1"/>
-          <p:cNvSpPr>
-            <a:spLocks noGrp="1"/>
-          </p:cNvSpPr>
-          <p:nvPr>
-            <p:ph type="title"/>
-          </p:nvPr>
-        </p:nvSpPr>
-        <p:spPr/>
-        <p:txBody>
-          <a:bodyPr/>
-          <a:lstStyle/>
-          <a:p>
-            <a:r>
-              <a:rPr lang="en-US" dirty="0" smtClean="0">
-                <a:solidFill>
-                  <a:srgbClr val="141717"/>
-                </a:solidFill>
-                <a:latin typeface="Franklin Gothic Medium"/>
-                <a:cs typeface="Franklin Gothic Medium"/>
-              </a:rPr>
-              <a:t>Services</a:t>
-            </a:r>
-          </a:p>
-        </p:txBody>
-      </p:sp>
-      <p:sp>
-        <p:nvSpPr>
-          <p:cNvPr id="3" name="Content Placeholder 2"/>
-          <p:cNvSpPr>
-            <a:spLocks noGrp="1"/>
-          </p:cNvSpPr>
-          <p:nvPr>
-            <p:ph idx="1"/>
-          </p:nvPr>
-        </p:nvSpPr>
-        <p:spPr/>
-        <p:txBody>
-          <a:bodyPr/>
-          <a:lstStyle/>
-          <a:p>
-            <a:r>
-              <a:rPr lang="en-US" dirty="0" smtClean="0">
-                <a:solidFill>
-                  <a:srgbClr val="141717"/>
-                </a:solidFill>
-              </a:rPr>
-              <a:t>Android service are what you’d expect.</a:t>
-            </a:r>
-          </a:p>
-          <a:p>
-            <a:r>
-              <a:rPr lang="en-US" dirty="0" smtClean="0">
-                <a:solidFill>
-                  <a:srgbClr val="141717"/>
-                </a:solidFill>
-              </a:rPr>
-              <a:t>Possible to bind to an ongoing service and communicate via exposed interface</a:t>
-            </a:r>
-          </a:p>
-          <a:p>
-            <a:r>
-              <a:rPr lang="en-US" dirty="0" smtClean="0">
-                <a:solidFill>
-                  <a:srgbClr val="141717"/>
-                </a:solidFill>
-              </a:rPr>
-              <a:t>Runs in main application process but doesn’t block other components or UI</a:t>
-            </a:r>
-          </a:p>
-          <a:p>
-            <a:endParaRPr lang="en-US" dirty="0" smtClean="0">
-              <a:solidFill>
-                <a:srgbClr val="141717"/>
-              </a:solidFill>
-            </a:endParaRPr>
-          </a:p>
-          <a:p>
-            <a:endParaRPr lang="en-US" dirty="0">
-              <a:solidFill>
-                <a:srgbClr val="141717"/>
-              </a:solidFill>
-            </a:endParaRPr>
-          </a:p>
-        </p:txBody>
-      </p:sp>
-    </p:spTree>
-    <p:extLst>
-      <p:ext uri="{BB962C8B-B14F-4D97-AF65-F5344CB8AC3E}">
-        <p14:creationId xmlns:p14="http://schemas.microsoft.com/office/powerpoint/2010/main" val="847587006"/>
-      </p:ext>
-    </p:extLst>
-  </p:cSld>
-  <p:clrMapOvr>
-    <a:masterClrMapping/>
-  </p:clrMapOvr>
-</p:sld>
-</file>
-
-<file path=ppt/slides/slide24.xml><?xml version="1.0" encoding="utf-8"?>
-<p:sld xmlns:a="http://schemas.openxmlformats.org/drawingml/2006/main" xmlns:r="http://schemas.openxmlformats.org/officeDocument/2006/relationships" xmlns:p="http://schemas.openxmlformats.org/presentationml/2006/main">
-  <p:cSld>
-    <p:spTree>
-      <p:nvGrpSpPr>
-        <p:cNvPr id="1" name=""/>
-        <p:cNvGrpSpPr/>
-        <p:nvPr/>
-      </p:nvGrpSpPr>
-      <p:grpSpPr>
-        <a:xfrm>
-          <a:off x="0" y="0"/>
-          <a:ext cx="0" cy="0"/>
-          <a:chOff x="0" y="0"/>
-          <a:chExt cx="0" cy="0"/>
-        </a:xfrm>
-      </p:grpSpPr>
-      <p:sp>
-        <p:nvSpPr>
-          <p:cNvPr id="2" name="Title 1"/>
-          <p:cNvSpPr>
-            <a:spLocks noGrp="1"/>
-          </p:cNvSpPr>
-          <p:nvPr>
-            <p:ph type="title"/>
-          </p:nvPr>
-        </p:nvSpPr>
-        <p:spPr/>
-        <p:txBody>
-          <a:bodyPr/>
-          <a:lstStyle/>
-          <a:p>
-            <a:r>
-              <a:rPr lang="en-US" dirty="0" smtClean="0">
-                <a:solidFill>
-                  <a:srgbClr val="141717"/>
-                </a:solidFill>
-                <a:latin typeface="Franklin Gothic Medium"/>
-                <a:cs typeface="Franklin Gothic Medium"/>
-              </a:rPr>
-              <a:t>Content</a:t>
-            </a:r>
-            <a:r>
-              <a:rPr lang="en-US" dirty="0" smtClean="0">
-                <a:solidFill>
-                  <a:srgbClr val="141717"/>
-                </a:solidFill>
-              </a:rPr>
-              <a:t> </a:t>
-            </a:r>
-            <a:r>
-              <a:rPr lang="en-US" dirty="0" smtClean="0">
-                <a:solidFill>
-                  <a:srgbClr val="141717"/>
-                </a:solidFill>
-                <a:latin typeface="Franklin Gothic Medium"/>
-                <a:cs typeface="Franklin Gothic Medium"/>
-              </a:rPr>
-              <a:t>Providers</a:t>
-            </a:r>
-          </a:p>
-        </p:txBody>
-      </p:sp>
-      <p:sp>
-        <p:nvSpPr>
-          <p:cNvPr id="3" name="Content Placeholder 2"/>
-          <p:cNvSpPr>
-            <a:spLocks noGrp="1"/>
-          </p:cNvSpPr>
-          <p:nvPr>
-            <p:ph idx="1"/>
-          </p:nvPr>
-        </p:nvSpPr>
-        <p:spPr/>
-        <p:txBody>
-          <a:bodyPr/>
-          <a:lstStyle/>
-          <a:p>
-            <a:r>
-              <a:rPr lang="en-US" dirty="0" err="1" smtClean="0">
-                <a:solidFill>
-                  <a:srgbClr val="141717"/>
-                </a:solidFill>
-              </a:rPr>
-              <a:t>Queryable</a:t>
-            </a:r>
-            <a:r>
-              <a:rPr lang="en-US" dirty="0" smtClean="0">
-                <a:solidFill>
-                  <a:srgbClr val="141717"/>
-                </a:solidFill>
-              </a:rPr>
-              <a:t> application data stores</a:t>
-            </a:r>
-          </a:p>
-          <a:p>
-            <a:r>
-              <a:rPr lang="en-US" dirty="0" smtClean="0">
-                <a:solidFill>
-                  <a:srgbClr val="141717"/>
-                </a:solidFill>
-              </a:rPr>
-              <a:t>Only way to share data amongst other apps</a:t>
-            </a:r>
-          </a:p>
-          <a:p>
-            <a:r>
-              <a:rPr lang="en-US" dirty="0" smtClean="0">
-                <a:solidFill>
-                  <a:srgbClr val="141717"/>
-                </a:solidFill>
-              </a:rPr>
-              <a:t>Android ships with common providers</a:t>
-            </a:r>
-          </a:p>
-          <a:p>
-            <a:pPr lvl="1"/>
-            <a:r>
-              <a:rPr lang="en-US" dirty="0" smtClean="0">
-                <a:solidFill>
-                  <a:srgbClr val="141717"/>
-                </a:solidFill>
-              </a:rPr>
-              <a:t>Audio, video, images, contacts, etc.</a:t>
-            </a:r>
-          </a:p>
-          <a:p>
-            <a:r>
-              <a:rPr lang="en-US" dirty="0" smtClean="0">
-                <a:solidFill>
-                  <a:srgbClr val="141717"/>
-                </a:solidFill>
-              </a:rPr>
-              <a:t>Making your application’s data public</a:t>
-            </a:r>
-          </a:p>
-          <a:p>
-            <a:pPr lvl="1"/>
-            <a:r>
-              <a:rPr lang="en-US" dirty="0" smtClean="0">
-                <a:solidFill>
-                  <a:srgbClr val="141717"/>
-                </a:solidFill>
-              </a:rPr>
-              <a:t>Create a new provider</a:t>
-            </a:r>
-          </a:p>
-          <a:p>
-            <a:pPr lvl="1"/>
-            <a:r>
-              <a:rPr lang="en-US" dirty="0" smtClean="0">
-                <a:solidFill>
-                  <a:srgbClr val="141717"/>
-                </a:solidFill>
-              </a:rPr>
-              <a:t>Add your data to existing provider</a:t>
-            </a:r>
-          </a:p>
-        </p:txBody>
-      </p:sp>
-    </p:spTree>
-  </p:cSld>
-  <p:clrMapOvr>
-    <a:masterClrMapping/>
-  </p:clrMapOvr>
-</p:sld>
-</file>
-
-<file path=ppt/slides/slide25.xml><?xml version="1.0" encoding="utf-8"?>
-<p:sld xmlns:a="http://schemas.openxmlformats.org/drawingml/2006/main" xmlns:r="http://schemas.openxmlformats.org/officeDocument/2006/relationships" xmlns:p="http://schemas.openxmlformats.org/presentationml/2006/main">
-  <p:cSld>
-    <p:spTree>
-      <p:nvGrpSpPr>
-        <p:cNvPr id="1" name=""/>
-        <p:cNvGrpSpPr/>
-        <p:nvPr/>
-      </p:nvGrpSpPr>
-      <p:grpSpPr>
-        <a:xfrm>
-          <a:off x="0" y="0"/>
-          <a:ext cx="0" cy="0"/>
-          <a:chOff x="0" y="0"/>
-          <a:chExt cx="0" cy="0"/>
-        </a:xfrm>
-      </p:grpSpPr>
-      <p:sp>
-        <p:nvSpPr>
-          <p:cNvPr id="2" name="Title 1"/>
-          <p:cNvSpPr>
-            <a:spLocks noGrp="1"/>
-          </p:cNvSpPr>
-          <p:nvPr>
-            <p:ph type="title"/>
-          </p:nvPr>
-        </p:nvSpPr>
-        <p:spPr/>
-        <p:txBody>
-          <a:bodyPr/>
-          <a:lstStyle/>
-          <a:p>
-            <a:r>
-              <a:rPr lang="en-US" dirty="0" smtClean="0"/>
-              <a:t>Content </a:t>
-            </a:r>
-            <a:r>
-              <a:rPr lang="en-US" smtClean="0"/>
-              <a:t>Provider Layer</a:t>
-            </a:r>
-            <a:endParaRPr lang="en-US"/>
-          </a:p>
-        </p:txBody>
-      </p:sp>
-      <p:graphicFrame>
-        <p:nvGraphicFramePr>
-          <p:cNvPr id="3" name="Diagram 2"/>
-          <p:cNvGraphicFramePr/>
-          <p:nvPr/>
-        </p:nvGraphicFramePr>
-        <p:xfrm>
-          <a:off x="723900" y="1905000"/>
-          <a:ext cx="7696200" cy="3048000"/>
-        </p:xfrm>
-        <a:graphic>
-          <a:graphicData uri="http://schemas.openxmlformats.org/drawingml/2006/diagram">
-            <dgm:relIds xmlns:dgm="http://schemas.openxmlformats.org/drawingml/2006/diagram" xmlns:r="http://schemas.openxmlformats.org/officeDocument/2006/relationships" r:dm="rId2" r:lo="rId3" r:qs="rId4" r:cs="rId5"/>
-          </a:graphicData>
-        </a:graphic>
-      </p:graphicFrame>
-    </p:spTree>
-    <p:extLst>
-      <p:ext uri="{BB962C8B-B14F-4D97-AF65-F5344CB8AC3E}">
-        <p14:creationId xmlns:p14="http://schemas.microsoft.com/office/powerpoint/2010/main" val="554593828"/>
-      </p:ext>
-    </p:extLst>
-  </p:cSld>
-  <p:clrMapOvr>
-    <a:masterClrMapping/>
-  </p:clrMapOvr>
-</p:sld>
-</file>
-
-<file path=ppt/slides/slide26.xml><?xml version="1.0" encoding="utf-8"?>
-<p:sld xmlns:a="http://schemas.openxmlformats.org/drawingml/2006/main" xmlns:r="http://schemas.openxmlformats.org/officeDocument/2006/relationships" xmlns:p="http://schemas.openxmlformats.org/presentationml/2006/main">
-  <p:cSld>
-    <p:spTree>
-      <p:nvGrpSpPr>
-        <p:cNvPr id="1" name=""/>
-        <p:cNvGrpSpPr/>
-        <p:nvPr/>
-      </p:nvGrpSpPr>
-      <p:grpSpPr>
-        <a:xfrm>
-          <a:off x="0" y="0"/>
-          <a:ext cx="0" cy="0"/>
-          <a:chOff x="0" y="0"/>
-          <a:chExt cx="0" cy="0"/>
-        </a:xfrm>
-      </p:grpSpPr>
-      <p:sp>
-        <p:nvSpPr>
-          <p:cNvPr id="2" name="Title 1"/>
-          <p:cNvSpPr>
-            <a:spLocks noGrp="1"/>
-          </p:cNvSpPr>
-          <p:nvPr>
-            <p:ph type="title"/>
-          </p:nvPr>
-        </p:nvSpPr>
-        <p:spPr/>
-        <p:txBody>
-          <a:bodyPr>
-            <a:normAutofit/>
-          </a:bodyPr>
-          <a:lstStyle/>
-          <a:p>
-            <a:r>
-              <a:rPr lang="en-US" dirty="0" smtClean="0">
-                <a:solidFill>
-                  <a:srgbClr val="141717"/>
-                </a:solidFill>
-                <a:latin typeface="Franklin Gothic Medium"/>
-                <a:cs typeface="Franklin Gothic Medium"/>
-              </a:rPr>
-              <a:t>Resources</a:t>
-            </a:r>
-          </a:p>
-        </p:txBody>
-      </p:sp>
-      <p:sp>
-        <p:nvSpPr>
-          <p:cNvPr id="3" name="Content Placeholder 2"/>
-          <p:cNvSpPr>
-            <a:spLocks noGrp="1"/>
-          </p:cNvSpPr>
-          <p:nvPr>
-            <p:ph idx="1"/>
-          </p:nvPr>
-        </p:nvSpPr>
-        <p:spPr/>
-        <p:txBody>
-          <a:bodyPr>
-            <a:normAutofit fontScale="92500" lnSpcReduction="20000"/>
-          </a:bodyPr>
-          <a:lstStyle/>
-          <a:p>
-            <a:pPr>
-              <a:lnSpc>
-                <a:spcPct val="150000"/>
-              </a:lnSpc>
-            </a:pPr>
-            <a:r>
-              <a:rPr lang="en-US" dirty="0" smtClean="0">
-                <a:solidFill>
-                  <a:srgbClr val="141717"/>
-                </a:solidFill>
-              </a:rPr>
-              <a:t>Images, layout descriptions, binary blobs and string dictionaries</a:t>
-            </a:r>
-          </a:p>
-          <a:p>
-            <a:pPr>
-              <a:lnSpc>
-                <a:spcPct val="150000"/>
-              </a:lnSpc>
-            </a:pPr>
-            <a:r>
-              <a:rPr lang="en-US" dirty="0" smtClean="0">
-                <a:solidFill>
-                  <a:srgbClr val="141717"/>
-                </a:solidFill>
-              </a:rPr>
-              <a:t>Abstraction layer which helps decouples code</a:t>
-            </a:r>
-          </a:p>
-          <a:p>
-            <a:pPr>
-              <a:lnSpc>
-                <a:spcPct val="150000"/>
-              </a:lnSpc>
-            </a:pPr>
-            <a:r>
-              <a:rPr lang="en-US" dirty="0" smtClean="0">
-                <a:solidFill>
-                  <a:srgbClr val="141717"/>
-                </a:solidFill>
-              </a:rPr>
-              <a:t>Makes managing assets easier</a:t>
-            </a:r>
-          </a:p>
-          <a:p>
-            <a:pPr lvl="1">
-              <a:lnSpc>
-                <a:spcPct val="150000"/>
-              </a:lnSpc>
-            </a:pPr>
-            <a:r>
-              <a:rPr lang="en-US" dirty="0" smtClean="0">
-                <a:solidFill>
-                  <a:srgbClr val="141717"/>
-                </a:solidFill>
-              </a:rPr>
-              <a:t>Localization</a:t>
-            </a:r>
-          </a:p>
-          <a:p>
-            <a:pPr lvl="1">
-              <a:lnSpc>
-                <a:spcPct val="150000"/>
-              </a:lnSpc>
-            </a:pPr>
-            <a:r>
-              <a:rPr lang="en-US" dirty="0" smtClean="0">
-                <a:solidFill>
-                  <a:srgbClr val="141717"/>
-                </a:solidFill>
-              </a:rPr>
-              <a:t>Multiple displays</a:t>
-            </a:r>
-          </a:p>
-          <a:p>
-            <a:pPr lvl="1">
-              <a:lnSpc>
-                <a:spcPct val="150000"/>
-              </a:lnSpc>
-            </a:pPr>
-            <a:r>
-              <a:rPr lang="en-US" dirty="0" smtClean="0">
-                <a:solidFill>
-                  <a:srgbClr val="141717"/>
-                </a:solidFill>
-              </a:rPr>
-              <a:t>Different hardware configurations</a:t>
-            </a:r>
-          </a:p>
-        </p:txBody>
-      </p:sp>
-    </p:spTree>
-  </p:cSld>
-  <p:clrMapOvr>
-    <a:masterClrMapping/>
-  </p:clrMapOvr>
-</p:sld>
-</file>
-
-<file path=ppt/slides/slide27.xml><?xml version="1.0" encoding="utf-8"?>
-<p:sld xmlns:a="http://schemas.openxmlformats.org/drawingml/2006/main" xmlns:r="http://schemas.openxmlformats.org/officeDocument/2006/relationships" xmlns:p="http://schemas.openxmlformats.org/presentationml/2006/main">
-  <p:cSld>
-    <p:spTree>
-      <p:nvGrpSpPr>
-        <p:cNvPr id="1" name=""/>
-        <p:cNvGrpSpPr/>
-        <p:nvPr/>
-      </p:nvGrpSpPr>
-      <p:grpSpPr>
-        <a:xfrm>
-          <a:off x="0" y="0"/>
-          <a:ext cx="0" cy="0"/>
-          <a:chOff x="0" y="0"/>
-          <a:chExt cx="0" cy="0"/>
-        </a:xfrm>
-      </p:grpSpPr>
-      <p:sp>
-        <p:nvSpPr>
-          <p:cNvPr id="2" name="Title 1"/>
-          <p:cNvSpPr>
-            <a:spLocks noGrp="1"/>
-          </p:cNvSpPr>
-          <p:nvPr>
-            <p:ph type="title"/>
-          </p:nvPr>
-        </p:nvSpPr>
-        <p:spPr/>
-        <p:txBody>
-          <a:bodyPr>
-            <a:normAutofit/>
-          </a:bodyPr>
-          <a:lstStyle/>
-          <a:p>
-            <a:r>
-              <a:rPr lang="en-US" dirty="0" smtClean="0">
-                <a:solidFill>
-                  <a:srgbClr val="141717"/>
-                </a:solidFill>
-                <a:latin typeface="Franklin Gothic Medium"/>
-                <a:cs typeface="Franklin Gothic Medium"/>
-              </a:rPr>
-              <a:t>Code Demo</a:t>
-            </a:r>
-          </a:p>
-        </p:txBody>
-      </p:sp>
-      <p:sp>
-        <p:nvSpPr>
-          <p:cNvPr id="3" name="Content Placeholder 2"/>
-          <p:cNvSpPr>
-            <a:spLocks noGrp="1"/>
-          </p:cNvSpPr>
-          <p:nvPr>
-            <p:ph idx="1"/>
-          </p:nvPr>
-        </p:nvSpPr>
-        <p:spPr/>
-        <p:txBody>
-          <a:bodyPr>
-            <a:normAutofit/>
-          </a:bodyPr>
-          <a:lstStyle/>
-          <a:p>
-            <a:endParaRPr lang="en-US" dirty="0" smtClean="0"/>
-          </a:p>
-          <a:p>
-            <a:endParaRPr lang="en-US" dirty="0" smtClean="0"/>
-          </a:p>
-          <a:p>
-            <a:pPr>
-              <a:buNone/>
-            </a:pPr>
-            <a:endParaRPr lang="en-US" dirty="0" smtClean="0"/>
-          </a:p>
-          <a:p>
-            <a:pPr algn="ctr">
-              <a:buNone/>
-            </a:pPr>
-            <a:r>
-              <a:rPr lang="en-US" sz="2000" dirty="0" smtClean="0">
-                <a:latin typeface="Lucida Console" pitchFamily="49" charset="0"/>
-                <a:hlinkClick r:id="rId3"/>
-              </a:rPr>
-              <a:t>https://github.com/kevinmcmahon/MonoDroid101</a:t>
-            </a:r>
-            <a:endParaRPr lang="en-US" sz="2000" dirty="0" smtClean="0">
-              <a:latin typeface="Lucida Console" pitchFamily="49" charset="0"/>
-            </a:endParaRPr>
-          </a:p>
-        </p:txBody>
-      </p:sp>
-    </p:spTree>
-  </p:cSld>
-  <p:clrMapOvr>
-    <a:masterClrMapping/>
-  </p:clrMapOvr>
-</p:sld>
-</file>
-
 <file path=ppt/slides/slide28.xml><?xml version="1.0" encoding="utf-8"?>
 <p:sld xmlns:a="http://schemas.openxmlformats.org/drawingml/2006/main" xmlns:r="http://schemas.openxmlformats.org/officeDocument/2006/relationships" xmlns:p="http://schemas.openxmlformats.org/presentationml/2006/main">
   <p:cSld>
@@ -10609,35 +10095,8 @@
                 <a:latin typeface="Franklin Gothic Medium"/>
                 <a:cs typeface="Franklin Gothic Medium"/>
               </a:rPr>
-              <a:t>Mono </a:t>
-            </a:r>
-            <a:r>
-              <a:rPr lang="en-US" smtClean="0">
-                <a:solidFill>
-                  <a:srgbClr val="141717"/>
-                </a:solidFill>
-                <a:latin typeface="Franklin Gothic Medium"/>
-                <a:cs typeface="Franklin Gothic Medium"/>
-              </a:rPr>
-              <a:t>for Android </a:t>
-            </a:r>
-            <a:r>
-              <a:rPr lang="en-US" dirty="0" smtClean="0">
-                <a:solidFill>
-                  <a:srgbClr val="141717"/>
-                </a:solidFill>
-                <a:latin typeface="Franklin Gothic Medium"/>
-                <a:cs typeface="Franklin Gothic Medium"/>
-              </a:rPr>
-              <a:t>Resources</a:t>
-            </a:r>
-            <a:endParaRPr lang="en-US" dirty="0">
-              <a:solidFill>
-                <a:srgbClr val="141717"/>
-              </a:solidFill>
-              <a:latin typeface="Franklin Gothic Medium"/>
-              <a:cs typeface="Franklin Gothic Medium"/>
-            </a:endParaRPr>
+              <a:t>Activity Life Cycle</a:t>
+            </a:r>
           </a:p>
         </p:txBody>
       </p:sp>
@@ -10653,91 +10112,17 @@
         </p:nvSpPr>
         <p:spPr/>
         <p:txBody>
-          <a:bodyPr>
-            <a:normAutofit fontScale="70000" lnSpcReduction="20000"/>
-          </a:bodyPr>
+          <a:bodyPr/>
           <a:lstStyle/>
           <a:p>
-            <a:pPr>
-              <a:buNone/>
-            </a:pPr>
-            <a:r>
-              <a:rPr lang="en-US" dirty="0" smtClean="0">
-                <a:solidFill>
-                  <a:srgbClr val="141717"/>
-                </a:solidFill>
-              </a:rPr>
-              <a:t>Download the Preview!</a:t>
-            </a:r>
-          </a:p>
-          <a:p>
-            <a:r>
-              <a:rPr lang="en-US" dirty="0" smtClean="0">
-                <a:solidFill>
-                  <a:srgbClr val="141717"/>
-                </a:solidFill>
-                <a:latin typeface="Lucida Console"/>
-                <a:cs typeface="Lucida Console"/>
-                <a:hlinkClick r:id="rId2"/>
-              </a:rPr>
-              <a:t>http:</a:t>
-            </a:r>
-            <a:r>
-              <a:rPr lang="en-US" dirty="0">
-                <a:solidFill>
-                  <a:srgbClr val="141717"/>
-                </a:solidFill>
-                <a:latin typeface="Lucida Console"/>
-                <a:cs typeface="Lucida Console"/>
-                <a:hlinkClick r:id="rId2"/>
-              </a:rPr>
-              <a:t>/</a:t>
-            </a:r>
-            <a:r>
-              <a:rPr lang="en-US" dirty="0" smtClean="0">
-                <a:solidFill>
-                  <a:srgbClr val="141717"/>
-                </a:solidFill>
-                <a:latin typeface="Lucida Console"/>
-                <a:cs typeface="Lucida Console"/>
-                <a:hlinkClick r:id="rId2"/>
-              </a:rPr>
-              <a:t>/mono</a:t>
-            </a:r>
-            <a:r>
-              <a:rPr lang="en-US" dirty="0">
-                <a:solidFill>
-                  <a:srgbClr val="141717"/>
-                </a:solidFill>
-                <a:latin typeface="Lucida Console"/>
-                <a:cs typeface="Lucida Console"/>
-                <a:hlinkClick r:id="rId2"/>
-              </a:rPr>
-              <a:t>-</a:t>
-            </a:r>
-            <a:r>
-              <a:rPr lang="en-US" dirty="0" smtClean="0">
-                <a:solidFill>
-                  <a:srgbClr val="141717"/>
-                </a:solidFill>
-                <a:latin typeface="Lucida Console"/>
-                <a:cs typeface="Lucida Console"/>
-                <a:hlinkClick r:id="rId2"/>
-              </a:rPr>
-              <a:t>android.net/Welcome</a:t>
-            </a:r>
-            <a:endParaRPr lang="en-US" dirty="0" smtClean="0">
-              <a:solidFill>
-                <a:srgbClr val="141717"/>
-              </a:solidFill>
-              <a:latin typeface="Lucida Console"/>
-              <a:cs typeface="Lucida Console"/>
-            </a:endParaRPr>
-          </a:p>
-          <a:p>
-            <a:pPr>
-              <a:buNone/>
-            </a:pPr>
+            <a:r>
+              <a:rPr lang="en-US" dirty="0" err="1" smtClean="0">
+                <a:solidFill>
+                  <a:srgbClr val="141717"/>
+                </a:solidFill>
+              </a:rPr>
+              <a:t>onCreate</a:t>
+            </a:r>
             <a:endParaRPr lang="en-US" dirty="0" smtClean="0">
               <a:solidFill>
                 <a:srgbClr val="141717"/>
@@ -10745,49 +10130,14 @@
             </a:endParaRPr>
           </a:p>
           <a:p>
-            <a:pPr>
-              <a:buNone/>
-            </a:pPr>
-            <a:r>
-              <a:rPr lang="en-US" dirty="0" smtClean="0">
-                <a:solidFill>
-                  <a:srgbClr val="141717"/>
-                </a:solidFill>
-              </a:rPr>
-              <a:t>Links</a:t>
-            </a:r>
-          </a:p>
-          <a:p>
-            <a:r>
-              <a:rPr lang="en-US" sz="2571" dirty="0" smtClean="0">
-                <a:solidFill>
-                  <a:srgbClr val="141717"/>
-                </a:solidFill>
-                <a:latin typeface="Lucida Console"/>
-                <a:hlinkClick r:id="rId3"/>
-              </a:rPr>
-              <a:t>http://www.mono-android.net</a:t>
-            </a:r>
-          </a:p>
-          <a:p>
-            <a:r>
-              <a:rPr lang="en-US" sz="2571" dirty="0" smtClean="0">
-                <a:solidFill>
-                  <a:srgbClr val="141717"/>
-                </a:solidFill>
-                <a:latin typeface="Lucida Console"/>
-                <a:hlinkClick r:id="rId4"/>
-              </a:rPr>
-              <a:t>http://developer.android.com/</a:t>
-            </a:r>
-            <a:endParaRPr lang="en-US" sz="2571" dirty="0" smtClean="0">
-              <a:solidFill>
-                <a:srgbClr val="141717"/>
-              </a:solidFill>
-              <a:latin typeface="Lucida Console"/>
-            </a:endParaRPr>
-          </a:p>
-          <a:p>
+            <a:r>
+              <a:rPr lang="en-US" dirty="0" err="1" smtClean="0">
+                <a:solidFill>
+                  <a:srgbClr val="141717"/>
+                </a:solidFill>
+              </a:rPr>
+              <a:t>onStart</a:t>
+            </a:r>
             <a:endParaRPr lang="en-US" dirty="0" smtClean="0">
               <a:solidFill>
                 <a:srgbClr val="141717"/>
@@ -10795,68 +10145,14 @@
             </a:endParaRPr>
           </a:p>
           <a:p>
-            <a:pPr>
-              <a:buNone/>
-            </a:pPr>
-            <a:r>
-              <a:rPr lang="en-US" dirty="0" smtClean="0">
-                <a:solidFill>
-                  <a:srgbClr val="141717"/>
-                </a:solidFill>
-              </a:rPr>
-              <a:t>IRC Support / Discussion</a:t>
-            </a:r>
-          </a:p>
-          <a:p>
-            <a:r>
-              <a:rPr lang="en-US" sz="2581" dirty="0" smtClean="0">
-                <a:solidFill>
-                  <a:srgbClr val="141717"/>
-                </a:solidFill>
-                <a:latin typeface="Lucida Console"/>
-                <a:cs typeface="Lucida Console"/>
-              </a:rPr>
-              <a:t>#</a:t>
-            </a:r>
-            <a:r>
-              <a:rPr lang="en-US" sz="2581" dirty="0" err="1" smtClean="0">
-                <a:solidFill>
-                  <a:srgbClr val="141717"/>
-                </a:solidFill>
-                <a:latin typeface="Lucida Console"/>
-                <a:cs typeface="Lucida Console"/>
-              </a:rPr>
-              <a:t>monodroid</a:t>
-            </a:r>
-            <a:r>
-              <a:rPr lang="en-US" sz="2581" dirty="0" smtClean="0">
-                <a:solidFill>
-                  <a:srgbClr val="141717"/>
-                </a:solidFill>
-                <a:latin typeface="Lucida Console"/>
-                <a:cs typeface="Lucida Console"/>
-              </a:rPr>
-              <a:t>  on </a:t>
-            </a:r>
-            <a:r>
-              <a:rPr lang="en-US" sz="2581" dirty="0" err="1" smtClean="0">
-                <a:solidFill>
-                  <a:srgbClr val="141717"/>
-                </a:solidFill>
-                <a:latin typeface="Lucida Console"/>
-                <a:cs typeface="Lucida Console"/>
-              </a:rPr>
-              <a:t>irc.gnome.org</a:t>
-            </a:r>
-            <a:endParaRPr lang="en-US" sz="2581" dirty="0" smtClean="0">
-              <a:solidFill>
-                <a:srgbClr val="141717"/>
-              </a:solidFill>
-              <a:latin typeface="Lucida Console"/>
-              <a:cs typeface="Lucida Console"/>
-            </a:endParaRPr>
-          </a:p>
-          <a:p>
+            <a:r>
+              <a:rPr lang="en-US" dirty="0" err="1" smtClean="0">
+                <a:solidFill>
+                  <a:srgbClr val="141717"/>
+                </a:solidFill>
+              </a:rPr>
+              <a:t>onResume</a:t>
+            </a:r>
             <a:endParaRPr lang="en-US" dirty="0" smtClean="0">
               <a:solidFill>
                 <a:srgbClr val="141717"/>
@@ -10864,51 +10160,189 @@
             </a:endParaRPr>
           </a:p>
           <a:p>
-            <a:pPr>
-              <a:buNone/>
-            </a:pPr>
-            <a:r>
-              <a:rPr lang="en-US" dirty="0" smtClean="0">
-                <a:solidFill>
-                  <a:srgbClr val="141717"/>
-                </a:solidFill>
-              </a:rPr>
-              <a:t>Code</a:t>
-            </a:r>
-          </a:p>
-          <a:p>
-            <a:r>
-              <a:rPr lang="en-US" sz="2571" dirty="0" smtClean="0">
-                <a:solidFill>
-                  <a:srgbClr val="141717"/>
-                </a:solidFill>
-                <a:latin typeface="Lucida Console"/>
-                <a:cs typeface="Lucida Console"/>
-                <a:hlinkClick r:id="rId5"/>
-              </a:rPr>
-              <a:t>https://github.com/mono/monodroid-samples</a:t>
-            </a:r>
-            <a:endParaRPr lang="en-US" sz="2571" dirty="0" smtClean="0">
+            <a:r>
+              <a:rPr lang="en-US" dirty="0" err="1" smtClean="0">
+                <a:solidFill>
+                  <a:srgbClr val="141717"/>
+                </a:solidFill>
+              </a:rPr>
+              <a:t>onPause</a:t>
+            </a:r>
+            <a:endParaRPr lang="en-US" dirty="0" smtClean="0">
               <a:solidFill>
                 <a:srgbClr val="141717"/>
               </a:solidFill>
-              <a:latin typeface="Lucida Console"/>
-              <a:cs typeface="Lucida Console"/>
             </a:endParaRPr>
           </a:p>
           <a:p>
             <a:r>
-              <a:rPr lang="en-US" sz="2571" dirty="0" smtClean="0">
-                <a:solidFill>
-                  <a:srgbClr val="141717"/>
-                </a:solidFill>
-                <a:latin typeface="Lucida Console"/>
-                <a:cs typeface="Lucida Console"/>
-                <a:hlinkClick r:id="rId6"/>
-              </a:rPr>
-              <a:t>https://github.com/kevinmcmahon/MonoDroid101</a:t>
-            </a:r>
-            <a:endParaRPr lang="en-US" sz="2400" dirty="0" smtClean="0">
+              <a:rPr lang="en-US" dirty="0" err="1" smtClean="0">
+                <a:solidFill>
+                  <a:srgbClr val="141717"/>
+                </a:solidFill>
+              </a:rPr>
+              <a:t>onStop</a:t>
+            </a:r>
+            <a:endParaRPr lang="en-US" dirty="0" smtClean="0">
+              <a:solidFill>
+                <a:srgbClr val="141717"/>
+              </a:solidFill>
+            </a:endParaRPr>
+          </a:p>
+          <a:p>
+            <a:r>
+              <a:rPr lang="en-US" dirty="0" err="1" smtClean="0">
+                <a:solidFill>
+                  <a:srgbClr val="141717"/>
+                </a:solidFill>
+              </a:rPr>
+              <a:t>onDestroy</a:t>
+            </a:r>
+            <a:endParaRPr lang="en-US" dirty="0" smtClean="0">
+              <a:solidFill>
+                <a:srgbClr val="141717"/>
+              </a:solidFill>
+            </a:endParaRPr>
+          </a:p>
+          <a:p>
+            <a:endParaRPr lang="en-US" dirty="0" smtClean="0">
+              <a:solidFill>
+                <a:srgbClr val="141717"/>
+              </a:solidFill>
+            </a:endParaRPr>
+          </a:p>
+          <a:p>
+            <a:endParaRPr lang="en-US" dirty="0" smtClean="0">
+              <a:solidFill>
+                <a:srgbClr val="141717"/>
+              </a:solidFill>
+            </a:endParaRPr>
+          </a:p>
+          <a:p>
+            <a:endParaRPr lang="en-US" dirty="0">
+              <a:solidFill>
+                <a:srgbClr val="141717"/>
+              </a:solidFill>
+            </a:endParaRPr>
+          </a:p>
+        </p:txBody>
+      </p:sp>
+    </p:spTree>
+  </p:cSld>
+  <p:clrMapOvr>
+    <a:masterClrMapping/>
+  </p:clrMapOvr>
+</p:sld>
+</file>
+
+<file path=ppt/slides/slide29.xml><?xml version="1.0" encoding="utf-8"?>
+<p:sld xmlns:a="http://schemas.openxmlformats.org/drawingml/2006/main" xmlns:r="http://schemas.openxmlformats.org/officeDocument/2006/relationships" xmlns:p="http://schemas.openxmlformats.org/presentationml/2006/main">
+  <p:cSld>
+    <p:spTree>
+      <p:nvGrpSpPr>
+        <p:cNvPr id="1" name=""/>
+        <p:cNvGrpSpPr/>
+        <p:nvPr/>
+      </p:nvGrpSpPr>
+      <p:grpSpPr>
+        <a:xfrm>
+          <a:off x="0" y="0"/>
+          <a:ext cx="0" cy="0"/>
+          <a:chOff x="0" y="0"/>
+          <a:chExt cx="0" cy="0"/>
+        </a:xfrm>
+      </p:grpSpPr>
+      <p:sp>
+        <p:nvSpPr>
+          <p:cNvPr id="2" name="Title 1"/>
+          <p:cNvSpPr>
+            <a:spLocks noGrp="1"/>
+          </p:cNvSpPr>
+          <p:nvPr>
+            <p:ph type="title"/>
+          </p:nvPr>
+        </p:nvSpPr>
+        <p:spPr/>
+        <p:txBody>
+          <a:bodyPr>
+            <a:normAutofit/>
+          </a:bodyPr>
+          <a:lstStyle/>
+          <a:p>
+            <a:r>
+              <a:rPr lang="en-US" dirty="0" smtClean="0">
+                <a:solidFill>
+                  <a:srgbClr val="141717"/>
+                </a:solidFill>
+                <a:latin typeface="Franklin Gothic Medium"/>
+                <a:cs typeface="Franklin Gothic Medium"/>
+              </a:rPr>
+              <a:t>Intents</a:t>
+            </a:r>
+          </a:p>
+        </p:txBody>
+      </p:sp>
+      <p:sp>
+        <p:nvSpPr>
+          <p:cNvPr id="3" name="Content Placeholder 2"/>
+          <p:cNvSpPr>
+            <a:spLocks noGrp="1"/>
+          </p:cNvSpPr>
+          <p:nvPr>
+            <p:ph idx="1"/>
+          </p:nvPr>
+        </p:nvSpPr>
+        <p:spPr/>
+        <p:txBody>
+          <a:bodyPr/>
+          <a:lstStyle/>
+          <a:p>
+            <a:r>
+              <a:rPr lang="en-US" dirty="0" err="1" smtClean="0">
+                <a:solidFill>
+                  <a:srgbClr val="141717"/>
+                </a:solidFill>
+              </a:rPr>
+              <a:t>Eventing</a:t>
+            </a:r>
+            <a:r>
+              <a:rPr lang="en-US" dirty="0" smtClean="0">
+                <a:solidFill>
+                  <a:srgbClr val="141717"/>
+                </a:solidFill>
+              </a:rPr>
+              <a:t> mechanism</a:t>
+            </a:r>
+          </a:p>
+          <a:p>
+            <a:r>
+              <a:rPr lang="en-US" dirty="0" smtClean="0">
+                <a:solidFill>
+                  <a:srgbClr val="141717"/>
+                </a:solidFill>
+              </a:rPr>
+              <a:t>Intent objects are passive data that is of interest to the component that is receiving the intent</a:t>
+            </a:r>
+          </a:p>
+          <a:p>
+            <a:r>
+              <a:rPr lang="en-US" dirty="0" smtClean="0">
+                <a:solidFill>
+                  <a:srgbClr val="141717"/>
+                </a:solidFill>
+              </a:rPr>
+              <a:t>Filterable so you can pick and choose which events to respond to</a:t>
+            </a:r>
+          </a:p>
+          <a:p>
+            <a:endParaRPr lang="en-US" dirty="0" smtClean="0">
+              <a:solidFill>
+                <a:srgbClr val="141717"/>
+              </a:solidFill>
+            </a:endParaRPr>
+          </a:p>
+          <a:p>
+            <a:endParaRPr lang="en-US" dirty="0" smtClean="0">
               <a:solidFill>
                 <a:srgbClr val="141717"/>
               </a:solidFill>
@@ -11030,38 +10464,989 @@
           </a:p>
         </p:txBody>
       </p:sp>
-      <p:sp>
-        <p:nvSpPr>
-          <p:cNvPr id="9" name="TextBox 8"/>
-          <p:cNvSpPr txBox="1"/>
-          <p:nvPr/>
-        </p:nvSpPr>
-        <p:spPr>
-          <a:xfrm>
-            <a:off x="1778000" y="2981158"/>
-            <a:ext cx="184666" cy="369332"/>
-          </a:xfrm>
-          <a:prstGeom prst="rect">
-            <a:avLst/>
-          </a:prstGeom>
-          <a:noFill/>
-        </p:spPr>
-        <p:txBody>
-          <a:bodyPr wrap="none" rtlCol="0">
-            <a:spAutoFit/>
-          </a:bodyPr>
-          <a:lstStyle/>
-          <a:p>
-            <a:endParaRPr lang="en-US" dirty="0"/>
-          </a:p>
-        </p:txBody>
-      </p:sp>
     </p:spTree>
     <p:extLst>
       <p:ext uri="{BB962C8B-B14F-4D97-AF65-F5344CB8AC3E}">
         <p14:creationId xmlns:p14="http://schemas.microsoft.com/office/powerpoint/2010/main" val="1847769883"/>
       </p:ext>
     </p:extLst>
+  </p:cSld>
+  <p:clrMapOvr>
+    <a:masterClrMapping/>
+  </p:clrMapOvr>
+</p:sld>
+</file>
+
+<file path=ppt/slides/slide30.xml><?xml version="1.0" encoding="utf-8"?>
+<p:sld xmlns:a="http://schemas.openxmlformats.org/drawingml/2006/main" xmlns:r="http://schemas.openxmlformats.org/officeDocument/2006/relationships" xmlns:p="http://schemas.openxmlformats.org/presentationml/2006/main">
+  <p:cSld>
+    <p:spTree>
+      <p:nvGrpSpPr>
+        <p:cNvPr id="1" name=""/>
+        <p:cNvGrpSpPr/>
+        <p:nvPr/>
+      </p:nvGrpSpPr>
+      <p:grpSpPr>
+        <a:xfrm>
+          <a:off x="0" y="0"/>
+          <a:ext cx="0" cy="0"/>
+          <a:chOff x="0" y="0"/>
+          <a:chExt cx="0" cy="0"/>
+        </a:xfrm>
+      </p:grpSpPr>
+      <p:sp>
+        <p:nvSpPr>
+          <p:cNvPr id="2" name="Title 1"/>
+          <p:cNvSpPr>
+            <a:spLocks noGrp="1"/>
+          </p:cNvSpPr>
+          <p:nvPr>
+            <p:ph type="title"/>
+          </p:nvPr>
+        </p:nvSpPr>
+        <p:spPr/>
+        <p:txBody>
+          <a:bodyPr/>
+          <a:lstStyle/>
+          <a:p>
+            <a:r>
+              <a:rPr lang="en-US" dirty="0" smtClean="0">
+                <a:solidFill>
+                  <a:srgbClr val="141717"/>
+                </a:solidFill>
+                <a:latin typeface="Franklin Gothic Medium"/>
+                <a:cs typeface="Franklin Gothic Medium"/>
+              </a:rPr>
+              <a:t>Services</a:t>
+            </a:r>
+          </a:p>
+        </p:txBody>
+      </p:sp>
+      <p:sp>
+        <p:nvSpPr>
+          <p:cNvPr id="3" name="Content Placeholder 2"/>
+          <p:cNvSpPr>
+            <a:spLocks noGrp="1"/>
+          </p:cNvSpPr>
+          <p:nvPr>
+            <p:ph idx="1"/>
+          </p:nvPr>
+        </p:nvSpPr>
+        <p:spPr/>
+        <p:txBody>
+          <a:bodyPr/>
+          <a:lstStyle/>
+          <a:p>
+            <a:r>
+              <a:rPr lang="en-US" dirty="0" smtClean="0">
+                <a:solidFill>
+                  <a:srgbClr val="141717"/>
+                </a:solidFill>
+              </a:rPr>
+              <a:t>Android service are what you’d expect.</a:t>
+            </a:r>
+          </a:p>
+          <a:p>
+            <a:r>
+              <a:rPr lang="en-US" dirty="0" smtClean="0">
+                <a:solidFill>
+                  <a:srgbClr val="141717"/>
+                </a:solidFill>
+              </a:rPr>
+              <a:t>Possible to bind to an ongoing service and communicate via exposed interface</a:t>
+            </a:r>
+          </a:p>
+          <a:p>
+            <a:r>
+              <a:rPr lang="en-US" dirty="0" smtClean="0">
+                <a:solidFill>
+                  <a:srgbClr val="141717"/>
+                </a:solidFill>
+              </a:rPr>
+              <a:t>Runs in main application process but doesn’t block other components or UI</a:t>
+            </a:r>
+          </a:p>
+          <a:p>
+            <a:endParaRPr lang="en-US" dirty="0" smtClean="0">
+              <a:solidFill>
+                <a:srgbClr val="141717"/>
+              </a:solidFill>
+            </a:endParaRPr>
+          </a:p>
+          <a:p>
+            <a:endParaRPr lang="en-US" dirty="0">
+              <a:solidFill>
+                <a:srgbClr val="141717"/>
+              </a:solidFill>
+            </a:endParaRPr>
+          </a:p>
+        </p:txBody>
+      </p:sp>
+    </p:spTree>
+    <p:extLst>
+      <p:ext uri="{BB962C8B-B14F-4D97-AF65-F5344CB8AC3E}">
+        <p14:creationId xmlns:p14="http://schemas.microsoft.com/office/powerpoint/2010/main" val="847587006"/>
+      </p:ext>
+    </p:extLst>
+  </p:cSld>
+  <p:clrMapOvr>
+    <a:masterClrMapping/>
+  </p:clrMapOvr>
+</p:sld>
+</file>
+
+<file path=ppt/slides/slide31.xml><?xml version="1.0" encoding="utf-8"?>
+<p:sld xmlns:a="http://schemas.openxmlformats.org/drawingml/2006/main" xmlns:r="http://schemas.openxmlformats.org/officeDocument/2006/relationships" xmlns:p="http://schemas.openxmlformats.org/presentationml/2006/main">
+  <p:cSld>
+    <p:spTree>
+      <p:nvGrpSpPr>
+        <p:cNvPr id="1" name=""/>
+        <p:cNvGrpSpPr/>
+        <p:nvPr/>
+      </p:nvGrpSpPr>
+      <p:grpSpPr>
+        <a:xfrm>
+          <a:off x="0" y="0"/>
+          <a:ext cx="0" cy="0"/>
+          <a:chOff x="0" y="0"/>
+          <a:chExt cx="0" cy="0"/>
+        </a:xfrm>
+      </p:grpSpPr>
+      <p:sp>
+        <p:nvSpPr>
+          <p:cNvPr id="2" name="Title 1"/>
+          <p:cNvSpPr>
+            <a:spLocks noGrp="1"/>
+          </p:cNvSpPr>
+          <p:nvPr>
+            <p:ph type="title"/>
+          </p:nvPr>
+        </p:nvSpPr>
+        <p:spPr/>
+        <p:txBody>
+          <a:bodyPr/>
+          <a:lstStyle/>
+          <a:p>
+            <a:r>
+              <a:rPr lang="en-US" dirty="0" smtClean="0">
+                <a:solidFill>
+                  <a:srgbClr val="141717"/>
+                </a:solidFill>
+                <a:latin typeface="Franklin Gothic Medium"/>
+                <a:cs typeface="Franklin Gothic Medium"/>
+              </a:rPr>
+              <a:t>Content</a:t>
+            </a:r>
+            <a:r>
+              <a:rPr lang="en-US" dirty="0" smtClean="0">
+                <a:solidFill>
+                  <a:srgbClr val="141717"/>
+                </a:solidFill>
+              </a:rPr>
+              <a:t> </a:t>
+            </a:r>
+            <a:r>
+              <a:rPr lang="en-US" dirty="0" smtClean="0">
+                <a:solidFill>
+                  <a:srgbClr val="141717"/>
+                </a:solidFill>
+                <a:latin typeface="Franklin Gothic Medium"/>
+                <a:cs typeface="Franklin Gothic Medium"/>
+              </a:rPr>
+              <a:t>Providers</a:t>
+            </a:r>
+          </a:p>
+        </p:txBody>
+      </p:sp>
+      <p:sp>
+        <p:nvSpPr>
+          <p:cNvPr id="3" name="Content Placeholder 2"/>
+          <p:cNvSpPr>
+            <a:spLocks noGrp="1"/>
+          </p:cNvSpPr>
+          <p:nvPr>
+            <p:ph idx="1"/>
+          </p:nvPr>
+        </p:nvSpPr>
+        <p:spPr/>
+        <p:txBody>
+          <a:bodyPr/>
+          <a:lstStyle/>
+          <a:p>
+            <a:r>
+              <a:rPr lang="en-US" dirty="0" err="1" smtClean="0">
+                <a:solidFill>
+                  <a:srgbClr val="141717"/>
+                </a:solidFill>
+              </a:rPr>
+              <a:t>Queryable</a:t>
+            </a:r>
+            <a:r>
+              <a:rPr lang="en-US" dirty="0" smtClean="0">
+                <a:solidFill>
+                  <a:srgbClr val="141717"/>
+                </a:solidFill>
+              </a:rPr>
+              <a:t> application data stores</a:t>
+            </a:r>
+          </a:p>
+          <a:p>
+            <a:r>
+              <a:rPr lang="en-US" dirty="0" smtClean="0">
+                <a:solidFill>
+                  <a:srgbClr val="141717"/>
+                </a:solidFill>
+              </a:rPr>
+              <a:t>Only way to share data amongst other apps</a:t>
+            </a:r>
+          </a:p>
+          <a:p>
+            <a:r>
+              <a:rPr lang="en-US" dirty="0" smtClean="0">
+                <a:solidFill>
+                  <a:srgbClr val="141717"/>
+                </a:solidFill>
+              </a:rPr>
+              <a:t>Android ships with common providers</a:t>
+            </a:r>
+          </a:p>
+          <a:p>
+            <a:pPr lvl="1"/>
+            <a:r>
+              <a:rPr lang="en-US" dirty="0" smtClean="0">
+                <a:solidFill>
+                  <a:srgbClr val="141717"/>
+                </a:solidFill>
+              </a:rPr>
+              <a:t>Audio, video, images, contacts, etc.</a:t>
+            </a:r>
+          </a:p>
+          <a:p>
+            <a:r>
+              <a:rPr lang="en-US" dirty="0" smtClean="0">
+                <a:solidFill>
+                  <a:srgbClr val="141717"/>
+                </a:solidFill>
+              </a:rPr>
+              <a:t>Making your application’s data public</a:t>
+            </a:r>
+          </a:p>
+          <a:p>
+            <a:pPr lvl="1"/>
+            <a:r>
+              <a:rPr lang="en-US" dirty="0" smtClean="0">
+                <a:solidFill>
+                  <a:srgbClr val="141717"/>
+                </a:solidFill>
+              </a:rPr>
+              <a:t>Create a new provider</a:t>
+            </a:r>
+          </a:p>
+          <a:p>
+            <a:pPr lvl="1"/>
+            <a:r>
+              <a:rPr lang="en-US" dirty="0" smtClean="0">
+                <a:solidFill>
+                  <a:srgbClr val="141717"/>
+                </a:solidFill>
+              </a:rPr>
+              <a:t>Add your data to existing provider</a:t>
+            </a:r>
+          </a:p>
+        </p:txBody>
+      </p:sp>
+    </p:spTree>
+  </p:cSld>
+  <p:clrMapOvr>
+    <a:masterClrMapping/>
+  </p:clrMapOvr>
+</p:sld>
+</file>
+
+<file path=ppt/slides/slide32.xml><?xml version="1.0" encoding="utf-8"?>
+<p:sld xmlns:a="http://schemas.openxmlformats.org/drawingml/2006/main" xmlns:r="http://schemas.openxmlformats.org/officeDocument/2006/relationships" xmlns:p="http://schemas.openxmlformats.org/presentationml/2006/main">
+  <p:cSld>
+    <p:spTree>
+      <p:nvGrpSpPr>
+        <p:cNvPr id="1" name=""/>
+        <p:cNvGrpSpPr/>
+        <p:nvPr/>
+      </p:nvGrpSpPr>
+      <p:grpSpPr>
+        <a:xfrm>
+          <a:off x="0" y="0"/>
+          <a:ext cx="0" cy="0"/>
+          <a:chOff x="0" y="0"/>
+          <a:chExt cx="0" cy="0"/>
+        </a:xfrm>
+      </p:grpSpPr>
+      <p:sp>
+        <p:nvSpPr>
+          <p:cNvPr id="2" name="Title 1"/>
+          <p:cNvSpPr>
+            <a:spLocks noGrp="1"/>
+          </p:cNvSpPr>
+          <p:nvPr>
+            <p:ph type="title"/>
+          </p:nvPr>
+        </p:nvSpPr>
+        <p:spPr/>
+        <p:txBody>
+          <a:bodyPr/>
+          <a:lstStyle/>
+          <a:p>
+            <a:r>
+              <a:rPr lang="en-US" dirty="0" smtClean="0"/>
+              <a:t>Content </a:t>
+            </a:r>
+            <a:r>
+              <a:rPr lang="en-US" smtClean="0"/>
+              <a:t>Provider Layer</a:t>
+            </a:r>
+            <a:endParaRPr lang="en-US"/>
+          </a:p>
+        </p:txBody>
+      </p:sp>
+      <p:graphicFrame>
+        <p:nvGraphicFramePr>
+          <p:cNvPr id="3" name="Diagram 2"/>
+          <p:cNvGraphicFramePr/>
+          <p:nvPr/>
+        </p:nvGraphicFramePr>
+        <p:xfrm>
+          <a:off x="723900" y="1905000"/>
+          <a:ext cx="7696200" cy="3048000"/>
+        </p:xfrm>
+        <a:graphic>
+          <a:graphicData uri="http://schemas.openxmlformats.org/drawingml/2006/diagram">
+            <dgm:relIds xmlns:dgm="http://schemas.openxmlformats.org/drawingml/2006/diagram" xmlns:r="http://schemas.openxmlformats.org/officeDocument/2006/relationships" r:dm="rId2" r:lo="rId3" r:qs="rId4" r:cs="rId5"/>
+          </a:graphicData>
+        </a:graphic>
+      </p:graphicFrame>
+    </p:spTree>
+    <p:extLst>
+      <p:ext uri="{BB962C8B-B14F-4D97-AF65-F5344CB8AC3E}">
+        <p14:creationId xmlns:p14="http://schemas.microsoft.com/office/powerpoint/2010/main" val="554593828"/>
+      </p:ext>
+    </p:extLst>
+  </p:cSld>
+  <p:clrMapOvr>
+    <a:masterClrMapping/>
+  </p:clrMapOvr>
+</p:sld>
+</file>
+
+<file path=ppt/slides/slide33.xml><?xml version="1.0" encoding="utf-8"?>
+<p:sld xmlns:a="http://schemas.openxmlformats.org/drawingml/2006/main" xmlns:r="http://schemas.openxmlformats.org/officeDocument/2006/relationships" xmlns:p="http://schemas.openxmlformats.org/presentationml/2006/main">
+  <p:cSld>
+    <p:spTree>
+      <p:nvGrpSpPr>
+        <p:cNvPr id="1" name=""/>
+        <p:cNvGrpSpPr/>
+        <p:nvPr/>
+      </p:nvGrpSpPr>
+      <p:grpSpPr>
+        <a:xfrm>
+          <a:off x="0" y="0"/>
+          <a:ext cx="0" cy="0"/>
+          <a:chOff x="0" y="0"/>
+          <a:chExt cx="0" cy="0"/>
+        </a:xfrm>
+      </p:grpSpPr>
+      <p:sp>
+        <p:nvSpPr>
+          <p:cNvPr id="2" name="Title 1"/>
+          <p:cNvSpPr>
+            <a:spLocks noGrp="1"/>
+          </p:cNvSpPr>
+          <p:nvPr>
+            <p:ph type="title"/>
+          </p:nvPr>
+        </p:nvSpPr>
+        <p:spPr/>
+        <p:txBody>
+          <a:bodyPr>
+            <a:normAutofit/>
+          </a:bodyPr>
+          <a:lstStyle/>
+          <a:p>
+            <a:r>
+              <a:rPr lang="en-US" dirty="0" smtClean="0">
+                <a:solidFill>
+                  <a:srgbClr val="141717"/>
+                </a:solidFill>
+                <a:latin typeface="Franklin Gothic Medium"/>
+                <a:cs typeface="Franklin Gothic Medium"/>
+              </a:rPr>
+              <a:t>Resources</a:t>
+            </a:r>
+          </a:p>
+        </p:txBody>
+      </p:sp>
+      <p:sp>
+        <p:nvSpPr>
+          <p:cNvPr id="3" name="Content Placeholder 2"/>
+          <p:cNvSpPr>
+            <a:spLocks noGrp="1"/>
+          </p:cNvSpPr>
+          <p:nvPr>
+            <p:ph idx="1"/>
+          </p:nvPr>
+        </p:nvSpPr>
+        <p:spPr/>
+        <p:txBody>
+          <a:bodyPr>
+            <a:normAutofit fontScale="92500" lnSpcReduction="20000"/>
+          </a:bodyPr>
+          <a:lstStyle/>
+          <a:p>
+            <a:pPr>
+              <a:lnSpc>
+                <a:spcPct val="150000"/>
+              </a:lnSpc>
+            </a:pPr>
+            <a:r>
+              <a:rPr lang="en-US" dirty="0" smtClean="0">
+                <a:solidFill>
+                  <a:srgbClr val="141717"/>
+                </a:solidFill>
+              </a:rPr>
+              <a:t>Images, layout descriptions, binary blobs and string dictionaries</a:t>
+            </a:r>
+          </a:p>
+          <a:p>
+            <a:pPr>
+              <a:lnSpc>
+                <a:spcPct val="150000"/>
+              </a:lnSpc>
+            </a:pPr>
+            <a:r>
+              <a:rPr lang="en-US" dirty="0" smtClean="0">
+                <a:solidFill>
+                  <a:srgbClr val="141717"/>
+                </a:solidFill>
+              </a:rPr>
+              <a:t>Abstraction layer which helps decouples code</a:t>
+            </a:r>
+          </a:p>
+          <a:p>
+            <a:pPr>
+              <a:lnSpc>
+                <a:spcPct val="150000"/>
+              </a:lnSpc>
+            </a:pPr>
+            <a:r>
+              <a:rPr lang="en-US" dirty="0" smtClean="0">
+                <a:solidFill>
+                  <a:srgbClr val="141717"/>
+                </a:solidFill>
+              </a:rPr>
+              <a:t>Makes managing assets easier</a:t>
+            </a:r>
+          </a:p>
+          <a:p>
+            <a:pPr lvl="1">
+              <a:lnSpc>
+                <a:spcPct val="150000"/>
+              </a:lnSpc>
+            </a:pPr>
+            <a:r>
+              <a:rPr lang="en-US" dirty="0" smtClean="0">
+                <a:solidFill>
+                  <a:srgbClr val="141717"/>
+                </a:solidFill>
+              </a:rPr>
+              <a:t>Localization</a:t>
+            </a:r>
+          </a:p>
+          <a:p>
+            <a:pPr lvl="1">
+              <a:lnSpc>
+                <a:spcPct val="150000"/>
+              </a:lnSpc>
+            </a:pPr>
+            <a:r>
+              <a:rPr lang="en-US" dirty="0" smtClean="0">
+                <a:solidFill>
+                  <a:srgbClr val="141717"/>
+                </a:solidFill>
+              </a:rPr>
+              <a:t>Multiple displays</a:t>
+            </a:r>
+          </a:p>
+          <a:p>
+            <a:pPr lvl="1">
+              <a:lnSpc>
+                <a:spcPct val="150000"/>
+              </a:lnSpc>
+            </a:pPr>
+            <a:r>
+              <a:rPr lang="en-US" dirty="0" smtClean="0">
+                <a:solidFill>
+                  <a:srgbClr val="141717"/>
+                </a:solidFill>
+              </a:rPr>
+              <a:t>Different hardware configurations</a:t>
+            </a:r>
+          </a:p>
+        </p:txBody>
+      </p:sp>
+    </p:spTree>
+  </p:cSld>
+  <p:clrMapOvr>
+    <a:masterClrMapping/>
+  </p:clrMapOvr>
+</p:sld>
+</file>
+
+<file path=ppt/slides/slide34.xml><?xml version="1.0" encoding="utf-8"?>
+<p:sld xmlns:a="http://schemas.openxmlformats.org/drawingml/2006/main" xmlns:r="http://schemas.openxmlformats.org/officeDocument/2006/relationships" xmlns:p="http://schemas.openxmlformats.org/presentationml/2006/main">
+  <p:cSld>
+    <p:spTree>
+      <p:nvGrpSpPr>
+        <p:cNvPr id="1" name=""/>
+        <p:cNvGrpSpPr/>
+        <p:nvPr/>
+      </p:nvGrpSpPr>
+      <p:grpSpPr>
+        <a:xfrm>
+          <a:off x="0" y="0"/>
+          <a:ext cx="0" cy="0"/>
+          <a:chOff x="0" y="0"/>
+          <a:chExt cx="0" cy="0"/>
+        </a:xfrm>
+      </p:grpSpPr>
+      <p:sp>
+        <p:nvSpPr>
+          <p:cNvPr id="2" name="Title 1"/>
+          <p:cNvSpPr>
+            <a:spLocks noGrp="1"/>
+          </p:cNvSpPr>
+          <p:nvPr>
+            <p:ph type="title"/>
+          </p:nvPr>
+        </p:nvSpPr>
+        <p:spPr/>
+        <p:txBody>
+          <a:bodyPr>
+            <a:normAutofit/>
+          </a:bodyPr>
+          <a:lstStyle/>
+          <a:p>
+            <a:r>
+              <a:rPr lang="en-US" dirty="0" smtClean="0">
+                <a:solidFill>
+                  <a:srgbClr val="141717"/>
+                </a:solidFill>
+                <a:latin typeface="Franklin Gothic Medium"/>
+                <a:cs typeface="Franklin Gothic Medium"/>
+              </a:rPr>
+              <a:t>Code Demo</a:t>
+            </a:r>
+          </a:p>
+        </p:txBody>
+      </p:sp>
+      <p:sp>
+        <p:nvSpPr>
+          <p:cNvPr id="3" name="Content Placeholder 2"/>
+          <p:cNvSpPr>
+            <a:spLocks noGrp="1"/>
+          </p:cNvSpPr>
+          <p:nvPr>
+            <p:ph idx="1"/>
+          </p:nvPr>
+        </p:nvSpPr>
+        <p:spPr/>
+        <p:txBody>
+          <a:bodyPr>
+            <a:normAutofit/>
+          </a:bodyPr>
+          <a:lstStyle/>
+          <a:p>
+            <a:endParaRPr lang="en-US" dirty="0" smtClean="0"/>
+          </a:p>
+          <a:p>
+            <a:endParaRPr lang="en-US" dirty="0" smtClean="0"/>
+          </a:p>
+          <a:p>
+            <a:pPr>
+              <a:buNone/>
+            </a:pPr>
+            <a:endParaRPr lang="en-US" dirty="0" smtClean="0"/>
+          </a:p>
+          <a:p>
+            <a:pPr algn="ctr">
+              <a:buNone/>
+            </a:pPr>
+            <a:r>
+              <a:rPr lang="en-US" sz="2000" dirty="0" smtClean="0">
+                <a:latin typeface="Lucida Console" pitchFamily="49" charset="0"/>
+                <a:hlinkClick r:id="rId3"/>
+              </a:rPr>
+              <a:t>https://github.com/kevinmcmahon/MonoDroid101</a:t>
+            </a:r>
+            <a:endParaRPr lang="en-US" sz="2000" dirty="0" smtClean="0">
+              <a:latin typeface="Lucida Console" pitchFamily="49" charset="0"/>
+            </a:endParaRPr>
+          </a:p>
+        </p:txBody>
+      </p:sp>
+    </p:spTree>
+  </p:cSld>
+  <p:clrMapOvr>
+    <a:masterClrMapping/>
+  </p:clrMapOvr>
+</p:sld>
+</file>
+
+<file path=ppt/slides/slide35.xml><?xml version="1.0" encoding="utf-8"?>
+<p:sld xmlns:a="http://schemas.openxmlformats.org/drawingml/2006/main" xmlns:r="http://schemas.openxmlformats.org/officeDocument/2006/relationships" xmlns:p="http://schemas.openxmlformats.org/presentationml/2006/main">
+  <p:cSld>
+    <p:spTree>
+      <p:nvGrpSpPr>
+        <p:cNvPr id="1" name=""/>
+        <p:cNvGrpSpPr/>
+        <p:nvPr/>
+      </p:nvGrpSpPr>
+      <p:grpSpPr>
+        <a:xfrm>
+          <a:off x="0" y="0"/>
+          <a:ext cx="0" cy="0"/>
+          <a:chOff x="0" y="0"/>
+          <a:chExt cx="0" cy="0"/>
+        </a:xfrm>
+      </p:grpSpPr>
+      <p:sp>
+        <p:nvSpPr>
+          <p:cNvPr id="2" name="Title 1"/>
+          <p:cNvSpPr>
+            <a:spLocks noGrp="1"/>
+          </p:cNvSpPr>
+          <p:nvPr>
+            <p:ph type="title"/>
+          </p:nvPr>
+        </p:nvSpPr>
+        <p:spPr/>
+        <p:txBody>
+          <a:bodyPr/>
+          <a:lstStyle/>
+          <a:p>
+            <a:r>
+              <a:rPr lang="en-US" dirty="0" smtClean="0">
+                <a:solidFill>
+                  <a:srgbClr val="141717"/>
+                </a:solidFill>
+                <a:latin typeface="Franklin Gothic Medium"/>
+                <a:cs typeface="Franklin Gothic Medium"/>
+              </a:rPr>
+              <a:t>Mono </a:t>
+            </a:r>
+            <a:r>
+              <a:rPr lang="en-US" smtClean="0">
+                <a:solidFill>
+                  <a:srgbClr val="141717"/>
+                </a:solidFill>
+                <a:latin typeface="Franklin Gothic Medium"/>
+                <a:cs typeface="Franklin Gothic Medium"/>
+              </a:rPr>
+              <a:t>for Android </a:t>
+            </a:r>
+            <a:r>
+              <a:rPr lang="en-US" dirty="0" smtClean="0">
+                <a:solidFill>
+                  <a:srgbClr val="141717"/>
+                </a:solidFill>
+                <a:latin typeface="Franklin Gothic Medium"/>
+                <a:cs typeface="Franklin Gothic Medium"/>
+              </a:rPr>
+              <a:t>Resources</a:t>
+            </a:r>
+            <a:endParaRPr lang="en-US" dirty="0">
+              <a:solidFill>
+                <a:srgbClr val="141717"/>
+              </a:solidFill>
+              <a:latin typeface="Franklin Gothic Medium"/>
+              <a:cs typeface="Franklin Gothic Medium"/>
+            </a:endParaRPr>
+          </a:p>
+        </p:txBody>
+      </p:sp>
+      <p:sp>
+        <p:nvSpPr>
+          <p:cNvPr id="3" name="Content Placeholder 2"/>
+          <p:cNvSpPr>
+            <a:spLocks noGrp="1"/>
+          </p:cNvSpPr>
+          <p:nvPr>
+            <p:ph idx="1"/>
+          </p:nvPr>
+        </p:nvSpPr>
+        <p:spPr/>
+        <p:txBody>
+          <a:bodyPr>
+            <a:normAutofit fontScale="70000" lnSpcReduction="20000"/>
+          </a:bodyPr>
+          <a:lstStyle/>
+          <a:p>
+            <a:pPr>
+              <a:buNone/>
+            </a:pPr>
+            <a:r>
+              <a:rPr lang="en-US" dirty="0" smtClean="0">
+                <a:solidFill>
+                  <a:srgbClr val="141717"/>
+                </a:solidFill>
+              </a:rPr>
+              <a:t>Download the Preview!</a:t>
+            </a:r>
+          </a:p>
+          <a:p>
+            <a:r>
+              <a:rPr lang="en-US" dirty="0" smtClean="0">
+                <a:solidFill>
+                  <a:srgbClr val="141717"/>
+                </a:solidFill>
+                <a:latin typeface="Lucida Console"/>
+                <a:cs typeface="Lucida Console"/>
+                <a:hlinkClick r:id="rId2"/>
+              </a:rPr>
+              <a:t>http:</a:t>
+            </a:r>
+            <a:r>
+              <a:rPr lang="en-US" dirty="0">
+                <a:solidFill>
+                  <a:srgbClr val="141717"/>
+                </a:solidFill>
+                <a:latin typeface="Lucida Console"/>
+                <a:cs typeface="Lucida Console"/>
+                <a:hlinkClick r:id="rId2"/>
+              </a:rPr>
+              <a:t>/</a:t>
+            </a:r>
+            <a:r>
+              <a:rPr lang="en-US" dirty="0" smtClean="0">
+                <a:solidFill>
+                  <a:srgbClr val="141717"/>
+                </a:solidFill>
+                <a:latin typeface="Lucida Console"/>
+                <a:cs typeface="Lucida Console"/>
+                <a:hlinkClick r:id="rId2"/>
+              </a:rPr>
+              <a:t>/mono</a:t>
+            </a:r>
+            <a:r>
+              <a:rPr lang="en-US" dirty="0">
+                <a:solidFill>
+                  <a:srgbClr val="141717"/>
+                </a:solidFill>
+                <a:latin typeface="Lucida Console"/>
+                <a:cs typeface="Lucida Console"/>
+                <a:hlinkClick r:id="rId2"/>
+              </a:rPr>
+              <a:t>-</a:t>
+            </a:r>
+            <a:r>
+              <a:rPr lang="en-US" dirty="0" smtClean="0">
+                <a:solidFill>
+                  <a:srgbClr val="141717"/>
+                </a:solidFill>
+                <a:latin typeface="Lucida Console"/>
+                <a:cs typeface="Lucida Console"/>
+                <a:hlinkClick r:id="rId2"/>
+              </a:rPr>
+              <a:t>android.net/Welcome</a:t>
+            </a:r>
+            <a:endParaRPr lang="en-US" dirty="0" smtClean="0">
+              <a:solidFill>
+                <a:srgbClr val="141717"/>
+              </a:solidFill>
+              <a:latin typeface="Lucida Console"/>
+              <a:cs typeface="Lucida Console"/>
+            </a:endParaRPr>
+          </a:p>
+          <a:p>
+            <a:pPr>
+              <a:buNone/>
+            </a:pPr>
+            <a:endParaRPr lang="en-US" dirty="0" smtClean="0">
+              <a:solidFill>
+                <a:srgbClr val="141717"/>
+              </a:solidFill>
+            </a:endParaRPr>
+          </a:p>
+          <a:p>
+            <a:pPr>
+              <a:buNone/>
+            </a:pPr>
+            <a:r>
+              <a:rPr lang="en-US" dirty="0" smtClean="0">
+                <a:solidFill>
+                  <a:srgbClr val="141717"/>
+                </a:solidFill>
+              </a:rPr>
+              <a:t>Links</a:t>
+            </a:r>
+          </a:p>
+          <a:p>
+            <a:r>
+              <a:rPr lang="en-US" sz="2571" dirty="0" smtClean="0">
+                <a:solidFill>
+                  <a:srgbClr val="141717"/>
+                </a:solidFill>
+                <a:latin typeface="Lucida Console"/>
+                <a:hlinkClick r:id="rId3"/>
+              </a:rPr>
+              <a:t>http://www.mono-android.net</a:t>
+            </a:r>
+          </a:p>
+          <a:p>
+            <a:r>
+              <a:rPr lang="en-US" sz="2571" dirty="0" smtClean="0">
+                <a:solidFill>
+                  <a:srgbClr val="141717"/>
+                </a:solidFill>
+                <a:latin typeface="Lucida Console"/>
+                <a:hlinkClick r:id="rId4"/>
+              </a:rPr>
+              <a:t>http://developer.android.com/</a:t>
+            </a:r>
+            <a:endParaRPr lang="en-US" sz="2571" dirty="0" smtClean="0">
+              <a:solidFill>
+                <a:srgbClr val="141717"/>
+              </a:solidFill>
+              <a:latin typeface="Lucida Console"/>
+            </a:endParaRPr>
+          </a:p>
+          <a:p>
+            <a:endParaRPr lang="en-US" dirty="0" smtClean="0">
+              <a:solidFill>
+                <a:srgbClr val="141717"/>
+              </a:solidFill>
+            </a:endParaRPr>
+          </a:p>
+          <a:p>
+            <a:pPr>
+              <a:buNone/>
+            </a:pPr>
+            <a:r>
+              <a:rPr lang="en-US" dirty="0" smtClean="0">
+                <a:solidFill>
+                  <a:srgbClr val="141717"/>
+                </a:solidFill>
+              </a:rPr>
+              <a:t>IRC Support / Discussion</a:t>
+            </a:r>
+          </a:p>
+          <a:p>
+            <a:r>
+              <a:rPr lang="en-US" sz="2581" dirty="0" smtClean="0">
+                <a:solidFill>
+                  <a:srgbClr val="141717"/>
+                </a:solidFill>
+                <a:latin typeface="Lucida Console"/>
+                <a:cs typeface="Lucida Console"/>
+              </a:rPr>
+              <a:t>#</a:t>
+            </a:r>
+            <a:r>
+              <a:rPr lang="en-US" sz="2581" dirty="0" err="1" smtClean="0">
+                <a:solidFill>
+                  <a:srgbClr val="141717"/>
+                </a:solidFill>
+                <a:latin typeface="Lucida Console"/>
+                <a:cs typeface="Lucida Console"/>
+              </a:rPr>
+              <a:t>monodroid</a:t>
+            </a:r>
+            <a:r>
+              <a:rPr lang="en-US" sz="2581" dirty="0" smtClean="0">
+                <a:solidFill>
+                  <a:srgbClr val="141717"/>
+                </a:solidFill>
+                <a:latin typeface="Lucida Console"/>
+                <a:cs typeface="Lucida Console"/>
+              </a:rPr>
+              <a:t>  on </a:t>
+            </a:r>
+            <a:r>
+              <a:rPr lang="en-US" sz="2581" dirty="0" err="1" smtClean="0">
+                <a:solidFill>
+                  <a:srgbClr val="141717"/>
+                </a:solidFill>
+                <a:latin typeface="Lucida Console"/>
+                <a:cs typeface="Lucida Console"/>
+              </a:rPr>
+              <a:t>irc.gnome.org</a:t>
+            </a:r>
+            <a:endParaRPr lang="en-US" sz="2581" dirty="0" smtClean="0">
+              <a:solidFill>
+                <a:srgbClr val="141717"/>
+              </a:solidFill>
+              <a:latin typeface="Lucida Console"/>
+              <a:cs typeface="Lucida Console"/>
+            </a:endParaRPr>
+          </a:p>
+          <a:p>
+            <a:endParaRPr lang="en-US" dirty="0" smtClean="0">
+              <a:solidFill>
+                <a:srgbClr val="141717"/>
+              </a:solidFill>
+            </a:endParaRPr>
+          </a:p>
+          <a:p>
+            <a:pPr>
+              <a:buNone/>
+            </a:pPr>
+            <a:r>
+              <a:rPr lang="en-US" dirty="0" smtClean="0">
+                <a:solidFill>
+                  <a:srgbClr val="141717"/>
+                </a:solidFill>
+              </a:rPr>
+              <a:t>Code</a:t>
+            </a:r>
+          </a:p>
+          <a:p>
+            <a:r>
+              <a:rPr lang="en-US" sz="2571" dirty="0" smtClean="0">
+                <a:solidFill>
+                  <a:srgbClr val="141717"/>
+                </a:solidFill>
+                <a:latin typeface="Lucida Console"/>
+                <a:cs typeface="Lucida Console"/>
+                <a:hlinkClick r:id="rId5"/>
+              </a:rPr>
+              <a:t>https://github.com/mono/monodroid-samples</a:t>
+            </a:r>
+            <a:endParaRPr lang="en-US" sz="2571" dirty="0" smtClean="0">
+              <a:solidFill>
+                <a:srgbClr val="141717"/>
+              </a:solidFill>
+              <a:latin typeface="Lucida Console"/>
+              <a:cs typeface="Lucida Console"/>
+            </a:endParaRPr>
+          </a:p>
+          <a:p>
+            <a:r>
+              <a:rPr lang="en-US" sz="2571" dirty="0" smtClean="0">
+                <a:solidFill>
+                  <a:srgbClr val="141717"/>
+                </a:solidFill>
+                <a:latin typeface="Lucida Console"/>
+                <a:cs typeface="Lucida Console"/>
+                <a:hlinkClick r:id="rId6"/>
+              </a:rPr>
+              <a:t>https://github.com/kevinmcmahon/MonoDroid101</a:t>
+            </a:r>
+            <a:endParaRPr lang="en-US" sz="2400" dirty="0" smtClean="0">
+              <a:solidFill>
+                <a:srgbClr val="141717"/>
+              </a:solidFill>
+            </a:endParaRPr>
+          </a:p>
+        </p:txBody>
+      </p:sp>
+    </p:spTree>
   </p:cSld>
   <p:clrMapOvr>
     <a:masterClrMapping/>
